--- a/AC_WD_M3_UI_Frameworks_ITSF_Project_Presentation_V3.pptx
+++ b/AC_WD_M3_UI_Frameworks_ITSF_Project_Presentation_V3.pptx
@@ -5,35 +5,146 @@
     <p:sldMasterId id="2147483648" r:id="rId1"/>
   </p:sldMasterIdLst>
   <p:sldIdLst>
-    <p:sldId id="256" r:id="rId6"/>
-    <p:sldId id="257" r:id="rId7"/>
-    <p:sldId id="258" r:id="rId8"/>
-    <p:sldId id="259" r:id="rId9"/>
-    <p:sldId id="260" r:id="rId10"/>
-    <p:sldId id="261" r:id="rId11"/>
-    <p:sldId id="262" r:id="rId12"/>
-    <p:sldId id="263" r:id="rId13"/>
-    <p:sldId id="264" r:id="rId14"/>
-    <p:sldId id="265" r:id="rId15"/>
-    <p:sldId id="266" r:id="rId16"/>
-    <p:sldId id="267" r:id="rId17"/>
-    <p:sldId id="268" r:id="rId18"/>
-    <p:sldId id="269" r:id="rId19"/>
-    <p:sldId id="270" r:id="rId20"/>
-    <p:sldId id="271" r:id="rId21"/>
-    <p:sldId id="272" r:id="rId22"/>
-    <p:sldId id="273" r:id="rId23"/>
-    <p:sldId id="274" r:id="rId24"/>
-    <p:sldId id="275" r:id="rId25"/>
-    <p:sldId id="276" r:id="rId26"/>
+    <p:sldId id="256" r:id="rId2"/>
+    <p:sldId id="257" r:id="rId3"/>
+    <p:sldId id="258" r:id="rId4"/>
+    <p:sldId id="259" r:id="rId5"/>
+    <p:sldId id="260" r:id="rId6"/>
+    <p:sldId id="261" r:id="rId7"/>
+    <p:sldId id="262" r:id="rId8"/>
+    <p:sldId id="263" r:id="rId9"/>
+    <p:sldId id="264" r:id="rId10"/>
+    <p:sldId id="265" r:id="rId11"/>
+    <p:sldId id="266" r:id="rId12"/>
+    <p:sldId id="267" r:id="rId13"/>
+    <p:sldId id="268" r:id="rId14"/>
+    <p:sldId id="269" r:id="rId15"/>
+    <p:sldId id="270" r:id="rId16"/>
+    <p:sldId id="271" r:id="rId17"/>
+    <p:sldId id="272" r:id="rId18"/>
+    <p:sldId id="273" r:id="rId19"/>
+    <p:sldId id="274" r:id="rId20"/>
+    <p:sldId id="275" r:id="rId21"/>
+    <p:sldId id="276" r:id="rId22"/>
   </p:sldIdLst>
-  <p:sldSz cx="9144000" cy="6858000"/>
+  <p:sldSz cx="9144000" cy="6858000" type="screen4x3"/>
   <p:notesSz cx="9144000" cy="6858000"/>
+  <p:defaultTextStyle>
+    <a:defPPr>
+      <a:defRPr lang="en-US"/>
+    </a:defPPr>
+    <a:lvl1pPr marL="0" algn="l" defTabSz="914400" rtl="0" eaLnBrk="1" latinLnBrk="0" hangingPunct="1">
+      <a:defRPr sz="1800" kern="1200">
+        <a:solidFill>
+          <a:schemeClr val="tx1"/>
+        </a:solidFill>
+        <a:latin typeface="+mn-lt"/>
+        <a:ea typeface="+mn-ea"/>
+        <a:cs typeface="+mn-cs"/>
+      </a:defRPr>
+    </a:lvl1pPr>
+    <a:lvl2pPr marL="457200" algn="l" defTabSz="914400" rtl="0" eaLnBrk="1" latinLnBrk="0" hangingPunct="1">
+      <a:defRPr sz="1800" kern="1200">
+        <a:solidFill>
+          <a:schemeClr val="tx1"/>
+        </a:solidFill>
+        <a:latin typeface="+mn-lt"/>
+        <a:ea typeface="+mn-ea"/>
+        <a:cs typeface="+mn-cs"/>
+      </a:defRPr>
+    </a:lvl2pPr>
+    <a:lvl3pPr marL="914400" algn="l" defTabSz="914400" rtl="0" eaLnBrk="1" latinLnBrk="0" hangingPunct="1">
+      <a:defRPr sz="1800" kern="1200">
+        <a:solidFill>
+          <a:schemeClr val="tx1"/>
+        </a:solidFill>
+        <a:latin typeface="+mn-lt"/>
+        <a:ea typeface="+mn-ea"/>
+        <a:cs typeface="+mn-cs"/>
+      </a:defRPr>
+    </a:lvl3pPr>
+    <a:lvl4pPr marL="1371600" algn="l" defTabSz="914400" rtl="0" eaLnBrk="1" latinLnBrk="0" hangingPunct="1">
+      <a:defRPr sz="1800" kern="1200">
+        <a:solidFill>
+          <a:schemeClr val="tx1"/>
+        </a:solidFill>
+        <a:latin typeface="+mn-lt"/>
+        <a:ea typeface="+mn-ea"/>
+        <a:cs typeface="+mn-cs"/>
+      </a:defRPr>
+    </a:lvl4pPr>
+    <a:lvl5pPr marL="1828800" algn="l" defTabSz="914400" rtl="0" eaLnBrk="1" latinLnBrk="0" hangingPunct="1">
+      <a:defRPr sz="1800" kern="1200">
+        <a:solidFill>
+          <a:schemeClr val="tx1"/>
+        </a:solidFill>
+        <a:latin typeface="+mn-lt"/>
+        <a:ea typeface="+mn-ea"/>
+        <a:cs typeface="+mn-cs"/>
+      </a:defRPr>
+    </a:lvl5pPr>
+    <a:lvl6pPr marL="2286000" algn="l" defTabSz="914400" rtl="0" eaLnBrk="1" latinLnBrk="0" hangingPunct="1">
+      <a:defRPr sz="1800" kern="1200">
+        <a:solidFill>
+          <a:schemeClr val="tx1"/>
+        </a:solidFill>
+        <a:latin typeface="+mn-lt"/>
+        <a:ea typeface="+mn-ea"/>
+        <a:cs typeface="+mn-cs"/>
+      </a:defRPr>
+    </a:lvl6pPr>
+    <a:lvl7pPr marL="2743200" algn="l" defTabSz="914400" rtl="0" eaLnBrk="1" latinLnBrk="0" hangingPunct="1">
+      <a:defRPr sz="1800" kern="1200">
+        <a:solidFill>
+          <a:schemeClr val="tx1"/>
+        </a:solidFill>
+        <a:latin typeface="+mn-lt"/>
+        <a:ea typeface="+mn-ea"/>
+        <a:cs typeface="+mn-cs"/>
+      </a:defRPr>
+    </a:lvl7pPr>
+    <a:lvl8pPr marL="3200400" algn="l" defTabSz="914400" rtl="0" eaLnBrk="1" latinLnBrk="0" hangingPunct="1">
+      <a:defRPr sz="1800" kern="1200">
+        <a:solidFill>
+          <a:schemeClr val="tx1"/>
+        </a:solidFill>
+        <a:latin typeface="+mn-lt"/>
+        <a:ea typeface="+mn-ea"/>
+        <a:cs typeface="+mn-cs"/>
+      </a:defRPr>
+    </a:lvl8pPr>
+    <a:lvl9pPr marL="3657600" algn="l" defTabSz="914400" rtl="0" eaLnBrk="1" latinLnBrk="0" hangingPunct="1">
+      <a:defRPr sz="1800" kern="1200">
+        <a:solidFill>
+          <a:schemeClr val="tx1"/>
+        </a:solidFill>
+        <a:latin typeface="+mn-lt"/>
+        <a:ea typeface="+mn-ea"/>
+        <a:cs typeface="+mn-cs"/>
+      </a:defRPr>
+    </a:lvl9pPr>
+  </p:defaultTextStyle>
+  <p:extLst>
+    <p:ext uri="{EFAFB233-063F-42B5-8137-9DF3F51BA10A}">
+      <p15:sldGuideLst xmlns:p15="http://schemas.microsoft.com/office/powerpoint/2012/main">
+        <p15:guide id="1" orient="horz" pos="2880">
+          <p15:clr>
+            <a:srgbClr val="A4A3A4"/>
+          </p15:clr>
+        </p15:guide>
+        <p15:guide id="2" pos="2160">
+          <p15:clr>
+            <a:srgbClr val="A4A3A4"/>
+          </p15:clr>
+        </p15:guide>
+      </p15:sldGuideLst>
+    </p:ext>
+  </p:extLst>
 </p:presentation>
 </file>
 
 <file path=ppt/slideLayouts/slideLayout1.xml><?xml version="1.0" encoding="utf-8"?>
-<p:sldLayout xmlns:a="http://schemas.openxmlformats.org/drawingml/2006/main" xmlns:r="http://schemas.openxmlformats.org/officeDocument/2006/relationships" xmlns:p="http://schemas.openxmlformats.org/presentationml/2006/main" preserve="1" type="obj">
+<p:sldLayout xmlns:a="http://schemas.openxmlformats.org/drawingml/2006/main" xmlns:r="http://schemas.openxmlformats.org/officeDocument/2006/relationships" xmlns:p="http://schemas.openxmlformats.org/presentationml/2006/main" type="obj" preserve="1">
   <p:cSld name="Title Slide">
     <p:spTree>
       <p:nvGrpSpPr>
@@ -77,7 +188,9 @@
               <a:defRPr/>
             </a:lvl1pPr>
           </a:lstStyle>
-          <a:p/>
+          <a:p>
+            <a:endParaRPr/>
+          </a:p>
         </p:txBody>
       </p:sp>
       <p:sp>
@@ -108,7 +221,9 @@
               <a:defRPr/>
             </a:lvl1pPr>
           </a:lstStyle>
-          <a:p/>
+          <a:p>
+            <a:endParaRPr/>
+          </a:p>
         </p:txBody>
       </p:sp>
       <p:sp>
@@ -118,7 +233,7 @@
             <a:spLocks noGrp="1"/>
           </p:cNvSpPr>
           <p:nvPr>
-            <p:ph type="ftr" idx="5" sz="quarter"/>
+            <p:ph type="ftr" sz="quarter" idx="5"/>
           </p:nvPr>
         </p:nvSpPr>
         <p:spPr/>
@@ -135,7 +250,9 @@
               </a:defRPr>
             </a:lvl1pPr>
           </a:lstStyle>
-          <a:p/>
+          <a:p>
+            <a:endParaRPr/>
+          </a:p>
         </p:txBody>
       </p:sp>
       <p:sp>
@@ -145,7 +262,7 @@
             <a:spLocks noGrp="1"/>
           </p:cNvSpPr>
           <p:nvPr>
-            <p:ph type="dt" idx="6" sz="half"/>
+            <p:ph type="dt" sz="half" idx="6"/>
           </p:nvPr>
         </p:nvSpPr>
         <p:spPr/>
@@ -165,7 +282,9 @@
           <a:p>
             <a:fld id="{1D8BD707-D9CF-40AE-B4C6-C98DA3205C09}" type="datetimeFigureOut">
               <a:rPr lang="en-US"/>
+              <a:t>1/11/2023</a:t>
             </a:fld>
+            <a:endParaRPr lang="en-US"/>
           </a:p>
         </p:txBody>
       </p:sp>
@@ -176,7 +295,7 @@
             <a:spLocks noGrp="1"/>
           </p:cNvSpPr>
           <p:nvPr>
-            <p:ph type="sldNum" idx="7" sz="quarter"/>
+            <p:ph type="sldNum" sz="quarter" idx="7"/>
           </p:nvPr>
         </p:nvSpPr>
         <p:spPr/>
@@ -195,8 +314,9 @@
           </a:lstStyle>
           <a:p>
             <a:fld id="{B6F15528-21DE-4FAA-801E-634DDDAF4B2B}" type="slidenum">
-              <a:t>#</a:t>
+              <a:t>‹#›</a:t>
             </a:fld>
+            <a:endParaRPr/>
           </a:p>
         </p:txBody>
       </p:sp>
@@ -209,7 +329,7 @@
 </file>
 
 <file path=ppt/slideLayouts/slideLayout2.xml><?xml version="1.0" encoding="utf-8"?>
-<p:sldLayout xmlns:a="http://schemas.openxmlformats.org/drawingml/2006/main" xmlns:r="http://schemas.openxmlformats.org/officeDocument/2006/relationships" xmlns:p="http://schemas.openxmlformats.org/presentationml/2006/main" preserve="1" type="obj">
+<p:sldLayout xmlns:a="http://schemas.openxmlformats.org/drawingml/2006/main" xmlns:r="http://schemas.openxmlformats.org/officeDocument/2006/relationships" xmlns:p="http://schemas.openxmlformats.org/presentationml/2006/main" type="obj" preserve="1">
   <p:cSld name="Title and Content">
     <p:spTree>
       <p:nvGrpSpPr>
@@ -249,7 +369,9 @@
               </a:defRPr>
             </a:lvl1pPr>
           </a:lstStyle>
-          <a:p/>
+          <a:p>
+            <a:endParaRPr/>
+          </a:p>
         </p:txBody>
       </p:sp>
       <p:sp>
@@ -274,7 +396,9 @@
               </a:defRPr>
             </a:lvl1pPr>
           </a:lstStyle>
-          <a:p/>
+          <a:p>
+            <a:endParaRPr/>
+          </a:p>
         </p:txBody>
       </p:sp>
       <p:sp>
@@ -284,7 +408,7 @@
             <a:spLocks noGrp="1"/>
           </p:cNvSpPr>
           <p:nvPr>
-            <p:ph type="ftr" idx="5" sz="quarter"/>
+            <p:ph type="ftr" sz="quarter" idx="5"/>
           </p:nvPr>
         </p:nvSpPr>
         <p:spPr/>
@@ -301,7 +425,9 @@
               </a:defRPr>
             </a:lvl1pPr>
           </a:lstStyle>
-          <a:p/>
+          <a:p>
+            <a:endParaRPr/>
+          </a:p>
         </p:txBody>
       </p:sp>
       <p:sp>
@@ -311,7 +437,7 @@
             <a:spLocks noGrp="1"/>
           </p:cNvSpPr>
           <p:nvPr>
-            <p:ph type="dt" idx="6" sz="half"/>
+            <p:ph type="dt" sz="half" idx="6"/>
           </p:nvPr>
         </p:nvSpPr>
         <p:spPr/>
@@ -331,7 +457,9 @@
           <a:p>
             <a:fld id="{1D8BD707-D9CF-40AE-B4C6-C98DA3205C09}" type="datetimeFigureOut">
               <a:rPr lang="en-US"/>
+              <a:t>1/11/2023</a:t>
             </a:fld>
+            <a:endParaRPr lang="en-US"/>
           </a:p>
         </p:txBody>
       </p:sp>
@@ -342,7 +470,7 @@
             <a:spLocks noGrp="1"/>
           </p:cNvSpPr>
           <p:nvPr>
-            <p:ph type="sldNum" idx="7" sz="quarter"/>
+            <p:ph type="sldNum" sz="quarter" idx="7"/>
           </p:nvPr>
         </p:nvSpPr>
         <p:spPr/>
@@ -361,8 +489,9 @@
           </a:lstStyle>
           <a:p>
             <a:fld id="{B6F15528-21DE-4FAA-801E-634DDDAF4B2B}" type="slidenum">
-              <a:t>#</a:t>
+              <a:t>‹#›</a:t>
             </a:fld>
+            <a:endParaRPr/>
           </a:p>
         </p:txBody>
       </p:sp>
@@ -375,7 +504,7 @@
 </file>
 
 <file path=ppt/slideLayouts/slideLayout3.xml><?xml version="1.0" encoding="utf-8"?>
-<p:sldLayout xmlns:a="http://schemas.openxmlformats.org/drawingml/2006/main" xmlns:r="http://schemas.openxmlformats.org/officeDocument/2006/relationships" xmlns:p="http://schemas.openxmlformats.org/presentationml/2006/main" preserve="1" type="obj">
+<p:sldLayout xmlns:a="http://schemas.openxmlformats.org/drawingml/2006/main" xmlns:r="http://schemas.openxmlformats.org/officeDocument/2006/relationships" xmlns:p="http://schemas.openxmlformats.org/presentationml/2006/main" type="obj" preserve="1">
   <p:cSld name="Two Content">
     <p:spTree>
       <p:nvGrpSpPr>
@@ -415,7 +544,9 @@
               </a:defRPr>
             </a:lvl1pPr>
           </a:lstStyle>
-          <a:p/>
+          <a:p>
+            <a:endParaRPr/>
+          </a:p>
         </p:txBody>
       </p:sp>
       <p:sp>
@@ -425,7 +556,7 @@
             <a:spLocks noGrp="1"/>
           </p:cNvSpPr>
           <p:nvPr>
-            <p:ph idx="2" sz="half"/>
+            <p:ph sz="half" idx="2"/>
           </p:nvPr>
         </p:nvSpPr>
         <p:spPr>
@@ -446,7 +577,9 @@
               <a:defRPr/>
             </a:lvl1pPr>
           </a:lstStyle>
-          <a:p/>
+          <a:p>
+            <a:endParaRPr/>
+          </a:p>
         </p:txBody>
       </p:sp>
       <p:sp>
@@ -456,7 +589,7 @@
             <a:spLocks noGrp="1"/>
           </p:cNvSpPr>
           <p:nvPr>
-            <p:ph idx="3" sz="half"/>
+            <p:ph sz="half" idx="3"/>
           </p:nvPr>
         </p:nvSpPr>
         <p:spPr>
@@ -477,7 +610,9 @@
               <a:defRPr/>
             </a:lvl1pPr>
           </a:lstStyle>
-          <a:p/>
+          <a:p>
+            <a:endParaRPr/>
+          </a:p>
         </p:txBody>
       </p:sp>
       <p:sp>
@@ -487,7 +622,7 @@
             <a:spLocks noGrp="1"/>
           </p:cNvSpPr>
           <p:nvPr>
-            <p:ph type="ftr" idx="5" sz="quarter"/>
+            <p:ph type="ftr" sz="quarter" idx="5"/>
           </p:nvPr>
         </p:nvSpPr>
         <p:spPr/>
@@ -504,7 +639,9 @@
               </a:defRPr>
             </a:lvl1pPr>
           </a:lstStyle>
-          <a:p/>
+          <a:p>
+            <a:endParaRPr/>
+          </a:p>
         </p:txBody>
       </p:sp>
       <p:sp>
@@ -514,7 +651,7 @@
             <a:spLocks noGrp="1"/>
           </p:cNvSpPr>
           <p:nvPr>
-            <p:ph type="dt" idx="6" sz="half"/>
+            <p:ph type="dt" sz="half" idx="6"/>
           </p:nvPr>
         </p:nvSpPr>
         <p:spPr/>
@@ -534,7 +671,9 @@
           <a:p>
             <a:fld id="{1D8BD707-D9CF-40AE-B4C6-C98DA3205C09}" type="datetimeFigureOut">
               <a:rPr lang="en-US"/>
+              <a:t>1/11/2023</a:t>
             </a:fld>
+            <a:endParaRPr lang="en-US"/>
           </a:p>
         </p:txBody>
       </p:sp>
@@ -545,7 +684,7 @@
             <a:spLocks noGrp="1"/>
           </p:cNvSpPr>
           <p:nvPr>
-            <p:ph type="sldNum" idx="7" sz="quarter"/>
+            <p:ph type="sldNum" sz="quarter" idx="7"/>
           </p:nvPr>
         </p:nvSpPr>
         <p:spPr/>
@@ -564,8 +703,9 @@
           </a:lstStyle>
           <a:p>
             <a:fld id="{B6F15528-21DE-4FAA-801E-634DDDAF4B2B}" type="slidenum">
-              <a:t>#</a:t>
+              <a:t>‹#›</a:t>
             </a:fld>
+            <a:endParaRPr/>
           </a:p>
         </p:txBody>
       </p:sp>
@@ -578,7 +718,7 @@
 </file>
 
 <file path=ppt/slideLayouts/slideLayout4.xml><?xml version="1.0" encoding="utf-8"?>
-<p:sldLayout xmlns:a="http://schemas.openxmlformats.org/drawingml/2006/main" xmlns:r="http://schemas.openxmlformats.org/officeDocument/2006/relationships" xmlns:p="http://schemas.openxmlformats.org/presentationml/2006/main" preserve="1" type="obj">
+<p:sldLayout xmlns:a="http://schemas.openxmlformats.org/drawingml/2006/main" xmlns:r="http://schemas.openxmlformats.org/officeDocument/2006/relationships" xmlns:p="http://schemas.openxmlformats.org/presentationml/2006/main" type="obj" preserve="1">
   <p:cSld name="Title Only">
     <p:spTree>
       <p:nvGrpSpPr>
@@ -618,7 +758,9 @@
               </a:defRPr>
             </a:lvl1pPr>
           </a:lstStyle>
-          <a:p/>
+          <a:p>
+            <a:endParaRPr/>
+          </a:p>
         </p:txBody>
       </p:sp>
       <p:sp>
@@ -628,7 +770,7 @@
             <a:spLocks noGrp="1"/>
           </p:cNvSpPr>
           <p:nvPr>
-            <p:ph type="ftr" idx="5" sz="quarter"/>
+            <p:ph type="ftr" sz="quarter" idx="5"/>
           </p:nvPr>
         </p:nvSpPr>
         <p:spPr/>
@@ -645,7 +787,9 @@
               </a:defRPr>
             </a:lvl1pPr>
           </a:lstStyle>
-          <a:p/>
+          <a:p>
+            <a:endParaRPr/>
+          </a:p>
         </p:txBody>
       </p:sp>
       <p:sp>
@@ -655,7 +799,7 @@
             <a:spLocks noGrp="1"/>
           </p:cNvSpPr>
           <p:nvPr>
-            <p:ph type="dt" idx="6" sz="half"/>
+            <p:ph type="dt" sz="half" idx="6"/>
           </p:nvPr>
         </p:nvSpPr>
         <p:spPr/>
@@ -675,7 +819,9 @@
           <a:p>
             <a:fld id="{1D8BD707-D9CF-40AE-B4C6-C98DA3205C09}" type="datetimeFigureOut">
               <a:rPr lang="en-US"/>
+              <a:t>1/11/2023</a:t>
             </a:fld>
+            <a:endParaRPr lang="en-US"/>
           </a:p>
         </p:txBody>
       </p:sp>
@@ -686,7 +832,7 @@
             <a:spLocks noGrp="1"/>
           </p:cNvSpPr>
           <p:nvPr>
-            <p:ph type="sldNum" idx="7" sz="quarter"/>
+            <p:ph type="sldNum" sz="quarter" idx="7"/>
           </p:nvPr>
         </p:nvSpPr>
         <p:spPr/>
@@ -705,8 +851,9 @@
           </a:lstStyle>
           <a:p>
             <a:fld id="{B6F15528-21DE-4FAA-801E-634DDDAF4B2B}" type="slidenum">
-              <a:t>#</a:t>
+              <a:t>‹#›</a:t>
             </a:fld>
+            <a:endParaRPr/>
           </a:p>
         </p:txBody>
       </p:sp>
@@ -719,7 +866,7 @@
 </file>
 
 <file path=ppt/slideLayouts/slideLayout5.xml><?xml version="1.0" encoding="utf-8"?>
-<p:sldLayout xmlns:a="http://schemas.openxmlformats.org/drawingml/2006/main" xmlns:r="http://schemas.openxmlformats.org/officeDocument/2006/relationships" xmlns:p="http://schemas.openxmlformats.org/presentationml/2006/main" preserve="1" type="obj">
+<p:sldLayout xmlns:a="http://schemas.openxmlformats.org/drawingml/2006/main" xmlns:r="http://schemas.openxmlformats.org/officeDocument/2006/relationships" xmlns:p="http://schemas.openxmlformats.org/presentationml/2006/main" type="obj" preserve="1">
   <p:cSld name="Blank">
     <p:spTree>
       <p:nvGrpSpPr>
@@ -742,7 +889,7 @@
             <a:spLocks noGrp="1"/>
           </p:cNvSpPr>
           <p:nvPr>
-            <p:ph type="ftr" idx="5" sz="quarter"/>
+            <p:ph type="ftr" sz="quarter" idx="5"/>
           </p:nvPr>
         </p:nvSpPr>
         <p:spPr/>
@@ -759,7 +906,9 @@
               </a:defRPr>
             </a:lvl1pPr>
           </a:lstStyle>
-          <a:p/>
+          <a:p>
+            <a:endParaRPr/>
+          </a:p>
         </p:txBody>
       </p:sp>
       <p:sp>
@@ -769,7 +918,7 @@
             <a:spLocks noGrp="1"/>
           </p:cNvSpPr>
           <p:nvPr>
-            <p:ph type="dt" idx="6" sz="half"/>
+            <p:ph type="dt" sz="half" idx="6"/>
           </p:nvPr>
         </p:nvSpPr>
         <p:spPr/>
@@ -789,7 +938,9 @@
           <a:p>
             <a:fld id="{1D8BD707-D9CF-40AE-B4C6-C98DA3205C09}" type="datetimeFigureOut">
               <a:rPr lang="en-US"/>
+              <a:t>1/11/2023</a:t>
             </a:fld>
+            <a:endParaRPr lang="en-US"/>
           </a:p>
         </p:txBody>
       </p:sp>
@@ -800,7 +951,7 @@
             <a:spLocks noGrp="1"/>
           </p:cNvSpPr>
           <p:nvPr>
-            <p:ph type="sldNum" idx="7" sz="quarter"/>
+            <p:ph type="sldNum" sz="quarter" idx="7"/>
           </p:nvPr>
         </p:nvSpPr>
         <p:spPr/>
@@ -819,8 +970,9 @@
           </a:lstStyle>
           <a:p>
             <a:fld id="{B6F15528-21DE-4FAA-801E-634DDDAF4B2B}" type="slidenum">
-              <a:t>#</a:t>
+              <a:t>‹#›</a:t>
             </a:fld>
+            <a:endParaRPr/>
           </a:p>
         </p:txBody>
       </p:sp>
@@ -881,7 +1033,9 @@
         <p:txBody>
           <a:bodyPr wrap="square" lIns="0" tIns="0" rIns="0" bIns="0" rtlCol="0"/>
           <a:lstStyle/>
-          <a:p/>
+          <a:p>
+            <a:endParaRPr/>
+          </a:p>
         </p:txBody>
       </p:sp>
       <p:sp>
@@ -908,7 +1062,9 @@
         <p:txBody>
           <a:bodyPr wrap="square" lIns="0" tIns="0" rIns="0" bIns="0" rtlCol="0"/>
           <a:lstStyle/>
-          <a:p/>
+          <a:p>
+            <a:endParaRPr/>
+          </a:p>
         </p:txBody>
       </p:sp>
       <p:sp>
@@ -945,7 +1101,9 @@
               </a:defRPr>
             </a:lvl1pPr>
           </a:lstStyle>
-          <a:p/>
+          <a:p>
+            <a:endParaRPr/>
+          </a:p>
         </p:txBody>
       </p:sp>
       <p:sp>
@@ -980,7 +1138,9 @@
               </a:defRPr>
             </a:lvl1pPr>
           </a:lstStyle>
-          <a:p/>
+          <a:p>
+            <a:endParaRPr/>
+          </a:p>
         </p:txBody>
       </p:sp>
       <p:sp>
@@ -990,7 +1150,7 @@
             <a:spLocks noGrp="1"/>
           </p:cNvSpPr>
           <p:nvPr>
-            <p:ph type="ftr" idx="5" sz="quarter"/>
+            <p:ph type="ftr" sz="quarter" idx="5"/>
           </p:nvPr>
         </p:nvSpPr>
         <p:spPr>
@@ -1017,7 +1177,9 @@
               </a:defRPr>
             </a:lvl1pPr>
           </a:lstStyle>
-          <a:p/>
+          <a:p>
+            <a:endParaRPr/>
+          </a:p>
         </p:txBody>
       </p:sp>
       <p:sp>
@@ -1027,7 +1189,7 @@
             <a:spLocks noGrp="1"/>
           </p:cNvSpPr>
           <p:nvPr>
-            <p:ph type="dt" idx="6" sz="half"/>
+            <p:ph type="dt" sz="half" idx="6"/>
           </p:nvPr>
         </p:nvSpPr>
         <p:spPr>
@@ -1057,7 +1219,9 @@
           <a:p>
             <a:fld id="{1D8BD707-D9CF-40AE-B4C6-C98DA3205C09}" type="datetimeFigureOut">
               <a:rPr lang="en-US"/>
+              <a:t>1/11/2023</a:t>
             </a:fld>
+            <a:endParaRPr lang="en-US"/>
           </a:p>
         </p:txBody>
       </p:sp>
@@ -1068,7 +1232,7 @@
             <a:spLocks noGrp="1"/>
           </p:cNvSpPr>
           <p:nvPr>
-            <p:ph type="sldNum" idx="7" sz="quarter"/>
+            <p:ph type="sldNum" sz="quarter" idx="7"/>
           </p:nvPr>
         </p:nvSpPr>
         <p:spPr>
@@ -1097,14 +1261,15 @@
           </a:lstStyle>
           <a:p>
             <a:fld id="{B6F15528-21DE-4FAA-801E-634DDDAF4B2B}" type="slidenum">
-              <a:t>#</a:t>
+              <a:t>‹#›</a:t>
             </a:fld>
+            <a:endParaRPr/>
           </a:p>
         </p:txBody>
       </p:sp>
     </p:spTree>
   </p:cSld>
-  <p:clrMap folHlink="folHlink" hlink="hlink" accent1="accent1" accent2="accent2" accent3="accent3" accent4="accent4" accent5="accent5" accent6="accent6" tx2="dk2" bg2="lt2" tx1="dk1" bg1="lt1"/>
+  <p:clrMap bg1="lt1" tx1="dk1" bg2="lt2" tx2="dk2" accent1="accent1" accent2="accent2" accent3="accent3" accent4="accent4" accent5="accent5" accent6="accent6" hlink="hlink" folHlink="folHlink"/>
   <p:sldLayoutIdLst>
     <p:sldLayoutId id="2147483661" r:id="rId1"/>
     <p:sldLayoutId id="2147483662" r:id="rId2"/>
@@ -1297,7 +1462,9 @@
         <p:txBody>
           <a:bodyPr wrap="square" lIns="0" tIns="0" rIns="0" bIns="0" rtlCol="0"/>
           <a:lstStyle/>
-          <a:p/>
+          <a:p>
+            <a:endParaRPr/>
+          </a:p>
         </p:txBody>
       </p:sp>
       <p:sp>
@@ -1324,7 +1491,9 @@
         <p:txBody>
           <a:bodyPr wrap="square" lIns="0" tIns="0" rIns="0" bIns="0" rtlCol="0"/>
           <a:lstStyle/>
-          <a:p/>
+          <a:p>
+            <a:endParaRPr/>
+          </a:p>
         </p:txBody>
       </p:sp>
       <p:sp>
@@ -1372,7 +1541,9 @@
         <p:txBody>
           <a:bodyPr wrap="square" lIns="0" tIns="0" rIns="0" bIns="0" rtlCol="0"/>
           <a:lstStyle/>
-          <a:p/>
+          <a:p>
+            <a:endParaRPr/>
+          </a:p>
         </p:txBody>
       </p:sp>
       <p:sp>
@@ -1390,10 +1561,12 @@
             <a:off x="55880" y="2808554"/>
             <a:ext cx="6514465" cy="437515"/>
           </a:xfrm>
-          <a:prstGeom prst="rect"/>
+          <a:prstGeom prst="rect">
+            <a:avLst/>
+          </a:prstGeom>
         </p:spPr>
         <p:txBody>
-          <a:bodyPr wrap="square" lIns="0" tIns="12700" rIns="0" bIns="0" rtlCol="0" vert="horz">
+          <a:bodyPr vert="horz" wrap="square" lIns="0" tIns="12700" rIns="0" bIns="0" rtlCol="0">
             <a:spAutoFit/>
           </a:bodyPr>
           <a:lstStyle/>
@@ -1407,7 +1580,7 @@
               </a:spcBef>
             </a:pPr>
             <a:r>
-              <a:rPr dirty="0" sz="2700" spc="-5">
+              <a:rPr sz="2700" spc="-5" dirty="0">
                 <a:solidFill>
                   <a:srgbClr val="92176C"/>
                 </a:solidFill>
@@ -1417,7 +1590,7 @@
               <a:t>Design </a:t>
             </a:r>
             <a:r>
-              <a:rPr dirty="0" sz="2700">
+              <a:rPr sz="2700" dirty="0">
                 <a:solidFill>
                   <a:srgbClr val="92176C"/>
                 </a:solidFill>
@@ -1427,7 +1600,7 @@
               <a:t>&amp; </a:t>
             </a:r>
             <a:r>
-              <a:rPr dirty="0" sz="2700" spc="-10">
+              <a:rPr sz="2700" spc="-10" dirty="0">
                 <a:solidFill>
                   <a:srgbClr val="92176C"/>
                 </a:solidFill>
@@ -1437,7 +1610,7 @@
               <a:t>Develop </a:t>
             </a:r>
             <a:r>
-              <a:rPr dirty="0" sz="2700" spc="-20">
+              <a:rPr sz="2700" spc="-20" dirty="0">
                 <a:solidFill>
                   <a:srgbClr val="92176C"/>
                 </a:solidFill>
@@ -1447,7 +1620,7 @@
               <a:t>Front </a:t>
             </a:r>
             <a:r>
-              <a:rPr dirty="0" sz="2700" spc="-5">
+              <a:rPr sz="2700" spc="-5" dirty="0">
                 <a:solidFill>
                   <a:srgbClr val="92176C"/>
                 </a:solidFill>
@@ -1457,7 +1630,7 @@
               <a:t>End Community</a:t>
             </a:r>
             <a:r>
-              <a:rPr dirty="0" sz="2700" spc="-40">
+              <a:rPr sz="2700" spc="-40" dirty="0">
                 <a:solidFill>
                   <a:srgbClr val="92176C"/>
                 </a:solidFill>
@@ -1467,7 +1640,7 @@
               <a:t> </a:t>
             </a:r>
             <a:r>
-              <a:rPr dirty="0" sz="2700" spc="-20">
+              <a:rPr sz="2700" spc="-20" dirty="0">
                 <a:solidFill>
                   <a:srgbClr val="92176C"/>
                 </a:solidFill>
@@ -1499,7 +1672,7 @@
           </a:prstGeom>
         </p:spPr>
         <p:txBody>
-          <a:bodyPr wrap="square" lIns="0" tIns="12700" rIns="0" bIns="0" rtlCol="0" vert="horz">
+          <a:bodyPr vert="horz" wrap="square" lIns="0" tIns="12700" rIns="0" bIns="0" rtlCol="0">
             <a:spAutoFit/>
           </a:bodyPr>
           <a:lstStyle/>
@@ -1513,7 +1686,7 @@
               </a:spcBef>
             </a:pPr>
             <a:r>
-              <a:rPr dirty="0" sz="1500">
+              <a:rPr sz="1500" dirty="0">
                 <a:solidFill>
                   <a:srgbClr val="92176C"/>
                 </a:solidFill>
@@ -1523,7 +1696,7 @@
               <a:t>Module</a:t>
             </a:r>
             <a:r>
-              <a:rPr dirty="0" sz="1500" spc="-55">
+              <a:rPr sz="1500" spc="-55" dirty="0">
                 <a:solidFill>
                   <a:srgbClr val="92176C"/>
                 </a:solidFill>
@@ -1533,7 +1706,7 @@
               <a:t> </a:t>
             </a:r>
             <a:r>
-              <a:rPr dirty="0" sz="1500" spc="-10">
+              <a:rPr sz="1500" spc="-10" dirty="0">
                 <a:solidFill>
                   <a:srgbClr val="92176C"/>
                 </a:solidFill>
@@ -1558,7 +1731,7 @@
         <p:spPr>
           <a:xfrm>
             <a:off x="32003" y="4724400"/>
-            <a:ext cx="4323715" cy="1007744"/>
+            <a:ext cx="4449067" cy="764953"/>
           </a:xfrm>
           <a:prstGeom prst="rect">
             <a:avLst/>
@@ -1568,7 +1741,7 @@
           </a:solidFill>
         </p:spPr>
         <p:txBody>
-          <a:bodyPr wrap="square" lIns="0" tIns="41275" rIns="0" bIns="0" rtlCol="0" vert="horz">
+          <a:bodyPr vert="horz" wrap="square" lIns="0" tIns="41275" rIns="0" bIns="0" rtlCol="0">
             <a:spAutoFit/>
           </a:bodyPr>
           <a:lstStyle/>
@@ -1585,153 +1758,165 @@
               </a:tabLst>
             </a:pPr>
             <a:r>
-              <a:rPr dirty="0" sz="1400" spc="-5" b="1">
+              <a:rPr sz="1400" b="1" spc="-5" dirty="0">
                 <a:latin typeface="Calibri"/>
                 <a:cs typeface="Calibri"/>
               </a:rPr>
               <a:t>Start</a:t>
             </a:r>
             <a:r>
-              <a:rPr dirty="0" sz="1400" spc="-25" b="1">
+              <a:rPr sz="1400" b="1" spc="-25" dirty="0">
                 <a:latin typeface="Calibri"/>
                 <a:cs typeface="Calibri"/>
               </a:rPr>
               <a:t> </a:t>
             </a:r>
             <a:r>
-              <a:rPr dirty="0" sz="1400" spc="-5" b="1">
+              <a:rPr sz="1400" b="1" spc="-5" dirty="0">
                 <a:latin typeface="Calibri"/>
                 <a:cs typeface="Calibri"/>
               </a:rPr>
               <a:t>Date	</a:t>
             </a:r>
             <a:r>
-              <a:rPr dirty="0" sz="1400" b="1">
+              <a:rPr sz="1400" b="1" dirty="0">
                 <a:latin typeface="Calibri"/>
                 <a:cs typeface="Calibri"/>
               </a:rPr>
               <a:t>:</a:t>
             </a:r>
-            <a:endParaRPr sz="1400">
-              <a:latin typeface="Calibri"/>
-              <a:cs typeface="Calibri"/>
-            </a:endParaRPr>
+            <a:r>
+              <a:rPr lang="en-US" sz="1400" b="1" dirty="0">
+                <a:latin typeface="Calibri"/>
+                <a:cs typeface="Calibri"/>
+              </a:rPr>
+              <a:t> 5 Dec 2022</a:t>
+            </a:r>
           </a:p>
           <a:p>
-            <a:pPr marL="90805" marR="2803525">
+            <a:pPr marL="90805">
               <a:lnSpc>
-                <a:spcPct val="130700"/>
+                <a:spcPct val="100000"/>
               </a:lnSpc>
+              <a:spcBef>
+                <a:spcPts val="325"/>
+              </a:spcBef>
               <a:tabLst>
                 <a:tab pos="1462405" algn="l"/>
               </a:tabLst>
             </a:pPr>
             <a:r>
-              <a:rPr dirty="0" sz="1400" b="1">
+              <a:rPr sz="1400" b="1" dirty="0">
                 <a:latin typeface="Calibri"/>
                 <a:cs typeface="Calibri"/>
               </a:rPr>
               <a:t>End</a:t>
             </a:r>
             <a:r>
-              <a:rPr dirty="0" sz="1400" spc="-15" b="1">
+              <a:rPr sz="1400" b="1" spc="-15" dirty="0">
                 <a:latin typeface="Calibri"/>
                 <a:cs typeface="Calibri"/>
               </a:rPr>
               <a:t> </a:t>
             </a:r>
             <a:r>
-              <a:rPr dirty="0" sz="1400" spc="-5" b="1">
+              <a:rPr sz="1400" b="1" spc="-5" dirty="0">
                 <a:latin typeface="Calibri"/>
                 <a:cs typeface="Calibri"/>
               </a:rPr>
               <a:t>D</a:t>
             </a:r>
             <a:r>
-              <a:rPr dirty="0" sz="1400" spc="-10" b="1">
+              <a:rPr sz="1400" b="1" spc="-10" dirty="0">
                 <a:latin typeface="Calibri"/>
                 <a:cs typeface="Calibri"/>
               </a:rPr>
               <a:t>at</a:t>
             </a:r>
             <a:r>
-              <a:rPr dirty="0" sz="1400" b="1">
+              <a:rPr sz="1400" b="1" dirty="0">
                 <a:latin typeface="Calibri"/>
                 <a:cs typeface="Calibri"/>
               </a:rPr>
-              <a:t>e</a:t>
-            </a:r>
-            <a:r>
-              <a:rPr dirty="0" sz="1400" b="1">
+              <a:t>e	</a:t>
+            </a:r>
+            <a:r>
+              <a:rPr lang="en-SG" sz="1400" b="1" dirty="0">
                 <a:latin typeface="Calibri"/>
                 <a:cs typeface="Calibri"/>
               </a:rPr>
-              <a:t>	</a:t>
-            </a:r>
-            <a:r>
-              <a:rPr dirty="0" sz="1400" b="1">
+              <a:t>: 14 Jan 2023</a:t>
+            </a:r>
+          </a:p>
+          <a:p>
+            <a:pPr marL="90805">
+              <a:lnSpc>
+                <a:spcPct val="100000"/>
+              </a:lnSpc>
+              <a:spcBef>
+                <a:spcPts val="325"/>
+              </a:spcBef>
+              <a:tabLst>
+                <a:tab pos="1462405" algn="l"/>
+              </a:tabLst>
+            </a:pPr>
+            <a:r>
+              <a:rPr sz="1400" b="1" dirty="0">
                 <a:latin typeface="Calibri"/>
                 <a:cs typeface="Calibri"/>
               </a:rPr>
-              <a:t>:  Submiss</a:t>
-            </a:r>
-            <a:r>
-              <a:rPr dirty="0" sz="1400" spc="5" b="1">
+              <a:t>Submiss</a:t>
+            </a:r>
+            <a:r>
+              <a:rPr sz="1400" b="1" spc="5" dirty="0">
                 <a:latin typeface="Calibri"/>
                 <a:cs typeface="Calibri"/>
               </a:rPr>
               <a:t>i</a:t>
             </a:r>
             <a:r>
-              <a:rPr dirty="0" sz="1400" b="1">
+              <a:rPr sz="1400" b="1" dirty="0">
                 <a:latin typeface="Calibri"/>
                 <a:cs typeface="Calibri"/>
               </a:rPr>
               <a:t>on</a:t>
             </a:r>
             <a:r>
-              <a:rPr dirty="0" sz="1400" spc="-25" b="1">
+              <a:rPr sz="1400" b="1" spc="-25" dirty="0">
                 <a:latin typeface="Calibri"/>
                 <a:cs typeface="Calibri"/>
               </a:rPr>
               <a:t> </a:t>
             </a:r>
             <a:r>
-              <a:rPr dirty="0" sz="1400" spc="-5" b="1">
+              <a:rPr sz="1400" b="1" spc="-5" dirty="0">
                 <a:latin typeface="Calibri"/>
                 <a:cs typeface="Calibri"/>
               </a:rPr>
               <a:t>D</a:t>
             </a:r>
             <a:r>
-              <a:rPr dirty="0" sz="1400" spc="-10" b="1">
+              <a:rPr sz="1400" b="1" spc="-10" dirty="0">
                 <a:latin typeface="Calibri"/>
                 <a:cs typeface="Calibri"/>
               </a:rPr>
               <a:t>at</a:t>
             </a:r>
             <a:r>
-              <a:rPr dirty="0" sz="1400" b="1">
+              <a:rPr sz="1400" b="1" dirty="0">
                 <a:latin typeface="Calibri"/>
                 <a:cs typeface="Calibri"/>
               </a:rPr>
-              <a:t>e</a:t>
-            </a:r>
-            <a:r>
-              <a:rPr dirty="0" sz="1400" b="1">
+              <a:t>e	:</a:t>
+            </a:r>
+            <a:r>
+              <a:rPr lang="en-US" sz="1400" b="1" dirty="0">
                 <a:latin typeface="Calibri"/>
                 <a:cs typeface="Calibri"/>
               </a:rPr>
-              <a:t>	</a:t>
-            </a:r>
-            <a:r>
-              <a:rPr dirty="0" sz="1400" b="1">
-                <a:latin typeface="Calibri"/>
-                <a:cs typeface="Calibri"/>
-              </a:rPr>
-              <a:t>:</a:t>
-            </a:r>
-            <a:endParaRPr sz="1400">
+              <a:t> 12 Jan 2023</a:t>
+            </a:r>
+            <a:endParaRPr sz="1400" dirty="0">
               <a:latin typeface="Calibri"/>
               <a:cs typeface="Calibri"/>
             </a:endParaRPr>
@@ -1757,7 +1942,7 @@
           </a:solidFill>
         </p:spPr>
         <p:txBody>
-          <a:bodyPr wrap="square" lIns="0" tIns="41275" rIns="0" bIns="0" rtlCol="0" vert="horz">
+          <a:bodyPr vert="horz" wrap="square" lIns="0" tIns="41275" rIns="0" bIns="0" rtlCol="0">
             <a:spAutoFit/>
           </a:bodyPr>
           <a:lstStyle/>
@@ -1771,28 +1956,28 @@
               </a:spcBef>
             </a:pPr>
             <a:r>
-              <a:rPr dirty="0" sz="1400" b="1">
+              <a:rPr sz="1400" b="1" dirty="0">
                 <a:latin typeface="Calibri"/>
                 <a:cs typeface="Calibri"/>
               </a:rPr>
               <a:t>Module: </a:t>
             </a:r>
             <a:r>
-              <a:rPr dirty="0" sz="1400" spc="-5">
+              <a:rPr sz="1400" spc="-5" dirty="0">
                 <a:latin typeface="Calibri"/>
                 <a:cs typeface="Calibri"/>
               </a:rPr>
               <a:t>NICF-UI</a:t>
             </a:r>
             <a:r>
-              <a:rPr dirty="0" sz="1400" spc="-65">
+              <a:rPr sz="1400" spc="-65" dirty="0">
                 <a:latin typeface="Calibri"/>
                 <a:cs typeface="Calibri"/>
               </a:rPr>
               <a:t> </a:t>
             </a:r>
             <a:r>
-              <a:rPr dirty="0" sz="1400" spc="-10">
+              <a:rPr sz="1400" spc="-10" dirty="0">
                 <a:latin typeface="Calibri"/>
                 <a:cs typeface="Calibri"/>
               </a:rPr>
@@ -1813,42 +1998,42 @@
               </a:spcBef>
             </a:pPr>
             <a:r>
-              <a:rPr dirty="0" sz="1400" spc="-10">
+              <a:rPr sz="1400" spc="-10" dirty="0">
                 <a:latin typeface="Calibri"/>
                 <a:cs typeface="Calibri"/>
               </a:rPr>
               <a:t>Course: </a:t>
             </a:r>
             <a:r>
-              <a:rPr dirty="0" sz="1400" spc="-5">
+              <a:rPr sz="1400" spc="-5" dirty="0">
                 <a:latin typeface="Calibri"/>
                 <a:cs typeface="Calibri"/>
               </a:rPr>
               <a:t>NICF-Advanced Certificate </a:t>
             </a:r>
             <a:r>
-              <a:rPr dirty="0" sz="1400">
+              <a:rPr sz="1400" dirty="0">
                 <a:latin typeface="Calibri"/>
                 <a:cs typeface="Calibri"/>
               </a:rPr>
               <a:t>in </a:t>
             </a:r>
             <a:r>
-              <a:rPr dirty="0" sz="1400" spc="-15">
+              <a:rPr sz="1400" spc="-15" dirty="0">
                 <a:latin typeface="Calibri"/>
                 <a:cs typeface="Calibri"/>
               </a:rPr>
               <a:t>Web</a:t>
             </a:r>
             <a:r>
-              <a:rPr dirty="0" sz="1400">
+              <a:rPr sz="1400" dirty="0">
                 <a:latin typeface="Calibri"/>
                 <a:cs typeface="Calibri"/>
               </a:rPr>
               <a:t> </a:t>
             </a:r>
             <a:r>
-              <a:rPr dirty="0" sz="1400" spc="-5">
+              <a:rPr sz="1400" spc="-5" dirty="0">
                 <a:latin typeface="Calibri"/>
                 <a:cs typeface="Calibri"/>
               </a:rPr>
@@ -1870,7 +2055,7 @@
         <p:spPr>
           <a:xfrm>
             <a:off x="4507991" y="4724400"/>
-            <a:ext cx="4325620" cy="1007744"/>
+            <a:ext cx="4325620" cy="914400"/>
           </a:xfrm>
           <a:custGeom>
             <a:avLst/>
@@ -1906,29 +2091,6 @@
         <p:txBody>
           <a:bodyPr wrap="square" lIns="0" tIns="0" rIns="0" bIns="0" rtlCol="0"/>
           <a:lstStyle/>
-          <a:p/>
-        </p:txBody>
-      </p:sp>
-      <p:sp>
-        <p:nvSpPr>
-          <p:cNvPr id="10" name="object 10"/>
-          <p:cNvSpPr txBox="1"/>
-          <p:nvPr/>
-        </p:nvSpPr>
-        <p:spPr>
-          <a:xfrm>
-            <a:off x="4600702" y="4687671"/>
-            <a:ext cx="1055370" cy="583565"/>
-          </a:xfrm>
-          <a:prstGeom prst="rect">
-            <a:avLst/>
-          </a:prstGeom>
-        </p:spPr>
-        <p:txBody>
-          <a:bodyPr wrap="square" lIns="0" tIns="12700" rIns="0" bIns="0" rtlCol="0" vert="horz">
-            <a:spAutoFit/>
-          </a:bodyPr>
-          <a:lstStyle/>
           <a:p>
             <a:pPr marR="5080">
               <a:lnSpc>
@@ -1939,169 +2101,114 @@
               </a:spcBef>
             </a:pPr>
             <a:r>
-              <a:rPr dirty="0" sz="1400" spc="-5" b="1">
+              <a:rPr lang="en-SG" sz="1400" b="1" spc="-5" dirty="0">
                 <a:latin typeface="Calibri"/>
                 <a:cs typeface="Calibri"/>
               </a:rPr>
               <a:t>Learner</a:t>
             </a:r>
             <a:r>
-              <a:rPr dirty="0" sz="1400" spc="-90" b="1">
+              <a:rPr lang="en-SG" sz="1400" b="1" spc="-90" dirty="0">
                 <a:latin typeface="Calibri"/>
                 <a:cs typeface="Calibri"/>
               </a:rPr>
               <a:t> </a:t>
             </a:r>
             <a:r>
-              <a:rPr dirty="0" sz="1400" b="1">
+              <a:rPr lang="en-SG" sz="1400" b="1" dirty="0">
                 <a:latin typeface="Calibri"/>
                 <a:cs typeface="Calibri"/>
               </a:rPr>
-              <a:t>Name  </a:t>
-            </a:r>
-            <a:r>
-              <a:rPr dirty="0" sz="1400" spc="-5" b="1">
+              <a:t>Name         : Umar Bin </a:t>
+            </a:r>
+            <a:r>
+              <a:rPr lang="en-SG" sz="1400" b="1" dirty="0" err="1">
                 <a:latin typeface="Calibri"/>
                 <a:cs typeface="Calibri"/>
               </a:rPr>
-              <a:t>Enrollment</a:t>
-            </a:r>
-            <a:r>
-              <a:rPr dirty="0" sz="1400" spc="-75" b="1">
-                <a:latin typeface="Calibri"/>
-                <a:cs typeface="Calibri"/>
-              </a:rPr>
-              <a:t> </a:t>
-            </a:r>
-            <a:r>
-              <a:rPr dirty="0" sz="1400" b="1">
-                <a:latin typeface="Calibri"/>
-                <a:cs typeface="Calibri"/>
-              </a:rPr>
-              <a:t>ID</a:t>
-            </a:r>
-            <a:endParaRPr sz="1400">
-              <a:latin typeface="Calibri"/>
-              <a:cs typeface="Calibri"/>
-            </a:endParaRPr>
-          </a:p>
-        </p:txBody>
-      </p:sp>
-      <p:sp>
-        <p:nvSpPr>
-          <p:cNvPr id="11" name="object 11"/>
-          <p:cNvSpPr txBox="1"/>
-          <p:nvPr/>
-        </p:nvSpPr>
-        <p:spPr>
-          <a:xfrm>
-            <a:off x="5972555" y="4687671"/>
-            <a:ext cx="62230" cy="583565"/>
-          </a:xfrm>
-          <a:prstGeom prst="rect">
-            <a:avLst/>
-          </a:prstGeom>
-        </p:spPr>
-        <p:txBody>
-          <a:bodyPr wrap="square" lIns="0" tIns="78105" rIns="0" bIns="0" rtlCol="0" vert="horz">
-            <a:spAutoFit/>
-          </a:bodyPr>
-          <a:lstStyle/>
-          <a:p>
-            <a:pPr>
-              <a:lnSpc>
-                <a:spcPct val="100000"/>
-              </a:lnSpc>
-              <a:spcBef>
-                <a:spcPts val="615"/>
-              </a:spcBef>
-            </a:pPr>
-            <a:r>
-              <a:rPr dirty="0" sz="1400" b="1">
-                <a:latin typeface="Calibri"/>
-                <a:cs typeface="Calibri"/>
-              </a:rPr>
-              <a:t>:</a:t>
-            </a:r>
-            <a:endParaRPr sz="1400">
+              <a:t>Kasan</a:t>
+            </a:r>
+            <a:endParaRPr lang="en-SG" sz="1400" b="1" dirty="0">
               <a:latin typeface="Calibri"/>
               <a:cs typeface="Calibri"/>
             </a:endParaRPr>
           </a:p>
           <a:p>
-            <a:pPr>
+            <a:pPr marR="5080">
               <a:lnSpc>
-                <a:spcPct val="100000"/>
-              </a:lnSpc>
-              <a:spcBef>
-                <a:spcPts val="515"/>
-              </a:spcBef>
-            </a:pPr>
-            <a:r>
-              <a:rPr dirty="0" sz="1400" b="1">
-                <a:latin typeface="Calibri"/>
-                <a:cs typeface="Calibri"/>
-              </a:rPr>
-              <a:t>:</a:t>
-            </a:r>
-            <a:endParaRPr sz="1400">
-              <a:latin typeface="Calibri"/>
-              <a:cs typeface="Calibri"/>
-            </a:endParaRPr>
-          </a:p>
-        </p:txBody>
-      </p:sp>
-      <p:sp>
-        <p:nvSpPr>
-          <p:cNvPr id="12" name="object 12"/>
-          <p:cNvSpPr txBox="1"/>
-          <p:nvPr/>
-        </p:nvSpPr>
-        <p:spPr>
-          <a:xfrm>
-            <a:off x="4600702" y="5310378"/>
-            <a:ext cx="1433830" cy="239395"/>
-          </a:xfrm>
-          <a:prstGeom prst="rect">
-            <a:avLst/>
-          </a:prstGeom>
-        </p:spPr>
-        <p:txBody>
-          <a:bodyPr wrap="square" lIns="0" tIns="12700" rIns="0" bIns="0" rtlCol="0" vert="horz">
-            <a:spAutoFit/>
-          </a:bodyPr>
-          <a:lstStyle/>
-          <a:p>
-            <a:pPr>
-              <a:lnSpc>
-                <a:spcPct val="100000"/>
+                <a:spcPct val="130700"/>
               </a:lnSpc>
               <a:spcBef>
                 <a:spcPts val="100"/>
               </a:spcBef>
             </a:pPr>
             <a:r>
-              <a:rPr dirty="0" sz="1400" spc="-5" b="1">
+              <a:rPr lang="en-SG" sz="1400" b="1" spc="-5" dirty="0" err="1">
+                <a:latin typeface="Calibri"/>
+                <a:cs typeface="Calibri"/>
+              </a:rPr>
+              <a:t>Enrollment</a:t>
+            </a:r>
+            <a:r>
+              <a:rPr lang="en-SG" sz="1400" b="1" spc="-75" dirty="0">
+                <a:latin typeface="Calibri"/>
+                <a:cs typeface="Calibri"/>
+              </a:rPr>
+              <a:t> </a:t>
+            </a:r>
+            <a:r>
+              <a:rPr lang="en-SG" sz="1400" b="1" dirty="0">
+                <a:latin typeface="Calibri"/>
+                <a:cs typeface="Calibri"/>
+              </a:rPr>
+              <a:t>ID          : 9022A</a:t>
+            </a:r>
+          </a:p>
+          <a:p>
+            <a:pPr marR="5080">
+              <a:lnSpc>
+                <a:spcPct val="130700"/>
+              </a:lnSpc>
+              <a:spcBef>
+                <a:spcPts val="100"/>
+              </a:spcBef>
+            </a:pPr>
+            <a:r>
+              <a:rPr lang="en-SG" sz="1400" b="1" spc="-5" dirty="0">
                 <a:latin typeface="Calibri"/>
                 <a:cs typeface="Calibri"/>
               </a:rPr>
               <a:t>Presentation Date</a:t>
             </a:r>
             <a:r>
-              <a:rPr dirty="0" sz="1400" spc="-114" b="1">
+              <a:rPr lang="en-SG" sz="1400" b="1" spc="-114" dirty="0">
                 <a:latin typeface="Calibri"/>
                 <a:cs typeface="Calibri"/>
               </a:rPr>
-              <a:t> </a:t>
-            </a:r>
-            <a:r>
-              <a:rPr dirty="0" sz="1400" b="1">
+              <a:t>   </a:t>
+            </a:r>
+            <a:r>
+              <a:rPr lang="en-SG" sz="1400" b="1" dirty="0">
                 <a:latin typeface="Calibri"/>
                 <a:cs typeface="Calibri"/>
               </a:rPr>
-              <a:t>:</a:t>
-            </a:r>
-            <a:endParaRPr sz="1400">
+              <a:t>: 14 Jan 2022</a:t>
+            </a:r>
+            <a:endParaRPr lang="en-SG" sz="1400" dirty="0">
+              <a:latin typeface="Calibri"/>
+              <a:cs typeface="Calibri"/>
+            </a:endParaRPr>
+          </a:p>
+          <a:p>
+            <a:pPr marR="5080">
+              <a:lnSpc>
+                <a:spcPct val="130700"/>
+              </a:lnSpc>
+              <a:spcBef>
+                <a:spcPts val="100"/>
+              </a:spcBef>
+            </a:pPr>
+            <a:endParaRPr lang="en-SG" sz="1800" dirty="0">
               <a:latin typeface="Calibri"/>
               <a:cs typeface="Calibri"/>
             </a:endParaRPr>
@@ -2148,10 +2255,12 @@
             <a:off x="113792" y="429005"/>
             <a:ext cx="3010535" cy="452120"/>
           </a:xfrm>
-          <a:prstGeom prst="rect"/>
+          <a:prstGeom prst="rect">
+            <a:avLst/>
+          </a:prstGeom>
         </p:spPr>
         <p:txBody>
-          <a:bodyPr wrap="square" lIns="0" tIns="12065" rIns="0" bIns="0" rtlCol="0" vert="horz">
+          <a:bodyPr vert="horz" wrap="square" lIns="0" tIns="12065" rIns="0" bIns="0" rtlCol="0">
             <a:spAutoFit/>
           </a:bodyPr>
           <a:lstStyle/>
@@ -2165,11 +2274,11 @@
               </a:spcBef>
             </a:pPr>
             <a:r>
-              <a:rPr dirty="0" spc="-5"/>
+              <a:rPr spc="-5" dirty="0"/>
               <a:t>7. Usability</a:t>
             </a:r>
             <a:r>
-              <a:rPr dirty="0" spc="-45"/>
+              <a:rPr spc="-45" dirty="0"/>
               <a:t> </a:t>
             </a:r>
             <a:r>
@@ -2219,10 +2328,12 @@
             <a:off x="113792" y="429005"/>
             <a:ext cx="3940810" cy="452120"/>
           </a:xfrm>
-          <a:prstGeom prst="rect"/>
+          <a:prstGeom prst="rect">
+            <a:avLst/>
+          </a:prstGeom>
         </p:spPr>
         <p:txBody>
-          <a:bodyPr wrap="square" lIns="0" tIns="12065" rIns="0" bIns="0" rtlCol="0" vert="horz">
+          <a:bodyPr vert="horz" wrap="square" lIns="0" tIns="12065" rIns="0" bIns="0" rtlCol="0">
             <a:spAutoFit/>
           </a:bodyPr>
           <a:lstStyle/>
@@ -2236,7 +2347,7 @@
               </a:spcBef>
             </a:pPr>
             <a:r>
-              <a:rPr dirty="0" spc="-5"/>
+              <a:rPr spc="-5" dirty="0"/>
               <a:t>8. User </a:t>
             </a:r>
             <a:r>
@@ -2244,11 +2355,11 @@
               <a:t>Interaction</a:t>
             </a:r>
             <a:r>
-              <a:rPr dirty="0" spc="-50"/>
+              <a:rPr spc="-50" dirty="0"/>
               <a:t> </a:t>
             </a:r>
             <a:r>
-              <a:rPr dirty="0" spc="-5"/>
+              <a:rPr spc="-5" dirty="0"/>
               <a:t>Steps</a:t>
             </a:r>
           </a:p>
@@ -2294,10 +2405,12 @@
             <a:off x="113792" y="429005"/>
             <a:ext cx="4573270" cy="452120"/>
           </a:xfrm>
-          <a:prstGeom prst="rect"/>
+          <a:prstGeom prst="rect">
+            <a:avLst/>
+          </a:prstGeom>
         </p:spPr>
         <p:txBody>
-          <a:bodyPr wrap="square" lIns="0" tIns="12065" rIns="0" bIns="0" rtlCol="0" vert="horz">
+          <a:bodyPr vert="horz" wrap="square" lIns="0" tIns="12065" rIns="0" bIns="0" rtlCol="0">
             <a:spAutoFit/>
           </a:bodyPr>
           <a:lstStyle/>
@@ -2311,7 +2424,7 @@
               </a:spcBef>
             </a:pPr>
             <a:r>
-              <a:rPr dirty="0" spc="-5"/>
+              <a:rPr spc="-5" dirty="0"/>
               <a:t>9. User </a:t>
             </a:r>
             <a:r>
@@ -2319,11 +2432,11 @@
               <a:t>Interaction</a:t>
             </a:r>
             <a:r>
-              <a:rPr dirty="0" spc="-30"/>
+              <a:rPr spc="-30" dirty="0"/>
               <a:t> </a:t>
             </a:r>
             <a:r>
-              <a:rPr dirty="0" spc="-5"/>
+              <a:rPr spc="-5" dirty="0"/>
               <a:t>Flowchart</a:t>
             </a:r>
           </a:p>
@@ -2369,10 +2482,12 @@
             <a:off x="113792" y="429005"/>
             <a:ext cx="4910455" cy="452120"/>
           </a:xfrm>
-          <a:prstGeom prst="rect"/>
+          <a:prstGeom prst="rect">
+            <a:avLst/>
+          </a:prstGeom>
         </p:spPr>
         <p:txBody>
-          <a:bodyPr wrap="square" lIns="0" tIns="12065" rIns="0" bIns="0" rtlCol="0" vert="horz">
+          <a:bodyPr vert="horz" wrap="square" lIns="0" tIns="12065" rIns="0" bIns="0" rtlCol="0">
             <a:spAutoFit/>
           </a:bodyPr>
           <a:lstStyle/>
@@ -2386,7 +2501,7 @@
               </a:spcBef>
             </a:pPr>
             <a:r>
-              <a:rPr dirty="0" spc="-5"/>
+              <a:rPr spc="-5" dirty="0"/>
               <a:t>10. </a:t>
             </a:r>
             <a:r>
@@ -2394,15 +2509,15 @@
               <a:t>Current </a:t>
             </a:r>
             <a:r>
-              <a:rPr dirty="0" spc="-5"/>
+              <a:rPr spc="-5" dirty="0"/>
               <a:t>&amp; Desired</a:t>
             </a:r>
             <a:r>
-              <a:rPr dirty="0" spc="5"/>
+              <a:rPr spc="5" dirty="0"/>
               <a:t> </a:t>
             </a:r>
             <a:r>
-              <a:rPr dirty="0" spc="-5"/>
+              <a:rPr spc="-5" dirty="0"/>
               <a:t>Usability</a:t>
             </a:r>
           </a:p>
@@ -2448,10 +2563,12 @@
             <a:off x="113792" y="429005"/>
             <a:ext cx="3340735" cy="452120"/>
           </a:xfrm>
-          <a:prstGeom prst="rect"/>
+          <a:prstGeom prst="rect">
+            <a:avLst/>
+          </a:prstGeom>
         </p:spPr>
         <p:txBody>
-          <a:bodyPr wrap="square" lIns="0" tIns="12065" rIns="0" bIns="0" rtlCol="0" vert="horz">
+          <a:bodyPr vert="horz" wrap="square" lIns="0" tIns="12065" rIns="0" bIns="0" rtlCol="0">
             <a:spAutoFit/>
           </a:bodyPr>
           <a:lstStyle/>
@@ -2465,19 +2582,19 @@
               </a:spcBef>
             </a:pPr>
             <a:r>
-              <a:rPr dirty="0" spc="-70"/>
+              <a:rPr spc="-70" dirty="0"/>
               <a:t>11. </a:t>
             </a:r>
             <a:r>
-              <a:rPr dirty="0" spc="-5"/>
+              <a:rPr spc="-5" dirty="0"/>
               <a:t>Prototype</a:t>
             </a:r>
             <a:r>
-              <a:rPr dirty="0" spc="35"/>
+              <a:rPr spc="35" dirty="0"/>
               <a:t> </a:t>
             </a:r>
             <a:r>
-              <a:rPr dirty="0" spc="-5"/>
+              <a:rPr spc="-5" dirty="0"/>
               <a:t>Screen</a:t>
             </a:r>
           </a:p>
@@ -2523,10 +2640,12 @@
             <a:off x="113792" y="429005"/>
             <a:ext cx="3802379" cy="452120"/>
           </a:xfrm>
-          <a:prstGeom prst="rect"/>
+          <a:prstGeom prst="rect">
+            <a:avLst/>
+          </a:prstGeom>
         </p:spPr>
         <p:txBody>
-          <a:bodyPr wrap="square" lIns="0" tIns="12065" rIns="0" bIns="0" rtlCol="0" vert="horz">
+          <a:bodyPr vert="horz" wrap="square" lIns="0" tIns="12065" rIns="0" bIns="0" rtlCol="0">
             <a:spAutoFit/>
           </a:bodyPr>
           <a:lstStyle/>
@@ -2540,15 +2659,15 @@
               </a:spcBef>
             </a:pPr>
             <a:r>
-              <a:rPr dirty="0" spc="-5"/>
+              <a:rPr spc="-5" dirty="0"/>
               <a:t>12. Prototype</a:t>
             </a:r>
             <a:r>
-              <a:rPr dirty="0" spc="-15"/>
+              <a:rPr spc="-15" dirty="0"/>
               <a:t> </a:t>
             </a:r>
             <a:r>
-              <a:rPr dirty="0" spc="-5"/>
+              <a:rPr spc="-5" dirty="0"/>
               <a:t>Feedback</a:t>
             </a:r>
           </a:p>
@@ -2594,10 +2713,12 @@
             <a:off x="113792" y="429005"/>
             <a:ext cx="2707640" cy="452120"/>
           </a:xfrm>
-          <a:prstGeom prst="rect"/>
+          <a:prstGeom prst="rect">
+            <a:avLst/>
+          </a:prstGeom>
         </p:spPr>
         <p:txBody>
-          <a:bodyPr wrap="square" lIns="0" tIns="12065" rIns="0" bIns="0" rtlCol="0" vert="horz">
+          <a:bodyPr vert="horz" wrap="square" lIns="0" tIns="12065" rIns="0" bIns="0" rtlCol="0">
             <a:spAutoFit/>
           </a:bodyPr>
           <a:lstStyle/>
@@ -2611,15 +2732,15 @@
               </a:spcBef>
             </a:pPr>
             <a:r>
-              <a:rPr dirty="0" spc="-5"/>
+              <a:rPr spc="-5" dirty="0"/>
               <a:t>13. Usability</a:t>
             </a:r>
             <a:r>
-              <a:rPr dirty="0" spc="-80"/>
+              <a:rPr spc="-80" dirty="0"/>
               <a:t> </a:t>
             </a:r>
             <a:r>
-              <a:rPr dirty="0" spc="-85"/>
+              <a:rPr spc="-85" dirty="0"/>
               <a:t>Test</a:t>
             </a:r>
           </a:p>
@@ -2665,10 +2786,12 @@
             <a:off x="113792" y="429005"/>
             <a:ext cx="4860925" cy="452120"/>
           </a:xfrm>
-          <a:prstGeom prst="rect"/>
+          <a:prstGeom prst="rect">
+            <a:avLst/>
+          </a:prstGeom>
         </p:spPr>
         <p:txBody>
-          <a:bodyPr wrap="square" lIns="0" tIns="12065" rIns="0" bIns="0" rtlCol="0" vert="horz">
+          <a:bodyPr vert="horz" wrap="square" lIns="0" tIns="12065" rIns="0" bIns="0" rtlCol="0">
             <a:spAutoFit/>
           </a:bodyPr>
           <a:lstStyle/>
@@ -2682,15 +2805,15 @@
               </a:spcBef>
             </a:pPr>
             <a:r>
-              <a:rPr dirty="0" spc="-5"/>
+              <a:rPr spc="-5" dirty="0"/>
               <a:t>14. Project Milestones &amp;</a:t>
             </a:r>
             <a:r>
-              <a:rPr dirty="0" spc="-30"/>
+              <a:rPr spc="-30" dirty="0"/>
               <a:t> </a:t>
             </a:r>
             <a:r>
-              <a:rPr dirty="0" spc="-70"/>
+              <a:rPr spc="-70" dirty="0"/>
               <a:t>Tasks</a:t>
             </a:r>
           </a:p>
@@ -2706,7 +2829,7 @@
         </p:nvGraphicFramePr>
         <p:xfrm>
           <a:off x="173037" y="1335150"/>
-          <a:ext cx="8804910" cy="5305425"/>
+          <a:ext cx="8785224" cy="5292655"/>
         </p:xfrm>
         <a:graphic>
           <a:graphicData uri="http://schemas.openxmlformats.org/drawingml/2006/table">
@@ -2715,9 +2838,27 @@
                 <a:tableStyleId>{2D5ABB26-0587-4C30-8999-92F81FD0307C}</a:tableStyleId>
               </a:tblPr>
               <a:tblGrid>
-                <a:gridCol w="1080135"/>
-                <a:gridCol w="6064249"/>
-                <a:gridCol w="1640840"/>
+                <a:gridCol w="1080135">
+                  <a:extLst>
+                    <a:ext uri="{9D8B030D-6E8A-4147-A177-3AD203B41FA5}">
+                      <a16:colId xmlns:a16="http://schemas.microsoft.com/office/drawing/2014/main" val="20000"/>
+                    </a:ext>
+                  </a:extLst>
+                </a:gridCol>
+                <a:gridCol w="6064249">
+                  <a:extLst>
+                    <a:ext uri="{9D8B030D-6E8A-4147-A177-3AD203B41FA5}">
+                      <a16:colId xmlns:a16="http://schemas.microsoft.com/office/drawing/2014/main" val="20001"/>
+                    </a:ext>
+                  </a:extLst>
+                </a:gridCol>
+                <a:gridCol w="1640840">
+                  <a:extLst>
+                    <a:ext uri="{9D8B030D-6E8A-4147-A177-3AD203B41FA5}">
+                      <a16:colId xmlns:a16="http://schemas.microsoft.com/office/drawing/2014/main" val="20002"/>
+                    </a:ext>
+                  </a:extLst>
+                </a:gridCol>
               </a:tblGrid>
               <a:tr h="852677">
                 <a:tc>
@@ -2734,7 +2875,7 @@
                         </a:spcBef>
                       </a:pPr>
                       <a:r>
-                        <a:rPr dirty="0" sz="1800" spc="-5" b="1">
+                        <a:rPr sz="1800" b="1" spc="-5" dirty="0">
                           <a:solidFill>
                             <a:srgbClr val="FFFFFF"/>
                           </a:solidFill>
@@ -2744,7 +2885,7 @@
                         <a:t>P</a:t>
                       </a:r>
                       <a:r>
-                        <a:rPr dirty="0" sz="1800" spc="-30" b="1">
+                        <a:rPr sz="1800" b="1" spc="-30" dirty="0">
                           <a:solidFill>
                             <a:srgbClr val="FFFFFF"/>
                           </a:solidFill>
@@ -2754,7 +2895,7 @@
                         <a:t>r</a:t>
                       </a:r>
                       <a:r>
-                        <a:rPr dirty="0" sz="1800" b="1">
+                        <a:rPr sz="1800" b="1" dirty="0">
                           <a:solidFill>
                             <a:srgbClr val="FFFFFF"/>
                           </a:solidFill>
@@ -2764,7 +2905,7 @@
                         <a:t>oj</a:t>
                       </a:r>
                       <a:r>
-                        <a:rPr dirty="0" sz="1800" spc="5" b="1">
+                        <a:rPr sz="1800" b="1" spc="5" dirty="0">
                           <a:solidFill>
                             <a:srgbClr val="FFFFFF"/>
                           </a:solidFill>
@@ -2774,7 +2915,7 @@
                         <a:t>e</a:t>
                       </a:r>
                       <a:r>
-                        <a:rPr dirty="0" sz="1800" spc="-5" b="1">
+                        <a:rPr sz="1800" b="1" spc="-5" dirty="0">
                           <a:solidFill>
                             <a:srgbClr val="FFFFFF"/>
                           </a:solidFill>
@@ -2784,7 +2925,7 @@
                         <a:t>ct  </a:t>
                       </a:r>
                       <a:r>
-                        <a:rPr dirty="0" sz="1800" spc="-35" b="1">
+                        <a:rPr sz="1800" b="1" spc="-35" dirty="0">
                           <a:solidFill>
                             <a:srgbClr val="FFFFFF"/>
                           </a:solidFill>
@@ -2794,7 +2935,7 @@
                         <a:t>Task</a:t>
                       </a:r>
                       <a:r>
-                        <a:rPr dirty="0" sz="1800" spc="-105" b="1">
+                        <a:rPr sz="1800" b="1" spc="-105" dirty="0">
                           <a:solidFill>
                             <a:srgbClr val="FFFFFF"/>
                           </a:solidFill>
@@ -2804,7 +2945,7 @@
                         <a:t> </a:t>
                       </a:r>
                       <a:r>
-                        <a:rPr dirty="0" sz="1800" b="1">
+                        <a:rPr sz="1800" b="1" dirty="0">
                           <a:solidFill>
                             <a:srgbClr val="FFFFFF"/>
                           </a:solidFill>
@@ -2819,7 +2960,7 @@
                       </a:endParaRPr>
                     </a:p>
                   </a:txBody>
-                  <a:tcPr marL="0" marR="0" marB="0" marT="141605">
+                  <a:tcPr marL="0" marR="0" marT="141605" marB="0">
                     <a:lnL w="12700">
                       <a:solidFill>
                         <a:srgbClr val="FFFFFF"/>
@@ -2874,7 +3015,7 @@
                         </a:lnSpc>
                       </a:pPr>
                       <a:r>
-                        <a:rPr dirty="0" sz="1800" spc="-5" b="1">
+                        <a:rPr sz="1800" b="1" spc="-5" dirty="0">
                           <a:solidFill>
                             <a:srgbClr val="FFFFFF"/>
                           </a:solidFill>
@@ -2884,7 +3025,7 @@
                         <a:t>Project </a:t>
                       </a:r>
                       <a:r>
-                        <a:rPr dirty="0" sz="1800" spc="-35" b="1">
+                        <a:rPr sz="1800" b="1" spc="-35" dirty="0">
                           <a:solidFill>
                             <a:srgbClr val="FFFFFF"/>
                           </a:solidFill>
@@ -2894,7 +3035,7 @@
                         <a:t>Task</a:t>
                       </a:r>
                       <a:r>
-                        <a:rPr dirty="0" sz="1800" spc="-20" b="1">
+                        <a:rPr sz="1800" b="1" spc="-20" dirty="0">
                           <a:solidFill>
                             <a:srgbClr val="FFFFFF"/>
                           </a:solidFill>
@@ -2904,7 +3045,7 @@
                         <a:t> </a:t>
                       </a:r>
                       <a:r>
-                        <a:rPr dirty="0" sz="1800" spc="-5" b="1">
+                        <a:rPr sz="1800" b="1" spc="-5" dirty="0">
                           <a:solidFill>
                             <a:srgbClr val="FFFFFF"/>
                           </a:solidFill>
@@ -2919,7 +3060,7 @@
                       </a:endParaRPr>
                     </a:p>
                   </a:txBody>
-                  <a:tcPr marL="0" marR="0" marB="0" marT="1270">
+                  <a:tcPr marL="0" marR="0" marT="1270" marB="0">
                     <a:lnL w="12700">
                       <a:solidFill>
                         <a:srgbClr val="FFFFFF"/>
@@ -2963,7 +3104,7 @@
                         </a:spcBef>
                       </a:pPr>
                       <a:r>
-                        <a:rPr dirty="0" sz="1800" spc="-10" b="1">
+                        <a:rPr sz="1800" b="1" spc="-10" dirty="0">
                           <a:solidFill>
                             <a:srgbClr val="FFFFFF"/>
                           </a:solidFill>
@@ -2973,7 +3114,7 @@
                         <a:t>Project  </a:t>
                       </a:r>
                       <a:r>
-                        <a:rPr dirty="0" sz="1800" spc="-5" b="1">
+                        <a:rPr sz="1800" b="1" spc="-5" dirty="0">
                           <a:solidFill>
                             <a:srgbClr val="FFFFFF"/>
                           </a:solidFill>
@@ -2983,7 +3124,7 @@
                         <a:t>Milestone</a:t>
                       </a:r>
                       <a:r>
-                        <a:rPr dirty="0" sz="1800" spc="-130" b="1">
+                        <a:rPr sz="1800" b="1" spc="-130" dirty="0">
                           <a:solidFill>
                             <a:srgbClr val="FFFFFF"/>
                           </a:solidFill>
@@ -2993,7 +3134,7 @@
                         <a:t> </a:t>
                       </a:r>
                       <a:r>
-                        <a:rPr dirty="0" sz="1800" b="1">
+                        <a:rPr sz="1800" b="1" dirty="0">
                           <a:solidFill>
                             <a:srgbClr val="FFFFFF"/>
                           </a:solidFill>
@@ -3008,7 +3149,7 @@
                       </a:endParaRPr>
                     </a:p>
                   </a:txBody>
-                  <a:tcPr marL="0" marR="0" marB="0" marT="141605">
+                  <a:tcPr marL="0" marR="0" marT="141605" marB="0">
                     <a:lnL w="12700">
                       <a:solidFill>
                         <a:srgbClr val="FFFFFF"/>
@@ -3038,6 +3179,11 @@
                     </a:solidFill>
                   </a:tcPr>
                 </a:tc>
+                <a:extLst>
+                  <a:ext uri="{0D108BD9-81ED-4DB2-BD59-A6C34878D82A}">
+                    <a16:rowId xmlns:a16="http://schemas.microsoft.com/office/drawing/2014/main" val="10000"/>
+                  </a:ext>
+                </a:extLst>
               </a:tr>
               <a:tr h="554990">
                 <a:tc>
@@ -3045,7 +3191,7 @@
                     <a:bodyPr/>
                     <a:lstStyle/>
                     <a:p>
-                      <a:pPr algn="r" marR="447675">
+                      <a:pPr marR="447675" algn="r">
                         <a:lnSpc>
                           <a:spcPct val="100000"/>
                         </a:lnSpc>
@@ -3054,7 +3200,7 @@
                         </a:spcBef>
                       </a:pPr>
                       <a:r>
-                        <a:rPr dirty="0" sz="1800">
+                        <a:rPr sz="1800" dirty="0">
                           <a:latin typeface="Calibri"/>
                           <a:cs typeface="Calibri"/>
                         </a:rPr>
@@ -3066,7 +3212,7 @@
                       </a:endParaRPr>
                     </a:p>
                   </a:txBody>
-                  <a:tcPr marL="0" marR="0" marB="0" marT="130175">
+                  <a:tcPr marL="0" marR="0" marT="130175" marB="0">
                     <a:lnL w="12700">
                       <a:solidFill>
                         <a:srgbClr val="FFFFFF"/>
@@ -3112,7 +3258,7 @@
                       </a:endParaRPr>
                     </a:p>
                   </a:txBody>
-                  <a:tcPr marL="0" marR="0" marB="0" marT="0">
+                  <a:tcPr marL="0" marR="0" marT="0" marB="0">
                     <a:lnL w="12700">
                       <a:solidFill>
                         <a:srgbClr val="FFFFFF"/>
@@ -3156,7 +3302,7 @@
                         </a:spcBef>
                       </a:pPr>
                       <a:r>
-                        <a:rPr dirty="0" sz="1800">
+                        <a:rPr sz="1800" dirty="0">
                           <a:latin typeface="Calibri"/>
                           <a:cs typeface="Calibri"/>
                         </a:rPr>
@@ -3168,7 +3314,7 @@
                       </a:endParaRPr>
                     </a:p>
                   </a:txBody>
-                  <a:tcPr marL="0" marR="0" marB="0" marT="130175">
+                  <a:tcPr marL="0" marR="0" marT="130175" marB="0">
                     <a:lnL w="12700">
                       <a:solidFill>
                         <a:srgbClr val="FFFFFF"/>
@@ -3198,6 +3344,11 @@
                     </a:solidFill>
                   </a:tcPr>
                 </a:tc>
+                <a:extLst>
+                  <a:ext uri="{0D108BD9-81ED-4DB2-BD59-A6C34878D82A}">
+                    <a16:rowId xmlns:a16="http://schemas.microsoft.com/office/drawing/2014/main" val="10001"/>
+                  </a:ext>
+                </a:extLst>
               </a:tr>
               <a:tr h="554989">
                 <a:tc>
@@ -3205,7 +3356,7 @@
                     <a:bodyPr/>
                     <a:lstStyle/>
                     <a:p>
-                      <a:pPr algn="r" marR="448309">
+                      <a:pPr marR="448309" algn="r">
                         <a:lnSpc>
                           <a:spcPct val="100000"/>
                         </a:lnSpc>
@@ -3214,7 +3365,7 @@
                         </a:spcBef>
                       </a:pPr>
                       <a:r>
-                        <a:rPr dirty="0" sz="1800">
+                        <a:rPr sz="1800" dirty="0">
                           <a:latin typeface="Calibri"/>
                           <a:cs typeface="Calibri"/>
                         </a:rPr>
@@ -3226,7 +3377,7 @@
                       </a:endParaRPr>
                     </a:p>
                   </a:txBody>
-                  <a:tcPr marL="0" marR="0" marB="0" marT="130175">
+                  <a:tcPr marL="0" marR="0" marT="130175" marB="0">
                     <a:lnL w="12700">
                       <a:solidFill>
                         <a:srgbClr val="FFFFFF"/>
@@ -3272,7 +3423,7 @@
                       </a:endParaRPr>
                     </a:p>
                   </a:txBody>
-                  <a:tcPr marL="0" marR="0" marB="0" marT="0">
+                  <a:tcPr marL="0" marR="0" marT="0" marB="0">
                     <a:lnL w="12700">
                       <a:solidFill>
                         <a:srgbClr val="FFFFFF"/>
@@ -3316,7 +3467,7 @@
                         </a:spcBef>
                       </a:pPr>
                       <a:r>
-                        <a:rPr dirty="0" sz="1800">
+                        <a:rPr sz="1800" dirty="0">
                           <a:latin typeface="Calibri"/>
                           <a:cs typeface="Calibri"/>
                         </a:rPr>
@@ -3328,7 +3479,7 @@
                       </a:endParaRPr>
                     </a:p>
                   </a:txBody>
-                  <a:tcPr marL="0" marR="0" marB="0" marT="130175">
+                  <a:tcPr marL="0" marR="0" marT="130175" marB="0">
                     <a:lnL w="12700">
                       <a:solidFill>
                         <a:srgbClr val="FFFFFF"/>
@@ -3358,6 +3509,11 @@
                     </a:solidFill>
                   </a:tcPr>
                 </a:tc>
+                <a:extLst>
+                  <a:ext uri="{0D108BD9-81ED-4DB2-BD59-A6C34878D82A}">
+                    <a16:rowId xmlns:a16="http://schemas.microsoft.com/office/drawing/2014/main" val="10002"/>
+                  </a:ext>
+                </a:extLst>
               </a:tr>
               <a:tr h="554989">
                 <a:tc>
@@ -3365,7 +3521,7 @@
                     <a:bodyPr/>
                     <a:lstStyle/>
                     <a:p>
-                      <a:pPr algn="r" marR="448309">
+                      <a:pPr marR="448309" algn="r">
                         <a:lnSpc>
                           <a:spcPct val="100000"/>
                         </a:lnSpc>
@@ -3374,7 +3530,7 @@
                         </a:spcBef>
                       </a:pPr>
                       <a:r>
-                        <a:rPr dirty="0" sz="1800">
+                        <a:rPr sz="1800" dirty="0">
                           <a:latin typeface="Calibri"/>
                           <a:cs typeface="Calibri"/>
                         </a:rPr>
@@ -3386,7 +3542,7 @@
                       </a:endParaRPr>
                     </a:p>
                   </a:txBody>
-                  <a:tcPr marL="0" marR="0" marB="0" marT="130810">
+                  <a:tcPr marL="0" marR="0" marT="130810" marB="0">
                     <a:lnL w="12700">
                       <a:solidFill>
                         <a:srgbClr val="FFFFFF"/>
@@ -3432,7 +3588,7 @@
                       </a:endParaRPr>
                     </a:p>
                   </a:txBody>
-                  <a:tcPr marL="0" marR="0" marB="0" marT="0">
+                  <a:tcPr marL="0" marR="0" marT="0" marB="0">
                     <a:lnL w="12700">
                       <a:solidFill>
                         <a:srgbClr val="FFFFFF"/>
@@ -3476,7 +3632,7 @@
                         </a:spcBef>
                       </a:pPr>
                       <a:r>
-                        <a:rPr dirty="0" sz="1800">
+                        <a:rPr sz="1800" dirty="0">
                           <a:latin typeface="Calibri"/>
                           <a:cs typeface="Calibri"/>
                         </a:rPr>
@@ -3488,7 +3644,7 @@
                       </a:endParaRPr>
                     </a:p>
                   </a:txBody>
-                  <a:tcPr marL="0" marR="0" marB="0" marT="130810">
+                  <a:tcPr marL="0" marR="0" marT="130810" marB="0">
                     <a:lnL w="12700">
                       <a:solidFill>
                         <a:srgbClr val="FFFFFF"/>
@@ -3518,6 +3674,11 @@
                     </a:solidFill>
                   </a:tcPr>
                 </a:tc>
+                <a:extLst>
+                  <a:ext uri="{0D108BD9-81ED-4DB2-BD59-A6C34878D82A}">
+                    <a16:rowId xmlns:a16="http://schemas.microsoft.com/office/drawing/2014/main" val="10003"/>
+                  </a:ext>
+                </a:extLst>
               </a:tr>
               <a:tr h="554989">
                 <a:tc>
@@ -3525,7 +3686,7 @@
                     <a:bodyPr/>
                     <a:lstStyle/>
                     <a:p>
-                      <a:pPr algn="r" marR="448309">
+                      <a:pPr marR="448309" algn="r">
                         <a:lnSpc>
                           <a:spcPct val="100000"/>
                         </a:lnSpc>
@@ -3534,7 +3695,7 @@
                         </a:spcBef>
                       </a:pPr>
                       <a:r>
-                        <a:rPr dirty="0" sz="1800">
+                        <a:rPr sz="1800" dirty="0">
                           <a:latin typeface="Calibri"/>
                           <a:cs typeface="Calibri"/>
                         </a:rPr>
@@ -3546,7 +3707,7 @@
                       </a:endParaRPr>
                     </a:p>
                   </a:txBody>
-                  <a:tcPr marL="0" marR="0" marB="0" marT="130810">
+                  <a:tcPr marL="0" marR="0" marT="130810" marB="0">
                     <a:lnL w="12700">
                       <a:solidFill>
                         <a:srgbClr val="FFFFFF"/>
@@ -3592,7 +3753,7 @@
                       </a:endParaRPr>
                     </a:p>
                   </a:txBody>
-                  <a:tcPr marL="0" marR="0" marB="0" marT="0">
+                  <a:tcPr marL="0" marR="0" marT="0" marB="0">
                     <a:lnL w="12700">
                       <a:solidFill>
                         <a:srgbClr val="FFFFFF"/>
@@ -3636,7 +3797,7 @@
                         </a:spcBef>
                       </a:pPr>
                       <a:r>
-                        <a:rPr dirty="0" sz="1800">
+                        <a:rPr sz="1800" dirty="0">
                           <a:latin typeface="Calibri"/>
                           <a:cs typeface="Calibri"/>
                         </a:rPr>
@@ -3648,7 +3809,7 @@
                       </a:endParaRPr>
                     </a:p>
                   </a:txBody>
-                  <a:tcPr marL="0" marR="0" marB="0" marT="130810">
+                  <a:tcPr marL="0" marR="0" marT="130810" marB="0">
                     <a:lnL w="12700">
                       <a:solidFill>
                         <a:srgbClr val="FFFFFF"/>
@@ -3678,6 +3839,11 @@
                     </a:solidFill>
                   </a:tcPr>
                 </a:tc>
+                <a:extLst>
+                  <a:ext uri="{0D108BD9-81ED-4DB2-BD59-A6C34878D82A}">
+                    <a16:rowId xmlns:a16="http://schemas.microsoft.com/office/drawing/2014/main" val="10004"/>
+                  </a:ext>
+                </a:extLst>
               </a:tr>
               <a:tr h="554990">
                 <a:tc>
@@ -3685,7 +3851,7 @@
                     <a:bodyPr/>
                     <a:lstStyle/>
                     <a:p>
-                      <a:pPr algn="r" marR="448309">
+                      <a:pPr marR="448309" algn="r">
                         <a:lnSpc>
                           <a:spcPct val="100000"/>
                         </a:lnSpc>
@@ -3694,7 +3860,7 @@
                         </a:spcBef>
                       </a:pPr>
                       <a:r>
-                        <a:rPr dirty="0" sz="1800">
+                        <a:rPr sz="1800" dirty="0">
                           <a:latin typeface="Calibri"/>
                           <a:cs typeface="Calibri"/>
                         </a:rPr>
@@ -3706,7 +3872,7 @@
                       </a:endParaRPr>
                     </a:p>
                   </a:txBody>
-                  <a:tcPr marL="0" marR="0" marB="0" marT="130810">
+                  <a:tcPr marL="0" marR="0" marT="130810" marB="0">
                     <a:lnL w="12700">
                       <a:solidFill>
                         <a:srgbClr val="FFFFFF"/>
@@ -3752,7 +3918,7 @@
                       </a:endParaRPr>
                     </a:p>
                   </a:txBody>
-                  <a:tcPr marL="0" marR="0" marB="0" marT="0">
+                  <a:tcPr marL="0" marR="0" marT="0" marB="0">
                     <a:lnL w="12700">
                       <a:solidFill>
                         <a:srgbClr val="FFFFFF"/>
@@ -3796,7 +3962,7 @@
                         </a:spcBef>
                       </a:pPr>
                       <a:r>
-                        <a:rPr dirty="0" sz="1800">
+                        <a:rPr sz="1800" dirty="0">
                           <a:latin typeface="Calibri"/>
                           <a:cs typeface="Calibri"/>
                         </a:rPr>
@@ -3808,7 +3974,7 @@
                       </a:endParaRPr>
                     </a:p>
                   </a:txBody>
-                  <a:tcPr marL="0" marR="0" marB="0" marT="130810">
+                  <a:tcPr marL="0" marR="0" marT="130810" marB="0">
                     <a:lnL w="12700">
                       <a:solidFill>
                         <a:srgbClr val="FFFFFF"/>
@@ -3838,6 +4004,11 @@
                     </a:solidFill>
                   </a:tcPr>
                 </a:tc>
+                <a:extLst>
+                  <a:ext uri="{0D108BD9-81ED-4DB2-BD59-A6C34878D82A}">
+                    <a16:rowId xmlns:a16="http://schemas.microsoft.com/office/drawing/2014/main" val="10005"/>
+                  </a:ext>
+                </a:extLst>
               </a:tr>
               <a:tr h="554989">
                 <a:tc>
@@ -3845,7 +4016,7 @@
                     <a:bodyPr/>
                     <a:lstStyle/>
                     <a:p>
-                      <a:pPr algn="r" marR="448309">
+                      <a:pPr marR="448309" algn="r">
                         <a:lnSpc>
                           <a:spcPct val="100000"/>
                         </a:lnSpc>
@@ -3854,7 +4025,7 @@
                         </a:spcBef>
                       </a:pPr>
                       <a:r>
-                        <a:rPr dirty="0" sz="1800">
+                        <a:rPr sz="1800" dirty="0">
                           <a:latin typeface="Calibri"/>
                           <a:cs typeface="Calibri"/>
                         </a:rPr>
@@ -3866,7 +4037,7 @@
                       </a:endParaRPr>
                     </a:p>
                   </a:txBody>
-                  <a:tcPr marL="0" marR="0" marB="0" marT="130810">
+                  <a:tcPr marL="0" marR="0" marT="130810" marB="0">
                     <a:lnL w="12700">
                       <a:solidFill>
                         <a:srgbClr val="FFFFFF"/>
@@ -3912,7 +4083,7 @@
                       </a:endParaRPr>
                     </a:p>
                   </a:txBody>
-                  <a:tcPr marL="0" marR="0" marB="0" marT="0">
+                  <a:tcPr marL="0" marR="0" marT="0" marB="0">
                     <a:lnL w="12700">
                       <a:solidFill>
                         <a:srgbClr val="FFFFFF"/>
@@ -3956,7 +4127,7 @@
                         </a:spcBef>
                       </a:pPr>
                       <a:r>
-                        <a:rPr dirty="0" sz="1800">
+                        <a:rPr sz="1800" dirty="0">
                           <a:latin typeface="Calibri"/>
                           <a:cs typeface="Calibri"/>
                         </a:rPr>
@@ -3968,7 +4139,7 @@
                       </a:endParaRPr>
                     </a:p>
                   </a:txBody>
-                  <a:tcPr marL="0" marR="0" marB="0" marT="130810">
+                  <a:tcPr marL="0" marR="0" marT="130810" marB="0">
                     <a:lnL w="12700">
                       <a:solidFill>
                         <a:srgbClr val="FFFFFF"/>
@@ -3998,6 +4169,11 @@
                     </a:solidFill>
                   </a:tcPr>
                 </a:tc>
+                <a:extLst>
+                  <a:ext uri="{0D108BD9-81ED-4DB2-BD59-A6C34878D82A}">
+                    <a16:rowId xmlns:a16="http://schemas.microsoft.com/office/drawing/2014/main" val="10006"/>
+                  </a:ext>
+                </a:extLst>
               </a:tr>
               <a:tr h="555040">
                 <a:tc>
@@ -4005,7 +4181,7 @@
                     <a:bodyPr/>
                     <a:lstStyle/>
                     <a:p>
-                      <a:pPr algn="r" marR="448309">
+                      <a:pPr marR="448309" algn="r">
                         <a:lnSpc>
                           <a:spcPct val="100000"/>
                         </a:lnSpc>
@@ -4014,7 +4190,7 @@
                         </a:spcBef>
                       </a:pPr>
                       <a:r>
-                        <a:rPr dirty="0" sz="1800">
+                        <a:rPr sz="1800" dirty="0">
                           <a:latin typeface="Calibri"/>
                           <a:cs typeface="Calibri"/>
                         </a:rPr>
@@ -4026,7 +4202,7 @@
                       </a:endParaRPr>
                     </a:p>
                   </a:txBody>
-                  <a:tcPr marL="0" marR="0" marB="0" marT="130810">
+                  <a:tcPr marL="0" marR="0" marT="130810" marB="0">
                     <a:lnL w="12700">
                       <a:solidFill>
                         <a:srgbClr val="FFFFFF"/>
@@ -4072,7 +4248,7 @@
                       </a:endParaRPr>
                     </a:p>
                   </a:txBody>
-                  <a:tcPr marL="0" marR="0" marB="0" marT="0">
+                  <a:tcPr marL="0" marR="0" marT="0" marB="0">
                     <a:lnL w="12700">
                       <a:solidFill>
                         <a:srgbClr val="FFFFFF"/>
@@ -4116,7 +4292,7 @@
                         </a:spcBef>
                       </a:pPr>
                       <a:r>
-                        <a:rPr dirty="0" sz="1800">
+                        <a:rPr sz="1800" dirty="0">
                           <a:latin typeface="Calibri"/>
                           <a:cs typeface="Calibri"/>
                         </a:rPr>
@@ -4128,7 +4304,7 @@
                       </a:endParaRPr>
                     </a:p>
                   </a:txBody>
-                  <a:tcPr marL="0" marR="0" marB="0" marT="130810">
+                  <a:tcPr marL="0" marR="0" marT="130810" marB="0">
                     <a:lnL w="12700">
                       <a:solidFill>
                         <a:srgbClr val="FFFFFF"/>
@@ -4158,6 +4334,11 @@
                     </a:solidFill>
                   </a:tcPr>
                 </a:tc>
+                <a:extLst>
+                  <a:ext uri="{0D108BD9-81ED-4DB2-BD59-A6C34878D82A}">
+                    <a16:rowId xmlns:a16="http://schemas.microsoft.com/office/drawing/2014/main" val="10007"/>
+                  </a:ext>
+                </a:extLst>
               </a:tr>
               <a:tr h="555002">
                 <a:tc>
@@ -4165,7 +4346,7 @@
                     <a:bodyPr/>
                     <a:lstStyle/>
                     <a:p>
-                      <a:pPr algn="r" marR="447675">
+                      <a:pPr marR="447675" algn="r">
                         <a:lnSpc>
                           <a:spcPct val="100000"/>
                         </a:lnSpc>
@@ -4174,7 +4355,7 @@
                         </a:spcBef>
                       </a:pPr>
                       <a:r>
-                        <a:rPr dirty="0" sz="1800">
+                        <a:rPr sz="1800" dirty="0">
                           <a:latin typeface="Calibri"/>
                           <a:cs typeface="Calibri"/>
                         </a:rPr>
@@ -4186,7 +4367,7 @@
                       </a:endParaRPr>
                     </a:p>
                   </a:txBody>
-                  <a:tcPr marL="0" marR="0" marB="0" marT="130810">
+                  <a:tcPr marL="0" marR="0" marT="130810" marB="0">
                     <a:lnL w="12700">
                       <a:solidFill>
                         <a:srgbClr val="FFFFFF"/>
@@ -4232,7 +4413,7 @@
                       </a:endParaRPr>
                     </a:p>
                   </a:txBody>
-                  <a:tcPr marL="0" marR="0" marB="0" marT="0">
+                  <a:tcPr marL="0" marR="0" marT="0" marB="0">
                     <a:lnL w="12700">
                       <a:solidFill>
                         <a:srgbClr val="FFFFFF"/>
@@ -4276,7 +4457,7 @@
                         </a:spcBef>
                       </a:pPr>
                       <a:r>
-                        <a:rPr dirty="0" sz="1800">
+                        <a:rPr sz="1800" dirty="0">
                           <a:latin typeface="Calibri"/>
                           <a:cs typeface="Calibri"/>
                         </a:rPr>
@@ -4288,7 +4469,7 @@
                       </a:endParaRPr>
                     </a:p>
                   </a:txBody>
-                  <a:tcPr marL="0" marR="0" marB="0" marT="130810">
+                  <a:tcPr marL="0" marR="0" marT="130810" marB="0">
                     <a:lnL w="12700">
                       <a:solidFill>
                         <a:srgbClr val="FFFFFF"/>
@@ -4318,6 +4499,11 @@
                     </a:solidFill>
                   </a:tcPr>
                 </a:tc>
+                <a:extLst>
+                  <a:ext uri="{0D108BD9-81ED-4DB2-BD59-A6C34878D82A}">
+                    <a16:rowId xmlns:a16="http://schemas.microsoft.com/office/drawing/2014/main" val="10008"/>
+                  </a:ext>
+                </a:extLst>
               </a:tr>
             </a:tbl>
           </a:graphicData>
@@ -4363,10 +4549,12 @@
             <a:off x="113792" y="429005"/>
             <a:ext cx="6175375" cy="452120"/>
           </a:xfrm>
-          <a:prstGeom prst="rect"/>
+          <a:prstGeom prst="rect">
+            <a:avLst/>
+          </a:prstGeom>
         </p:spPr>
         <p:txBody>
-          <a:bodyPr wrap="square" lIns="0" tIns="12065" rIns="0" bIns="0" rtlCol="0" vert="horz">
+          <a:bodyPr vert="horz" wrap="square" lIns="0" tIns="12065" rIns="0" bIns="0" rtlCol="0">
             <a:spAutoFit/>
           </a:bodyPr>
           <a:lstStyle/>
@@ -4380,7 +4568,7 @@
               </a:spcBef>
             </a:pPr>
             <a:r>
-              <a:rPr dirty="0" spc="-5"/>
+              <a:rPr spc="-5" dirty="0"/>
               <a:t>15. </a:t>
             </a:r>
             <a:r>
@@ -4388,15 +4576,15 @@
               <a:t>Milestone </a:t>
             </a:r>
             <a:r>
-              <a:rPr dirty="0" spc="-5"/>
+              <a:rPr spc="-5" dirty="0"/>
               <a:t>Feedback &amp; Action</a:t>
             </a:r>
             <a:r>
-              <a:rPr dirty="0" spc="-150"/>
+              <a:rPr spc="-150" dirty="0"/>
               <a:t> </a:t>
             </a:r>
             <a:r>
-              <a:rPr dirty="0" spc="-5"/>
+              <a:rPr spc="-5" dirty="0"/>
               <a:t>taken</a:t>
             </a:r>
           </a:p>
@@ -4412,7 +4600,7 @@
         </p:nvGraphicFramePr>
         <p:xfrm>
           <a:off x="173037" y="1190625"/>
-          <a:ext cx="8804910" cy="5413375"/>
+          <a:ext cx="8784590" cy="5400668"/>
         </p:xfrm>
         <a:graphic>
           <a:graphicData uri="http://schemas.openxmlformats.org/drawingml/2006/table">
@@ -4421,9 +4609,27 @@
                 <a:tableStyleId>{2D5ABB26-0587-4C30-8999-92F81FD0307C}</a:tableStyleId>
               </a:tblPr>
               <a:tblGrid>
-                <a:gridCol w="1296035"/>
-                <a:gridCol w="4176395"/>
-                <a:gridCol w="3312160"/>
+                <a:gridCol w="1296035">
+                  <a:extLst>
+                    <a:ext uri="{9D8B030D-6E8A-4147-A177-3AD203B41FA5}">
+                      <a16:colId xmlns:a16="http://schemas.microsoft.com/office/drawing/2014/main" val="20000"/>
+                    </a:ext>
+                  </a:extLst>
+                </a:gridCol>
+                <a:gridCol w="4176395">
+                  <a:extLst>
+                    <a:ext uri="{9D8B030D-6E8A-4147-A177-3AD203B41FA5}">
+                      <a16:colId xmlns:a16="http://schemas.microsoft.com/office/drawing/2014/main" val="20001"/>
+                    </a:ext>
+                  </a:extLst>
+                </a:gridCol>
+                <a:gridCol w="3312160">
+                  <a:extLst>
+                    <a:ext uri="{9D8B030D-6E8A-4147-A177-3AD203B41FA5}">
+                      <a16:colId xmlns:a16="http://schemas.microsoft.com/office/drawing/2014/main" val="20002"/>
+                    </a:ext>
+                  </a:extLst>
+                </a:gridCol>
               </a:tblGrid>
               <a:tr h="876173">
                 <a:tc>
@@ -4440,7 +4646,7 @@
                         </a:spcBef>
                       </a:pPr>
                       <a:r>
-                        <a:rPr dirty="0" sz="1800" spc="-10" b="1">
+                        <a:rPr sz="1800" b="1" spc="-10" dirty="0">
                           <a:solidFill>
                             <a:srgbClr val="FFFFFF"/>
                           </a:solidFill>
@@ -4450,7 +4656,7 @@
                         <a:t>Project  </a:t>
                       </a:r>
                       <a:r>
-                        <a:rPr dirty="0" sz="1800" spc="-5" b="1">
+                        <a:rPr sz="1800" b="1" spc="-5" dirty="0">
                           <a:solidFill>
                             <a:srgbClr val="FFFFFF"/>
                           </a:solidFill>
@@ -4460,7 +4666,7 @@
                         <a:t>Milestone</a:t>
                       </a:r>
                       <a:r>
-                        <a:rPr dirty="0" sz="1800" spc="-130" b="1">
+                        <a:rPr sz="1800" b="1" spc="-130" dirty="0">
                           <a:solidFill>
                             <a:srgbClr val="FFFFFF"/>
                           </a:solidFill>
@@ -4470,7 +4676,7 @@
                         <a:t> </a:t>
                       </a:r>
                       <a:r>
-                        <a:rPr dirty="0" sz="1800" b="1">
+                        <a:rPr sz="1800" b="1" dirty="0">
                           <a:solidFill>
                             <a:srgbClr val="FFFFFF"/>
                           </a:solidFill>
@@ -4485,7 +4691,7 @@
                       </a:endParaRPr>
                     </a:p>
                   </a:txBody>
-                  <a:tcPr marL="0" marR="0" marB="0" marT="153035">
+                  <a:tcPr marL="0" marR="0" marT="153035" marB="0">
                     <a:lnL w="12700">
                       <a:solidFill>
                         <a:srgbClr val="FFFFFF"/>
@@ -4529,7 +4735,7 @@
                         </a:spcBef>
                       </a:pPr>
                       <a:r>
-                        <a:rPr dirty="0" sz="1800" spc="-5" b="1">
+                        <a:rPr sz="1800" b="1" spc="-5" dirty="0">
                           <a:solidFill>
                             <a:srgbClr val="FFFFFF"/>
                           </a:solidFill>
@@ -4539,7 +4745,7 @@
                         <a:t>Milestone Feedback </a:t>
                       </a:r>
                       <a:r>
-                        <a:rPr dirty="0" sz="1800" spc="-10" b="1">
+                        <a:rPr sz="1800" b="1" spc="-10" dirty="0">
                           <a:solidFill>
                             <a:srgbClr val="FFFFFF"/>
                           </a:solidFill>
@@ -4549,7 +4755,7 @@
                         <a:t>received from </a:t>
                       </a:r>
                       <a:r>
-                        <a:rPr dirty="0" sz="1800" spc="-25" b="1">
+                        <a:rPr sz="1800" b="1" spc="-25" dirty="0">
                           <a:solidFill>
                             <a:srgbClr val="FFFFFF"/>
                           </a:solidFill>
@@ -4559,7 +4765,7 @@
                         <a:t>Tutor</a:t>
                       </a:r>
                       <a:r>
-                        <a:rPr dirty="0" sz="1800" spc="-130" b="1">
+                        <a:rPr sz="1800" b="1" spc="-130" dirty="0">
                           <a:solidFill>
                             <a:srgbClr val="FFFFFF"/>
                           </a:solidFill>
@@ -4569,7 +4775,7 @@
                         <a:t> </a:t>
                       </a:r>
                       <a:r>
-                        <a:rPr dirty="0" sz="1800" b="1">
+                        <a:rPr sz="1800" b="1" dirty="0">
                           <a:solidFill>
                             <a:srgbClr val="FFFFFF"/>
                           </a:solidFill>
@@ -4579,7 +4785,7 @@
                         <a:t>/  </a:t>
                       </a:r>
                       <a:r>
-                        <a:rPr dirty="0" sz="1800" spc="-5" b="1">
+                        <a:rPr sz="1800" b="1" spc="-5" dirty="0">
                           <a:solidFill>
                             <a:srgbClr val="FFFFFF"/>
                           </a:solidFill>
@@ -4589,7 +4795,7 @@
                         <a:t>Learning</a:t>
                       </a:r>
                       <a:r>
-                        <a:rPr dirty="0" sz="1800" spc="-30" b="1">
+                        <a:rPr sz="1800" b="1" spc="-30" dirty="0">
                           <a:solidFill>
                             <a:srgbClr val="FFFFFF"/>
                           </a:solidFill>
@@ -4599,7 +4805,7 @@
                         <a:t> </a:t>
                       </a:r>
                       <a:r>
-                        <a:rPr dirty="0" sz="1800" spc="-15" b="1">
+                        <a:rPr sz="1800" b="1" spc="-15" dirty="0">
                           <a:solidFill>
                             <a:srgbClr val="FFFFFF"/>
                           </a:solidFill>
@@ -4614,7 +4820,7 @@
                       </a:endParaRPr>
                     </a:p>
                   </a:txBody>
-                  <a:tcPr marL="0" marR="0" marB="0" marT="153035">
+                  <a:tcPr marL="0" marR="0" marT="153035" marB="0">
                     <a:lnL w="12700">
                       <a:solidFill>
                         <a:srgbClr val="FFFFFF"/>
@@ -4658,7 +4864,7 @@
                         </a:spcBef>
                       </a:pPr>
                       <a:r>
-                        <a:rPr dirty="0" sz="1800" b="1">
+                        <a:rPr sz="1800" b="1" dirty="0">
                           <a:solidFill>
                             <a:srgbClr val="FFFFFF"/>
                           </a:solidFill>
@@ -4668,7 +4874,7 @@
                         <a:t>Action</a:t>
                       </a:r>
                       <a:r>
-                        <a:rPr dirty="0" sz="1800" spc="-114" b="1">
+                        <a:rPr sz="1800" b="1" spc="-114" dirty="0">
                           <a:solidFill>
                             <a:srgbClr val="FFFFFF"/>
                           </a:solidFill>
@@ -4678,7 +4884,7 @@
                         <a:t> </a:t>
                       </a:r>
                       <a:r>
-                        <a:rPr dirty="0" sz="1800" spc="-40" b="1">
+                        <a:rPr sz="1800" b="1" spc="-40" dirty="0">
                           <a:solidFill>
                             <a:srgbClr val="FFFFFF"/>
                           </a:solidFill>
@@ -4688,7 +4894,7 @@
                         <a:t>Taken  (Yes </a:t>
                       </a:r>
                       <a:r>
-                        <a:rPr dirty="0" sz="1800" b="1">
+                        <a:rPr sz="1800" b="1" dirty="0">
                           <a:solidFill>
                             <a:srgbClr val="FFFFFF"/>
                           </a:solidFill>
@@ -4703,7 +4909,7 @@
                       </a:endParaRPr>
                     </a:p>
                   </a:txBody>
-                  <a:tcPr marL="0" marR="0" marB="0" marT="153035">
+                  <a:tcPr marL="0" marR="0" marT="153035" marB="0">
                     <a:lnL w="12700">
                       <a:solidFill>
                         <a:srgbClr val="FFFFFF"/>
@@ -4733,6 +4939,11 @@
                     </a:solidFill>
                   </a:tcPr>
                 </a:tc>
+                <a:extLst>
+                  <a:ext uri="{0D108BD9-81ED-4DB2-BD59-A6C34878D82A}">
+                    <a16:rowId xmlns:a16="http://schemas.microsoft.com/office/drawing/2014/main" val="10000"/>
+                  </a:ext>
+                </a:extLst>
               </a:tr>
               <a:tr h="347979">
                 <a:tc rowSpan="4">
@@ -4765,13 +4976,13 @@
                       </a:endParaRPr>
                     </a:p>
                     <a:p>
-                      <a:pPr algn="ctr" marL="52069">
+                      <a:pPr marL="52069" algn="ctr">
                         <a:lnSpc>
                           <a:spcPct val="100000"/>
                         </a:lnSpc>
                       </a:pPr>
                       <a:r>
-                        <a:rPr dirty="0" sz="1800">
+                        <a:rPr sz="1800" dirty="0">
                           <a:latin typeface="Calibri"/>
                           <a:cs typeface="Calibri"/>
                         </a:rPr>
@@ -4783,7 +4994,7 @@
                       </a:endParaRPr>
                     </a:p>
                   </a:txBody>
-                  <a:tcPr marL="0" marR="0" marB="0" marT="0">
+                  <a:tcPr marL="0" marR="0" marT="0" marB="0">
                     <a:lnL w="12700">
                       <a:solidFill>
                         <a:srgbClr val="FFFFFF"/>
@@ -4829,7 +5040,7 @@
                       </a:endParaRPr>
                     </a:p>
                   </a:txBody>
-                  <a:tcPr marL="0" marR="0" marB="0" marT="0">
+                  <a:tcPr marL="0" marR="0" marT="0" marB="0">
                     <a:lnL w="12700">
                       <a:solidFill>
                         <a:srgbClr val="FFFFFF"/>
@@ -4875,7 +5086,7 @@
                       </a:endParaRPr>
                     </a:p>
                   </a:txBody>
-                  <a:tcPr marL="0" marR="0" marB="0" marT="0">
+                  <a:tcPr marL="0" marR="0" marT="0" marB="0">
                     <a:lnL w="12700">
                       <a:solidFill>
                         <a:srgbClr val="FFFFFF"/>
@@ -4905,6 +5116,11 @@
                     </a:solidFill>
                   </a:tcPr>
                 </a:tc>
+                <a:extLst>
+                  <a:ext uri="{0D108BD9-81ED-4DB2-BD59-A6C34878D82A}">
+                    <a16:rowId xmlns:a16="http://schemas.microsoft.com/office/drawing/2014/main" val="10001"/>
+                  </a:ext>
+                </a:extLst>
               </a:tr>
               <a:tr h="348107">
                 <a:tc vMerge="1">
@@ -4912,10 +5128,10 @@
                     <a:bodyPr/>
                     <a:lstStyle/>
                     <a:p>
-                      <a:pPr/>
+                      <a:endParaRPr/>
                     </a:p>
                   </a:txBody>
-                  <a:tcPr marL="0" marR="0" marB="0" marT="0">
+                  <a:tcPr marL="0" marR="0" marT="0" marB="0">
                     <a:lnL w="12700">
                       <a:solidFill>
                         <a:srgbClr val="FFFFFF"/>
@@ -4961,7 +5177,7 @@
                       </a:endParaRPr>
                     </a:p>
                   </a:txBody>
-                  <a:tcPr marL="0" marR="0" marB="0" marT="0">
+                  <a:tcPr marL="0" marR="0" marT="0" marB="0">
                     <a:lnL w="12700">
                       <a:solidFill>
                         <a:srgbClr val="FFFFFF"/>
@@ -5007,7 +5223,7 @@
                       </a:endParaRPr>
                     </a:p>
                   </a:txBody>
-                  <a:tcPr marL="0" marR="0" marB="0" marT="0">
+                  <a:tcPr marL="0" marR="0" marT="0" marB="0">
                     <a:lnL w="12700">
                       <a:solidFill>
                         <a:srgbClr val="FFFFFF"/>
@@ -5037,6 +5253,11 @@
                     </a:solidFill>
                   </a:tcPr>
                 </a:tc>
+                <a:extLst>
+                  <a:ext uri="{0D108BD9-81ED-4DB2-BD59-A6C34878D82A}">
+                    <a16:rowId xmlns:a16="http://schemas.microsoft.com/office/drawing/2014/main" val="10002"/>
+                  </a:ext>
+                </a:extLst>
               </a:tr>
               <a:tr h="347979">
                 <a:tc vMerge="1">
@@ -5044,10 +5265,10 @@
                     <a:bodyPr/>
                     <a:lstStyle/>
                     <a:p>
-                      <a:pPr/>
+                      <a:endParaRPr/>
                     </a:p>
                   </a:txBody>
-                  <a:tcPr marL="0" marR="0" marB="0" marT="0">
+                  <a:tcPr marL="0" marR="0" marT="0" marB="0">
                     <a:lnL w="12700">
                       <a:solidFill>
                         <a:srgbClr val="FFFFFF"/>
@@ -5093,7 +5314,7 @@
                       </a:endParaRPr>
                     </a:p>
                   </a:txBody>
-                  <a:tcPr marL="0" marR="0" marB="0" marT="0">
+                  <a:tcPr marL="0" marR="0" marT="0" marB="0">
                     <a:lnL w="12700">
                       <a:solidFill>
                         <a:srgbClr val="FFFFFF"/>
@@ -5139,7 +5360,7 @@
                       </a:endParaRPr>
                     </a:p>
                   </a:txBody>
-                  <a:tcPr marL="0" marR="0" marB="0" marT="0">
+                  <a:tcPr marL="0" marR="0" marT="0" marB="0">
                     <a:lnL w="12700">
                       <a:solidFill>
                         <a:srgbClr val="FFFFFF"/>
@@ -5169,6 +5390,11 @@
                     </a:solidFill>
                   </a:tcPr>
                 </a:tc>
+                <a:extLst>
+                  <a:ext uri="{0D108BD9-81ED-4DB2-BD59-A6C34878D82A}">
+                    <a16:rowId xmlns:a16="http://schemas.microsoft.com/office/drawing/2014/main" val="10003"/>
+                  </a:ext>
+                </a:extLst>
               </a:tr>
               <a:tr h="348107">
                 <a:tc vMerge="1">
@@ -5176,10 +5402,10 @@
                     <a:bodyPr/>
                     <a:lstStyle/>
                     <a:p>
-                      <a:pPr/>
+                      <a:endParaRPr/>
                     </a:p>
                   </a:txBody>
-                  <a:tcPr marL="0" marR="0" marB="0" marT="0">
+                  <a:tcPr marL="0" marR="0" marT="0" marB="0">
                     <a:lnL w="12700">
                       <a:solidFill>
                         <a:srgbClr val="FFFFFF"/>
@@ -5225,7 +5451,7 @@
                       </a:endParaRPr>
                     </a:p>
                   </a:txBody>
-                  <a:tcPr marL="0" marR="0" marB="0" marT="0">
+                  <a:tcPr marL="0" marR="0" marT="0" marB="0">
                     <a:lnL w="12700">
                       <a:solidFill>
                         <a:srgbClr val="FFFFFF"/>
@@ -5271,7 +5497,7 @@
                       </a:endParaRPr>
                     </a:p>
                   </a:txBody>
-                  <a:tcPr marL="0" marR="0" marB="0" marT="0">
+                  <a:tcPr marL="0" marR="0" marT="0" marB="0">
                     <a:lnL w="12700">
                       <a:solidFill>
                         <a:srgbClr val="FFFFFF"/>
@@ -5301,6 +5527,11 @@
                     </a:solidFill>
                   </a:tcPr>
                 </a:tc>
+                <a:extLst>
+                  <a:ext uri="{0D108BD9-81ED-4DB2-BD59-A6C34878D82A}">
+                    <a16:rowId xmlns:a16="http://schemas.microsoft.com/office/drawing/2014/main" val="10004"/>
+                  </a:ext>
+                </a:extLst>
               </a:tr>
               <a:tr h="347979">
                 <a:tc rowSpan="4">
@@ -5333,13 +5564,13 @@
                       </a:endParaRPr>
                     </a:p>
                     <a:p>
-                      <a:pPr algn="ctr" marL="635">
+                      <a:pPr marL="635" algn="ctr">
                         <a:lnSpc>
                           <a:spcPct val="100000"/>
                         </a:lnSpc>
                       </a:pPr>
                       <a:r>
-                        <a:rPr dirty="0" sz="1800">
+                        <a:rPr sz="1800" dirty="0">
                           <a:latin typeface="Calibri"/>
                           <a:cs typeface="Calibri"/>
                         </a:rPr>
@@ -5351,7 +5582,7 @@
                       </a:endParaRPr>
                     </a:p>
                   </a:txBody>
-                  <a:tcPr marL="0" marR="0" marB="0" marT="0">
+                  <a:tcPr marL="0" marR="0" marT="0" marB="0">
                     <a:lnL w="12700">
                       <a:solidFill>
                         <a:srgbClr val="FFFFFF"/>
@@ -5397,7 +5628,7 @@
                       </a:endParaRPr>
                     </a:p>
                   </a:txBody>
-                  <a:tcPr marL="0" marR="0" marB="0" marT="0">
+                  <a:tcPr marL="0" marR="0" marT="0" marB="0">
                     <a:lnL w="12700">
                       <a:solidFill>
                         <a:srgbClr val="FFFFFF"/>
@@ -5443,7 +5674,7 @@
                       </a:endParaRPr>
                     </a:p>
                   </a:txBody>
-                  <a:tcPr marL="0" marR="0" marB="0" marT="0">
+                  <a:tcPr marL="0" marR="0" marT="0" marB="0">
                     <a:lnL w="12700">
                       <a:solidFill>
                         <a:srgbClr val="FFFFFF"/>
@@ -5473,6 +5704,11 @@
                     </a:solidFill>
                   </a:tcPr>
                 </a:tc>
+                <a:extLst>
+                  <a:ext uri="{0D108BD9-81ED-4DB2-BD59-A6C34878D82A}">
+                    <a16:rowId xmlns:a16="http://schemas.microsoft.com/office/drawing/2014/main" val="10005"/>
+                  </a:ext>
+                </a:extLst>
               </a:tr>
               <a:tr h="348106">
                 <a:tc vMerge="1">
@@ -5480,10 +5716,10 @@
                     <a:bodyPr/>
                     <a:lstStyle/>
                     <a:p>
-                      <a:pPr/>
+                      <a:endParaRPr/>
                     </a:p>
                   </a:txBody>
-                  <a:tcPr marL="0" marR="0" marB="0" marT="0">
+                  <a:tcPr marL="0" marR="0" marT="0" marB="0">
                     <a:lnL w="12700">
                       <a:solidFill>
                         <a:srgbClr val="FFFFFF"/>
@@ -5529,7 +5765,7 @@
                       </a:endParaRPr>
                     </a:p>
                   </a:txBody>
-                  <a:tcPr marL="0" marR="0" marB="0" marT="0">
+                  <a:tcPr marL="0" marR="0" marT="0" marB="0">
                     <a:lnL w="12700">
                       <a:solidFill>
                         <a:srgbClr val="FFFFFF"/>
@@ -5575,7 +5811,7 @@
                       </a:endParaRPr>
                     </a:p>
                   </a:txBody>
-                  <a:tcPr marL="0" marR="0" marB="0" marT="0">
+                  <a:tcPr marL="0" marR="0" marT="0" marB="0">
                     <a:lnL w="12700">
                       <a:solidFill>
                         <a:srgbClr val="FFFFFF"/>
@@ -5605,6 +5841,11 @@
                     </a:solidFill>
                   </a:tcPr>
                 </a:tc>
+                <a:extLst>
+                  <a:ext uri="{0D108BD9-81ED-4DB2-BD59-A6C34878D82A}">
+                    <a16:rowId xmlns:a16="http://schemas.microsoft.com/office/drawing/2014/main" val="10006"/>
+                  </a:ext>
+                </a:extLst>
               </a:tr>
               <a:tr h="347980">
                 <a:tc vMerge="1">
@@ -5612,10 +5853,10 @@
                     <a:bodyPr/>
                     <a:lstStyle/>
                     <a:p>
-                      <a:pPr/>
+                      <a:endParaRPr/>
                     </a:p>
                   </a:txBody>
-                  <a:tcPr marL="0" marR="0" marB="0" marT="0">
+                  <a:tcPr marL="0" marR="0" marT="0" marB="0">
                     <a:lnL w="12700">
                       <a:solidFill>
                         <a:srgbClr val="FFFFFF"/>
@@ -5661,7 +5902,7 @@
                       </a:endParaRPr>
                     </a:p>
                   </a:txBody>
-                  <a:tcPr marL="0" marR="0" marB="0" marT="0">
+                  <a:tcPr marL="0" marR="0" marT="0" marB="0">
                     <a:lnL w="12700">
                       <a:solidFill>
                         <a:srgbClr val="FFFFFF"/>
@@ -5707,7 +5948,7 @@
                       </a:endParaRPr>
                     </a:p>
                   </a:txBody>
-                  <a:tcPr marL="0" marR="0" marB="0" marT="0">
+                  <a:tcPr marL="0" marR="0" marT="0" marB="0">
                     <a:lnL w="12700">
                       <a:solidFill>
                         <a:srgbClr val="FFFFFF"/>
@@ -5737,6 +5978,11 @@
                     </a:solidFill>
                   </a:tcPr>
                 </a:tc>
+                <a:extLst>
+                  <a:ext uri="{0D108BD9-81ED-4DB2-BD59-A6C34878D82A}">
+                    <a16:rowId xmlns:a16="http://schemas.microsoft.com/office/drawing/2014/main" val="10007"/>
+                  </a:ext>
+                </a:extLst>
               </a:tr>
               <a:tr h="347980">
                 <a:tc vMerge="1">
@@ -5744,10 +5990,10 @@
                     <a:bodyPr/>
                     <a:lstStyle/>
                     <a:p>
-                      <a:pPr/>
+                      <a:endParaRPr/>
                     </a:p>
                   </a:txBody>
-                  <a:tcPr marL="0" marR="0" marB="0" marT="0">
+                  <a:tcPr marL="0" marR="0" marT="0" marB="0">
                     <a:lnL w="12700">
                       <a:solidFill>
                         <a:srgbClr val="FFFFFF"/>
@@ -5793,7 +6039,7 @@
                       </a:endParaRPr>
                     </a:p>
                   </a:txBody>
-                  <a:tcPr marL="0" marR="0" marB="0" marT="0">
+                  <a:tcPr marL="0" marR="0" marT="0" marB="0">
                     <a:lnL w="12700">
                       <a:solidFill>
                         <a:srgbClr val="FFFFFF"/>
@@ -5839,7 +6085,7 @@
                       </a:endParaRPr>
                     </a:p>
                   </a:txBody>
-                  <a:tcPr marL="0" marR="0" marB="0" marT="0">
+                  <a:tcPr marL="0" marR="0" marT="0" marB="0">
                     <a:lnL w="12700">
                       <a:solidFill>
                         <a:srgbClr val="FFFFFF"/>
@@ -5869,6 +6115,11 @@
                     </a:solidFill>
                   </a:tcPr>
                 </a:tc>
+                <a:extLst>
+                  <a:ext uri="{0D108BD9-81ED-4DB2-BD59-A6C34878D82A}">
+                    <a16:rowId xmlns:a16="http://schemas.microsoft.com/office/drawing/2014/main" val="10008"/>
+                  </a:ext>
+                </a:extLst>
               </a:tr>
               <a:tr h="348106">
                 <a:tc rowSpan="5">
@@ -5898,7 +6149,7 @@
                       </a:endParaRPr>
                     </a:p>
                     <a:p>
-                      <a:pPr algn="ctr" marL="635">
+                      <a:pPr marL="635" algn="ctr">
                         <a:lnSpc>
                           <a:spcPct val="100000"/>
                         </a:lnSpc>
@@ -5907,7 +6158,7 @@
                         </a:spcBef>
                       </a:pPr>
                       <a:r>
-                        <a:rPr dirty="0" sz="1800">
+                        <a:rPr sz="1800" dirty="0">
                           <a:latin typeface="Calibri"/>
                           <a:cs typeface="Calibri"/>
                         </a:rPr>
@@ -5919,7 +6170,7 @@
                       </a:endParaRPr>
                     </a:p>
                   </a:txBody>
-                  <a:tcPr marL="0" marR="0" marB="0" marT="0">
+                  <a:tcPr marL="0" marR="0" marT="0" marB="0">
                     <a:lnL w="12700">
                       <a:solidFill>
                         <a:srgbClr val="FFFFFF"/>
@@ -5965,7 +6216,7 @@
                       </a:endParaRPr>
                     </a:p>
                   </a:txBody>
-                  <a:tcPr marL="0" marR="0" marB="0" marT="0">
+                  <a:tcPr marL="0" marR="0" marT="0" marB="0">
                     <a:lnL w="12700">
                       <a:solidFill>
                         <a:srgbClr val="FFFFFF"/>
@@ -6011,7 +6262,7 @@
                       </a:endParaRPr>
                     </a:p>
                   </a:txBody>
-                  <a:tcPr marL="0" marR="0" marB="0" marT="0">
+                  <a:tcPr marL="0" marR="0" marT="0" marB="0">
                     <a:lnL w="12700">
                       <a:solidFill>
                         <a:srgbClr val="FFFFFF"/>
@@ -6041,6 +6292,11 @@
                     </a:solidFill>
                   </a:tcPr>
                 </a:tc>
+                <a:extLst>
+                  <a:ext uri="{0D108BD9-81ED-4DB2-BD59-A6C34878D82A}">
+                    <a16:rowId xmlns:a16="http://schemas.microsoft.com/office/drawing/2014/main" val="10009"/>
+                  </a:ext>
+                </a:extLst>
               </a:tr>
               <a:tr h="347980">
                 <a:tc vMerge="1">
@@ -6048,10 +6304,10 @@
                     <a:bodyPr/>
                     <a:lstStyle/>
                     <a:p>
-                      <a:pPr/>
+                      <a:endParaRPr/>
                     </a:p>
                   </a:txBody>
-                  <a:tcPr marL="0" marR="0" marB="0" marT="0">
+                  <a:tcPr marL="0" marR="0" marT="0" marB="0">
                     <a:lnL w="12700">
                       <a:solidFill>
                         <a:srgbClr val="FFFFFF"/>
@@ -6097,7 +6353,7 @@
                       </a:endParaRPr>
                     </a:p>
                   </a:txBody>
-                  <a:tcPr marL="0" marR="0" marB="0" marT="0">
+                  <a:tcPr marL="0" marR="0" marT="0" marB="0">
                     <a:lnL w="12700">
                       <a:solidFill>
                         <a:srgbClr val="FFFFFF"/>
@@ -6143,7 +6399,7 @@
                       </a:endParaRPr>
                     </a:p>
                   </a:txBody>
-                  <a:tcPr marL="0" marR="0" marB="0" marT="0">
+                  <a:tcPr marL="0" marR="0" marT="0" marB="0">
                     <a:lnL w="12700">
                       <a:solidFill>
                         <a:srgbClr val="FFFFFF"/>
@@ -6173,6 +6429,11 @@
                     </a:solidFill>
                   </a:tcPr>
                 </a:tc>
+                <a:extLst>
+                  <a:ext uri="{0D108BD9-81ED-4DB2-BD59-A6C34878D82A}">
+                    <a16:rowId xmlns:a16="http://schemas.microsoft.com/office/drawing/2014/main" val="10010"/>
+                  </a:ext>
+                </a:extLst>
               </a:tr>
               <a:tr h="348106">
                 <a:tc vMerge="1">
@@ -6180,10 +6441,10 @@
                     <a:bodyPr/>
                     <a:lstStyle/>
                     <a:p>
-                      <a:pPr/>
+                      <a:endParaRPr/>
                     </a:p>
                   </a:txBody>
-                  <a:tcPr marL="0" marR="0" marB="0" marT="0">
+                  <a:tcPr marL="0" marR="0" marT="0" marB="0">
                     <a:lnL w="12700">
                       <a:solidFill>
                         <a:srgbClr val="FFFFFF"/>
@@ -6229,7 +6490,7 @@
                       </a:endParaRPr>
                     </a:p>
                   </a:txBody>
-                  <a:tcPr marL="0" marR="0" marB="0" marT="0">
+                  <a:tcPr marL="0" marR="0" marT="0" marB="0">
                     <a:lnL w="12700">
                       <a:solidFill>
                         <a:srgbClr val="FFFFFF"/>
@@ -6275,7 +6536,7 @@
                       </a:endParaRPr>
                     </a:p>
                   </a:txBody>
-                  <a:tcPr marL="0" marR="0" marB="0" marT="0">
+                  <a:tcPr marL="0" marR="0" marT="0" marB="0">
                     <a:lnL w="12700">
                       <a:solidFill>
                         <a:srgbClr val="FFFFFF"/>
@@ -6305,6 +6566,11 @@
                     </a:solidFill>
                   </a:tcPr>
                 </a:tc>
+                <a:extLst>
+                  <a:ext uri="{0D108BD9-81ED-4DB2-BD59-A6C34878D82A}">
+                    <a16:rowId xmlns:a16="http://schemas.microsoft.com/office/drawing/2014/main" val="10011"/>
+                  </a:ext>
+                </a:extLst>
               </a:tr>
               <a:tr h="348043">
                 <a:tc vMerge="1">
@@ -6312,10 +6578,10 @@
                     <a:bodyPr/>
                     <a:lstStyle/>
                     <a:p>
-                      <a:pPr/>
+                      <a:endParaRPr/>
                     </a:p>
                   </a:txBody>
-                  <a:tcPr marL="0" marR="0" marB="0" marT="0">
+                  <a:tcPr marL="0" marR="0" marT="0" marB="0">
                     <a:lnL w="12700">
                       <a:solidFill>
                         <a:srgbClr val="FFFFFF"/>
@@ -6361,7 +6627,7 @@
                       </a:endParaRPr>
                     </a:p>
                   </a:txBody>
-                  <a:tcPr marL="0" marR="0" marB="0" marT="0">
+                  <a:tcPr marL="0" marR="0" marT="0" marB="0">
                     <a:lnL w="12700">
                       <a:solidFill>
                         <a:srgbClr val="FFFFFF"/>
@@ -6407,7 +6673,7 @@
                       </a:endParaRPr>
                     </a:p>
                   </a:txBody>
-                  <a:tcPr marL="0" marR="0" marB="0" marT="0">
+                  <a:tcPr marL="0" marR="0" marT="0" marB="0">
                     <a:lnL w="12700">
                       <a:solidFill>
                         <a:srgbClr val="FFFFFF"/>
@@ -6437,6 +6703,11 @@
                     </a:solidFill>
                   </a:tcPr>
                 </a:tc>
+                <a:extLst>
+                  <a:ext uri="{0D108BD9-81ED-4DB2-BD59-A6C34878D82A}">
+                    <a16:rowId xmlns:a16="http://schemas.microsoft.com/office/drawing/2014/main" val="10012"/>
+                  </a:ext>
+                </a:extLst>
               </a:tr>
               <a:tr h="348043">
                 <a:tc vMerge="1">
@@ -6444,10 +6715,10 @@
                     <a:bodyPr/>
                     <a:lstStyle/>
                     <a:p>
-                      <a:pPr/>
+                      <a:endParaRPr/>
                     </a:p>
                   </a:txBody>
-                  <a:tcPr marL="0" marR="0" marB="0" marT="0">
+                  <a:tcPr marL="0" marR="0" marT="0" marB="0">
                     <a:lnL w="12700">
                       <a:solidFill>
                         <a:srgbClr val="FFFFFF"/>
@@ -6493,7 +6764,7 @@
                       </a:endParaRPr>
                     </a:p>
                   </a:txBody>
-                  <a:tcPr marL="0" marR="0" marB="0" marT="0">
+                  <a:tcPr marL="0" marR="0" marT="0" marB="0">
                     <a:lnL w="12700">
                       <a:solidFill>
                         <a:srgbClr val="FFFFFF"/>
@@ -6539,7 +6810,7 @@
                       </a:endParaRPr>
                     </a:p>
                   </a:txBody>
-                  <a:tcPr marL="0" marR="0" marB="0" marT="0">
+                  <a:tcPr marL="0" marR="0" marT="0" marB="0">
                     <a:lnL w="12700">
                       <a:solidFill>
                         <a:srgbClr val="FFFFFF"/>
@@ -6569,6 +6840,11 @@
                     </a:solidFill>
                   </a:tcPr>
                 </a:tc>
+                <a:extLst>
+                  <a:ext uri="{0D108BD9-81ED-4DB2-BD59-A6C34878D82A}">
+                    <a16:rowId xmlns:a16="http://schemas.microsoft.com/office/drawing/2014/main" val="10013"/>
+                  </a:ext>
+                </a:extLst>
               </a:tr>
             </a:tbl>
           </a:graphicData>
@@ -6614,10 +6890,12 @@
             <a:off x="113792" y="429005"/>
             <a:ext cx="3840479" cy="452120"/>
           </a:xfrm>
-          <a:prstGeom prst="rect"/>
+          <a:prstGeom prst="rect">
+            <a:avLst/>
+          </a:prstGeom>
         </p:spPr>
         <p:txBody>
-          <a:bodyPr wrap="square" lIns="0" tIns="12065" rIns="0" bIns="0" rtlCol="0" vert="horz">
+          <a:bodyPr vert="horz" wrap="square" lIns="0" tIns="12065" rIns="0" bIns="0" rtlCol="0">
             <a:spAutoFit/>
           </a:bodyPr>
           <a:lstStyle/>
@@ -6631,11 +6909,11 @@
               </a:spcBef>
             </a:pPr>
             <a:r>
-              <a:rPr dirty="0" spc="-5"/>
+              <a:rPr spc="-5" dirty="0"/>
               <a:t>16. Project Results</a:t>
             </a:r>
             <a:r>
-              <a:rPr dirty="0" spc="-20"/>
+              <a:rPr spc="-20" dirty="0"/>
               <a:t> </a:t>
             </a:r>
             <a:r>
@@ -6669,7 +6947,9 @@
         <p:txBody>
           <a:bodyPr wrap="square" lIns="0" tIns="0" rIns="0" bIns="0" rtlCol="0"/>
           <a:lstStyle/>
-          <a:p/>
+          <a:p>
+            <a:endParaRPr/>
+          </a:p>
         </p:txBody>
       </p:sp>
       <p:sp>
@@ -6696,7 +6976,9 @@
         <p:txBody>
           <a:bodyPr wrap="square" lIns="0" tIns="0" rIns="0" bIns="0" rtlCol="0"/>
           <a:lstStyle/>
-          <a:p/>
+          <a:p>
+            <a:endParaRPr/>
+          </a:p>
         </p:txBody>
       </p:sp>
       <p:sp>
@@ -6744,7 +7026,9 @@
         <p:txBody>
           <a:bodyPr wrap="square" lIns="0" tIns="0" rIns="0" bIns="0" rtlCol="0"/>
           <a:lstStyle/>
-          <a:p/>
+          <a:p>
+            <a:endParaRPr/>
+          </a:p>
         </p:txBody>
       </p:sp>
       <p:sp>
@@ -6794,7 +7078,9 @@
         <p:txBody>
           <a:bodyPr wrap="square" lIns="0" tIns="0" rIns="0" bIns="0" rtlCol="0"/>
           <a:lstStyle/>
-          <a:p/>
+          <a:p>
+            <a:endParaRPr/>
+          </a:p>
         </p:txBody>
       </p:sp>
       <p:sp>
@@ -6813,7 +7099,7 @@
           </a:prstGeom>
         </p:spPr>
         <p:txBody>
-          <a:bodyPr wrap="square" lIns="0" tIns="98425" rIns="0" bIns="0" rtlCol="0" vert="horz">
+          <a:bodyPr vert="horz" wrap="square" lIns="0" tIns="98425" rIns="0" bIns="0" rtlCol="0">
             <a:spAutoFit/>
           </a:bodyPr>
           <a:lstStyle/>
@@ -6832,49 +7118,49 @@
               </a:tabLst>
             </a:pPr>
             <a:r>
-              <a:rPr dirty="0" sz="2000" spc="-5" b="1">
+              <a:rPr sz="2000" b="1" spc="-5" dirty="0">
                 <a:latin typeface="Calibri"/>
                 <a:cs typeface="Calibri"/>
               </a:rPr>
               <a:t>List </a:t>
             </a:r>
             <a:r>
-              <a:rPr dirty="0" sz="2000" b="1">
+              <a:rPr sz="2000" b="1" dirty="0">
                 <a:latin typeface="Calibri"/>
                 <a:cs typeface="Calibri"/>
               </a:rPr>
               <a:t>of </a:t>
             </a:r>
             <a:r>
-              <a:rPr dirty="0" sz="2000" spc="-5" b="1">
+              <a:rPr sz="2000" b="1" spc="-5" dirty="0">
                 <a:latin typeface="Calibri"/>
                 <a:cs typeface="Calibri"/>
               </a:rPr>
               <a:t>HTML </a:t>
             </a:r>
             <a:r>
-              <a:rPr dirty="0" sz="2000" spc="-15" b="1">
+              <a:rPr sz="2000" b="1" spc="-15" dirty="0">
                 <a:latin typeface="Calibri"/>
                 <a:cs typeface="Calibri"/>
               </a:rPr>
               <a:t>Pages </a:t>
             </a:r>
             <a:r>
-              <a:rPr dirty="0" sz="2000" b="1">
+              <a:rPr sz="2000" b="1" dirty="0">
                 <a:latin typeface="Calibri"/>
                 <a:cs typeface="Calibri"/>
               </a:rPr>
               <a:t>being</a:t>
             </a:r>
             <a:r>
-              <a:rPr dirty="0" sz="2000" spc="-15" b="1">
+              <a:rPr sz="2000" b="1" spc="-15" dirty="0">
                 <a:latin typeface="Calibri"/>
                 <a:cs typeface="Calibri"/>
               </a:rPr>
               <a:t> </a:t>
             </a:r>
             <a:r>
-              <a:rPr dirty="0" sz="2000" spc="-5" b="1">
+              <a:rPr sz="2000" b="1" spc="-5" dirty="0">
                 <a:latin typeface="Calibri"/>
                 <a:cs typeface="Calibri"/>
               </a:rPr>
@@ -6886,7 +7172,7 @@
             </a:endParaRPr>
           </a:p>
           <a:p>
-            <a:pPr lvl="1" marL="756285" indent="-286385">
+            <a:pPr marL="756285" lvl="1" indent="-286385">
               <a:lnSpc>
                 <a:spcPct val="100000"/>
               </a:lnSpc>
@@ -6901,70 +7187,70 @@
               </a:tabLst>
             </a:pPr>
             <a:r>
-              <a:rPr dirty="0" sz="1800" spc="-5">
+              <a:rPr sz="1800" spc="-5" dirty="0">
                 <a:latin typeface="Calibri"/>
                 <a:cs typeface="Calibri"/>
               </a:rPr>
               <a:t>&lt;Label </a:t>
             </a:r>
             <a:r>
-              <a:rPr dirty="0" sz="1800">
+              <a:rPr sz="1800" dirty="0">
                 <a:latin typeface="Calibri"/>
                 <a:cs typeface="Calibri"/>
               </a:rPr>
               <a:t>and </a:t>
             </a:r>
             <a:r>
-              <a:rPr dirty="0" sz="1800" spc="-15">
+              <a:rPr sz="1800" spc="-15" dirty="0">
                 <a:latin typeface="Calibri"/>
                 <a:cs typeface="Calibri"/>
               </a:rPr>
               <a:t>paste </a:t>
             </a:r>
             <a:r>
-              <a:rPr dirty="0" sz="1800">
+              <a:rPr sz="1800" dirty="0">
                 <a:latin typeface="Calibri"/>
                 <a:cs typeface="Calibri"/>
               </a:rPr>
               <a:t>the </a:t>
             </a:r>
             <a:r>
-              <a:rPr dirty="0" sz="1800" spc="-10">
+              <a:rPr sz="1800" spc="-10" dirty="0">
                 <a:latin typeface="Calibri"/>
                 <a:cs typeface="Calibri"/>
               </a:rPr>
               <a:t>screen </a:t>
             </a:r>
             <a:r>
-              <a:rPr dirty="0" sz="1800" spc="-5">
+              <a:rPr sz="1800" spc="-5" dirty="0">
                 <a:latin typeface="Calibri"/>
                 <a:cs typeface="Calibri"/>
               </a:rPr>
               <a:t>shots of all evidences which show </a:t>
             </a:r>
             <a:r>
-              <a:rPr dirty="0" sz="1800">
+              <a:rPr sz="1800" dirty="0">
                 <a:latin typeface="Calibri"/>
                 <a:cs typeface="Calibri"/>
               </a:rPr>
               <a:t>the </a:t>
             </a:r>
             <a:r>
-              <a:rPr dirty="0" sz="1800" spc="-10">
+              <a:rPr sz="1800" spc="-10" dirty="0">
                 <a:latin typeface="Calibri"/>
                 <a:cs typeface="Calibri"/>
               </a:rPr>
               <a:t>project</a:t>
             </a:r>
             <a:r>
-              <a:rPr dirty="0" sz="1800" spc="200">
+              <a:rPr sz="1800" spc="200" dirty="0">
                 <a:latin typeface="Calibri"/>
                 <a:cs typeface="Calibri"/>
               </a:rPr>
               <a:t> </a:t>
             </a:r>
             <a:r>
-              <a:rPr dirty="0" sz="1800" spc="-10">
+              <a:rPr sz="1800" spc="-10" dirty="0">
                 <a:latin typeface="Calibri"/>
                 <a:cs typeface="Calibri"/>
               </a:rPr>
@@ -6976,7 +7262,7 @@
             </a:endParaRPr>
           </a:p>
           <a:p>
-            <a:pPr lvl="1" marL="756285" indent="-286385">
+            <a:pPr marL="756285" lvl="1" indent="-286385">
               <a:lnSpc>
                 <a:spcPct val="100000"/>
               </a:lnSpc>
@@ -6988,7 +7274,7 @@
               </a:tabLst>
             </a:pPr>
             <a:r>
-              <a:rPr dirty="0" sz="1800" spc="5">
+              <a:rPr sz="1800" spc="5" dirty="0">
                 <a:latin typeface="Calibri"/>
                 <a:cs typeface="Calibri"/>
               </a:rPr>
@@ -7000,7 +7286,7 @@
             </a:endParaRPr>
           </a:p>
           <a:p>
-            <a:pPr lvl="1" marL="756285" indent="-286385">
+            <a:pPr marL="756285" lvl="1" indent="-286385">
               <a:lnSpc>
                 <a:spcPct val="100000"/>
               </a:lnSpc>
@@ -7012,7 +7298,7 @@
               </a:tabLst>
             </a:pPr>
             <a:r>
-              <a:rPr dirty="0" sz="1800" spc="5">
+              <a:rPr sz="1800" spc="5" dirty="0">
                 <a:latin typeface="Calibri"/>
                 <a:cs typeface="Calibri"/>
               </a:rPr>
@@ -7024,7 +7310,7 @@
             </a:endParaRPr>
           </a:p>
           <a:p>
-            <a:pPr lvl="1" marL="756285" indent="-286385">
+            <a:pPr marL="756285" lvl="1" indent="-286385">
               <a:lnSpc>
                 <a:spcPct val="100000"/>
               </a:lnSpc>
@@ -7039,7 +7325,7 @@
               </a:tabLst>
             </a:pPr>
             <a:r>
-              <a:rPr dirty="0" sz="1800" spc="5">
+              <a:rPr sz="1800" spc="5" dirty="0">
                 <a:latin typeface="Calibri"/>
                 <a:cs typeface="Calibri"/>
               </a:rPr>
@@ -7051,7 +7337,7 @@
             </a:endParaRPr>
           </a:p>
           <a:p>
-            <a:pPr lvl="1" marL="756285" indent="-286385">
+            <a:pPr marL="756285" lvl="1" indent="-286385">
               <a:lnSpc>
                 <a:spcPct val="100000"/>
               </a:lnSpc>
@@ -7066,7 +7352,7 @@
               </a:tabLst>
             </a:pPr>
             <a:r>
-              <a:rPr dirty="0" sz="1800">
+              <a:rPr sz="1800" dirty="0">
                 <a:latin typeface="Calibri"/>
                 <a:cs typeface="Calibri"/>
               </a:rPr>
@@ -7078,7 +7364,7 @@
             </a:endParaRPr>
           </a:p>
           <a:p>
-            <a:pPr lvl="1" marL="756285" indent="-286385">
+            <a:pPr marL="756285" lvl="1" indent="-286385">
               <a:lnSpc>
                 <a:spcPct val="100000"/>
               </a:lnSpc>
@@ -7093,7 +7379,7 @@
               </a:tabLst>
             </a:pPr>
             <a:r>
-              <a:rPr dirty="0" sz="1800" spc="5">
+              <a:rPr sz="1800" spc="5" dirty="0">
                 <a:latin typeface="Calibri"/>
                 <a:cs typeface="Calibri"/>
               </a:rPr>
@@ -7105,7 +7391,7 @@
             </a:endParaRPr>
           </a:p>
           <a:p>
-            <a:pPr lvl="1" marL="756285" indent="-286385">
+            <a:pPr marL="756285" lvl="1" indent="-286385">
               <a:lnSpc>
                 <a:spcPct val="100000"/>
               </a:lnSpc>
@@ -7117,7 +7403,7 @@
               </a:tabLst>
             </a:pPr>
             <a:r>
-              <a:rPr dirty="0" sz="1800" spc="5">
+              <a:rPr sz="1800" spc="5" dirty="0">
                 <a:latin typeface="Calibri"/>
                 <a:cs typeface="Calibri"/>
               </a:rPr>
@@ -7143,28 +7429,28 @@
               </a:tabLst>
             </a:pPr>
             <a:r>
-              <a:rPr dirty="0" sz="2000" spc="-5" b="1">
+              <a:rPr sz="2000" b="1" spc="-5" dirty="0">
                 <a:latin typeface="Calibri"/>
                 <a:cs typeface="Calibri"/>
               </a:rPr>
               <a:t>Links </a:t>
             </a:r>
             <a:r>
-              <a:rPr dirty="0" sz="2000" b="1">
+              <a:rPr sz="2000" b="1" dirty="0">
                 <a:latin typeface="Calibri"/>
                 <a:cs typeface="Calibri"/>
               </a:rPr>
               <a:t>of the</a:t>
             </a:r>
             <a:r>
-              <a:rPr dirty="0" sz="2000" spc="-25" b="1">
+              <a:rPr sz="2000" b="1" spc="-25" dirty="0">
                 <a:latin typeface="Calibri"/>
                 <a:cs typeface="Calibri"/>
               </a:rPr>
               <a:t> </a:t>
             </a:r>
             <a:r>
-              <a:rPr dirty="0" sz="2000" spc="-15" b="1">
+              <a:rPr sz="2000" b="1" spc="-15" dirty="0">
                 <a:latin typeface="Calibri"/>
                 <a:cs typeface="Calibri"/>
               </a:rPr>
@@ -7176,7 +7462,7 @@
             </a:endParaRPr>
           </a:p>
           <a:p>
-            <a:pPr lvl="1" marL="756285" indent="-286385">
+            <a:pPr marL="756285" lvl="1" indent="-286385">
               <a:lnSpc>
                 <a:spcPct val="100000"/>
               </a:lnSpc>
@@ -7191,7 +7477,7 @@
               </a:tabLst>
             </a:pPr>
             <a:r>
-              <a:rPr dirty="0" sz="1800">
+              <a:rPr sz="1800" dirty="0">
                 <a:latin typeface="Calibri"/>
                 <a:cs typeface="Calibri"/>
               </a:rPr>
@@ -7203,7 +7489,7 @@
             </a:endParaRPr>
           </a:p>
           <a:p>
-            <a:pPr lvl="1" marL="756285" indent="-286385">
+            <a:pPr marL="756285" lvl="1" indent="-286385">
               <a:lnSpc>
                 <a:spcPct val="100000"/>
               </a:lnSpc>
@@ -7215,7 +7501,7 @@
               </a:tabLst>
             </a:pPr>
             <a:r>
-              <a:rPr dirty="0" sz="1800">
+              <a:rPr sz="1800" dirty="0">
                 <a:latin typeface="Calibri"/>
                 <a:cs typeface="Calibri"/>
               </a:rPr>
@@ -7227,7 +7513,7 @@
             </a:endParaRPr>
           </a:p>
           <a:p>
-            <a:pPr lvl="1" marL="756285" indent="-286385">
+            <a:pPr marL="756285" lvl="1" indent="-286385">
               <a:lnSpc>
                 <a:spcPct val="100000"/>
               </a:lnSpc>
@@ -7239,7 +7525,7 @@
               </a:tabLst>
             </a:pPr>
             <a:r>
-              <a:rPr dirty="0" sz="1800" spc="5">
+              <a:rPr sz="1800" spc="5" dirty="0">
                 <a:latin typeface="Calibri"/>
                 <a:cs typeface="Calibri"/>
               </a:rPr>
@@ -7251,7 +7537,7 @@
             </a:endParaRPr>
           </a:p>
           <a:p>
-            <a:pPr lvl="1" marL="756285" indent="-286385">
+            <a:pPr marL="756285" lvl="1" indent="-286385">
               <a:lnSpc>
                 <a:spcPct val="100000"/>
               </a:lnSpc>
@@ -7263,7 +7549,7 @@
               </a:tabLst>
             </a:pPr>
             <a:r>
-              <a:rPr dirty="0" sz="1800" spc="5">
+              <a:rPr sz="1800" spc="5" dirty="0">
                 <a:latin typeface="Calibri"/>
                 <a:cs typeface="Calibri"/>
               </a:rPr>
@@ -7316,10 +7602,12 @@
             <a:off x="113792" y="429005"/>
             <a:ext cx="2853055" cy="452120"/>
           </a:xfrm>
-          <a:prstGeom prst="rect"/>
+          <a:prstGeom prst="rect">
+            <a:avLst/>
+          </a:prstGeom>
         </p:spPr>
         <p:txBody>
-          <a:bodyPr wrap="square" lIns="0" tIns="12065" rIns="0" bIns="0" rtlCol="0" vert="horz">
+          <a:bodyPr vert="horz" wrap="square" lIns="0" tIns="12065" rIns="0" bIns="0" rtlCol="0">
             <a:spAutoFit/>
           </a:bodyPr>
           <a:lstStyle/>
@@ -7333,15 +7621,15 @@
               </a:spcBef>
             </a:pPr>
             <a:r>
-              <a:rPr dirty="0" spc="-5"/>
+              <a:rPr spc="-5" dirty="0"/>
               <a:t>Document</a:t>
             </a:r>
             <a:r>
-              <a:rPr dirty="0" spc="-20"/>
+              <a:rPr spc="-20" dirty="0"/>
               <a:t> </a:t>
             </a:r>
             <a:r>
-              <a:rPr dirty="0" spc="-5"/>
+              <a:rPr spc="-5" dirty="0"/>
               <a:t>History</a:t>
             </a:r>
           </a:p>
@@ -7357,7 +7645,7 @@
         </p:nvGraphicFramePr>
         <p:xfrm>
           <a:off x="173037" y="1909826"/>
-          <a:ext cx="8660130" cy="4018279"/>
+          <a:ext cx="8641079" cy="4005196"/>
         </p:xfrm>
         <a:graphic>
           <a:graphicData uri="http://schemas.openxmlformats.org/drawingml/2006/table">
@@ -7366,10 +7654,34 @@
                 <a:tableStyleId>{2D5ABB26-0587-4C30-8999-92F81FD0307C}</a:tableStyleId>
               </a:tblPr>
               <a:tblGrid>
-                <a:gridCol w="1036955"/>
-                <a:gridCol w="2160270"/>
-                <a:gridCol w="3197225"/>
-                <a:gridCol w="2246629"/>
+                <a:gridCol w="1036955">
+                  <a:extLst>
+                    <a:ext uri="{9D8B030D-6E8A-4147-A177-3AD203B41FA5}">
+                      <a16:colId xmlns:a16="http://schemas.microsoft.com/office/drawing/2014/main" val="20000"/>
+                    </a:ext>
+                  </a:extLst>
+                </a:gridCol>
+                <a:gridCol w="2160270">
+                  <a:extLst>
+                    <a:ext uri="{9D8B030D-6E8A-4147-A177-3AD203B41FA5}">
+                      <a16:colId xmlns:a16="http://schemas.microsoft.com/office/drawing/2014/main" val="20001"/>
+                    </a:ext>
+                  </a:extLst>
+                </a:gridCol>
+                <a:gridCol w="3197225">
+                  <a:extLst>
+                    <a:ext uri="{9D8B030D-6E8A-4147-A177-3AD203B41FA5}">
+                      <a16:colId xmlns:a16="http://schemas.microsoft.com/office/drawing/2014/main" val="20002"/>
+                    </a:ext>
+                  </a:extLst>
+                </a:gridCol>
+                <a:gridCol w="2246629">
+                  <a:extLst>
+                    <a:ext uri="{9D8B030D-6E8A-4147-A177-3AD203B41FA5}">
+                      <a16:colId xmlns:a16="http://schemas.microsoft.com/office/drawing/2014/main" val="20003"/>
+                    </a:ext>
+                  </a:extLst>
+                </a:gridCol>
               </a:tblGrid>
               <a:tr h="970914">
                 <a:tc>
@@ -7397,7 +7709,7 @@
                         </a:lnSpc>
                       </a:pPr>
                       <a:r>
-                        <a:rPr dirty="0" sz="1600" spc="-20" b="1">
+                        <a:rPr sz="1600" b="1" spc="-20" dirty="0">
                           <a:solidFill>
                             <a:srgbClr val="FFFFFF"/>
                           </a:solidFill>
@@ -7407,7 +7719,7 @@
                         <a:t>Version  </a:t>
                       </a:r>
                       <a:r>
-                        <a:rPr dirty="0" sz="1600" b="1">
+                        <a:rPr sz="1600" b="1" dirty="0">
                           <a:solidFill>
                             <a:srgbClr val="FFFFFF"/>
                           </a:solidFill>
@@ -7417,7 +7729,7 @@
                         <a:t>Num</a:t>
                       </a:r>
                       <a:r>
-                        <a:rPr dirty="0" sz="1600" spc="-10" b="1">
+                        <a:rPr sz="1600" b="1" spc="-10" dirty="0">
                           <a:solidFill>
                             <a:srgbClr val="FFFFFF"/>
                           </a:solidFill>
@@ -7427,7 +7739,7 @@
                         <a:t>b</a:t>
                       </a:r>
                       <a:r>
-                        <a:rPr dirty="0" sz="1600" spc="-5" b="1">
+                        <a:rPr sz="1600" b="1" spc="-5" dirty="0">
                           <a:solidFill>
                             <a:srgbClr val="FFFFFF"/>
                           </a:solidFill>
@@ -7442,7 +7754,7 @@
                       </a:endParaRPr>
                     </a:p>
                   </a:txBody>
-                  <a:tcPr marL="0" marR="0" marB="0" marT="1270">
+                  <a:tcPr marL="0" marR="0" marT="1270" marB="0">
                     <a:lnL w="12700">
                       <a:solidFill>
                         <a:srgbClr val="FFFFFF"/>
@@ -7497,7 +7809,7 @@
                         </a:spcBef>
                       </a:pPr>
                       <a:r>
-                        <a:rPr dirty="0" sz="1600" spc="-15" b="1">
+                        <a:rPr sz="1600" b="1" spc="-15" dirty="0">
                           <a:solidFill>
                             <a:srgbClr val="FFFFFF"/>
                           </a:solidFill>
@@ -7507,7 +7819,7 @@
                         <a:t>Effective Date </a:t>
                       </a:r>
                       <a:r>
-                        <a:rPr dirty="0" sz="1600" b="1">
+                        <a:rPr sz="1600" b="1" dirty="0">
                           <a:solidFill>
                             <a:srgbClr val="FFFFFF"/>
                           </a:solidFill>
@@ -7517,7 +7829,7 @@
                         <a:t>of </a:t>
                       </a:r>
                       <a:r>
-                        <a:rPr dirty="0" sz="1600" spc="-10" b="1">
+                        <a:rPr sz="1600" b="1" spc="-10" dirty="0">
                           <a:solidFill>
                             <a:srgbClr val="FFFFFF"/>
                           </a:solidFill>
@@ -7532,7 +7844,7 @@
                       </a:endParaRPr>
                     </a:p>
                   </a:txBody>
-                  <a:tcPr marL="0" marR="0" marB="0" marT="0">
+                  <a:tcPr marL="0" marR="0" marT="0" marB="0">
                     <a:lnL w="12700">
                       <a:solidFill>
                         <a:srgbClr val="FFFFFF"/>
@@ -7587,7 +7899,7 @@
                         </a:spcBef>
                       </a:pPr>
                       <a:r>
-                        <a:rPr dirty="0" sz="1600" spc="-5" b="1">
+                        <a:rPr sz="1600" b="1" spc="-5" dirty="0">
                           <a:solidFill>
                             <a:srgbClr val="FFFFFF"/>
                           </a:solidFill>
@@ -7597,7 +7909,7 @@
                         <a:t>Summary of </a:t>
                       </a:r>
                       <a:r>
-                        <a:rPr dirty="0" sz="1600" spc="-10" b="1">
+                        <a:rPr sz="1600" b="1" spc="-10" dirty="0">
                           <a:solidFill>
                             <a:srgbClr val="FFFFFF"/>
                           </a:solidFill>
@@ -7607,7 +7919,7 @@
                         <a:t>Included</a:t>
                       </a:r>
                       <a:r>
-                        <a:rPr dirty="0" sz="1600" spc="60" b="1">
+                        <a:rPr sz="1600" b="1" spc="60" dirty="0">
                           <a:solidFill>
                             <a:srgbClr val="FFFFFF"/>
                           </a:solidFill>
@@ -7617,7 +7929,7 @@
                         <a:t> </a:t>
                       </a:r>
                       <a:r>
-                        <a:rPr dirty="0" sz="1600" spc="-10" b="1">
+                        <a:rPr sz="1600" b="1" spc="-10" dirty="0">
                           <a:solidFill>
                             <a:srgbClr val="FFFFFF"/>
                           </a:solidFill>
@@ -7632,7 +7944,7 @@
                       </a:endParaRPr>
                     </a:p>
                   </a:txBody>
-                  <a:tcPr marL="0" marR="0" marB="0" marT="0">
+                  <a:tcPr marL="0" marR="0" marT="0" marB="0">
                     <a:lnL w="12700">
                       <a:solidFill>
                         <a:srgbClr val="FFFFFF"/>
@@ -7678,7 +7990,7 @@
                       </a:endParaRPr>
                     </a:p>
                     <a:p>
-                      <a:pPr algn="ctr" marL="1905">
+                      <a:pPr marL="1905" algn="ctr">
                         <a:lnSpc>
                           <a:spcPct val="100000"/>
                         </a:lnSpc>
@@ -7687,7 +7999,7 @@
                         </a:spcBef>
                       </a:pPr>
                       <a:r>
-                        <a:rPr dirty="0" sz="1600" spc="-5" b="1">
+                        <a:rPr sz="1600" b="1" spc="-5" dirty="0">
                           <a:solidFill>
                             <a:srgbClr val="FFFFFF"/>
                           </a:solidFill>
@@ -7702,7 +8014,7 @@
                       </a:endParaRPr>
                     </a:p>
                   </a:txBody>
-                  <a:tcPr marL="0" marR="0" marB="0" marT="0">
+                  <a:tcPr marL="0" marR="0" marT="0" marB="0">
                     <a:lnL w="12700">
                       <a:solidFill>
                         <a:srgbClr val="FFFFFF"/>
@@ -7732,6 +8044,11 @@
                     </a:solidFill>
                   </a:tcPr>
                 </a:tc>
+                <a:extLst>
+                  <a:ext uri="{0D108BD9-81ED-4DB2-BD59-A6C34878D82A}">
+                    <a16:rowId xmlns:a16="http://schemas.microsoft.com/office/drawing/2014/main" val="10000"/>
+                  </a:ext>
+                </a:extLst>
               </a:tr>
               <a:tr h="606806">
                 <a:tc>
@@ -7739,7 +8056,7 @@
                     <a:bodyPr/>
                     <a:lstStyle/>
                     <a:p>
-                      <a:pPr algn="ctr" marL="56515">
+                      <a:pPr marL="56515" algn="ctr">
                         <a:lnSpc>
                           <a:spcPct val="100000"/>
                         </a:lnSpc>
@@ -7748,7 +8065,7 @@
                         </a:spcBef>
                       </a:pPr>
                       <a:r>
-                        <a:rPr dirty="0" sz="1600">
+                        <a:rPr sz="1600" dirty="0">
                           <a:latin typeface="Calibri"/>
                           <a:cs typeface="Calibri"/>
                         </a:rPr>
@@ -7760,7 +8077,7 @@
                       </a:endParaRPr>
                     </a:p>
                   </a:txBody>
-                  <a:tcPr marL="0" marR="0" marB="0" marT="170815">
+                  <a:tcPr marL="0" marR="0" marT="170815" marB="0">
                     <a:lnL w="12700">
                       <a:solidFill>
                         <a:srgbClr val="FFFFFF"/>
@@ -7804,35 +8121,35 @@
                         </a:spcBef>
                       </a:pPr>
                       <a:r>
-                        <a:rPr dirty="0" sz="1600">
+                        <a:rPr sz="1600" dirty="0">
                           <a:latin typeface="Calibri"/>
                           <a:cs typeface="Calibri"/>
                         </a:rPr>
                         <a:t>4</a:t>
                       </a:r>
                       <a:r>
-                        <a:rPr dirty="0" baseline="26455" sz="1575">
+                        <a:rPr sz="1575" baseline="26455" dirty="0">
                           <a:latin typeface="Calibri"/>
                           <a:cs typeface="Calibri"/>
                         </a:rPr>
                         <a:t>th </a:t>
                       </a:r>
                       <a:r>
-                        <a:rPr dirty="0" sz="1600" spc="-10">
+                        <a:rPr sz="1600" spc="-10" dirty="0">
                           <a:latin typeface="Calibri"/>
                           <a:cs typeface="Calibri"/>
                         </a:rPr>
                         <a:t>March</a:t>
                       </a:r>
                       <a:r>
-                        <a:rPr dirty="0" sz="1600" spc="-114">
+                        <a:rPr sz="1600" spc="-114" dirty="0">
                           <a:latin typeface="Calibri"/>
                           <a:cs typeface="Calibri"/>
                         </a:rPr>
                         <a:t> </a:t>
                       </a:r>
                       <a:r>
-                        <a:rPr dirty="0" sz="1600" spc="-10">
+                        <a:rPr sz="1600" spc="-10" dirty="0">
                           <a:latin typeface="Calibri"/>
                           <a:cs typeface="Calibri"/>
                         </a:rPr>
@@ -7844,7 +8161,7 @@
                       </a:endParaRPr>
                     </a:p>
                   </a:txBody>
-                  <a:tcPr marL="0" marR="0" marB="0" marT="170815">
+                  <a:tcPr marL="0" marR="0" marT="170815" marB="0">
                     <a:lnL w="12700">
                       <a:solidFill>
                         <a:srgbClr val="FFFFFF"/>
@@ -7888,21 +8205,21 @@
                         </a:spcBef>
                       </a:pPr>
                       <a:r>
-                        <a:rPr dirty="0" sz="1600" spc="-15">
+                        <a:rPr sz="1600" spc="-15" dirty="0">
                           <a:latin typeface="Calibri"/>
                           <a:cs typeface="Calibri"/>
                         </a:rPr>
                         <a:t>First</a:t>
                       </a:r>
                       <a:r>
-                        <a:rPr dirty="0" sz="1600" spc="-5">
+                        <a:rPr sz="1600" spc="-5" dirty="0">
                           <a:latin typeface="Calibri"/>
                           <a:cs typeface="Calibri"/>
                         </a:rPr>
                         <a:t> </a:t>
                       </a:r>
                       <a:r>
-                        <a:rPr dirty="0" sz="1600" spc="-10">
+                        <a:rPr sz="1600" spc="-10" dirty="0">
                           <a:latin typeface="Calibri"/>
                           <a:cs typeface="Calibri"/>
                         </a:rPr>
@@ -7914,7 +8231,7 @@
                       </a:endParaRPr>
                     </a:p>
                   </a:txBody>
-                  <a:tcPr marL="0" marR="0" marB="0" marT="170815">
+                  <a:tcPr marL="0" marR="0" marT="170815" marB="0">
                     <a:lnL w="12700">
                       <a:solidFill>
                         <a:srgbClr val="FFFFFF"/>
@@ -7958,14 +8275,14 @@
                         </a:spcBef>
                       </a:pPr>
                       <a:r>
-                        <a:rPr dirty="0" sz="1600" spc="-15">
+                        <a:rPr sz="1600" spc="-15" dirty="0">
                           <a:latin typeface="Calibri"/>
                           <a:cs typeface="Calibri"/>
                         </a:rPr>
                         <a:t>Satya</a:t>
                       </a:r>
                       <a:r>
-                        <a:rPr dirty="0" sz="1600" spc="-10">
+                        <a:rPr sz="1600" spc="-10" dirty="0">
                           <a:latin typeface="Calibri"/>
                           <a:cs typeface="Calibri"/>
                         </a:rPr>
@@ -7977,7 +8294,7 @@
                       </a:endParaRPr>
                     </a:p>
                   </a:txBody>
-                  <a:tcPr marL="0" marR="0" marB="0" marT="170815">
+                  <a:tcPr marL="0" marR="0" marT="170815" marB="0">
                     <a:lnL w="12700">
                       <a:solidFill>
                         <a:srgbClr val="FFFFFF"/>
@@ -8007,6 +8324,11 @@
                     </a:solidFill>
                   </a:tcPr>
                 </a:tc>
+                <a:extLst>
+                  <a:ext uri="{0D108BD9-81ED-4DB2-BD59-A6C34878D82A}">
+                    <a16:rowId xmlns:a16="http://schemas.microsoft.com/office/drawing/2014/main" val="10001"/>
+                  </a:ext>
+                </a:extLst>
               </a:tr>
               <a:tr h="606932">
                 <a:tc>
@@ -8014,7 +8336,7 @@
                     <a:bodyPr/>
                     <a:lstStyle/>
                     <a:p>
-                      <a:pPr algn="ctr" marL="102235">
+                      <a:pPr marL="102235" algn="ctr">
                         <a:lnSpc>
                           <a:spcPct val="100000"/>
                         </a:lnSpc>
@@ -8023,7 +8345,7 @@
                         </a:spcBef>
                       </a:pPr>
                       <a:r>
-                        <a:rPr dirty="0" sz="1600">
+                        <a:rPr sz="1600" dirty="0">
                           <a:latin typeface="Calibri"/>
                           <a:cs typeface="Calibri"/>
                         </a:rPr>
@@ -8035,7 +8357,7 @@
                       </a:endParaRPr>
                     </a:p>
                   </a:txBody>
-                  <a:tcPr marL="0" marR="0" marB="0" marT="170815">
+                  <a:tcPr marL="0" marR="0" marT="170815" marB="0">
                     <a:lnL w="12700">
                       <a:solidFill>
                         <a:srgbClr val="FFFFFF"/>
@@ -8079,35 +8401,35 @@
                         </a:spcBef>
                       </a:pPr>
                       <a:r>
-                        <a:rPr dirty="0" sz="1600">
+                        <a:rPr sz="1600" dirty="0">
                           <a:latin typeface="Calibri"/>
                           <a:cs typeface="Calibri"/>
                         </a:rPr>
                         <a:t>7</a:t>
                       </a:r>
                       <a:r>
-                        <a:rPr dirty="0" baseline="26455" sz="1575">
+                        <a:rPr sz="1575" baseline="26455" dirty="0">
                           <a:latin typeface="Calibri"/>
                           <a:cs typeface="Calibri"/>
                         </a:rPr>
                         <a:t>th </a:t>
                       </a:r>
                       <a:r>
-                        <a:rPr dirty="0" sz="1600" spc="-5">
+                        <a:rPr sz="1600" spc="-5" dirty="0">
                           <a:latin typeface="Calibri"/>
                           <a:cs typeface="Calibri"/>
                         </a:rPr>
                         <a:t>April</a:t>
                       </a:r>
                       <a:r>
-                        <a:rPr dirty="0" sz="1600" spc="-125">
+                        <a:rPr sz="1600" spc="-125" dirty="0">
                           <a:latin typeface="Calibri"/>
                           <a:cs typeface="Calibri"/>
                         </a:rPr>
                         <a:t> </a:t>
                       </a:r>
                       <a:r>
-                        <a:rPr dirty="0" sz="1600" spc="-10">
+                        <a:rPr sz="1600" spc="-10" dirty="0">
                           <a:latin typeface="Calibri"/>
                           <a:cs typeface="Calibri"/>
                         </a:rPr>
@@ -8119,7 +8441,7 @@
                       </a:endParaRPr>
                     </a:p>
                   </a:txBody>
-                  <a:tcPr marL="0" marR="0" marB="0" marT="170815">
+                  <a:tcPr marL="0" marR="0" marT="170815" marB="0">
                     <a:lnL w="12700">
                       <a:solidFill>
                         <a:srgbClr val="FFFFFF"/>
@@ -8163,35 +8485,35 @@
                         </a:spcBef>
                       </a:pPr>
                       <a:r>
-                        <a:rPr dirty="0" sz="1600" spc="-10">
+                        <a:rPr sz="1600" spc="-10" dirty="0">
                           <a:latin typeface="Cambria"/>
                           <a:cs typeface="Cambria"/>
                         </a:rPr>
                         <a:t>Changed </a:t>
                       </a:r>
                       <a:r>
-                        <a:rPr dirty="0" sz="1600" spc="-15">
+                        <a:rPr sz="1600" spc="-15" dirty="0">
                           <a:latin typeface="Cambria"/>
                           <a:cs typeface="Cambria"/>
                         </a:rPr>
                         <a:t>for </a:t>
                       </a:r>
                       <a:r>
-                        <a:rPr dirty="0" sz="1600" spc="-5">
+                        <a:rPr sz="1600" spc="-5" dirty="0">
                           <a:latin typeface="Cambria"/>
                           <a:cs typeface="Cambria"/>
                         </a:rPr>
                         <a:t>Module</a:t>
                       </a:r>
                       <a:r>
-                        <a:rPr dirty="0" sz="1600" spc="25">
+                        <a:rPr sz="1600" spc="25" dirty="0">
                           <a:latin typeface="Cambria"/>
                           <a:cs typeface="Cambria"/>
                         </a:rPr>
                         <a:t> </a:t>
                       </a:r>
                       <a:r>
-                        <a:rPr dirty="0" sz="1600" spc="-5">
+                        <a:rPr sz="1600" spc="-5" dirty="0">
                           <a:latin typeface="Cambria"/>
                           <a:cs typeface="Cambria"/>
                         </a:rPr>
@@ -8203,7 +8525,7 @@
                       </a:endParaRPr>
                     </a:p>
                   </a:txBody>
-                  <a:tcPr marL="0" marR="0" marB="0" marT="177165">
+                  <a:tcPr marL="0" marR="0" marT="177165" marB="0">
                     <a:lnL w="12700">
                       <a:solidFill>
                         <a:srgbClr val="FFFFFF"/>
@@ -8247,28 +8569,28 @@
                         </a:spcBef>
                       </a:pPr>
                       <a:r>
-                        <a:rPr dirty="0" sz="1600" spc="-10">
+                        <a:rPr sz="1600" spc="-10" dirty="0">
                           <a:latin typeface="Calibri"/>
                           <a:cs typeface="Calibri"/>
                         </a:rPr>
                         <a:t>Shrinivas </a:t>
                       </a:r>
                       <a:r>
-                        <a:rPr dirty="0" sz="1600" spc="-5">
+                        <a:rPr sz="1600" spc="-5" dirty="0">
                           <a:latin typeface="Calibri"/>
                           <a:cs typeface="Calibri"/>
                         </a:rPr>
                         <a:t>K</a:t>
                       </a:r>
                       <a:r>
-                        <a:rPr dirty="0" sz="1600" spc="5">
+                        <a:rPr sz="1600" spc="5" dirty="0">
                           <a:latin typeface="Calibri"/>
                           <a:cs typeface="Calibri"/>
                         </a:rPr>
                         <a:t> </a:t>
                       </a:r>
                       <a:r>
-                        <a:rPr dirty="0" sz="1600" spc="-5">
+                        <a:rPr sz="1600" spc="-5" dirty="0">
                           <a:latin typeface="Calibri"/>
                           <a:cs typeface="Calibri"/>
                         </a:rPr>
@@ -8280,7 +8602,7 @@
                       </a:endParaRPr>
                     </a:p>
                   </a:txBody>
-                  <a:tcPr marL="0" marR="0" marB="0" marT="170815">
+                  <a:tcPr marL="0" marR="0" marT="170815" marB="0">
                     <a:lnL w="12700">
                       <a:solidFill>
                         <a:srgbClr val="FFFFFF"/>
@@ -8310,6 +8632,11 @@
                     </a:solidFill>
                   </a:tcPr>
                 </a:tc>
+                <a:extLst>
+                  <a:ext uri="{0D108BD9-81ED-4DB2-BD59-A6C34878D82A}">
+                    <a16:rowId xmlns:a16="http://schemas.microsoft.com/office/drawing/2014/main" val="10002"/>
+                  </a:ext>
+                </a:extLst>
               </a:tr>
               <a:tr h="606806">
                 <a:tc>
@@ -8317,7 +8644,7 @@
                     <a:bodyPr/>
                     <a:lstStyle/>
                     <a:p>
-                      <a:pPr algn="ctr" marL="102235">
+                      <a:pPr marL="102235" algn="ctr">
                         <a:lnSpc>
                           <a:spcPct val="100000"/>
                         </a:lnSpc>
@@ -8326,7 +8653,7 @@
                         </a:spcBef>
                       </a:pPr>
                       <a:r>
-                        <a:rPr dirty="0" sz="1600">
+                        <a:rPr sz="1600" dirty="0">
                           <a:latin typeface="Calibri"/>
                           <a:cs typeface="Calibri"/>
                         </a:rPr>
@@ -8338,7 +8665,7 @@
                       </a:endParaRPr>
                     </a:p>
                   </a:txBody>
-                  <a:tcPr marL="0" marR="0" marB="0" marT="170815">
+                  <a:tcPr marL="0" marR="0" marT="170815" marB="0">
                     <a:lnL w="12700">
                       <a:solidFill>
                         <a:srgbClr val="FFFFFF"/>
@@ -8382,35 +8709,35 @@
                         </a:spcBef>
                       </a:pPr>
                       <a:r>
-                        <a:rPr dirty="0" sz="1600">
+                        <a:rPr sz="1600" dirty="0">
                           <a:latin typeface="Calibri"/>
                           <a:cs typeface="Calibri"/>
                         </a:rPr>
                         <a:t>14</a:t>
                       </a:r>
                       <a:r>
-                        <a:rPr dirty="0" baseline="26455" sz="1575">
+                        <a:rPr sz="1575" baseline="26455" dirty="0">
                           <a:latin typeface="Calibri"/>
                           <a:cs typeface="Calibri"/>
                         </a:rPr>
                         <a:t>th </a:t>
                       </a:r>
                       <a:r>
-                        <a:rPr dirty="0" sz="1600" spc="-10">
+                        <a:rPr sz="1600" spc="-10" dirty="0">
                           <a:latin typeface="Calibri"/>
                           <a:cs typeface="Calibri"/>
                         </a:rPr>
                         <a:t>May</a:t>
                       </a:r>
                       <a:r>
-                        <a:rPr dirty="0" sz="1600" spc="-120">
+                        <a:rPr sz="1600" spc="-120" dirty="0">
                           <a:latin typeface="Calibri"/>
                           <a:cs typeface="Calibri"/>
                         </a:rPr>
                         <a:t> </a:t>
                       </a:r>
                       <a:r>
-                        <a:rPr dirty="0" sz="1600" spc="-10">
+                        <a:rPr sz="1600" spc="-10" dirty="0">
                           <a:latin typeface="Calibri"/>
                           <a:cs typeface="Calibri"/>
                         </a:rPr>
@@ -8422,7 +8749,7 @@
                       </a:endParaRPr>
                     </a:p>
                   </a:txBody>
-                  <a:tcPr marL="0" marR="0" marB="0" marT="170815">
+                  <a:tcPr marL="0" marR="0" marT="170815" marB="0">
                     <a:lnL w="12700">
                       <a:solidFill>
                         <a:srgbClr val="FFFFFF"/>
@@ -8466,35 +8793,35 @@
                         </a:spcBef>
                       </a:pPr>
                       <a:r>
-                        <a:rPr dirty="0" sz="1600" spc="-10">
+                        <a:rPr sz="1600" spc="-10" dirty="0">
                           <a:latin typeface="Calibri"/>
                           <a:cs typeface="Calibri"/>
                         </a:rPr>
                         <a:t>Changed </a:t>
                       </a:r>
                       <a:r>
-                        <a:rPr dirty="0" sz="1600" spc="-15">
+                        <a:rPr sz="1600" spc="-15" dirty="0">
                           <a:latin typeface="Calibri"/>
                           <a:cs typeface="Calibri"/>
                         </a:rPr>
                         <a:t>for </a:t>
                       </a:r>
                       <a:r>
-                        <a:rPr dirty="0" sz="1600" spc="-5">
+                        <a:rPr sz="1600" spc="-5" dirty="0">
                           <a:latin typeface="Calibri"/>
                           <a:cs typeface="Calibri"/>
                         </a:rPr>
                         <a:t>Module</a:t>
                       </a:r>
                       <a:r>
-                        <a:rPr dirty="0" sz="1600" spc="10">
+                        <a:rPr sz="1600" spc="10" dirty="0">
                           <a:latin typeface="Calibri"/>
                           <a:cs typeface="Calibri"/>
                         </a:rPr>
                         <a:t> </a:t>
                       </a:r>
                       <a:r>
-                        <a:rPr dirty="0" sz="1600" spc="-5">
+                        <a:rPr sz="1600" spc="-5" dirty="0">
                           <a:latin typeface="Calibri"/>
                           <a:cs typeface="Calibri"/>
                         </a:rPr>
@@ -8506,7 +8833,7 @@
                       </a:endParaRPr>
                     </a:p>
                   </a:txBody>
-                  <a:tcPr marL="0" marR="0" marB="0" marT="170815">
+                  <a:tcPr marL="0" marR="0" marT="170815" marB="0">
                     <a:lnL w="12700">
                       <a:solidFill>
                         <a:srgbClr val="FFFFFF"/>
@@ -8550,28 +8877,28 @@
                         </a:spcBef>
                       </a:pPr>
                       <a:r>
-                        <a:rPr dirty="0" sz="1600" spc="-10">
+                        <a:rPr sz="1600" spc="-10" dirty="0">
                           <a:latin typeface="Calibri"/>
                           <a:cs typeface="Calibri"/>
                         </a:rPr>
                         <a:t>Shrinivas </a:t>
                       </a:r>
                       <a:r>
-                        <a:rPr dirty="0" sz="1600" spc="-5">
+                        <a:rPr sz="1600" spc="-5" dirty="0">
                           <a:latin typeface="Calibri"/>
                           <a:cs typeface="Calibri"/>
                         </a:rPr>
                         <a:t>K</a:t>
                       </a:r>
                       <a:r>
-                        <a:rPr dirty="0" sz="1600" spc="10">
+                        <a:rPr sz="1600" spc="10" dirty="0">
                           <a:latin typeface="Calibri"/>
                           <a:cs typeface="Calibri"/>
                         </a:rPr>
                         <a:t> </a:t>
                       </a:r>
                       <a:r>
-                        <a:rPr dirty="0" sz="1600" spc="-5">
+                        <a:rPr sz="1600" spc="-5" dirty="0">
                           <a:latin typeface="Calibri"/>
                           <a:cs typeface="Calibri"/>
                         </a:rPr>
@@ -8583,7 +8910,7 @@
                       </a:endParaRPr>
                     </a:p>
                   </a:txBody>
-                  <a:tcPr marL="0" marR="0" marB="0" marT="170815">
+                  <a:tcPr marL="0" marR="0" marT="170815" marB="0">
                     <a:lnL w="12700">
                       <a:solidFill>
                         <a:srgbClr val="FFFFFF"/>
@@ -8613,6 +8940,11 @@
                     </a:solidFill>
                   </a:tcPr>
                 </a:tc>
+                <a:extLst>
+                  <a:ext uri="{0D108BD9-81ED-4DB2-BD59-A6C34878D82A}">
+                    <a16:rowId xmlns:a16="http://schemas.microsoft.com/office/drawing/2014/main" val="10003"/>
+                  </a:ext>
+                </a:extLst>
               </a:tr>
               <a:tr h="606932">
                 <a:tc>
@@ -8620,7 +8952,7 @@
                     <a:bodyPr/>
                     <a:lstStyle/>
                     <a:p>
-                      <a:pPr algn="ctr" marL="57150">
+                      <a:pPr marL="57150" algn="ctr">
                         <a:lnSpc>
                           <a:spcPct val="100000"/>
                         </a:lnSpc>
@@ -8629,7 +8961,7 @@
                         </a:spcBef>
                       </a:pPr>
                       <a:r>
-                        <a:rPr dirty="0" sz="1600">
+                        <a:rPr sz="1600" dirty="0">
                           <a:latin typeface="Cambria"/>
                           <a:cs typeface="Cambria"/>
                         </a:rPr>
@@ -8641,7 +8973,7 @@
                       </a:endParaRPr>
                     </a:p>
                   </a:txBody>
-                  <a:tcPr marL="0" marR="0" marB="0" marT="177165">
+                  <a:tcPr marL="0" marR="0" marT="177165" marB="0">
                     <a:lnL w="12700">
                       <a:solidFill>
                         <a:srgbClr val="FFFFFF"/>
@@ -8685,35 +9017,35 @@
                         </a:spcBef>
                       </a:pPr>
                       <a:r>
-                        <a:rPr dirty="0" sz="1600">
+                        <a:rPr sz="1600" dirty="0">
                           <a:latin typeface="Cambria"/>
                           <a:cs typeface="Cambria"/>
                         </a:rPr>
                         <a:t>03</a:t>
                       </a:r>
                       <a:r>
-                        <a:rPr dirty="0" baseline="26455" sz="1575">
+                        <a:rPr sz="1575" baseline="26455" dirty="0">
                           <a:latin typeface="Cambria"/>
                           <a:cs typeface="Cambria"/>
                         </a:rPr>
                         <a:t>rd </a:t>
                       </a:r>
                       <a:r>
-                        <a:rPr dirty="0" sz="1600" spc="-20">
+                        <a:rPr sz="1600" spc="-20" dirty="0">
                           <a:latin typeface="Cambria"/>
                           <a:cs typeface="Cambria"/>
                         </a:rPr>
                         <a:t>May</a:t>
                       </a:r>
                       <a:r>
-                        <a:rPr dirty="0" sz="1600" spc="-125">
+                        <a:rPr sz="1600" spc="-125" dirty="0">
                           <a:latin typeface="Cambria"/>
                           <a:cs typeface="Cambria"/>
                         </a:rPr>
                         <a:t> </a:t>
                       </a:r>
                       <a:r>
-                        <a:rPr dirty="0" sz="1600" spc="-5">
+                        <a:rPr sz="1600" spc="-5" dirty="0">
                           <a:latin typeface="Cambria"/>
                           <a:cs typeface="Cambria"/>
                         </a:rPr>
@@ -8725,7 +9057,7 @@
                       </a:endParaRPr>
                     </a:p>
                   </a:txBody>
-                  <a:tcPr marL="0" marR="0" marB="0" marT="177165">
+                  <a:tcPr marL="0" marR="0" marT="177165" marB="0">
                     <a:lnL w="12700">
                       <a:solidFill>
                         <a:srgbClr val="FFFFFF"/>
@@ -8769,28 +9101,28 @@
                         </a:spcBef>
                       </a:pPr>
                       <a:r>
-                        <a:rPr dirty="0" sz="1600" spc="-10">
+                        <a:rPr sz="1600" spc="-10" dirty="0">
                           <a:latin typeface="Cambria"/>
                           <a:cs typeface="Cambria"/>
                         </a:rPr>
                         <a:t>Changed </a:t>
                       </a:r>
                       <a:r>
-                        <a:rPr dirty="0" sz="1600" spc="-15">
+                        <a:rPr sz="1600" spc="-15" dirty="0">
                           <a:latin typeface="Cambria"/>
                           <a:cs typeface="Cambria"/>
                         </a:rPr>
                         <a:t>for</a:t>
                       </a:r>
                       <a:r>
-                        <a:rPr dirty="0" sz="1600" spc="10">
+                        <a:rPr sz="1600" spc="10" dirty="0">
                           <a:latin typeface="Cambria"/>
                           <a:cs typeface="Cambria"/>
                         </a:rPr>
                         <a:t> </a:t>
                       </a:r>
                       <a:r>
-                        <a:rPr dirty="0" sz="1600" spc="-20">
+                        <a:rPr sz="1600" spc="-20" dirty="0">
                           <a:latin typeface="Cambria"/>
                           <a:cs typeface="Cambria"/>
                         </a:rPr>
@@ -8802,7 +9134,7 @@
                       </a:endParaRPr>
                     </a:p>
                   </a:txBody>
-                  <a:tcPr marL="0" marR="0" marB="0" marT="177165">
+                  <a:tcPr marL="0" marR="0" marT="177165" marB="0">
                     <a:lnL w="12700">
                       <a:solidFill>
                         <a:srgbClr val="FFFFFF"/>
@@ -8846,28 +9178,28 @@
                         </a:spcBef>
                       </a:pPr>
                       <a:r>
-                        <a:rPr dirty="0" sz="1600" spc="-15">
+                        <a:rPr sz="1600" spc="-15" dirty="0">
                           <a:latin typeface="Cambria"/>
                           <a:cs typeface="Cambria"/>
                         </a:rPr>
                         <a:t>Shrinivas </a:t>
                       </a:r>
                       <a:r>
-                        <a:rPr dirty="0" sz="1600" spc="-5">
+                        <a:rPr sz="1600" spc="-5" dirty="0">
                           <a:latin typeface="Cambria"/>
                           <a:cs typeface="Cambria"/>
                         </a:rPr>
                         <a:t>K</a:t>
                       </a:r>
                       <a:r>
-                        <a:rPr dirty="0" sz="1600" spc="55">
+                        <a:rPr sz="1600" spc="55" dirty="0">
                           <a:latin typeface="Cambria"/>
                           <a:cs typeface="Cambria"/>
                         </a:rPr>
                         <a:t> </a:t>
                       </a:r>
                       <a:r>
-                        <a:rPr dirty="0" sz="1600" spc="-5">
+                        <a:rPr sz="1600" spc="-5" dirty="0">
                           <a:latin typeface="Cambria"/>
                           <a:cs typeface="Cambria"/>
                         </a:rPr>
@@ -8879,7 +9211,7 @@
                       </a:endParaRPr>
                     </a:p>
                   </a:txBody>
-                  <a:tcPr marL="0" marR="0" marB="0" marT="177165">
+                  <a:tcPr marL="0" marR="0" marT="177165" marB="0">
                     <a:lnL w="12700">
                       <a:solidFill>
                         <a:srgbClr val="FFFFFF"/>
@@ -8909,6 +9241,11 @@
                     </a:solidFill>
                   </a:tcPr>
                 </a:tc>
+                <a:extLst>
+                  <a:ext uri="{0D108BD9-81ED-4DB2-BD59-A6C34878D82A}">
+                    <a16:rowId xmlns:a16="http://schemas.microsoft.com/office/drawing/2014/main" val="10004"/>
+                  </a:ext>
+                </a:extLst>
               </a:tr>
               <a:tr h="606806">
                 <a:tc>
@@ -8916,7 +9253,7 @@
                     <a:bodyPr/>
                     <a:lstStyle/>
                     <a:p>
-                      <a:pPr algn="ctr" marL="56515">
+                      <a:pPr marL="56515" algn="ctr">
                         <a:lnSpc>
                           <a:spcPct val="100000"/>
                         </a:lnSpc>
@@ -8925,7 +9262,7 @@
                         </a:spcBef>
                       </a:pPr>
                       <a:r>
-                        <a:rPr dirty="0" sz="1600">
+                        <a:rPr sz="1600" dirty="0">
                           <a:latin typeface="Cambria"/>
                           <a:cs typeface="Cambria"/>
                         </a:rPr>
@@ -8937,7 +9274,7 @@
                       </a:endParaRPr>
                     </a:p>
                   </a:txBody>
-                  <a:tcPr marL="0" marR="0" marB="0" marT="177800">
+                  <a:tcPr marL="0" marR="0" marT="177800" marB="0">
                     <a:lnL w="12700">
                       <a:solidFill>
                         <a:srgbClr val="FFFFFF"/>
@@ -8981,35 +9318,35 @@
                         </a:spcBef>
                       </a:pPr>
                       <a:r>
-                        <a:rPr dirty="0" sz="1600">
+                        <a:rPr sz="1600" dirty="0">
                           <a:latin typeface="Cambria"/>
                           <a:cs typeface="Cambria"/>
                         </a:rPr>
                         <a:t>16</a:t>
                       </a:r>
                       <a:r>
-                        <a:rPr dirty="0" baseline="26455" sz="1575">
+                        <a:rPr sz="1575" baseline="26455" dirty="0">
                           <a:latin typeface="Cambria"/>
                           <a:cs typeface="Cambria"/>
                         </a:rPr>
                         <a:t>th </a:t>
                       </a:r>
                       <a:r>
-                        <a:rPr dirty="0" sz="1600" spc="-10">
+                        <a:rPr sz="1600" spc="-10" dirty="0">
                           <a:latin typeface="Cambria"/>
                           <a:cs typeface="Cambria"/>
                         </a:rPr>
                         <a:t>Sep</a:t>
                       </a:r>
                       <a:r>
-                        <a:rPr dirty="0" sz="1600" spc="-120">
+                        <a:rPr sz="1600" spc="-120" dirty="0">
                           <a:latin typeface="Cambria"/>
                           <a:cs typeface="Cambria"/>
                         </a:rPr>
                         <a:t> </a:t>
                       </a:r>
                       <a:r>
-                        <a:rPr dirty="0" sz="1600" spc="-5">
+                        <a:rPr sz="1600" spc="-5" dirty="0">
                           <a:latin typeface="Cambria"/>
                           <a:cs typeface="Cambria"/>
                         </a:rPr>
@@ -9021,7 +9358,7 @@
                       </a:endParaRPr>
                     </a:p>
                   </a:txBody>
-                  <a:tcPr marL="0" marR="0" marB="0" marT="177800">
+                  <a:tcPr marL="0" marR="0" marT="177800" marB="0">
                     <a:lnL w="12700">
                       <a:solidFill>
                         <a:srgbClr val="FFFFFF"/>
@@ -9065,35 +9402,35 @@
                         </a:spcBef>
                       </a:pPr>
                       <a:r>
-                        <a:rPr dirty="0" sz="1600" spc="-5">
+                        <a:rPr sz="1600" spc="-5" dirty="0">
                           <a:latin typeface="Cambria"/>
                           <a:cs typeface="Cambria"/>
                         </a:rPr>
                         <a:t>Change </a:t>
                       </a:r>
                       <a:r>
-                        <a:rPr dirty="0" sz="1600" spc="-15">
+                        <a:rPr sz="1600" spc="-15" dirty="0">
                           <a:latin typeface="Cambria"/>
                           <a:cs typeface="Cambria"/>
                         </a:rPr>
                         <a:t>for </a:t>
                       </a:r>
                       <a:r>
-                        <a:rPr dirty="0" sz="1600" spc="-25">
+                        <a:rPr sz="1600" spc="-25" dirty="0">
                           <a:latin typeface="Cambria"/>
                           <a:cs typeface="Cambria"/>
                         </a:rPr>
                         <a:t>Java</a:t>
                       </a:r>
                       <a:r>
-                        <a:rPr dirty="0" sz="1600" spc="45">
+                        <a:rPr sz="1600" spc="45" dirty="0">
                           <a:latin typeface="Cambria"/>
                           <a:cs typeface="Cambria"/>
                         </a:rPr>
                         <a:t> </a:t>
                       </a:r>
                       <a:r>
-                        <a:rPr dirty="0" sz="1600" spc="-20">
+                        <a:rPr sz="1600" spc="-20" dirty="0">
                           <a:latin typeface="Cambria"/>
                           <a:cs typeface="Cambria"/>
                         </a:rPr>
@@ -9105,7 +9442,7 @@
                       </a:endParaRPr>
                     </a:p>
                   </a:txBody>
-                  <a:tcPr marL="0" marR="0" marB="0" marT="177800">
+                  <a:tcPr marL="0" marR="0" marT="177800" marB="0">
                     <a:lnL w="12700">
                       <a:solidFill>
                         <a:srgbClr val="FFFFFF"/>
@@ -9149,28 +9486,28 @@
                         </a:spcBef>
                       </a:pPr>
                       <a:r>
-                        <a:rPr dirty="0" sz="1600" spc="-15">
+                        <a:rPr sz="1600" spc="-15" dirty="0">
                           <a:latin typeface="Cambria"/>
                           <a:cs typeface="Cambria"/>
                         </a:rPr>
                         <a:t>Shrinivas </a:t>
                       </a:r>
                       <a:r>
-                        <a:rPr dirty="0" sz="1600" spc="-5">
+                        <a:rPr sz="1600" spc="-5" dirty="0">
                           <a:latin typeface="Cambria"/>
                           <a:cs typeface="Cambria"/>
                         </a:rPr>
                         <a:t>K</a:t>
                       </a:r>
                       <a:r>
-                        <a:rPr dirty="0" sz="1600" spc="60">
+                        <a:rPr sz="1600" spc="60" dirty="0">
                           <a:latin typeface="Cambria"/>
                           <a:cs typeface="Cambria"/>
                         </a:rPr>
                         <a:t> </a:t>
                       </a:r>
                       <a:r>
-                        <a:rPr dirty="0" sz="1600" spc="-5">
+                        <a:rPr sz="1600" spc="-5" dirty="0">
                           <a:latin typeface="Cambria"/>
                           <a:cs typeface="Cambria"/>
                         </a:rPr>
@@ -9182,7 +9519,7 @@
                       </a:endParaRPr>
                     </a:p>
                   </a:txBody>
-                  <a:tcPr marL="0" marR="0" marB="0" marT="177800">
+                  <a:tcPr marL="0" marR="0" marT="177800" marB="0">
                     <a:lnL w="12700">
                       <a:solidFill>
                         <a:srgbClr val="FFFFFF"/>
@@ -9212,6 +9549,11 @@
                     </a:solidFill>
                   </a:tcPr>
                 </a:tc>
+                <a:extLst>
+                  <a:ext uri="{0D108BD9-81ED-4DB2-BD59-A6C34878D82A}">
+                    <a16:rowId xmlns:a16="http://schemas.microsoft.com/office/drawing/2014/main" val="10005"/>
+                  </a:ext>
+                </a:extLst>
               </a:tr>
             </a:tbl>
           </a:graphicData>
@@ -9257,10 +9599,12 @@
             <a:off x="113792" y="429005"/>
             <a:ext cx="3840479" cy="452120"/>
           </a:xfrm>
-          <a:prstGeom prst="rect"/>
+          <a:prstGeom prst="rect">
+            <a:avLst/>
+          </a:prstGeom>
         </p:spPr>
         <p:txBody>
-          <a:bodyPr wrap="square" lIns="0" tIns="12065" rIns="0" bIns="0" rtlCol="0" vert="horz">
+          <a:bodyPr vert="horz" wrap="square" lIns="0" tIns="12065" rIns="0" bIns="0" rtlCol="0">
             <a:spAutoFit/>
           </a:bodyPr>
           <a:lstStyle/>
@@ -9274,11 +9618,11 @@
               </a:spcBef>
             </a:pPr>
             <a:r>
-              <a:rPr dirty="0" spc="-5"/>
+              <a:rPr spc="-5" dirty="0"/>
               <a:t>16. Project Results</a:t>
             </a:r>
             <a:r>
-              <a:rPr dirty="0" spc="-20"/>
+              <a:rPr spc="-20" dirty="0"/>
               <a:t> </a:t>
             </a:r>
             <a:r>
@@ -9312,7 +9656,9 @@
         <p:txBody>
           <a:bodyPr wrap="square" lIns="0" tIns="0" rIns="0" bIns="0" rtlCol="0"/>
           <a:lstStyle/>
-          <a:p/>
+          <a:p>
+            <a:endParaRPr/>
+          </a:p>
         </p:txBody>
       </p:sp>
       <p:sp>
@@ -9339,7 +9685,9 @@
         <p:txBody>
           <a:bodyPr wrap="square" lIns="0" tIns="0" rIns="0" bIns="0" rtlCol="0"/>
           <a:lstStyle/>
-          <a:p/>
+          <a:p>
+            <a:endParaRPr/>
+          </a:p>
         </p:txBody>
       </p:sp>
       <p:sp>
@@ -9387,7 +9735,9 @@
         <p:txBody>
           <a:bodyPr wrap="square" lIns="0" tIns="0" rIns="0" bIns="0" rtlCol="0"/>
           <a:lstStyle/>
-          <a:p/>
+          <a:p>
+            <a:endParaRPr/>
+          </a:p>
         </p:txBody>
       </p:sp>
       <p:sp>
@@ -9437,7 +9787,9 @@
         <p:txBody>
           <a:bodyPr wrap="square" lIns="0" tIns="0" rIns="0" bIns="0" rtlCol="0"/>
           <a:lstStyle/>
-          <a:p/>
+          <a:p>
+            <a:endParaRPr/>
+          </a:p>
         </p:txBody>
       </p:sp>
       <p:sp>
@@ -9456,7 +9808,7 @@
           </a:prstGeom>
         </p:spPr>
         <p:txBody>
-          <a:bodyPr wrap="square" lIns="0" tIns="98425" rIns="0" bIns="0" rtlCol="0" vert="horz">
+          <a:bodyPr vert="horz" wrap="square" lIns="0" tIns="98425" rIns="0" bIns="0" rtlCol="0">
             <a:spAutoFit/>
           </a:bodyPr>
           <a:lstStyle/>
@@ -9475,63 +9827,63 @@
               </a:tabLst>
             </a:pPr>
             <a:r>
-              <a:rPr dirty="0" sz="2000" spc="-5" b="1">
+              <a:rPr sz="2000" b="1" spc="-5" dirty="0">
                 <a:latin typeface="Calibri"/>
                 <a:cs typeface="Calibri"/>
               </a:rPr>
               <a:t>Screen </a:t>
             </a:r>
             <a:r>
-              <a:rPr dirty="0" sz="2000" spc="-10" b="1">
+              <a:rPr sz="2000" b="1" spc="-10" dirty="0">
                 <a:latin typeface="Calibri"/>
                 <a:cs typeface="Calibri"/>
               </a:rPr>
               <a:t>Capture </a:t>
             </a:r>
             <a:r>
-              <a:rPr dirty="0" sz="2000" b="1">
+              <a:rPr sz="2000" b="1" dirty="0">
                 <a:latin typeface="Calibri"/>
                 <a:cs typeface="Calibri"/>
               </a:rPr>
               <a:t>of </a:t>
             </a:r>
             <a:r>
-              <a:rPr dirty="0" sz="2000" spc="-15" b="1">
+              <a:rPr sz="2000" b="1" spc="-15" dirty="0">
                 <a:latin typeface="Calibri"/>
                 <a:cs typeface="Calibri"/>
               </a:rPr>
               <a:t>Pages </a:t>
             </a:r>
             <a:r>
-              <a:rPr dirty="0" sz="2000" b="1">
+              <a:rPr sz="2000" b="1" dirty="0">
                 <a:latin typeface="Calibri"/>
                 <a:cs typeface="Calibri"/>
               </a:rPr>
               <a:t>Using </a:t>
             </a:r>
             <a:r>
-              <a:rPr dirty="0" sz="2000" spc="-10" b="1">
+              <a:rPr sz="2000" b="1" spc="-10" dirty="0">
                 <a:latin typeface="Calibri"/>
                 <a:cs typeface="Calibri"/>
               </a:rPr>
               <a:t>Bootstrap </a:t>
             </a:r>
             <a:r>
-              <a:rPr dirty="0" sz="2000" b="1">
+              <a:rPr sz="2000" b="1" dirty="0">
                 <a:latin typeface="Calibri"/>
                 <a:cs typeface="Calibri"/>
               </a:rPr>
               <a:t>&amp;</a:t>
             </a:r>
             <a:r>
-              <a:rPr dirty="0" sz="2000" spc="-20" b="1">
+              <a:rPr sz="2000" b="1" spc="-20" dirty="0">
                 <a:latin typeface="Calibri"/>
                 <a:cs typeface="Calibri"/>
               </a:rPr>
               <a:t> </a:t>
             </a:r>
             <a:r>
-              <a:rPr dirty="0" sz="2000" b="1">
+              <a:rPr sz="2000" b="1" dirty="0">
                 <a:latin typeface="Calibri"/>
                 <a:cs typeface="Calibri"/>
               </a:rPr>
@@ -9543,7 +9895,7 @@
             </a:endParaRPr>
           </a:p>
           <a:p>
-            <a:pPr lvl="1" marL="756285" indent="-286385">
+            <a:pPr marL="756285" lvl="1" indent="-286385">
               <a:lnSpc>
                 <a:spcPct val="100000"/>
               </a:lnSpc>
@@ -9558,35 +9910,35 @@
               </a:tabLst>
             </a:pPr>
             <a:r>
-              <a:rPr dirty="0" sz="1800" spc="-20">
+              <a:rPr sz="1800" spc="-20" dirty="0">
                 <a:latin typeface="Calibri"/>
                 <a:cs typeface="Calibri"/>
               </a:rPr>
               <a:t>&lt;Paste </a:t>
             </a:r>
             <a:r>
-              <a:rPr dirty="0" sz="1800">
+              <a:rPr sz="1800" dirty="0">
                 <a:latin typeface="Calibri"/>
                 <a:cs typeface="Calibri"/>
               </a:rPr>
               <a:t>the </a:t>
             </a:r>
             <a:r>
-              <a:rPr dirty="0" sz="1800" spc="-10">
+              <a:rPr sz="1800" spc="-10" dirty="0">
                 <a:latin typeface="Calibri"/>
                 <a:cs typeface="Calibri"/>
               </a:rPr>
               <a:t>Screen</a:t>
             </a:r>
             <a:r>
-              <a:rPr dirty="0" sz="1800" spc="45">
+              <a:rPr sz="1800" spc="45" dirty="0">
                 <a:latin typeface="Calibri"/>
                 <a:cs typeface="Calibri"/>
               </a:rPr>
               <a:t> </a:t>
             </a:r>
             <a:r>
-              <a:rPr dirty="0" sz="1800" spc="-10">
+              <a:rPr sz="1800" spc="-10" dirty="0">
                 <a:latin typeface="Calibri"/>
                 <a:cs typeface="Calibri"/>
               </a:rPr>
@@ -9598,7 +9950,7 @@
             </a:endParaRPr>
           </a:p>
           <a:p>
-            <a:pPr lvl="1" marL="756285" indent="-286385">
+            <a:pPr marL="756285" lvl="1" indent="-286385">
               <a:lnSpc>
                 <a:spcPct val="100000"/>
               </a:lnSpc>
@@ -9610,7 +9962,7 @@
               </a:tabLst>
             </a:pPr>
             <a:r>
-              <a:rPr dirty="0" sz="1800" spc="5">
+              <a:rPr sz="1800" spc="5" dirty="0">
                 <a:latin typeface="Calibri"/>
                 <a:cs typeface="Calibri"/>
               </a:rPr>
@@ -9622,7 +9974,7 @@
             </a:endParaRPr>
           </a:p>
           <a:p>
-            <a:pPr lvl="1" marL="756285" indent="-286385">
+            <a:pPr marL="756285" lvl="1" indent="-286385">
               <a:lnSpc>
                 <a:spcPct val="100000"/>
               </a:lnSpc>
@@ -9634,7 +9986,7 @@
               </a:tabLst>
             </a:pPr>
             <a:r>
-              <a:rPr dirty="0" sz="1800" spc="5">
+              <a:rPr sz="1800" spc="5" dirty="0">
                 <a:latin typeface="Calibri"/>
                 <a:cs typeface="Calibri"/>
               </a:rPr>
@@ -9646,7 +9998,7 @@
             </a:endParaRPr>
           </a:p>
           <a:p>
-            <a:pPr lvl="1" marL="756285" indent="-286385">
+            <a:pPr marL="756285" lvl="1" indent="-286385">
               <a:lnSpc>
                 <a:spcPct val="100000"/>
               </a:lnSpc>
@@ -9658,7 +10010,7 @@
               </a:tabLst>
             </a:pPr>
             <a:r>
-              <a:rPr dirty="0" sz="1800" spc="5">
+              <a:rPr sz="1800" spc="5" dirty="0">
                 <a:latin typeface="Calibri"/>
                 <a:cs typeface="Calibri"/>
               </a:rPr>
@@ -9711,10 +10063,12 @@
             <a:off x="113792" y="429005"/>
             <a:ext cx="4493895" cy="452120"/>
           </a:xfrm>
-          <a:prstGeom prst="rect"/>
+          <a:prstGeom prst="rect">
+            <a:avLst/>
+          </a:prstGeom>
         </p:spPr>
         <p:txBody>
-          <a:bodyPr wrap="square" lIns="0" tIns="12065" rIns="0" bIns="0" rtlCol="0" vert="horz">
+          <a:bodyPr vert="horz" wrap="square" lIns="0" tIns="12065" rIns="0" bIns="0" rtlCol="0">
             <a:spAutoFit/>
           </a:bodyPr>
           <a:lstStyle/>
@@ -9728,7 +10082,7 @@
               </a:spcBef>
             </a:pPr>
             <a:r>
-              <a:rPr dirty="0" spc="-5"/>
+              <a:rPr spc="-5" dirty="0"/>
               <a:t>17. Proposed Improvements</a:t>
             </a:r>
           </a:p>
@@ -9758,7 +10112,9 @@
         <p:txBody>
           <a:bodyPr wrap="square" lIns="0" tIns="0" rIns="0" bIns="0" rtlCol="0"/>
           <a:lstStyle/>
-          <a:p/>
+          <a:p>
+            <a:endParaRPr/>
+          </a:p>
         </p:txBody>
       </p:sp>
       <p:sp>
@@ -9785,7 +10141,9 @@
         <p:txBody>
           <a:bodyPr wrap="square" lIns="0" tIns="0" rIns="0" bIns="0" rtlCol="0"/>
           <a:lstStyle/>
-          <a:p/>
+          <a:p>
+            <a:endParaRPr/>
+          </a:p>
         </p:txBody>
       </p:sp>
       <p:sp>
@@ -9833,7 +10191,9 @@
         <p:txBody>
           <a:bodyPr wrap="square" lIns="0" tIns="0" rIns="0" bIns="0" rtlCol="0"/>
           <a:lstStyle/>
-          <a:p/>
+          <a:p>
+            <a:endParaRPr/>
+          </a:p>
         </p:txBody>
       </p:sp>
       <p:sp>
@@ -9883,7 +10243,9 @@
         <p:txBody>
           <a:bodyPr wrap="square" lIns="0" tIns="0" rIns="0" bIns="0" rtlCol="0"/>
           <a:lstStyle/>
-          <a:p/>
+          <a:p>
+            <a:endParaRPr/>
+          </a:p>
         </p:txBody>
       </p:sp>
       <p:sp>
@@ -9902,7 +10264,7 @@
           </a:prstGeom>
         </p:spPr>
         <p:txBody>
-          <a:bodyPr wrap="square" lIns="0" tIns="98425" rIns="0" bIns="0" rtlCol="0" vert="horz">
+          <a:bodyPr vert="horz" wrap="square" lIns="0" tIns="98425" rIns="0" bIns="0" rtlCol="0">
             <a:spAutoFit/>
           </a:bodyPr>
           <a:lstStyle/>
@@ -9921,28 +10283,28 @@
               </a:tabLst>
             </a:pPr>
             <a:r>
-              <a:rPr dirty="0" sz="2000" spc="-5" b="1">
+              <a:rPr sz="2000" b="1" spc="-5" dirty="0">
                 <a:latin typeface="Calibri"/>
                 <a:cs typeface="Calibri"/>
               </a:rPr>
               <a:t>List </a:t>
             </a:r>
             <a:r>
-              <a:rPr dirty="0" sz="2000" b="1">
+              <a:rPr sz="2000" b="1" dirty="0">
                 <a:latin typeface="Calibri"/>
                 <a:cs typeface="Calibri"/>
               </a:rPr>
               <a:t>of</a:t>
             </a:r>
             <a:r>
-              <a:rPr dirty="0" sz="2000" spc="-20" b="1">
+              <a:rPr sz="2000" b="1" spc="-20" dirty="0">
                 <a:latin typeface="Calibri"/>
                 <a:cs typeface="Calibri"/>
               </a:rPr>
               <a:t> </a:t>
             </a:r>
             <a:r>
-              <a:rPr dirty="0" sz="2000" spc="-5" b="1">
+              <a:rPr sz="2000" b="1" spc="-5" dirty="0">
                 <a:latin typeface="Calibri"/>
                 <a:cs typeface="Calibri"/>
               </a:rPr>
@@ -9954,7 +10316,7 @@
             </a:endParaRPr>
           </a:p>
           <a:p>
-            <a:pPr lvl="1" marL="756285" indent="-286385">
+            <a:pPr marL="756285" lvl="1" indent="-286385">
               <a:lnSpc>
                 <a:spcPct val="100000"/>
               </a:lnSpc>
@@ -9969,56 +10331,56 @@
               </a:tabLst>
             </a:pPr>
             <a:r>
-              <a:rPr dirty="0" sz="1800" spc="-10">
+              <a:rPr sz="1800" spc="-10" dirty="0">
                 <a:latin typeface="Calibri"/>
                 <a:cs typeface="Calibri"/>
               </a:rPr>
               <a:t>&lt;List </a:t>
             </a:r>
             <a:r>
-              <a:rPr dirty="0" sz="1800" spc="-5">
+              <a:rPr sz="1800" spc="-5" dirty="0">
                 <a:latin typeface="Calibri"/>
                 <a:cs typeface="Calibri"/>
               </a:rPr>
               <a:t>areas of </a:t>
             </a:r>
             <a:r>
-              <a:rPr dirty="0" sz="1800" spc="-10">
+              <a:rPr sz="1800" spc="-10" dirty="0">
                 <a:latin typeface="Calibri"/>
                 <a:cs typeface="Calibri"/>
               </a:rPr>
               <a:t>improvement which you </a:t>
             </a:r>
             <a:r>
-              <a:rPr dirty="0" sz="1800" spc="-15">
+              <a:rPr sz="1800" spc="-15" dirty="0">
                 <a:latin typeface="Calibri"/>
                 <a:cs typeface="Calibri"/>
               </a:rPr>
               <a:t>have </a:t>
             </a:r>
             <a:r>
-              <a:rPr dirty="0" sz="1800" spc="-10">
+              <a:rPr sz="1800" spc="-10" dirty="0">
                 <a:latin typeface="Calibri"/>
                 <a:cs typeface="Calibri"/>
               </a:rPr>
               <a:t>identified after completion </a:t>
             </a:r>
             <a:r>
-              <a:rPr dirty="0" sz="1800" spc="-5">
+              <a:rPr sz="1800" spc="-5" dirty="0">
                 <a:latin typeface="Calibri"/>
                 <a:cs typeface="Calibri"/>
               </a:rPr>
               <a:t>of</a:t>
             </a:r>
             <a:r>
-              <a:rPr dirty="0" sz="1800" spc="254">
+              <a:rPr sz="1800" spc="254" dirty="0">
                 <a:latin typeface="Calibri"/>
                 <a:cs typeface="Calibri"/>
               </a:rPr>
               <a:t> </a:t>
             </a:r>
             <a:r>
-              <a:rPr dirty="0" sz="1800">
+              <a:rPr sz="1800" dirty="0">
                 <a:latin typeface="Calibri"/>
                 <a:cs typeface="Calibri"/>
               </a:rPr>
@@ -10036,7 +10398,7 @@
               </a:lnSpc>
             </a:pPr>
             <a:r>
-              <a:rPr dirty="0" sz="1800" spc="-10">
+              <a:rPr sz="1800" spc="-10" dirty="0">
                 <a:latin typeface="Calibri"/>
                 <a:cs typeface="Calibri"/>
               </a:rPr>
@@ -10048,7 +10410,7 @@
             </a:endParaRPr>
           </a:p>
           <a:p>
-            <a:pPr lvl="1" marL="756285" indent="-286385">
+            <a:pPr marL="756285" lvl="1" indent="-286385">
               <a:lnSpc>
                 <a:spcPct val="100000"/>
               </a:lnSpc>
@@ -10060,7 +10422,7 @@
               </a:tabLst>
             </a:pPr>
             <a:r>
-              <a:rPr dirty="0" sz="1800" spc="5">
+              <a:rPr sz="1800" spc="5" dirty="0">
                 <a:latin typeface="Calibri"/>
                 <a:cs typeface="Calibri"/>
               </a:rPr>
@@ -10072,7 +10434,7 @@
             </a:endParaRPr>
           </a:p>
           <a:p>
-            <a:pPr lvl="1" marL="756285" indent="-286385">
+            <a:pPr marL="756285" lvl="1" indent="-286385">
               <a:lnSpc>
                 <a:spcPct val="100000"/>
               </a:lnSpc>
@@ -10084,7 +10446,7 @@
               </a:tabLst>
             </a:pPr>
             <a:r>
-              <a:rPr dirty="0" sz="1800" spc="5">
+              <a:rPr sz="1800" spc="5" dirty="0">
                 <a:latin typeface="Calibri"/>
                 <a:cs typeface="Calibri"/>
               </a:rPr>
@@ -10096,7 +10458,7 @@
             </a:endParaRPr>
           </a:p>
           <a:p>
-            <a:pPr lvl="1" marL="756285" indent="-286385">
+            <a:pPr marL="756285" lvl="1" indent="-286385">
               <a:lnSpc>
                 <a:spcPct val="100000"/>
               </a:lnSpc>
@@ -10111,7 +10473,7 @@
               </a:tabLst>
             </a:pPr>
             <a:r>
-              <a:rPr dirty="0" sz="1800">
+              <a:rPr sz="1800" dirty="0">
                 <a:latin typeface="Calibri"/>
                 <a:cs typeface="Calibri"/>
               </a:rPr>
@@ -10123,7 +10485,7 @@
             </a:endParaRPr>
           </a:p>
           <a:p>
-            <a:pPr lvl="1" marL="756285" indent="-286385">
+            <a:pPr marL="756285" lvl="1" indent="-286385">
               <a:lnSpc>
                 <a:spcPct val="100000"/>
               </a:lnSpc>
@@ -10138,7 +10500,7 @@
               </a:tabLst>
             </a:pPr>
             <a:r>
-              <a:rPr dirty="0" sz="1800" spc="5">
+              <a:rPr sz="1800" spc="5" dirty="0">
                 <a:latin typeface="Calibri"/>
                 <a:cs typeface="Calibri"/>
               </a:rPr>
@@ -10150,7 +10512,7 @@
             </a:endParaRPr>
           </a:p>
           <a:p>
-            <a:pPr lvl="1" marL="756285" indent="-286385">
+            <a:pPr marL="756285" lvl="1" indent="-286385">
               <a:lnSpc>
                 <a:spcPct val="100000"/>
               </a:lnSpc>
@@ -10162,7 +10524,7 @@
               </a:tabLst>
             </a:pPr>
             <a:r>
-              <a:rPr dirty="0" sz="1800" spc="5">
+              <a:rPr sz="1800" spc="5" dirty="0">
                 <a:latin typeface="Calibri"/>
                 <a:cs typeface="Calibri"/>
               </a:rPr>
@@ -10174,7 +10536,7 @@
             </a:endParaRPr>
           </a:p>
           <a:p>
-            <a:pPr lvl="1" marL="756285" indent="-286385">
+            <a:pPr marL="756285" lvl="1" indent="-286385">
               <a:lnSpc>
                 <a:spcPct val="100000"/>
               </a:lnSpc>
@@ -10186,7 +10548,7 @@
               </a:tabLst>
             </a:pPr>
             <a:r>
-              <a:rPr dirty="0" sz="1800" spc="5">
+              <a:rPr sz="1800" spc="5" dirty="0">
                 <a:latin typeface="Calibri"/>
                 <a:cs typeface="Calibri"/>
               </a:rPr>
@@ -10239,10 +10601,12 @@
             <a:off x="113792" y="429005"/>
             <a:ext cx="1449070" cy="452120"/>
           </a:xfrm>
-          <a:prstGeom prst="rect"/>
+          <a:prstGeom prst="rect">
+            <a:avLst/>
+          </a:prstGeom>
         </p:spPr>
         <p:txBody>
-          <a:bodyPr wrap="square" lIns="0" tIns="12065" rIns="0" bIns="0" rtlCol="0" vert="horz">
+          <a:bodyPr vert="horz" wrap="square" lIns="0" tIns="12065" rIns="0" bIns="0" rtlCol="0">
             <a:spAutoFit/>
           </a:bodyPr>
           <a:lstStyle/>
@@ -10256,7 +10620,7 @@
               </a:spcBef>
             </a:pPr>
             <a:r>
-              <a:rPr dirty="0" spc="-5"/>
+              <a:rPr spc="-5" dirty="0"/>
               <a:t>Contents</a:t>
             </a:r>
           </a:p>
@@ -10272,7 +10636,7 @@
         </p:nvGraphicFramePr>
         <p:xfrm>
           <a:off x="173037" y="1095375"/>
-          <a:ext cx="8725535" cy="5762625"/>
+          <a:ext cx="8705849" cy="5756262"/>
         </p:xfrm>
         <a:graphic>
           <a:graphicData uri="http://schemas.openxmlformats.org/drawingml/2006/table">
@@ -10281,8 +10645,20 @@
                 <a:tableStyleId>{2D5ABB26-0587-4C30-8999-92F81FD0307C}</a:tableStyleId>
               </a:tblPr>
               <a:tblGrid>
-                <a:gridCol w="1212215"/>
-                <a:gridCol w="7493634"/>
+                <a:gridCol w="1212215">
+                  <a:extLst>
+                    <a:ext uri="{9D8B030D-6E8A-4147-A177-3AD203B41FA5}">
+                      <a16:colId xmlns:a16="http://schemas.microsoft.com/office/drawing/2014/main" val="20000"/>
+                    </a:ext>
+                  </a:extLst>
+                </a:gridCol>
+                <a:gridCol w="7493634">
+                  <a:extLst>
+                    <a:ext uri="{9D8B030D-6E8A-4147-A177-3AD203B41FA5}">
+                      <a16:colId xmlns:a16="http://schemas.microsoft.com/office/drawing/2014/main" val="20001"/>
+                    </a:ext>
+                  </a:extLst>
+                </a:gridCol>
               </a:tblGrid>
               <a:tr h="335279">
                 <a:tc>
@@ -10299,7 +10675,7 @@
                         </a:spcBef>
                       </a:pPr>
                       <a:r>
-                        <a:rPr dirty="0" sz="1600" spc="-5" b="1">
+                        <a:rPr sz="1600" b="1" spc="-5" dirty="0">
                           <a:solidFill>
                             <a:srgbClr val="FFFFFF"/>
                           </a:solidFill>
@@ -10309,7 +10685,7 @@
                         <a:t>S.</a:t>
                       </a:r>
                       <a:r>
-                        <a:rPr dirty="0" sz="1600" spc="-10" b="1">
+                        <a:rPr sz="1600" b="1" spc="-10" dirty="0">
                           <a:solidFill>
                             <a:srgbClr val="FFFFFF"/>
                           </a:solidFill>
@@ -10319,7 +10695,7 @@
                         <a:t> </a:t>
                       </a:r>
                       <a:r>
-                        <a:rPr dirty="0" sz="1600" spc="-5" b="1">
+                        <a:rPr sz="1600" b="1" spc="-5" dirty="0">
                           <a:solidFill>
                             <a:srgbClr val="FFFFFF"/>
                           </a:solidFill>
@@ -10334,7 +10710,7 @@
                       </a:endParaRPr>
                     </a:p>
                   </a:txBody>
-                  <a:tcPr marL="0" marR="0" marB="0" marT="33020">
+                  <a:tcPr marL="0" marR="0" marT="33020" marB="0">
                     <a:lnL w="12700">
                       <a:solidFill>
                         <a:srgbClr val="FFFFFF"/>
@@ -10378,7 +10754,7 @@
                         </a:spcBef>
                       </a:pPr>
                       <a:r>
-                        <a:rPr dirty="0" sz="1600" spc="-5" b="1">
+                        <a:rPr sz="1600" b="1" spc="-5" dirty="0">
                           <a:solidFill>
                             <a:srgbClr val="FFFFFF"/>
                           </a:solidFill>
@@ -10393,7 +10769,7 @@
                       </a:endParaRPr>
                     </a:p>
                   </a:txBody>
-                  <a:tcPr marL="0" marR="0" marB="0" marT="33020">
+                  <a:tcPr marL="0" marR="0" marT="33020" marB="0">
                     <a:lnL w="12700">
                       <a:solidFill>
                         <a:srgbClr val="FFFFFF"/>
@@ -10423,6 +10799,11 @@
                     </a:solidFill>
                   </a:tcPr>
                 </a:tc>
+                <a:extLst>
+                  <a:ext uri="{0D108BD9-81ED-4DB2-BD59-A6C34878D82A}">
+                    <a16:rowId xmlns:a16="http://schemas.microsoft.com/office/drawing/2014/main" val="10000"/>
+                  </a:ext>
+                </a:extLst>
               </a:tr>
               <a:tr h="319913">
                 <a:tc>
@@ -10439,7 +10820,7 @@
                         </a:spcBef>
                       </a:pPr>
                       <a:r>
-                        <a:rPr dirty="0" sz="1500" spc="-5">
+                        <a:rPr sz="1500" spc="-5" dirty="0">
                           <a:latin typeface="Calibri"/>
                           <a:cs typeface="Calibri"/>
                         </a:rPr>
@@ -10451,7 +10832,7 @@
                       </a:endParaRPr>
                     </a:p>
                   </a:txBody>
-                  <a:tcPr marL="0" marR="0" marB="0" marT="33655">
+                  <a:tcPr marL="0" marR="0" marT="33655" marB="0">
                     <a:lnL w="12700">
                       <a:solidFill>
                         <a:srgbClr val="FFFFFF"/>
@@ -10495,21 +10876,21 @@
                         </a:spcBef>
                       </a:pPr>
                       <a:r>
-                        <a:rPr dirty="0" sz="1500" spc="-5">
+                        <a:rPr sz="1500" spc="-5" dirty="0">
                           <a:latin typeface="Calibri"/>
                           <a:cs typeface="Calibri"/>
                         </a:rPr>
                         <a:t>Development</a:t>
                       </a:r>
                       <a:r>
-                        <a:rPr dirty="0" sz="1500">
+                        <a:rPr sz="1500" dirty="0">
                           <a:latin typeface="Calibri"/>
                           <a:cs typeface="Calibri"/>
                         </a:rPr>
                         <a:t> </a:t>
                       </a:r>
                       <a:r>
-                        <a:rPr dirty="0" sz="1500" spc="-30">
+                        <a:rPr sz="1500" spc="-30" dirty="0">
                           <a:latin typeface="Calibri"/>
                           <a:cs typeface="Calibri"/>
                         </a:rPr>
@@ -10521,7 +10902,7 @@
                       </a:endParaRPr>
                     </a:p>
                   </a:txBody>
-                  <a:tcPr marL="0" marR="0" marB="0" marT="78105">
+                  <a:tcPr marL="0" marR="0" marT="78105" marB="0">
                     <a:lnL w="12700">
                       <a:solidFill>
                         <a:srgbClr val="FFFFFF"/>
@@ -10551,6 +10932,11 @@
                     </a:solidFill>
                   </a:tcPr>
                 </a:tc>
+                <a:extLst>
+                  <a:ext uri="{0D108BD9-81ED-4DB2-BD59-A6C34878D82A}">
+                    <a16:rowId xmlns:a16="http://schemas.microsoft.com/office/drawing/2014/main" val="10001"/>
+                  </a:ext>
+                </a:extLst>
               </a:tr>
               <a:tr h="320040">
                 <a:tc>
@@ -10567,7 +10953,7 @@
                         </a:spcBef>
                       </a:pPr>
                       <a:r>
-                        <a:rPr dirty="0" sz="1500" spc="-5">
+                        <a:rPr sz="1500" spc="-5" dirty="0">
                           <a:latin typeface="Calibri"/>
                           <a:cs typeface="Calibri"/>
                         </a:rPr>
@@ -10579,7 +10965,7 @@
                       </a:endParaRPr>
                     </a:p>
                   </a:txBody>
-                  <a:tcPr marL="0" marR="0" marB="0" marT="33655">
+                  <a:tcPr marL="0" marR="0" marT="33655" marB="0">
                     <a:lnL w="12700">
                       <a:solidFill>
                         <a:srgbClr val="FFFFFF"/>
@@ -10623,21 +11009,21 @@
                         </a:spcBef>
                       </a:pPr>
                       <a:r>
-                        <a:rPr dirty="0" sz="1500" spc="-5">
+                        <a:rPr sz="1500" spc="-5" dirty="0">
                           <a:latin typeface="Calibri"/>
                           <a:cs typeface="Calibri"/>
                         </a:rPr>
                         <a:t>Feedback</a:t>
                       </a:r>
                       <a:r>
-                        <a:rPr dirty="0" sz="1500" spc="5">
+                        <a:rPr sz="1500" spc="5" dirty="0">
                           <a:latin typeface="Calibri"/>
                           <a:cs typeface="Calibri"/>
                         </a:rPr>
                         <a:t> </a:t>
                       </a:r>
                       <a:r>
-                        <a:rPr dirty="0" sz="1500" spc="-15">
+                        <a:rPr sz="1500" spc="-15" dirty="0">
                           <a:latin typeface="Calibri"/>
                           <a:cs typeface="Calibri"/>
                         </a:rPr>
@@ -10649,7 +11035,7 @@
                       </a:endParaRPr>
                     </a:p>
                   </a:txBody>
-                  <a:tcPr marL="0" marR="0" marB="0" marT="78105">
+                  <a:tcPr marL="0" marR="0" marT="78105" marB="0">
                     <a:lnL w="12700">
                       <a:solidFill>
                         <a:srgbClr val="FFFFFF"/>
@@ -10679,6 +11065,11 @@
                     </a:solidFill>
                   </a:tcPr>
                 </a:tc>
+                <a:extLst>
+                  <a:ext uri="{0D108BD9-81ED-4DB2-BD59-A6C34878D82A}">
+                    <a16:rowId xmlns:a16="http://schemas.microsoft.com/office/drawing/2014/main" val="10002"/>
+                  </a:ext>
+                </a:extLst>
               </a:tr>
               <a:tr h="320039">
                 <a:tc>
@@ -10695,7 +11086,7 @@
                         </a:spcBef>
                       </a:pPr>
                       <a:r>
-                        <a:rPr dirty="0" sz="1500" spc="-5">
+                        <a:rPr sz="1500" spc="-5" dirty="0">
                           <a:latin typeface="Calibri"/>
                           <a:cs typeface="Calibri"/>
                         </a:rPr>
@@ -10707,7 +11098,7 @@
                       </a:endParaRPr>
                     </a:p>
                   </a:txBody>
-                  <a:tcPr marL="0" marR="0" marB="0" marT="33655">
+                  <a:tcPr marL="0" marR="0" marT="33655" marB="0">
                     <a:lnL w="12700">
                       <a:solidFill>
                         <a:srgbClr val="FFFFFF"/>
@@ -10751,21 +11142,21 @@
                         </a:spcBef>
                       </a:pPr>
                       <a:r>
-                        <a:rPr dirty="0" sz="1500" spc="-10">
+                        <a:rPr sz="1500" spc="-10" dirty="0">
                           <a:latin typeface="Calibri"/>
                           <a:cs typeface="Calibri"/>
                         </a:rPr>
                         <a:t>Pages</a:t>
                       </a:r>
                       <a:r>
-                        <a:rPr dirty="0" sz="1500" spc="-25">
+                        <a:rPr sz="1500" spc="-25" dirty="0">
                           <a:latin typeface="Calibri"/>
                           <a:cs typeface="Calibri"/>
                         </a:rPr>
                         <a:t> </a:t>
                       </a:r>
                       <a:r>
-                        <a:rPr dirty="0" sz="1500" spc="-10">
+                        <a:rPr sz="1500" spc="-10" dirty="0">
                           <a:latin typeface="Calibri"/>
                           <a:cs typeface="Calibri"/>
                         </a:rPr>
@@ -10777,7 +11168,7 @@
                       </a:endParaRPr>
                     </a:p>
                   </a:txBody>
-                  <a:tcPr marL="0" marR="0" marB="0" marT="78105">
+                  <a:tcPr marL="0" marR="0" marT="78105" marB="0">
                     <a:lnL w="12700">
                       <a:solidFill>
                         <a:srgbClr val="FFFFFF"/>
@@ -10807,6 +11198,11 @@
                     </a:solidFill>
                   </a:tcPr>
                 </a:tc>
+                <a:extLst>
+                  <a:ext uri="{0D108BD9-81ED-4DB2-BD59-A6C34878D82A}">
+                    <a16:rowId xmlns:a16="http://schemas.microsoft.com/office/drawing/2014/main" val="10003"/>
+                  </a:ext>
+                </a:extLst>
               </a:tr>
               <a:tr h="320039">
                 <a:tc>
@@ -10823,7 +11219,7 @@
                         </a:spcBef>
                       </a:pPr>
                       <a:r>
-                        <a:rPr dirty="0" sz="1500" spc="-5">
+                        <a:rPr sz="1500" spc="-5" dirty="0">
                           <a:latin typeface="Calibri"/>
                           <a:cs typeface="Calibri"/>
                         </a:rPr>
@@ -10835,7 +11231,7 @@
                       </a:endParaRPr>
                     </a:p>
                   </a:txBody>
-                  <a:tcPr marL="0" marR="0" marB="0" marT="33655">
+                  <a:tcPr marL="0" marR="0" marT="33655" marB="0">
                     <a:lnL w="12700">
                       <a:solidFill>
                         <a:srgbClr val="FFFFFF"/>
@@ -10879,35 +11275,35 @@
                         </a:spcBef>
                       </a:pPr>
                       <a:r>
-                        <a:rPr dirty="0" sz="1500" spc="-10">
+                        <a:rPr sz="1500" spc="-10" dirty="0">
                           <a:latin typeface="Calibri"/>
                           <a:cs typeface="Calibri"/>
                         </a:rPr>
                         <a:t>Forms </a:t>
                       </a:r>
                       <a:r>
-                        <a:rPr dirty="0" sz="1500">
+                        <a:rPr sz="1500" dirty="0">
                           <a:latin typeface="Calibri"/>
                           <a:cs typeface="Calibri"/>
                         </a:rPr>
                         <a:t>&amp; </a:t>
                       </a:r>
                       <a:r>
-                        <a:rPr dirty="0" sz="1500" spc="-10">
+                        <a:rPr sz="1500" spc="-10" dirty="0">
                           <a:latin typeface="Calibri"/>
                           <a:cs typeface="Calibri"/>
                         </a:rPr>
                         <a:t>Pages</a:t>
                       </a:r>
                       <a:r>
-                        <a:rPr dirty="0" sz="1500" spc="-15">
+                        <a:rPr sz="1500" spc="-15" dirty="0">
                           <a:latin typeface="Calibri"/>
                           <a:cs typeface="Calibri"/>
                         </a:rPr>
                         <a:t> </a:t>
                       </a:r>
                       <a:r>
-                        <a:rPr dirty="0" sz="1500" spc="-5">
+                        <a:rPr sz="1500" spc="-5" dirty="0">
                           <a:latin typeface="Calibri"/>
                           <a:cs typeface="Calibri"/>
                         </a:rPr>
@@ -10919,7 +11315,7 @@
                       </a:endParaRPr>
                     </a:p>
                   </a:txBody>
-                  <a:tcPr marL="0" marR="0" marB="0" marT="78105">
+                  <a:tcPr marL="0" marR="0" marT="78105" marB="0">
                     <a:lnL w="12700">
                       <a:solidFill>
                         <a:srgbClr val="FFFFFF"/>
@@ -10949,6 +11345,11 @@
                     </a:solidFill>
                   </a:tcPr>
                 </a:tc>
+                <a:extLst>
+                  <a:ext uri="{0D108BD9-81ED-4DB2-BD59-A6C34878D82A}">
+                    <a16:rowId xmlns:a16="http://schemas.microsoft.com/office/drawing/2014/main" val="10004"/>
+                  </a:ext>
+                </a:extLst>
               </a:tr>
               <a:tr h="319913">
                 <a:tc>
@@ -10965,7 +11366,7 @@
                         </a:spcBef>
                       </a:pPr>
                       <a:r>
-                        <a:rPr dirty="0" sz="1500" spc="-5">
+                        <a:rPr sz="1500" spc="-5" dirty="0">
                           <a:latin typeface="Calibri"/>
                           <a:cs typeface="Calibri"/>
                         </a:rPr>
@@ -10977,7 +11378,7 @@
                       </a:endParaRPr>
                     </a:p>
                   </a:txBody>
-                  <a:tcPr marL="0" marR="0" marB="0" marT="33655">
+                  <a:tcPr marL="0" marR="0" marT="33655" marB="0">
                     <a:lnL w="12700">
                       <a:solidFill>
                         <a:srgbClr val="FFFFFF"/>
@@ -11021,35 +11422,35 @@
                         </a:spcBef>
                       </a:pPr>
                       <a:r>
-                        <a:rPr dirty="0" sz="1500" spc="-10">
+                        <a:rPr sz="1500" spc="-10" dirty="0">
                           <a:latin typeface="Calibri"/>
                           <a:cs typeface="Calibri"/>
                         </a:rPr>
                         <a:t>Forms </a:t>
                       </a:r>
                       <a:r>
-                        <a:rPr dirty="0" sz="1500">
+                        <a:rPr sz="1500" dirty="0">
                           <a:latin typeface="Calibri"/>
                           <a:cs typeface="Calibri"/>
                         </a:rPr>
                         <a:t>&amp; </a:t>
                       </a:r>
                       <a:r>
-                        <a:rPr dirty="0" sz="1500" spc="-10">
+                        <a:rPr sz="1500" spc="-10" dirty="0">
                           <a:latin typeface="Calibri"/>
                           <a:cs typeface="Calibri"/>
                         </a:rPr>
                         <a:t>Pages</a:t>
                       </a:r>
                       <a:r>
-                        <a:rPr dirty="0" sz="1500" spc="-15">
+                        <a:rPr sz="1500" spc="-15" dirty="0">
                           <a:latin typeface="Calibri"/>
                           <a:cs typeface="Calibri"/>
                         </a:rPr>
                         <a:t> </a:t>
                       </a:r>
                       <a:r>
-                        <a:rPr dirty="0" sz="1500" spc="-5">
+                        <a:rPr sz="1500" spc="-5" dirty="0">
                           <a:latin typeface="Calibri"/>
                           <a:cs typeface="Calibri"/>
                         </a:rPr>
@@ -11061,7 +11462,7 @@
                       </a:endParaRPr>
                     </a:p>
                   </a:txBody>
-                  <a:tcPr marL="0" marR="0" marB="0" marT="78105">
+                  <a:tcPr marL="0" marR="0" marT="78105" marB="0">
                     <a:lnL w="12700">
                       <a:solidFill>
                         <a:srgbClr val="FFFFFF"/>
@@ -11091,6 +11492,11 @@
                     </a:solidFill>
                   </a:tcPr>
                 </a:tc>
+                <a:extLst>
+                  <a:ext uri="{0D108BD9-81ED-4DB2-BD59-A6C34878D82A}">
+                    <a16:rowId xmlns:a16="http://schemas.microsoft.com/office/drawing/2014/main" val="10005"/>
+                  </a:ext>
+                </a:extLst>
               </a:tr>
               <a:tr h="320039">
                 <a:tc>
@@ -11107,7 +11513,7 @@
                         </a:spcBef>
                       </a:pPr>
                       <a:r>
-                        <a:rPr dirty="0" sz="1500" spc="-5">
+                        <a:rPr sz="1500" spc="-5" dirty="0">
                           <a:latin typeface="Calibri"/>
                           <a:cs typeface="Calibri"/>
                         </a:rPr>
@@ -11119,7 +11525,7 @@
                       </a:endParaRPr>
                     </a:p>
                   </a:txBody>
-                  <a:tcPr marL="0" marR="0" marB="0" marT="34290">
+                  <a:tcPr marL="0" marR="0" marT="34290" marB="0">
                     <a:lnL w="12700">
                       <a:solidFill>
                         <a:srgbClr val="FFFFFF"/>
@@ -11163,21 +11569,21 @@
                         </a:spcBef>
                       </a:pPr>
                       <a:r>
-                        <a:rPr dirty="0" sz="1500" spc="-5">
+                        <a:rPr sz="1500" spc="-5" dirty="0">
                           <a:latin typeface="Calibri"/>
                           <a:cs typeface="Calibri"/>
                         </a:rPr>
                         <a:t>HTML</a:t>
                       </a:r>
                       <a:r>
-                        <a:rPr dirty="0" sz="1500" spc="-15">
+                        <a:rPr sz="1500" spc="-15" dirty="0">
                           <a:latin typeface="Calibri"/>
                           <a:cs typeface="Calibri"/>
                         </a:rPr>
                         <a:t> </a:t>
                       </a:r>
                       <a:r>
-                        <a:rPr dirty="0" sz="1500" spc="-10">
+                        <a:rPr sz="1500" spc="-10" dirty="0">
                           <a:latin typeface="Calibri"/>
                           <a:cs typeface="Calibri"/>
                         </a:rPr>
@@ -11189,7 +11595,7 @@
                       </a:endParaRPr>
                     </a:p>
                   </a:txBody>
-                  <a:tcPr marL="0" marR="0" marB="0" marT="78105">
+                  <a:tcPr marL="0" marR="0" marT="78105" marB="0">
                     <a:lnL w="12700">
                       <a:solidFill>
                         <a:srgbClr val="FFFFFF"/>
@@ -11219,6 +11625,11 @@
                     </a:solidFill>
                   </a:tcPr>
                 </a:tc>
+                <a:extLst>
+                  <a:ext uri="{0D108BD9-81ED-4DB2-BD59-A6C34878D82A}">
+                    <a16:rowId xmlns:a16="http://schemas.microsoft.com/office/drawing/2014/main" val="10006"/>
+                  </a:ext>
+                </a:extLst>
               </a:tr>
               <a:tr h="320040">
                 <a:tc>
@@ -11235,7 +11646,7 @@
                         </a:spcBef>
                       </a:pPr>
                       <a:r>
-                        <a:rPr dirty="0" sz="1500" spc="-10">
+                        <a:rPr sz="1500" spc="-10" dirty="0">
                           <a:latin typeface="Calibri"/>
                           <a:cs typeface="Calibri"/>
                         </a:rPr>
@@ -11247,7 +11658,7 @@
                       </a:endParaRPr>
                     </a:p>
                   </a:txBody>
-                  <a:tcPr marL="0" marR="0" marB="0" marT="33655">
+                  <a:tcPr marL="0" marR="0" marT="33655" marB="0">
                     <a:lnL w="12700">
                       <a:solidFill>
                         <a:srgbClr val="FFFFFF"/>
@@ -11291,21 +11702,21 @@
                         </a:spcBef>
                       </a:pPr>
                       <a:r>
-                        <a:rPr dirty="0" sz="1500" spc="-5">
+                        <a:rPr sz="1500" spc="-5" dirty="0">
                           <a:latin typeface="Calibri"/>
                           <a:cs typeface="Calibri"/>
                         </a:rPr>
                         <a:t>Usability</a:t>
                       </a:r>
                       <a:r>
-                        <a:rPr dirty="0" sz="1500" spc="-20">
+                        <a:rPr sz="1500" spc="-20" dirty="0">
                           <a:latin typeface="Calibri"/>
                           <a:cs typeface="Calibri"/>
                         </a:rPr>
                         <a:t> </a:t>
                       </a:r>
                       <a:r>
-                        <a:rPr dirty="0" sz="1500" spc="-5">
+                        <a:rPr sz="1500" spc="-5" dirty="0">
                           <a:latin typeface="Calibri"/>
                           <a:cs typeface="Calibri"/>
                         </a:rPr>
@@ -11317,7 +11728,7 @@
                       </a:endParaRPr>
                     </a:p>
                   </a:txBody>
-                  <a:tcPr marL="0" marR="0" marB="0" marT="78105">
+                  <a:tcPr marL="0" marR="0" marT="78105" marB="0">
                     <a:lnL w="12700">
                       <a:solidFill>
                         <a:srgbClr val="FFFFFF"/>
@@ -11347,6 +11758,11 @@
                     </a:solidFill>
                   </a:tcPr>
                 </a:tc>
+                <a:extLst>
+                  <a:ext uri="{0D108BD9-81ED-4DB2-BD59-A6C34878D82A}">
+                    <a16:rowId xmlns:a16="http://schemas.microsoft.com/office/drawing/2014/main" val="10007"/>
+                  </a:ext>
+                </a:extLst>
               </a:tr>
               <a:tr h="320039">
                 <a:tc>
@@ -11363,7 +11779,7 @@
                         </a:spcBef>
                       </a:pPr>
                       <a:r>
-                        <a:rPr dirty="0" sz="1500" spc="-5">
+                        <a:rPr sz="1500" spc="-5" dirty="0">
                           <a:latin typeface="Calibri"/>
                           <a:cs typeface="Calibri"/>
                         </a:rPr>
@@ -11375,7 +11791,7 @@
                       </a:endParaRPr>
                     </a:p>
                   </a:txBody>
-                  <a:tcPr marL="0" marR="0" marB="0" marT="34290">
+                  <a:tcPr marL="0" marR="0" marT="34290" marB="0">
                     <a:lnL w="12700">
                       <a:solidFill>
                         <a:srgbClr val="FFFFFF"/>
@@ -11419,28 +11835,28 @@
                         </a:spcBef>
                       </a:pPr>
                       <a:r>
-                        <a:rPr dirty="0" sz="1500">
+                        <a:rPr sz="1500" dirty="0">
                           <a:latin typeface="Calibri"/>
                           <a:cs typeface="Calibri"/>
                         </a:rPr>
                         <a:t>User </a:t>
                       </a:r>
                       <a:r>
-                        <a:rPr dirty="0" sz="1500" spc="-10">
+                        <a:rPr sz="1500" spc="-10" dirty="0">
                           <a:latin typeface="Calibri"/>
                           <a:cs typeface="Calibri"/>
                         </a:rPr>
                         <a:t>Interaction</a:t>
                       </a:r>
                       <a:r>
-                        <a:rPr dirty="0" sz="1500" spc="-35">
+                        <a:rPr sz="1500" spc="-35" dirty="0">
                           <a:latin typeface="Calibri"/>
                           <a:cs typeface="Calibri"/>
                         </a:rPr>
                         <a:t> </a:t>
                       </a:r>
                       <a:r>
-                        <a:rPr dirty="0" sz="1500" spc="-10">
+                        <a:rPr sz="1500" spc="-10" dirty="0">
                           <a:latin typeface="Calibri"/>
                           <a:cs typeface="Calibri"/>
                         </a:rPr>
@@ -11452,7 +11868,7 @@
                       </a:endParaRPr>
                     </a:p>
                   </a:txBody>
-                  <a:tcPr marL="0" marR="0" marB="0" marT="78740">
+                  <a:tcPr marL="0" marR="0" marT="78740" marB="0">
                     <a:lnL w="12700">
                       <a:solidFill>
                         <a:srgbClr val="FFFFFF"/>
@@ -11482,6 +11898,11 @@
                     </a:solidFill>
                   </a:tcPr>
                 </a:tc>
+                <a:extLst>
+                  <a:ext uri="{0D108BD9-81ED-4DB2-BD59-A6C34878D82A}">
+                    <a16:rowId xmlns:a16="http://schemas.microsoft.com/office/drawing/2014/main" val="10008"/>
+                  </a:ext>
+                </a:extLst>
               </a:tr>
               <a:tr h="319913">
                 <a:tc>
@@ -11498,7 +11919,7 @@
                         </a:spcBef>
                       </a:pPr>
                       <a:r>
-                        <a:rPr dirty="0" sz="1500" spc="-5">
+                        <a:rPr sz="1500" spc="-5" dirty="0">
                           <a:latin typeface="Calibri"/>
                           <a:cs typeface="Calibri"/>
                         </a:rPr>
@@ -11510,7 +11931,7 @@
                       </a:endParaRPr>
                     </a:p>
                   </a:txBody>
-                  <a:tcPr marL="0" marR="0" marB="0" marT="34290">
+                  <a:tcPr marL="0" marR="0" marT="34290" marB="0">
                     <a:lnL w="12700">
                       <a:solidFill>
                         <a:srgbClr val="FFFFFF"/>
@@ -11554,28 +11975,28 @@
                         </a:spcBef>
                       </a:pPr>
                       <a:r>
-                        <a:rPr dirty="0" sz="1500">
+                        <a:rPr sz="1500" dirty="0">
                           <a:latin typeface="Calibri"/>
                           <a:cs typeface="Calibri"/>
                         </a:rPr>
                         <a:t>User </a:t>
                       </a:r>
                       <a:r>
-                        <a:rPr dirty="0" sz="1500" spc="-10">
+                        <a:rPr sz="1500" spc="-10" dirty="0">
                           <a:latin typeface="Calibri"/>
                           <a:cs typeface="Calibri"/>
                         </a:rPr>
                         <a:t>Interaction</a:t>
                       </a:r>
                       <a:r>
-                        <a:rPr dirty="0" sz="1500" spc="-35">
+                        <a:rPr sz="1500" spc="-35" dirty="0">
                           <a:latin typeface="Calibri"/>
                           <a:cs typeface="Calibri"/>
                         </a:rPr>
                         <a:t> </a:t>
                       </a:r>
                       <a:r>
-                        <a:rPr dirty="0" sz="1500" spc="-5">
+                        <a:rPr sz="1500" spc="-5" dirty="0">
                           <a:latin typeface="Calibri"/>
                           <a:cs typeface="Calibri"/>
                         </a:rPr>
@@ -11587,7 +12008,7 @@
                       </a:endParaRPr>
                     </a:p>
                   </a:txBody>
-                  <a:tcPr marL="0" marR="0" marB="0" marT="78740">
+                  <a:tcPr marL="0" marR="0" marT="78740" marB="0">
                     <a:lnL w="12700">
                       <a:solidFill>
                         <a:srgbClr val="FFFFFF"/>
@@ -11617,6 +12038,11 @@
                     </a:solidFill>
                   </a:tcPr>
                 </a:tc>
+                <a:extLst>
+                  <a:ext uri="{0D108BD9-81ED-4DB2-BD59-A6C34878D82A}">
+                    <a16:rowId xmlns:a16="http://schemas.microsoft.com/office/drawing/2014/main" val="10009"/>
+                  </a:ext>
+                </a:extLst>
               </a:tr>
               <a:tr h="320040">
                 <a:tc>
@@ -11633,7 +12059,7 @@
                         </a:spcBef>
                       </a:pPr>
                       <a:r>
-                        <a:rPr dirty="0" sz="1500" spc="-5">
+                        <a:rPr sz="1500" spc="-5" dirty="0">
                           <a:latin typeface="Calibri"/>
                           <a:cs typeface="Calibri"/>
                         </a:rPr>
@@ -11645,7 +12071,7 @@
                       </a:endParaRPr>
                     </a:p>
                   </a:txBody>
-                  <a:tcPr marL="0" marR="0" marB="0" marT="34290">
+                  <a:tcPr marL="0" marR="0" marT="34290" marB="0">
                     <a:lnL w="12700">
                       <a:solidFill>
                         <a:srgbClr val="FFFFFF"/>
@@ -11689,35 +12115,35 @@
                         </a:spcBef>
                       </a:pPr>
                       <a:r>
-                        <a:rPr dirty="0" sz="1500" spc="-5">
+                        <a:rPr sz="1500" spc="-5" dirty="0">
                           <a:latin typeface="Calibri"/>
                           <a:cs typeface="Calibri"/>
                         </a:rPr>
                         <a:t>Current </a:t>
                       </a:r>
                       <a:r>
-                        <a:rPr dirty="0" sz="1500">
+                        <a:rPr sz="1500" dirty="0">
                           <a:latin typeface="Calibri"/>
                           <a:cs typeface="Calibri"/>
                         </a:rPr>
                         <a:t>&amp; </a:t>
                       </a:r>
                       <a:r>
-                        <a:rPr dirty="0" sz="1500" spc="-10">
+                        <a:rPr sz="1500" spc="-10" dirty="0">
                           <a:latin typeface="Calibri"/>
                           <a:cs typeface="Calibri"/>
                         </a:rPr>
                         <a:t>Desired</a:t>
                       </a:r>
                       <a:r>
-                        <a:rPr dirty="0" sz="1500" spc="-15">
+                        <a:rPr sz="1500" spc="-15" dirty="0">
                           <a:latin typeface="Calibri"/>
                           <a:cs typeface="Calibri"/>
                         </a:rPr>
                         <a:t> </a:t>
                       </a:r>
                       <a:r>
-                        <a:rPr dirty="0" sz="1500">
+                        <a:rPr sz="1500" dirty="0">
                           <a:latin typeface="Calibri"/>
                           <a:cs typeface="Calibri"/>
                         </a:rPr>
@@ -11729,7 +12155,7 @@
                       </a:endParaRPr>
                     </a:p>
                   </a:txBody>
-                  <a:tcPr marL="0" marR="0" marB="0" marT="78740">
+                  <a:tcPr marL="0" marR="0" marT="78740" marB="0">
                     <a:lnL w="12700">
                       <a:solidFill>
                         <a:srgbClr val="FFFFFF"/>
@@ -11759,6 +12185,11 @@
                     </a:solidFill>
                   </a:tcPr>
                 </a:tc>
+                <a:extLst>
+                  <a:ext uri="{0D108BD9-81ED-4DB2-BD59-A6C34878D82A}">
+                    <a16:rowId xmlns:a16="http://schemas.microsoft.com/office/drawing/2014/main" val="10010"/>
+                  </a:ext>
+                </a:extLst>
               </a:tr>
               <a:tr h="320039">
                 <a:tc>
@@ -11775,7 +12206,7 @@
                         </a:spcBef>
                       </a:pPr>
                       <a:r>
-                        <a:rPr dirty="0" sz="1500" spc="-5">
+                        <a:rPr sz="1500" spc="-5" dirty="0">
                           <a:latin typeface="Calibri"/>
                           <a:cs typeface="Calibri"/>
                         </a:rPr>
@@ -11787,7 +12218,7 @@
                       </a:endParaRPr>
                     </a:p>
                   </a:txBody>
-                  <a:tcPr marL="0" marR="0" marB="0" marT="34290">
+                  <a:tcPr marL="0" marR="0" marT="34290" marB="0">
                     <a:lnL w="12700">
                       <a:solidFill>
                         <a:srgbClr val="FFFFFF"/>
@@ -11831,21 +12262,21 @@
                         </a:spcBef>
                       </a:pPr>
                       <a:r>
-                        <a:rPr dirty="0" sz="1500" spc="-5">
+                        <a:rPr sz="1500" spc="-5" dirty="0">
                           <a:latin typeface="Calibri"/>
                           <a:cs typeface="Calibri"/>
                         </a:rPr>
                         <a:t>Prototype</a:t>
                       </a:r>
                       <a:r>
-                        <a:rPr dirty="0" sz="1500" spc="-50">
+                        <a:rPr sz="1500" spc="-50" dirty="0">
                           <a:latin typeface="Calibri"/>
                           <a:cs typeface="Calibri"/>
                         </a:rPr>
                         <a:t> </a:t>
                       </a:r>
                       <a:r>
-                        <a:rPr dirty="0" sz="1500" spc="-10">
+                        <a:rPr sz="1500" spc="-10" dirty="0">
                           <a:latin typeface="Calibri"/>
                           <a:cs typeface="Calibri"/>
                         </a:rPr>
@@ -11857,7 +12288,7 @@
                       </a:endParaRPr>
                     </a:p>
                   </a:txBody>
-                  <a:tcPr marL="0" marR="0" marB="0" marT="78740">
+                  <a:tcPr marL="0" marR="0" marT="78740" marB="0">
                     <a:lnL w="12700">
                       <a:solidFill>
                         <a:srgbClr val="FFFFFF"/>
@@ -11887,6 +12318,11 @@
                     </a:solidFill>
                   </a:tcPr>
                 </a:tc>
+                <a:extLst>
+                  <a:ext uri="{0D108BD9-81ED-4DB2-BD59-A6C34878D82A}">
+                    <a16:rowId xmlns:a16="http://schemas.microsoft.com/office/drawing/2014/main" val="10011"/>
+                  </a:ext>
+                </a:extLst>
               </a:tr>
               <a:tr h="320040">
                 <a:tc>
@@ -11903,7 +12339,7 @@
                         </a:spcBef>
                       </a:pPr>
                       <a:r>
-                        <a:rPr dirty="0" sz="1500" spc="-5">
+                        <a:rPr sz="1500" spc="-5" dirty="0">
                           <a:latin typeface="Calibri"/>
                           <a:cs typeface="Calibri"/>
                         </a:rPr>
@@ -11915,7 +12351,7 @@
                       </a:endParaRPr>
                     </a:p>
                   </a:txBody>
-                  <a:tcPr marL="0" marR="0" marB="0" marT="34290">
+                  <a:tcPr marL="0" marR="0" marT="34290" marB="0">
                     <a:lnL w="12700">
                       <a:solidFill>
                         <a:srgbClr val="FFFFFF"/>
@@ -11959,21 +12395,21 @@
                         </a:spcBef>
                       </a:pPr>
                       <a:r>
-                        <a:rPr dirty="0" sz="1500" spc="-5">
+                        <a:rPr sz="1500" spc="-5" dirty="0">
                           <a:latin typeface="Calibri"/>
                           <a:cs typeface="Calibri"/>
                         </a:rPr>
                         <a:t>Prototype</a:t>
                       </a:r>
                       <a:r>
-                        <a:rPr dirty="0" sz="1500" spc="-50">
+                        <a:rPr sz="1500" spc="-50" dirty="0">
                           <a:latin typeface="Calibri"/>
                           <a:cs typeface="Calibri"/>
                         </a:rPr>
                         <a:t> </a:t>
                       </a:r>
                       <a:r>
-                        <a:rPr dirty="0" sz="1500" spc="-5">
+                        <a:rPr sz="1500" spc="-5" dirty="0">
                           <a:latin typeface="Calibri"/>
                           <a:cs typeface="Calibri"/>
                         </a:rPr>
@@ -11985,7 +12421,7 @@
                       </a:endParaRPr>
                     </a:p>
                   </a:txBody>
-                  <a:tcPr marL="0" marR="0" marB="0" marT="78740">
+                  <a:tcPr marL="0" marR="0" marT="78740" marB="0">
                     <a:lnL w="12700">
                       <a:solidFill>
                         <a:srgbClr val="FFFFFF"/>
@@ -12015,6 +12451,11 @@
                     </a:solidFill>
                   </a:tcPr>
                 </a:tc>
+                <a:extLst>
+                  <a:ext uri="{0D108BD9-81ED-4DB2-BD59-A6C34878D82A}">
+                    <a16:rowId xmlns:a16="http://schemas.microsoft.com/office/drawing/2014/main" val="10012"/>
+                  </a:ext>
+                </a:extLst>
               </a:tr>
               <a:tr h="319976">
                 <a:tc>
@@ -12031,7 +12472,7 @@
                         </a:spcBef>
                       </a:pPr>
                       <a:r>
-                        <a:rPr dirty="0" sz="1500" spc="-5">
+                        <a:rPr sz="1500" spc="-5" dirty="0">
                           <a:latin typeface="Calibri"/>
                           <a:cs typeface="Calibri"/>
                         </a:rPr>
@@ -12043,7 +12484,7 @@
                       </a:endParaRPr>
                     </a:p>
                   </a:txBody>
-                  <a:tcPr marL="0" marR="0" marB="0" marT="34290">
+                  <a:tcPr marL="0" marR="0" marT="34290" marB="0">
                     <a:lnL w="12700">
                       <a:solidFill>
                         <a:srgbClr val="FFFFFF"/>
@@ -12087,21 +12528,21 @@
                         </a:spcBef>
                       </a:pPr>
                       <a:r>
-                        <a:rPr dirty="0" sz="1500">
+                        <a:rPr sz="1500" dirty="0">
                           <a:latin typeface="Calibri"/>
                           <a:cs typeface="Calibri"/>
                         </a:rPr>
                         <a:t>Usability</a:t>
                       </a:r>
                       <a:r>
-                        <a:rPr dirty="0" sz="1500" spc="-15">
+                        <a:rPr sz="1500" spc="-15" dirty="0">
                           <a:latin typeface="Calibri"/>
                           <a:cs typeface="Calibri"/>
                         </a:rPr>
                         <a:t> </a:t>
                       </a:r>
                       <a:r>
-                        <a:rPr dirty="0" sz="1500" spc="-40">
+                        <a:rPr sz="1500" spc="-40" dirty="0">
                           <a:latin typeface="Calibri"/>
                           <a:cs typeface="Calibri"/>
                         </a:rPr>
@@ -12113,7 +12554,7 @@
                       </a:endParaRPr>
                     </a:p>
                   </a:txBody>
-                  <a:tcPr marL="0" marR="0" marB="0" marT="78740">
+                  <a:tcPr marL="0" marR="0" marT="78740" marB="0">
                     <a:lnL w="12700">
                       <a:solidFill>
                         <a:srgbClr val="FFFFFF"/>
@@ -12143,6 +12584,11 @@
                     </a:solidFill>
                   </a:tcPr>
                 </a:tc>
+                <a:extLst>
+                  <a:ext uri="{0D108BD9-81ED-4DB2-BD59-A6C34878D82A}">
+                    <a16:rowId xmlns:a16="http://schemas.microsoft.com/office/drawing/2014/main" val="10013"/>
+                  </a:ext>
+                </a:extLst>
               </a:tr>
               <a:tr h="320001">
                 <a:tc>
@@ -12159,7 +12605,7 @@
                         </a:spcBef>
                       </a:pPr>
                       <a:r>
-                        <a:rPr dirty="0" sz="1500" spc="-10">
+                        <a:rPr sz="1500" spc="-10" dirty="0">
                           <a:latin typeface="Calibri"/>
                           <a:cs typeface="Calibri"/>
                         </a:rPr>
@@ -12171,7 +12617,7 @@
                       </a:endParaRPr>
                     </a:p>
                   </a:txBody>
-                  <a:tcPr marL="0" marR="0" marB="0" marT="34290">
+                  <a:tcPr marL="0" marR="0" marT="34290" marB="0">
                     <a:lnL w="12700">
                       <a:solidFill>
                         <a:srgbClr val="FFFFFF"/>
@@ -12215,28 +12661,28 @@
                         </a:spcBef>
                       </a:pPr>
                       <a:r>
-                        <a:rPr dirty="0" sz="1500" spc="-5">
+                        <a:rPr sz="1500" spc="-5" dirty="0">
                           <a:latin typeface="Calibri"/>
                           <a:cs typeface="Calibri"/>
                         </a:rPr>
                         <a:t>Project Milestones </a:t>
                       </a:r>
                       <a:r>
-                        <a:rPr dirty="0" sz="1500">
+                        <a:rPr sz="1500" dirty="0">
                           <a:latin typeface="Calibri"/>
                           <a:cs typeface="Calibri"/>
                         </a:rPr>
                         <a:t>&amp;</a:t>
                       </a:r>
                       <a:r>
-                        <a:rPr dirty="0" sz="1500" spc="-20">
+                        <a:rPr sz="1500" spc="-20" dirty="0">
                           <a:latin typeface="Calibri"/>
                           <a:cs typeface="Calibri"/>
                         </a:rPr>
                         <a:t> </a:t>
                       </a:r>
                       <a:r>
-                        <a:rPr dirty="0" sz="1500" spc="-30">
+                        <a:rPr sz="1500" spc="-30" dirty="0">
                           <a:latin typeface="Calibri"/>
                           <a:cs typeface="Calibri"/>
                         </a:rPr>
@@ -12248,7 +12694,7 @@
                       </a:endParaRPr>
                     </a:p>
                   </a:txBody>
-                  <a:tcPr marL="0" marR="0" marB="0" marT="78740">
+                  <a:tcPr marL="0" marR="0" marT="78740" marB="0">
                     <a:lnL w="12700">
                       <a:solidFill>
                         <a:srgbClr val="FFFFFF"/>
@@ -12278,6 +12724,11 @@
                     </a:solidFill>
                   </a:tcPr>
                 </a:tc>
+                <a:extLst>
+                  <a:ext uri="{0D108BD9-81ED-4DB2-BD59-A6C34878D82A}">
+                    <a16:rowId xmlns:a16="http://schemas.microsoft.com/office/drawing/2014/main" val="10014"/>
+                  </a:ext>
+                </a:extLst>
               </a:tr>
               <a:tr h="320014">
                 <a:tc>
@@ -12294,7 +12745,7 @@
                         </a:spcBef>
                       </a:pPr>
                       <a:r>
-                        <a:rPr dirty="0" sz="1500" spc="-5">
+                        <a:rPr sz="1500" spc="-5" dirty="0">
                           <a:latin typeface="Calibri"/>
                           <a:cs typeface="Calibri"/>
                         </a:rPr>
@@ -12306,7 +12757,7 @@
                       </a:endParaRPr>
                     </a:p>
                   </a:txBody>
-                  <a:tcPr marL="0" marR="0" marB="0" marT="34925">
+                  <a:tcPr marL="0" marR="0" marT="34925" marB="0">
                     <a:lnL w="12700">
                       <a:solidFill>
                         <a:srgbClr val="FFFFFF"/>
@@ -12350,28 +12801,28 @@
                         </a:spcBef>
                       </a:pPr>
                       <a:r>
-                        <a:rPr dirty="0" sz="1500" spc="-5">
+                        <a:rPr sz="1500" spc="-5" dirty="0">
                           <a:latin typeface="Calibri"/>
                           <a:cs typeface="Calibri"/>
                         </a:rPr>
                         <a:t>Milestone Feedback </a:t>
                       </a:r>
                       <a:r>
-                        <a:rPr dirty="0" sz="1500">
+                        <a:rPr sz="1500" dirty="0">
                           <a:latin typeface="Calibri"/>
                           <a:cs typeface="Calibri"/>
                         </a:rPr>
                         <a:t>&amp; </a:t>
                       </a:r>
                       <a:r>
-                        <a:rPr dirty="0" sz="1500" spc="-5">
+                        <a:rPr sz="1500" spc="-5" dirty="0">
                           <a:latin typeface="Calibri"/>
                           <a:cs typeface="Calibri"/>
                         </a:rPr>
                         <a:t>Action</a:t>
                       </a:r>
                       <a:r>
-                        <a:rPr dirty="0" sz="1500" spc="-15">
+                        <a:rPr sz="1500" spc="-15" dirty="0">
                           <a:latin typeface="Calibri"/>
                           <a:cs typeface="Calibri"/>
                         </a:rPr>
@@ -12383,7 +12834,7 @@
                       </a:endParaRPr>
                     </a:p>
                   </a:txBody>
-                  <a:tcPr marL="0" marR="0" marB="0" marT="79375">
+                  <a:tcPr marL="0" marR="0" marT="79375" marB="0">
                     <a:lnL w="12700">
                       <a:solidFill>
                         <a:srgbClr val="FFFFFF"/>
@@ -12413,6 +12864,11 @@
                     </a:solidFill>
                   </a:tcPr>
                 </a:tc>
+                <a:extLst>
+                  <a:ext uri="{0D108BD9-81ED-4DB2-BD59-A6C34878D82A}">
+                    <a16:rowId xmlns:a16="http://schemas.microsoft.com/office/drawing/2014/main" val="10015"/>
+                  </a:ext>
+                </a:extLst>
               </a:tr>
               <a:tr h="320001">
                 <a:tc>
@@ -12429,7 +12885,7 @@
                         </a:spcBef>
                       </a:pPr>
                       <a:r>
-                        <a:rPr dirty="0" sz="1500" spc="-5">
+                        <a:rPr sz="1500" spc="-5" dirty="0">
                           <a:latin typeface="Calibri"/>
                           <a:cs typeface="Calibri"/>
                         </a:rPr>
@@ -12441,7 +12897,7 @@
                       </a:endParaRPr>
                     </a:p>
                   </a:txBody>
-                  <a:tcPr marL="0" marR="0" marB="0" marT="34925">
+                  <a:tcPr marL="0" marR="0" marT="34925" marB="0">
                     <a:lnL w="12700">
                       <a:solidFill>
                         <a:srgbClr val="FFFFFF"/>
@@ -12485,14 +12941,14 @@
                         </a:spcBef>
                       </a:pPr>
                       <a:r>
-                        <a:rPr dirty="0" sz="1500" spc="-10">
+                        <a:rPr sz="1500" spc="-10" dirty="0">
                           <a:latin typeface="Calibri"/>
                           <a:cs typeface="Calibri"/>
                         </a:rPr>
                         <a:t>Project </a:t>
                       </a:r>
                       <a:r>
-                        <a:rPr dirty="0" sz="1500" spc="-5">
+                        <a:rPr sz="1500" spc="-5" dirty="0">
                           <a:latin typeface="Calibri"/>
                           <a:cs typeface="Calibri"/>
                         </a:rPr>
@@ -12504,7 +12960,7 @@
                       </a:endParaRPr>
                     </a:p>
                   </a:txBody>
-                  <a:tcPr marL="0" marR="0" marB="0" marT="79375">
+                  <a:tcPr marL="0" marR="0" marT="79375" marB="0">
                     <a:lnL w="12700">
                       <a:solidFill>
                         <a:srgbClr val="FFFFFF"/>
@@ -12534,6 +12990,11 @@
                     </a:solidFill>
                   </a:tcPr>
                 </a:tc>
+                <a:extLst>
+                  <a:ext uri="{0D108BD9-81ED-4DB2-BD59-A6C34878D82A}">
+                    <a16:rowId xmlns:a16="http://schemas.microsoft.com/office/drawing/2014/main" val="10016"/>
+                  </a:ext>
+                </a:extLst>
               </a:tr>
               <a:tr h="300897">
                 <a:tc>
@@ -12550,7 +13011,7 @@
                         </a:spcBef>
                       </a:pPr>
                       <a:r>
-                        <a:rPr dirty="0" sz="1500" spc="-5">
+                        <a:rPr sz="1500" spc="-5" dirty="0">
                           <a:latin typeface="Calibri"/>
                           <a:cs typeface="Calibri"/>
                         </a:rPr>
@@ -12562,7 +13023,7 @@
                       </a:endParaRPr>
                     </a:p>
                   </a:txBody>
-                  <a:tcPr marL="0" marR="0" marB="0" marT="34925">
+                  <a:tcPr marL="0" marR="0" marT="34925" marB="0">
                     <a:lnL w="12700">
                       <a:solidFill>
                         <a:srgbClr val="FFFFFF"/>
@@ -12600,21 +13061,21 @@
                         </a:spcBef>
                       </a:pPr>
                       <a:r>
-                        <a:rPr dirty="0" sz="1500" spc="-5">
+                        <a:rPr sz="1500" spc="-5" dirty="0">
                           <a:latin typeface="Calibri"/>
                           <a:cs typeface="Calibri"/>
                         </a:rPr>
                         <a:t>Proposed</a:t>
                       </a:r>
                       <a:r>
-                        <a:rPr dirty="0" sz="1500" spc="-30">
+                        <a:rPr sz="1500" spc="-30" dirty="0">
                           <a:latin typeface="Calibri"/>
                           <a:cs typeface="Calibri"/>
                         </a:rPr>
                         <a:t> </a:t>
                       </a:r>
                       <a:r>
-                        <a:rPr dirty="0" sz="1500" spc="-10">
+                        <a:rPr sz="1500" spc="-10" dirty="0">
                           <a:latin typeface="Calibri"/>
                           <a:cs typeface="Calibri"/>
                         </a:rPr>
@@ -12626,7 +13087,7 @@
                       </a:endParaRPr>
                     </a:p>
                   </a:txBody>
-                  <a:tcPr marL="0" marR="0" marB="0" marT="79375">
+                  <a:tcPr marL="0" marR="0" marT="79375" marB="0">
                     <a:lnL w="12700">
                       <a:solidFill>
                         <a:srgbClr val="FFFFFF"/>
@@ -12650,6 +13111,11 @@
                     </a:solidFill>
                   </a:tcPr>
                 </a:tc>
+                <a:extLst>
+                  <a:ext uri="{0D108BD9-81ED-4DB2-BD59-A6C34878D82A}">
+                    <a16:rowId xmlns:a16="http://schemas.microsoft.com/office/drawing/2014/main" val="10017"/>
+                  </a:ext>
+                </a:extLst>
               </a:tr>
             </a:tbl>
           </a:graphicData>
@@ -12695,10 +13161,12 @@
             <a:off x="113792" y="429005"/>
             <a:ext cx="3441065" cy="452120"/>
           </a:xfrm>
-          <a:prstGeom prst="rect"/>
+          <a:prstGeom prst="rect">
+            <a:avLst/>
+          </a:prstGeom>
         </p:spPr>
         <p:txBody>
-          <a:bodyPr wrap="square" lIns="0" tIns="12065" rIns="0" bIns="0" rtlCol="0" vert="horz">
+          <a:bodyPr vert="horz" wrap="square" lIns="0" tIns="12065" rIns="0" bIns="0" rtlCol="0">
             <a:spAutoFit/>
           </a:bodyPr>
           <a:lstStyle/>
@@ -12712,15 +13180,15 @@
               </a:spcBef>
             </a:pPr>
             <a:r>
-              <a:rPr dirty="0" spc="-5"/>
+              <a:rPr spc="-5" dirty="0"/>
               <a:t>1. Development</a:t>
             </a:r>
             <a:r>
-              <a:rPr dirty="0" spc="-35"/>
+              <a:rPr spc="-35" dirty="0"/>
               <a:t> </a:t>
             </a:r>
             <a:r>
-              <a:rPr dirty="0" spc="-70"/>
+              <a:rPr spc="-70" dirty="0"/>
               <a:t>Tools</a:t>
             </a:r>
           </a:p>
@@ -12750,7 +13218,9 @@
         <p:txBody>
           <a:bodyPr wrap="square" lIns="0" tIns="0" rIns="0" bIns="0" rtlCol="0"/>
           <a:lstStyle/>
-          <a:p/>
+          <a:p>
+            <a:endParaRPr/>
+          </a:p>
         </p:txBody>
       </p:sp>
       <p:sp>
@@ -12777,7 +13247,9 @@
         <p:txBody>
           <a:bodyPr wrap="square" lIns="0" tIns="0" rIns="0" bIns="0" rtlCol="0"/>
           <a:lstStyle/>
-          <a:p/>
+          <a:p>
+            <a:endParaRPr/>
+          </a:p>
         </p:txBody>
       </p:sp>
       <p:sp>
@@ -12825,7 +13297,9 @@
         <p:txBody>
           <a:bodyPr wrap="square" lIns="0" tIns="0" rIns="0" bIns="0" rtlCol="0"/>
           <a:lstStyle/>
-          <a:p/>
+          <a:p>
+            <a:endParaRPr/>
+          </a:p>
         </p:txBody>
       </p:sp>
       <p:sp>
@@ -12875,7 +13349,9 @@
         <p:txBody>
           <a:bodyPr wrap="square" lIns="0" tIns="0" rIns="0" bIns="0" rtlCol="0"/>
           <a:lstStyle/>
-          <a:p/>
+          <a:p>
+            <a:endParaRPr/>
+          </a:p>
         </p:txBody>
       </p:sp>
       <p:sp>
@@ -12894,7 +13370,7 @@
           </a:prstGeom>
         </p:spPr>
         <p:txBody>
-          <a:bodyPr wrap="square" lIns="0" tIns="98425" rIns="0" bIns="0" rtlCol="0" vert="horz">
+          <a:bodyPr vert="horz" wrap="square" lIns="0" tIns="98425" rIns="0" bIns="0" rtlCol="0">
             <a:spAutoFit/>
           </a:bodyPr>
           <a:lstStyle/>
@@ -12913,35 +13389,35 @@
               </a:tabLst>
             </a:pPr>
             <a:r>
-              <a:rPr dirty="0" sz="2000" spc="-10" b="1">
+              <a:rPr sz="2000" b="1" spc="-10" dirty="0">
                 <a:latin typeface="Calibri"/>
                 <a:cs typeface="Calibri"/>
               </a:rPr>
               <a:t>Development </a:t>
             </a:r>
             <a:r>
-              <a:rPr dirty="0" sz="2000" spc="-35" b="1">
+              <a:rPr sz="2000" b="1" spc="-35" dirty="0">
                 <a:latin typeface="Calibri"/>
                 <a:cs typeface="Calibri"/>
               </a:rPr>
               <a:t>Tools </a:t>
             </a:r>
             <a:r>
-              <a:rPr dirty="0" sz="2000" spc="-5" b="1">
+              <a:rPr sz="2000" b="1" spc="-5" dirty="0">
                 <a:latin typeface="Calibri"/>
                 <a:cs typeface="Calibri"/>
               </a:rPr>
               <a:t>Screen</a:t>
             </a:r>
             <a:r>
-              <a:rPr dirty="0" sz="2000" spc="5" b="1">
+              <a:rPr sz="2000" b="1" spc="5" dirty="0">
                 <a:latin typeface="Calibri"/>
                 <a:cs typeface="Calibri"/>
               </a:rPr>
               <a:t> </a:t>
             </a:r>
             <a:r>
-              <a:rPr dirty="0" sz="2000" spc="-10" b="1">
+              <a:rPr sz="2000" b="1" spc="-10" dirty="0">
                 <a:latin typeface="Calibri"/>
                 <a:cs typeface="Calibri"/>
               </a:rPr>
@@ -12953,7 +13429,7 @@
             </a:endParaRPr>
           </a:p>
           <a:p>
-            <a:pPr lvl="1" marL="756285" indent="-286385">
+            <a:pPr marL="756285" lvl="1" indent="-286385">
               <a:lnSpc>
                 <a:spcPct val="100000"/>
               </a:lnSpc>
@@ -12968,56 +13444,56 @@
               </a:tabLst>
             </a:pPr>
             <a:r>
-              <a:rPr dirty="0" sz="1800" spc="-10">
+              <a:rPr sz="1800" spc="-10" dirty="0">
                 <a:latin typeface="Calibri"/>
                 <a:cs typeface="Calibri"/>
               </a:rPr>
               <a:t>&lt;List </a:t>
             </a:r>
             <a:r>
-              <a:rPr dirty="0" sz="1800">
+              <a:rPr sz="1800" dirty="0">
                 <a:latin typeface="Calibri"/>
                 <a:cs typeface="Calibri"/>
               </a:rPr>
               <a:t>the </a:t>
             </a:r>
             <a:r>
-              <a:rPr dirty="0" sz="1800" spc="-40">
+              <a:rPr sz="1800" spc="-40" dirty="0">
                 <a:latin typeface="Calibri"/>
                 <a:cs typeface="Calibri"/>
               </a:rPr>
               <a:t>Tools </a:t>
             </a:r>
             <a:r>
-              <a:rPr dirty="0" sz="1800">
+              <a:rPr sz="1800" dirty="0">
                 <a:latin typeface="Calibri"/>
                 <a:cs typeface="Calibri"/>
               </a:rPr>
               <a:t>&amp; </a:t>
             </a:r>
             <a:r>
-              <a:rPr dirty="0" sz="1800" spc="-5">
+              <a:rPr sz="1800" spc="-5" dirty="0">
                 <a:latin typeface="Calibri"/>
                 <a:cs typeface="Calibri"/>
               </a:rPr>
               <a:t>Their </a:t>
             </a:r>
             <a:r>
-              <a:rPr dirty="0" sz="1800" spc="-10">
+              <a:rPr sz="1800" spc="-10" dirty="0">
                 <a:latin typeface="Calibri"/>
                 <a:cs typeface="Calibri"/>
               </a:rPr>
               <a:t>Screen</a:t>
             </a:r>
             <a:r>
-              <a:rPr dirty="0" sz="1800" spc="85">
+              <a:rPr sz="1800" spc="85" dirty="0">
                 <a:latin typeface="Calibri"/>
                 <a:cs typeface="Calibri"/>
               </a:rPr>
               <a:t> </a:t>
             </a:r>
             <a:r>
-              <a:rPr dirty="0" sz="1800" spc="-10">
+              <a:rPr sz="1800" spc="-10" dirty="0">
                 <a:latin typeface="Calibri"/>
                 <a:cs typeface="Calibri"/>
               </a:rPr>
@@ -13029,7 +13505,7 @@
             </a:endParaRPr>
           </a:p>
           <a:p>
-            <a:pPr lvl="1" marL="756285" indent="-286385">
+            <a:pPr marL="756285" lvl="1" indent="-286385">
               <a:lnSpc>
                 <a:spcPct val="100000"/>
               </a:lnSpc>
@@ -13041,7 +13517,7 @@
               </a:tabLst>
             </a:pPr>
             <a:r>
-              <a:rPr dirty="0" sz="1800" spc="5">
+              <a:rPr sz="1800" spc="5" dirty="0">
                 <a:latin typeface="Calibri"/>
                 <a:cs typeface="Calibri"/>
               </a:rPr>
@@ -13053,7 +13529,7 @@
             </a:endParaRPr>
           </a:p>
           <a:p>
-            <a:pPr lvl="1" marL="756285" indent="-286385">
+            <a:pPr marL="756285" lvl="1" indent="-286385">
               <a:lnSpc>
                 <a:spcPct val="100000"/>
               </a:lnSpc>
@@ -13065,7 +13541,7 @@
               </a:tabLst>
             </a:pPr>
             <a:r>
-              <a:rPr dirty="0" sz="1800" spc="5">
+              <a:rPr sz="1800" spc="5" dirty="0">
                 <a:latin typeface="Calibri"/>
                 <a:cs typeface="Calibri"/>
               </a:rPr>
@@ -13118,10 +13594,12 @@
             <a:off x="113792" y="429005"/>
             <a:ext cx="3876675" cy="452120"/>
           </a:xfrm>
-          <a:prstGeom prst="rect"/>
+          <a:prstGeom prst="rect">
+            <a:avLst/>
+          </a:prstGeom>
         </p:spPr>
         <p:txBody>
-          <a:bodyPr wrap="square" lIns="0" tIns="12065" rIns="0" bIns="0" rtlCol="0" vert="horz">
+          <a:bodyPr vert="horz" wrap="square" lIns="0" tIns="12065" rIns="0" bIns="0" rtlCol="0">
             <a:spAutoFit/>
           </a:bodyPr>
           <a:lstStyle/>
@@ -13135,15 +13613,15 @@
               </a:spcBef>
             </a:pPr>
             <a:r>
-              <a:rPr dirty="0" spc="-5"/>
+              <a:rPr spc="-5" dirty="0"/>
               <a:t>2. Feedback</a:t>
             </a:r>
             <a:r>
-              <a:rPr dirty="0" spc="-65"/>
+              <a:rPr spc="-65" dirty="0"/>
               <a:t> </a:t>
             </a:r>
             <a:r>
-              <a:rPr dirty="0" spc="-35"/>
+              <a:rPr spc="-35" dirty="0"/>
               <a:t>Techniques</a:t>
             </a:r>
           </a:p>
@@ -13173,7 +13651,9 @@
         <p:txBody>
           <a:bodyPr wrap="square" lIns="0" tIns="0" rIns="0" bIns="0" rtlCol="0"/>
           <a:lstStyle/>
-          <a:p/>
+          <a:p>
+            <a:endParaRPr/>
+          </a:p>
         </p:txBody>
       </p:sp>
       <p:sp>
@@ -13200,7 +13680,9 @@
         <p:txBody>
           <a:bodyPr wrap="square" lIns="0" tIns="0" rIns="0" bIns="0" rtlCol="0"/>
           <a:lstStyle/>
-          <a:p/>
+          <a:p>
+            <a:endParaRPr/>
+          </a:p>
         </p:txBody>
       </p:sp>
       <p:sp>
@@ -13248,7 +13730,9 @@
         <p:txBody>
           <a:bodyPr wrap="square" lIns="0" tIns="0" rIns="0" bIns="0" rtlCol="0"/>
           <a:lstStyle/>
-          <a:p/>
+          <a:p>
+            <a:endParaRPr/>
+          </a:p>
         </p:txBody>
       </p:sp>
       <p:sp>
@@ -13298,7 +13782,9 @@
         <p:txBody>
           <a:bodyPr wrap="square" lIns="0" tIns="0" rIns="0" bIns="0" rtlCol="0"/>
           <a:lstStyle/>
-          <a:p/>
+          <a:p>
+            <a:endParaRPr/>
+          </a:p>
         </p:txBody>
       </p:sp>
       <p:sp>
@@ -13317,7 +13803,7 @@
           </a:prstGeom>
         </p:spPr>
         <p:txBody>
-          <a:bodyPr wrap="square" lIns="0" tIns="13335" rIns="0" bIns="0" rtlCol="0" vert="horz">
+          <a:bodyPr vert="horz" wrap="square" lIns="0" tIns="13335" rIns="0" bIns="0" rtlCol="0">
             <a:spAutoFit/>
           </a:bodyPr>
           <a:lstStyle/>
@@ -13336,28 +13822,28 @@
               </a:tabLst>
             </a:pPr>
             <a:r>
-              <a:rPr dirty="0" sz="2000" spc="-5" b="1">
+              <a:rPr sz="2000" b="1" spc="-5" dirty="0">
                 <a:latin typeface="Calibri"/>
                 <a:cs typeface="Calibri"/>
               </a:rPr>
               <a:t>Feedback </a:t>
             </a:r>
             <a:r>
-              <a:rPr dirty="0" sz="2000" spc="-10" b="1">
+              <a:rPr sz="2000" b="1" spc="-10" dirty="0">
                 <a:latin typeface="Calibri"/>
                 <a:cs typeface="Calibri"/>
               </a:rPr>
               <a:t>gathering</a:t>
             </a:r>
             <a:r>
-              <a:rPr dirty="0" sz="2000" spc="-25" b="1">
+              <a:rPr sz="2000" b="1" spc="-25" dirty="0">
                 <a:latin typeface="Calibri"/>
                 <a:cs typeface="Calibri"/>
               </a:rPr>
               <a:t> </a:t>
             </a:r>
             <a:r>
-              <a:rPr dirty="0" sz="2000" spc="-5" b="1">
+              <a:rPr sz="2000" b="1" spc="-5" dirty="0">
                 <a:latin typeface="Calibri"/>
                 <a:cs typeface="Calibri"/>
               </a:rPr>
@@ -13410,10 +13896,12 @@
             <a:off x="258267" y="429005"/>
             <a:ext cx="2992120" cy="452120"/>
           </a:xfrm>
-          <a:prstGeom prst="rect"/>
+          <a:prstGeom prst="rect">
+            <a:avLst/>
+          </a:prstGeom>
         </p:spPr>
         <p:txBody>
-          <a:bodyPr wrap="square" lIns="0" tIns="12065" rIns="0" bIns="0" rtlCol="0" vert="horz">
+          <a:bodyPr vert="horz" wrap="square" lIns="0" tIns="12065" rIns="0" bIns="0" rtlCol="0">
             <a:spAutoFit/>
           </a:bodyPr>
           <a:lstStyle/>
@@ -13427,11 +13915,11 @@
               </a:spcBef>
             </a:pPr>
             <a:r>
-              <a:rPr dirty="0" spc="-5"/>
+              <a:rPr spc="-5" dirty="0"/>
               <a:t>3. Pages</a:t>
             </a:r>
             <a:r>
-              <a:rPr dirty="0" spc="-60"/>
+              <a:rPr spc="-60" dirty="0"/>
               <a:t> </a:t>
             </a:r>
             <a:r>
@@ -13465,7 +13953,9 @@
         <p:txBody>
           <a:bodyPr wrap="square" lIns="0" tIns="0" rIns="0" bIns="0" rtlCol="0"/>
           <a:lstStyle/>
-          <a:p/>
+          <a:p>
+            <a:endParaRPr/>
+          </a:p>
         </p:txBody>
       </p:sp>
       <p:sp>
@@ -13492,7 +13982,9 @@
         <p:txBody>
           <a:bodyPr wrap="square" lIns="0" tIns="0" rIns="0" bIns="0" rtlCol="0"/>
           <a:lstStyle/>
-          <a:p/>
+          <a:p>
+            <a:endParaRPr/>
+          </a:p>
         </p:txBody>
       </p:sp>
       <p:sp>
@@ -13540,7 +14032,9 @@
         <p:txBody>
           <a:bodyPr wrap="square" lIns="0" tIns="0" rIns="0" bIns="0" rtlCol="0"/>
           <a:lstStyle/>
-          <a:p/>
+          <a:p>
+            <a:endParaRPr/>
+          </a:p>
         </p:txBody>
       </p:sp>
       <p:sp>
@@ -13590,7 +14084,9 @@
         <p:txBody>
           <a:bodyPr wrap="square" lIns="0" tIns="0" rIns="0" bIns="0" rtlCol="0"/>
           <a:lstStyle/>
-          <a:p/>
+          <a:p>
+            <a:endParaRPr/>
+          </a:p>
         </p:txBody>
       </p:sp>
       <p:sp>
@@ -13609,7 +14105,7 @@
           </a:prstGeom>
         </p:spPr>
         <p:txBody>
-          <a:bodyPr wrap="square" lIns="0" tIns="13335" rIns="0" bIns="0" rtlCol="0" vert="horz">
+          <a:bodyPr vert="horz" wrap="square" lIns="0" tIns="13335" rIns="0" bIns="0" rtlCol="0">
             <a:spAutoFit/>
           </a:bodyPr>
           <a:lstStyle/>
@@ -13628,63 +14124,63 @@
               </a:tabLst>
             </a:pPr>
             <a:r>
-              <a:rPr dirty="0" sz="2000" spc="-5" b="1">
+              <a:rPr sz="2000" b="1" spc="-5" dirty="0">
                 <a:latin typeface="Calibri"/>
                 <a:cs typeface="Calibri"/>
               </a:rPr>
               <a:t>List </a:t>
             </a:r>
             <a:r>
-              <a:rPr dirty="0" sz="2000" b="1">
+              <a:rPr sz="2000" b="1" dirty="0">
                 <a:latin typeface="Calibri"/>
                 <a:cs typeface="Calibri"/>
               </a:rPr>
               <a:t>of </a:t>
             </a:r>
             <a:r>
-              <a:rPr dirty="0" sz="2000" spc="-15" b="1">
+              <a:rPr sz="2000" b="1" spc="-15" dirty="0">
                 <a:latin typeface="Calibri"/>
                 <a:cs typeface="Calibri"/>
               </a:rPr>
               <a:t>Pages for </a:t>
             </a:r>
             <a:r>
-              <a:rPr dirty="0" sz="2000" spc="-5" b="1">
+              <a:rPr sz="2000" b="1" spc="-5" dirty="0">
                 <a:latin typeface="Calibri"/>
                 <a:cs typeface="Calibri"/>
               </a:rPr>
               <a:t>which </a:t>
             </a:r>
             <a:r>
-              <a:rPr dirty="0" sz="2000" b="1">
+              <a:rPr sz="2000" b="1" dirty="0">
                 <a:latin typeface="Calibri"/>
                 <a:cs typeface="Calibri"/>
               </a:rPr>
               <a:t>UI need </a:t>
             </a:r>
             <a:r>
-              <a:rPr dirty="0" sz="2000" spc="-10" b="1">
+              <a:rPr sz="2000" b="1" spc="-10" dirty="0">
                 <a:latin typeface="Calibri"/>
                 <a:cs typeface="Calibri"/>
               </a:rPr>
               <a:t>to </a:t>
             </a:r>
             <a:r>
-              <a:rPr dirty="0" sz="2000" b="1">
+              <a:rPr sz="2000" b="1" dirty="0">
                 <a:latin typeface="Calibri"/>
                 <a:cs typeface="Calibri"/>
               </a:rPr>
               <a:t>be</a:t>
             </a:r>
             <a:r>
-              <a:rPr dirty="0" sz="2000" spc="-5" b="1">
+              <a:rPr sz="2000" b="1" spc="-5" dirty="0">
                 <a:latin typeface="Calibri"/>
                 <a:cs typeface="Calibri"/>
               </a:rPr>
               <a:t> </a:t>
             </a:r>
             <a:r>
-              <a:rPr dirty="0" sz="2000" spc="-10" b="1">
+              <a:rPr sz="2000" b="1" spc="-10" dirty="0">
                 <a:latin typeface="Calibri"/>
                 <a:cs typeface="Calibri"/>
               </a:rPr>
@@ -13707,7 +14203,7 @@
         </p:nvGraphicFramePr>
         <p:xfrm>
           <a:off x="317500" y="1819275"/>
-          <a:ext cx="8371205" cy="754380"/>
+          <a:ext cx="8352155" cy="741426"/>
         </p:xfrm>
         <a:graphic>
           <a:graphicData uri="http://schemas.openxmlformats.org/drawingml/2006/table">
@@ -13716,8 +14212,20 @@
                 <a:tableStyleId>{2D5ABB26-0587-4C30-8999-92F81FD0307C}</a:tableStyleId>
               </a:tblPr>
               <a:tblGrid>
-                <a:gridCol w="864235"/>
-                <a:gridCol w="7487920"/>
+                <a:gridCol w="864235">
+                  <a:extLst>
+                    <a:ext uri="{9D8B030D-6E8A-4147-A177-3AD203B41FA5}">
+                      <a16:colId xmlns:a16="http://schemas.microsoft.com/office/drawing/2014/main" val="20000"/>
+                    </a:ext>
+                  </a:extLst>
+                </a:gridCol>
+                <a:gridCol w="7487920">
+                  <a:extLst>
+                    <a:ext uri="{9D8B030D-6E8A-4147-A177-3AD203B41FA5}">
+                      <a16:colId xmlns:a16="http://schemas.microsoft.com/office/drawing/2014/main" val="20001"/>
+                    </a:ext>
+                  </a:extLst>
+                </a:gridCol>
               </a:tblGrid>
               <a:tr h="370713">
                 <a:tc>
@@ -13734,7 +14242,7 @@
                         </a:spcBef>
                       </a:pPr>
                       <a:r>
-                        <a:rPr dirty="0" sz="1800" b="1">
+                        <a:rPr sz="1800" b="1" dirty="0">
                           <a:solidFill>
                             <a:srgbClr val="FFFFFF"/>
                           </a:solidFill>
@@ -13744,7 +14252,7 @@
                         <a:t>S.</a:t>
                       </a:r>
                       <a:r>
-                        <a:rPr dirty="0" sz="1800" spc="-20" b="1">
+                        <a:rPr sz="1800" b="1" spc="-20" dirty="0">
                           <a:solidFill>
                             <a:srgbClr val="FFFFFF"/>
                           </a:solidFill>
@@ -13754,7 +14262,7 @@
                         <a:t> </a:t>
                       </a:r>
                       <a:r>
-                        <a:rPr dirty="0" sz="1800" b="1">
+                        <a:rPr sz="1800" b="1" dirty="0">
                           <a:solidFill>
                             <a:srgbClr val="FFFFFF"/>
                           </a:solidFill>
@@ -13769,7 +14277,7 @@
                       </a:endParaRPr>
                     </a:p>
                   </a:txBody>
-                  <a:tcPr marL="0" marR="0" marB="0" marT="30480">
+                  <a:tcPr marL="0" marR="0" marT="30480" marB="0">
                     <a:lnL w="12700">
                       <a:solidFill>
                         <a:srgbClr val="FFFFFF"/>
@@ -13813,7 +14321,7 @@
                         </a:spcBef>
                       </a:pPr>
                       <a:r>
-                        <a:rPr dirty="0" sz="1800" spc="-20" b="1">
+                        <a:rPr sz="1800" b="1" spc="-20" dirty="0">
                           <a:solidFill>
                             <a:srgbClr val="FFFFFF"/>
                           </a:solidFill>
@@ -13823,7 +14331,7 @@
                         <a:t>Page</a:t>
                       </a:r>
                       <a:r>
-                        <a:rPr dirty="0" sz="1800" spc="-5" b="1">
+                        <a:rPr sz="1800" b="1" spc="-5" dirty="0">
                           <a:solidFill>
                             <a:srgbClr val="FFFFFF"/>
                           </a:solidFill>
@@ -13833,7 +14341,7 @@
                         <a:t> </a:t>
                       </a:r>
                       <a:r>
-                        <a:rPr dirty="0" sz="1800" b="1">
+                        <a:rPr sz="1800" b="1" dirty="0">
                           <a:solidFill>
                             <a:srgbClr val="FFFFFF"/>
                           </a:solidFill>
@@ -13848,7 +14356,7 @@
                       </a:endParaRPr>
                     </a:p>
                   </a:txBody>
-                  <a:tcPr marL="0" marR="0" marB="0" marT="30480">
+                  <a:tcPr marL="0" marR="0" marT="30480" marB="0">
                     <a:lnL w="12700">
                       <a:solidFill>
                         <a:srgbClr val="FFFFFF"/>
@@ -13878,6 +14386,11 @@
                     </a:solidFill>
                   </a:tcPr>
                 </a:tc>
+                <a:extLst>
+                  <a:ext uri="{0D108BD9-81ED-4DB2-BD59-A6C34878D82A}">
+                    <a16:rowId xmlns:a16="http://schemas.microsoft.com/office/drawing/2014/main" val="10000"/>
+                  </a:ext>
+                </a:extLst>
               </a:tr>
               <a:tr h="370713">
                 <a:tc>
@@ -13896,7 +14409,7 @@
                       </a:endParaRPr>
                     </a:p>
                   </a:txBody>
-                  <a:tcPr marL="0" marR="0" marB="0" marT="0">
+                  <a:tcPr marL="0" marR="0" marT="0" marB="0">
                     <a:lnL w="12700">
                       <a:solidFill>
                         <a:srgbClr val="FFFFFF"/>
@@ -13942,7 +14455,7 @@
                       </a:endParaRPr>
                     </a:p>
                   </a:txBody>
-                  <a:tcPr marL="0" marR="0" marB="0" marT="0">
+                  <a:tcPr marL="0" marR="0" marT="0" marB="0">
                     <a:lnL w="12700">
                       <a:solidFill>
                         <a:srgbClr val="FFFFFF"/>
@@ -13972,6 +14485,11 @@
                     </a:solidFill>
                   </a:tcPr>
                 </a:tc>
+                <a:extLst>
+                  <a:ext uri="{0D108BD9-81ED-4DB2-BD59-A6C34878D82A}">
+                    <a16:rowId xmlns:a16="http://schemas.microsoft.com/office/drawing/2014/main" val="10001"/>
+                  </a:ext>
+                </a:extLst>
               </a:tr>
             </a:tbl>
           </a:graphicData>
@@ -14017,10 +14535,12 @@
             <a:off x="113792" y="429005"/>
             <a:ext cx="4076065" cy="452120"/>
           </a:xfrm>
-          <a:prstGeom prst="rect"/>
+          <a:prstGeom prst="rect">
+            <a:avLst/>
+          </a:prstGeom>
         </p:spPr>
         <p:txBody>
-          <a:bodyPr wrap="square" lIns="0" tIns="12065" rIns="0" bIns="0" rtlCol="0" vert="horz">
+          <a:bodyPr vert="horz" wrap="square" lIns="0" tIns="12065" rIns="0" bIns="0" rtlCol="0">
             <a:spAutoFit/>
           </a:bodyPr>
           <a:lstStyle/>
@@ -14034,15 +14554,15 @@
               </a:spcBef>
             </a:pPr>
             <a:r>
-              <a:rPr dirty="0" spc="-5"/>
+              <a:rPr spc="-5" dirty="0"/>
               <a:t>4. Forms &amp; Pages</a:t>
             </a:r>
             <a:r>
-              <a:rPr dirty="0" spc="-10"/>
+              <a:rPr spc="-10" dirty="0"/>
               <a:t> </a:t>
             </a:r>
             <a:r>
-              <a:rPr dirty="0" spc="-5"/>
+              <a:rPr spc="-5" dirty="0"/>
               <a:t>Design</a:t>
             </a:r>
           </a:p>
@@ -14072,7 +14592,9 @@
         <p:txBody>
           <a:bodyPr wrap="square" lIns="0" tIns="0" rIns="0" bIns="0" rtlCol="0"/>
           <a:lstStyle/>
-          <a:p/>
+          <a:p>
+            <a:endParaRPr/>
+          </a:p>
         </p:txBody>
       </p:sp>
       <p:sp>
@@ -14120,7 +14642,9 @@
         <p:txBody>
           <a:bodyPr wrap="square" lIns="0" tIns="0" rIns="0" bIns="0" rtlCol="0"/>
           <a:lstStyle/>
-          <a:p/>
+          <a:p>
+            <a:endParaRPr/>
+          </a:p>
         </p:txBody>
       </p:sp>
       <p:sp>
@@ -14170,7 +14694,9 @@
         <p:txBody>
           <a:bodyPr wrap="square" lIns="0" tIns="0" rIns="0" bIns="0" rtlCol="0"/>
           <a:lstStyle/>
-          <a:p/>
+          <a:p>
+            <a:endParaRPr/>
+          </a:p>
         </p:txBody>
       </p:sp>
     </p:spTree>
@@ -14213,10 +14739,12 @@
             <a:off x="113792" y="429005"/>
             <a:ext cx="4531360" cy="452120"/>
           </a:xfrm>
-          <a:prstGeom prst="rect"/>
+          <a:prstGeom prst="rect">
+            <a:avLst/>
+          </a:prstGeom>
         </p:spPr>
         <p:txBody>
-          <a:bodyPr wrap="square" lIns="0" tIns="12065" rIns="0" bIns="0" rtlCol="0" vert="horz">
+          <a:bodyPr vert="horz" wrap="square" lIns="0" tIns="12065" rIns="0" bIns="0" rtlCol="0">
             <a:spAutoFit/>
           </a:bodyPr>
           <a:lstStyle/>
@@ -14230,7 +14758,7 @@
               </a:spcBef>
             </a:pPr>
             <a:r>
-              <a:rPr dirty="0" spc="-5"/>
+              <a:rPr spc="-5" dirty="0"/>
               <a:t>5. Forms &amp; Pages Feedback</a:t>
             </a:r>
           </a:p>
@@ -14246,7 +14774,7 @@
         </p:nvGraphicFramePr>
         <p:xfrm>
           <a:off x="101600" y="1390650"/>
-          <a:ext cx="8660130" cy="1125855"/>
+          <a:ext cx="8640443" cy="1112899"/>
         </p:xfrm>
         <a:graphic>
           <a:graphicData uri="http://schemas.openxmlformats.org/drawingml/2006/table">
@@ -14255,10 +14783,34 @@
                 <a:tableStyleId>{2D5ABB26-0587-4C30-8999-92F81FD0307C}</a:tableStyleId>
               </a:tblPr>
               <a:tblGrid>
-                <a:gridCol w="720090"/>
-                <a:gridCol w="2807970"/>
-                <a:gridCol w="2807969"/>
-                <a:gridCol w="2304414"/>
+                <a:gridCol w="720090">
+                  <a:extLst>
+                    <a:ext uri="{9D8B030D-6E8A-4147-A177-3AD203B41FA5}">
+                      <a16:colId xmlns:a16="http://schemas.microsoft.com/office/drawing/2014/main" val="20000"/>
+                    </a:ext>
+                  </a:extLst>
+                </a:gridCol>
+                <a:gridCol w="2807970">
+                  <a:extLst>
+                    <a:ext uri="{9D8B030D-6E8A-4147-A177-3AD203B41FA5}">
+                      <a16:colId xmlns:a16="http://schemas.microsoft.com/office/drawing/2014/main" val="20001"/>
+                    </a:ext>
+                  </a:extLst>
+                </a:gridCol>
+                <a:gridCol w="2807969">
+                  <a:extLst>
+                    <a:ext uri="{9D8B030D-6E8A-4147-A177-3AD203B41FA5}">
+                      <a16:colId xmlns:a16="http://schemas.microsoft.com/office/drawing/2014/main" val="20002"/>
+                    </a:ext>
+                  </a:extLst>
+                </a:gridCol>
+                <a:gridCol w="2304414">
+                  <a:extLst>
+                    <a:ext uri="{9D8B030D-6E8A-4147-A177-3AD203B41FA5}">
+                      <a16:colId xmlns:a16="http://schemas.microsoft.com/office/drawing/2014/main" val="20003"/>
+                    </a:ext>
+                  </a:extLst>
+                </a:gridCol>
               </a:tblGrid>
               <a:tr h="370966">
                 <a:tc>
@@ -14275,7 +14827,7 @@
                         </a:spcBef>
                       </a:pPr>
                       <a:r>
-                        <a:rPr dirty="0" sz="1400" b="1">
+                        <a:rPr sz="1400" b="1" dirty="0">
                           <a:solidFill>
                             <a:srgbClr val="FFFFFF"/>
                           </a:solidFill>
@@ -14285,7 +14837,7 @@
                         <a:t>S.</a:t>
                       </a:r>
                       <a:r>
-                        <a:rPr dirty="0" sz="1400" spc="-30" b="1">
+                        <a:rPr sz="1400" b="1" spc="-30" dirty="0">
                           <a:solidFill>
                             <a:srgbClr val="FFFFFF"/>
                           </a:solidFill>
@@ -14295,7 +14847,7 @@
                         <a:t> </a:t>
                       </a:r>
                       <a:r>
-                        <a:rPr dirty="0" sz="1400" b="1">
+                        <a:rPr sz="1400" b="1" dirty="0">
                           <a:solidFill>
                             <a:srgbClr val="FFFFFF"/>
                           </a:solidFill>
@@ -14310,7 +14862,7 @@
                       </a:endParaRPr>
                     </a:p>
                   </a:txBody>
-                  <a:tcPr marL="0" marR="0" marB="0" marT="34290">
+                  <a:tcPr marL="0" marR="0" marT="34290" marB="0">
                     <a:lnL w="12700">
                       <a:solidFill>
                         <a:srgbClr val="FFFFFF"/>
@@ -14354,7 +14906,7 @@
                         </a:spcBef>
                       </a:pPr>
                       <a:r>
-                        <a:rPr dirty="0" sz="1400" spc="-5" b="1">
+                        <a:rPr sz="1400" b="1" spc="-5" dirty="0">
                           <a:solidFill>
                             <a:srgbClr val="FFFFFF"/>
                           </a:solidFill>
@@ -14364,7 +14916,7 @@
                         <a:t>Forms </a:t>
                       </a:r>
                       <a:r>
-                        <a:rPr dirty="0" sz="1400" b="1">
+                        <a:rPr sz="1400" b="1" dirty="0">
                           <a:solidFill>
                             <a:srgbClr val="FFFFFF"/>
                           </a:solidFill>
@@ -14374,7 +14926,7 @@
                         <a:t>/</a:t>
                       </a:r>
                       <a:r>
-                        <a:rPr dirty="0" sz="1400" spc="-40" b="1">
+                        <a:rPr sz="1400" b="1" spc="-40" dirty="0">
                           <a:solidFill>
                             <a:srgbClr val="FFFFFF"/>
                           </a:solidFill>
@@ -14384,7 +14936,7 @@
                         <a:t> </a:t>
                       </a:r>
                       <a:r>
-                        <a:rPr dirty="0" sz="1400" spc="-10" b="1">
+                        <a:rPr sz="1400" b="1" spc="-10" dirty="0">
                           <a:solidFill>
                             <a:srgbClr val="FFFFFF"/>
                           </a:solidFill>
@@ -14399,7 +14951,7 @@
                       </a:endParaRPr>
                     </a:p>
                   </a:txBody>
-                  <a:tcPr marL="0" marR="0" marB="0" marT="34290">
+                  <a:tcPr marL="0" marR="0" marT="34290" marB="0">
                     <a:lnL w="12700">
                       <a:solidFill>
                         <a:srgbClr val="FFFFFF"/>
@@ -14443,7 +14995,7 @@
                         </a:spcBef>
                       </a:pPr>
                       <a:r>
-                        <a:rPr dirty="0" sz="1400" spc="-5" b="1">
+                        <a:rPr sz="1400" b="1" spc="-5" dirty="0">
                           <a:solidFill>
                             <a:srgbClr val="FFFFFF"/>
                           </a:solidFill>
@@ -14453,7 +15005,7 @@
                         <a:t>Feedback</a:t>
                       </a:r>
                       <a:r>
-                        <a:rPr dirty="0" sz="1400" spc="-35" b="1">
+                        <a:rPr sz="1400" b="1" spc="-35" dirty="0">
                           <a:solidFill>
                             <a:srgbClr val="FFFFFF"/>
                           </a:solidFill>
@@ -14463,7 +15015,7 @@
                         <a:t> </a:t>
                       </a:r>
                       <a:r>
-                        <a:rPr dirty="0" sz="1400" spc="-10" b="1">
+                        <a:rPr sz="1400" b="1" spc="-10" dirty="0">
                           <a:solidFill>
                             <a:srgbClr val="FFFFFF"/>
                           </a:solidFill>
@@ -14478,7 +15030,7 @@
                       </a:endParaRPr>
                     </a:p>
                   </a:txBody>
-                  <a:tcPr marL="0" marR="0" marB="0" marT="34290">
+                  <a:tcPr marL="0" marR="0" marT="34290" marB="0">
                     <a:lnL w="12700">
                       <a:solidFill>
                         <a:srgbClr val="FFFFFF"/>
@@ -14522,7 +15074,7 @@
                         </a:spcBef>
                       </a:pPr>
                       <a:r>
-                        <a:rPr dirty="0" sz="1400" spc="-5" b="1">
+                        <a:rPr sz="1400" b="1" spc="-5" dirty="0">
                           <a:solidFill>
                             <a:srgbClr val="FFFFFF"/>
                           </a:solidFill>
@@ -14532,7 +15084,7 @@
                         <a:t>Modifications</a:t>
                       </a:r>
                       <a:r>
-                        <a:rPr dirty="0" sz="1400" spc="-45" b="1">
+                        <a:rPr sz="1400" b="1" spc="-45" dirty="0">
                           <a:solidFill>
                             <a:srgbClr val="FFFFFF"/>
                           </a:solidFill>
@@ -14542,7 +15094,7 @@
                         <a:t> </a:t>
                       </a:r>
                       <a:r>
-                        <a:rPr dirty="0" sz="1400" spc="-5" b="1">
+                        <a:rPr sz="1400" b="1" spc="-5" dirty="0">
                           <a:solidFill>
                             <a:srgbClr val="FFFFFF"/>
                           </a:solidFill>
@@ -14557,7 +15109,7 @@
                       </a:endParaRPr>
                     </a:p>
                   </a:txBody>
-                  <a:tcPr marL="0" marR="0" marB="0" marT="34290">
+                  <a:tcPr marL="0" marR="0" marT="34290" marB="0">
                     <a:lnL w="12700">
                       <a:solidFill>
                         <a:srgbClr val="FFFFFF"/>
@@ -14587,6 +15139,11 @@
                     </a:solidFill>
                   </a:tcPr>
                 </a:tc>
+                <a:extLst>
+                  <a:ext uri="{0D108BD9-81ED-4DB2-BD59-A6C34878D82A}">
+                    <a16:rowId xmlns:a16="http://schemas.microsoft.com/office/drawing/2014/main" val="10000"/>
+                  </a:ext>
+                </a:extLst>
               </a:tr>
               <a:tr h="370967">
                 <a:tc>
@@ -14605,7 +15162,7 @@
                       </a:endParaRPr>
                     </a:p>
                   </a:txBody>
-                  <a:tcPr marL="0" marR="0" marB="0" marT="0">
+                  <a:tcPr marL="0" marR="0" marT="0" marB="0">
                     <a:lnL w="12700">
                       <a:solidFill>
                         <a:srgbClr val="FFFFFF"/>
@@ -14651,7 +15208,7 @@
                       </a:endParaRPr>
                     </a:p>
                   </a:txBody>
-                  <a:tcPr marL="0" marR="0" marB="0" marT="0">
+                  <a:tcPr marL="0" marR="0" marT="0" marB="0">
                     <a:lnL w="12700">
                       <a:solidFill>
                         <a:srgbClr val="FFFFFF"/>
@@ -14697,7 +15254,7 @@
                       </a:endParaRPr>
                     </a:p>
                   </a:txBody>
-                  <a:tcPr marL="0" marR="0" marB="0" marT="0">
+                  <a:tcPr marL="0" marR="0" marT="0" marB="0">
                     <a:lnL w="12700">
                       <a:solidFill>
                         <a:srgbClr val="FFFFFF"/>
@@ -14743,7 +15300,7 @@
                       </a:endParaRPr>
                     </a:p>
                   </a:txBody>
-                  <a:tcPr marL="0" marR="0" marB="0" marT="0">
+                  <a:tcPr marL="0" marR="0" marT="0" marB="0">
                     <a:lnL w="12700">
                       <a:solidFill>
                         <a:srgbClr val="FFFFFF"/>
@@ -14773,6 +15330,11 @@
                     </a:solidFill>
                   </a:tcPr>
                 </a:tc>
+                <a:extLst>
+                  <a:ext uri="{0D108BD9-81ED-4DB2-BD59-A6C34878D82A}">
+                    <a16:rowId xmlns:a16="http://schemas.microsoft.com/office/drawing/2014/main" val="10001"/>
+                  </a:ext>
+                </a:extLst>
               </a:tr>
               <a:tr h="370966">
                 <a:tc>
@@ -14791,7 +15353,7 @@
                       </a:endParaRPr>
                     </a:p>
                   </a:txBody>
-                  <a:tcPr marL="0" marR="0" marB="0" marT="0">
+                  <a:tcPr marL="0" marR="0" marT="0" marB="0">
                     <a:lnL w="12700">
                       <a:solidFill>
                         <a:srgbClr val="FFFFFF"/>
@@ -14837,7 +15399,7 @@
                       </a:endParaRPr>
                     </a:p>
                   </a:txBody>
-                  <a:tcPr marL="0" marR="0" marB="0" marT="0">
+                  <a:tcPr marL="0" marR="0" marT="0" marB="0">
                     <a:lnL w="12700">
                       <a:solidFill>
                         <a:srgbClr val="FFFFFF"/>
@@ -14883,7 +15445,7 @@
                       </a:endParaRPr>
                     </a:p>
                   </a:txBody>
-                  <a:tcPr marL="0" marR="0" marB="0" marT="0">
+                  <a:tcPr marL="0" marR="0" marT="0" marB="0">
                     <a:lnL w="12700">
                       <a:solidFill>
                         <a:srgbClr val="FFFFFF"/>
@@ -14929,7 +15491,7 @@
                       </a:endParaRPr>
                     </a:p>
                   </a:txBody>
-                  <a:tcPr marL="0" marR="0" marB="0" marT="0">
+                  <a:tcPr marL="0" marR="0" marT="0" marB="0">
                     <a:lnL w="12700">
                       <a:solidFill>
                         <a:srgbClr val="FFFFFF"/>
@@ -14959,6 +15521,11 @@
                     </a:solidFill>
                   </a:tcPr>
                 </a:tc>
+                <a:extLst>
+                  <a:ext uri="{0D108BD9-81ED-4DB2-BD59-A6C34878D82A}">
+                    <a16:rowId xmlns:a16="http://schemas.microsoft.com/office/drawing/2014/main" val="10002"/>
+                  </a:ext>
+                </a:extLst>
               </a:tr>
             </a:tbl>
           </a:graphicData>
@@ -15004,10 +15571,12 @@
             <a:off x="113792" y="429005"/>
             <a:ext cx="2484120" cy="452120"/>
           </a:xfrm>
-          <a:prstGeom prst="rect"/>
+          <a:prstGeom prst="rect">
+            <a:avLst/>
+          </a:prstGeom>
         </p:spPr>
         <p:txBody>
-          <a:bodyPr wrap="square" lIns="0" tIns="12065" rIns="0" bIns="0" rtlCol="0" vert="horz">
+          <a:bodyPr vert="horz" wrap="square" lIns="0" tIns="12065" rIns="0" bIns="0" rtlCol="0">
             <a:spAutoFit/>
           </a:bodyPr>
           <a:lstStyle/>
@@ -15021,19 +15590,19 @@
               </a:spcBef>
             </a:pPr>
             <a:r>
-              <a:rPr dirty="0" spc="-5"/>
+              <a:rPr spc="-5" dirty="0"/>
               <a:t>6. </a:t>
             </a:r>
             <a:r>
-              <a:rPr dirty="0" spc="-10"/>
+              <a:rPr spc="-10" dirty="0"/>
               <a:t>HTML</a:t>
             </a:r>
             <a:r>
-              <a:rPr dirty="0" spc="-125"/>
+              <a:rPr spc="-125" dirty="0"/>
               <a:t> </a:t>
             </a:r>
             <a:r>
-              <a:rPr dirty="0" spc="-5"/>
+              <a:rPr spc="-5" dirty="0"/>
               <a:t>Pages</a:t>
             </a:r>
           </a:p>
@@ -15063,7 +15632,9 @@
         <p:txBody>
           <a:bodyPr wrap="square" lIns="0" tIns="0" rIns="0" bIns="0" rtlCol="0"/>
           <a:lstStyle/>
-          <a:p/>
+          <a:p>
+            <a:endParaRPr/>
+          </a:p>
         </p:txBody>
       </p:sp>
       <p:sp>
@@ -15090,7 +15661,9 @@
         <p:txBody>
           <a:bodyPr wrap="square" lIns="0" tIns="0" rIns="0" bIns="0" rtlCol="0"/>
           <a:lstStyle/>
-          <a:p/>
+          <a:p>
+            <a:endParaRPr/>
+          </a:p>
         </p:txBody>
       </p:sp>
       <p:sp>
@@ -15138,7 +15711,9 @@
         <p:txBody>
           <a:bodyPr wrap="square" lIns="0" tIns="0" rIns="0" bIns="0" rtlCol="0"/>
           <a:lstStyle/>
-          <a:p/>
+          <a:p>
+            <a:endParaRPr/>
+          </a:p>
         </p:txBody>
       </p:sp>
       <p:sp>
@@ -15188,7 +15763,9 @@
         <p:txBody>
           <a:bodyPr wrap="square" lIns="0" tIns="0" rIns="0" bIns="0" rtlCol="0"/>
           <a:lstStyle/>
-          <a:p/>
+          <a:p>
+            <a:endParaRPr/>
+          </a:p>
         </p:txBody>
       </p:sp>
       <p:sp>
@@ -15207,7 +15784,7 @@
           </a:prstGeom>
         </p:spPr>
         <p:txBody>
-          <a:bodyPr wrap="square" lIns="0" tIns="13335" rIns="0" bIns="0" rtlCol="0" vert="horz">
+          <a:bodyPr vert="horz" wrap="square" lIns="0" tIns="13335" rIns="0" bIns="0" rtlCol="0">
             <a:spAutoFit/>
           </a:bodyPr>
           <a:lstStyle/>
@@ -15226,35 +15803,35 @@
               </a:tabLst>
             </a:pPr>
             <a:r>
-              <a:rPr dirty="0" sz="2000" spc="-5" b="1">
+              <a:rPr sz="2000" b="1" spc="-5" dirty="0">
                 <a:latin typeface="Calibri"/>
                 <a:cs typeface="Calibri"/>
               </a:rPr>
               <a:t>Screen </a:t>
             </a:r>
             <a:r>
-              <a:rPr dirty="0" sz="2000" spc="-10" b="1">
+              <a:rPr sz="2000" b="1" spc="-10" dirty="0">
                 <a:latin typeface="Calibri"/>
                 <a:cs typeface="Calibri"/>
               </a:rPr>
               <a:t>capture </a:t>
             </a:r>
             <a:r>
-              <a:rPr dirty="0" sz="2000" b="1">
+              <a:rPr sz="2000" b="1" dirty="0">
                 <a:latin typeface="Calibri"/>
                 <a:cs typeface="Calibri"/>
               </a:rPr>
               <a:t>of</a:t>
             </a:r>
             <a:r>
-              <a:rPr dirty="0" sz="2000" spc="-50" b="1">
+              <a:rPr sz="2000" b="1" spc="-50" dirty="0">
                 <a:latin typeface="Calibri"/>
                 <a:cs typeface="Calibri"/>
               </a:rPr>
               <a:t> </a:t>
             </a:r>
             <a:r>
-              <a:rPr dirty="0" sz="2000" spc="-15" b="1">
+              <a:rPr sz="2000" b="1" spc="-15" dirty="0">
                 <a:latin typeface="Calibri"/>
                 <a:cs typeface="Calibri"/>
               </a:rPr>

--- a/AC_WD_M3_UI_Frameworks_ITSF_Project_Presentation_V3.pptx
+++ b/AC_WD_M3_UI_Frameworks_ITSF_Project_Presentation_V3.pptx
@@ -282,7 +282,7 @@
           <a:p>
             <a:fld id="{1D8BD707-D9CF-40AE-B4C6-C98DA3205C09}" type="datetimeFigureOut">
               <a:rPr lang="en-US"/>
-              <a:t>1/11/2023</a:t>
+              <a:t>1/18/2023</a:t>
             </a:fld>
             <a:endParaRPr lang="en-US"/>
           </a:p>
@@ -457,7 +457,7 @@
           <a:p>
             <a:fld id="{1D8BD707-D9CF-40AE-B4C6-C98DA3205C09}" type="datetimeFigureOut">
               <a:rPr lang="en-US"/>
-              <a:t>1/11/2023</a:t>
+              <a:t>1/18/2023</a:t>
             </a:fld>
             <a:endParaRPr lang="en-US"/>
           </a:p>
@@ -671,7 +671,7 @@
           <a:p>
             <a:fld id="{1D8BD707-D9CF-40AE-B4C6-C98DA3205C09}" type="datetimeFigureOut">
               <a:rPr lang="en-US"/>
-              <a:t>1/11/2023</a:t>
+              <a:t>1/18/2023</a:t>
             </a:fld>
             <a:endParaRPr lang="en-US"/>
           </a:p>
@@ -819,7 +819,7 @@
           <a:p>
             <a:fld id="{1D8BD707-D9CF-40AE-B4C6-C98DA3205C09}" type="datetimeFigureOut">
               <a:rPr lang="en-US"/>
-              <a:t>1/11/2023</a:t>
+              <a:t>1/18/2023</a:t>
             </a:fld>
             <a:endParaRPr lang="en-US"/>
           </a:p>
@@ -938,7 +938,7 @@
           <a:p>
             <a:fld id="{1D8BD707-D9CF-40AE-B4C6-C98DA3205C09}" type="datetimeFigureOut">
               <a:rPr lang="en-US"/>
-              <a:t>1/11/2023</a:t>
+              <a:t>1/18/2023</a:t>
             </a:fld>
             <a:endParaRPr lang="en-US"/>
           </a:p>
@@ -1219,7 +1219,7 @@
           <a:p>
             <a:fld id="{1D8BD707-D9CF-40AE-B4C6-C98DA3205C09}" type="datetimeFigureOut">
               <a:rPr lang="en-US"/>
-              <a:t>1/11/2023</a:t>
+              <a:t>1/18/2023</a:t>
             </a:fld>
             <a:endParaRPr lang="en-US"/>
           </a:p>
@@ -2288,6 +2288,131 @@
           </a:p>
         </p:txBody>
       </p:sp>
+      <p:sp>
+        <p:nvSpPr>
+          <p:cNvPr id="16" name="TextBox 15">
+            <a:extLst>
+              <a:ext uri="{FF2B5EF4-FFF2-40B4-BE49-F238E27FC236}">
+                <a16:creationId xmlns:a16="http://schemas.microsoft.com/office/drawing/2014/main" id="{A7507E2A-2118-CB2D-9CA6-254A3137DEBC}"/>
+              </a:ext>
+            </a:extLst>
+          </p:cNvPr>
+          <p:cNvSpPr txBox="1"/>
+          <p:nvPr/>
+        </p:nvSpPr>
+        <p:spPr>
+          <a:xfrm>
+            <a:off x="1143000" y="1295400"/>
+            <a:ext cx="4618566" cy="5355312"/>
+          </a:xfrm>
+          <a:prstGeom prst="rect">
+            <a:avLst/>
+          </a:prstGeom>
+          <a:noFill/>
+        </p:spPr>
+        <p:txBody>
+          <a:bodyPr wrap="square">
+            <a:spAutoFit/>
+          </a:bodyPr>
+          <a:lstStyle/>
+          <a:p>
+            <a:r>
+              <a:rPr lang="en-SG" dirty="0"/>
+              <a:t>1.	TSR: Task Success Rate</a:t>
+            </a:r>
+          </a:p>
+          <a:p>
+            <a:r>
+              <a:rPr lang="en-SG" dirty="0"/>
+              <a:t>User 1	User 2	User 3	User 4	User 5</a:t>
+            </a:r>
+          </a:p>
+          <a:p>
+            <a:r>
+              <a:rPr lang="en-SG" dirty="0"/>
+              <a:t>144sec	75sec	105sec	59sec	65sec</a:t>
+            </a:r>
+          </a:p>
+          <a:p>
+            <a:r>
+              <a:rPr lang="en-SG" dirty="0"/>
+              <a:t>Time on task is : 89.6 sec</a:t>
+            </a:r>
+          </a:p>
+          <a:p>
+            <a:r>
+              <a:rPr lang="en-SG" dirty="0"/>
+              <a:t>2.	UER</a:t>
+            </a:r>
+          </a:p>
+          <a:p>
+            <a:endParaRPr lang="en-SG" dirty="0"/>
+          </a:p>
+          <a:p>
+            <a:r>
+              <a:rPr lang="en-SG" dirty="0"/>
+              <a:t>A possible of 3 errors</a:t>
+            </a:r>
+          </a:p>
+          <a:p>
+            <a:r>
+              <a:rPr lang="en-SG" dirty="0"/>
+              <a:t>User 1	User 2	User 3	User 4	User 5</a:t>
+            </a:r>
+          </a:p>
+          <a:p>
+            <a:r>
+              <a:rPr lang="en-SG" dirty="0"/>
+              <a:t>0	0	0	0	0</a:t>
+            </a:r>
+          </a:p>
+          <a:p>
+            <a:r>
+              <a:rPr lang="en-SG" dirty="0"/>
+              <a:t>Error rate is : 0% error rate</a:t>
+            </a:r>
+          </a:p>
+          <a:p>
+            <a:endParaRPr lang="en-SG" dirty="0"/>
+          </a:p>
+          <a:p>
+            <a:r>
+              <a:rPr lang="en-SG" dirty="0"/>
+              <a:t>3.	NPS</a:t>
+            </a:r>
+          </a:p>
+          <a:p>
+            <a:r>
+              <a:rPr lang="en-SG" dirty="0"/>
+              <a:t>From a survey done (1 ~ 3 : detractors, 4: Passive, 5 Promoter)</a:t>
+            </a:r>
+          </a:p>
+          <a:p>
+            <a:endParaRPr lang="en-SG" dirty="0"/>
+          </a:p>
+          <a:p>
+            <a:r>
+              <a:rPr lang="en-SG" dirty="0"/>
+              <a:t>User 1	User 2	User 3	User 4	User 5</a:t>
+            </a:r>
+          </a:p>
+          <a:p>
+            <a:r>
+              <a:rPr lang="en-SG" dirty="0"/>
+              <a:t>3	4	3	5	4</a:t>
+            </a:r>
+          </a:p>
+          <a:p>
+            <a:endParaRPr lang="en-SG" dirty="0"/>
+          </a:p>
+          <a:p>
+            <a:r>
+              <a:rPr lang="en-SG" dirty="0"/>
+              <a:t>Net Promoter score is : -20% score</a:t>
+            </a:r>
+          </a:p>
+        </p:txBody>
+      </p:sp>
     </p:spTree>
   </p:cSld>
   <p:clrMapOvr>
@@ -2361,6 +2486,161 @@
             <a:r>
               <a:rPr spc="-5" dirty="0"/>
               <a:t>Steps</a:t>
+            </a:r>
+          </a:p>
+        </p:txBody>
+      </p:sp>
+      <p:sp>
+        <p:nvSpPr>
+          <p:cNvPr id="8" name="TextBox 7">
+            <a:extLst>
+              <a:ext uri="{FF2B5EF4-FFF2-40B4-BE49-F238E27FC236}">
+                <a16:creationId xmlns:a16="http://schemas.microsoft.com/office/drawing/2014/main" id="{A95C665B-1BB8-1C83-C4BB-12D2A19DF0E1}"/>
+              </a:ext>
+            </a:extLst>
+          </p:cNvPr>
+          <p:cNvSpPr txBox="1"/>
+          <p:nvPr/>
+        </p:nvSpPr>
+        <p:spPr>
+          <a:xfrm>
+            <a:off x="304800" y="1219200"/>
+            <a:ext cx="6529916" cy="5442516"/>
+          </a:xfrm>
+          <a:prstGeom prst="rect">
+            <a:avLst/>
+          </a:prstGeom>
+          <a:noFill/>
+        </p:spPr>
+        <p:txBody>
+          <a:bodyPr wrap="square">
+            <a:spAutoFit/>
+          </a:bodyPr>
+          <a:lstStyle/>
+          <a:p>
+            <a:pPr marL="540385" marR="490855" indent="0">
+              <a:lnSpc>
+                <a:spcPct val="150000"/>
+              </a:lnSpc>
+              <a:spcBef>
+                <a:spcPts val="1200"/>
+              </a:spcBef>
+              <a:spcAft>
+                <a:spcPts val="0"/>
+              </a:spcAft>
+            </a:pPr>
+            <a:r>
+              <a:rPr lang="en-SG" sz="1800" dirty="0">
+                <a:effectLst/>
+                <a:latin typeface="Arial" panose="020B0604020202020204" pitchFamily="34" charset="0"/>
+                <a:ea typeface="Cambria" panose="02040503050406030204" pitchFamily="18" charset="0"/>
+              </a:rPr>
+              <a:t>The questionnaire consists of 3 parts; Pre-Test, trial Test &amp; Post test.</a:t>
+            </a:r>
+            <a:br>
+              <a:rPr lang="en-SG" sz="1800" dirty="0">
+                <a:effectLst/>
+                <a:latin typeface="Arial" panose="020B0604020202020204" pitchFamily="34" charset="0"/>
+                <a:ea typeface="Cambria" panose="02040503050406030204" pitchFamily="18" charset="0"/>
+              </a:rPr>
+            </a:br>
+            <a:r>
+              <a:rPr lang="en-SG" sz="1800" dirty="0">
+                <a:effectLst/>
+                <a:latin typeface="Arial" panose="020B0604020202020204" pitchFamily="34" charset="0"/>
+                <a:ea typeface="Cambria" panose="02040503050406030204" pitchFamily="18" charset="0"/>
+              </a:rPr>
+              <a:t>The Pre-test checks on the user demography</a:t>
+            </a:r>
+            <a:br>
+              <a:rPr lang="en-SG" sz="1800" dirty="0">
+                <a:effectLst/>
+                <a:latin typeface="Arial" panose="020B0604020202020204" pitchFamily="34" charset="0"/>
+                <a:ea typeface="Cambria" panose="02040503050406030204" pitchFamily="18" charset="0"/>
+              </a:rPr>
+            </a:br>
+            <a:r>
+              <a:rPr lang="en-SG" sz="1800" dirty="0">
+                <a:effectLst/>
+                <a:latin typeface="Arial" panose="020B0604020202020204" pitchFamily="34" charset="0"/>
+                <a:ea typeface="Cambria" panose="02040503050406030204" pitchFamily="18" charset="0"/>
+              </a:rPr>
+              <a:t>The trial test observes the user time to use the website without the questioner interfering the test. Expectations and goals are explained prior the trial test.</a:t>
+            </a:r>
+            <a:br>
+              <a:rPr lang="en-SG" sz="1800" dirty="0">
+                <a:effectLst/>
+                <a:latin typeface="Arial" panose="020B0604020202020204" pitchFamily="34" charset="0"/>
+                <a:ea typeface="Cambria" panose="02040503050406030204" pitchFamily="18" charset="0"/>
+              </a:rPr>
+            </a:br>
+            <a:r>
+              <a:rPr lang="en-SG" sz="1800" dirty="0">
+                <a:effectLst/>
+                <a:latin typeface="Arial" panose="020B0604020202020204" pitchFamily="34" charset="0"/>
+                <a:ea typeface="Cambria" panose="02040503050406030204" pitchFamily="18" charset="0"/>
+              </a:rPr>
+              <a:t>Tester are given the following information:</a:t>
+            </a:r>
+            <a:br>
+              <a:rPr lang="en-SG" sz="1800" dirty="0">
+                <a:effectLst/>
+                <a:latin typeface="Arial" panose="020B0604020202020204" pitchFamily="34" charset="0"/>
+                <a:ea typeface="Cambria" panose="02040503050406030204" pitchFamily="18" charset="0"/>
+              </a:rPr>
+            </a:br>
+            <a:r>
+              <a:rPr lang="en-SG" sz="1800" dirty="0">
+                <a:effectLst/>
+                <a:latin typeface="Arial" panose="020B0604020202020204" pitchFamily="34" charset="0"/>
+                <a:ea typeface="Cambria" panose="02040503050406030204" pitchFamily="18" charset="0"/>
+              </a:rPr>
+              <a:t>Email: user1</a:t>
+            </a:r>
+            <a:br>
+              <a:rPr lang="en-SG" sz="1800" dirty="0">
+                <a:effectLst/>
+                <a:latin typeface="Arial" panose="020B0604020202020204" pitchFamily="34" charset="0"/>
+                <a:ea typeface="Cambria" panose="02040503050406030204" pitchFamily="18" charset="0"/>
+              </a:rPr>
+            </a:br>
+            <a:r>
+              <a:rPr lang="en-SG" sz="1800" dirty="0">
+                <a:effectLst/>
+                <a:latin typeface="Arial" panose="020B0604020202020204" pitchFamily="34" charset="0"/>
+                <a:ea typeface="Cambria" panose="02040503050406030204" pitchFamily="18" charset="0"/>
+              </a:rPr>
+              <a:t>Password:123</a:t>
+            </a:r>
+            <a:br>
+              <a:rPr lang="en-SG" sz="1800" dirty="0">
+                <a:effectLst/>
+                <a:latin typeface="Arial" panose="020B0604020202020204" pitchFamily="34" charset="0"/>
+                <a:ea typeface="Cambria" panose="02040503050406030204" pitchFamily="18" charset="0"/>
+              </a:rPr>
+            </a:br>
+            <a:r>
+              <a:rPr lang="en-SG" sz="1800" dirty="0">
+                <a:effectLst/>
+                <a:latin typeface="Arial" panose="020B0604020202020204" pitchFamily="34" charset="0"/>
+                <a:ea typeface="Cambria" panose="02040503050406030204" pitchFamily="18" charset="0"/>
+              </a:rPr>
+              <a:t>Goal:</a:t>
+            </a:r>
+            <a:br>
+              <a:rPr lang="en-SG" sz="1800" dirty="0">
+                <a:effectLst/>
+                <a:latin typeface="Arial" panose="020B0604020202020204" pitchFamily="34" charset="0"/>
+                <a:ea typeface="Cambria" panose="02040503050406030204" pitchFamily="18" charset="0"/>
+              </a:rPr>
+            </a:br>
+            <a:r>
+              <a:rPr lang="en-SG" sz="1800" dirty="0">
+                <a:effectLst/>
+                <a:latin typeface="Arial" panose="020B0604020202020204" pitchFamily="34" charset="0"/>
+                <a:ea typeface="Cambria" panose="02040503050406030204" pitchFamily="18" charset="0"/>
+              </a:rPr>
+              <a:t>Login -&gt; Key in email and password -&gt; profile page -&gt; edit username -&gt;go main page-&gt; </a:t>
             </a:r>
           </a:p>
         </p:txBody>
@@ -2442,6 +2722,88 @@
           </a:p>
         </p:txBody>
       </p:sp>
+      <p:pic>
+        <p:nvPicPr>
+          <p:cNvPr id="3" name="Picture 2">
+            <a:extLst>
+              <a:ext uri="{FF2B5EF4-FFF2-40B4-BE49-F238E27FC236}">
+                <a16:creationId xmlns:a16="http://schemas.microsoft.com/office/drawing/2014/main" id="{964F4B98-6F7A-B817-7F15-6DD63A4CC592}"/>
+              </a:ext>
+            </a:extLst>
+          </p:cNvPr>
+          <p:cNvPicPr>
+            <a:picLocks noChangeAspect="1"/>
+          </p:cNvPicPr>
+          <p:nvPr/>
+        </p:nvPicPr>
+        <p:blipFill>
+          <a:blip r:embed="rId2">
+            <a:extLst>
+              <a:ext uri="{28A0092B-C50C-407E-A947-70E740481C1C}">
+                <a14:useLocalDpi xmlns:a14="http://schemas.microsoft.com/office/drawing/2010/main" val="0"/>
+              </a:ext>
+            </a:extLst>
+          </a:blip>
+          <a:srcRect/>
+          <a:stretch>
+            <a:fillRect/>
+          </a:stretch>
+        </p:blipFill>
+        <p:spPr bwMode="auto">
+          <a:xfrm>
+            <a:off x="304800" y="1371600"/>
+            <a:ext cx="1828800" cy="5116338"/>
+          </a:xfrm>
+          <a:prstGeom prst="rect">
+            <a:avLst/>
+          </a:prstGeom>
+          <a:noFill/>
+          <a:ln>
+            <a:noFill/>
+          </a:ln>
+        </p:spPr>
+      </p:pic>
+      <p:pic>
+        <p:nvPicPr>
+          <p:cNvPr id="4" name="Picture 3">
+            <a:extLst>
+              <a:ext uri="{FF2B5EF4-FFF2-40B4-BE49-F238E27FC236}">
+                <a16:creationId xmlns:a16="http://schemas.microsoft.com/office/drawing/2014/main" id="{C97ACB38-00E7-5157-D480-12522EA770F9}"/>
+              </a:ext>
+            </a:extLst>
+          </p:cNvPr>
+          <p:cNvPicPr>
+            <a:picLocks noChangeAspect="1"/>
+          </p:cNvPicPr>
+          <p:nvPr/>
+        </p:nvPicPr>
+        <p:blipFill>
+          <a:blip r:embed="rId3">
+            <a:extLst>
+              <a:ext uri="{28A0092B-C50C-407E-A947-70E740481C1C}">
+                <a14:useLocalDpi xmlns:a14="http://schemas.microsoft.com/office/drawing/2010/main" val="0"/>
+              </a:ext>
+            </a:extLst>
+          </a:blip>
+          <a:srcRect/>
+          <a:stretch>
+            <a:fillRect/>
+          </a:stretch>
+        </p:blipFill>
+        <p:spPr bwMode="auto">
+          <a:xfrm>
+            <a:off x="4114800" y="1371600"/>
+            <a:ext cx="2057400" cy="4966806"/>
+          </a:xfrm>
+          <a:prstGeom prst="rect">
+            <a:avLst/>
+          </a:prstGeom>
+          <a:noFill/>
+          <a:ln>
+            <a:noFill/>
+          </a:ln>
+        </p:spPr>
+      </p:pic>
     </p:spTree>
   </p:cSld>
   <p:clrMapOvr>
@@ -13363,7 +13725,7 @@
         <p:spPr>
           <a:xfrm>
             <a:off x="186639" y="1128083"/>
-            <a:ext cx="4495165" cy="1316990"/>
+            <a:ext cx="4495165" cy="1822935"/>
           </a:xfrm>
           <a:prstGeom prst="rect">
             <a:avLst/>
@@ -13423,7 +13785,7 @@
               </a:rPr>
               <a:t>captures</a:t>
             </a:r>
-            <a:endParaRPr sz="2000">
+            <a:endParaRPr sz="2000" dirty="0">
               <a:latin typeface="Calibri"/>
               <a:cs typeface="Calibri"/>
             </a:endParaRPr>
@@ -13444,71 +13806,21 @@
               </a:tabLst>
             </a:pPr>
             <a:r>
-              <a:rPr sz="1800" spc="-10" dirty="0">
+              <a:rPr lang="en-US" sz="1800" spc="-10" dirty="0">
                 <a:latin typeface="Calibri"/>
                 <a:cs typeface="Calibri"/>
               </a:rPr>
-              <a:t>&lt;List </a:t>
-            </a:r>
-            <a:r>
-              <a:rPr sz="1800" dirty="0">
-                <a:latin typeface="Calibri"/>
-                <a:cs typeface="Calibri"/>
-              </a:rPr>
-              <a:t>the </a:t>
-            </a:r>
-            <a:r>
-              <a:rPr sz="1800" spc="-40" dirty="0">
-                <a:latin typeface="Calibri"/>
-                <a:cs typeface="Calibri"/>
-              </a:rPr>
-              <a:t>Tools </a:t>
-            </a:r>
-            <a:r>
-              <a:rPr sz="1800" dirty="0">
-                <a:latin typeface="Calibri"/>
-                <a:cs typeface="Calibri"/>
-              </a:rPr>
-              <a:t>&amp; </a:t>
-            </a:r>
-            <a:r>
-              <a:rPr sz="1800" spc="-5" dirty="0">
-                <a:latin typeface="Calibri"/>
-                <a:cs typeface="Calibri"/>
-              </a:rPr>
-              <a:t>Their </a:t>
-            </a:r>
-            <a:r>
-              <a:rPr sz="1800" spc="-10" dirty="0">
-                <a:latin typeface="Calibri"/>
-                <a:cs typeface="Calibri"/>
-              </a:rPr>
-              <a:t>Screen</a:t>
-            </a:r>
-            <a:r>
-              <a:rPr sz="1800" spc="85" dirty="0">
-                <a:latin typeface="Calibri"/>
-                <a:cs typeface="Calibri"/>
-              </a:rPr>
-              <a:t> </a:t>
-            </a:r>
-            <a:r>
-              <a:rPr sz="1800" spc="-10" dirty="0">
-                <a:latin typeface="Calibri"/>
-                <a:cs typeface="Calibri"/>
-              </a:rPr>
-              <a:t>Captures&gt;</a:t>
-            </a:r>
-            <a:endParaRPr sz="1800">
-              <a:latin typeface="Calibri"/>
-              <a:cs typeface="Calibri"/>
-            </a:endParaRPr>
+              <a:t>Axure RP tool</a:t>
+            </a:r>
           </a:p>
           <a:p>
             <a:pPr marL="756285" lvl="1" indent="-286385">
               <a:lnSpc>
                 <a:spcPct val="100000"/>
               </a:lnSpc>
+              <a:spcBef>
+                <a:spcPts val="610"/>
+              </a:spcBef>
               <a:buFont typeface="Wingdings"/>
               <a:buChar char=""/>
               <a:tabLst>
@@ -13517,22 +13829,21 @@
               </a:tabLst>
             </a:pPr>
             <a:r>
-              <a:rPr sz="1800" spc="5" dirty="0">
+              <a:rPr lang="en-US" sz="1800" spc="-10" dirty="0">
                 <a:latin typeface="Calibri"/>
                 <a:cs typeface="Calibri"/>
               </a:rPr>
-              <a:t>……</a:t>
-            </a:r>
-            <a:endParaRPr sz="1800">
-              <a:latin typeface="Calibri"/>
-              <a:cs typeface="Calibri"/>
-            </a:endParaRPr>
+              <a:t>Word</a:t>
+            </a:r>
           </a:p>
           <a:p>
             <a:pPr marL="756285" lvl="1" indent="-286385">
               <a:lnSpc>
                 <a:spcPct val="100000"/>
               </a:lnSpc>
+              <a:spcBef>
+                <a:spcPts val="610"/>
+              </a:spcBef>
               <a:buFont typeface="Wingdings"/>
               <a:buChar char=""/>
               <a:tabLst>
@@ -13541,19 +13852,68 @@
               </a:tabLst>
             </a:pPr>
             <a:r>
-              <a:rPr sz="1800" spc="5" dirty="0">
+              <a:rPr lang="en-US" sz="1800" spc="-10" dirty="0">
                 <a:latin typeface="Calibri"/>
                 <a:cs typeface="Calibri"/>
               </a:rPr>
-              <a:t>……</a:t>
-            </a:r>
-            <a:endParaRPr sz="1800">
-              <a:latin typeface="Calibri"/>
-              <a:cs typeface="Calibri"/>
-            </a:endParaRPr>
+              <a:t>Microsoft Excel</a:t>
+            </a:r>
+          </a:p>
+          <a:p>
+            <a:pPr marL="756285" lvl="1" indent="-286385">
+              <a:lnSpc>
+                <a:spcPct val="100000"/>
+              </a:lnSpc>
+              <a:spcBef>
+                <a:spcPts val="610"/>
+              </a:spcBef>
+              <a:buFont typeface="Wingdings"/>
+              <a:buChar char=""/>
+              <a:tabLst>
+                <a:tab pos="756285" algn="l"/>
+                <a:tab pos="756920" algn="l"/>
+              </a:tabLst>
+            </a:pPr>
+            <a:r>
+              <a:rPr lang="en-US" sz="1800" spc="-10" dirty="0">
+                <a:latin typeface="Calibri"/>
+                <a:cs typeface="Calibri"/>
+              </a:rPr>
+              <a:t>Google Chrome</a:t>
+            </a:r>
           </a:p>
         </p:txBody>
       </p:sp>
+      <p:pic>
+        <p:nvPicPr>
+          <p:cNvPr id="9" name="Picture 8">
+            <a:extLst>
+              <a:ext uri="{FF2B5EF4-FFF2-40B4-BE49-F238E27FC236}">
+                <a16:creationId xmlns:a16="http://schemas.microsoft.com/office/drawing/2014/main" id="{CEB65D85-EF84-8E3A-BCA9-265DC109400F}"/>
+              </a:ext>
+            </a:extLst>
+          </p:cNvPr>
+          <p:cNvPicPr>
+            <a:picLocks noChangeAspect="1"/>
+          </p:cNvPicPr>
+          <p:nvPr/>
+        </p:nvPicPr>
+        <p:blipFill>
+          <a:blip r:embed="rId4"/>
+          <a:stretch>
+            <a:fillRect/>
+          </a:stretch>
+        </p:blipFill>
+        <p:spPr>
+          <a:xfrm>
+            <a:off x="838200" y="2941915"/>
+            <a:ext cx="6690360" cy="3763328"/>
+          </a:xfrm>
+          <a:prstGeom prst="rect">
+            <a:avLst/>
+          </a:prstGeom>
+        </p:spPr>
+      </p:pic>
     </p:spTree>
   </p:cSld>
   <p:clrMapOvr>
@@ -13731,7 +14091,7 @@
           <a:bodyPr wrap="square" lIns="0" tIns="0" rIns="0" bIns="0" rtlCol="0"/>
           <a:lstStyle/>
           <a:p>
-            <a:endParaRPr/>
+            <a:endParaRPr dirty="0"/>
           </a:p>
         </p:txBody>
       </p:sp>
@@ -13849,10 +14209,58 @@
               </a:rPr>
               <a:t>techniques</a:t>
             </a:r>
-            <a:endParaRPr sz="2000">
+            <a:endParaRPr sz="2000" dirty="0">
               <a:latin typeface="Calibri"/>
               <a:cs typeface="Calibri"/>
             </a:endParaRPr>
+          </a:p>
+        </p:txBody>
+      </p:sp>
+      <p:sp>
+        <p:nvSpPr>
+          <p:cNvPr id="8" name="TextBox 7">
+            <a:extLst>
+              <a:ext uri="{FF2B5EF4-FFF2-40B4-BE49-F238E27FC236}">
+                <a16:creationId xmlns:a16="http://schemas.microsoft.com/office/drawing/2014/main" id="{975ADCC2-BBDC-8F36-FF08-E3F876374B43}"/>
+              </a:ext>
+            </a:extLst>
+          </p:cNvPr>
+          <p:cNvSpPr txBox="1"/>
+          <p:nvPr/>
+        </p:nvSpPr>
+        <p:spPr>
+          <a:xfrm>
+            <a:off x="381000" y="1736343"/>
+            <a:ext cx="4419600" cy="923330"/>
+          </a:xfrm>
+          <a:prstGeom prst="rect">
+            <a:avLst/>
+          </a:prstGeom>
+          <a:noFill/>
+        </p:spPr>
+        <p:txBody>
+          <a:bodyPr wrap="square" rtlCol="0">
+            <a:spAutoFit/>
+          </a:bodyPr>
+          <a:lstStyle/>
+          <a:p>
+            <a:r>
+              <a:rPr lang="en-US" dirty="0"/>
+              <a:t>1 on 1 interview questions </a:t>
+            </a:r>
+          </a:p>
+          <a:p>
+            <a:r>
+              <a:rPr lang="en-US" dirty="0"/>
+              <a:t>consisting of pre test questions </a:t>
+            </a:r>
+          </a:p>
+          <a:p>
+            <a:r>
+              <a:rPr lang="en-US" dirty="0"/>
+              <a:t>followed by a trial run and post test question</a:t>
+            </a:r>
+            <a:endParaRPr lang="en-SG" dirty="0"/>
           </a:p>
         </p:txBody>
       </p:sp>
@@ -14199,11 +14607,17 @@
           <p:cNvGraphicFramePr>
             <a:graphicFrameLocks noGrp="1"/>
           </p:cNvGraphicFramePr>
-          <p:nvPr/>
+          <p:nvPr>
+            <p:extLst>
+              <p:ext uri="{D42A27DB-BD31-4B8C-83A1-F6EECF244321}">
+                <p14:modId xmlns:p14="http://schemas.microsoft.com/office/powerpoint/2010/main" val="2469131770"/>
+              </p:ext>
+            </p:extLst>
+          </p:nvPr>
         </p:nvGraphicFramePr>
         <p:xfrm>
-          <a:off x="317500" y="1819275"/>
-          <a:ext cx="8352155" cy="741426"/>
+          <a:off x="317500" y="1819274"/>
+          <a:ext cx="8352155" cy="2643189"/>
         </p:xfrm>
         <a:graphic>
           <a:graphicData uri="http://schemas.openxmlformats.org/drawingml/2006/table">
@@ -14227,7 +14641,7 @@
                   </a:extLst>
                 </a:gridCol>
               </a:tblGrid>
-              <a:tr h="370713">
+              <a:tr h="314326">
                 <a:tc>
                   <a:txBody>
                     <a:bodyPr/>
@@ -14392,7 +14806,7 @@
                   </a:ext>
                 </a:extLst>
               </a:tr>
-              <a:tr h="370713">
+              <a:tr h="332695">
                 <a:tc>
                   <a:txBody>
                     <a:bodyPr/>
@@ -14403,7 +14817,14 @@
                           <a:spcPct val="100000"/>
                         </a:lnSpc>
                       </a:pPr>
-                      <a:endParaRPr sz="2100">
+                      <a:r>
+                        <a:rPr lang="en-US" sz="2100" dirty="0">
+                          <a:latin typeface="Times New Roman"/>
+                          <a:cs typeface="Times New Roman"/>
+                        </a:rPr>
+                        <a:t>1</a:t>
+                      </a:r>
+                      <a:endParaRPr sz="2100" dirty="0">
                         <a:latin typeface="Times New Roman"/>
                         <a:cs typeface="Times New Roman"/>
                       </a:endParaRPr>
@@ -14428,11 +14849,14 @@
                       </a:solidFill>
                       <a:prstDash val="solid"/>
                     </a:lnT>
-                    <a:lnB w="12700">
-                      <a:solidFill>
-                        <a:srgbClr val="FFFFFF"/>
-                      </a:solidFill>
-                      <a:prstDash val="solid"/>
+                    <a:lnB w="12700" cap="flat" cmpd="sng" algn="ctr">
+                      <a:solidFill>
+                        <a:srgbClr val="FFFFFF"/>
+                      </a:solidFill>
+                      <a:prstDash val="solid"/>
+                      <a:round/>
+                      <a:headEnd type="none" w="med" len="med"/>
+                      <a:tailEnd type="none" w="med" len="med"/>
                     </a:lnB>
                     <a:solidFill>
                       <a:srgbClr val="D0D7E8"/>
@@ -14449,10 +14873,13 @@
                           <a:spcPct val="100000"/>
                         </a:lnSpc>
                       </a:pPr>
-                      <a:endParaRPr sz="2100">
-                        <a:latin typeface="Times New Roman"/>
-                        <a:cs typeface="Times New Roman"/>
-                      </a:endParaRPr>
+                      <a:r>
+                        <a:rPr lang="en-US" sz="2100" dirty="0">
+                          <a:latin typeface="Times New Roman"/>
+                          <a:cs typeface="Times New Roman"/>
+                        </a:rPr>
+                        <a:t>Landing Page</a:t>
+                      </a:r>
                     </a:p>
                   </a:txBody>
                   <a:tcPr marL="0" marR="0" marT="0" marB="0">
@@ -14474,11 +14901,14 @@
                       </a:solidFill>
                       <a:prstDash val="solid"/>
                     </a:lnT>
-                    <a:lnB w="12700">
-                      <a:solidFill>
-                        <a:srgbClr val="FFFFFF"/>
-                      </a:solidFill>
-                      <a:prstDash val="solid"/>
+                    <a:lnB w="12700" cap="flat" cmpd="sng" algn="ctr">
+                      <a:solidFill>
+                        <a:srgbClr val="FFFFFF"/>
+                      </a:solidFill>
+                      <a:prstDash val="solid"/>
+                      <a:round/>
+                      <a:headEnd type="none" w="med" len="med"/>
+                      <a:tailEnd type="none" w="med" len="med"/>
                     </a:lnB>
                     <a:solidFill>
                       <a:srgbClr val="D0D7E8"/>
@@ -14488,6 +14918,798 @@
                 <a:extLst>
                   <a:ext uri="{0D108BD9-81ED-4DB2-BD59-A6C34878D82A}">
                     <a16:rowId xmlns:a16="http://schemas.microsoft.com/office/drawing/2014/main" val="10001"/>
+                  </a:ext>
+                </a:extLst>
+              </a:tr>
+              <a:tr h="332694">
+                <a:tc>
+                  <a:txBody>
+                    <a:bodyPr/>
+                    <a:lstStyle/>
+                    <a:p>
+                      <a:pPr>
+                        <a:lnSpc>
+                          <a:spcPct val="100000"/>
+                        </a:lnSpc>
+                      </a:pPr>
+                      <a:r>
+                        <a:rPr lang="en-US" sz="2100" dirty="0">
+                          <a:latin typeface="Times New Roman"/>
+                          <a:cs typeface="Times New Roman"/>
+                        </a:rPr>
+                        <a:t>2</a:t>
+                      </a:r>
+                      <a:endParaRPr sz="2100" dirty="0">
+                        <a:latin typeface="Times New Roman"/>
+                        <a:cs typeface="Times New Roman"/>
+                      </a:endParaRPr>
+                    </a:p>
+                  </a:txBody>
+                  <a:tcPr marL="0" marR="0" marT="0" marB="0">
+                    <a:lnL w="12700" cap="flat" cmpd="sng" algn="ctr">
+                      <a:solidFill>
+                        <a:srgbClr val="FFFFFF"/>
+                      </a:solidFill>
+                      <a:prstDash val="solid"/>
+                      <a:round/>
+                      <a:headEnd type="none" w="med" len="med"/>
+                      <a:tailEnd type="none" w="med" len="med"/>
+                    </a:lnL>
+                    <a:lnR w="12700" cap="flat" cmpd="sng" algn="ctr">
+                      <a:solidFill>
+                        <a:srgbClr val="FFFFFF"/>
+                      </a:solidFill>
+                      <a:prstDash val="solid"/>
+                      <a:round/>
+                      <a:headEnd type="none" w="med" len="med"/>
+                      <a:tailEnd type="none" w="med" len="med"/>
+                    </a:lnR>
+                    <a:lnT w="12700" cap="flat" cmpd="sng" algn="ctr">
+                      <a:solidFill>
+                        <a:srgbClr val="FFFFFF"/>
+                      </a:solidFill>
+                      <a:prstDash val="solid"/>
+                      <a:round/>
+                      <a:headEnd type="none" w="med" len="med"/>
+                      <a:tailEnd type="none" w="med" len="med"/>
+                    </a:lnT>
+                    <a:lnB w="12700" cap="flat" cmpd="sng" algn="ctr">
+                      <a:solidFill>
+                        <a:srgbClr val="FFFFFF"/>
+                      </a:solidFill>
+                      <a:prstDash val="solid"/>
+                      <a:round/>
+                      <a:headEnd type="none" w="med" len="med"/>
+                      <a:tailEnd type="none" w="med" len="med"/>
+                    </a:lnB>
+                    <a:solidFill>
+                      <a:srgbClr val="D0D7E8"/>
+                    </a:solidFill>
+                  </a:tcPr>
+                </a:tc>
+                <a:tc>
+                  <a:txBody>
+                    <a:bodyPr/>
+                    <a:lstStyle/>
+                    <a:p>
+                      <a:pPr>
+                        <a:lnSpc>
+                          <a:spcPct val="100000"/>
+                        </a:lnSpc>
+                      </a:pPr>
+                      <a:r>
+                        <a:rPr lang="en-US" sz="2100" dirty="0">
+                          <a:latin typeface="Times New Roman"/>
+                          <a:cs typeface="Times New Roman"/>
+                        </a:rPr>
+                        <a:t>Register + Forget Password + Reset Password Page</a:t>
+                      </a:r>
+                    </a:p>
+                  </a:txBody>
+                  <a:tcPr marL="0" marR="0" marT="0" marB="0">
+                    <a:lnL w="12700" cap="flat" cmpd="sng" algn="ctr">
+                      <a:solidFill>
+                        <a:srgbClr val="FFFFFF"/>
+                      </a:solidFill>
+                      <a:prstDash val="solid"/>
+                      <a:round/>
+                      <a:headEnd type="none" w="med" len="med"/>
+                      <a:tailEnd type="none" w="med" len="med"/>
+                    </a:lnL>
+                    <a:lnR w="12700" cap="flat" cmpd="sng" algn="ctr">
+                      <a:solidFill>
+                        <a:srgbClr val="FFFFFF"/>
+                      </a:solidFill>
+                      <a:prstDash val="solid"/>
+                      <a:round/>
+                      <a:headEnd type="none" w="med" len="med"/>
+                      <a:tailEnd type="none" w="med" len="med"/>
+                    </a:lnR>
+                    <a:lnT w="12700" cap="flat" cmpd="sng" algn="ctr">
+                      <a:solidFill>
+                        <a:srgbClr val="FFFFFF"/>
+                      </a:solidFill>
+                      <a:prstDash val="solid"/>
+                      <a:round/>
+                      <a:headEnd type="none" w="med" len="med"/>
+                      <a:tailEnd type="none" w="med" len="med"/>
+                    </a:lnT>
+                    <a:lnB w="12700" cap="flat" cmpd="sng" algn="ctr">
+                      <a:solidFill>
+                        <a:srgbClr val="FFFFFF"/>
+                      </a:solidFill>
+                      <a:prstDash val="solid"/>
+                      <a:round/>
+                      <a:headEnd type="none" w="med" len="med"/>
+                      <a:tailEnd type="none" w="med" len="med"/>
+                    </a:lnB>
+                    <a:solidFill>
+                      <a:srgbClr val="D0D7E8"/>
+                    </a:solidFill>
+                  </a:tcPr>
+                </a:tc>
+                <a:extLst>
+                  <a:ext uri="{0D108BD9-81ED-4DB2-BD59-A6C34878D82A}">
+                    <a16:rowId xmlns:a16="http://schemas.microsoft.com/office/drawing/2014/main" val="4010334601"/>
+                  </a:ext>
+                </a:extLst>
+              </a:tr>
+              <a:tr h="332695">
+                <a:tc>
+                  <a:txBody>
+                    <a:bodyPr/>
+                    <a:lstStyle/>
+                    <a:p>
+                      <a:pPr>
+                        <a:lnSpc>
+                          <a:spcPct val="100000"/>
+                        </a:lnSpc>
+                      </a:pPr>
+                      <a:r>
+                        <a:rPr lang="en-US" sz="2100" dirty="0">
+                          <a:latin typeface="Times New Roman"/>
+                          <a:cs typeface="Times New Roman"/>
+                        </a:rPr>
+                        <a:t>3</a:t>
+                      </a:r>
+                      <a:endParaRPr sz="2100" dirty="0">
+                        <a:latin typeface="Times New Roman"/>
+                        <a:cs typeface="Times New Roman"/>
+                      </a:endParaRPr>
+                    </a:p>
+                  </a:txBody>
+                  <a:tcPr marL="0" marR="0" marT="0" marB="0">
+                    <a:lnL w="12700" cap="flat" cmpd="sng" algn="ctr">
+                      <a:solidFill>
+                        <a:srgbClr val="FFFFFF"/>
+                      </a:solidFill>
+                      <a:prstDash val="solid"/>
+                      <a:round/>
+                      <a:headEnd type="none" w="med" len="med"/>
+                      <a:tailEnd type="none" w="med" len="med"/>
+                    </a:lnL>
+                    <a:lnR w="12700" cap="flat" cmpd="sng" algn="ctr">
+                      <a:solidFill>
+                        <a:srgbClr val="FFFFFF"/>
+                      </a:solidFill>
+                      <a:prstDash val="solid"/>
+                      <a:round/>
+                      <a:headEnd type="none" w="med" len="med"/>
+                      <a:tailEnd type="none" w="med" len="med"/>
+                    </a:lnR>
+                    <a:lnT w="12700" cap="flat" cmpd="sng" algn="ctr">
+                      <a:solidFill>
+                        <a:srgbClr val="FFFFFF"/>
+                      </a:solidFill>
+                      <a:prstDash val="solid"/>
+                      <a:round/>
+                      <a:headEnd type="none" w="med" len="med"/>
+                      <a:tailEnd type="none" w="med" len="med"/>
+                    </a:lnT>
+                    <a:lnB w="12700" cap="flat" cmpd="sng" algn="ctr">
+                      <a:solidFill>
+                        <a:srgbClr val="FFFFFF"/>
+                      </a:solidFill>
+                      <a:prstDash val="solid"/>
+                      <a:round/>
+                      <a:headEnd type="none" w="med" len="med"/>
+                      <a:tailEnd type="none" w="med" len="med"/>
+                    </a:lnB>
+                    <a:solidFill>
+                      <a:srgbClr val="D0D7E8"/>
+                    </a:solidFill>
+                  </a:tcPr>
+                </a:tc>
+                <a:tc>
+                  <a:txBody>
+                    <a:bodyPr/>
+                    <a:lstStyle/>
+                    <a:p>
+                      <a:pPr>
+                        <a:lnSpc>
+                          <a:spcPct val="100000"/>
+                        </a:lnSpc>
+                      </a:pPr>
+                      <a:r>
+                        <a:rPr lang="en-US" sz="2100" dirty="0">
+                          <a:latin typeface="Times New Roman"/>
+                          <a:cs typeface="Times New Roman"/>
+                        </a:rPr>
+                        <a:t>Item page</a:t>
+                      </a:r>
+                    </a:p>
+                  </a:txBody>
+                  <a:tcPr marL="0" marR="0" marT="0" marB="0">
+                    <a:lnL w="12700" cap="flat" cmpd="sng" algn="ctr">
+                      <a:solidFill>
+                        <a:srgbClr val="FFFFFF"/>
+                      </a:solidFill>
+                      <a:prstDash val="solid"/>
+                      <a:round/>
+                      <a:headEnd type="none" w="med" len="med"/>
+                      <a:tailEnd type="none" w="med" len="med"/>
+                    </a:lnL>
+                    <a:lnR w="12700" cap="flat" cmpd="sng" algn="ctr">
+                      <a:solidFill>
+                        <a:srgbClr val="FFFFFF"/>
+                      </a:solidFill>
+                      <a:prstDash val="solid"/>
+                      <a:round/>
+                      <a:headEnd type="none" w="med" len="med"/>
+                      <a:tailEnd type="none" w="med" len="med"/>
+                    </a:lnR>
+                    <a:lnT w="12700" cap="flat" cmpd="sng" algn="ctr">
+                      <a:solidFill>
+                        <a:srgbClr val="FFFFFF"/>
+                      </a:solidFill>
+                      <a:prstDash val="solid"/>
+                      <a:round/>
+                      <a:headEnd type="none" w="med" len="med"/>
+                      <a:tailEnd type="none" w="med" len="med"/>
+                    </a:lnT>
+                    <a:lnB w="12700" cap="flat" cmpd="sng" algn="ctr">
+                      <a:solidFill>
+                        <a:srgbClr val="FFFFFF"/>
+                      </a:solidFill>
+                      <a:prstDash val="solid"/>
+                      <a:round/>
+                      <a:headEnd type="none" w="med" len="med"/>
+                      <a:tailEnd type="none" w="med" len="med"/>
+                    </a:lnB>
+                    <a:solidFill>
+                      <a:srgbClr val="D0D7E8"/>
+                    </a:solidFill>
+                  </a:tcPr>
+                </a:tc>
+                <a:extLst>
+                  <a:ext uri="{0D108BD9-81ED-4DB2-BD59-A6C34878D82A}">
+                    <a16:rowId xmlns:a16="http://schemas.microsoft.com/office/drawing/2014/main" val="3939255148"/>
+                  </a:ext>
+                </a:extLst>
+              </a:tr>
+              <a:tr h="332695">
+                <a:tc>
+                  <a:txBody>
+                    <a:bodyPr/>
+                    <a:lstStyle/>
+                    <a:p>
+                      <a:pPr>
+                        <a:lnSpc>
+                          <a:spcPct val="100000"/>
+                        </a:lnSpc>
+                      </a:pPr>
+                      <a:r>
+                        <a:rPr lang="en-US" sz="2100" dirty="0">
+                          <a:latin typeface="Times New Roman"/>
+                          <a:cs typeface="Times New Roman"/>
+                        </a:rPr>
+                        <a:t>4</a:t>
+                      </a:r>
+                      <a:endParaRPr sz="2100" dirty="0">
+                        <a:latin typeface="Times New Roman"/>
+                        <a:cs typeface="Times New Roman"/>
+                      </a:endParaRPr>
+                    </a:p>
+                  </a:txBody>
+                  <a:tcPr marL="0" marR="0" marT="0" marB="0">
+                    <a:lnL w="12700" cap="flat" cmpd="sng" algn="ctr">
+                      <a:solidFill>
+                        <a:srgbClr val="FFFFFF"/>
+                      </a:solidFill>
+                      <a:prstDash val="solid"/>
+                      <a:round/>
+                      <a:headEnd type="none" w="med" len="med"/>
+                      <a:tailEnd type="none" w="med" len="med"/>
+                    </a:lnL>
+                    <a:lnR w="12700" cap="flat" cmpd="sng" algn="ctr">
+                      <a:solidFill>
+                        <a:srgbClr val="FFFFFF"/>
+                      </a:solidFill>
+                      <a:prstDash val="solid"/>
+                      <a:round/>
+                      <a:headEnd type="none" w="med" len="med"/>
+                      <a:tailEnd type="none" w="med" len="med"/>
+                    </a:lnR>
+                    <a:lnT w="12700" cap="flat" cmpd="sng" algn="ctr">
+                      <a:solidFill>
+                        <a:srgbClr val="FFFFFF"/>
+                      </a:solidFill>
+                      <a:prstDash val="solid"/>
+                      <a:round/>
+                      <a:headEnd type="none" w="med" len="med"/>
+                      <a:tailEnd type="none" w="med" len="med"/>
+                    </a:lnT>
+                    <a:lnB w="12700" cap="flat" cmpd="sng" algn="ctr">
+                      <a:solidFill>
+                        <a:srgbClr val="FFFFFF"/>
+                      </a:solidFill>
+                      <a:prstDash val="solid"/>
+                      <a:round/>
+                      <a:headEnd type="none" w="med" len="med"/>
+                      <a:tailEnd type="none" w="med" len="med"/>
+                    </a:lnB>
+                    <a:solidFill>
+                      <a:srgbClr val="D0D7E8"/>
+                    </a:solidFill>
+                  </a:tcPr>
+                </a:tc>
+                <a:tc>
+                  <a:txBody>
+                    <a:bodyPr/>
+                    <a:lstStyle/>
+                    <a:p>
+                      <a:pPr>
+                        <a:lnSpc>
+                          <a:spcPct val="100000"/>
+                        </a:lnSpc>
+                      </a:pPr>
+                      <a:r>
+                        <a:rPr lang="en-US" sz="2100" dirty="0">
+                          <a:latin typeface="Times New Roman"/>
+                          <a:cs typeface="Times New Roman"/>
+                        </a:rPr>
+                        <a:t>Log Out Confirmation</a:t>
+                      </a:r>
+                    </a:p>
+                  </a:txBody>
+                  <a:tcPr marL="0" marR="0" marT="0" marB="0">
+                    <a:lnL w="12700" cap="flat" cmpd="sng" algn="ctr">
+                      <a:solidFill>
+                        <a:srgbClr val="FFFFFF"/>
+                      </a:solidFill>
+                      <a:prstDash val="solid"/>
+                      <a:round/>
+                      <a:headEnd type="none" w="med" len="med"/>
+                      <a:tailEnd type="none" w="med" len="med"/>
+                    </a:lnL>
+                    <a:lnR w="12700" cap="flat" cmpd="sng" algn="ctr">
+                      <a:solidFill>
+                        <a:srgbClr val="FFFFFF"/>
+                      </a:solidFill>
+                      <a:prstDash val="solid"/>
+                      <a:round/>
+                      <a:headEnd type="none" w="med" len="med"/>
+                      <a:tailEnd type="none" w="med" len="med"/>
+                    </a:lnR>
+                    <a:lnT w="12700" cap="flat" cmpd="sng" algn="ctr">
+                      <a:solidFill>
+                        <a:srgbClr val="FFFFFF"/>
+                      </a:solidFill>
+                      <a:prstDash val="solid"/>
+                      <a:round/>
+                      <a:headEnd type="none" w="med" len="med"/>
+                      <a:tailEnd type="none" w="med" len="med"/>
+                    </a:lnT>
+                    <a:lnB w="12700" cap="flat" cmpd="sng" algn="ctr">
+                      <a:solidFill>
+                        <a:srgbClr val="FFFFFF"/>
+                      </a:solidFill>
+                      <a:prstDash val="solid"/>
+                      <a:round/>
+                      <a:headEnd type="none" w="med" len="med"/>
+                      <a:tailEnd type="none" w="med" len="med"/>
+                    </a:lnB>
+                    <a:solidFill>
+                      <a:srgbClr val="D0D7E8"/>
+                    </a:solidFill>
+                  </a:tcPr>
+                </a:tc>
+                <a:extLst>
+                  <a:ext uri="{0D108BD9-81ED-4DB2-BD59-A6C34878D82A}">
+                    <a16:rowId xmlns:a16="http://schemas.microsoft.com/office/drawing/2014/main" val="1039892390"/>
+                  </a:ext>
+                </a:extLst>
+              </a:tr>
+              <a:tr h="332695">
+                <a:tc>
+                  <a:txBody>
+                    <a:bodyPr/>
+                    <a:lstStyle/>
+                    <a:p>
+                      <a:pPr>
+                        <a:lnSpc>
+                          <a:spcPct val="100000"/>
+                        </a:lnSpc>
+                      </a:pPr>
+                      <a:r>
+                        <a:rPr lang="en-US" sz="2100" dirty="0">
+                          <a:latin typeface="Times New Roman"/>
+                          <a:cs typeface="Times New Roman"/>
+                        </a:rPr>
+                        <a:t>5</a:t>
+                      </a:r>
+                      <a:endParaRPr sz="2100" dirty="0">
+                        <a:latin typeface="Times New Roman"/>
+                        <a:cs typeface="Times New Roman"/>
+                      </a:endParaRPr>
+                    </a:p>
+                  </a:txBody>
+                  <a:tcPr marL="0" marR="0" marT="0" marB="0">
+                    <a:lnL w="12700" cap="flat" cmpd="sng" algn="ctr">
+                      <a:solidFill>
+                        <a:srgbClr val="FFFFFF"/>
+                      </a:solidFill>
+                      <a:prstDash val="solid"/>
+                      <a:round/>
+                      <a:headEnd type="none" w="med" len="med"/>
+                      <a:tailEnd type="none" w="med" len="med"/>
+                    </a:lnL>
+                    <a:lnR w="12700" cap="flat" cmpd="sng" algn="ctr">
+                      <a:solidFill>
+                        <a:srgbClr val="FFFFFF"/>
+                      </a:solidFill>
+                      <a:prstDash val="solid"/>
+                      <a:round/>
+                      <a:headEnd type="none" w="med" len="med"/>
+                      <a:tailEnd type="none" w="med" len="med"/>
+                    </a:lnR>
+                    <a:lnT w="12700" cap="flat" cmpd="sng" algn="ctr">
+                      <a:solidFill>
+                        <a:srgbClr val="FFFFFF"/>
+                      </a:solidFill>
+                      <a:prstDash val="solid"/>
+                      <a:round/>
+                      <a:headEnd type="none" w="med" len="med"/>
+                      <a:tailEnd type="none" w="med" len="med"/>
+                    </a:lnT>
+                    <a:lnB w="12700" cap="flat" cmpd="sng" algn="ctr">
+                      <a:solidFill>
+                        <a:srgbClr val="FFFFFF"/>
+                      </a:solidFill>
+                      <a:prstDash val="solid"/>
+                      <a:round/>
+                      <a:headEnd type="none" w="med" len="med"/>
+                      <a:tailEnd type="none" w="med" len="med"/>
+                    </a:lnB>
+                    <a:solidFill>
+                      <a:srgbClr val="D0D7E8"/>
+                    </a:solidFill>
+                  </a:tcPr>
+                </a:tc>
+                <a:tc>
+                  <a:txBody>
+                    <a:bodyPr/>
+                    <a:lstStyle/>
+                    <a:p>
+                      <a:pPr>
+                        <a:lnSpc>
+                          <a:spcPct val="100000"/>
+                        </a:lnSpc>
+                      </a:pPr>
+                      <a:r>
+                        <a:rPr lang="en-US" sz="2100" dirty="0">
+                          <a:latin typeface="Times New Roman"/>
+                          <a:cs typeface="Times New Roman"/>
+                        </a:rPr>
+                        <a:t>Log out confirmed</a:t>
+                      </a:r>
+                    </a:p>
+                  </a:txBody>
+                  <a:tcPr marL="0" marR="0" marT="0" marB="0">
+                    <a:lnL w="12700" cap="flat" cmpd="sng" algn="ctr">
+                      <a:solidFill>
+                        <a:srgbClr val="FFFFFF"/>
+                      </a:solidFill>
+                      <a:prstDash val="solid"/>
+                      <a:round/>
+                      <a:headEnd type="none" w="med" len="med"/>
+                      <a:tailEnd type="none" w="med" len="med"/>
+                    </a:lnL>
+                    <a:lnR w="12700" cap="flat" cmpd="sng" algn="ctr">
+                      <a:solidFill>
+                        <a:srgbClr val="FFFFFF"/>
+                      </a:solidFill>
+                      <a:prstDash val="solid"/>
+                      <a:round/>
+                      <a:headEnd type="none" w="med" len="med"/>
+                      <a:tailEnd type="none" w="med" len="med"/>
+                    </a:lnR>
+                    <a:lnT w="12700" cap="flat" cmpd="sng" algn="ctr">
+                      <a:solidFill>
+                        <a:srgbClr val="FFFFFF"/>
+                      </a:solidFill>
+                      <a:prstDash val="solid"/>
+                      <a:round/>
+                      <a:headEnd type="none" w="med" len="med"/>
+                      <a:tailEnd type="none" w="med" len="med"/>
+                    </a:lnT>
+                    <a:lnB w="12700" cap="flat" cmpd="sng" algn="ctr">
+                      <a:solidFill>
+                        <a:srgbClr val="FFFFFF"/>
+                      </a:solidFill>
+                      <a:prstDash val="solid"/>
+                      <a:round/>
+                      <a:headEnd type="none" w="med" len="med"/>
+                      <a:tailEnd type="none" w="med" len="med"/>
+                    </a:lnB>
+                    <a:solidFill>
+                      <a:srgbClr val="D0D7E8"/>
+                    </a:solidFill>
+                  </a:tcPr>
+                </a:tc>
+                <a:extLst>
+                  <a:ext uri="{0D108BD9-81ED-4DB2-BD59-A6C34878D82A}">
+                    <a16:rowId xmlns:a16="http://schemas.microsoft.com/office/drawing/2014/main" val="2166497318"/>
+                  </a:ext>
+                </a:extLst>
+              </a:tr>
+              <a:tr h="332694">
+                <a:tc>
+                  <a:txBody>
+                    <a:bodyPr/>
+                    <a:lstStyle/>
+                    <a:p>
+                      <a:pPr>
+                        <a:lnSpc>
+                          <a:spcPct val="100000"/>
+                        </a:lnSpc>
+                      </a:pPr>
+                      <a:r>
+                        <a:rPr lang="en-US" sz="2100" dirty="0">
+                          <a:latin typeface="Times New Roman"/>
+                          <a:cs typeface="Times New Roman"/>
+                        </a:rPr>
+                        <a:t>6</a:t>
+                      </a:r>
+                      <a:endParaRPr sz="2100" dirty="0">
+                        <a:latin typeface="Times New Roman"/>
+                        <a:cs typeface="Times New Roman"/>
+                      </a:endParaRPr>
+                    </a:p>
+                  </a:txBody>
+                  <a:tcPr marL="0" marR="0" marT="0" marB="0">
+                    <a:lnL w="12700" cap="flat" cmpd="sng" algn="ctr">
+                      <a:solidFill>
+                        <a:srgbClr val="FFFFFF"/>
+                      </a:solidFill>
+                      <a:prstDash val="solid"/>
+                      <a:round/>
+                      <a:headEnd type="none" w="med" len="med"/>
+                      <a:tailEnd type="none" w="med" len="med"/>
+                    </a:lnL>
+                    <a:lnR w="12700" cap="flat" cmpd="sng" algn="ctr">
+                      <a:solidFill>
+                        <a:srgbClr val="FFFFFF"/>
+                      </a:solidFill>
+                      <a:prstDash val="solid"/>
+                      <a:round/>
+                      <a:headEnd type="none" w="med" len="med"/>
+                      <a:tailEnd type="none" w="med" len="med"/>
+                    </a:lnR>
+                    <a:lnT w="12700" cap="flat" cmpd="sng" algn="ctr">
+                      <a:solidFill>
+                        <a:srgbClr val="FFFFFF"/>
+                      </a:solidFill>
+                      <a:prstDash val="solid"/>
+                      <a:round/>
+                      <a:headEnd type="none" w="med" len="med"/>
+                      <a:tailEnd type="none" w="med" len="med"/>
+                    </a:lnT>
+                    <a:lnB w="12700" cap="flat" cmpd="sng" algn="ctr">
+                      <a:solidFill>
+                        <a:srgbClr val="FFFFFF"/>
+                      </a:solidFill>
+                      <a:prstDash val="solid"/>
+                      <a:round/>
+                      <a:headEnd type="none" w="med" len="med"/>
+                      <a:tailEnd type="none" w="med" len="med"/>
+                    </a:lnB>
+                    <a:solidFill>
+                      <a:srgbClr val="D0D7E8"/>
+                    </a:solidFill>
+                  </a:tcPr>
+                </a:tc>
+                <a:tc>
+                  <a:txBody>
+                    <a:bodyPr/>
+                    <a:lstStyle/>
+                    <a:p>
+                      <a:pPr>
+                        <a:lnSpc>
+                          <a:spcPct val="100000"/>
+                        </a:lnSpc>
+                      </a:pPr>
+                      <a:r>
+                        <a:rPr lang="en-US" sz="2100" dirty="0">
+                          <a:latin typeface="Times New Roman"/>
+                          <a:cs typeface="Times New Roman"/>
+                        </a:rPr>
+                        <a:t>Profile page</a:t>
+                      </a:r>
+                    </a:p>
+                  </a:txBody>
+                  <a:tcPr marL="0" marR="0" marT="0" marB="0">
+                    <a:lnL w="12700" cap="flat" cmpd="sng" algn="ctr">
+                      <a:solidFill>
+                        <a:srgbClr val="FFFFFF"/>
+                      </a:solidFill>
+                      <a:prstDash val="solid"/>
+                      <a:round/>
+                      <a:headEnd type="none" w="med" len="med"/>
+                      <a:tailEnd type="none" w="med" len="med"/>
+                    </a:lnL>
+                    <a:lnR w="12700" cap="flat" cmpd="sng" algn="ctr">
+                      <a:solidFill>
+                        <a:srgbClr val="FFFFFF"/>
+                      </a:solidFill>
+                      <a:prstDash val="solid"/>
+                      <a:round/>
+                      <a:headEnd type="none" w="med" len="med"/>
+                      <a:tailEnd type="none" w="med" len="med"/>
+                    </a:lnR>
+                    <a:lnT w="12700" cap="flat" cmpd="sng" algn="ctr">
+                      <a:solidFill>
+                        <a:srgbClr val="FFFFFF"/>
+                      </a:solidFill>
+                      <a:prstDash val="solid"/>
+                      <a:round/>
+                      <a:headEnd type="none" w="med" len="med"/>
+                      <a:tailEnd type="none" w="med" len="med"/>
+                    </a:lnT>
+                    <a:lnB w="12700" cap="flat" cmpd="sng" algn="ctr">
+                      <a:solidFill>
+                        <a:srgbClr val="FFFFFF"/>
+                      </a:solidFill>
+                      <a:prstDash val="solid"/>
+                      <a:round/>
+                      <a:headEnd type="none" w="med" len="med"/>
+                      <a:tailEnd type="none" w="med" len="med"/>
+                    </a:lnB>
+                    <a:solidFill>
+                      <a:srgbClr val="D0D7E8"/>
+                    </a:solidFill>
+                  </a:tcPr>
+                </a:tc>
+                <a:extLst>
+                  <a:ext uri="{0D108BD9-81ED-4DB2-BD59-A6C34878D82A}">
+                    <a16:rowId xmlns:a16="http://schemas.microsoft.com/office/drawing/2014/main" val="830305125"/>
+                  </a:ext>
+                </a:extLst>
+              </a:tr>
+              <a:tr h="332695">
+                <a:tc>
+                  <a:txBody>
+                    <a:bodyPr/>
+                    <a:lstStyle/>
+                    <a:p>
+                      <a:pPr>
+                        <a:lnSpc>
+                          <a:spcPct val="100000"/>
+                        </a:lnSpc>
+                      </a:pPr>
+                      <a:r>
+                        <a:rPr lang="en-US" sz="2100" dirty="0">
+                          <a:latin typeface="Times New Roman"/>
+                          <a:cs typeface="Times New Roman"/>
+                        </a:rPr>
+                        <a:t>7</a:t>
+                      </a:r>
+                      <a:endParaRPr sz="2100" dirty="0">
+                        <a:latin typeface="Times New Roman"/>
+                        <a:cs typeface="Times New Roman"/>
+                      </a:endParaRPr>
+                    </a:p>
+                  </a:txBody>
+                  <a:tcPr marL="0" marR="0" marT="0" marB="0">
+                    <a:lnL w="12700" cap="flat" cmpd="sng" algn="ctr">
+                      <a:solidFill>
+                        <a:srgbClr val="FFFFFF"/>
+                      </a:solidFill>
+                      <a:prstDash val="solid"/>
+                      <a:round/>
+                      <a:headEnd type="none" w="med" len="med"/>
+                      <a:tailEnd type="none" w="med" len="med"/>
+                    </a:lnL>
+                    <a:lnR w="12700" cap="flat" cmpd="sng" algn="ctr">
+                      <a:solidFill>
+                        <a:srgbClr val="FFFFFF"/>
+                      </a:solidFill>
+                      <a:prstDash val="solid"/>
+                      <a:round/>
+                      <a:headEnd type="none" w="med" len="med"/>
+                      <a:tailEnd type="none" w="med" len="med"/>
+                    </a:lnR>
+                    <a:lnT w="12700" cap="flat" cmpd="sng" algn="ctr">
+                      <a:solidFill>
+                        <a:srgbClr val="FFFFFF"/>
+                      </a:solidFill>
+                      <a:prstDash val="solid"/>
+                      <a:round/>
+                      <a:headEnd type="none" w="med" len="med"/>
+                      <a:tailEnd type="none" w="med" len="med"/>
+                    </a:lnT>
+                    <a:lnB w="12700">
+                      <a:solidFill>
+                        <a:srgbClr val="FFFFFF"/>
+                      </a:solidFill>
+                      <a:prstDash val="solid"/>
+                    </a:lnB>
+                    <a:solidFill>
+                      <a:srgbClr val="D0D7E8"/>
+                    </a:solidFill>
+                  </a:tcPr>
+                </a:tc>
+                <a:tc>
+                  <a:txBody>
+                    <a:bodyPr/>
+                    <a:lstStyle/>
+                    <a:p>
+                      <a:pPr>
+                        <a:lnSpc>
+                          <a:spcPct val="100000"/>
+                        </a:lnSpc>
+                      </a:pPr>
+                      <a:r>
+                        <a:rPr lang="en-US" sz="2100" dirty="0">
+                          <a:latin typeface="Times New Roman"/>
+                          <a:cs typeface="Times New Roman"/>
+                        </a:rPr>
+                        <a:t>Check out page</a:t>
+                      </a:r>
+                    </a:p>
+                  </a:txBody>
+                  <a:tcPr marL="0" marR="0" marT="0" marB="0">
+                    <a:lnL w="12700" cap="flat" cmpd="sng" algn="ctr">
+                      <a:solidFill>
+                        <a:srgbClr val="FFFFFF"/>
+                      </a:solidFill>
+                      <a:prstDash val="solid"/>
+                      <a:round/>
+                      <a:headEnd type="none" w="med" len="med"/>
+                      <a:tailEnd type="none" w="med" len="med"/>
+                    </a:lnL>
+                    <a:lnR w="12700" cap="flat" cmpd="sng" algn="ctr">
+                      <a:solidFill>
+                        <a:srgbClr val="FFFFFF"/>
+                      </a:solidFill>
+                      <a:prstDash val="solid"/>
+                      <a:round/>
+                      <a:headEnd type="none" w="med" len="med"/>
+                      <a:tailEnd type="none" w="med" len="med"/>
+                    </a:lnR>
+                    <a:lnT w="12700" cap="flat" cmpd="sng" algn="ctr">
+                      <a:solidFill>
+                        <a:srgbClr val="FFFFFF"/>
+                      </a:solidFill>
+                      <a:prstDash val="solid"/>
+                      <a:round/>
+                      <a:headEnd type="none" w="med" len="med"/>
+                      <a:tailEnd type="none" w="med" len="med"/>
+                    </a:lnT>
+                    <a:lnB w="12700">
+                      <a:solidFill>
+                        <a:srgbClr val="FFFFFF"/>
+                      </a:solidFill>
+                      <a:prstDash val="solid"/>
+                    </a:lnB>
+                    <a:solidFill>
+                      <a:srgbClr val="D0D7E8"/>
+                    </a:solidFill>
+                  </a:tcPr>
+                </a:tc>
+                <a:extLst>
+                  <a:ext uri="{0D108BD9-81ED-4DB2-BD59-A6C34878D82A}">
+                    <a16:rowId xmlns:a16="http://schemas.microsoft.com/office/drawing/2014/main" val="861972044"/>
                   </a:ext>
                 </a:extLst>
               </a:tr>
@@ -14699,6 +15921,96 @@
           </a:p>
         </p:txBody>
       </p:sp>
+      <p:pic>
+        <p:nvPicPr>
+          <p:cNvPr id="7" name="Picture 6">
+            <a:extLst>
+              <a:ext uri="{FF2B5EF4-FFF2-40B4-BE49-F238E27FC236}">
+                <a16:creationId xmlns:a16="http://schemas.microsoft.com/office/drawing/2014/main" id="{0A14E291-4457-8E7F-12B5-B470BACA9A2F}"/>
+              </a:ext>
+            </a:extLst>
+          </p:cNvPr>
+          <p:cNvPicPr>
+            <a:picLocks noChangeAspect="1"/>
+          </p:cNvPicPr>
+          <p:nvPr/>
+        </p:nvPicPr>
+        <p:blipFill>
+          <a:blip r:embed="rId3"/>
+          <a:stretch>
+            <a:fillRect/>
+          </a:stretch>
+        </p:blipFill>
+        <p:spPr>
+          <a:xfrm>
+            <a:off x="609600" y="1752600"/>
+            <a:ext cx="2222200" cy="4314825"/>
+          </a:xfrm>
+          <a:prstGeom prst="rect">
+            <a:avLst/>
+          </a:prstGeom>
+        </p:spPr>
+      </p:pic>
+      <p:pic>
+        <p:nvPicPr>
+          <p:cNvPr id="9" name="Picture 8">
+            <a:extLst>
+              <a:ext uri="{FF2B5EF4-FFF2-40B4-BE49-F238E27FC236}">
+                <a16:creationId xmlns:a16="http://schemas.microsoft.com/office/drawing/2014/main" id="{2DA1FC7E-76B8-64BA-F12B-4D5016027E4C}"/>
+              </a:ext>
+            </a:extLst>
+          </p:cNvPr>
+          <p:cNvPicPr>
+            <a:picLocks noChangeAspect="1"/>
+          </p:cNvPicPr>
+          <p:nvPr/>
+        </p:nvPicPr>
+        <p:blipFill>
+          <a:blip r:embed="rId4"/>
+          <a:stretch>
+            <a:fillRect/>
+          </a:stretch>
+        </p:blipFill>
+        <p:spPr>
+          <a:xfrm>
+            <a:off x="3021070" y="1752599"/>
+            <a:ext cx="2363535" cy="4314826"/>
+          </a:xfrm>
+          <a:prstGeom prst="rect">
+            <a:avLst/>
+          </a:prstGeom>
+        </p:spPr>
+      </p:pic>
+      <p:pic>
+        <p:nvPicPr>
+          <p:cNvPr id="11" name="Picture 10">
+            <a:extLst>
+              <a:ext uri="{FF2B5EF4-FFF2-40B4-BE49-F238E27FC236}">
+                <a16:creationId xmlns:a16="http://schemas.microsoft.com/office/drawing/2014/main" id="{BAEC585E-FD77-B985-7947-A4B3BE1A318E}"/>
+              </a:ext>
+            </a:extLst>
+          </p:cNvPr>
+          <p:cNvPicPr>
+            <a:picLocks noChangeAspect="1"/>
+          </p:cNvPicPr>
+          <p:nvPr/>
+        </p:nvPicPr>
+        <p:blipFill>
+          <a:blip r:embed="rId5"/>
+          <a:stretch>
+            <a:fillRect/>
+          </a:stretch>
+        </p:blipFill>
+        <p:spPr>
+          <a:xfrm>
+            <a:off x="5553510" y="1723087"/>
+            <a:ext cx="2363535" cy="4344338"/>
+          </a:xfrm>
+          <a:prstGeom prst="rect">
+            <a:avLst/>
+          </a:prstGeom>
+        </p:spPr>
+      </p:pic>
     </p:spTree>
   </p:cSld>
   <p:clrMapOvr>
@@ -14766,764 +16078,1519 @@
       </p:sp>
       <p:graphicFrame>
         <p:nvGraphicFramePr>
-          <p:cNvPr id="3" name="object 3"/>
+          <p:cNvPr id="4" name="Table 3">
+            <a:extLst>
+              <a:ext uri="{FF2B5EF4-FFF2-40B4-BE49-F238E27FC236}">
+                <a16:creationId xmlns:a16="http://schemas.microsoft.com/office/drawing/2014/main" id="{37664CDB-E5C1-E6CD-E2D4-90C805F10F0C}"/>
+              </a:ext>
+            </a:extLst>
+          </p:cNvPr>
           <p:cNvGraphicFramePr>
             <a:graphicFrameLocks noGrp="1"/>
           </p:cNvGraphicFramePr>
           <p:nvPr/>
         </p:nvGraphicFramePr>
         <p:xfrm>
-          <a:off x="101600" y="1390650"/>
-          <a:ext cx="8640443" cy="1112899"/>
+          <a:off x="187325" y="2468563"/>
+          <a:ext cx="8769349" cy="1919730"/>
         </p:xfrm>
         <a:graphic>
           <a:graphicData uri="http://schemas.openxmlformats.org/drawingml/2006/table">
             <a:tbl>
-              <a:tblPr firstRow="1" bandRow="1">
-                <a:tableStyleId>{2D5ABB26-0587-4C30-8999-92F81FD0307C}</a:tableStyleId>
+              <a:tblPr>
+                <a:tableStyleId>{5C22544A-7EE6-4342-B048-85BDC9FD1C3A}</a:tableStyleId>
               </a:tblPr>
               <a:tblGrid>
-                <a:gridCol w="720090">
+                <a:gridCol w="578795">
                   <a:extLst>
                     <a:ext uri="{9D8B030D-6E8A-4147-A177-3AD203B41FA5}">
-                      <a16:colId xmlns:a16="http://schemas.microsoft.com/office/drawing/2014/main" val="20000"/>
+                      <a16:colId xmlns:a16="http://schemas.microsoft.com/office/drawing/2014/main" val="2879401929"/>
                     </a:ext>
                   </a:extLst>
                 </a:gridCol>
-                <a:gridCol w="2807970">
+                <a:gridCol w="807901">
                   <a:extLst>
                     <a:ext uri="{9D8B030D-6E8A-4147-A177-3AD203B41FA5}">
-                      <a16:colId xmlns:a16="http://schemas.microsoft.com/office/drawing/2014/main" val="20001"/>
+                      <a16:colId xmlns:a16="http://schemas.microsoft.com/office/drawing/2014/main" val="3992208151"/>
                     </a:ext>
                   </a:extLst>
                 </a:gridCol>
-                <a:gridCol w="2807969">
+                <a:gridCol w="578795">
                   <a:extLst>
                     <a:ext uri="{9D8B030D-6E8A-4147-A177-3AD203B41FA5}">
-                      <a16:colId xmlns:a16="http://schemas.microsoft.com/office/drawing/2014/main" val="20002"/>
+                      <a16:colId xmlns:a16="http://schemas.microsoft.com/office/drawing/2014/main" val="4260992084"/>
                     </a:ext>
                   </a:extLst>
                 </a:gridCol>
-                <a:gridCol w="2304414">
+                <a:gridCol w="578795">
                   <a:extLst>
                     <a:ext uri="{9D8B030D-6E8A-4147-A177-3AD203B41FA5}">
-                      <a16:colId xmlns:a16="http://schemas.microsoft.com/office/drawing/2014/main" val="20003"/>
+                      <a16:colId xmlns:a16="http://schemas.microsoft.com/office/drawing/2014/main" val="2676654768"/>
+                    </a:ext>
+                  </a:extLst>
+                </a:gridCol>
+                <a:gridCol w="578795">
+                  <a:extLst>
+                    <a:ext uri="{9D8B030D-6E8A-4147-A177-3AD203B41FA5}">
+                      <a16:colId xmlns:a16="http://schemas.microsoft.com/office/drawing/2014/main" val="2312468615"/>
+                    </a:ext>
+                  </a:extLst>
+                </a:gridCol>
+                <a:gridCol w="578795">
+                  <a:extLst>
+                    <a:ext uri="{9D8B030D-6E8A-4147-A177-3AD203B41FA5}">
+                      <a16:colId xmlns:a16="http://schemas.microsoft.com/office/drawing/2014/main" val="4058379867"/>
+                    </a:ext>
+                  </a:extLst>
+                </a:gridCol>
+                <a:gridCol w="578795">
+                  <a:extLst>
+                    <a:ext uri="{9D8B030D-6E8A-4147-A177-3AD203B41FA5}">
+                      <a16:colId xmlns:a16="http://schemas.microsoft.com/office/drawing/2014/main" val="3794616575"/>
+                    </a:ext>
+                  </a:extLst>
+                </a:gridCol>
+                <a:gridCol w="1965492">
+                  <a:extLst>
+                    <a:ext uri="{9D8B030D-6E8A-4147-A177-3AD203B41FA5}">
+                      <a16:colId xmlns:a16="http://schemas.microsoft.com/office/drawing/2014/main" val="1106248419"/>
+                    </a:ext>
+                  </a:extLst>
+                </a:gridCol>
+                <a:gridCol w="1944391">
+                  <a:extLst>
+                    <a:ext uri="{9D8B030D-6E8A-4147-A177-3AD203B41FA5}">
+                      <a16:colId xmlns:a16="http://schemas.microsoft.com/office/drawing/2014/main" val="3745445382"/>
+                    </a:ext>
+                  </a:extLst>
+                </a:gridCol>
+                <a:gridCol w="578795">
+                  <a:extLst>
+                    <a:ext uri="{9D8B030D-6E8A-4147-A177-3AD203B41FA5}">
+                      <a16:colId xmlns:a16="http://schemas.microsoft.com/office/drawing/2014/main" val="858385855"/>
                     </a:ext>
                   </a:extLst>
                 </a:gridCol>
               </a:tblGrid>
-              <a:tr h="370966">
-                <a:tc>
-                  <a:txBody>
-                    <a:bodyPr/>
-                    <a:lstStyle/>
-                    <a:p>
-                      <a:pPr marL="90805">
-                        <a:lnSpc>
-                          <a:spcPct val="100000"/>
-                        </a:lnSpc>
-                        <a:spcBef>
-                          <a:spcPts val="270"/>
-                        </a:spcBef>
-                      </a:pPr>
-                      <a:r>
-                        <a:rPr sz="1400" b="1" dirty="0">
-                          <a:solidFill>
-                            <a:srgbClr val="FFFFFF"/>
-                          </a:solidFill>
-                          <a:latin typeface="Calibri"/>
-                          <a:cs typeface="Calibri"/>
-                        </a:rPr>
-                        <a:t>S.</a:t>
-                      </a:r>
-                      <a:r>
-                        <a:rPr sz="1400" b="1" spc="-30" dirty="0">
-                          <a:solidFill>
-                            <a:srgbClr val="FFFFFF"/>
-                          </a:solidFill>
-                          <a:latin typeface="Calibri"/>
-                          <a:cs typeface="Calibri"/>
-                        </a:rPr>
-                        <a:t> </a:t>
-                      </a:r>
-                      <a:r>
-                        <a:rPr sz="1400" b="1" dirty="0">
-                          <a:solidFill>
-                            <a:srgbClr val="FFFFFF"/>
-                          </a:solidFill>
-                          <a:latin typeface="Calibri"/>
-                          <a:cs typeface="Calibri"/>
-                        </a:rPr>
-                        <a:t>No.</a:t>
-                      </a:r>
-                      <a:endParaRPr sz="1400">
-                        <a:latin typeface="Calibri"/>
-                        <a:cs typeface="Calibri"/>
-                      </a:endParaRPr>
-                    </a:p>
-                  </a:txBody>
-                  <a:tcPr marL="0" marR="0" marT="34290" marB="0">
-                    <a:lnL w="12700">
-                      <a:solidFill>
-                        <a:srgbClr val="FFFFFF"/>
-                      </a:solidFill>
-                      <a:prstDash val="solid"/>
-                    </a:lnL>
-                    <a:lnR w="12700">
-                      <a:solidFill>
-                        <a:srgbClr val="FFFFFF"/>
-                      </a:solidFill>
-                      <a:prstDash val="solid"/>
-                    </a:lnR>
-                    <a:lnT w="12700">
-                      <a:solidFill>
-                        <a:srgbClr val="FFFFFF"/>
-                      </a:solidFill>
-                      <a:prstDash val="solid"/>
-                    </a:lnT>
-                    <a:lnB w="38100">
-                      <a:solidFill>
-                        <a:srgbClr val="FFFFFF"/>
-                      </a:solidFill>
-                      <a:prstDash val="solid"/>
-                    </a:lnB>
-                    <a:solidFill>
-                      <a:srgbClr val="4F81BC"/>
-                    </a:solidFill>
-                  </a:tcPr>
-                </a:tc>
-                <a:tc>
-                  <a:txBody>
-                    <a:bodyPr/>
-                    <a:lstStyle/>
-                    <a:p>
-                      <a:pPr marL="91440">
-                        <a:lnSpc>
-                          <a:spcPct val="100000"/>
-                        </a:lnSpc>
-                        <a:spcBef>
-                          <a:spcPts val="270"/>
-                        </a:spcBef>
-                      </a:pPr>
-                      <a:r>
-                        <a:rPr sz="1400" b="1" spc="-5" dirty="0">
-                          <a:solidFill>
-                            <a:srgbClr val="FFFFFF"/>
-                          </a:solidFill>
-                          <a:latin typeface="Calibri"/>
-                          <a:cs typeface="Calibri"/>
-                        </a:rPr>
-                        <a:t>Forms </a:t>
-                      </a:r>
-                      <a:r>
-                        <a:rPr sz="1400" b="1" dirty="0">
-                          <a:solidFill>
-                            <a:srgbClr val="FFFFFF"/>
-                          </a:solidFill>
-                          <a:latin typeface="Calibri"/>
-                          <a:cs typeface="Calibri"/>
-                        </a:rPr>
-                        <a:t>/</a:t>
-                      </a:r>
-                      <a:r>
-                        <a:rPr sz="1400" b="1" spc="-40" dirty="0">
-                          <a:solidFill>
-                            <a:srgbClr val="FFFFFF"/>
-                          </a:solidFill>
-                          <a:latin typeface="Calibri"/>
-                          <a:cs typeface="Calibri"/>
-                        </a:rPr>
-                        <a:t> </a:t>
-                      </a:r>
-                      <a:r>
-                        <a:rPr sz="1400" b="1" spc="-10" dirty="0">
-                          <a:solidFill>
-                            <a:srgbClr val="FFFFFF"/>
-                          </a:solidFill>
-                          <a:latin typeface="Calibri"/>
-                          <a:cs typeface="Calibri"/>
-                        </a:rPr>
-                        <a:t>Pages</a:t>
-                      </a:r>
-                      <a:endParaRPr sz="1400">
-                        <a:latin typeface="Calibri"/>
-                        <a:cs typeface="Calibri"/>
-                      </a:endParaRPr>
-                    </a:p>
-                  </a:txBody>
-                  <a:tcPr marL="0" marR="0" marT="34290" marB="0">
-                    <a:lnL w="12700">
-                      <a:solidFill>
-                        <a:srgbClr val="FFFFFF"/>
-                      </a:solidFill>
-                      <a:prstDash val="solid"/>
-                    </a:lnL>
-                    <a:lnR w="12700">
-                      <a:solidFill>
-                        <a:srgbClr val="FFFFFF"/>
-                      </a:solidFill>
-                      <a:prstDash val="solid"/>
-                    </a:lnR>
-                    <a:lnT w="12700">
-                      <a:solidFill>
-                        <a:srgbClr val="FFFFFF"/>
-                      </a:solidFill>
-                      <a:prstDash val="solid"/>
-                    </a:lnT>
-                    <a:lnB w="38100">
-                      <a:solidFill>
-                        <a:srgbClr val="FFFFFF"/>
-                      </a:solidFill>
-                      <a:prstDash val="solid"/>
-                    </a:lnB>
-                    <a:solidFill>
-                      <a:srgbClr val="4F81BC"/>
-                    </a:solidFill>
-                  </a:tcPr>
-                </a:tc>
-                <a:tc>
-                  <a:txBody>
-                    <a:bodyPr/>
-                    <a:lstStyle/>
-                    <a:p>
-                      <a:pPr marL="92075">
-                        <a:lnSpc>
-                          <a:spcPct val="100000"/>
-                        </a:lnSpc>
-                        <a:spcBef>
-                          <a:spcPts val="270"/>
-                        </a:spcBef>
-                      </a:pPr>
-                      <a:r>
-                        <a:rPr sz="1400" b="1" spc="-5" dirty="0">
-                          <a:solidFill>
-                            <a:srgbClr val="FFFFFF"/>
-                          </a:solidFill>
-                          <a:latin typeface="Calibri"/>
-                          <a:cs typeface="Calibri"/>
-                        </a:rPr>
-                        <a:t>Feedback</a:t>
-                      </a:r>
-                      <a:r>
-                        <a:rPr sz="1400" b="1" spc="-35" dirty="0">
-                          <a:solidFill>
-                            <a:srgbClr val="FFFFFF"/>
-                          </a:solidFill>
-                          <a:latin typeface="Calibri"/>
-                          <a:cs typeface="Calibri"/>
-                        </a:rPr>
-                        <a:t> </a:t>
-                      </a:r>
-                      <a:r>
-                        <a:rPr sz="1400" b="1" spc="-10" dirty="0">
-                          <a:solidFill>
-                            <a:srgbClr val="FFFFFF"/>
-                          </a:solidFill>
-                          <a:latin typeface="Calibri"/>
-                          <a:cs typeface="Calibri"/>
-                        </a:rPr>
-                        <a:t>Received</a:t>
-                      </a:r>
-                      <a:endParaRPr sz="1400">
-                        <a:latin typeface="Calibri"/>
-                        <a:cs typeface="Calibri"/>
-                      </a:endParaRPr>
-                    </a:p>
-                  </a:txBody>
-                  <a:tcPr marL="0" marR="0" marT="34290" marB="0">
-                    <a:lnL w="12700">
-                      <a:solidFill>
-                        <a:srgbClr val="FFFFFF"/>
-                      </a:solidFill>
-                      <a:prstDash val="solid"/>
-                    </a:lnL>
-                    <a:lnR w="12700">
-                      <a:solidFill>
-                        <a:srgbClr val="FFFFFF"/>
-                      </a:solidFill>
-                      <a:prstDash val="solid"/>
-                    </a:lnR>
-                    <a:lnT w="12700">
-                      <a:solidFill>
-                        <a:srgbClr val="FFFFFF"/>
-                      </a:solidFill>
-                      <a:prstDash val="solid"/>
-                    </a:lnT>
-                    <a:lnB w="38100">
-                      <a:solidFill>
-                        <a:srgbClr val="FFFFFF"/>
-                      </a:solidFill>
-                      <a:prstDash val="solid"/>
-                    </a:lnB>
-                    <a:solidFill>
-                      <a:srgbClr val="4F81BC"/>
-                    </a:solidFill>
-                  </a:tcPr>
-                </a:tc>
-                <a:tc>
-                  <a:txBody>
-                    <a:bodyPr/>
-                    <a:lstStyle/>
-                    <a:p>
-                      <a:pPr marL="92075">
-                        <a:lnSpc>
-                          <a:spcPct val="100000"/>
-                        </a:lnSpc>
-                        <a:spcBef>
-                          <a:spcPts val="270"/>
-                        </a:spcBef>
-                      </a:pPr>
-                      <a:r>
-                        <a:rPr sz="1400" b="1" spc="-5" dirty="0">
-                          <a:solidFill>
-                            <a:srgbClr val="FFFFFF"/>
-                          </a:solidFill>
-                          <a:latin typeface="Calibri"/>
-                          <a:cs typeface="Calibri"/>
-                        </a:rPr>
-                        <a:t>Modifications</a:t>
-                      </a:r>
-                      <a:r>
-                        <a:rPr sz="1400" b="1" spc="-45" dirty="0">
-                          <a:solidFill>
-                            <a:srgbClr val="FFFFFF"/>
-                          </a:solidFill>
-                          <a:latin typeface="Calibri"/>
-                          <a:cs typeface="Calibri"/>
-                        </a:rPr>
-                        <a:t> </a:t>
-                      </a:r>
-                      <a:r>
-                        <a:rPr sz="1400" b="1" spc="-5" dirty="0">
-                          <a:solidFill>
-                            <a:srgbClr val="FFFFFF"/>
-                          </a:solidFill>
-                          <a:latin typeface="Calibri"/>
-                          <a:cs typeface="Calibri"/>
-                        </a:rPr>
-                        <a:t>Implemented</a:t>
-                      </a:r>
-                      <a:endParaRPr sz="1400">
-                        <a:latin typeface="Calibri"/>
-                        <a:cs typeface="Calibri"/>
-                      </a:endParaRPr>
-                    </a:p>
-                  </a:txBody>
-                  <a:tcPr marL="0" marR="0" marT="34290" marB="0">
-                    <a:lnL w="12700">
-                      <a:solidFill>
-                        <a:srgbClr val="FFFFFF"/>
-                      </a:solidFill>
-                      <a:prstDash val="solid"/>
-                    </a:lnL>
-                    <a:lnR w="12700">
-                      <a:solidFill>
-                        <a:srgbClr val="FFFFFF"/>
-                      </a:solidFill>
-                      <a:prstDash val="solid"/>
-                    </a:lnR>
-                    <a:lnT w="12700">
-                      <a:solidFill>
-                        <a:srgbClr val="FFFFFF"/>
-                      </a:solidFill>
-                      <a:prstDash val="solid"/>
-                    </a:lnT>
-                    <a:lnB w="38100">
-                      <a:solidFill>
-                        <a:srgbClr val="FFFFFF"/>
-                      </a:solidFill>
-                      <a:prstDash val="solid"/>
-                    </a:lnB>
-                    <a:solidFill>
-                      <a:srgbClr val="4F81BC"/>
-                    </a:solidFill>
-                  </a:tcPr>
+              <a:tr h="327494">
+                <a:tc>
+                  <a:txBody>
+                    <a:bodyPr/>
+                    <a:lstStyle/>
+                    <a:p>
+                      <a:pPr algn="l" fontAlgn="b"/>
+                      <a:r>
+                        <a:rPr lang="en-SG" sz="1000" u="none" strike="noStrike">
+                          <a:effectLst/>
+                        </a:rPr>
+                        <a:t>Users</a:t>
+                      </a:r>
+                      <a:endParaRPr lang="en-SG" sz="1000" b="0" i="0" u="none" strike="noStrike">
+                        <a:solidFill>
+                          <a:srgbClr val="000000"/>
+                        </a:solidFill>
+                        <a:effectLst/>
+                        <a:latin typeface="Calibri" panose="020F0502020204030204" pitchFamily="34" charset="0"/>
+                      </a:endParaRPr>
+                    </a:p>
+                  </a:txBody>
+                  <a:tcPr marL="9047" marR="9047" marT="9047" marB="0" anchor="b"/>
+                </a:tc>
+                <a:tc>
+                  <a:txBody>
+                    <a:bodyPr/>
+                    <a:lstStyle/>
+                    <a:p>
+                      <a:pPr algn="l" fontAlgn="b"/>
+                      <a:r>
+                        <a:rPr lang="en-SG" sz="1000" u="none" strike="noStrike">
+                          <a:effectLst/>
+                        </a:rPr>
+                        <a:t>Question 1</a:t>
+                      </a:r>
+                      <a:endParaRPr lang="en-SG" sz="1000" b="0" i="0" u="none" strike="noStrike">
+                        <a:solidFill>
+                          <a:srgbClr val="000000"/>
+                        </a:solidFill>
+                        <a:effectLst/>
+                        <a:latin typeface="Calibri" panose="020F0502020204030204" pitchFamily="34" charset="0"/>
+                      </a:endParaRPr>
+                    </a:p>
+                  </a:txBody>
+                  <a:tcPr marL="9047" marR="9047" marT="9047" marB="0" anchor="b"/>
+                </a:tc>
+                <a:tc>
+                  <a:txBody>
+                    <a:bodyPr/>
+                    <a:lstStyle/>
+                    <a:p>
+                      <a:pPr algn="l" fontAlgn="b"/>
+                      <a:r>
+                        <a:rPr lang="en-SG" sz="1000" u="none" strike="noStrike">
+                          <a:effectLst/>
+                        </a:rPr>
+                        <a:t>Question 2</a:t>
+                      </a:r>
+                      <a:endParaRPr lang="en-SG" sz="1000" b="0" i="0" u="none" strike="noStrike">
+                        <a:solidFill>
+                          <a:srgbClr val="000000"/>
+                        </a:solidFill>
+                        <a:effectLst/>
+                        <a:latin typeface="Calibri" panose="020F0502020204030204" pitchFamily="34" charset="0"/>
+                      </a:endParaRPr>
+                    </a:p>
+                  </a:txBody>
+                  <a:tcPr marL="9047" marR="9047" marT="9047" marB="0" anchor="b"/>
+                </a:tc>
+                <a:tc>
+                  <a:txBody>
+                    <a:bodyPr/>
+                    <a:lstStyle/>
+                    <a:p>
+                      <a:pPr algn="l" fontAlgn="b"/>
+                      <a:r>
+                        <a:rPr lang="en-SG" sz="1000" u="none" strike="noStrike">
+                          <a:effectLst/>
+                        </a:rPr>
+                        <a:t>Question 3</a:t>
+                      </a:r>
+                      <a:endParaRPr lang="en-SG" sz="1000" b="0" i="0" u="none" strike="noStrike">
+                        <a:solidFill>
+                          <a:srgbClr val="000000"/>
+                        </a:solidFill>
+                        <a:effectLst/>
+                        <a:latin typeface="Calibri" panose="020F0502020204030204" pitchFamily="34" charset="0"/>
+                      </a:endParaRPr>
+                    </a:p>
+                  </a:txBody>
+                  <a:tcPr marL="9047" marR="9047" marT="9047" marB="0" anchor="b"/>
+                </a:tc>
+                <a:tc>
+                  <a:txBody>
+                    <a:bodyPr/>
+                    <a:lstStyle/>
+                    <a:p>
+                      <a:pPr algn="l" fontAlgn="b"/>
+                      <a:r>
+                        <a:rPr lang="en-SG" sz="1000" u="none" strike="noStrike">
+                          <a:effectLst/>
+                        </a:rPr>
+                        <a:t>Question 4</a:t>
+                      </a:r>
+                      <a:endParaRPr lang="en-SG" sz="1000" b="0" i="0" u="none" strike="noStrike">
+                        <a:solidFill>
+                          <a:srgbClr val="000000"/>
+                        </a:solidFill>
+                        <a:effectLst/>
+                        <a:latin typeface="Calibri" panose="020F0502020204030204" pitchFamily="34" charset="0"/>
+                      </a:endParaRPr>
+                    </a:p>
+                  </a:txBody>
+                  <a:tcPr marL="9047" marR="9047" marT="9047" marB="0" anchor="b"/>
+                </a:tc>
+                <a:tc>
+                  <a:txBody>
+                    <a:bodyPr/>
+                    <a:lstStyle/>
+                    <a:p>
+                      <a:pPr algn="l" fontAlgn="b"/>
+                      <a:r>
+                        <a:rPr lang="en-SG" sz="1000" u="none" strike="noStrike">
+                          <a:effectLst/>
+                        </a:rPr>
+                        <a:t>Question 5</a:t>
+                      </a:r>
+                      <a:endParaRPr lang="en-SG" sz="1000" b="0" i="0" u="none" strike="noStrike">
+                        <a:solidFill>
+                          <a:srgbClr val="000000"/>
+                        </a:solidFill>
+                        <a:effectLst/>
+                        <a:latin typeface="Calibri" panose="020F0502020204030204" pitchFamily="34" charset="0"/>
+                      </a:endParaRPr>
+                    </a:p>
+                  </a:txBody>
+                  <a:tcPr marL="9047" marR="9047" marT="9047" marB="0" anchor="b"/>
+                </a:tc>
+                <a:tc>
+                  <a:txBody>
+                    <a:bodyPr/>
+                    <a:lstStyle/>
+                    <a:p>
+                      <a:pPr algn="l" fontAlgn="b"/>
+                      <a:r>
+                        <a:rPr lang="en-SG" sz="1000" u="none" strike="noStrike">
+                          <a:effectLst/>
+                        </a:rPr>
+                        <a:t>Question 6</a:t>
+                      </a:r>
+                      <a:endParaRPr lang="en-SG" sz="1000" b="0" i="0" u="none" strike="noStrike">
+                        <a:solidFill>
+                          <a:srgbClr val="000000"/>
+                        </a:solidFill>
+                        <a:effectLst/>
+                        <a:latin typeface="Calibri" panose="020F0502020204030204" pitchFamily="34" charset="0"/>
+                      </a:endParaRPr>
+                    </a:p>
+                  </a:txBody>
+                  <a:tcPr marL="9047" marR="9047" marT="9047" marB="0" anchor="b"/>
+                </a:tc>
+                <a:tc>
+                  <a:txBody>
+                    <a:bodyPr/>
+                    <a:lstStyle/>
+                    <a:p>
+                      <a:pPr algn="l" fontAlgn="b"/>
+                      <a:r>
+                        <a:rPr lang="en-SG" sz="1000" u="none" strike="noStrike">
+                          <a:effectLst/>
+                        </a:rPr>
+                        <a:t>Question 7</a:t>
+                      </a:r>
+                      <a:endParaRPr lang="en-SG" sz="1000" b="0" i="0" u="none" strike="noStrike">
+                        <a:solidFill>
+                          <a:srgbClr val="000000"/>
+                        </a:solidFill>
+                        <a:effectLst/>
+                        <a:latin typeface="Calibri" panose="020F0502020204030204" pitchFamily="34" charset="0"/>
+                      </a:endParaRPr>
+                    </a:p>
+                  </a:txBody>
+                  <a:tcPr marL="9047" marR="9047" marT="9047" marB="0" anchor="b"/>
+                </a:tc>
+                <a:tc>
+                  <a:txBody>
+                    <a:bodyPr/>
+                    <a:lstStyle/>
+                    <a:p>
+                      <a:pPr algn="l" fontAlgn="b"/>
+                      <a:r>
+                        <a:rPr lang="en-SG" sz="1000" u="none" strike="noStrike">
+                          <a:effectLst/>
+                        </a:rPr>
+                        <a:t>Question 8</a:t>
+                      </a:r>
+                      <a:endParaRPr lang="en-SG" sz="1000" b="0" i="0" u="none" strike="noStrike">
+                        <a:solidFill>
+                          <a:srgbClr val="000000"/>
+                        </a:solidFill>
+                        <a:effectLst/>
+                        <a:latin typeface="Calibri" panose="020F0502020204030204" pitchFamily="34" charset="0"/>
+                      </a:endParaRPr>
+                    </a:p>
+                  </a:txBody>
+                  <a:tcPr marL="9047" marR="9047" marT="9047" marB="0" anchor="b"/>
+                </a:tc>
+                <a:tc>
+                  <a:txBody>
+                    <a:bodyPr/>
+                    <a:lstStyle/>
+                    <a:p>
+                      <a:pPr algn="l" fontAlgn="b"/>
+                      <a:r>
+                        <a:rPr lang="en-SG" sz="1000" u="none" strike="noStrike">
+                          <a:effectLst/>
+                        </a:rPr>
+                        <a:t>Question 9</a:t>
+                      </a:r>
+                      <a:endParaRPr lang="en-SG" sz="1000" b="0" i="0" u="none" strike="noStrike">
+                        <a:solidFill>
+                          <a:srgbClr val="000000"/>
+                        </a:solidFill>
+                        <a:effectLst/>
+                        <a:latin typeface="Calibri" panose="020F0502020204030204" pitchFamily="34" charset="0"/>
+                      </a:endParaRPr>
+                    </a:p>
+                  </a:txBody>
+                  <a:tcPr marL="9047" marR="9047" marT="9047" marB="0" anchor="b"/>
                 </a:tc>
                 <a:extLst>
                   <a:ext uri="{0D108BD9-81ED-4DB2-BD59-A6C34878D82A}">
-                    <a16:rowId xmlns:a16="http://schemas.microsoft.com/office/drawing/2014/main" val="10000"/>
+                    <a16:rowId xmlns:a16="http://schemas.microsoft.com/office/drawing/2014/main" val="2640740267"/>
                   </a:ext>
                 </a:extLst>
               </a:tr>
-              <a:tr h="370967">
-                <a:tc>
-                  <a:txBody>
-                    <a:bodyPr/>
-                    <a:lstStyle/>
-                    <a:p>
-                      <a:pPr>
-                        <a:lnSpc>
-                          <a:spcPct val="100000"/>
-                        </a:lnSpc>
-                      </a:pPr>
-                      <a:endParaRPr sz="1700">
-                        <a:latin typeface="Times New Roman"/>
-                        <a:cs typeface="Times New Roman"/>
-                      </a:endParaRPr>
-                    </a:p>
-                  </a:txBody>
-                  <a:tcPr marL="0" marR="0" marT="0" marB="0">
-                    <a:lnL w="12700">
-                      <a:solidFill>
-                        <a:srgbClr val="FFFFFF"/>
-                      </a:solidFill>
-                      <a:prstDash val="solid"/>
-                    </a:lnL>
-                    <a:lnR w="12700">
-                      <a:solidFill>
-                        <a:srgbClr val="FFFFFF"/>
-                      </a:solidFill>
-                      <a:prstDash val="solid"/>
-                    </a:lnR>
-                    <a:lnT w="38100">
-                      <a:solidFill>
-                        <a:srgbClr val="FFFFFF"/>
-                      </a:solidFill>
-                      <a:prstDash val="solid"/>
-                    </a:lnT>
-                    <a:lnB w="12700">
-                      <a:solidFill>
-                        <a:srgbClr val="FFFFFF"/>
-                      </a:solidFill>
-                      <a:prstDash val="solid"/>
-                    </a:lnB>
-                    <a:solidFill>
-                      <a:srgbClr val="D0D7E8"/>
-                    </a:solidFill>
-                  </a:tcPr>
-                </a:tc>
-                <a:tc>
-                  <a:txBody>
-                    <a:bodyPr/>
-                    <a:lstStyle/>
-                    <a:p>
-                      <a:pPr>
-                        <a:lnSpc>
-                          <a:spcPct val="100000"/>
-                        </a:lnSpc>
-                      </a:pPr>
-                      <a:endParaRPr sz="1700">
-                        <a:latin typeface="Times New Roman"/>
-                        <a:cs typeface="Times New Roman"/>
-                      </a:endParaRPr>
-                    </a:p>
-                  </a:txBody>
-                  <a:tcPr marL="0" marR="0" marT="0" marB="0">
-                    <a:lnL w="12700">
-                      <a:solidFill>
-                        <a:srgbClr val="FFFFFF"/>
-                      </a:solidFill>
-                      <a:prstDash val="solid"/>
-                    </a:lnL>
-                    <a:lnR w="12700">
-                      <a:solidFill>
-                        <a:srgbClr val="FFFFFF"/>
-                      </a:solidFill>
-                      <a:prstDash val="solid"/>
-                    </a:lnR>
-                    <a:lnT w="38100">
-                      <a:solidFill>
-                        <a:srgbClr val="FFFFFF"/>
-                      </a:solidFill>
-                      <a:prstDash val="solid"/>
-                    </a:lnT>
-                    <a:lnB w="12700">
-                      <a:solidFill>
-                        <a:srgbClr val="FFFFFF"/>
-                      </a:solidFill>
-                      <a:prstDash val="solid"/>
-                    </a:lnB>
-                    <a:solidFill>
-                      <a:srgbClr val="D0D7E8"/>
-                    </a:solidFill>
-                  </a:tcPr>
-                </a:tc>
-                <a:tc>
-                  <a:txBody>
-                    <a:bodyPr/>
-                    <a:lstStyle/>
-                    <a:p>
-                      <a:pPr>
-                        <a:lnSpc>
-                          <a:spcPct val="100000"/>
-                        </a:lnSpc>
-                      </a:pPr>
-                      <a:endParaRPr sz="1700">
-                        <a:latin typeface="Times New Roman"/>
-                        <a:cs typeface="Times New Roman"/>
-                      </a:endParaRPr>
-                    </a:p>
-                  </a:txBody>
-                  <a:tcPr marL="0" marR="0" marT="0" marB="0">
-                    <a:lnL w="12700">
-                      <a:solidFill>
-                        <a:srgbClr val="FFFFFF"/>
-                      </a:solidFill>
-                      <a:prstDash val="solid"/>
-                    </a:lnL>
-                    <a:lnR w="12700">
-                      <a:solidFill>
-                        <a:srgbClr val="FFFFFF"/>
-                      </a:solidFill>
-                      <a:prstDash val="solid"/>
-                    </a:lnR>
-                    <a:lnT w="38100">
-                      <a:solidFill>
-                        <a:srgbClr val="FFFFFF"/>
-                      </a:solidFill>
-                      <a:prstDash val="solid"/>
-                    </a:lnT>
-                    <a:lnB w="12700">
-                      <a:solidFill>
-                        <a:srgbClr val="FFFFFF"/>
-                      </a:solidFill>
-                      <a:prstDash val="solid"/>
-                    </a:lnB>
-                    <a:solidFill>
-                      <a:srgbClr val="D0D7E8"/>
-                    </a:solidFill>
-                  </a:tcPr>
-                </a:tc>
-                <a:tc>
-                  <a:txBody>
-                    <a:bodyPr/>
-                    <a:lstStyle/>
-                    <a:p>
-                      <a:pPr>
-                        <a:lnSpc>
-                          <a:spcPct val="100000"/>
-                        </a:lnSpc>
-                      </a:pPr>
-                      <a:endParaRPr sz="1700">
-                        <a:latin typeface="Times New Roman"/>
-                        <a:cs typeface="Times New Roman"/>
-                      </a:endParaRPr>
-                    </a:p>
-                  </a:txBody>
-                  <a:tcPr marL="0" marR="0" marT="0" marB="0">
-                    <a:lnL w="12700">
-                      <a:solidFill>
-                        <a:srgbClr val="FFFFFF"/>
-                      </a:solidFill>
-                      <a:prstDash val="solid"/>
-                    </a:lnL>
-                    <a:lnR w="12700">
-                      <a:solidFill>
-                        <a:srgbClr val="FFFFFF"/>
-                      </a:solidFill>
-                      <a:prstDash val="solid"/>
-                    </a:lnR>
-                    <a:lnT w="38100">
-                      <a:solidFill>
-                        <a:srgbClr val="FFFFFF"/>
-                      </a:solidFill>
-                      <a:prstDash val="solid"/>
-                    </a:lnT>
-                    <a:lnB w="12700">
-                      <a:solidFill>
-                        <a:srgbClr val="FFFFFF"/>
-                      </a:solidFill>
-                      <a:prstDash val="solid"/>
-                    </a:lnB>
-                    <a:solidFill>
-                      <a:srgbClr val="D0D7E8"/>
-                    </a:solidFill>
-                  </a:tcPr>
+              <a:tr h="325684">
+                <a:tc>
+                  <a:txBody>
+                    <a:bodyPr/>
+                    <a:lstStyle/>
+                    <a:p>
+                      <a:pPr algn="l" fontAlgn="b"/>
+                      <a:r>
+                        <a:rPr lang="en-SG" sz="1000" u="none" strike="noStrike">
+                          <a:effectLst/>
+                        </a:rPr>
+                        <a:t>Wei Ting</a:t>
+                      </a:r>
+                      <a:endParaRPr lang="en-SG" sz="1000" b="0" i="0" u="none" strike="noStrike">
+                        <a:solidFill>
+                          <a:srgbClr val="000000"/>
+                        </a:solidFill>
+                        <a:effectLst/>
+                        <a:latin typeface="Calibri" panose="020F0502020204030204" pitchFamily="34" charset="0"/>
+                      </a:endParaRPr>
+                    </a:p>
+                  </a:txBody>
+                  <a:tcPr marL="9047" marR="9047" marT="9047" marB="0" anchor="b"/>
+                </a:tc>
+                <a:tc>
+                  <a:txBody>
+                    <a:bodyPr/>
+                    <a:lstStyle/>
+                    <a:p>
+                      <a:pPr algn="l" fontAlgn="b"/>
+                      <a:r>
+                        <a:rPr lang="en-SG" sz="1000" u="none" strike="noStrike">
+                          <a:effectLst/>
+                        </a:rPr>
+                        <a:t>Architect</a:t>
+                      </a:r>
+                      <a:endParaRPr lang="en-SG" sz="1000" b="0" i="0" u="none" strike="noStrike">
+                        <a:solidFill>
+                          <a:srgbClr val="000000"/>
+                        </a:solidFill>
+                        <a:effectLst/>
+                        <a:latin typeface="Calibri" panose="020F0502020204030204" pitchFamily="34" charset="0"/>
+                      </a:endParaRPr>
+                    </a:p>
+                  </a:txBody>
+                  <a:tcPr marL="9047" marR="9047" marT="9047" marB="0" anchor="b"/>
+                </a:tc>
+                <a:tc>
+                  <a:txBody>
+                    <a:bodyPr/>
+                    <a:lstStyle/>
+                    <a:p>
+                      <a:pPr algn="r" fontAlgn="b"/>
+                      <a:r>
+                        <a:rPr lang="en-SG" sz="1000" u="none" strike="noStrike">
+                          <a:effectLst/>
+                        </a:rPr>
+                        <a:t>5</a:t>
+                      </a:r>
+                      <a:endParaRPr lang="en-SG" sz="1000" b="0" i="0" u="none" strike="noStrike">
+                        <a:solidFill>
+                          <a:srgbClr val="000000"/>
+                        </a:solidFill>
+                        <a:effectLst/>
+                        <a:latin typeface="Calibri" panose="020F0502020204030204" pitchFamily="34" charset="0"/>
+                      </a:endParaRPr>
+                    </a:p>
+                  </a:txBody>
+                  <a:tcPr marL="9047" marR="9047" marT="9047" marB="0" anchor="b"/>
+                </a:tc>
+                <a:tc>
+                  <a:txBody>
+                    <a:bodyPr/>
+                    <a:lstStyle/>
+                    <a:p>
+                      <a:pPr algn="r" fontAlgn="b"/>
+                      <a:r>
+                        <a:rPr lang="en-SG" sz="1000" u="none" strike="noStrike">
+                          <a:effectLst/>
+                        </a:rPr>
+                        <a:t>3</a:t>
+                      </a:r>
+                      <a:endParaRPr lang="en-SG" sz="1000" b="0" i="0" u="none" strike="noStrike">
+                        <a:solidFill>
+                          <a:srgbClr val="000000"/>
+                        </a:solidFill>
+                        <a:effectLst/>
+                        <a:latin typeface="Calibri" panose="020F0502020204030204" pitchFamily="34" charset="0"/>
+                      </a:endParaRPr>
+                    </a:p>
+                  </a:txBody>
+                  <a:tcPr marL="9047" marR="9047" marT="9047" marB="0" anchor="b"/>
+                </a:tc>
+                <a:tc>
+                  <a:txBody>
+                    <a:bodyPr/>
+                    <a:lstStyle/>
+                    <a:p>
+                      <a:pPr algn="r" fontAlgn="b"/>
+                      <a:r>
+                        <a:rPr lang="en-SG" sz="1000" u="none" strike="noStrike">
+                          <a:effectLst/>
+                        </a:rPr>
+                        <a:t>2</a:t>
+                      </a:r>
+                      <a:endParaRPr lang="en-SG" sz="1000" b="0" i="0" u="none" strike="noStrike">
+                        <a:solidFill>
+                          <a:srgbClr val="000000"/>
+                        </a:solidFill>
+                        <a:effectLst/>
+                        <a:latin typeface="Calibri" panose="020F0502020204030204" pitchFamily="34" charset="0"/>
+                      </a:endParaRPr>
+                    </a:p>
+                  </a:txBody>
+                  <a:tcPr marL="9047" marR="9047" marT="9047" marB="0" anchor="b"/>
+                </a:tc>
+                <a:tc>
+                  <a:txBody>
+                    <a:bodyPr/>
+                    <a:lstStyle/>
+                    <a:p>
+                      <a:pPr algn="r" fontAlgn="b"/>
+                      <a:r>
+                        <a:rPr lang="en-SG" sz="1000" u="none" strike="noStrike">
+                          <a:effectLst/>
+                        </a:rPr>
+                        <a:t>2:24</a:t>
+                      </a:r>
+                      <a:endParaRPr lang="en-SG" sz="1000" b="0" i="0" u="none" strike="noStrike">
+                        <a:solidFill>
+                          <a:srgbClr val="000000"/>
+                        </a:solidFill>
+                        <a:effectLst/>
+                        <a:latin typeface="Calibri" panose="020F0502020204030204" pitchFamily="34" charset="0"/>
+                      </a:endParaRPr>
+                    </a:p>
+                  </a:txBody>
+                  <a:tcPr marL="9047" marR="9047" marT="9047" marB="0" anchor="b"/>
+                </a:tc>
+                <a:tc>
+                  <a:txBody>
+                    <a:bodyPr/>
+                    <a:lstStyle/>
+                    <a:p>
+                      <a:pPr algn="r" fontAlgn="b"/>
+                      <a:r>
+                        <a:rPr lang="en-SG" sz="1000" u="none" strike="noStrike">
+                          <a:effectLst/>
+                        </a:rPr>
+                        <a:t>3</a:t>
+                      </a:r>
+                      <a:endParaRPr lang="en-SG" sz="1000" b="0" i="0" u="none" strike="noStrike">
+                        <a:solidFill>
+                          <a:srgbClr val="000000"/>
+                        </a:solidFill>
+                        <a:effectLst/>
+                        <a:latin typeface="Calibri" panose="020F0502020204030204" pitchFamily="34" charset="0"/>
+                      </a:endParaRPr>
+                    </a:p>
+                  </a:txBody>
+                  <a:tcPr marL="9047" marR="9047" marT="9047" marB="0" anchor="b"/>
+                </a:tc>
+                <a:tc>
+                  <a:txBody>
+                    <a:bodyPr/>
+                    <a:lstStyle/>
+                    <a:p>
+                      <a:pPr algn="l" fontAlgn="b"/>
+                      <a:r>
+                        <a:rPr lang="en-US" sz="1000" u="none" strike="noStrike">
+                          <a:effectLst/>
+                        </a:rPr>
+                        <a:t>The flower collection is pretty nice</a:t>
+                      </a:r>
+                      <a:endParaRPr lang="en-US" sz="1000" b="0" i="0" u="none" strike="noStrike">
+                        <a:solidFill>
+                          <a:srgbClr val="000000"/>
+                        </a:solidFill>
+                        <a:effectLst/>
+                        <a:latin typeface="Calibri" panose="020F0502020204030204" pitchFamily="34" charset="0"/>
+                      </a:endParaRPr>
+                    </a:p>
+                  </a:txBody>
+                  <a:tcPr marL="9047" marR="9047" marT="9047" marB="0" anchor="b"/>
+                </a:tc>
+                <a:tc>
+                  <a:txBody>
+                    <a:bodyPr/>
+                    <a:lstStyle/>
+                    <a:p>
+                      <a:pPr algn="l" fontAlgn="b"/>
+                      <a:r>
+                        <a:rPr lang="en-US" sz="1000" u="none" strike="noStrike">
+                          <a:effectLst/>
+                        </a:rPr>
+                        <a:t>Finding the profile page took time</a:t>
+                      </a:r>
+                      <a:endParaRPr lang="en-US" sz="1000" b="0" i="0" u="none" strike="noStrike">
+                        <a:solidFill>
+                          <a:srgbClr val="000000"/>
+                        </a:solidFill>
+                        <a:effectLst/>
+                        <a:latin typeface="Calibri" panose="020F0502020204030204" pitchFamily="34" charset="0"/>
+                      </a:endParaRPr>
+                    </a:p>
+                  </a:txBody>
+                  <a:tcPr marL="9047" marR="9047" marT="9047" marB="0" anchor="b"/>
+                </a:tc>
+                <a:tc>
+                  <a:txBody>
+                    <a:bodyPr/>
+                    <a:lstStyle/>
+                    <a:p>
+                      <a:pPr algn="r" fontAlgn="b"/>
+                      <a:r>
+                        <a:rPr lang="en-SG" sz="1000" u="none" strike="noStrike">
+                          <a:effectLst/>
+                        </a:rPr>
+                        <a:t>3</a:t>
+                      </a:r>
+                      <a:endParaRPr lang="en-SG" sz="1000" b="0" i="0" u="none" strike="noStrike">
+                        <a:solidFill>
+                          <a:srgbClr val="000000"/>
+                        </a:solidFill>
+                        <a:effectLst/>
+                        <a:latin typeface="Calibri" panose="020F0502020204030204" pitchFamily="34" charset="0"/>
+                      </a:endParaRPr>
+                    </a:p>
+                  </a:txBody>
+                  <a:tcPr marL="9047" marR="9047" marT="9047" marB="0" anchor="b"/>
                 </a:tc>
                 <a:extLst>
                   <a:ext uri="{0D108BD9-81ED-4DB2-BD59-A6C34878D82A}">
-                    <a16:rowId xmlns:a16="http://schemas.microsoft.com/office/drawing/2014/main" val="10001"/>
+                    <a16:rowId xmlns:a16="http://schemas.microsoft.com/office/drawing/2014/main" val="147826265"/>
                   </a:ext>
                 </a:extLst>
               </a:tr>
-              <a:tr h="370966">
-                <a:tc>
-                  <a:txBody>
-                    <a:bodyPr/>
-                    <a:lstStyle/>
-                    <a:p>
-                      <a:pPr>
-                        <a:lnSpc>
-                          <a:spcPct val="100000"/>
-                        </a:lnSpc>
-                      </a:pPr>
-                      <a:endParaRPr sz="1700">
-                        <a:latin typeface="Times New Roman"/>
-                        <a:cs typeface="Times New Roman"/>
-                      </a:endParaRPr>
-                    </a:p>
-                  </a:txBody>
-                  <a:tcPr marL="0" marR="0" marT="0" marB="0">
-                    <a:lnL w="12700">
-                      <a:solidFill>
-                        <a:srgbClr val="FFFFFF"/>
-                      </a:solidFill>
-                      <a:prstDash val="solid"/>
-                    </a:lnL>
-                    <a:lnR w="12700">
-                      <a:solidFill>
-                        <a:srgbClr val="FFFFFF"/>
-                      </a:solidFill>
-                      <a:prstDash val="solid"/>
-                    </a:lnR>
-                    <a:lnT w="12700">
-                      <a:solidFill>
-                        <a:srgbClr val="FFFFFF"/>
-                      </a:solidFill>
-                      <a:prstDash val="solid"/>
-                    </a:lnT>
-                    <a:lnB w="12700">
-                      <a:solidFill>
-                        <a:srgbClr val="FFFFFF"/>
-                      </a:solidFill>
-                      <a:prstDash val="solid"/>
-                    </a:lnB>
-                    <a:solidFill>
-                      <a:srgbClr val="E9ECF4"/>
-                    </a:solidFill>
-                  </a:tcPr>
-                </a:tc>
-                <a:tc>
-                  <a:txBody>
-                    <a:bodyPr/>
-                    <a:lstStyle/>
-                    <a:p>
-                      <a:pPr>
-                        <a:lnSpc>
-                          <a:spcPct val="100000"/>
-                        </a:lnSpc>
-                      </a:pPr>
-                      <a:endParaRPr sz="1700">
-                        <a:latin typeface="Times New Roman"/>
-                        <a:cs typeface="Times New Roman"/>
-                      </a:endParaRPr>
-                    </a:p>
-                  </a:txBody>
-                  <a:tcPr marL="0" marR="0" marT="0" marB="0">
-                    <a:lnL w="12700">
-                      <a:solidFill>
-                        <a:srgbClr val="FFFFFF"/>
-                      </a:solidFill>
-                      <a:prstDash val="solid"/>
-                    </a:lnL>
-                    <a:lnR w="12700">
-                      <a:solidFill>
-                        <a:srgbClr val="FFFFFF"/>
-                      </a:solidFill>
-                      <a:prstDash val="solid"/>
-                    </a:lnR>
-                    <a:lnT w="12700">
-                      <a:solidFill>
-                        <a:srgbClr val="FFFFFF"/>
-                      </a:solidFill>
-                      <a:prstDash val="solid"/>
-                    </a:lnT>
-                    <a:lnB w="12700">
-                      <a:solidFill>
-                        <a:srgbClr val="FFFFFF"/>
-                      </a:solidFill>
-                      <a:prstDash val="solid"/>
-                    </a:lnB>
-                    <a:solidFill>
-                      <a:srgbClr val="E9ECF4"/>
-                    </a:solidFill>
-                  </a:tcPr>
-                </a:tc>
-                <a:tc>
-                  <a:txBody>
-                    <a:bodyPr/>
-                    <a:lstStyle/>
-                    <a:p>
-                      <a:pPr>
-                        <a:lnSpc>
-                          <a:spcPct val="100000"/>
-                        </a:lnSpc>
-                      </a:pPr>
-                      <a:endParaRPr sz="1700">
-                        <a:latin typeface="Times New Roman"/>
-                        <a:cs typeface="Times New Roman"/>
-                      </a:endParaRPr>
-                    </a:p>
-                  </a:txBody>
-                  <a:tcPr marL="0" marR="0" marT="0" marB="0">
-                    <a:lnL w="12700">
-                      <a:solidFill>
-                        <a:srgbClr val="FFFFFF"/>
-                      </a:solidFill>
-                      <a:prstDash val="solid"/>
-                    </a:lnL>
-                    <a:lnR w="12700">
-                      <a:solidFill>
-                        <a:srgbClr val="FFFFFF"/>
-                      </a:solidFill>
-                      <a:prstDash val="solid"/>
-                    </a:lnR>
-                    <a:lnT w="12700">
-                      <a:solidFill>
-                        <a:srgbClr val="FFFFFF"/>
-                      </a:solidFill>
-                      <a:prstDash val="solid"/>
-                    </a:lnT>
-                    <a:lnB w="12700">
-                      <a:solidFill>
-                        <a:srgbClr val="FFFFFF"/>
-                      </a:solidFill>
-                      <a:prstDash val="solid"/>
-                    </a:lnB>
-                    <a:solidFill>
-                      <a:srgbClr val="E9ECF4"/>
-                    </a:solidFill>
-                  </a:tcPr>
-                </a:tc>
-                <a:tc>
-                  <a:txBody>
-                    <a:bodyPr/>
-                    <a:lstStyle/>
-                    <a:p>
-                      <a:pPr>
-                        <a:lnSpc>
-                          <a:spcPct val="100000"/>
-                        </a:lnSpc>
-                      </a:pPr>
-                      <a:endParaRPr sz="1700">
-                        <a:latin typeface="Times New Roman"/>
-                        <a:cs typeface="Times New Roman"/>
-                      </a:endParaRPr>
-                    </a:p>
-                  </a:txBody>
-                  <a:tcPr marL="0" marR="0" marT="0" marB="0">
-                    <a:lnL w="12700">
-                      <a:solidFill>
-                        <a:srgbClr val="FFFFFF"/>
-                      </a:solidFill>
-                      <a:prstDash val="solid"/>
-                    </a:lnL>
-                    <a:lnR w="12700">
-                      <a:solidFill>
-                        <a:srgbClr val="FFFFFF"/>
-                      </a:solidFill>
-                      <a:prstDash val="solid"/>
-                    </a:lnR>
-                    <a:lnT w="12700">
-                      <a:solidFill>
-                        <a:srgbClr val="FFFFFF"/>
-                      </a:solidFill>
-                      <a:prstDash val="solid"/>
-                    </a:lnT>
-                    <a:lnB w="12700">
-                      <a:solidFill>
-                        <a:srgbClr val="FFFFFF"/>
-                      </a:solidFill>
-                      <a:prstDash val="solid"/>
-                    </a:lnB>
-                    <a:solidFill>
-                      <a:srgbClr val="E9ECF4"/>
-                    </a:solidFill>
-                  </a:tcPr>
+              <a:tr h="361872">
+                <a:tc>
+                  <a:txBody>
+                    <a:bodyPr/>
+                    <a:lstStyle/>
+                    <a:p>
+                      <a:pPr algn="l" fontAlgn="b"/>
+                      <a:r>
+                        <a:rPr lang="en-SG" sz="1000" u="none" strike="noStrike">
+                          <a:effectLst/>
+                        </a:rPr>
+                        <a:t>Sze Yuan</a:t>
+                      </a:r>
+                      <a:endParaRPr lang="en-SG" sz="1000" b="0" i="0" u="none" strike="noStrike">
+                        <a:solidFill>
+                          <a:srgbClr val="000000"/>
+                        </a:solidFill>
+                        <a:effectLst/>
+                        <a:latin typeface="Calibri" panose="020F0502020204030204" pitchFamily="34" charset="0"/>
+                      </a:endParaRPr>
+                    </a:p>
+                  </a:txBody>
+                  <a:tcPr marL="9047" marR="9047" marT="9047" marB="0" anchor="b"/>
+                </a:tc>
+                <a:tc>
+                  <a:txBody>
+                    <a:bodyPr/>
+                    <a:lstStyle/>
+                    <a:p>
+                      <a:pPr algn="l" fontAlgn="b"/>
+                      <a:r>
+                        <a:rPr lang="en-SG" sz="1000" u="none" strike="noStrike">
+                          <a:effectLst/>
+                        </a:rPr>
+                        <a:t>Technical Engineer</a:t>
+                      </a:r>
+                      <a:endParaRPr lang="en-SG" sz="1000" b="0" i="0" u="none" strike="noStrike">
+                        <a:solidFill>
+                          <a:srgbClr val="000000"/>
+                        </a:solidFill>
+                        <a:effectLst/>
+                        <a:latin typeface="Calibri" panose="020F0502020204030204" pitchFamily="34" charset="0"/>
+                      </a:endParaRPr>
+                    </a:p>
+                  </a:txBody>
+                  <a:tcPr marL="9047" marR="9047" marT="9047" marB="0" anchor="b"/>
+                </a:tc>
+                <a:tc>
+                  <a:txBody>
+                    <a:bodyPr/>
+                    <a:lstStyle/>
+                    <a:p>
+                      <a:pPr algn="r" fontAlgn="b"/>
+                      <a:r>
+                        <a:rPr lang="en-SG" sz="1000" u="none" strike="noStrike">
+                          <a:effectLst/>
+                        </a:rPr>
+                        <a:t>5</a:t>
+                      </a:r>
+                      <a:endParaRPr lang="en-SG" sz="1000" b="0" i="0" u="none" strike="noStrike">
+                        <a:solidFill>
+                          <a:srgbClr val="000000"/>
+                        </a:solidFill>
+                        <a:effectLst/>
+                        <a:latin typeface="Calibri" panose="020F0502020204030204" pitchFamily="34" charset="0"/>
+                      </a:endParaRPr>
+                    </a:p>
+                  </a:txBody>
+                  <a:tcPr marL="9047" marR="9047" marT="9047" marB="0" anchor="b"/>
+                </a:tc>
+                <a:tc>
+                  <a:txBody>
+                    <a:bodyPr/>
+                    <a:lstStyle/>
+                    <a:p>
+                      <a:pPr algn="r" fontAlgn="b"/>
+                      <a:r>
+                        <a:rPr lang="en-SG" sz="1000" u="none" strike="noStrike">
+                          <a:effectLst/>
+                        </a:rPr>
+                        <a:t>4</a:t>
+                      </a:r>
+                      <a:endParaRPr lang="en-SG" sz="1000" b="0" i="0" u="none" strike="noStrike">
+                        <a:solidFill>
+                          <a:srgbClr val="000000"/>
+                        </a:solidFill>
+                        <a:effectLst/>
+                        <a:latin typeface="Calibri" panose="020F0502020204030204" pitchFamily="34" charset="0"/>
+                      </a:endParaRPr>
+                    </a:p>
+                  </a:txBody>
+                  <a:tcPr marL="9047" marR="9047" marT="9047" marB="0" anchor="b"/>
+                </a:tc>
+                <a:tc>
+                  <a:txBody>
+                    <a:bodyPr/>
+                    <a:lstStyle/>
+                    <a:p>
+                      <a:pPr algn="r" fontAlgn="b"/>
+                      <a:r>
+                        <a:rPr lang="en-SG" sz="1000" u="none" strike="noStrike">
+                          <a:effectLst/>
+                        </a:rPr>
+                        <a:t>1</a:t>
+                      </a:r>
+                      <a:endParaRPr lang="en-SG" sz="1000" b="0" i="0" u="none" strike="noStrike">
+                        <a:solidFill>
+                          <a:srgbClr val="000000"/>
+                        </a:solidFill>
+                        <a:effectLst/>
+                        <a:latin typeface="Calibri" panose="020F0502020204030204" pitchFamily="34" charset="0"/>
+                      </a:endParaRPr>
+                    </a:p>
+                  </a:txBody>
+                  <a:tcPr marL="9047" marR="9047" marT="9047" marB="0" anchor="b"/>
+                </a:tc>
+                <a:tc>
+                  <a:txBody>
+                    <a:bodyPr/>
+                    <a:lstStyle/>
+                    <a:p>
+                      <a:pPr algn="r" fontAlgn="b"/>
+                      <a:r>
+                        <a:rPr lang="en-SG" sz="1000" u="none" strike="noStrike">
+                          <a:effectLst/>
+                        </a:rPr>
+                        <a:t>1:15</a:t>
+                      </a:r>
+                      <a:endParaRPr lang="en-SG" sz="1000" b="0" i="0" u="none" strike="noStrike">
+                        <a:solidFill>
+                          <a:srgbClr val="000000"/>
+                        </a:solidFill>
+                        <a:effectLst/>
+                        <a:latin typeface="Calibri" panose="020F0502020204030204" pitchFamily="34" charset="0"/>
+                      </a:endParaRPr>
+                    </a:p>
+                  </a:txBody>
+                  <a:tcPr marL="9047" marR="9047" marT="9047" marB="0" anchor="b"/>
+                </a:tc>
+                <a:tc>
+                  <a:txBody>
+                    <a:bodyPr/>
+                    <a:lstStyle/>
+                    <a:p>
+                      <a:pPr algn="r" fontAlgn="b"/>
+                      <a:r>
+                        <a:rPr lang="en-SG" sz="1000" u="none" strike="noStrike">
+                          <a:effectLst/>
+                        </a:rPr>
+                        <a:t>3</a:t>
+                      </a:r>
+                      <a:endParaRPr lang="en-SG" sz="1000" b="0" i="0" u="none" strike="noStrike">
+                        <a:solidFill>
+                          <a:srgbClr val="000000"/>
+                        </a:solidFill>
+                        <a:effectLst/>
+                        <a:latin typeface="Calibri" panose="020F0502020204030204" pitchFamily="34" charset="0"/>
+                      </a:endParaRPr>
+                    </a:p>
+                  </a:txBody>
+                  <a:tcPr marL="9047" marR="9047" marT="9047" marB="0" anchor="b"/>
+                </a:tc>
+                <a:tc>
+                  <a:txBody>
+                    <a:bodyPr/>
+                    <a:lstStyle/>
+                    <a:p>
+                      <a:pPr algn="l" fontAlgn="b"/>
+                      <a:r>
+                        <a:rPr lang="en-US" sz="1000" u="none" strike="noStrike">
+                          <a:effectLst/>
+                        </a:rPr>
+                        <a:t>The design is very minimalistic</a:t>
+                      </a:r>
+                      <a:endParaRPr lang="en-US" sz="1000" b="0" i="0" u="none" strike="noStrike">
+                        <a:solidFill>
+                          <a:srgbClr val="000000"/>
+                        </a:solidFill>
+                        <a:effectLst/>
+                        <a:latin typeface="Calibri" panose="020F0502020204030204" pitchFamily="34" charset="0"/>
+                      </a:endParaRPr>
+                    </a:p>
+                  </a:txBody>
+                  <a:tcPr marL="9047" marR="9047" marT="9047" marB="0" anchor="b"/>
+                </a:tc>
+                <a:tc>
+                  <a:txBody>
+                    <a:bodyPr/>
+                    <a:lstStyle/>
+                    <a:p>
+                      <a:pPr algn="l" fontAlgn="b"/>
+                      <a:r>
+                        <a:rPr lang="en-SG" sz="1000" u="none" strike="noStrike">
+                          <a:effectLst/>
+                        </a:rPr>
+                        <a:t>No delivery option</a:t>
+                      </a:r>
+                      <a:endParaRPr lang="en-SG" sz="1000" b="0" i="0" u="none" strike="noStrike">
+                        <a:solidFill>
+                          <a:srgbClr val="000000"/>
+                        </a:solidFill>
+                        <a:effectLst/>
+                        <a:latin typeface="Calibri" panose="020F0502020204030204" pitchFamily="34" charset="0"/>
+                      </a:endParaRPr>
+                    </a:p>
+                  </a:txBody>
+                  <a:tcPr marL="9047" marR="9047" marT="9047" marB="0" anchor="b"/>
+                </a:tc>
+                <a:tc>
+                  <a:txBody>
+                    <a:bodyPr/>
+                    <a:lstStyle/>
+                    <a:p>
+                      <a:pPr algn="r" fontAlgn="b"/>
+                      <a:r>
+                        <a:rPr lang="en-SG" sz="1000" u="none" strike="noStrike">
+                          <a:effectLst/>
+                        </a:rPr>
+                        <a:t>4</a:t>
+                      </a:r>
+                      <a:endParaRPr lang="en-SG" sz="1000" b="0" i="0" u="none" strike="noStrike">
+                        <a:solidFill>
+                          <a:srgbClr val="000000"/>
+                        </a:solidFill>
+                        <a:effectLst/>
+                        <a:latin typeface="Calibri" panose="020F0502020204030204" pitchFamily="34" charset="0"/>
+                      </a:endParaRPr>
+                    </a:p>
+                  </a:txBody>
+                  <a:tcPr marL="9047" marR="9047" marT="9047" marB="0" anchor="b"/>
                 </a:tc>
                 <a:extLst>
                   <a:ext uri="{0D108BD9-81ED-4DB2-BD59-A6C34878D82A}">
-                    <a16:rowId xmlns:a16="http://schemas.microsoft.com/office/drawing/2014/main" val="10002"/>
+                    <a16:rowId xmlns:a16="http://schemas.microsoft.com/office/drawing/2014/main" val="310410713"/>
+                  </a:ext>
+                </a:extLst>
+              </a:tr>
+              <a:tr h="361872">
+                <a:tc>
+                  <a:txBody>
+                    <a:bodyPr/>
+                    <a:lstStyle/>
+                    <a:p>
+                      <a:pPr algn="l" fontAlgn="b"/>
+                      <a:r>
+                        <a:rPr lang="en-SG" sz="1000" u="none" strike="noStrike">
+                          <a:effectLst/>
+                        </a:rPr>
+                        <a:t>Harith</a:t>
+                      </a:r>
+                      <a:endParaRPr lang="en-SG" sz="1000" b="0" i="0" u="none" strike="noStrike">
+                        <a:solidFill>
+                          <a:srgbClr val="000000"/>
+                        </a:solidFill>
+                        <a:effectLst/>
+                        <a:latin typeface="Calibri" panose="020F0502020204030204" pitchFamily="34" charset="0"/>
+                      </a:endParaRPr>
+                    </a:p>
+                  </a:txBody>
+                  <a:tcPr marL="9047" marR="9047" marT="9047" marB="0" anchor="b"/>
+                </a:tc>
+                <a:tc>
+                  <a:txBody>
+                    <a:bodyPr/>
+                    <a:lstStyle/>
+                    <a:p>
+                      <a:pPr algn="l" fontAlgn="b"/>
+                      <a:r>
+                        <a:rPr lang="en-SG" sz="1000" u="none" strike="noStrike">
+                          <a:effectLst/>
+                        </a:rPr>
+                        <a:t>BIM Modeller</a:t>
+                      </a:r>
+                      <a:endParaRPr lang="en-SG" sz="1000" b="0" i="0" u="none" strike="noStrike">
+                        <a:solidFill>
+                          <a:srgbClr val="000000"/>
+                        </a:solidFill>
+                        <a:effectLst/>
+                        <a:latin typeface="Calibri" panose="020F0502020204030204" pitchFamily="34" charset="0"/>
+                      </a:endParaRPr>
+                    </a:p>
+                  </a:txBody>
+                  <a:tcPr marL="9047" marR="9047" marT="9047" marB="0" anchor="b"/>
+                </a:tc>
+                <a:tc>
+                  <a:txBody>
+                    <a:bodyPr/>
+                    <a:lstStyle/>
+                    <a:p>
+                      <a:pPr algn="r" fontAlgn="b"/>
+                      <a:r>
+                        <a:rPr lang="en-SG" sz="1000" u="none" strike="noStrike">
+                          <a:effectLst/>
+                        </a:rPr>
+                        <a:t>5</a:t>
+                      </a:r>
+                      <a:endParaRPr lang="en-SG" sz="1000" b="0" i="0" u="none" strike="noStrike">
+                        <a:solidFill>
+                          <a:srgbClr val="000000"/>
+                        </a:solidFill>
+                        <a:effectLst/>
+                        <a:latin typeface="Calibri" panose="020F0502020204030204" pitchFamily="34" charset="0"/>
+                      </a:endParaRPr>
+                    </a:p>
+                  </a:txBody>
+                  <a:tcPr marL="9047" marR="9047" marT="9047" marB="0" anchor="b"/>
+                </a:tc>
+                <a:tc>
+                  <a:txBody>
+                    <a:bodyPr/>
+                    <a:lstStyle/>
+                    <a:p>
+                      <a:pPr algn="r" fontAlgn="b"/>
+                      <a:r>
+                        <a:rPr lang="en-SG" sz="1000" u="none" strike="noStrike">
+                          <a:effectLst/>
+                        </a:rPr>
+                        <a:t>3</a:t>
+                      </a:r>
+                      <a:endParaRPr lang="en-SG" sz="1000" b="0" i="0" u="none" strike="noStrike">
+                        <a:solidFill>
+                          <a:srgbClr val="000000"/>
+                        </a:solidFill>
+                        <a:effectLst/>
+                        <a:latin typeface="Calibri" panose="020F0502020204030204" pitchFamily="34" charset="0"/>
+                      </a:endParaRPr>
+                    </a:p>
+                  </a:txBody>
+                  <a:tcPr marL="9047" marR="9047" marT="9047" marB="0" anchor="b"/>
+                </a:tc>
+                <a:tc>
+                  <a:txBody>
+                    <a:bodyPr/>
+                    <a:lstStyle/>
+                    <a:p>
+                      <a:pPr algn="r" fontAlgn="b"/>
+                      <a:r>
+                        <a:rPr lang="en-SG" sz="1000" u="none" strike="noStrike">
+                          <a:effectLst/>
+                        </a:rPr>
+                        <a:t>2</a:t>
+                      </a:r>
+                      <a:endParaRPr lang="en-SG" sz="1000" b="0" i="0" u="none" strike="noStrike">
+                        <a:solidFill>
+                          <a:srgbClr val="000000"/>
+                        </a:solidFill>
+                        <a:effectLst/>
+                        <a:latin typeface="Calibri" panose="020F0502020204030204" pitchFamily="34" charset="0"/>
+                      </a:endParaRPr>
+                    </a:p>
+                  </a:txBody>
+                  <a:tcPr marL="9047" marR="9047" marT="9047" marB="0" anchor="b"/>
+                </a:tc>
+                <a:tc>
+                  <a:txBody>
+                    <a:bodyPr/>
+                    <a:lstStyle/>
+                    <a:p>
+                      <a:pPr algn="r" fontAlgn="b"/>
+                      <a:r>
+                        <a:rPr lang="en-SG" sz="1000" u="none" strike="noStrike">
+                          <a:effectLst/>
+                        </a:rPr>
+                        <a:t>1:45</a:t>
+                      </a:r>
+                      <a:endParaRPr lang="en-SG" sz="1000" b="0" i="0" u="none" strike="noStrike">
+                        <a:solidFill>
+                          <a:srgbClr val="000000"/>
+                        </a:solidFill>
+                        <a:effectLst/>
+                        <a:latin typeface="Calibri" panose="020F0502020204030204" pitchFamily="34" charset="0"/>
+                      </a:endParaRPr>
+                    </a:p>
+                  </a:txBody>
+                  <a:tcPr marL="9047" marR="9047" marT="9047" marB="0" anchor="b"/>
+                </a:tc>
+                <a:tc>
+                  <a:txBody>
+                    <a:bodyPr/>
+                    <a:lstStyle/>
+                    <a:p>
+                      <a:pPr algn="r" fontAlgn="b"/>
+                      <a:r>
+                        <a:rPr lang="en-SG" sz="1000" u="none" strike="noStrike">
+                          <a:effectLst/>
+                        </a:rPr>
+                        <a:t>4</a:t>
+                      </a:r>
+                      <a:endParaRPr lang="en-SG" sz="1000" b="0" i="0" u="none" strike="noStrike">
+                        <a:solidFill>
+                          <a:srgbClr val="000000"/>
+                        </a:solidFill>
+                        <a:effectLst/>
+                        <a:latin typeface="Calibri" panose="020F0502020204030204" pitchFamily="34" charset="0"/>
+                      </a:endParaRPr>
+                    </a:p>
+                  </a:txBody>
+                  <a:tcPr marL="9047" marR="9047" marT="9047" marB="0" anchor="b"/>
+                </a:tc>
+                <a:tc>
+                  <a:txBody>
+                    <a:bodyPr/>
+                    <a:lstStyle/>
+                    <a:p>
+                      <a:pPr algn="l" fontAlgn="b"/>
+                      <a:r>
+                        <a:rPr lang="en-US" sz="1000" u="none" strike="noStrike">
+                          <a:effectLst/>
+                        </a:rPr>
+                        <a:t>The website offer ready made bouquet</a:t>
+                      </a:r>
+                      <a:endParaRPr lang="en-US" sz="1000" b="0" i="0" u="none" strike="noStrike">
+                        <a:solidFill>
+                          <a:srgbClr val="000000"/>
+                        </a:solidFill>
+                        <a:effectLst/>
+                        <a:latin typeface="Calibri" panose="020F0502020204030204" pitchFamily="34" charset="0"/>
+                      </a:endParaRPr>
+                    </a:p>
+                  </a:txBody>
+                  <a:tcPr marL="9047" marR="9047" marT="9047" marB="0" anchor="b"/>
+                </a:tc>
+                <a:tc>
+                  <a:txBody>
+                    <a:bodyPr/>
+                    <a:lstStyle/>
+                    <a:p>
+                      <a:pPr algn="l" fontAlgn="b"/>
+                      <a:r>
+                        <a:rPr lang="en-SG" sz="1000" u="none" strike="noStrike">
+                          <a:effectLst/>
+                        </a:rPr>
+                        <a:t>NIL</a:t>
+                      </a:r>
+                      <a:endParaRPr lang="en-SG" sz="1000" b="0" i="0" u="none" strike="noStrike">
+                        <a:solidFill>
+                          <a:srgbClr val="000000"/>
+                        </a:solidFill>
+                        <a:effectLst/>
+                        <a:latin typeface="Calibri" panose="020F0502020204030204" pitchFamily="34" charset="0"/>
+                      </a:endParaRPr>
+                    </a:p>
+                  </a:txBody>
+                  <a:tcPr marL="9047" marR="9047" marT="9047" marB="0" anchor="b"/>
+                </a:tc>
+                <a:tc>
+                  <a:txBody>
+                    <a:bodyPr/>
+                    <a:lstStyle/>
+                    <a:p>
+                      <a:pPr algn="r" fontAlgn="b"/>
+                      <a:r>
+                        <a:rPr lang="en-SG" sz="1000" u="none" strike="noStrike">
+                          <a:effectLst/>
+                        </a:rPr>
+                        <a:t>3</a:t>
+                      </a:r>
+                      <a:endParaRPr lang="en-SG" sz="1000" b="0" i="0" u="none" strike="noStrike">
+                        <a:solidFill>
+                          <a:srgbClr val="000000"/>
+                        </a:solidFill>
+                        <a:effectLst/>
+                        <a:latin typeface="Calibri" panose="020F0502020204030204" pitchFamily="34" charset="0"/>
+                      </a:endParaRPr>
+                    </a:p>
+                  </a:txBody>
+                  <a:tcPr marL="9047" marR="9047" marT="9047" marB="0" anchor="b"/>
+                </a:tc>
+                <a:extLst>
+                  <a:ext uri="{0D108BD9-81ED-4DB2-BD59-A6C34878D82A}">
+                    <a16:rowId xmlns:a16="http://schemas.microsoft.com/office/drawing/2014/main" val="4142506814"/>
+                  </a:ext>
+                </a:extLst>
+              </a:tr>
+              <a:tr h="361872">
+                <a:tc>
+                  <a:txBody>
+                    <a:bodyPr/>
+                    <a:lstStyle/>
+                    <a:p>
+                      <a:pPr algn="l" fontAlgn="b"/>
+                      <a:r>
+                        <a:rPr lang="en-SG" sz="1000" u="none" strike="noStrike">
+                          <a:effectLst/>
+                        </a:rPr>
+                        <a:t>Li Qing</a:t>
+                      </a:r>
+                      <a:endParaRPr lang="en-SG" sz="1000" b="0" i="0" u="none" strike="noStrike">
+                        <a:solidFill>
+                          <a:srgbClr val="000000"/>
+                        </a:solidFill>
+                        <a:effectLst/>
+                        <a:latin typeface="Calibri" panose="020F0502020204030204" pitchFamily="34" charset="0"/>
+                      </a:endParaRPr>
+                    </a:p>
+                  </a:txBody>
+                  <a:tcPr marL="9047" marR="9047" marT="9047" marB="0" anchor="b"/>
+                </a:tc>
+                <a:tc>
+                  <a:txBody>
+                    <a:bodyPr/>
+                    <a:lstStyle/>
+                    <a:p>
+                      <a:pPr algn="l" fontAlgn="b"/>
+                      <a:r>
+                        <a:rPr lang="en-SG" sz="1000" u="none" strike="noStrike">
+                          <a:effectLst/>
+                        </a:rPr>
+                        <a:t>Civil Engineer</a:t>
+                      </a:r>
+                      <a:endParaRPr lang="en-SG" sz="1000" b="0" i="0" u="none" strike="noStrike">
+                        <a:solidFill>
+                          <a:srgbClr val="000000"/>
+                        </a:solidFill>
+                        <a:effectLst/>
+                        <a:latin typeface="Calibri" panose="020F0502020204030204" pitchFamily="34" charset="0"/>
+                      </a:endParaRPr>
+                    </a:p>
+                  </a:txBody>
+                  <a:tcPr marL="9047" marR="9047" marT="9047" marB="0" anchor="b"/>
+                </a:tc>
+                <a:tc>
+                  <a:txBody>
+                    <a:bodyPr/>
+                    <a:lstStyle/>
+                    <a:p>
+                      <a:pPr algn="r" fontAlgn="b"/>
+                      <a:r>
+                        <a:rPr lang="en-SG" sz="1000" u="none" strike="noStrike">
+                          <a:effectLst/>
+                        </a:rPr>
+                        <a:t>5</a:t>
+                      </a:r>
+                      <a:endParaRPr lang="en-SG" sz="1000" b="0" i="0" u="none" strike="noStrike">
+                        <a:solidFill>
+                          <a:srgbClr val="000000"/>
+                        </a:solidFill>
+                        <a:effectLst/>
+                        <a:latin typeface="Calibri" panose="020F0502020204030204" pitchFamily="34" charset="0"/>
+                      </a:endParaRPr>
+                    </a:p>
+                  </a:txBody>
+                  <a:tcPr marL="9047" marR="9047" marT="9047" marB="0" anchor="b"/>
+                </a:tc>
+                <a:tc>
+                  <a:txBody>
+                    <a:bodyPr/>
+                    <a:lstStyle/>
+                    <a:p>
+                      <a:pPr algn="r" fontAlgn="b"/>
+                      <a:r>
+                        <a:rPr lang="en-SG" sz="1000" u="none" strike="noStrike">
+                          <a:effectLst/>
+                        </a:rPr>
+                        <a:t>5</a:t>
+                      </a:r>
+                      <a:endParaRPr lang="en-SG" sz="1000" b="0" i="0" u="none" strike="noStrike">
+                        <a:solidFill>
+                          <a:srgbClr val="000000"/>
+                        </a:solidFill>
+                        <a:effectLst/>
+                        <a:latin typeface="Calibri" panose="020F0502020204030204" pitchFamily="34" charset="0"/>
+                      </a:endParaRPr>
+                    </a:p>
+                  </a:txBody>
+                  <a:tcPr marL="9047" marR="9047" marT="9047" marB="0" anchor="b"/>
+                </a:tc>
+                <a:tc>
+                  <a:txBody>
+                    <a:bodyPr/>
+                    <a:lstStyle/>
+                    <a:p>
+                      <a:pPr algn="r" fontAlgn="b"/>
+                      <a:r>
+                        <a:rPr lang="en-SG" sz="1000" u="none" strike="noStrike">
+                          <a:effectLst/>
+                        </a:rPr>
+                        <a:t>3</a:t>
+                      </a:r>
+                      <a:endParaRPr lang="en-SG" sz="1000" b="0" i="0" u="none" strike="noStrike">
+                        <a:solidFill>
+                          <a:srgbClr val="000000"/>
+                        </a:solidFill>
+                        <a:effectLst/>
+                        <a:latin typeface="Calibri" panose="020F0502020204030204" pitchFamily="34" charset="0"/>
+                      </a:endParaRPr>
+                    </a:p>
+                  </a:txBody>
+                  <a:tcPr marL="9047" marR="9047" marT="9047" marB="0" anchor="b"/>
+                </a:tc>
+                <a:tc>
+                  <a:txBody>
+                    <a:bodyPr/>
+                    <a:lstStyle/>
+                    <a:p>
+                      <a:pPr algn="r" fontAlgn="b"/>
+                      <a:r>
+                        <a:rPr lang="en-SG" sz="1000" u="none" strike="noStrike">
+                          <a:effectLst/>
+                        </a:rPr>
+                        <a:t>0:59</a:t>
+                      </a:r>
+                      <a:endParaRPr lang="en-SG" sz="1000" b="0" i="0" u="none" strike="noStrike">
+                        <a:solidFill>
+                          <a:srgbClr val="000000"/>
+                        </a:solidFill>
+                        <a:effectLst/>
+                        <a:latin typeface="Calibri" panose="020F0502020204030204" pitchFamily="34" charset="0"/>
+                      </a:endParaRPr>
+                    </a:p>
+                  </a:txBody>
+                  <a:tcPr marL="9047" marR="9047" marT="9047" marB="0" anchor="b"/>
+                </a:tc>
+                <a:tc>
+                  <a:txBody>
+                    <a:bodyPr/>
+                    <a:lstStyle/>
+                    <a:p>
+                      <a:pPr algn="r" fontAlgn="b"/>
+                      <a:r>
+                        <a:rPr lang="en-SG" sz="1000" u="none" strike="noStrike">
+                          <a:effectLst/>
+                        </a:rPr>
+                        <a:t>4</a:t>
+                      </a:r>
+                      <a:endParaRPr lang="en-SG" sz="1000" b="0" i="0" u="none" strike="noStrike">
+                        <a:solidFill>
+                          <a:srgbClr val="000000"/>
+                        </a:solidFill>
+                        <a:effectLst/>
+                        <a:latin typeface="Calibri" panose="020F0502020204030204" pitchFamily="34" charset="0"/>
+                      </a:endParaRPr>
+                    </a:p>
+                  </a:txBody>
+                  <a:tcPr marL="9047" marR="9047" marT="9047" marB="0" anchor="b"/>
+                </a:tc>
+                <a:tc>
+                  <a:txBody>
+                    <a:bodyPr/>
+                    <a:lstStyle/>
+                    <a:p>
+                      <a:pPr algn="l" fontAlgn="b"/>
+                      <a:r>
+                        <a:rPr lang="en-US" sz="1000" u="none" strike="noStrike">
+                          <a:effectLst/>
+                        </a:rPr>
+                        <a:t>purchasing is simple and quick</a:t>
+                      </a:r>
+                      <a:endParaRPr lang="en-US" sz="1000" b="0" i="0" u="none" strike="noStrike">
+                        <a:solidFill>
+                          <a:srgbClr val="000000"/>
+                        </a:solidFill>
+                        <a:effectLst/>
+                        <a:latin typeface="Calibri" panose="020F0502020204030204" pitchFamily="34" charset="0"/>
+                      </a:endParaRPr>
+                    </a:p>
+                  </a:txBody>
+                  <a:tcPr marL="9047" marR="9047" marT="9047" marB="0" anchor="b"/>
+                </a:tc>
+                <a:tc>
+                  <a:txBody>
+                    <a:bodyPr/>
+                    <a:lstStyle/>
+                    <a:p>
+                      <a:pPr algn="l" fontAlgn="b"/>
+                      <a:r>
+                        <a:rPr lang="en-US" sz="1000" u="none" strike="noStrike">
+                          <a:effectLst/>
+                        </a:rPr>
+                        <a:t>Prefer to see categories or filters while searching</a:t>
+                      </a:r>
+                      <a:endParaRPr lang="en-US" sz="1000" b="0" i="0" u="none" strike="noStrike">
+                        <a:solidFill>
+                          <a:srgbClr val="000000"/>
+                        </a:solidFill>
+                        <a:effectLst/>
+                        <a:latin typeface="Calibri" panose="020F0502020204030204" pitchFamily="34" charset="0"/>
+                      </a:endParaRPr>
+                    </a:p>
+                  </a:txBody>
+                  <a:tcPr marL="9047" marR="9047" marT="9047" marB="0" anchor="b"/>
+                </a:tc>
+                <a:tc>
+                  <a:txBody>
+                    <a:bodyPr/>
+                    <a:lstStyle/>
+                    <a:p>
+                      <a:pPr algn="r" fontAlgn="b"/>
+                      <a:r>
+                        <a:rPr lang="en-SG" sz="1000" u="none" strike="noStrike">
+                          <a:effectLst/>
+                        </a:rPr>
+                        <a:t>5</a:t>
+                      </a:r>
+                      <a:endParaRPr lang="en-SG" sz="1000" b="0" i="0" u="none" strike="noStrike">
+                        <a:solidFill>
+                          <a:srgbClr val="000000"/>
+                        </a:solidFill>
+                        <a:effectLst/>
+                        <a:latin typeface="Calibri" panose="020F0502020204030204" pitchFamily="34" charset="0"/>
+                      </a:endParaRPr>
+                    </a:p>
+                  </a:txBody>
+                  <a:tcPr marL="9047" marR="9047" marT="9047" marB="0" anchor="b"/>
+                </a:tc>
+                <a:extLst>
+                  <a:ext uri="{0D108BD9-81ED-4DB2-BD59-A6C34878D82A}">
+                    <a16:rowId xmlns:a16="http://schemas.microsoft.com/office/drawing/2014/main" val="3246196546"/>
+                  </a:ext>
+                </a:extLst>
+              </a:tr>
+              <a:tr h="180936">
+                <a:tc>
+                  <a:txBody>
+                    <a:bodyPr/>
+                    <a:lstStyle/>
+                    <a:p>
+                      <a:pPr algn="l" fontAlgn="b"/>
+                      <a:r>
+                        <a:rPr lang="en-SG" sz="1000" u="none" strike="noStrike">
+                          <a:effectLst/>
+                        </a:rPr>
+                        <a:t>Samuel</a:t>
+                      </a:r>
+                      <a:endParaRPr lang="en-SG" sz="1000" b="0" i="0" u="none" strike="noStrike">
+                        <a:solidFill>
+                          <a:srgbClr val="000000"/>
+                        </a:solidFill>
+                        <a:effectLst/>
+                        <a:latin typeface="Calibri" panose="020F0502020204030204" pitchFamily="34" charset="0"/>
+                      </a:endParaRPr>
+                    </a:p>
+                  </a:txBody>
+                  <a:tcPr marL="9047" marR="9047" marT="9047" marB="0" anchor="b"/>
+                </a:tc>
+                <a:tc>
+                  <a:txBody>
+                    <a:bodyPr/>
+                    <a:lstStyle/>
+                    <a:p>
+                      <a:pPr algn="l" fontAlgn="b"/>
+                      <a:r>
+                        <a:rPr lang="en-SG" sz="1000" u="none" strike="noStrike">
+                          <a:effectLst/>
+                        </a:rPr>
+                        <a:t>IT Technician</a:t>
+                      </a:r>
+                      <a:endParaRPr lang="en-SG" sz="1000" b="0" i="0" u="none" strike="noStrike">
+                        <a:solidFill>
+                          <a:srgbClr val="000000"/>
+                        </a:solidFill>
+                        <a:effectLst/>
+                        <a:latin typeface="Calibri" panose="020F0502020204030204" pitchFamily="34" charset="0"/>
+                      </a:endParaRPr>
+                    </a:p>
+                  </a:txBody>
+                  <a:tcPr marL="9047" marR="9047" marT="9047" marB="0" anchor="b"/>
+                </a:tc>
+                <a:tc>
+                  <a:txBody>
+                    <a:bodyPr/>
+                    <a:lstStyle/>
+                    <a:p>
+                      <a:pPr algn="r" fontAlgn="b"/>
+                      <a:r>
+                        <a:rPr lang="en-SG" sz="1000" u="none" strike="noStrike">
+                          <a:effectLst/>
+                        </a:rPr>
+                        <a:t>5</a:t>
+                      </a:r>
+                      <a:endParaRPr lang="en-SG" sz="1000" b="0" i="0" u="none" strike="noStrike">
+                        <a:solidFill>
+                          <a:srgbClr val="000000"/>
+                        </a:solidFill>
+                        <a:effectLst/>
+                        <a:latin typeface="Calibri" panose="020F0502020204030204" pitchFamily="34" charset="0"/>
+                      </a:endParaRPr>
+                    </a:p>
+                  </a:txBody>
+                  <a:tcPr marL="9047" marR="9047" marT="9047" marB="0" anchor="b"/>
+                </a:tc>
+                <a:tc>
+                  <a:txBody>
+                    <a:bodyPr/>
+                    <a:lstStyle/>
+                    <a:p>
+                      <a:pPr algn="r" fontAlgn="b"/>
+                      <a:r>
+                        <a:rPr lang="en-SG" sz="1000" u="none" strike="noStrike">
+                          <a:effectLst/>
+                        </a:rPr>
+                        <a:t>5</a:t>
+                      </a:r>
+                      <a:endParaRPr lang="en-SG" sz="1000" b="0" i="0" u="none" strike="noStrike">
+                        <a:solidFill>
+                          <a:srgbClr val="000000"/>
+                        </a:solidFill>
+                        <a:effectLst/>
+                        <a:latin typeface="Calibri" panose="020F0502020204030204" pitchFamily="34" charset="0"/>
+                      </a:endParaRPr>
+                    </a:p>
+                  </a:txBody>
+                  <a:tcPr marL="9047" marR="9047" marT="9047" marB="0" anchor="b"/>
+                </a:tc>
+                <a:tc>
+                  <a:txBody>
+                    <a:bodyPr/>
+                    <a:lstStyle/>
+                    <a:p>
+                      <a:pPr algn="r" fontAlgn="b"/>
+                      <a:r>
+                        <a:rPr lang="en-SG" sz="1000" u="none" strike="noStrike">
+                          <a:effectLst/>
+                        </a:rPr>
+                        <a:t>1</a:t>
+                      </a:r>
+                      <a:endParaRPr lang="en-SG" sz="1000" b="0" i="0" u="none" strike="noStrike">
+                        <a:solidFill>
+                          <a:srgbClr val="000000"/>
+                        </a:solidFill>
+                        <a:effectLst/>
+                        <a:latin typeface="Calibri" panose="020F0502020204030204" pitchFamily="34" charset="0"/>
+                      </a:endParaRPr>
+                    </a:p>
+                  </a:txBody>
+                  <a:tcPr marL="9047" marR="9047" marT="9047" marB="0" anchor="b"/>
+                </a:tc>
+                <a:tc>
+                  <a:txBody>
+                    <a:bodyPr/>
+                    <a:lstStyle/>
+                    <a:p>
+                      <a:pPr algn="r" fontAlgn="b"/>
+                      <a:r>
+                        <a:rPr lang="en-SG" sz="1000" u="none" strike="noStrike">
+                          <a:effectLst/>
+                        </a:rPr>
+                        <a:t>1:05</a:t>
+                      </a:r>
+                      <a:endParaRPr lang="en-SG" sz="1000" b="0" i="0" u="none" strike="noStrike">
+                        <a:solidFill>
+                          <a:srgbClr val="000000"/>
+                        </a:solidFill>
+                        <a:effectLst/>
+                        <a:latin typeface="Calibri" panose="020F0502020204030204" pitchFamily="34" charset="0"/>
+                      </a:endParaRPr>
+                    </a:p>
+                  </a:txBody>
+                  <a:tcPr marL="9047" marR="9047" marT="9047" marB="0" anchor="b"/>
+                </a:tc>
+                <a:tc>
+                  <a:txBody>
+                    <a:bodyPr/>
+                    <a:lstStyle/>
+                    <a:p>
+                      <a:pPr algn="r" fontAlgn="b"/>
+                      <a:r>
+                        <a:rPr lang="en-SG" sz="1000" u="none" strike="noStrike">
+                          <a:effectLst/>
+                        </a:rPr>
+                        <a:t>5</a:t>
+                      </a:r>
+                      <a:endParaRPr lang="en-SG" sz="1000" b="0" i="0" u="none" strike="noStrike">
+                        <a:solidFill>
+                          <a:srgbClr val="000000"/>
+                        </a:solidFill>
+                        <a:effectLst/>
+                        <a:latin typeface="Calibri" panose="020F0502020204030204" pitchFamily="34" charset="0"/>
+                      </a:endParaRPr>
+                    </a:p>
+                  </a:txBody>
+                  <a:tcPr marL="9047" marR="9047" marT="9047" marB="0" anchor="b"/>
+                </a:tc>
+                <a:tc>
+                  <a:txBody>
+                    <a:bodyPr/>
+                    <a:lstStyle/>
+                    <a:p>
+                      <a:pPr algn="l" fontAlgn="b"/>
+                      <a:r>
+                        <a:rPr lang="en-SG" sz="1000" u="none" strike="noStrike">
+                          <a:effectLst/>
+                        </a:rPr>
+                        <a:t>Design is very intuitive</a:t>
+                      </a:r>
+                      <a:endParaRPr lang="en-SG" sz="1000" b="0" i="0" u="none" strike="noStrike">
+                        <a:solidFill>
+                          <a:srgbClr val="000000"/>
+                        </a:solidFill>
+                        <a:effectLst/>
+                        <a:latin typeface="Calibri" panose="020F0502020204030204" pitchFamily="34" charset="0"/>
+                      </a:endParaRPr>
+                    </a:p>
+                  </a:txBody>
+                  <a:tcPr marL="9047" marR="9047" marT="9047" marB="0" anchor="b"/>
+                </a:tc>
+                <a:tc>
+                  <a:txBody>
+                    <a:bodyPr/>
+                    <a:lstStyle/>
+                    <a:p>
+                      <a:pPr algn="l" fontAlgn="b"/>
+                      <a:r>
+                        <a:rPr lang="en-SG" sz="1000" u="none" strike="noStrike">
+                          <a:effectLst/>
+                        </a:rPr>
+                        <a:t>nil</a:t>
+                      </a:r>
+                      <a:endParaRPr lang="en-SG" sz="1000" b="0" i="0" u="none" strike="noStrike">
+                        <a:solidFill>
+                          <a:srgbClr val="000000"/>
+                        </a:solidFill>
+                        <a:effectLst/>
+                        <a:latin typeface="Calibri" panose="020F0502020204030204" pitchFamily="34" charset="0"/>
+                      </a:endParaRPr>
+                    </a:p>
+                  </a:txBody>
+                  <a:tcPr marL="9047" marR="9047" marT="9047" marB="0" anchor="b"/>
+                </a:tc>
+                <a:tc>
+                  <a:txBody>
+                    <a:bodyPr/>
+                    <a:lstStyle/>
+                    <a:p>
+                      <a:pPr algn="r" fontAlgn="b"/>
+                      <a:r>
+                        <a:rPr lang="en-SG" sz="1000" u="none" strike="noStrike" dirty="0">
+                          <a:effectLst/>
+                        </a:rPr>
+                        <a:t>4</a:t>
+                      </a:r>
+                      <a:endParaRPr lang="en-SG" sz="1000" b="0" i="0" u="none" strike="noStrike" dirty="0">
+                        <a:solidFill>
+                          <a:srgbClr val="000000"/>
+                        </a:solidFill>
+                        <a:effectLst/>
+                        <a:latin typeface="Calibri" panose="020F0502020204030204" pitchFamily="34" charset="0"/>
+                      </a:endParaRPr>
+                    </a:p>
+                  </a:txBody>
+                  <a:tcPr marL="9047" marR="9047" marT="9047" marB="0" anchor="b"/>
+                </a:tc>
+                <a:extLst>
+                  <a:ext uri="{0D108BD9-81ED-4DB2-BD59-A6C34878D82A}">
+                    <a16:rowId xmlns:a16="http://schemas.microsoft.com/office/drawing/2014/main" val="164101332"/>
                   </a:ext>
                 </a:extLst>
               </a:tr>

--- a/AC_WD_M3_UI_Frameworks_ITSF_Project_Presentation_V3.pptx
+++ b/AC_WD_M3_UI_Frameworks_ITSF_Project_Presentation_V3.pptx
@@ -24,8 +24,7 @@
     <p:sldId id="272" r:id="rId18"/>
     <p:sldId id="273" r:id="rId19"/>
     <p:sldId id="274" r:id="rId20"/>
-    <p:sldId id="275" r:id="rId21"/>
-    <p:sldId id="276" r:id="rId22"/>
+    <p:sldId id="276" r:id="rId21"/>
   </p:sldIdLst>
   <p:sldSz cx="9144000" cy="6858000" type="screen4x3"/>
   <p:notesSz cx="9144000" cy="6858000"/>
@@ -2288,131 +2287,36 @@
           </a:p>
         </p:txBody>
       </p:sp>
-      <p:sp>
-        <p:nvSpPr>
-          <p:cNvPr id="16" name="TextBox 15">
+      <p:pic>
+        <p:nvPicPr>
+          <p:cNvPr id="3" name="Picture 2">
             <a:extLst>
               <a:ext uri="{FF2B5EF4-FFF2-40B4-BE49-F238E27FC236}">
-                <a16:creationId xmlns:a16="http://schemas.microsoft.com/office/drawing/2014/main" id="{A7507E2A-2118-CB2D-9CA6-254A3137DEBC}"/>
+                <a16:creationId xmlns:a16="http://schemas.microsoft.com/office/drawing/2014/main" id="{35BDEE73-22C4-C61A-90CE-CB4EC3F2ABB6}"/>
               </a:ext>
             </a:extLst>
           </p:cNvPr>
-          <p:cNvSpPr txBox="1"/>
+          <p:cNvPicPr>
+            <a:picLocks noChangeAspect="1"/>
+          </p:cNvPicPr>
           <p:nvPr/>
-        </p:nvSpPr>
+        </p:nvPicPr>
+        <p:blipFill>
+          <a:blip r:embed="rId2"/>
+          <a:stretch>
+            <a:fillRect/>
+          </a:stretch>
+        </p:blipFill>
         <p:spPr>
           <a:xfrm>
-            <a:off x="1143000" y="1295400"/>
-            <a:ext cx="4618566" cy="5355312"/>
+            <a:off x="113792" y="1447800"/>
+            <a:ext cx="8401514" cy="4511040"/>
           </a:xfrm>
           <a:prstGeom prst="rect">
             <a:avLst/>
           </a:prstGeom>
-          <a:noFill/>
         </p:spPr>
-        <p:txBody>
-          <a:bodyPr wrap="square">
-            <a:spAutoFit/>
-          </a:bodyPr>
-          <a:lstStyle/>
-          <a:p>
-            <a:r>
-              <a:rPr lang="en-SG" dirty="0"/>
-              <a:t>1.	TSR: Task Success Rate</a:t>
-            </a:r>
-          </a:p>
-          <a:p>
-            <a:r>
-              <a:rPr lang="en-SG" dirty="0"/>
-              <a:t>User 1	User 2	User 3	User 4	User 5</a:t>
-            </a:r>
-          </a:p>
-          <a:p>
-            <a:r>
-              <a:rPr lang="en-SG" dirty="0"/>
-              <a:t>144sec	75sec	105sec	59sec	65sec</a:t>
-            </a:r>
-          </a:p>
-          <a:p>
-            <a:r>
-              <a:rPr lang="en-SG" dirty="0"/>
-              <a:t>Time on task is : 89.6 sec</a:t>
-            </a:r>
-          </a:p>
-          <a:p>
-            <a:r>
-              <a:rPr lang="en-SG" dirty="0"/>
-              <a:t>2.	UER</a:t>
-            </a:r>
-          </a:p>
-          <a:p>
-            <a:endParaRPr lang="en-SG" dirty="0"/>
-          </a:p>
-          <a:p>
-            <a:r>
-              <a:rPr lang="en-SG" dirty="0"/>
-              <a:t>A possible of 3 errors</a:t>
-            </a:r>
-          </a:p>
-          <a:p>
-            <a:r>
-              <a:rPr lang="en-SG" dirty="0"/>
-              <a:t>User 1	User 2	User 3	User 4	User 5</a:t>
-            </a:r>
-          </a:p>
-          <a:p>
-            <a:r>
-              <a:rPr lang="en-SG" dirty="0"/>
-              <a:t>0	0	0	0	0</a:t>
-            </a:r>
-          </a:p>
-          <a:p>
-            <a:r>
-              <a:rPr lang="en-SG" dirty="0"/>
-              <a:t>Error rate is : 0% error rate</a:t>
-            </a:r>
-          </a:p>
-          <a:p>
-            <a:endParaRPr lang="en-SG" dirty="0"/>
-          </a:p>
-          <a:p>
-            <a:r>
-              <a:rPr lang="en-SG" dirty="0"/>
-              <a:t>3.	NPS</a:t>
-            </a:r>
-          </a:p>
-          <a:p>
-            <a:r>
-              <a:rPr lang="en-SG" dirty="0"/>
-              <a:t>From a survey done (1 ~ 3 : detractors, 4: Passive, 5 Promoter)</a:t>
-            </a:r>
-          </a:p>
-          <a:p>
-            <a:endParaRPr lang="en-SG" dirty="0"/>
-          </a:p>
-          <a:p>
-            <a:r>
-              <a:rPr lang="en-SG" dirty="0"/>
-              <a:t>User 1	User 2	User 3	User 4	User 5</a:t>
-            </a:r>
-          </a:p>
-          <a:p>
-            <a:r>
-              <a:rPr lang="en-SG" dirty="0"/>
-              <a:t>3	4	3	5	4</a:t>
-            </a:r>
-          </a:p>
-          <a:p>
-            <a:endParaRPr lang="en-SG" dirty="0"/>
-          </a:p>
-          <a:p>
-            <a:r>
-              <a:rPr lang="en-SG" dirty="0"/>
-              <a:t>Net Promoter score is : -20% score</a:t>
-            </a:r>
-          </a:p>
-        </p:txBody>
-      </p:sp>
+      </p:pic>
     </p:spTree>
   </p:cSld>
   <p:clrMapOvr>
@@ -2885,6 +2789,131 @@
           </a:p>
         </p:txBody>
       </p:sp>
+      <p:sp>
+        <p:nvSpPr>
+          <p:cNvPr id="3" name="TextBox 2">
+            <a:extLst>
+              <a:ext uri="{FF2B5EF4-FFF2-40B4-BE49-F238E27FC236}">
+                <a16:creationId xmlns:a16="http://schemas.microsoft.com/office/drawing/2014/main" id="{AA0E609D-00C8-DB0F-52B7-6F4C2B0C6A3C}"/>
+              </a:ext>
+            </a:extLst>
+          </p:cNvPr>
+          <p:cNvSpPr txBox="1"/>
+          <p:nvPr/>
+        </p:nvSpPr>
+        <p:spPr>
+          <a:xfrm>
+            <a:off x="1143000" y="1295400"/>
+            <a:ext cx="4618566" cy="5355312"/>
+          </a:xfrm>
+          <a:prstGeom prst="rect">
+            <a:avLst/>
+          </a:prstGeom>
+          <a:noFill/>
+        </p:spPr>
+        <p:txBody>
+          <a:bodyPr wrap="square">
+            <a:spAutoFit/>
+          </a:bodyPr>
+          <a:lstStyle/>
+          <a:p>
+            <a:r>
+              <a:rPr lang="en-SG" dirty="0"/>
+              <a:t>1.	TSR: Task Success Rate</a:t>
+            </a:r>
+          </a:p>
+          <a:p>
+            <a:r>
+              <a:rPr lang="en-SG" dirty="0"/>
+              <a:t>User 1	User 2	User 3	User 4	User 5</a:t>
+            </a:r>
+          </a:p>
+          <a:p>
+            <a:r>
+              <a:rPr lang="en-SG" dirty="0"/>
+              <a:t>144sec	75sec	105sec	59sec	65sec</a:t>
+            </a:r>
+          </a:p>
+          <a:p>
+            <a:r>
+              <a:rPr lang="en-SG" dirty="0"/>
+              <a:t>Time on task is : 89.6 sec</a:t>
+            </a:r>
+          </a:p>
+          <a:p>
+            <a:r>
+              <a:rPr lang="en-SG" dirty="0"/>
+              <a:t>2.	UER</a:t>
+            </a:r>
+          </a:p>
+          <a:p>
+            <a:endParaRPr lang="en-SG" dirty="0"/>
+          </a:p>
+          <a:p>
+            <a:r>
+              <a:rPr lang="en-SG" dirty="0"/>
+              <a:t>A possible of 3 errors</a:t>
+            </a:r>
+          </a:p>
+          <a:p>
+            <a:r>
+              <a:rPr lang="en-SG" dirty="0"/>
+              <a:t>User 1	User 2	User 3	User 4	User 5</a:t>
+            </a:r>
+          </a:p>
+          <a:p>
+            <a:r>
+              <a:rPr lang="en-SG" dirty="0"/>
+              <a:t>0	0	0	0	0</a:t>
+            </a:r>
+          </a:p>
+          <a:p>
+            <a:r>
+              <a:rPr lang="en-SG" dirty="0"/>
+              <a:t>Error rate is : 0% error rate</a:t>
+            </a:r>
+          </a:p>
+          <a:p>
+            <a:endParaRPr lang="en-SG" dirty="0"/>
+          </a:p>
+          <a:p>
+            <a:r>
+              <a:rPr lang="en-SG" dirty="0"/>
+              <a:t>3.	NPS</a:t>
+            </a:r>
+          </a:p>
+          <a:p>
+            <a:r>
+              <a:rPr lang="en-SG" dirty="0"/>
+              <a:t>From a survey done (1 ~ 3 : detractors, 4: Passive, 5 Promoter)</a:t>
+            </a:r>
+          </a:p>
+          <a:p>
+            <a:endParaRPr lang="en-SG" dirty="0"/>
+          </a:p>
+          <a:p>
+            <a:r>
+              <a:rPr lang="en-SG" dirty="0"/>
+              <a:t>User 1	User 2	User 3	User 4	User 5</a:t>
+            </a:r>
+          </a:p>
+          <a:p>
+            <a:r>
+              <a:rPr lang="en-SG" dirty="0"/>
+              <a:t>3	4	3	5	4</a:t>
+            </a:r>
+          </a:p>
+          <a:p>
+            <a:endParaRPr lang="en-SG" dirty="0"/>
+          </a:p>
+          <a:p>
+            <a:r>
+              <a:rPr lang="en-SG" dirty="0"/>
+              <a:t>Net Promoter score is : -20% score</a:t>
+            </a:r>
+          </a:p>
+        </p:txBody>
+      </p:sp>
     </p:spTree>
   </p:cSld>
   <p:clrMapOvr>
@@ -2962,6 +2991,36 @@
           </a:p>
         </p:txBody>
       </p:sp>
+      <p:pic>
+        <p:nvPicPr>
+          <p:cNvPr id="4" name="Picture 3">
+            <a:extLst>
+              <a:ext uri="{FF2B5EF4-FFF2-40B4-BE49-F238E27FC236}">
+                <a16:creationId xmlns:a16="http://schemas.microsoft.com/office/drawing/2014/main" id="{657AFEC0-9B33-229B-A0CB-0C04132E96DE}"/>
+              </a:ext>
+            </a:extLst>
+          </p:cNvPr>
+          <p:cNvPicPr>
+            <a:picLocks noChangeAspect="1"/>
+          </p:cNvPicPr>
+          <p:nvPr/>
+        </p:nvPicPr>
+        <p:blipFill>
+          <a:blip r:embed="rId2"/>
+          <a:stretch>
+            <a:fillRect/>
+          </a:stretch>
+        </p:blipFill>
+        <p:spPr>
+          <a:xfrm>
+            <a:off x="1262132" y="1143000"/>
+            <a:ext cx="6619736" cy="5638800"/>
+          </a:xfrm>
+          <a:prstGeom prst="rect">
+            <a:avLst/>
+          </a:prstGeom>
+        </p:spPr>
+      </p:pic>
     </p:spTree>
   </p:cSld>
   <p:clrMapOvr>
@@ -3035,6 +3094,1528 @@
           </a:p>
         </p:txBody>
       </p:sp>
+      <p:graphicFrame>
+        <p:nvGraphicFramePr>
+          <p:cNvPr id="3" name="Table 2">
+            <a:extLst>
+              <a:ext uri="{FF2B5EF4-FFF2-40B4-BE49-F238E27FC236}">
+                <a16:creationId xmlns:a16="http://schemas.microsoft.com/office/drawing/2014/main" id="{6E7A17B0-8FE2-23EC-8D98-899D81638133}"/>
+              </a:ext>
+            </a:extLst>
+          </p:cNvPr>
+          <p:cNvGraphicFramePr>
+            <a:graphicFrameLocks noGrp="1"/>
+          </p:cNvGraphicFramePr>
+          <p:nvPr/>
+        </p:nvGraphicFramePr>
+        <p:xfrm>
+          <a:off x="187325" y="2468563"/>
+          <a:ext cx="8769349" cy="1919730"/>
+        </p:xfrm>
+        <a:graphic>
+          <a:graphicData uri="http://schemas.openxmlformats.org/drawingml/2006/table">
+            <a:tbl>
+              <a:tblPr>
+                <a:tableStyleId>{5C22544A-7EE6-4342-B048-85BDC9FD1C3A}</a:tableStyleId>
+              </a:tblPr>
+              <a:tblGrid>
+                <a:gridCol w="578795">
+                  <a:extLst>
+                    <a:ext uri="{9D8B030D-6E8A-4147-A177-3AD203B41FA5}">
+                      <a16:colId xmlns:a16="http://schemas.microsoft.com/office/drawing/2014/main" val="2879401929"/>
+                    </a:ext>
+                  </a:extLst>
+                </a:gridCol>
+                <a:gridCol w="807901">
+                  <a:extLst>
+                    <a:ext uri="{9D8B030D-6E8A-4147-A177-3AD203B41FA5}">
+                      <a16:colId xmlns:a16="http://schemas.microsoft.com/office/drawing/2014/main" val="3992208151"/>
+                    </a:ext>
+                  </a:extLst>
+                </a:gridCol>
+                <a:gridCol w="578795">
+                  <a:extLst>
+                    <a:ext uri="{9D8B030D-6E8A-4147-A177-3AD203B41FA5}">
+                      <a16:colId xmlns:a16="http://schemas.microsoft.com/office/drawing/2014/main" val="4260992084"/>
+                    </a:ext>
+                  </a:extLst>
+                </a:gridCol>
+                <a:gridCol w="578795">
+                  <a:extLst>
+                    <a:ext uri="{9D8B030D-6E8A-4147-A177-3AD203B41FA5}">
+                      <a16:colId xmlns:a16="http://schemas.microsoft.com/office/drawing/2014/main" val="2676654768"/>
+                    </a:ext>
+                  </a:extLst>
+                </a:gridCol>
+                <a:gridCol w="578795">
+                  <a:extLst>
+                    <a:ext uri="{9D8B030D-6E8A-4147-A177-3AD203B41FA5}">
+                      <a16:colId xmlns:a16="http://schemas.microsoft.com/office/drawing/2014/main" val="2312468615"/>
+                    </a:ext>
+                  </a:extLst>
+                </a:gridCol>
+                <a:gridCol w="578795">
+                  <a:extLst>
+                    <a:ext uri="{9D8B030D-6E8A-4147-A177-3AD203B41FA5}">
+                      <a16:colId xmlns:a16="http://schemas.microsoft.com/office/drawing/2014/main" val="4058379867"/>
+                    </a:ext>
+                  </a:extLst>
+                </a:gridCol>
+                <a:gridCol w="578795">
+                  <a:extLst>
+                    <a:ext uri="{9D8B030D-6E8A-4147-A177-3AD203B41FA5}">
+                      <a16:colId xmlns:a16="http://schemas.microsoft.com/office/drawing/2014/main" val="3794616575"/>
+                    </a:ext>
+                  </a:extLst>
+                </a:gridCol>
+                <a:gridCol w="1965492">
+                  <a:extLst>
+                    <a:ext uri="{9D8B030D-6E8A-4147-A177-3AD203B41FA5}">
+                      <a16:colId xmlns:a16="http://schemas.microsoft.com/office/drawing/2014/main" val="1106248419"/>
+                    </a:ext>
+                  </a:extLst>
+                </a:gridCol>
+                <a:gridCol w="1944391">
+                  <a:extLst>
+                    <a:ext uri="{9D8B030D-6E8A-4147-A177-3AD203B41FA5}">
+                      <a16:colId xmlns:a16="http://schemas.microsoft.com/office/drawing/2014/main" val="3745445382"/>
+                    </a:ext>
+                  </a:extLst>
+                </a:gridCol>
+                <a:gridCol w="578795">
+                  <a:extLst>
+                    <a:ext uri="{9D8B030D-6E8A-4147-A177-3AD203B41FA5}">
+                      <a16:colId xmlns:a16="http://schemas.microsoft.com/office/drawing/2014/main" val="858385855"/>
+                    </a:ext>
+                  </a:extLst>
+                </a:gridCol>
+              </a:tblGrid>
+              <a:tr h="327494">
+                <a:tc>
+                  <a:txBody>
+                    <a:bodyPr/>
+                    <a:lstStyle/>
+                    <a:p>
+                      <a:pPr algn="l" fontAlgn="b"/>
+                      <a:r>
+                        <a:rPr lang="en-SG" sz="1000" u="none" strike="noStrike">
+                          <a:effectLst/>
+                        </a:rPr>
+                        <a:t>Users</a:t>
+                      </a:r>
+                      <a:endParaRPr lang="en-SG" sz="1000" b="0" i="0" u="none" strike="noStrike">
+                        <a:solidFill>
+                          <a:srgbClr val="000000"/>
+                        </a:solidFill>
+                        <a:effectLst/>
+                        <a:latin typeface="Calibri" panose="020F0502020204030204" pitchFamily="34" charset="0"/>
+                      </a:endParaRPr>
+                    </a:p>
+                  </a:txBody>
+                  <a:tcPr marL="9047" marR="9047" marT="9047" marB="0" anchor="b"/>
+                </a:tc>
+                <a:tc>
+                  <a:txBody>
+                    <a:bodyPr/>
+                    <a:lstStyle/>
+                    <a:p>
+                      <a:pPr algn="l" fontAlgn="b"/>
+                      <a:r>
+                        <a:rPr lang="en-SG" sz="1000" u="none" strike="noStrike">
+                          <a:effectLst/>
+                        </a:rPr>
+                        <a:t>Question 1</a:t>
+                      </a:r>
+                      <a:endParaRPr lang="en-SG" sz="1000" b="0" i="0" u="none" strike="noStrike">
+                        <a:solidFill>
+                          <a:srgbClr val="000000"/>
+                        </a:solidFill>
+                        <a:effectLst/>
+                        <a:latin typeface="Calibri" panose="020F0502020204030204" pitchFamily="34" charset="0"/>
+                      </a:endParaRPr>
+                    </a:p>
+                  </a:txBody>
+                  <a:tcPr marL="9047" marR="9047" marT="9047" marB="0" anchor="b"/>
+                </a:tc>
+                <a:tc>
+                  <a:txBody>
+                    <a:bodyPr/>
+                    <a:lstStyle/>
+                    <a:p>
+                      <a:pPr algn="l" fontAlgn="b"/>
+                      <a:r>
+                        <a:rPr lang="en-SG" sz="1000" u="none" strike="noStrike">
+                          <a:effectLst/>
+                        </a:rPr>
+                        <a:t>Question 2</a:t>
+                      </a:r>
+                      <a:endParaRPr lang="en-SG" sz="1000" b="0" i="0" u="none" strike="noStrike">
+                        <a:solidFill>
+                          <a:srgbClr val="000000"/>
+                        </a:solidFill>
+                        <a:effectLst/>
+                        <a:latin typeface="Calibri" panose="020F0502020204030204" pitchFamily="34" charset="0"/>
+                      </a:endParaRPr>
+                    </a:p>
+                  </a:txBody>
+                  <a:tcPr marL="9047" marR="9047" marT="9047" marB="0" anchor="b"/>
+                </a:tc>
+                <a:tc>
+                  <a:txBody>
+                    <a:bodyPr/>
+                    <a:lstStyle/>
+                    <a:p>
+                      <a:pPr algn="l" fontAlgn="b"/>
+                      <a:r>
+                        <a:rPr lang="en-SG" sz="1000" u="none" strike="noStrike">
+                          <a:effectLst/>
+                        </a:rPr>
+                        <a:t>Question 3</a:t>
+                      </a:r>
+                      <a:endParaRPr lang="en-SG" sz="1000" b="0" i="0" u="none" strike="noStrike">
+                        <a:solidFill>
+                          <a:srgbClr val="000000"/>
+                        </a:solidFill>
+                        <a:effectLst/>
+                        <a:latin typeface="Calibri" panose="020F0502020204030204" pitchFamily="34" charset="0"/>
+                      </a:endParaRPr>
+                    </a:p>
+                  </a:txBody>
+                  <a:tcPr marL="9047" marR="9047" marT="9047" marB="0" anchor="b"/>
+                </a:tc>
+                <a:tc>
+                  <a:txBody>
+                    <a:bodyPr/>
+                    <a:lstStyle/>
+                    <a:p>
+                      <a:pPr algn="l" fontAlgn="b"/>
+                      <a:r>
+                        <a:rPr lang="en-SG" sz="1000" u="none" strike="noStrike">
+                          <a:effectLst/>
+                        </a:rPr>
+                        <a:t>Question 4</a:t>
+                      </a:r>
+                      <a:endParaRPr lang="en-SG" sz="1000" b="0" i="0" u="none" strike="noStrike">
+                        <a:solidFill>
+                          <a:srgbClr val="000000"/>
+                        </a:solidFill>
+                        <a:effectLst/>
+                        <a:latin typeface="Calibri" panose="020F0502020204030204" pitchFamily="34" charset="0"/>
+                      </a:endParaRPr>
+                    </a:p>
+                  </a:txBody>
+                  <a:tcPr marL="9047" marR="9047" marT="9047" marB="0" anchor="b"/>
+                </a:tc>
+                <a:tc>
+                  <a:txBody>
+                    <a:bodyPr/>
+                    <a:lstStyle/>
+                    <a:p>
+                      <a:pPr algn="l" fontAlgn="b"/>
+                      <a:r>
+                        <a:rPr lang="en-SG" sz="1000" u="none" strike="noStrike">
+                          <a:effectLst/>
+                        </a:rPr>
+                        <a:t>Question 5</a:t>
+                      </a:r>
+                      <a:endParaRPr lang="en-SG" sz="1000" b="0" i="0" u="none" strike="noStrike">
+                        <a:solidFill>
+                          <a:srgbClr val="000000"/>
+                        </a:solidFill>
+                        <a:effectLst/>
+                        <a:latin typeface="Calibri" panose="020F0502020204030204" pitchFamily="34" charset="0"/>
+                      </a:endParaRPr>
+                    </a:p>
+                  </a:txBody>
+                  <a:tcPr marL="9047" marR="9047" marT="9047" marB="0" anchor="b"/>
+                </a:tc>
+                <a:tc>
+                  <a:txBody>
+                    <a:bodyPr/>
+                    <a:lstStyle/>
+                    <a:p>
+                      <a:pPr algn="l" fontAlgn="b"/>
+                      <a:r>
+                        <a:rPr lang="en-SG" sz="1000" u="none" strike="noStrike">
+                          <a:effectLst/>
+                        </a:rPr>
+                        <a:t>Question 6</a:t>
+                      </a:r>
+                      <a:endParaRPr lang="en-SG" sz="1000" b="0" i="0" u="none" strike="noStrike">
+                        <a:solidFill>
+                          <a:srgbClr val="000000"/>
+                        </a:solidFill>
+                        <a:effectLst/>
+                        <a:latin typeface="Calibri" panose="020F0502020204030204" pitchFamily="34" charset="0"/>
+                      </a:endParaRPr>
+                    </a:p>
+                  </a:txBody>
+                  <a:tcPr marL="9047" marR="9047" marT="9047" marB="0" anchor="b"/>
+                </a:tc>
+                <a:tc>
+                  <a:txBody>
+                    <a:bodyPr/>
+                    <a:lstStyle/>
+                    <a:p>
+                      <a:pPr algn="l" fontAlgn="b"/>
+                      <a:r>
+                        <a:rPr lang="en-SG" sz="1000" u="none" strike="noStrike">
+                          <a:effectLst/>
+                        </a:rPr>
+                        <a:t>Question 7</a:t>
+                      </a:r>
+                      <a:endParaRPr lang="en-SG" sz="1000" b="0" i="0" u="none" strike="noStrike">
+                        <a:solidFill>
+                          <a:srgbClr val="000000"/>
+                        </a:solidFill>
+                        <a:effectLst/>
+                        <a:latin typeface="Calibri" panose="020F0502020204030204" pitchFamily="34" charset="0"/>
+                      </a:endParaRPr>
+                    </a:p>
+                  </a:txBody>
+                  <a:tcPr marL="9047" marR="9047" marT="9047" marB="0" anchor="b"/>
+                </a:tc>
+                <a:tc>
+                  <a:txBody>
+                    <a:bodyPr/>
+                    <a:lstStyle/>
+                    <a:p>
+                      <a:pPr algn="l" fontAlgn="b"/>
+                      <a:r>
+                        <a:rPr lang="en-SG" sz="1000" u="none" strike="noStrike">
+                          <a:effectLst/>
+                        </a:rPr>
+                        <a:t>Question 8</a:t>
+                      </a:r>
+                      <a:endParaRPr lang="en-SG" sz="1000" b="0" i="0" u="none" strike="noStrike">
+                        <a:solidFill>
+                          <a:srgbClr val="000000"/>
+                        </a:solidFill>
+                        <a:effectLst/>
+                        <a:latin typeface="Calibri" panose="020F0502020204030204" pitchFamily="34" charset="0"/>
+                      </a:endParaRPr>
+                    </a:p>
+                  </a:txBody>
+                  <a:tcPr marL="9047" marR="9047" marT="9047" marB="0" anchor="b"/>
+                </a:tc>
+                <a:tc>
+                  <a:txBody>
+                    <a:bodyPr/>
+                    <a:lstStyle/>
+                    <a:p>
+                      <a:pPr algn="l" fontAlgn="b"/>
+                      <a:r>
+                        <a:rPr lang="en-SG" sz="1000" u="none" strike="noStrike">
+                          <a:effectLst/>
+                        </a:rPr>
+                        <a:t>Question 9</a:t>
+                      </a:r>
+                      <a:endParaRPr lang="en-SG" sz="1000" b="0" i="0" u="none" strike="noStrike">
+                        <a:solidFill>
+                          <a:srgbClr val="000000"/>
+                        </a:solidFill>
+                        <a:effectLst/>
+                        <a:latin typeface="Calibri" panose="020F0502020204030204" pitchFamily="34" charset="0"/>
+                      </a:endParaRPr>
+                    </a:p>
+                  </a:txBody>
+                  <a:tcPr marL="9047" marR="9047" marT="9047" marB="0" anchor="b"/>
+                </a:tc>
+                <a:extLst>
+                  <a:ext uri="{0D108BD9-81ED-4DB2-BD59-A6C34878D82A}">
+                    <a16:rowId xmlns:a16="http://schemas.microsoft.com/office/drawing/2014/main" val="2640740267"/>
+                  </a:ext>
+                </a:extLst>
+              </a:tr>
+              <a:tr h="325684">
+                <a:tc>
+                  <a:txBody>
+                    <a:bodyPr/>
+                    <a:lstStyle/>
+                    <a:p>
+                      <a:pPr algn="l" fontAlgn="b"/>
+                      <a:r>
+                        <a:rPr lang="en-SG" sz="1000" u="none" strike="noStrike">
+                          <a:effectLst/>
+                        </a:rPr>
+                        <a:t>Wei Ting</a:t>
+                      </a:r>
+                      <a:endParaRPr lang="en-SG" sz="1000" b="0" i="0" u="none" strike="noStrike">
+                        <a:solidFill>
+                          <a:srgbClr val="000000"/>
+                        </a:solidFill>
+                        <a:effectLst/>
+                        <a:latin typeface="Calibri" panose="020F0502020204030204" pitchFamily="34" charset="0"/>
+                      </a:endParaRPr>
+                    </a:p>
+                  </a:txBody>
+                  <a:tcPr marL="9047" marR="9047" marT="9047" marB="0" anchor="b"/>
+                </a:tc>
+                <a:tc>
+                  <a:txBody>
+                    <a:bodyPr/>
+                    <a:lstStyle/>
+                    <a:p>
+                      <a:pPr algn="l" fontAlgn="b"/>
+                      <a:r>
+                        <a:rPr lang="en-SG" sz="1000" u="none" strike="noStrike">
+                          <a:effectLst/>
+                        </a:rPr>
+                        <a:t>Architect</a:t>
+                      </a:r>
+                      <a:endParaRPr lang="en-SG" sz="1000" b="0" i="0" u="none" strike="noStrike">
+                        <a:solidFill>
+                          <a:srgbClr val="000000"/>
+                        </a:solidFill>
+                        <a:effectLst/>
+                        <a:latin typeface="Calibri" panose="020F0502020204030204" pitchFamily="34" charset="0"/>
+                      </a:endParaRPr>
+                    </a:p>
+                  </a:txBody>
+                  <a:tcPr marL="9047" marR="9047" marT="9047" marB="0" anchor="b"/>
+                </a:tc>
+                <a:tc>
+                  <a:txBody>
+                    <a:bodyPr/>
+                    <a:lstStyle/>
+                    <a:p>
+                      <a:pPr algn="r" fontAlgn="b"/>
+                      <a:r>
+                        <a:rPr lang="en-SG" sz="1000" u="none" strike="noStrike">
+                          <a:effectLst/>
+                        </a:rPr>
+                        <a:t>5</a:t>
+                      </a:r>
+                      <a:endParaRPr lang="en-SG" sz="1000" b="0" i="0" u="none" strike="noStrike">
+                        <a:solidFill>
+                          <a:srgbClr val="000000"/>
+                        </a:solidFill>
+                        <a:effectLst/>
+                        <a:latin typeface="Calibri" panose="020F0502020204030204" pitchFamily="34" charset="0"/>
+                      </a:endParaRPr>
+                    </a:p>
+                  </a:txBody>
+                  <a:tcPr marL="9047" marR="9047" marT="9047" marB="0" anchor="b"/>
+                </a:tc>
+                <a:tc>
+                  <a:txBody>
+                    <a:bodyPr/>
+                    <a:lstStyle/>
+                    <a:p>
+                      <a:pPr algn="r" fontAlgn="b"/>
+                      <a:r>
+                        <a:rPr lang="en-SG" sz="1000" u="none" strike="noStrike">
+                          <a:effectLst/>
+                        </a:rPr>
+                        <a:t>3</a:t>
+                      </a:r>
+                      <a:endParaRPr lang="en-SG" sz="1000" b="0" i="0" u="none" strike="noStrike">
+                        <a:solidFill>
+                          <a:srgbClr val="000000"/>
+                        </a:solidFill>
+                        <a:effectLst/>
+                        <a:latin typeface="Calibri" panose="020F0502020204030204" pitchFamily="34" charset="0"/>
+                      </a:endParaRPr>
+                    </a:p>
+                  </a:txBody>
+                  <a:tcPr marL="9047" marR="9047" marT="9047" marB="0" anchor="b"/>
+                </a:tc>
+                <a:tc>
+                  <a:txBody>
+                    <a:bodyPr/>
+                    <a:lstStyle/>
+                    <a:p>
+                      <a:pPr algn="r" fontAlgn="b"/>
+                      <a:r>
+                        <a:rPr lang="en-SG" sz="1000" u="none" strike="noStrike">
+                          <a:effectLst/>
+                        </a:rPr>
+                        <a:t>2</a:t>
+                      </a:r>
+                      <a:endParaRPr lang="en-SG" sz="1000" b="0" i="0" u="none" strike="noStrike">
+                        <a:solidFill>
+                          <a:srgbClr val="000000"/>
+                        </a:solidFill>
+                        <a:effectLst/>
+                        <a:latin typeface="Calibri" panose="020F0502020204030204" pitchFamily="34" charset="0"/>
+                      </a:endParaRPr>
+                    </a:p>
+                  </a:txBody>
+                  <a:tcPr marL="9047" marR="9047" marT="9047" marB="0" anchor="b"/>
+                </a:tc>
+                <a:tc>
+                  <a:txBody>
+                    <a:bodyPr/>
+                    <a:lstStyle/>
+                    <a:p>
+                      <a:pPr algn="r" fontAlgn="b"/>
+                      <a:r>
+                        <a:rPr lang="en-SG" sz="1000" u="none" strike="noStrike">
+                          <a:effectLst/>
+                        </a:rPr>
+                        <a:t>2:24</a:t>
+                      </a:r>
+                      <a:endParaRPr lang="en-SG" sz="1000" b="0" i="0" u="none" strike="noStrike">
+                        <a:solidFill>
+                          <a:srgbClr val="000000"/>
+                        </a:solidFill>
+                        <a:effectLst/>
+                        <a:latin typeface="Calibri" panose="020F0502020204030204" pitchFamily="34" charset="0"/>
+                      </a:endParaRPr>
+                    </a:p>
+                  </a:txBody>
+                  <a:tcPr marL="9047" marR="9047" marT="9047" marB="0" anchor="b"/>
+                </a:tc>
+                <a:tc>
+                  <a:txBody>
+                    <a:bodyPr/>
+                    <a:lstStyle/>
+                    <a:p>
+                      <a:pPr algn="r" fontAlgn="b"/>
+                      <a:r>
+                        <a:rPr lang="en-SG" sz="1000" u="none" strike="noStrike">
+                          <a:effectLst/>
+                        </a:rPr>
+                        <a:t>3</a:t>
+                      </a:r>
+                      <a:endParaRPr lang="en-SG" sz="1000" b="0" i="0" u="none" strike="noStrike">
+                        <a:solidFill>
+                          <a:srgbClr val="000000"/>
+                        </a:solidFill>
+                        <a:effectLst/>
+                        <a:latin typeface="Calibri" panose="020F0502020204030204" pitchFamily="34" charset="0"/>
+                      </a:endParaRPr>
+                    </a:p>
+                  </a:txBody>
+                  <a:tcPr marL="9047" marR="9047" marT="9047" marB="0" anchor="b"/>
+                </a:tc>
+                <a:tc>
+                  <a:txBody>
+                    <a:bodyPr/>
+                    <a:lstStyle/>
+                    <a:p>
+                      <a:pPr algn="l" fontAlgn="b"/>
+                      <a:r>
+                        <a:rPr lang="en-US" sz="1000" u="none" strike="noStrike">
+                          <a:effectLst/>
+                        </a:rPr>
+                        <a:t>The flower collection is pretty nice</a:t>
+                      </a:r>
+                      <a:endParaRPr lang="en-US" sz="1000" b="0" i="0" u="none" strike="noStrike">
+                        <a:solidFill>
+                          <a:srgbClr val="000000"/>
+                        </a:solidFill>
+                        <a:effectLst/>
+                        <a:latin typeface="Calibri" panose="020F0502020204030204" pitchFamily="34" charset="0"/>
+                      </a:endParaRPr>
+                    </a:p>
+                  </a:txBody>
+                  <a:tcPr marL="9047" marR="9047" marT="9047" marB="0" anchor="b"/>
+                </a:tc>
+                <a:tc>
+                  <a:txBody>
+                    <a:bodyPr/>
+                    <a:lstStyle/>
+                    <a:p>
+                      <a:pPr algn="l" fontAlgn="b"/>
+                      <a:r>
+                        <a:rPr lang="en-US" sz="1000" u="none" strike="noStrike">
+                          <a:effectLst/>
+                        </a:rPr>
+                        <a:t>Finding the profile page took time</a:t>
+                      </a:r>
+                      <a:endParaRPr lang="en-US" sz="1000" b="0" i="0" u="none" strike="noStrike">
+                        <a:solidFill>
+                          <a:srgbClr val="000000"/>
+                        </a:solidFill>
+                        <a:effectLst/>
+                        <a:latin typeface="Calibri" panose="020F0502020204030204" pitchFamily="34" charset="0"/>
+                      </a:endParaRPr>
+                    </a:p>
+                  </a:txBody>
+                  <a:tcPr marL="9047" marR="9047" marT="9047" marB="0" anchor="b"/>
+                </a:tc>
+                <a:tc>
+                  <a:txBody>
+                    <a:bodyPr/>
+                    <a:lstStyle/>
+                    <a:p>
+                      <a:pPr algn="r" fontAlgn="b"/>
+                      <a:r>
+                        <a:rPr lang="en-SG" sz="1000" u="none" strike="noStrike">
+                          <a:effectLst/>
+                        </a:rPr>
+                        <a:t>3</a:t>
+                      </a:r>
+                      <a:endParaRPr lang="en-SG" sz="1000" b="0" i="0" u="none" strike="noStrike">
+                        <a:solidFill>
+                          <a:srgbClr val="000000"/>
+                        </a:solidFill>
+                        <a:effectLst/>
+                        <a:latin typeface="Calibri" panose="020F0502020204030204" pitchFamily="34" charset="0"/>
+                      </a:endParaRPr>
+                    </a:p>
+                  </a:txBody>
+                  <a:tcPr marL="9047" marR="9047" marT="9047" marB="0" anchor="b"/>
+                </a:tc>
+                <a:extLst>
+                  <a:ext uri="{0D108BD9-81ED-4DB2-BD59-A6C34878D82A}">
+                    <a16:rowId xmlns:a16="http://schemas.microsoft.com/office/drawing/2014/main" val="147826265"/>
+                  </a:ext>
+                </a:extLst>
+              </a:tr>
+              <a:tr h="361872">
+                <a:tc>
+                  <a:txBody>
+                    <a:bodyPr/>
+                    <a:lstStyle/>
+                    <a:p>
+                      <a:pPr algn="l" fontAlgn="b"/>
+                      <a:r>
+                        <a:rPr lang="en-SG" sz="1000" u="none" strike="noStrike">
+                          <a:effectLst/>
+                        </a:rPr>
+                        <a:t>Sze Yuan</a:t>
+                      </a:r>
+                      <a:endParaRPr lang="en-SG" sz="1000" b="0" i="0" u="none" strike="noStrike">
+                        <a:solidFill>
+                          <a:srgbClr val="000000"/>
+                        </a:solidFill>
+                        <a:effectLst/>
+                        <a:latin typeface="Calibri" panose="020F0502020204030204" pitchFamily="34" charset="0"/>
+                      </a:endParaRPr>
+                    </a:p>
+                  </a:txBody>
+                  <a:tcPr marL="9047" marR="9047" marT="9047" marB="0" anchor="b"/>
+                </a:tc>
+                <a:tc>
+                  <a:txBody>
+                    <a:bodyPr/>
+                    <a:lstStyle/>
+                    <a:p>
+                      <a:pPr algn="l" fontAlgn="b"/>
+                      <a:r>
+                        <a:rPr lang="en-SG" sz="1000" u="none" strike="noStrike">
+                          <a:effectLst/>
+                        </a:rPr>
+                        <a:t>Technical Engineer</a:t>
+                      </a:r>
+                      <a:endParaRPr lang="en-SG" sz="1000" b="0" i="0" u="none" strike="noStrike">
+                        <a:solidFill>
+                          <a:srgbClr val="000000"/>
+                        </a:solidFill>
+                        <a:effectLst/>
+                        <a:latin typeface="Calibri" panose="020F0502020204030204" pitchFamily="34" charset="0"/>
+                      </a:endParaRPr>
+                    </a:p>
+                  </a:txBody>
+                  <a:tcPr marL="9047" marR="9047" marT="9047" marB="0" anchor="b"/>
+                </a:tc>
+                <a:tc>
+                  <a:txBody>
+                    <a:bodyPr/>
+                    <a:lstStyle/>
+                    <a:p>
+                      <a:pPr algn="r" fontAlgn="b"/>
+                      <a:r>
+                        <a:rPr lang="en-SG" sz="1000" u="none" strike="noStrike">
+                          <a:effectLst/>
+                        </a:rPr>
+                        <a:t>5</a:t>
+                      </a:r>
+                      <a:endParaRPr lang="en-SG" sz="1000" b="0" i="0" u="none" strike="noStrike">
+                        <a:solidFill>
+                          <a:srgbClr val="000000"/>
+                        </a:solidFill>
+                        <a:effectLst/>
+                        <a:latin typeface="Calibri" panose="020F0502020204030204" pitchFamily="34" charset="0"/>
+                      </a:endParaRPr>
+                    </a:p>
+                  </a:txBody>
+                  <a:tcPr marL="9047" marR="9047" marT="9047" marB="0" anchor="b"/>
+                </a:tc>
+                <a:tc>
+                  <a:txBody>
+                    <a:bodyPr/>
+                    <a:lstStyle/>
+                    <a:p>
+                      <a:pPr algn="r" fontAlgn="b"/>
+                      <a:r>
+                        <a:rPr lang="en-SG" sz="1000" u="none" strike="noStrike">
+                          <a:effectLst/>
+                        </a:rPr>
+                        <a:t>4</a:t>
+                      </a:r>
+                      <a:endParaRPr lang="en-SG" sz="1000" b="0" i="0" u="none" strike="noStrike">
+                        <a:solidFill>
+                          <a:srgbClr val="000000"/>
+                        </a:solidFill>
+                        <a:effectLst/>
+                        <a:latin typeface="Calibri" panose="020F0502020204030204" pitchFamily="34" charset="0"/>
+                      </a:endParaRPr>
+                    </a:p>
+                  </a:txBody>
+                  <a:tcPr marL="9047" marR="9047" marT="9047" marB="0" anchor="b"/>
+                </a:tc>
+                <a:tc>
+                  <a:txBody>
+                    <a:bodyPr/>
+                    <a:lstStyle/>
+                    <a:p>
+                      <a:pPr algn="r" fontAlgn="b"/>
+                      <a:r>
+                        <a:rPr lang="en-SG" sz="1000" u="none" strike="noStrike" dirty="0">
+                          <a:effectLst/>
+                        </a:rPr>
+                        <a:t>1</a:t>
+                      </a:r>
+                      <a:endParaRPr lang="en-SG" sz="1000" b="0" i="0" u="none" strike="noStrike" dirty="0">
+                        <a:solidFill>
+                          <a:srgbClr val="000000"/>
+                        </a:solidFill>
+                        <a:effectLst/>
+                        <a:latin typeface="Calibri" panose="020F0502020204030204" pitchFamily="34" charset="0"/>
+                      </a:endParaRPr>
+                    </a:p>
+                  </a:txBody>
+                  <a:tcPr marL="9047" marR="9047" marT="9047" marB="0" anchor="b"/>
+                </a:tc>
+                <a:tc>
+                  <a:txBody>
+                    <a:bodyPr/>
+                    <a:lstStyle/>
+                    <a:p>
+                      <a:pPr algn="r" fontAlgn="b"/>
+                      <a:r>
+                        <a:rPr lang="en-SG" sz="1000" u="none" strike="noStrike">
+                          <a:effectLst/>
+                        </a:rPr>
+                        <a:t>1:15</a:t>
+                      </a:r>
+                      <a:endParaRPr lang="en-SG" sz="1000" b="0" i="0" u="none" strike="noStrike">
+                        <a:solidFill>
+                          <a:srgbClr val="000000"/>
+                        </a:solidFill>
+                        <a:effectLst/>
+                        <a:latin typeface="Calibri" panose="020F0502020204030204" pitchFamily="34" charset="0"/>
+                      </a:endParaRPr>
+                    </a:p>
+                  </a:txBody>
+                  <a:tcPr marL="9047" marR="9047" marT="9047" marB="0" anchor="b"/>
+                </a:tc>
+                <a:tc>
+                  <a:txBody>
+                    <a:bodyPr/>
+                    <a:lstStyle/>
+                    <a:p>
+                      <a:pPr algn="r" fontAlgn="b"/>
+                      <a:r>
+                        <a:rPr lang="en-SG" sz="1000" u="none" strike="noStrike">
+                          <a:effectLst/>
+                        </a:rPr>
+                        <a:t>3</a:t>
+                      </a:r>
+                      <a:endParaRPr lang="en-SG" sz="1000" b="0" i="0" u="none" strike="noStrike">
+                        <a:solidFill>
+                          <a:srgbClr val="000000"/>
+                        </a:solidFill>
+                        <a:effectLst/>
+                        <a:latin typeface="Calibri" panose="020F0502020204030204" pitchFamily="34" charset="0"/>
+                      </a:endParaRPr>
+                    </a:p>
+                  </a:txBody>
+                  <a:tcPr marL="9047" marR="9047" marT="9047" marB="0" anchor="b"/>
+                </a:tc>
+                <a:tc>
+                  <a:txBody>
+                    <a:bodyPr/>
+                    <a:lstStyle/>
+                    <a:p>
+                      <a:pPr algn="l" fontAlgn="b"/>
+                      <a:r>
+                        <a:rPr lang="en-US" sz="1000" u="none" strike="noStrike">
+                          <a:effectLst/>
+                        </a:rPr>
+                        <a:t>The design is very minimalistic</a:t>
+                      </a:r>
+                      <a:endParaRPr lang="en-US" sz="1000" b="0" i="0" u="none" strike="noStrike">
+                        <a:solidFill>
+                          <a:srgbClr val="000000"/>
+                        </a:solidFill>
+                        <a:effectLst/>
+                        <a:latin typeface="Calibri" panose="020F0502020204030204" pitchFamily="34" charset="0"/>
+                      </a:endParaRPr>
+                    </a:p>
+                  </a:txBody>
+                  <a:tcPr marL="9047" marR="9047" marT="9047" marB="0" anchor="b"/>
+                </a:tc>
+                <a:tc>
+                  <a:txBody>
+                    <a:bodyPr/>
+                    <a:lstStyle/>
+                    <a:p>
+                      <a:pPr algn="l" fontAlgn="b"/>
+                      <a:r>
+                        <a:rPr lang="en-SG" sz="1000" u="none" strike="noStrike">
+                          <a:effectLst/>
+                        </a:rPr>
+                        <a:t>No delivery option</a:t>
+                      </a:r>
+                      <a:endParaRPr lang="en-SG" sz="1000" b="0" i="0" u="none" strike="noStrike">
+                        <a:solidFill>
+                          <a:srgbClr val="000000"/>
+                        </a:solidFill>
+                        <a:effectLst/>
+                        <a:latin typeface="Calibri" panose="020F0502020204030204" pitchFamily="34" charset="0"/>
+                      </a:endParaRPr>
+                    </a:p>
+                  </a:txBody>
+                  <a:tcPr marL="9047" marR="9047" marT="9047" marB="0" anchor="b"/>
+                </a:tc>
+                <a:tc>
+                  <a:txBody>
+                    <a:bodyPr/>
+                    <a:lstStyle/>
+                    <a:p>
+                      <a:pPr algn="r" fontAlgn="b"/>
+                      <a:r>
+                        <a:rPr lang="en-SG" sz="1000" u="none" strike="noStrike">
+                          <a:effectLst/>
+                        </a:rPr>
+                        <a:t>4</a:t>
+                      </a:r>
+                      <a:endParaRPr lang="en-SG" sz="1000" b="0" i="0" u="none" strike="noStrike">
+                        <a:solidFill>
+                          <a:srgbClr val="000000"/>
+                        </a:solidFill>
+                        <a:effectLst/>
+                        <a:latin typeface="Calibri" panose="020F0502020204030204" pitchFamily="34" charset="0"/>
+                      </a:endParaRPr>
+                    </a:p>
+                  </a:txBody>
+                  <a:tcPr marL="9047" marR="9047" marT="9047" marB="0" anchor="b"/>
+                </a:tc>
+                <a:extLst>
+                  <a:ext uri="{0D108BD9-81ED-4DB2-BD59-A6C34878D82A}">
+                    <a16:rowId xmlns:a16="http://schemas.microsoft.com/office/drawing/2014/main" val="310410713"/>
+                  </a:ext>
+                </a:extLst>
+              </a:tr>
+              <a:tr h="361872">
+                <a:tc>
+                  <a:txBody>
+                    <a:bodyPr/>
+                    <a:lstStyle/>
+                    <a:p>
+                      <a:pPr algn="l" fontAlgn="b"/>
+                      <a:r>
+                        <a:rPr lang="en-SG" sz="1000" u="none" strike="noStrike">
+                          <a:effectLst/>
+                        </a:rPr>
+                        <a:t>Harith</a:t>
+                      </a:r>
+                      <a:endParaRPr lang="en-SG" sz="1000" b="0" i="0" u="none" strike="noStrike">
+                        <a:solidFill>
+                          <a:srgbClr val="000000"/>
+                        </a:solidFill>
+                        <a:effectLst/>
+                        <a:latin typeface="Calibri" panose="020F0502020204030204" pitchFamily="34" charset="0"/>
+                      </a:endParaRPr>
+                    </a:p>
+                  </a:txBody>
+                  <a:tcPr marL="9047" marR="9047" marT="9047" marB="0" anchor="b"/>
+                </a:tc>
+                <a:tc>
+                  <a:txBody>
+                    <a:bodyPr/>
+                    <a:lstStyle/>
+                    <a:p>
+                      <a:pPr algn="l" fontAlgn="b"/>
+                      <a:r>
+                        <a:rPr lang="en-SG" sz="1000" u="none" strike="noStrike">
+                          <a:effectLst/>
+                        </a:rPr>
+                        <a:t>BIM Modeller</a:t>
+                      </a:r>
+                      <a:endParaRPr lang="en-SG" sz="1000" b="0" i="0" u="none" strike="noStrike">
+                        <a:solidFill>
+                          <a:srgbClr val="000000"/>
+                        </a:solidFill>
+                        <a:effectLst/>
+                        <a:latin typeface="Calibri" panose="020F0502020204030204" pitchFamily="34" charset="0"/>
+                      </a:endParaRPr>
+                    </a:p>
+                  </a:txBody>
+                  <a:tcPr marL="9047" marR="9047" marT="9047" marB="0" anchor="b"/>
+                </a:tc>
+                <a:tc>
+                  <a:txBody>
+                    <a:bodyPr/>
+                    <a:lstStyle/>
+                    <a:p>
+                      <a:pPr algn="r" fontAlgn="b"/>
+                      <a:r>
+                        <a:rPr lang="en-SG" sz="1000" u="none" strike="noStrike">
+                          <a:effectLst/>
+                        </a:rPr>
+                        <a:t>5</a:t>
+                      </a:r>
+                      <a:endParaRPr lang="en-SG" sz="1000" b="0" i="0" u="none" strike="noStrike">
+                        <a:solidFill>
+                          <a:srgbClr val="000000"/>
+                        </a:solidFill>
+                        <a:effectLst/>
+                        <a:latin typeface="Calibri" panose="020F0502020204030204" pitchFamily="34" charset="0"/>
+                      </a:endParaRPr>
+                    </a:p>
+                  </a:txBody>
+                  <a:tcPr marL="9047" marR="9047" marT="9047" marB="0" anchor="b"/>
+                </a:tc>
+                <a:tc>
+                  <a:txBody>
+                    <a:bodyPr/>
+                    <a:lstStyle/>
+                    <a:p>
+                      <a:pPr algn="r" fontAlgn="b"/>
+                      <a:r>
+                        <a:rPr lang="en-SG" sz="1000" u="none" strike="noStrike">
+                          <a:effectLst/>
+                        </a:rPr>
+                        <a:t>3</a:t>
+                      </a:r>
+                      <a:endParaRPr lang="en-SG" sz="1000" b="0" i="0" u="none" strike="noStrike">
+                        <a:solidFill>
+                          <a:srgbClr val="000000"/>
+                        </a:solidFill>
+                        <a:effectLst/>
+                        <a:latin typeface="Calibri" panose="020F0502020204030204" pitchFamily="34" charset="0"/>
+                      </a:endParaRPr>
+                    </a:p>
+                  </a:txBody>
+                  <a:tcPr marL="9047" marR="9047" marT="9047" marB="0" anchor="b"/>
+                </a:tc>
+                <a:tc>
+                  <a:txBody>
+                    <a:bodyPr/>
+                    <a:lstStyle/>
+                    <a:p>
+                      <a:pPr algn="r" fontAlgn="b"/>
+                      <a:r>
+                        <a:rPr lang="en-SG" sz="1000" u="none" strike="noStrike">
+                          <a:effectLst/>
+                        </a:rPr>
+                        <a:t>2</a:t>
+                      </a:r>
+                      <a:endParaRPr lang="en-SG" sz="1000" b="0" i="0" u="none" strike="noStrike">
+                        <a:solidFill>
+                          <a:srgbClr val="000000"/>
+                        </a:solidFill>
+                        <a:effectLst/>
+                        <a:latin typeface="Calibri" panose="020F0502020204030204" pitchFamily="34" charset="0"/>
+                      </a:endParaRPr>
+                    </a:p>
+                  </a:txBody>
+                  <a:tcPr marL="9047" marR="9047" marT="9047" marB="0" anchor="b"/>
+                </a:tc>
+                <a:tc>
+                  <a:txBody>
+                    <a:bodyPr/>
+                    <a:lstStyle/>
+                    <a:p>
+                      <a:pPr algn="r" fontAlgn="b"/>
+                      <a:r>
+                        <a:rPr lang="en-SG" sz="1000" u="none" strike="noStrike">
+                          <a:effectLst/>
+                        </a:rPr>
+                        <a:t>1:45</a:t>
+                      </a:r>
+                      <a:endParaRPr lang="en-SG" sz="1000" b="0" i="0" u="none" strike="noStrike">
+                        <a:solidFill>
+                          <a:srgbClr val="000000"/>
+                        </a:solidFill>
+                        <a:effectLst/>
+                        <a:latin typeface="Calibri" panose="020F0502020204030204" pitchFamily="34" charset="0"/>
+                      </a:endParaRPr>
+                    </a:p>
+                  </a:txBody>
+                  <a:tcPr marL="9047" marR="9047" marT="9047" marB="0" anchor="b"/>
+                </a:tc>
+                <a:tc>
+                  <a:txBody>
+                    <a:bodyPr/>
+                    <a:lstStyle/>
+                    <a:p>
+                      <a:pPr algn="r" fontAlgn="b"/>
+                      <a:r>
+                        <a:rPr lang="en-SG" sz="1000" u="none" strike="noStrike">
+                          <a:effectLst/>
+                        </a:rPr>
+                        <a:t>4</a:t>
+                      </a:r>
+                      <a:endParaRPr lang="en-SG" sz="1000" b="0" i="0" u="none" strike="noStrike">
+                        <a:solidFill>
+                          <a:srgbClr val="000000"/>
+                        </a:solidFill>
+                        <a:effectLst/>
+                        <a:latin typeface="Calibri" panose="020F0502020204030204" pitchFamily="34" charset="0"/>
+                      </a:endParaRPr>
+                    </a:p>
+                  </a:txBody>
+                  <a:tcPr marL="9047" marR="9047" marT="9047" marB="0" anchor="b"/>
+                </a:tc>
+                <a:tc>
+                  <a:txBody>
+                    <a:bodyPr/>
+                    <a:lstStyle/>
+                    <a:p>
+                      <a:pPr algn="l" fontAlgn="b"/>
+                      <a:r>
+                        <a:rPr lang="en-US" sz="1000" u="none" strike="noStrike">
+                          <a:effectLst/>
+                        </a:rPr>
+                        <a:t>The website offer ready made bouquet</a:t>
+                      </a:r>
+                      <a:endParaRPr lang="en-US" sz="1000" b="0" i="0" u="none" strike="noStrike">
+                        <a:solidFill>
+                          <a:srgbClr val="000000"/>
+                        </a:solidFill>
+                        <a:effectLst/>
+                        <a:latin typeface="Calibri" panose="020F0502020204030204" pitchFamily="34" charset="0"/>
+                      </a:endParaRPr>
+                    </a:p>
+                  </a:txBody>
+                  <a:tcPr marL="9047" marR="9047" marT="9047" marB="0" anchor="b"/>
+                </a:tc>
+                <a:tc>
+                  <a:txBody>
+                    <a:bodyPr/>
+                    <a:lstStyle/>
+                    <a:p>
+                      <a:pPr algn="l" fontAlgn="b"/>
+                      <a:r>
+                        <a:rPr lang="en-SG" sz="1000" u="none" strike="noStrike">
+                          <a:effectLst/>
+                        </a:rPr>
+                        <a:t>NIL</a:t>
+                      </a:r>
+                      <a:endParaRPr lang="en-SG" sz="1000" b="0" i="0" u="none" strike="noStrike">
+                        <a:solidFill>
+                          <a:srgbClr val="000000"/>
+                        </a:solidFill>
+                        <a:effectLst/>
+                        <a:latin typeface="Calibri" panose="020F0502020204030204" pitchFamily="34" charset="0"/>
+                      </a:endParaRPr>
+                    </a:p>
+                  </a:txBody>
+                  <a:tcPr marL="9047" marR="9047" marT="9047" marB="0" anchor="b"/>
+                </a:tc>
+                <a:tc>
+                  <a:txBody>
+                    <a:bodyPr/>
+                    <a:lstStyle/>
+                    <a:p>
+                      <a:pPr algn="r" fontAlgn="b"/>
+                      <a:r>
+                        <a:rPr lang="en-SG" sz="1000" u="none" strike="noStrike">
+                          <a:effectLst/>
+                        </a:rPr>
+                        <a:t>3</a:t>
+                      </a:r>
+                      <a:endParaRPr lang="en-SG" sz="1000" b="0" i="0" u="none" strike="noStrike">
+                        <a:solidFill>
+                          <a:srgbClr val="000000"/>
+                        </a:solidFill>
+                        <a:effectLst/>
+                        <a:latin typeface="Calibri" panose="020F0502020204030204" pitchFamily="34" charset="0"/>
+                      </a:endParaRPr>
+                    </a:p>
+                  </a:txBody>
+                  <a:tcPr marL="9047" marR="9047" marT="9047" marB="0" anchor="b"/>
+                </a:tc>
+                <a:extLst>
+                  <a:ext uri="{0D108BD9-81ED-4DB2-BD59-A6C34878D82A}">
+                    <a16:rowId xmlns:a16="http://schemas.microsoft.com/office/drawing/2014/main" val="4142506814"/>
+                  </a:ext>
+                </a:extLst>
+              </a:tr>
+              <a:tr h="361872">
+                <a:tc>
+                  <a:txBody>
+                    <a:bodyPr/>
+                    <a:lstStyle/>
+                    <a:p>
+                      <a:pPr algn="l" fontAlgn="b"/>
+                      <a:r>
+                        <a:rPr lang="en-SG" sz="1000" u="none" strike="noStrike">
+                          <a:effectLst/>
+                        </a:rPr>
+                        <a:t>Li Qing</a:t>
+                      </a:r>
+                      <a:endParaRPr lang="en-SG" sz="1000" b="0" i="0" u="none" strike="noStrike">
+                        <a:solidFill>
+                          <a:srgbClr val="000000"/>
+                        </a:solidFill>
+                        <a:effectLst/>
+                        <a:latin typeface="Calibri" panose="020F0502020204030204" pitchFamily="34" charset="0"/>
+                      </a:endParaRPr>
+                    </a:p>
+                  </a:txBody>
+                  <a:tcPr marL="9047" marR="9047" marT="9047" marB="0" anchor="b"/>
+                </a:tc>
+                <a:tc>
+                  <a:txBody>
+                    <a:bodyPr/>
+                    <a:lstStyle/>
+                    <a:p>
+                      <a:pPr algn="l" fontAlgn="b"/>
+                      <a:r>
+                        <a:rPr lang="en-SG" sz="1000" u="none" strike="noStrike">
+                          <a:effectLst/>
+                        </a:rPr>
+                        <a:t>Civil Engineer</a:t>
+                      </a:r>
+                      <a:endParaRPr lang="en-SG" sz="1000" b="0" i="0" u="none" strike="noStrike">
+                        <a:solidFill>
+                          <a:srgbClr val="000000"/>
+                        </a:solidFill>
+                        <a:effectLst/>
+                        <a:latin typeface="Calibri" panose="020F0502020204030204" pitchFamily="34" charset="0"/>
+                      </a:endParaRPr>
+                    </a:p>
+                  </a:txBody>
+                  <a:tcPr marL="9047" marR="9047" marT="9047" marB="0" anchor="b"/>
+                </a:tc>
+                <a:tc>
+                  <a:txBody>
+                    <a:bodyPr/>
+                    <a:lstStyle/>
+                    <a:p>
+                      <a:pPr algn="r" fontAlgn="b"/>
+                      <a:r>
+                        <a:rPr lang="en-SG" sz="1000" u="none" strike="noStrike">
+                          <a:effectLst/>
+                        </a:rPr>
+                        <a:t>5</a:t>
+                      </a:r>
+                      <a:endParaRPr lang="en-SG" sz="1000" b="0" i="0" u="none" strike="noStrike">
+                        <a:solidFill>
+                          <a:srgbClr val="000000"/>
+                        </a:solidFill>
+                        <a:effectLst/>
+                        <a:latin typeface="Calibri" panose="020F0502020204030204" pitchFamily="34" charset="0"/>
+                      </a:endParaRPr>
+                    </a:p>
+                  </a:txBody>
+                  <a:tcPr marL="9047" marR="9047" marT="9047" marB="0" anchor="b"/>
+                </a:tc>
+                <a:tc>
+                  <a:txBody>
+                    <a:bodyPr/>
+                    <a:lstStyle/>
+                    <a:p>
+                      <a:pPr algn="r" fontAlgn="b"/>
+                      <a:r>
+                        <a:rPr lang="en-SG" sz="1000" u="none" strike="noStrike">
+                          <a:effectLst/>
+                        </a:rPr>
+                        <a:t>5</a:t>
+                      </a:r>
+                      <a:endParaRPr lang="en-SG" sz="1000" b="0" i="0" u="none" strike="noStrike">
+                        <a:solidFill>
+                          <a:srgbClr val="000000"/>
+                        </a:solidFill>
+                        <a:effectLst/>
+                        <a:latin typeface="Calibri" panose="020F0502020204030204" pitchFamily="34" charset="0"/>
+                      </a:endParaRPr>
+                    </a:p>
+                  </a:txBody>
+                  <a:tcPr marL="9047" marR="9047" marT="9047" marB="0" anchor="b"/>
+                </a:tc>
+                <a:tc>
+                  <a:txBody>
+                    <a:bodyPr/>
+                    <a:lstStyle/>
+                    <a:p>
+                      <a:pPr algn="r" fontAlgn="b"/>
+                      <a:r>
+                        <a:rPr lang="en-SG" sz="1000" u="none" strike="noStrike">
+                          <a:effectLst/>
+                        </a:rPr>
+                        <a:t>3</a:t>
+                      </a:r>
+                      <a:endParaRPr lang="en-SG" sz="1000" b="0" i="0" u="none" strike="noStrike">
+                        <a:solidFill>
+                          <a:srgbClr val="000000"/>
+                        </a:solidFill>
+                        <a:effectLst/>
+                        <a:latin typeface="Calibri" panose="020F0502020204030204" pitchFamily="34" charset="0"/>
+                      </a:endParaRPr>
+                    </a:p>
+                  </a:txBody>
+                  <a:tcPr marL="9047" marR="9047" marT="9047" marB="0" anchor="b"/>
+                </a:tc>
+                <a:tc>
+                  <a:txBody>
+                    <a:bodyPr/>
+                    <a:lstStyle/>
+                    <a:p>
+                      <a:pPr algn="r" fontAlgn="b"/>
+                      <a:r>
+                        <a:rPr lang="en-SG" sz="1000" u="none" strike="noStrike">
+                          <a:effectLst/>
+                        </a:rPr>
+                        <a:t>0:59</a:t>
+                      </a:r>
+                      <a:endParaRPr lang="en-SG" sz="1000" b="0" i="0" u="none" strike="noStrike">
+                        <a:solidFill>
+                          <a:srgbClr val="000000"/>
+                        </a:solidFill>
+                        <a:effectLst/>
+                        <a:latin typeface="Calibri" panose="020F0502020204030204" pitchFamily="34" charset="0"/>
+                      </a:endParaRPr>
+                    </a:p>
+                  </a:txBody>
+                  <a:tcPr marL="9047" marR="9047" marT="9047" marB="0" anchor="b"/>
+                </a:tc>
+                <a:tc>
+                  <a:txBody>
+                    <a:bodyPr/>
+                    <a:lstStyle/>
+                    <a:p>
+                      <a:pPr algn="r" fontAlgn="b"/>
+                      <a:r>
+                        <a:rPr lang="en-SG" sz="1000" u="none" strike="noStrike">
+                          <a:effectLst/>
+                        </a:rPr>
+                        <a:t>4</a:t>
+                      </a:r>
+                      <a:endParaRPr lang="en-SG" sz="1000" b="0" i="0" u="none" strike="noStrike">
+                        <a:solidFill>
+                          <a:srgbClr val="000000"/>
+                        </a:solidFill>
+                        <a:effectLst/>
+                        <a:latin typeface="Calibri" panose="020F0502020204030204" pitchFamily="34" charset="0"/>
+                      </a:endParaRPr>
+                    </a:p>
+                  </a:txBody>
+                  <a:tcPr marL="9047" marR="9047" marT="9047" marB="0" anchor="b"/>
+                </a:tc>
+                <a:tc>
+                  <a:txBody>
+                    <a:bodyPr/>
+                    <a:lstStyle/>
+                    <a:p>
+                      <a:pPr algn="l" fontAlgn="b"/>
+                      <a:r>
+                        <a:rPr lang="en-US" sz="1000" u="none" strike="noStrike">
+                          <a:effectLst/>
+                        </a:rPr>
+                        <a:t>purchasing is simple and quick</a:t>
+                      </a:r>
+                      <a:endParaRPr lang="en-US" sz="1000" b="0" i="0" u="none" strike="noStrike">
+                        <a:solidFill>
+                          <a:srgbClr val="000000"/>
+                        </a:solidFill>
+                        <a:effectLst/>
+                        <a:latin typeface="Calibri" panose="020F0502020204030204" pitchFamily="34" charset="0"/>
+                      </a:endParaRPr>
+                    </a:p>
+                  </a:txBody>
+                  <a:tcPr marL="9047" marR="9047" marT="9047" marB="0" anchor="b"/>
+                </a:tc>
+                <a:tc>
+                  <a:txBody>
+                    <a:bodyPr/>
+                    <a:lstStyle/>
+                    <a:p>
+                      <a:pPr algn="l" fontAlgn="b"/>
+                      <a:r>
+                        <a:rPr lang="en-US" sz="1000" u="none" strike="noStrike">
+                          <a:effectLst/>
+                        </a:rPr>
+                        <a:t>Prefer to see categories or filters while searching</a:t>
+                      </a:r>
+                      <a:endParaRPr lang="en-US" sz="1000" b="0" i="0" u="none" strike="noStrike">
+                        <a:solidFill>
+                          <a:srgbClr val="000000"/>
+                        </a:solidFill>
+                        <a:effectLst/>
+                        <a:latin typeface="Calibri" panose="020F0502020204030204" pitchFamily="34" charset="0"/>
+                      </a:endParaRPr>
+                    </a:p>
+                  </a:txBody>
+                  <a:tcPr marL="9047" marR="9047" marT="9047" marB="0" anchor="b"/>
+                </a:tc>
+                <a:tc>
+                  <a:txBody>
+                    <a:bodyPr/>
+                    <a:lstStyle/>
+                    <a:p>
+                      <a:pPr algn="r" fontAlgn="b"/>
+                      <a:r>
+                        <a:rPr lang="en-SG" sz="1000" u="none" strike="noStrike">
+                          <a:effectLst/>
+                        </a:rPr>
+                        <a:t>5</a:t>
+                      </a:r>
+                      <a:endParaRPr lang="en-SG" sz="1000" b="0" i="0" u="none" strike="noStrike">
+                        <a:solidFill>
+                          <a:srgbClr val="000000"/>
+                        </a:solidFill>
+                        <a:effectLst/>
+                        <a:latin typeface="Calibri" panose="020F0502020204030204" pitchFamily="34" charset="0"/>
+                      </a:endParaRPr>
+                    </a:p>
+                  </a:txBody>
+                  <a:tcPr marL="9047" marR="9047" marT="9047" marB="0" anchor="b"/>
+                </a:tc>
+                <a:extLst>
+                  <a:ext uri="{0D108BD9-81ED-4DB2-BD59-A6C34878D82A}">
+                    <a16:rowId xmlns:a16="http://schemas.microsoft.com/office/drawing/2014/main" val="3246196546"/>
+                  </a:ext>
+                </a:extLst>
+              </a:tr>
+              <a:tr h="180936">
+                <a:tc>
+                  <a:txBody>
+                    <a:bodyPr/>
+                    <a:lstStyle/>
+                    <a:p>
+                      <a:pPr algn="l" fontAlgn="b"/>
+                      <a:r>
+                        <a:rPr lang="en-SG" sz="1000" u="none" strike="noStrike">
+                          <a:effectLst/>
+                        </a:rPr>
+                        <a:t>Samuel</a:t>
+                      </a:r>
+                      <a:endParaRPr lang="en-SG" sz="1000" b="0" i="0" u="none" strike="noStrike">
+                        <a:solidFill>
+                          <a:srgbClr val="000000"/>
+                        </a:solidFill>
+                        <a:effectLst/>
+                        <a:latin typeface="Calibri" panose="020F0502020204030204" pitchFamily="34" charset="0"/>
+                      </a:endParaRPr>
+                    </a:p>
+                  </a:txBody>
+                  <a:tcPr marL="9047" marR="9047" marT="9047" marB="0" anchor="b"/>
+                </a:tc>
+                <a:tc>
+                  <a:txBody>
+                    <a:bodyPr/>
+                    <a:lstStyle/>
+                    <a:p>
+                      <a:pPr algn="l" fontAlgn="b"/>
+                      <a:r>
+                        <a:rPr lang="en-SG" sz="1000" u="none" strike="noStrike">
+                          <a:effectLst/>
+                        </a:rPr>
+                        <a:t>IT Technician</a:t>
+                      </a:r>
+                      <a:endParaRPr lang="en-SG" sz="1000" b="0" i="0" u="none" strike="noStrike">
+                        <a:solidFill>
+                          <a:srgbClr val="000000"/>
+                        </a:solidFill>
+                        <a:effectLst/>
+                        <a:latin typeface="Calibri" panose="020F0502020204030204" pitchFamily="34" charset="0"/>
+                      </a:endParaRPr>
+                    </a:p>
+                  </a:txBody>
+                  <a:tcPr marL="9047" marR="9047" marT="9047" marB="0" anchor="b"/>
+                </a:tc>
+                <a:tc>
+                  <a:txBody>
+                    <a:bodyPr/>
+                    <a:lstStyle/>
+                    <a:p>
+                      <a:pPr algn="r" fontAlgn="b"/>
+                      <a:r>
+                        <a:rPr lang="en-SG" sz="1000" u="none" strike="noStrike">
+                          <a:effectLst/>
+                        </a:rPr>
+                        <a:t>5</a:t>
+                      </a:r>
+                      <a:endParaRPr lang="en-SG" sz="1000" b="0" i="0" u="none" strike="noStrike">
+                        <a:solidFill>
+                          <a:srgbClr val="000000"/>
+                        </a:solidFill>
+                        <a:effectLst/>
+                        <a:latin typeface="Calibri" panose="020F0502020204030204" pitchFamily="34" charset="0"/>
+                      </a:endParaRPr>
+                    </a:p>
+                  </a:txBody>
+                  <a:tcPr marL="9047" marR="9047" marT="9047" marB="0" anchor="b"/>
+                </a:tc>
+                <a:tc>
+                  <a:txBody>
+                    <a:bodyPr/>
+                    <a:lstStyle/>
+                    <a:p>
+                      <a:pPr algn="r" fontAlgn="b"/>
+                      <a:r>
+                        <a:rPr lang="en-SG" sz="1000" u="none" strike="noStrike">
+                          <a:effectLst/>
+                        </a:rPr>
+                        <a:t>5</a:t>
+                      </a:r>
+                      <a:endParaRPr lang="en-SG" sz="1000" b="0" i="0" u="none" strike="noStrike">
+                        <a:solidFill>
+                          <a:srgbClr val="000000"/>
+                        </a:solidFill>
+                        <a:effectLst/>
+                        <a:latin typeface="Calibri" panose="020F0502020204030204" pitchFamily="34" charset="0"/>
+                      </a:endParaRPr>
+                    </a:p>
+                  </a:txBody>
+                  <a:tcPr marL="9047" marR="9047" marT="9047" marB="0" anchor="b"/>
+                </a:tc>
+                <a:tc>
+                  <a:txBody>
+                    <a:bodyPr/>
+                    <a:lstStyle/>
+                    <a:p>
+                      <a:pPr algn="r" fontAlgn="b"/>
+                      <a:r>
+                        <a:rPr lang="en-SG" sz="1000" u="none" strike="noStrike">
+                          <a:effectLst/>
+                        </a:rPr>
+                        <a:t>1</a:t>
+                      </a:r>
+                      <a:endParaRPr lang="en-SG" sz="1000" b="0" i="0" u="none" strike="noStrike">
+                        <a:solidFill>
+                          <a:srgbClr val="000000"/>
+                        </a:solidFill>
+                        <a:effectLst/>
+                        <a:latin typeface="Calibri" panose="020F0502020204030204" pitchFamily="34" charset="0"/>
+                      </a:endParaRPr>
+                    </a:p>
+                  </a:txBody>
+                  <a:tcPr marL="9047" marR="9047" marT="9047" marB="0" anchor="b"/>
+                </a:tc>
+                <a:tc>
+                  <a:txBody>
+                    <a:bodyPr/>
+                    <a:lstStyle/>
+                    <a:p>
+                      <a:pPr algn="r" fontAlgn="b"/>
+                      <a:r>
+                        <a:rPr lang="en-SG" sz="1000" u="none" strike="noStrike">
+                          <a:effectLst/>
+                        </a:rPr>
+                        <a:t>1:05</a:t>
+                      </a:r>
+                      <a:endParaRPr lang="en-SG" sz="1000" b="0" i="0" u="none" strike="noStrike">
+                        <a:solidFill>
+                          <a:srgbClr val="000000"/>
+                        </a:solidFill>
+                        <a:effectLst/>
+                        <a:latin typeface="Calibri" panose="020F0502020204030204" pitchFamily="34" charset="0"/>
+                      </a:endParaRPr>
+                    </a:p>
+                  </a:txBody>
+                  <a:tcPr marL="9047" marR="9047" marT="9047" marB="0" anchor="b"/>
+                </a:tc>
+                <a:tc>
+                  <a:txBody>
+                    <a:bodyPr/>
+                    <a:lstStyle/>
+                    <a:p>
+                      <a:pPr algn="r" fontAlgn="b"/>
+                      <a:r>
+                        <a:rPr lang="en-SG" sz="1000" u="none" strike="noStrike">
+                          <a:effectLst/>
+                        </a:rPr>
+                        <a:t>5</a:t>
+                      </a:r>
+                      <a:endParaRPr lang="en-SG" sz="1000" b="0" i="0" u="none" strike="noStrike">
+                        <a:solidFill>
+                          <a:srgbClr val="000000"/>
+                        </a:solidFill>
+                        <a:effectLst/>
+                        <a:latin typeface="Calibri" panose="020F0502020204030204" pitchFamily="34" charset="0"/>
+                      </a:endParaRPr>
+                    </a:p>
+                  </a:txBody>
+                  <a:tcPr marL="9047" marR="9047" marT="9047" marB="0" anchor="b"/>
+                </a:tc>
+                <a:tc>
+                  <a:txBody>
+                    <a:bodyPr/>
+                    <a:lstStyle/>
+                    <a:p>
+                      <a:pPr algn="l" fontAlgn="b"/>
+                      <a:r>
+                        <a:rPr lang="en-SG" sz="1000" u="none" strike="noStrike">
+                          <a:effectLst/>
+                        </a:rPr>
+                        <a:t>Design is very intuitive</a:t>
+                      </a:r>
+                      <a:endParaRPr lang="en-SG" sz="1000" b="0" i="0" u="none" strike="noStrike">
+                        <a:solidFill>
+                          <a:srgbClr val="000000"/>
+                        </a:solidFill>
+                        <a:effectLst/>
+                        <a:latin typeface="Calibri" panose="020F0502020204030204" pitchFamily="34" charset="0"/>
+                      </a:endParaRPr>
+                    </a:p>
+                  </a:txBody>
+                  <a:tcPr marL="9047" marR="9047" marT="9047" marB="0" anchor="b"/>
+                </a:tc>
+                <a:tc>
+                  <a:txBody>
+                    <a:bodyPr/>
+                    <a:lstStyle/>
+                    <a:p>
+                      <a:pPr algn="l" fontAlgn="b"/>
+                      <a:r>
+                        <a:rPr lang="en-SG" sz="1000" u="none" strike="noStrike">
+                          <a:effectLst/>
+                        </a:rPr>
+                        <a:t>nil</a:t>
+                      </a:r>
+                      <a:endParaRPr lang="en-SG" sz="1000" b="0" i="0" u="none" strike="noStrike">
+                        <a:solidFill>
+                          <a:srgbClr val="000000"/>
+                        </a:solidFill>
+                        <a:effectLst/>
+                        <a:latin typeface="Calibri" panose="020F0502020204030204" pitchFamily="34" charset="0"/>
+                      </a:endParaRPr>
+                    </a:p>
+                  </a:txBody>
+                  <a:tcPr marL="9047" marR="9047" marT="9047" marB="0" anchor="b"/>
+                </a:tc>
+                <a:tc>
+                  <a:txBody>
+                    <a:bodyPr/>
+                    <a:lstStyle/>
+                    <a:p>
+                      <a:pPr algn="r" fontAlgn="b"/>
+                      <a:r>
+                        <a:rPr lang="en-SG" sz="1000" u="none" strike="noStrike" dirty="0">
+                          <a:effectLst/>
+                        </a:rPr>
+                        <a:t>4</a:t>
+                      </a:r>
+                      <a:endParaRPr lang="en-SG" sz="1000" b="0" i="0" u="none" strike="noStrike" dirty="0">
+                        <a:solidFill>
+                          <a:srgbClr val="000000"/>
+                        </a:solidFill>
+                        <a:effectLst/>
+                        <a:latin typeface="Calibri" panose="020F0502020204030204" pitchFamily="34" charset="0"/>
+                      </a:endParaRPr>
+                    </a:p>
+                  </a:txBody>
+                  <a:tcPr marL="9047" marR="9047" marT="9047" marB="0" anchor="b"/>
+                </a:tc>
+                <a:extLst>
+                  <a:ext uri="{0D108BD9-81ED-4DB2-BD59-A6C34878D82A}">
+                    <a16:rowId xmlns:a16="http://schemas.microsoft.com/office/drawing/2014/main" val="164101332"/>
+                  </a:ext>
+                </a:extLst>
+              </a:tr>
+            </a:tbl>
+          </a:graphicData>
+        </a:graphic>
+      </p:graphicFrame>
     </p:spTree>
   </p:cSld>
   <p:clrMapOvr>
@@ -3108,6 +4689,1528 @@
           </a:p>
         </p:txBody>
       </p:sp>
+      <p:graphicFrame>
+        <p:nvGraphicFramePr>
+          <p:cNvPr id="3" name="Table 2">
+            <a:extLst>
+              <a:ext uri="{FF2B5EF4-FFF2-40B4-BE49-F238E27FC236}">
+                <a16:creationId xmlns:a16="http://schemas.microsoft.com/office/drawing/2014/main" id="{E5EF33D2-DCA9-29F4-3D7E-888689FB68F5}"/>
+              </a:ext>
+            </a:extLst>
+          </p:cNvPr>
+          <p:cNvGraphicFramePr>
+            <a:graphicFrameLocks noGrp="1"/>
+          </p:cNvGraphicFramePr>
+          <p:nvPr/>
+        </p:nvGraphicFramePr>
+        <p:xfrm>
+          <a:off x="187325" y="2468563"/>
+          <a:ext cx="8769349" cy="1919730"/>
+        </p:xfrm>
+        <a:graphic>
+          <a:graphicData uri="http://schemas.openxmlformats.org/drawingml/2006/table">
+            <a:tbl>
+              <a:tblPr>
+                <a:tableStyleId>{5C22544A-7EE6-4342-B048-85BDC9FD1C3A}</a:tableStyleId>
+              </a:tblPr>
+              <a:tblGrid>
+                <a:gridCol w="578795">
+                  <a:extLst>
+                    <a:ext uri="{9D8B030D-6E8A-4147-A177-3AD203B41FA5}">
+                      <a16:colId xmlns:a16="http://schemas.microsoft.com/office/drawing/2014/main" val="2879401929"/>
+                    </a:ext>
+                  </a:extLst>
+                </a:gridCol>
+                <a:gridCol w="807901">
+                  <a:extLst>
+                    <a:ext uri="{9D8B030D-6E8A-4147-A177-3AD203B41FA5}">
+                      <a16:colId xmlns:a16="http://schemas.microsoft.com/office/drawing/2014/main" val="3992208151"/>
+                    </a:ext>
+                  </a:extLst>
+                </a:gridCol>
+                <a:gridCol w="578795">
+                  <a:extLst>
+                    <a:ext uri="{9D8B030D-6E8A-4147-A177-3AD203B41FA5}">
+                      <a16:colId xmlns:a16="http://schemas.microsoft.com/office/drawing/2014/main" val="4260992084"/>
+                    </a:ext>
+                  </a:extLst>
+                </a:gridCol>
+                <a:gridCol w="578795">
+                  <a:extLst>
+                    <a:ext uri="{9D8B030D-6E8A-4147-A177-3AD203B41FA5}">
+                      <a16:colId xmlns:a16="http://schemas.microsoft.com/office/drawing/2014/main" val="2676654768"/>
+                    </a:ext>
+                  </a:extLst>
+                </a:gridCol>
+                <a:gridCol w="578795">
+                  <a:extLst>
+                    <a:ext uri="{9D8B030D-6E8A-4147-A177-3AD203B41FA5}">
+                      <a16:colId xmlns:a16="http://schemas.microsoft.com/office/drawing/2014/main" val="2312468615"/>
+                    </a:ext>
+                  </a:extLst>
+                </a:gridCol>
+                <a:gridCol w="578795">
+                  <a:extLst>
+                    <a:ext uri="{9D8B030D-6E8A-4147-A177-3AD203B41FA5}">
+                      <a16:colId xmlns:a16="http://schemas.microsoft.com/office/drawing/2014/main" val="4058379867"/>
+                    </a:ext>
+                  </a:extLst>
+                </a:gridCol>
+                <a:gridCol w="578795">
+                  <a:extLst>
+                    <a:ext uri="{9D8B030D-6E8A-4147-A177-3AD203B41FA5}">
+                      <a16:colId xmlns:a16="http://schemas.microsoft.com/office/drawing/2014/main" val="3794616575"/>
+                    </a:ext>
+                  </a:extLst>
+                </a:gridCol>
+                <a:gridCol w="1965492">
+                  <a:extLst>
+                    <a:ext uri="{9D8B030D-6E8A-4147-A177-3AD203B41FA5}">
+                      <a16:colId xmlns:a16="http://schemas.microsoft.com/office/drawing/2014/main" val="1106248419"/>
+                    </a:ext>
+                  </a:extLst>
+                </a:gridCol>
+                <a:gridCol w="1944391">
+                  <a:extLst>
+                    <a:ext uri="{9D8B030D-6E8A-4147-A177-3AD203B41FA5}">
+                      <a16:colId xmlns:a16="http://schemas.microsoft.com/office/drawing/2014/main" val="3745445382"/>
+                    </a:ext>
+                  </a:extLst>
+                </a:gridCol>
+                <a:gridCol w="578795">
+                  <a:extLst>
+                    <a:ext uri="{9D8B030D-6E8A-4147-A177-3AD203B41FA5}">
+                      <a16:colId xmlns:a16="http://schemas.microsoft.com/office/drawing/2014/main" val="858385855"/>
+                    </a:ext>
+                  </a:extLst>
+                </a:gridCol>
+              </a:tblGrid>
+              <a:tr h="327494">
+                <a:tc>
+                  <a:txBody>
+                    <a:bodyPr/>
+                    <a:lstStyle/>
+                    <a:p>
+                      <a:pPr algn="l" fontAlgn="b"/>
+                      <a:r>
+                        <a:rPr lang="en-SG" sz="1000" u="none" strike="noStrike">
+                          <a:effectLst/>
+                        </a:rPr>
+                        <a:t>Users</a:t>
+                      </a:r>
+                      <a:endParaRPr lang="en-SG" sz="1000" b="0" i="0" u="none" strike="noStrike">
+                        <a:solidFill>
+                          <a:srgbClr val="000000"/>
+                        </a:solidFill>
+                        <a:effectLst/>
+                        <a:latin typeface="Calibri" panose="020F0502020204030204" pitchFamily="34" charset="0"/>
+                      </a:endParaRPr>
+                    </a:p>
+                  </a:txBody>
+                  <a:tcPr marL="9047" marR="9047" marT="9047" marB="0" anchor="b"/>
+                </a:tc>
+                <a:tc>
+                  <a:txBody>
+                    <a:bodyPr/>
+                    <a:lstStyle/>
+                    <a:p>
+                      <a:pPr algn="l" fontAlgn="b"/>
+                      <a:r>
+                        <a:rPr lang="en-SG" sz="1000" u="none" strike="noStrike">
+                          <a:effectLst/>
+                        </a:rPr>
+                        <a:t>Question 1</a:t>
+                      </a:r>
+                      <a:endParaRPr lang="en-SG" sz="1000" b="0" i="0" u="none" strike="noStrike">
+                        <a:solidFill>
+                          <a:srgbClr val="000000"/>
+                        </a:solidFill>
+                        <a:effectLst/>
+                        <a:latin typeface="Calibri" panose="020F0502020204030204" pitchFamily="34" charset="0"/>
+                      </a:endParaRPr>
+                    </a:p>
+                  </a:txBody>
+                  <a:tcPr marL="9047" marR="9047" marT="9047" marB="0" anchor="b"/>
+                </a:tc>
+                <a:tc>
+                  <a:txBody>
+                    <a:bodyPr/>
+                    <a:lstStyle/>
+                    <a:p>
+                      <a:pPr algn="l" fontAlgn="b"/>
+                      <a:r>
+                        <a:rPr lang="en-SG" sz="1000" u="none" strike="noStrike">
+                          <a:effectLst/>
+                        </a:rPr>
+                        <a:t>Question 2</a:t>
+                      </a:r>
+                      <a:endParaRPr lang="en-SG" sz="1000" b="0" i="0" u="none" strike="noStrike">
+                        <a:solidFill>
+                          <a:srgbClr val="000000"/>
+                        </a:solidFill>
+                        <a:effectLst/>
+                        <a:latin typeface="Calibri" panose="020F0502020204030204" pitchFamily="34" charset="0"/>
+                      </a:endParaRPr>
+                    </a:p>
+                  </a:txBody>
+                  <a:tcPr marL="9047" marR="9047" marT="9047" marB="0" anchor="b"/>
+                </a:tc>
+                <a:tc>
+                  <a:txBody>
+                    <a:bodyPr/>
+                    <a:lstStyle/>
+                    <a:p>
+                      <a:pPr algn="l" fontAlgn="b"/>
+                      <a:r>
+                        <a:rPr lang="en-SG" sz="1000" u="none" strike="noStrike">
+                          <a:effectLst/>
+                        </a:rPr>
+                        <a:t>Question 3</a:t>
+                      </a:r>
+                      <a:endParaRPr lang="en-SG" sz="1000" b="0" i="0" u="none" strike="noStrike">
+                        <a:solidFill>
+                          <a:srgbClr val="000000"/>
+                        </a:solidFill>
+                        <a:effectLst/>
+                        <a:latin typeface="Calibri" panose="020F0502020204030204" pitchFamily="34" charset="0"/>
+                      </a:endParaRPr>
+                    </a:p>
+                  </a:txBody>
+                  <a:tcPr marL="9047" marR="9047" marT="9047" marB="0" anchor="b"/>
+                </a:tc>
+                <a:tc>
+                  <a:txBody>
+                    <a:bodyPr/>
+                    <a:lstStyle/>
+                    <a:p>
+                      <a:pPr algn="l" fontAlgn="b"/>
+                      <a:r>
+                        <a:rPr lang="en-SG" sz="1000" u="none" strike="noStrike">
+                          <a:effectLst/>
+                        </a:rPr>
+                        <a:t>Question 4</a:t>
+                      </a:r>
+                      <a:endParaRPr lang="en-SG" sz="1000" b="0" i="0" u="none" strike="noStrike">
+                        <a:solidFill>
+                          <a:srgbClr val="000000"/>
+                        </a:solidFill>
+                        <a:effectLst/>
+                        <a:latin typeface="Calibri" panose="020F0502020204030204" pitchFamily="34" charset="0"/>
+                      </a:endParaRPr>
+                    </a:p>
+                  </a:txBody>
+                  <a:tcPr marL="9047" marR="9047" marT="9047" marB="0" anchor="b"/>
+                </a:tc>
+                <a:tc>
+                  <a:txBody>
+                    <a:bodyPr/>
+                    <a:lstStyle/>
+                    <a:p>
+                      <a:pPr algn="l" fontAlgn="b"/>
+                      <a:r>
+                        <a:rPr lang="en-SG" sz="1000" u="none" strike="noStrike">
+                          <a:effectLst/>
+                        </a:rPr>
+                        <a:t>Question 5</a:t>
+                      </a:r>
+                      <a:endParaRPr lang="en-SG" sz="1000" b="0" i="0" u="none" strike="noStrike">
+                        <a:solidFill>
+                          <a:srgbClr val="000000"/>
+                        </a:solidFill>
+                        <a:effectLst/>
+                        <a:latin typeface="Calibri" panose="020F0502020204030204" pitchFamily="34" charset="0"/>
+                      </a:endParaRPr>
+                    </a:p>
+                  </a:txBody>
+                  <a:tcPr marL="9047" marR="9047" marT="9047" marB="0" anchor="b"/>
+                </a:tc>
+                <a:tc>
+                  <a:txBody>
+                    <a:bodyPr/>
+                    <a:lstStyle/>
+                    <a:p>
+                      <a:pPr algn="l" fontAlgn="b"/>
+                      <a:r>
+                        <a:rPr lang="en-SG" sz="1000" u="none" strike="noStrike">
+                          <a:effectLst/>
+                        </a:rPr>
+                        <a:t>Question 6</a:t>
+                      </a:r>
+                      <a:endParaRPr lang="en-SG" sz="1000" b="0" i="0" u="none" strike="noStrike">
+                        <a:solidFill>
+                          <a:srgbClr val="000000"/>
+                        </a:solidFill>
+                        <a:effectLst/>
+                        <a:latin typeface="Calibri" panose="020F0502020204030204" pitchFamily="34" charset="0"/>
+                      </a:endParaRPr>
+                    </a:p>
+                  </a:txBody>
+                  <a:tcPr marL="9047" marR="9047" marT="9047" marB="0" anchor="b"/>
+                </a:tc>
+                <a:tc>
+                  <a:txBody>
+                    <a:bodyPr/>
+                    <a:lstStyle/>
+                    <a:p>
+                      <a:pPr algn="l" fontAlgn="b"/>
+                      <a:r>
+                        <a:rPr lang="en-SG" sz="1000" u="none" strike="noStrike">
+                          <a:effectLst/>
+                        </a:rPr>
+                        <a:t>Question 7</a:t>
+                      </a:r>
+                      <a:endParaRPr lang="en-SG" sz="1000" b="0" i="0" u="none" strike="noStrike">
+                        <a:solidFill>
+                          <a:srgbClr val="000000"/>
+                        </a:solidFill>
+                        <a:effectLst/>
+                        <a:latin typeface="Calibri" panose="020F0502020204030204" pitchFamily="34" charset="0"/>
+                      </a:endParaRPr>
+                    </a:p>
+                  </a:txBody>
+                  <a:tcPr marL="9047" marR="9047" marT="9047" marB="0" anchor="b"/>
+                </a:tc>
+                <a:tc>
+                  <a:txBody>
+                    <a:bodyPr/>
+                    <a:lstStyle/>
+                    <a:p>
+                      <a:pPr algn="l" fontAlgn="b"/>
+                      <a:r>
+                        <a:rPr lang="en-SG" sz="1000" u="none" strike="noStrike">
+                          <a:effectLst/>
+                        </a:rPr>
+                        <a:t>Question 8</a:t>
+                      </a:r>
+                      <a:endParaRPr lang="en-SG" sz="1000" b="0" i="0" u="none" strike="noStrike">
+                        <a:solidFill>
+                          <a:srgbClr val="000000"/>
+                        </a:solidFill>
+                        <a:effectLst/>
+                        <a:latin typeface="Calibri" panose="020F0502020204030204" pitchFamily="34" charset="0"/>
+                      </a:endParaRPr>
+                    </a:p>
+                  </a:txBody>
+                  <a:tcPr marL="9047" marR="9047" marT="9047" marB="0" anchor="b"/>
+                </a:tc>
+                <a:tc>
+                  <a:txBody>
+                    <a:bodyPr/>
+                    <a:lstStyle/>
+                    <a:p>
+                      <a:pPr algn="l" fontAlgn="b"/>
+                      <a:r>
+                        <a:rPr lang="en-SG" sz="1000" u="none" strike="noStrike">
+                          <a:effectLst/>
+                        </a:rPr>
+                        <a:t>Question 9</a:t>
+                      </a:r>
+                      <a:endParaRPr lang="en-SG" sz="1000" b="0" i="0" u="none" strike="noStrike">
+                        <a:solidFill>
+                          <a:srgbClr val="000000"/>
+                        </a:solidFill>
+                        <a:effectLst/>
+                        <a:latin typeface="Calibri" panose="020F0502020204030204" pitchFamily="34" charset="0"/>
+                      </a:endParaRPr>
+                    </a:p>
+                  </a:txBody>
+                  <a:tcPr marL="9047" marR="9047" marT="9047" marB="0" anchor="b"/>
+                </a:tc>
+                <a:extLst>
+                  <a:ext uri="{0D108BD9-81ED-4DB2-BD59-A6C34878D82A}">
+                    <a16:rowId xmlns:a16="http://schemas.microsoft.com/office/drawing/2014/main" val="2640740267"/>
+                  </a:ext>
+                </a:extLst>
+              </a:tr>
+              <a:tr h="325684">
+                <a:tc>
+                  <a:txBody>
+                    <a:bodyPr/>
+                    <a:lstStyle/>
+                    <a:p>
+                      <a:pPr algn="l" fontAlgn="b"/>
+                      <a:r>
+                        <a:rPr lang="en-SG" sz="1000" u="none" strike="noStrike">
+                          <a:effectLst/>
+                        </a:rPr>
+                        <a:t>Wei Ting</a:t>
+                      </a:r>
+                      <a:endParaRPr lang="en-SG" sz="1000" b="0" i="0" u="none" strike="noStrike">
+                        <a:solidFill>
+                          <a:srgbClr val="000000"/>
+                        </a:solidFill>
+                        <a:effectLst/>
+                        <a:latin typeface="Calibri" panose="020F0502020204030204" pitchFamily="34" charset="0"/>
+                      </a:endParaRPr>
+                    </a:p>
+                  </a:txBody>
+                  <a:tcPr marL="9047" marR="9047" marT="9047" marB="0" anchor="b"/>
+                </a:tc>
+                <a:tc>
+                  <a:txBody>
+                    <a:bodyPr/>
+                    <a:lstStyle/>
+                    <a:p>
+                      <a:pPr algn="l" fontAlgn="b"/>
+                      <a:r>
+                        <a:rPr lang="en-SG" sz="1000" u="none" strike="noStrike">
+                          <a:effectLst/>
+                        </a:rPr>
+                        <a:t>Architect</a:t>
+                      </a:r>
+                      <a:endParaRPr lang="en-SG" sz="1000" b="0" i="0" u="none" strike="noStrike">
+                        <a:solidFill>
+                          <a:srgbClr val="000000"/>
+                        </a:solidFill>
+                        <a:effectLst/>
+                        <a:latin typeface="Calibri" panose="020F0502020204030204" pitchFamily="34" charset="0"/>
+                      </a:endParaRPr>
+                    </a:p>
+                  </a:txBody>
+                  <a:tcPr marL="9047" marR="9047" marT="9047" marB="0" anchor="b"/>
+                </a:tc>
+                <a:tc>
+                  <a:txBody>
+                    <a:bodyPr/>
+                    <a:lstStyle/>
+                    <a:p>
+                      <a:pPr algn="r" fontAlgn="b"/>
+                      <a:r>
+                        <a:rPr lang="en-SG" sz="1000" u="none" strike="noStrike">
+                          <a:effectLst/>
+                        </a:rPr>
+                        <a:t>5</a:t>
+                      </a:r>
+                      <a:endParaRPr lang="en-SG" sz="1000" b="0" i="0" u="none" strike="noStrike">
+                        <a:solidFill>
+                          <a:srgbClr val="000000"/>
+                        </a:solidFill>
+                        <a:effectLst/>
+                        <a:latin typeface="Calibri" panose="020F0502020204030204" pitchFamily="34" charset="0"/>
+                      </a:endParaRPr>
+                    </a:p>
+                  </a:txBody>
+                  <a:tcPr marL="9047" marR="9047" marT="9047" marB="0" anchor="b"/>
+                </a:tc>
+                <a:tc>
+                  <a:txBody>
+                    <a:bodyPr/>
+                    <a:lstStyle/>
+                    <a:p>
+                      <a:pPr algn="r" fontAlgn="b"/>
+                      <a:r>
+                        <a:rPr lang="en-SG" sz="1000" u="none" strike="noStrike">
+                          <a:effectLst/>
+                        </a:rPr>
+                        <a:t>3</a:t>
+                      </a:r>
+                      <a:endParaRPr lang="en-SG" sz="1000" b="0" i="0" u="none" strike="noStrike">
+                        <a:solidFill>
+                          <a:srgbClr val="000000"/>
+                        </a:solidFill>
+                        <a:effectLst/>
+                        <a:latin typeface="Calibri" panose="020F0502020204030204" pitchFamily="34" charset="0"/>
+                      </a:endParaRPr>
+                    </a:p>
+                  </a:txBody>
+                  <a:tcPr marL="9047" marR="9047" marT="9047" marB="0" anchor="b"/>
+                </a:tc>
+                <a:tc>
+                  <a:txBody>
+                    <a:bodyPr/>
+                    <a:lstStyle/>
+                    <a:p>
+                      <a:pPr algn="r" fontAlgn="b"/>
+                      <a:r>
+                        <a:rPr lang="en-SG" sz="1000" u="none" strike="noStrike">
+                          <a:effectLst/>
+                        </a:rPr>
+                        <a:t>2</a:t>
+                      </a:r>
+                      <a:endParaRPr lang="en-SG" sz="1000" b="0" i="0" u="none" strike="noStrike">
+                        <a:solidFill>
+                          <a:srgbClr val="000000"/>
+                        </a:solidFill>
+                        <a:effectLst/>
+                        <a:latin typeface="Calibri" panose="020F0502020204030204" pitchFamily="34" charset="0"/>
+                      </a:endParaRPr>
+                    </a:p>
+                  </a:txBody>
+                  <a:tcPr marL="9047" marR="9047" marT="9047" marB="0" anchor="b"/>
+                </a:tc>
+                <a:tc>
+                  <a:txBody>
+                    <a:bodyPr/>
+                    <a:lstStyle/>
+                    <a:p>
+                      <a:pPr algn="r" fontAlgn="b"/>
+                      <a:r>
+                        <a:rPr lang="en-SG" sz="1000" u="none" strike="noStrike">
+                          <a:effectLst/>
+                        </a:rPr>
+                        <a:t>2:24</a:t>
+                      </a:r>
+                      <a:endParaRPr lang="en-SG" sz="1000" b="0" i="0" u="none" strike="noStrike">
+                        <a:solidFill>
+                          <a:srgbClr val="000000"/>
+                        </a:solidFill>
+                        <a:effectLst/>
+                        <a:latin typeface="Calibri" panose="020F0502020204030204" pitchFamily="34" charset="0"/>
+                      </a:endParaRPr>
+                    </a:p>
+                  </a:txBody>
+                  <a:tcPr marL="9047" marR="9047" marT="9047" marB="0" anchor="b"/>
+                </a:tc>
+                <a:tc>
+                  <a:txBody>
+                    <a:bodyPr/>
+                    <a:lstStyle/>
+                    <a:p>
+                      <a:pPr algn="r" fontAlgn="b"/>
+                      <a:r>
+                        <a:rPr lang="en-SG" sz="1000" u="none" strike="noStrike">
+                          <a:effectLst/>
+                        </a:rPr>
+                        <a:t>3</a:t>
+                      </a:r>
+                      <a:endParaRPr lang="en-SG" sz="1000" b="0" i="0" u="none" strike="noStrike">
+                        <a:solidFill>
+                          <a:srgbClr val="000000"/>
+                        </a:solidFill>
+                        <a:effectLst/>
+                        <a:latin typeface="Calibri" panose="020F0502020204030204" pitchFamily="34" charset="0"/>
+                      </a:endParaRPr>
+                    </a:p>
+                  </a:txBody>
+                  <a:tcPr marL="9047" marR="9047" marT="9047" marB="0" anchor="b"/>
+                </a:tc>
+                <a:tc>
+                  <a:txBody>
+                    <a:bodyPr/>
+                    <a:lstStyle/>
+                    <a:p>
+                      <a:pPr algn="l" fontAlgn="b"/>
+                      <a:r>
+                        <a:rPr lang="en-US" sz="1000" u="none" strike="noStrike">
+                          <a:effectLst/>
+                        </a:rPr>
+                        <a:t>The flower collection is pretty nice</a:t>
+                      </a:r>
+                      <a:endParaRPr lang="en-US" sz="1000" b="0" i="0" u="none" strike="noStrike">
+                        <a:solidFill>
+                          <a:srgbClr val="000000"/>
+                        </a:solidFill>
+                        <a:effectLst/>
+                        <a:latin typeface="Calibri" panose="020F0502020204030204" pitchFamily="34" charset="0"/>
+                      </a:endParaRPr>
+                    </a:p>
+                  </a:txBody>
+                  <a:tcPr marL="9047" marR="9047" marT="9047" marB="0" anchor="b"/>
+                </a:tc>
+                <a:tc>
+                  <a:txBody>
+                    <a:bodyPr/>
+                    <a:lstStyle/>
+                    <a:p>
+                      <a:pPr algn="l" fontAlgn="b"/>
+                      <a:r>
+                        <a:rPr lang="en-US" sz="1000" u="none" strike="noStrike">
+                          <a:effectLst/>
+                        </a:rPr>
+                        <a:t>Finding the profile page took time</a:t>
+                      </a:r>
+                      <a:endParaRPr lang="en-US" sz="1000" b="0" i="0" u="none" strike="noStrike">
+                        <a:solidFill>
+                          <a:srgbClr val="000000"/>
+                        </a:solidFill>
+                        <a:effectLst/>
+                        <a:latin typeface="Calibri" panose="020F0502020204030204" pitchFamily="34" charset="0"/>
+                      </a:endParaRPr>
+                    </a:p>
+                  </a:txBody>
+                  <a:tcPr marL="9047" marR="9047" marT="9047" marB="0" anchor="b"/>
+                </a:tc>
+                <a:tc>
+                  <a:txBody>
+                    <a:bodyPr/>
+                    <a:lstStyle/>
+                    <a:p>
+                      <a:pPr algn="r" fontAlgn="b"/>
+                      <a:r>
+                        <a:rPr lang="en-SG" sz="1000" u="none" strike="noStrike">
+                          <a:effectLst/>
+                        </a:rPr>
+                        <a:t>3</a:t>
+                      </a:r>
+                      <a:endParaRPr lang="en-SG" sz="1000" b="0" i="0" u="none" strike="noStrike">
+                        <a:solidFill>
+                          <a:srgbClr val="000000"/>
+                        </a:solidFill>
+                        <a:effectLst/>
+                        <a:latin typeface="Calibri" panose="020F0502020204030204" pitchFamily="34" charset="0"/>
+                      </a:endParaRPr>
+                    </a:p>
+                  </a:txBody>
+                  <a:tcPr marL="9047" marR="9047" marT="9047" marB="0" anchor="b"/>
+                </a:tc>
+                <a:extLst>
+                  <a:ext uri="{0D108BD9-81ED-4DB2-BD59-A6C34878D82A}">
+                    <a16:rowId xmlns:a16="http://schemas.microsoft.com/office/drawing/2014/main" val="147826265"/>
+                  </a:ext>
+                </a:extLst>
+              </a:tr>
+              <a:tr h="361872">
+                <a:tc>
+                  <a:txBody>
+                    <a:bodyPr/>
+                    <a:lstStyle/>
+                    <a:p>
+                      <a:pPr algn="l" fontAlgn="b"/>
+                      <a:r>
+                        <a:rPr lang="en-SG" sz="1000" u="none" strike="noStrike">
+                          <a:effectLst/>
+                        </a:rPr>
+                        <a:t>Sze Yuan</a:t>
+                      </a:r>
+                      <a:endParaRPr lang="en-SG" sz="1000" b="0" i="0" u="none" strike="noStrike">
+                        <a:solidFill>
+                          <a:srgbClr val="000000"/>
+                        </a:solidFill>
+                        <a:effectLst/>
+                        <a:latin typeface="Calibri" panose="020F0502020204030204" pitchFamily="34" charset="0"/>
+                      </a:endParaRPr>
+                    </a:p>
+                  </a:txBody>
+                  <a:tcPr marL="9047" marR="9047" marT="9047" marB="0" anchor="b"/>
+                </a:tc>
+                <a:tc>
+                  <a:txBody>
+                    <a:bodyPr/>
+                    <a:lstStyle/>
+                    <a:p>
+                      <a:pPr algn="l" fontAlgn="b"/>
+                      <a:r>
+                        <a:rPr lang="en-SG" sz="1000" u="none" strike="noStrike">
+                          <a:effectLst/>
+                        </a:rPr>
+                        <a:t>Technical Engineer</a:t>
+                      </a:r>
+                      <a:endParaRPr lang="en-SG" sz="1000" b="0" i="0" u="none" strike="noStrike">
+                        <a:solidFill>
+                          <a:srgbClr val="000000"/>
+                        </a:solidFill>
+                        <a:effectLst/>
+                        <a:latin typeface="Calibri" panose="020F0502020204030204" pitchFamily="34" charset="0"/>
+                      </a:endParaRPr>
+                    </a:p>
+                  </a:txBody>
+                  <a:tcPr marL="9047" marR="9047" marT="9047" marB="0" anchor="b"/>
+                </a:tc>
+                <a:tc>
+                  <a:txBody>
+                    <a:bodyPr/>
+                    <a:lstStyle/>
+                    <a:p>
+                      <a:pPr algn="r" fontAlgn="b"/>
+                      <a:r>
+                        <a:rPr lang="en-SG" sz="1000" u="none" strike="noStrike">
+                          <a:effectLst/>
+                        </a:rPr>
+                        <a:t>5</a:t>
+                      </a:r>
+                      <a:endParaRPr lang="en-SG" sz="1000" b="0" i="0" u="none" strike="noStrike">
+                        <a:solidFill>
+                          <a:srgbClr val="000000"/>
+                        </a:solidFill>
+                        <a:effectLst/>
+                        <a:latin typeface="Calibri" panose="020F0502020204030204" pitchFamily="34" charset="0"/>
+                      </a:endParaRPr>
+                    </a:p>
+                  </a:txBody>
+                  <a:tcPr marL="9047" marR="9047" marT="9047" marB="0" anchor="b"/>
+                </a:tc>
+                <a:tc>
+                  <a:txBody>
+                    <a:bodyPr/>
+                    <a:lstStyle/>
+                    <a:p>
+                      <a:pPr algn="r" fontAlgn="b"/>
+                      <a:r>
+                        <a:rPr lang="en-SG" sz="1000" u="none" strike="noStrike">
+                          <a:effectLst/>
+                        </a:rPr>
+                        <a:t>4</a:t>
+                      </a:r>
+                      <a:endParaRPr lang="en-SG" sz="1000" b="0" i="0" u="none" strike="noStrike">
+                        <a:solidFill>
+                          <a:srgbClr val="000000"/>
+                        </a:solidFill>
+                        <a:effectLst/>
+                        <a:latin typeface="Calibri" panose="020F0502020204030204" pitchFamily="34" charset="0"/>
+                      </a:endParaRPr>
+                    </a:p>
+                  </a:txBody>
+                  <a:tcPr marL="9047" marR="9047" marT="9047" marB="0" anchor="b"/>
+                </a:tc>
+                <a:tc>
+                  <a:txBody>
+                    <a:bodyPr/>
+                    <a:lstStyle/>
+                    <a:p>
+                      <a:pPr algn="r" fontAlgn="b"/>
+                      <a:r>
+                        <a:rPr lang="en-SG" sz="1000" u="none" strike="noStrike" dirty="0">
+                          <a:effectLst/>
+                        </a:rPr>
+                        <a:t>1</a:t>
+                      </a:r>
+                      <a:endParaRPr lang="en-SG" sz="1000" b="0" i="0" u="none" strike="noStrike" dirty="0">
+                        <a:solidFill>
+                          <a:srgbClr val="000000"/>
+                        </a:solidFill>
+                        <a:effectLst/>
+                        <a:latin typeface="Calibri" panose="020F0502020204030204" pitchFamily="34" charset="0"/>
+                      </a:endParaRPr>
+                    </a:p>
+                  </a:txBody>
+                  <a:tcPr marL="9047" marR="9047" marT="9047" marB="0" anchor="b"/>
+                </a:tc>
+                <a:tc>
+                  <a:txBody>
+                    <a:bodyPr/>
+                    <a:lstStyle/>
+                    <a:p>
+                      <a:pPr algn="r" fontAlgn="b"/>
+                      <a:r>
+                        <a:rPr lang="en-SG" sz="1000" u="none" strike="noStrike">
+                          <a:effectLst/>
+                        </a:rPr>
+                        <a:t>1:15</a:t>
+                      </a:r>
+                      <a:endParaRPr lang="en-SG" sz="1000" b="0" i="0" u="none" strike="noStrike">
+                        <a:solidFill>
+                          <a:srgbClr val="000000"/>
+                        </a:solidFill>
+                        <a:effectLst/>
+                        <a:latin typeface="Calibri" panose="020F0502020204030204" pitchFamily="34" charset="0"/>
+                      </a:endParaRPr>
+                    </a:p>
+                  </a:txBody>
+                  <a:tcPr marL="9047" marR="9047" marT="9047" marB="0" anchor="b"/>
+                </a:tc>
+                <a:tc>
+                  <a:txBody>
+                    <a:bodyPr/>
+                    <a:lstStyle/>
+                    <a:p>
+                      <a:pPr algn="r" fontAlgn="b"/>
+                      <a:r>
+                        <a:rPr lang="en-SG" sz="1000" u="none" strike="noStrike">
+                          <a:effectLst/>
+                        </a:rPr>
+                        <a:t>3</a:t>
+                      </a:r>
+                      <a:endParaRPr lang="en-SG" sz="1000" b="0" i="0" u="none" strike="noStrike">
+                        <a:solidFill>
+                          <a:srgbClr val="000000"/>
+                        </a:solidFill>
+                        <a:effectLst/>
+                        <a:latin typeface="Calibri" panose="020F0502020204030204" pitchFamily="34" charset="0"/>
+                      </a:endParaRPr>
+                    </a:p>
+                  </a:txBody>
+                  <a:tcPr marL="9047" marR="9047" marT="9047" marB="0" anchor="b"/>
+                </a:tc>
+                <a:tc>
+                  <a:txBody>
+                    <a:bodyPr/>
+                    <a:lstStyle/>
+                    <a:p>
+                      <a:pPr algn="l" fontAlgn="b"/>
+                      <a:r>
+                        <a:rPr lang="en-US" sz="1000" u="none" strike="noStrike">
+                          <a:effectLst/>
+                        </a:rPr>
+                        <a:t>The design is very minimalistic</a:t>
+                      </a:r>
+                      <a:endParaRPr lang="en-US" sz="1000" b="0" i="0" u="none" strike="noStrike">
+                        <a:solidFill>
+                          <a:srgbClr val="000000"/>
+                        </a:solidFill>
+                        <a:effectLst/>
+                        <a:latin typeface="Calibri" panose="020F0502020204030204" pitchFamily="34" charset="0"/>
+                      </a:endParaRPr>
+                    </a:p>
+                  </a:txBody>
+                  <a:tcPr marL="9047" marR="9047" marT="9047" marB="0" anchor="b"/>
+                </a:tc>
+                <a:tc>
+                  <a:txBody>
+                    <a:bodyPr/>
+                    <a:lstStyle/>
+                    <a:p>
+                      <a:pPr algn="l" fontAlgn="b"/>
+                      <a:r>
+                        <a:rPr lang="en-SG" sz="1000" u="none" strike="noStrike">
+                          <a:effectLst/>
+                        </a:rPr>
+                        <a:t>No delivery option</a:t>
+                      </a:r>
+                      <a:endParaRPr lang="en-SG" sz="1000" b="0" i="0" u="none" strike="noStrike">
+                        <a:solidFill>
+                          <a:srgbClr val="000000"/>
+                        </a:solidFill>
+                        <a:effectLst/>
+                        <a:latin typeface="Calibri" panose="020F0502020204030204" pitchFamily="34" charset="0"/>
+                      </a:endParaRPr>
+                    </a:p>
+                  </a:txBody>
+                  <a:tcPr marL="9047" marR="9047" marT="9047" marB="0" anchor="b"/>
+                </a:tc>
+                <a:tc>
+                  <a:txBody>
+                    <a:bodyPr/>
+                    <a:lstStyle/>
+                    <a:p>
+                      <a:pPr algn="r" fontAlgn="b"/>
+                      <a:r>
+                        <a:rPr lang="en-SG" sz="1000" u="none" strike="noStrike">
+                          <a:effectLst/>
+                        </a:rPr>
+                        <a:t>4</a:t>
+                      </a:r>
+                      <a:endParaRPr lang="en-SG" sz="1000" b="0" i="0" u="none" strike="noStrike">
+                        <a:solidFill>
+                          <a:srgbClr val="000000"/>
+                        </a:solidFill>
+                        <a:effectLst/>
+                        <a:latin typeface="Calibri" panose="020F0502020204030204" pitchFamily="34" charset="0"/>
+                      </a:endParaRPr>
+                    </a:p>
+                  </a:txBody>
+                  <a:tcPr marL="9047" marR="9047" marT="9047" marB="0" anchor="b"/>
+                </a:tc>
+                <a:extLst>
+                  <a:ext uri="{0D108BD9-81ED-4DB2-BD59-A6C34878D82A}">
+                    <a16:rowId xmlns:a16="http://schemas.microsoft.com/office/drawing/2014/main" val="310410713"/>
+                  </a:ext>
+                </a:extLst>
+              </a:tr>
+              <a:tr h="361872">
+                <a:tc>
+                  <a:txBody>
+                    <a:bodyPr/>
+                    <a:lstStyle/>
+                    <a:p>
+                      <a:pPr algn="l" fontAlgn="b"/>
+                      <a:r>
+                        <a:rPr lang="en-SG" sz="1000" u="none" strike="noStrike">
+                          <a:effectLst/>
+                        </a:rPr>
+                        <a:t>Harith</a:t>
+                      </a:r>
+                      <a:endParaRPr lang="en-SG" sz="1000" b="0" i="0" u="none" strike="noStrike">
+                        <a:solidFill>
+                          <a:srgbClr val="000000"/>
+                        </a:solidFill>
+                        <a:effectLst/>
+                        <a:latin typeface="Calibri" panose="020F0502020204030204" pitchFamily="34" charset="0"/>
+                      </a:endParaRPr>
+                    </a:p>
+                  </a:txBody>
+                  <a:tcPr marL="9047" marR="9047" marT="9047" marB="0" anchor="b"/>
+                </a:tc>
+                <a:tc>
+                  <a:txBody>
+                    <a:bodyPr/>
+                    <a:lstStyle/>
+                    <a:p>
+                      <a:pPr algn="l" fontAlgn="b"/>
+                      <a:r>
+                        <a:rPr lang="en-SG" sz="1000" u="none" strike="noStrike">
+                          <a:effectLst/>
+                        </a:rPr>
+                        <a:t>BIM Modeller</a:t>
+                      </a:r>
+                      <a:endParaRPr lang="en-SG" sz="1000" b="0" i="0" u="none" strike="noStrike">
+                        <a:solidFill>
+                          <a:srgbClr val="000000"/>
+                        </a:solidFill>
+                        <a:effectLst/>
+                        <a:latin typeface="Calibri" panose="020F0502020204030204" pitchFamily="34" charset="0"/>
+                      </a:endParaRPr>
+                    </a:p>
+                  </a:txBody>
+                  <a:tcPr marL="9047" marR="9047" marT="9047" marB="0" anchor="b"/>
+                </a:tc>
+                <a:tc>
+                  <a:txBody>
+                    <a:bodyPr/>
+                    <a:lstStyle/>
+                    <a:p>
+                      <a:pPr algn="r" fontAlgn="b"/>
+                      <a:r>
+                        <a:rPr lang="en-SG" sz="1000" u="none" strike="noStrike">
+                          <a:effectLst/>
+                        </a:rPr>
+                        <a:t>5</a:t>
+                      </a:r>
+                      <a:endParaRPr lang="en-SG" sz="1000" b="0" i="0" u="none" strike="noStrike">
+                        <a:solidFill>
+                          <a:srgbClr val="000000"/>
+                        </a:solidFill>
+                        <a:effectLst/>
+                        <a:latin typeface="Calibri" panose="020F0502020204030204" pitchFamily="34" charset="0"/>
+                      </a:endParaRPr>
+                    </a:p>
+                  </a:txBody>
+                  <a:tcPr marL="9047" marR="9047" marT="9047" marB="0" anchor="b"/>
+                </a:tc>
+                <a:tc>
+                  <a:txBody>
+                    <a:bodyPr/>
+                    <a:lstStyle/>
+                    <a:p>
+                      <a:pPr algn="r" fontAlgn="b"/>
+                      <a:r>
+                        <a:rPr lang="en-SG" sz="1000" u="none" strike="noStrike">
+                          <a:effectLst/>
+                        </a:rPr>
+                        <a:t>3</a:t>
+                      </a:r>
+                      <a:endParaRPr lang="en-SG" sz="1000" b="0" i="0" u="none" strike="noStrike">
+                        <a:solidFill>
+                          <a:srgbClr val="000000"/>
+                        </a:solidFill>
+                        <a:effectLst/>
+                        <a:latin typeface="Calibri" panose="020F0502020204030204" pitchFamily="34" charset="0"/>
+                      </a:endParaRPr>
+                    </a:p>
+                  </a:txBody>
+                  <a:tcPr marL="9047" marR="9047" marT="9047" marB="0" anchor="b"/>
+                </a:tc>
+                <a:tc>
+                  <a:txBody>
+                    <a:bodyPr/>
+                    <a:lstStyle/>
+                    <a:p>
+                      <a:pPr algn="r" fontAlgn="b"/>
+                      <a:r>
+                        <a:rPr lang="en-SG" sz="1000" u="none" strike="noStrike">
+                          <a:effectLst/>
+                        </a:rPr>
+                        <a:t>2</a:t>
+                      </a:r>
+                      <a:endParaRPr lang="en-SG" sz="1000" b="0" i="0" u="none" strike="noStrike">
+                        <a:solidFill>
+                          <a:srgbClr val="000000"/>
+                        </a:solidFill>
+                        <a:effectLst/>
+                        <a:latin typeface="Calibri" panose="020F0502020204030204" pitchFamily="34" charset="0"/>
+                      </a:endParaRPr>
+                    </a:p>
+                  </a:txBody>
+                  <a:tcPr marL="9047" marR="9047" marT="9047" marB="0" anchor="b"/>
+                </a:tc>
+                <a:tc>
+                  <a:txBody>
+                    <a:bodyPr/>
+                    <a:lstStyle/>
+                    <a:p>
+                      <a:pPr algn="r" fontAlgn="b"/>
+                      <a:r>
+                        <a:rPr lang="en-SG" sz="1000" u="none" strike="noStrike">
+                          <a:effectLst/>
+                        </a:rPr>
+                        <a:t>1:45</a:t>
+                      </a:r>
+                      <a:endParaRPr lang="en-SG" sz="1000" b="0" i="0" u="none" strike="noStrike">
+                        <a:solidFill>
+                          <a:srgbClr val="000000"/>
+                        </a:solidFill>
+                        <a:effectLst/>
+                        <a:latin typeface="Calibri" panose="020F0502020204030204" pitchFamily="34" charset="0"/>
+                      </a:endParaRPr>
+                    </a:p>
+                  </a:txBody>
+                  <a:tcPr marL="9047" marR="9047" marT="9047" marB="0" anchor="b"/>
+                </a:tc>
+                <a:tc>
+                  <a:txBody>
+                    <a:bodyPr/>
+                    <a:lstStyle/>
+                    <a:p>
+                      <a:pPr algn="r" fontAlgn="b"/>
+                      <a:r>
+                        <a:rPr lang="en-SG" sz="1000" u="none" strike="noStrike">
+                          <a:effectLst/>
+                        </a:rPr>
+                        <a:t>4</a:t>
+                      </a:r>
+                      <a:endParaRPr lang="en-SG" sz="1000" b="0" i="0" u="none" strike="noStrike">
+                        <a:solidFill>
+                          <a:srgbClr val="000000"/>
+                        </a:solidFill>
+                        <a:effectLst/>
+                        <a:latin typeface="Calibri" panose="020F0502020204030204" pitchFamily="34" charset="0"/>
+                      </a:endParaRPr>
+                    </a:p>
+                  </a:txBody>
+                  <a:tcPr marL="9047" marR="9047" marT="9047" marB="0" anchor="b"/>
+                </a:tc>
+                <a:tc>
+                  <a:txBody>
+                    <a:bodyPr/>
+                    <a:lstStyle/>
+                    <a:p>
+                      <a:pPr algn="l" fontAlgn="b"/>
+                      <a:r>
+                        <a:rPr lang="en-US" sz="1000" u="none" strike="noStrike">
+                          <a:effectLst/>
+                        </a:rPr>
+                        <a:t>The website offer ready made bouquet</a:t>
+                      </a:r>
+                      <a:endParaRPr lang="en-US" sz="1000" b="0" i="0" u="none" strike="noStrike">
+                        <a:solidFill>
+                          <a:srgbClr val="000000"/>
+                        </a:solidFill>
+                        <a:effectLst/>
+                        <a:latin typeface="Calibri" panose="020F0502020204030204" pitchFamily="34" charset="0"/>
+                      </a:endParaRPr>
+                    </a:p>
+                  </a:txBody>
+                  <a:tcPr marL="9047" marR="9047" marT="9047" marB="0" anchor="b"/>
+                </a:tc>
+                <a:tc>
+                  <a:txBody>
+                    <a:bodyPr/>
+                    <a:lstStyle/>
+                    <a:p>
+                      <a:pPr algn="l" fontAlgn="b"/>
+                      <a:r>
+                        <a:rPr lang="en-SG" sz="1000" u="none" strike="noStrike">
+                          <a:effectLst/>
+                        </a:rPr>
+                        <a:t>NIL</a:t>
+                      </a:r>
+                      <a:endParaRPr lang="en-SG" sz="1000" b="0" i="0" u="none" strike="noStrike">
+                        <a:solidFill>
+                          <a:srgbClr val="000000"/>
+                        </a:solidFill>
+                        <a:effectLst/>
+                        <a:latin typeface="Calibri" panose="020F0502020204030204" pitchFamily="34" charset="0"/>
+                      </a:endParaRPr>
+                    </a:p>
+                  </a:txBody>
+                  <a:tcPr marL="9047" marR="9047" marT="9047" marB="0" anchor="b"/>
+                </a:tc>
+                <a:tc>
+                  <a:txBody>
+                    <a:bodyPr/>
+                    <a:lstStyle/>
+                    <a:p>
+                      <a:pPr algn="r" fontAlgn="b"/>
+                      <a:r>
+                        <a:rPr lang="en-SG" sz="1000" u="none" strike="noStrike">
+                          <a:effectLst/>
+                        </a:rPr>
+                        <a:t>3</a:t>
+                      </a:r>
+                      <a:endParaRPr lang="en-SG" sz="1000" b="0" i="0" u="none" strike="noStrike">
+                        <a:solidFill>
+                          <a:srgbClr val="000000"/>
+                        </a:solidFill>
+                        <a:effectLst/>
+                        <a:latin typeface="Calibri" panose="020F0502020204030204" pitchFamily="34" charset="0"/>
+                      </a:endParaRPr>
+                    </a:p>
+                  </a:txBody>
+                  <a:tcPr marL="9047" marR="9047" marT="9047" marB="0" anchor="b"/>
+                </a:tc>
+                <a:extLst>
+                  <a:ext uri="{0D108BD9-81ED-4DB2-BD59-A6C34878D82A}">
+                    <a16:rowId xmlns:a16="http://schemas.microsoft.com/office/drawing/2014/main" val="4142506814"/>
+                  </a:ext>
+                </a:extLst>
+              </a:tr>
+              <a:tr h="361872">
+                <a:tc>
+                  <a:txBody>
+                    <a:bodyPr/>
+                    <a:lstStyle/>
+                    <a:p>
+                      <a:pPr algn="l" fontAlgn="b"/>
+                      <a:r>
+                        <a:rPr lang="en-SG" sz="1000" u="none" strike="noStrike">
+                          <a:effectLst/>
+                        </a:rPr>
+                        <a:t>Li Qing</a:t>
+                      </a:r>
+                      <a:endParaRPr lang="en-SG" sz="1000" b="0" i="0" u="none" strike="noStrike">
+                        <a:solidFill>
+                          <a:srgbClr val="000000"/>
+                        </a:solidFill>
+                        <a:effectLst/>
+                        <a:latin typeface="Calibri" panose="020F0502020204030204" pitchFamily="34" charset="0"/>
+                      </a:endParaRPr>
+                    </a:p>
+                  </a:txBody>
+                  <a:tcPr marL="9047" marR="9047" marT="9047" marB="0" anchor="b"/>
+                </a:tc>
+                <a:tc>
+                  <a:txBody>
+                    <a:bodyPr/>
+                    <a:lstStyle/>
+                    <a:p>
+                      <a:pPr algn="l" fontAlgn="b"/>
+                      <a:r>
+                        <a:rPr lang="en-SG" sz="1000" u="none" strike="noStrike">
+                          <a:effectLst/>
+                        </a:rPr>
+                        <a:t>Civil Engineer</a:t>
+                      </a:r>
+                      <a:endParaRPr lang="en-SG" sz="1000" b="0" i="0" u="none" strike="noStrike">
+                        <a:solidFill>
+                          <a:srgbClr val="000000"/>
+                        </a:solidFill>
+                        <a:effectLst/>
+                        <a:latin typeface="Calibri" panose="020F0502020204030204" pitchFamily="34" charset="0"/>
+                      </a:endParaRPr>
+                    </a:p>
+                  </a:txBody>
+                  <a:tcPr marL="9047" marR="9047" marT="9047" marB="0" anchor="b"/>
+                </a:tc>
+                <a:tc>
+                  <a:txBody>
+                    <a:bodyPr/>
+                    <a:lstStyle/>
+                    <a:p>
+                      <a:pPr algn="r" fontAlgn="b"/>
+                      <a:r>
+                        <a:rPr lang="en-SG" sz="1000" u="none" strike="noStrike">
+                          <a:effectLst/>
+                        </a:rPr>
+                        <a:t>5</a:t>
+                      </a:r>
+                      <a:endParaRPr lang="en-SG" sz="1000" b="0" i="0" u="none" strike="noStrike">
+                        <a:solidFill>
+                          <a:srgbClr val="000000"/>
+                        </a:solidFill>
+                        <a:effectLst/>
+                        <a:latin typeface="Calibri" panose="020F0502020204030204" pitchFamily="34" charset="0"/>
+                      </a:endParaRPr>
+                    </a:p>
+                  </a:txBody>
+                  <a:tcPr marL="9047" marR="9047" marT="9047" marB="0" anchor="b"/>
+                </a:tc>
+                <a:tc>
+                  <a:txBody>
+                    <a:bodyPr/>
+                    <a:lstStyle/>
+                    <a:p>
+                      <a:pPr algn="r" fontAlgn="b"/>
+                      <a:r>
+                        <a:rPr lang="en-SG" sz="1000" u="none" strike="noStrike">
+                          <a:effectLst/>
+                        </a:rPr>
+                        <a:t>5</a:t>
+                      </a:r>
+                      <a:endParaRPr lang="en-SG" sz="1000" b="0" i="0" u="none" strike="noStrike">
+                        <a:solidFill>
+                          <a:srgbClr val="000000"/>
+                        </a:solidFill>
+                        <a:effectLst/>
+                        <a:latin typeface="Calibri" panose="020F0502020204030204" pitchFamily="34" charset="0"/>
+                      </a:endParaRPr>
+                    </a:p>
+                  </a:txBody>
+                  <a:tcPr marL="9047" marR="9047" marT="9047" marB="0" anchor="b"/>
+                </a:tc>
+                <a:tc>
+                  <a:txBody>
+                    <a:bodyPr/>
+                    <a:lstStyle/>
+                    <a:p>
+                      <a:pPr algn="r" fontAlgn="b"/>
+                      <a:r>
+                        <a:rPr lang="en-SG" sz="1000" u="none" strike="noStrike">
+                          <a:effectLst/>
+                        </a:rPr>
+                        <a:t>3</a:t>
+                      </a:r>
+                      <a:endParaRPr lang="en-SG" sz="1000" b="0" i="0" u="none" strike="noStrike">
+                        <a:solidFill>
+                          <a:srgbClr val="000000"/>
+                        </a:solidFill>
+                        <a:effectLst/>
+                        <a:latin typeface="Calibri" panose="020F0502020204030204" pitchFamily="34" charset="0"/>
+                      </a:endParaRPr>
+                    </a:p>
+                  </a:txBody>
+                  <a:tcPr marL="9047" marR="9047" marT="9047" marB="0" anchor="b"/>
+                </a:tc>
+                <a:tc>
+                  <a:txBody>
+                    <a:bodyPr/>
+                    <a:lstStyle/>
+                    <a:p>
+                      <a:pPr algn="r" fontAlgn="b"/>
+                      <a:r>
+                        <a:rPr lang="en-SG" sz="1000" u="none" strike="noStrike">
+                          <a:effectLst/>
+                        </a:rPr>
+                        <a:t>0:59</a:t>
+                      </a:r>
+                      <a:endParaRPr lang="en-SG" sz="1000" b="0" i="0" u="none" strike="noStrike">
+                        <a:solidFill>
+                          <a:srgbClr val="000000"/>
+                        </a:solidFill>
+                        <a:effectLst/>
+                        <a:latin typeface="Calibri" panose="020F0502020204030204" pitchFamily="34" charset="0"/>
+                      </a:endParaRPr>
+                    </a:p>
+                  </a:txBody>
+                  <a:tcPr marL="9047" marR="9047" marT="9047" marB="0" anchor="b"/>
+                </a:tc>
+                <a:tc>
+                  <a:txBody>
+                    <a:bodyPr/>
+                    <a:lstStyle/>
+                    <a:p>
+                      <a:pPr algn="r" fontAlgn="b"/>
+                      <a:r>
+                        <a:rPr lang="en-SG" sz="1000" u="none" strike="noStrike">
+                          <a:effectLst/>
+                        </a:rPr>
+                        <a:t>4</a:t>
+                      </a:r>
+                      <a:endParaRPr lang="en-SG" sz="1000" b="0" i="0" u="none" strike="noStrike">
+                        <a:solidFill>
+                          <a:srgbClr val="000000"/>
+                        </a:solidFill>
+                        <a:effectLst/>
+                        <a:latin typeface="Calibri" panose="020F0502020204030204" pitchFamily="34" charset="0"/>
+                      </a:endParaRPr>
+                    </a:p>
+                  </a:txBody>
+                  <a:tcPr marL="9047" marR="9047" marT="9047" marB="0" anchor="b"/>
+                </a:tc>
+                <a:tc>
+                  <a:txBody>
+                    <a:bodyPr/>
+                    <a:lstStyle/>
+                    <a:p>
+                      <a:pPr algn="l" fontAlgn="b"/>
+                      <a:r>
+                        <a:rPr lang="en-US" sz="1000" u="none" strike="noStrike">
+                          <a:effectLst/>
+                        </a:rPr>
+                        <a:t>purchasing is simple and quick</a:t>
+                      </a:r>
+                      <a:endParaRPr lang="en-US" sz="1000" b="0" i="0" u="none" strike="noStrike">
+                        <a:solidFill>
+                          <a:srgbClr val="000000"/>
+                        </a:solidFill>
+                        <a:effectLst/>
+                        <a:latin typeface="Calibri" panose="020F0502020204030204" pitchFamily="34" charset="0"/>
+                      </a:endParaRPr>
+                    </a:p>
+                  </a:txBody>
+                  <a:tcPr marL="9047" marR="9047" marT="9047" marB="0" anchor="b"/>
+                </a:tc>
+                <a:tc>
+                  <a:txBody>
+                    <a:bodyPr/>
+                    <a:lstStyle/>
+                    <a:p>
+                      <a:pPr algn="l" fontAlgn="b"/>
+                      <a:r>
+                        <a:rPr lang="en-US" sz="1000" u="none" strike="noStrike">
+                          <a:effectLst/>
+                        </a:rPr>
+                        <a:t>Prefer to see categories or filters while searching</a:t>
+                      </a:r>
+                      <a:endParaRPr lang="en-US" sz="1000" b="0" i="0" u="none" strike="noStrike">
+                        <a:solidFill>
+                          <a:srgbClr val="000000"/>
+                        </a:solidFill>
+                        <a:effectLst/>
+                        <a:latin typeface="Calibri" panose="020F0502020204030204" pitchFamily="34" charset="0"/>
+                      </a:endParaRPr>
+                    </a:p>
+                  </a:txBody>
+                  <a:tcPr marL="9047" marR="9047" marT="9047" marB="0" anchor="b"/>
+                </a:tc>
+                <a:tc>
+                  <a:txBody>
+                    <a:bodyPr/>
+                    <a:lstStyle/>
+                    <a:p>
+                      <a:pPr algn="r" fontAlgn="b"/>
+                      <a:r>
+                        <a:rPr lang="en-SG" sz="1000" u="none" strike="noStrike">
+                          <a:effectLst/>
+                        </a:rPr>
+                        <a:t>5</a:t>
+                      </a:r>
+                      <a:endParaRPr lang="en-SG" sz="1000" b="0" i="0" u="none" strike="noStrike">
+                        <a:solidFill>
+                          <a:srgbClr val="000000"/>
+                        </a:solidFill>
+                        <a:effectLst/>
+                        <a:latin typeface="Calibri" panose="020F0502020204030204" pitchFamily="34" charset="0"/>
+                      </a:endParaRPr>
+                    </a:p>
+                  </a:txBody>
+                  <a:tcPr marL="9047" marR="9047" marT="9047" marB="0" anchor="b"/>
+                </a:tc>
+                <a:extLst>
+                  <a:ext uri="{0D108BD9-81ED-4DB2-BD59-A6C34878D82A}">
+                    <a16:rowId xmlns:a16="http://schemas.microsoft.com/office/drawing/2014/main" val="3246196546"/>
+                  </a:ext>
+                </a:extLst>
+              </a:tr>
+              <a:tr h="180936">
+                <a:tc>
+                  <a:txBody>
+                    <a:bodyPr/>
+                    <a:lstStyle/>
+                    <a:p>
+                      <a:pPr algn="l" fontAlgn="b"/>
+                      <a:r>
+                        <a:rPr lang="en-SG" sz="1000" u="none" strike="noStrike">
+                          <a:effectLst/>
+                        </a:rPr>
+                        <a:t>Samuel</a:t>
+                      </a:r>
+                      <a:endParaRPr lang="en-SG" sz="1000" b="0" i="0" u="none" strike="noStrike">
+                        <a:solidFill>
+                          <a:srgbClr val="000000"/>
+                        </a:solidFill>
+                        <a:effectLst/>
+                        <a:latin typeface="Calibri" panose="020F0502020204030204" pitchFamily="34" charset="0"/>
+                      </a:endParaRPr>
+                    </a:p>
+                  </a:txBody>
+                  <a:tcPr marL="9047" marR="9047" marT="9047" marB="0" anchor="b"/>
+                </a:tc>
+                <a:tc>
+                  <a:txBody>
+                    <a:bodyPr/>
+                    <a:lstStyle/>
+                    <a:p>
+                      <a:pPr algn="l" fontAlgn="b"/>
+                      <a:r>
+                        <a:rPr lang="en-SG" sz="1000" u="none" strike="noStrike">
+                          <a:effectLst/>
+                        </a:rPr>
+                        <a:t>IT Technician</a:t>
+                      </a:r>
+                      <a:endParaRPr lang="en-SG" sz="1000" b="0" i="0" u="none" strike="noStrike">
+                        <a:solidFill>
+                          <a:srgbClr val="000000"/>
+                        </a:solidFill>
+                        <a:effectLst/>
+                        <a:latin typeface="Calibri" panose="020F0502020204030204" pitchFamily="34" charset="0"/>
+                      </a:endParaRPr>
+                    </a:p>
+                  </a:txBody>
+                  <a:tcPr marL="9047" marR="9047" marT="9047" marB="0" anchor="b"/>
+                </a:tc>
+                <a:tc>
+                  <a:txBody>
+                    <a:bodyPr/>
+                    <a:lstStyle/>
+                    <a:p>
+                      <a:pPr algn="r" fontAlgn="b"/>
+                      <a:r>
+                        <a:rPr lang="en-SG" sz="1000" u="none" strike="noStrike">
+                          <a:effectLst/>
+                        </a:rPr>
+                        <a:t>5</a:t>
+                      </a:r>
+                      <a:endParaRPr lang="en-SG" sz="1000" b="0" i="0" u="none" strike="noStrike">
+                        <a:solidFill>
+                          <a:srgbClr val="000000"/>
+                        </a:solidFill>
+                        <a:effectLst/>
+                        <a:latin typeface="Calibri" panose="020F0502020204030204" pitchFamily="34" charset="0"/>
+                      </a:endParaRPr>
+                    </a:p>
+                  </a:txBody>
+                  <a:tcPr marL="9047" marR="9047" marT="9047" marB="0" anchor="b"/>
+                </a:tc>
+                <a:tc>
+                  <a:txBody>
+                    <a:bodyPr/>
+                    <a:lstStyle/>
+                    <a:p>
+                      <a:pPr algn="r" fontAlgn="b"/>
+                      <a:r>
+                        <a:rPr lang="en-SG" sz="1000" u="none" strike="noStrike">
+                          <a:effectLst/>
+                        </a:rPr>
+                        <a:t>5</a:t>
+                      </a:r>
+                      <a:endParaRPr lang="en-SG" sz="1000" b="0" i="0" u="none" strike="noStrike">
+                        <a:solidFill>
+                          <a:srgbClr val="000000"/>
+                        </a:solidFill>
+                        <a:effectLst/>
+                        <a:latin typeface="Calibri" panose="020F0502020204030204" pitchFamily="34" charset="0"/>
+                      </a:endParaRPr>
+                    </a:p>
+                  </a:txBody>
+                  <a:tcPr marL="9047" marR="9047" marT="9047" marB="0" anchor="b"/>
+                </a:tc>
+                <a:tc>
+                  <a:txBody>
+                    <a:bodyPr/>
+                    <a:lstStyle/>
+                    <a:p>
+                      <a:pPr algn="r" fontAlgn="b"/>
+                      <a:r>
+                        <a:rPr lang="en-SG" sz="1000" u="none" strike="noStrike">
+                          <a:effectLst/>
+                        </a:rPr>
+                        <a:t>1</a:t>
+                      </a:r>
+                      <a:endParaRPr lang="en-SG" sz="1000" b="0" i="0" u="none" strike="noStrike">
+                        <a:solidFill>
+                          <a:srgbClr val="000000"/>
+                        </a:solidFill>
+                        <a:effectLst/>
+                        <a:latin typeface="Calibri" panose="020F0502020204030204" pitchFamily="34" charset="0"/>
+                      </a:endParaRPr>
+                    </a:p>
+                  </a:txBody>
+                  <a:tcPr marL="9047" marR="9047" marT="9047" marB="0" anchor="b"/>
+                </a:tc>
+                <a:tc>
+                  <a:txBody>
+                    <a:bodyPr/>
+                    <a:lstStyle/>
+                    <a:p>
+                      <a:pPr algn="r" fontAlgn="b"/>
+                      <a:r>
+                        <a:rPr lang="en-SG" sz="1000" u="none" strike="noStrike">
+                          <a:effectLst/>
+                        </a:rPr>
+                        <a:t>1:05</a:t>
+                      </a:r>
+                      <a:endParaRPr lang="en-SG" sz="1000" b="0" i="0" u="none" strike="noStrike">
+                        <a:solidFill>
+                          <a:srgbClr val="000000"/>
+                        </a:solidFill>
+                        <a:effectLst/>
+                        <a:latin typeface="Calibri" panose="020F0502020204030204" pitchFamily="34" charset="0"/>
+                      </a:endParaRPr>
+                    </a:p>
+                  </a:txBody>
+                  <a:tcPr marL="9047" marR="9047" marT="9047" marB="0" anchor="b"/>
+                </a:tc>
+                <a:tc>
+                  <a:txBody>
+                    <a:bodyPr/>
+                    <a:lstStyle/>
+                    <a:p>
+                      <a:pPr algn="r" fontAlgn="b"/>
+                      <a:r>
+                        <a:rPr lang="en-SG" sz="1000" u="none" strike="noStrike">
+                          <a:effectLst/>
+                        </a:rPr>
+                        <a:t>5</a:t>
+                      </a:r>
+                      <a:endParaRPr lang="en-SG" sz="1000" b="0" i="0" u="none" strike="noStrike">
+                        <a:solidFill>
+                          <a:srgbClr val="000000"/>
+                        </a:solidFill>
+                        <a:effectLst/>
+                        <a:latin typeface="Calibri" panose="020F0502020204030204" pitchFamily="34" charset="0"/>
+                      </a:endParaRPr>
+                    </a:p>
+                  </a:txBody>
+                  <a:tcPr marL="9047" marR="9047" marT="9047" marB="0" anchor="b"/>
+                </a:tc>
+                <a:tc>
+                  <a:txBody>
+                    <a:bodyPr/>
+                    <a:lstStyle/>
+                    <a:p>
+                      <a:pPr algn="l" fontAlgn="b"/>
+                      <a:r>
+                        <a:rPr lang="en-SG" sz="1000" u="none" strike="noStrike">
+                          <a:effectLst/>
+                        </a:rPr>
+                        <a:t>Design is very intuitive</a:t>
+                      </a:r>
+                      <a:endParaRPr lang="en-SG" sz="1000" b="0" i="0" u="none" strike="noStrike">
+                        <a:solidFill>
+                          <a:srgbClr val="000000"/>
+                        </a:solidFill>
+                        <a:effectLst/>
+                        <a:latin typeface="Calibri" panose="020F0502020204030204" pitchFamily="34" charset="0"/>
+                      </a:endParaRPr>
+                    </a:p>
+                  </a:txBody>
+                  <a:tcPr marL="9047" marR="9047" marT="9047" marB="0" anchor="b"/>
+                </a:tc>
+                <a:tc>
+                  <a:txBody>
+                    <a:bodyPr/>
+                    <a:lstStyle/>
+                    <a:p>
+                      <a:pPr algn="l" fontAlgn="b"/>
+                      <a:r>
+                        <a:rPr lang="en-SG" sz="1000" u="none" strike="noStrike">
+                          <a:effectLst/>
+                        </a:rPr>
+                        <a:t>nil</a:t>
+                      </a:r>
+                      <a:endParaRPr lang="en-SG" sz="1000" b="0" i="0" u="none" strike="noStrike">
+                        <a:solidFill>
+                          <a:srgbClr val="000000"/>
+                        </a:solidFill>
+                        <a:effectLst/>
+                        <a:latin typeface="Calibri" panose="020F0502020204030204" pitchFamily="34" charset="0"/>
+                      </a:endParaRPr>
+                    </a:p>
+                  </a:txBody>
+                  <a:tcPr marL="9047" marR="9047" marT="9047" marB="0" anchor="b"/>
+                </a:tc>
+                <a:tc>
+                  <a:txBody>
+                    <a:bodyPr/>
+                    <a:lstStyle/>
+                    <a:p>
+                      <a:pPr algn="r" fontAlgn="b"/>
+                      <a:r>
+                        <a:rPr lang="en-SG" sz="1000" u="none" strike="noStrike" dirty="0">
+                          <a:effectLst/>
+                        </a:rPr>
+                        <a:t>4</a:t>
+                      </a:r>
+                      <a:endParaRPr lang="en-SG" sz="1000" b="0" i="0" u="none" strike="noStrike" dirty="0">
+                        <a:solidFill>
+                          <a:srgbClr val="000000"/>
+                        </a:solidFill>
+                        <a:effectLst/>
+                        <a:latin typeface="Calibri" panose="020F0502020204030204" pitchFamily="34" charset="0"/>
+                      </a:endParaRPr>
+                    </a:p>
+                  </a:txBody>
+                  <a:tcPr marL="9047" marR="9047" marT="9047" marB="0" anchor="b"/>
+                </a:tc>
+                <a:extLst>
+                  <a:ext uri="{0D108BD9-81ED-4DB2-BD59-A6C34878D82A}">
+                    <a16:rowId xmlns:a16="http://schemas.microsoft.com/office/drawing/2014/main" val="164101332"/>
+                  </a:ext>
+                </a:extLst>
+              </a:tr>
+            </a:tbl>
+          </a:graphicData>
+        </a:graphic>
+      </p:graphicFrame>
     </p:spTree>
   </p:cSld>
   <p:clrMapOvr>
@@ -3187,7 +6290,13 @@
           <p:cNvGraphicFramePr>
             <a:graphicFrameLocks noGrp="1"/>
           </p:cNvGraphicFramePr>
-          <p:nvPr/>
+          <p:nvPr>
+            <p:extLst>
+              <p:ext uri="{D42A27DB-BD31-4B8C-83A1-F6EECF244321}">
+                <p14:modId xmlns:p14="http://schemas.microsoft.com/office/powerpoint/2010/main" val="2869132232"/>
+              </p:ext>
+            </p:extLst>
+          </p:nvPr>
         </p:nvGraphicFramePr>
         <p:xfrm>
           <a:off x="173037" y="1335150"/>
@@ -3341,11 +6450,14 @@
                       </a:solidFill>
                       <a:prstDash val="solid"/>
                     </a:lnT>
-                    <a:lnB w="38100">
-                      <a:solidFill>
-                        <a:srgbClr val="FFFFFF"/>
-                      </a:solidFill>
-                      <a:prstDash val="solid"/>
+                    <a:lnB w="38100" cap="flat" cmpd="sng" algn="ctr">
+                      <a:solidFill>
+                        <a:srgbClr val="FFFFFF"/>
+                      </a:solidFill>
+                      <a:prstDash val="solid"/>
+                      <a:round/>
+                      <a:headEnd type="none" w="med" len="med"/>
+                      <a:tailEnd type="none" w="med" len="med"/>
                     </a:lnB>
                     <a:solidFill>
                       <a:srgbClr val="4F81BC"/>
@@ -3441,11 +6553,14 @@
                       </a:solidFill>
                       <a:prstDash val="solid"/>
                     </a:lnT>
-                    <a:lnB w="38100">
-                      <a:solidFill>
-                        <a:srgbClr val="FFFFFF"/>
-                      </a:solidFill>
-                      <a:prstDash val="solid"/>
+                    <a:lnB w="38100" cap="flat" cmpd="sng" algn="ctr">
+                      <a:solidFill>
+                        <a:srgbClr val="FFFFFF"/>
+                      </a:solidFill>
+                      <a:prstDash val="solid"/>
+                      <a:round/>
+                      <a:headEnd type="none" w="med" len="med"/>
+                      <a:tailEnd type="none" w="med" len="med"/>
                     </a:lnB>
                     <a:solidFill>
                       <a:srgbClr val="4F81BC"/>
@@ -3530,11 +6645,14 @@
                       </a:solidFill>
                       <a:prstDash val="solid"/>
                     </a:lnT>
-                    <a:lnB w="38100">
-                      <a:solidFill>
-                        <a:srgbClr val="FFFFFF"/>
-                      </a:solidFill>
-                      <a:prstDash val="solid"/>
+                    <a:lnB w="38100" cap="flat" cmpd="sng" algn="ctr">
+                      <a:solidFill>
+                        <a:srgbClr val="FFFFFF"/>
+                      </a:solidFill>
+                      <a:prstDash val="solid"/>
+                      <a:round/>
+                      <a:headEnd type="none" w="med" len="med"/>
+                      <a:tailEnd type="none" w="med" len="med"/>
                     </a:lnB>
                     <a:solidFill>
                       <a:srgbClr val="4F81BC"/>
@@ -3568,10 +6686,6 @@
                         </a:rPr>
                         <a:t>1</a:t>
                       </a:r>
-                      <a:endParaRPr sz="1800">
-                        <a:latin typeface="Calibri"/>
-                        <a:cs typeface="Calibri"/>
-                      </a:endParaRPr>
                     </a:p>
                   </a:txBody>
                   <a:tcPr marL="0" marR="0" marT="130175" marB="0">
@@ -3614,7 +6728,14 @@
                           <a:spcPct val="100000"/>
                         </a:lnSpc>
                       </a:pPr>
-                      <a:endParaRPr sz="2000">
+                      <a:r>
+                        <a:rPr lang="en-US" sz="2000" dirty="0">
+                          <a:latin typeface="Times New Roman"/>
+                          <a:cs typeface="Times New Roman"/>
+                        </a:rPr>
+                        <a:t>Gather user feedback and information</a:t>
+                      </a:r>
+                      <a:endParaRPr sz="2000" dirty="0">
                         <a:latin typeface="Times New Roman"/>
                         <a:cs typeface="Times New Roman"/>
                       </a:endParaRPr>
@@ -3779,7 +6900,14 @@
                           <a:spcPct val="100000"/>
                         </a:lnSpc>
                       </a:pPr>
-                      <a:endParaRPr sz="2000">
+                      <a:r>
+                        <a:rPr lang="en-US" sz="2000" dirty="0">
+                          <a:latin typeface="Times New Roman"/>
+                          <a:cs typeface="Times New Roman"/>
+                        </a:rPr>
+                        <a:t>Wireframe designs</a:t>
+                      </a:r>
+                      <a:endParaRPr sz="2000" dirty="0">
                         <a:latin typeface="Times New Roman"/>
                         <a:cs typeface="Times New Roman"/>
                       </a:endParaRPr>
@@ -3944,7 +7072,14 @@
                           <a:spcPct val="100000"/>
                         </a:lnSpc>
                       </a:pPr>
-                      <a:endParaRPr sz="2000">
+                      <a:r>
+                        <a:rPr lang="en-US" sz="2000" dirty="0">
+                          <a:latin typeface="Times New Roman"/>
+                          <a:cs typeface="Times New Roman"/>
+                        </a:rPr>
+                        <a:t>Present wireframe design to user</a:t>
+                      </a:r>
+                      <a:endParaRPr sz="2000" dirty="0">
                         <a:latin typeface="Times New Roman"/>
                         <a:cs typeface="Times New Roman"/>
                       </a:endParaRPr>
@@ -4109,7 +7244,14 @@
                           <a:spcPct val="100000"/>
                         </a:lnSpc>
                       </a:pPr>
-                      <a:endParaRPr sz="2000">
+                      <a:r>
+                        <a:rPr lang="en-US" sz="2000" dirty="0">
+                          <a:latin typeface="Times New Roman"/>
+                          <a:cs typeface="Times New Roman"/>
+                        </a:rPr>
+                        <a:t>Design Mockups</a:t>
+                      </a:r>
+                      <a:endParaRPr sz="2000" dirty="0">
                         <a:latin typeface="Times New Roman"/>
                         <a:cs typeface="Times New Roman"/>
                       </a:endParaRPr>
@@ -4274,7 +7416,14 @@
                           <a:spcPct val="100000"/>
                         </a:lnSpc>
                       </a:pPr>
-                      <a:endParaRPr sz="2000">
+                      <a:r>
+                        <a:rPr lang="en-US" sz="2000" dirty="0">
+                          <a:latin typeface="Times New Roman"/>
+                          <a:cs typeface="Times New Roman"/>
+                        </a:rPr>
+                        <a:t>Develop Prototype</a:t>
+                      </a:r>
+                      <a:endParaRPr sz="2000" dirty="0">
                         <a:latin typeface="Times New Roman"/>
                         <a:cs typeface="Times New Roman"/>
                       </a:endParaRPr>
@@ -4439,7 +7588,14 @@
                           <a:spcPct val="100000"/>
                         </a:lnSpc>
                       </a:pPr>
-                      <a:endParaRPr sz="2000">
+                      <a:r>
+                        <a:rPr lang="en-US" sz="2000" dirty="0">
+                          <a:latin typeface="Times New Roman"/>
+                          <a:cs typeface="Times New Roman"/>
+                        </a:rPr>
+                        <a:t>Conduct usability tests</a:t>
+                      </a:r>
+                      <a:endParaRPr sz="2000" dirty="0">
                         <a:latin typeface="Times New Roman"/>
                         <a:cs typeface="Times New Roman"/>
                       </a:endParaRPr>
@@ -4604,7 +7760,14 @@
                           <a:spcPct val="100000"/>
                         </a:lnSpc>
                       </a:pPr>
-                      <a:endParaRPr sz="2000">
+                      <a:r>
+                        <a:rPr lang="en-US" sz="2000" dirty="0">
+                          <a:latin typeface="Times New Roman"/>
+                          <a:cs typeface="Times New Roman"/>
+                        </a:rPr>
+                        <a:t>Gather feedback and prototype accordingly</a:t>
+                      </a:r>
+                      <a:endParaRPr sz="2000" dirty="0">
                         <a:latin typeface="Times New Roman"/>
                         <a:cs typeface="Times New Roman"/>
                       </a:endParaRPr>
@@ -4769,7 +7932,14 @@
                           <a:spcPct val="100000"/>
                         </a:lnSpc>
                       </a:pPr>
-                      <a:endParaRPr sz="2000">
+                      <a:r>
+                        <a:rPr lang="en-US" sz="2000" dirty="0">
+                          <a:latin typeface="Times New Roman"/>
+                          <a:cs typeface="Times New Roman"/>
+                        </a:rPr>
+                        <a:t>Present final prototype for feedback</a:t>
+                      </a:r>
+                      <a:endParaRPr sz="2000" dirty="0">
                         <a:latin typeface="Times New Roman"/>
                         <a:cs typeface="Times New Roman"/>
                       </a:endParaRPr>
@@ -4825,10 +7995,6 @@
                         </a:rPr>
                         <a:t>3</a:t>
                       </a:r>
-                      <a:endParaRPr sz="1800">
-                        <a:latin typeface="Calibri"/>
-                        <a:cs typeface="Calibri"/>
-                      </a:endParaRPr>
                     </a:p>
                   </a:txBody>
                   <a:tcPr marL="0" marR="0" marT="130810" marB="0">
@@ -4958,11 +8124,17 @@
           <p:cNvGraphicFramePr>
             <a:graphicFrameLocks noGrp="1"/>
           </p:cNvGraphicFramePr>
-          <p:nvPr/>
+          <p:nvPr>
+            <p:extLst>
+              <p:ext uri="{D42A27DB-BD31-4B8C-83A1-F6EECF244321}">
+                <p14:modId xmlns:p14="http://schemas.microsoft.com/office/powerpoint/2010/main" val="2946573761"/>
+              </p:ext>
+            </p:extLst>
+          </p:nvPr>
         </p:nvGraphicFramePr>
         <p:xfrm>
           <a:off x="173037" y="1190625"/>
-          <a:ext cx="8784590" cy="5400668"/>
+          <a:ext cx="8784590" cy="6344793"/>
         </p:xfrm>
         <a:graphic>
           <a:graphicData uri="http://schemas.openxmlformats.org/drawingml/2006/table">
@@ -5072,11 +8244,14 @@
                       </a:solidFill>
                       <a:prstDash val="solid"/>
                     </a:lnT>
-                    <a:lnB w="38100">
-                      <a:solidFill>
-                        <a:srgbClr val="FFFFFF"/>
-                      </a:solidFill>
-                      <a:prstDash val="solid"/>
+                    <a:lnB w="38100" cap="flat" cmpd="sng" algn="ctr">
+                      <a:solidFill>
+                        <a:srgbClr val="FFFFFF"/>
+                      </a:solidFill>
+                      <a:prstDash val="solid"/>
+                      <a:round/>
+                      <a:headEnd type="none" w="med" len="med"/>
+                      <a:tailEnd type="none" w="med" len="med"/>
                     </a:lnB>
                     <a:solidFill>
                       <a:srgbClr val="4F81BC"/>
@@ -5201,11 +8376,14 @@
                       </a:solidFill>
                       <a:prstDash val="solid"/>
                     </a:lnT>
-                    <a:lnB w="38100">
-                      <a:solidFill>
-                        <a:srgbClr val="FFFFFF"/>
-                      </a:solidFill>
-                      <a:prstDash val="solid"/>
+                    <a:lnB w="38100" cap="flat" cmpd="sng" algn="ctr">
+                      <a:solidFill>
+                        <a:srgbClr val="FFFFFF"/>
+                      </a:solidFill>
+                      <a:prstDash val="solid"/>
+                      <a:round/>
+                      <a:headEnd type="none" w="med" len="med"/>
+                      <a:tailEnd type="none" w="med" len="med"/>
                     </a:lnB>
                     <a:solidFill>
                       <a:srgbClr val="4F81BC"/>
@@ -5290,11 +8468,14 @@
                       </a:solidFill>
                       <a:prstDash val="solid"/>
                     </a:lnT>
-                    <a:lnB w="38100">
-                      <a:solidFill>
-                        <a:srgbClr val="FFFFFF"/>
-                      </a:solidFill>
-                      <a:prstDash val="solid"/>
+                    <a:lnB w="38100" cap="flat" cmpd="sng" algn="ctr">
+                      <a:solidFill>
+                        <a:srgbClr val="FFFFFF"/>
+                      </a:solidFill>
+                      <a:prstDash val="solid"/>
+                      <a:round/>
+                      <a:headEnd type="none" w="med" len="med"/>
+                      <a:tailEnd type="none" w="med" len="med"/>
                     </a:lnB>
                     <a:solidFill>
                       <a:srgbClr val="4F81BC"/>
@@ -5308,7 +8489,59 @@
                 </a:extLst>
               </a:tr>
               <a:tr h="347979">
-                <a:tc rowSpan="4">
+                <a:tc>
+                  <a:txBody>
+                    <a:bodyPr/>
+                    <a:lstStyle/>
+                    <a:p>
+                      <a:pPr marR="447675" algn="r">
+                        <a:lnSpc>
+                          <a:spcPct val="100000"/>
+                        </a:lnSpc>
+                        <a:spcBef>
+                          <a:spcPts val="1025"/>
+                        </a:spcBef>
+                      </a:pPr>
+                      <a:r>
+                        <a:rPr sz="1800" dirty="0">
+                          <a:latin typeface="Calibri"/>
+                          <a:cs typeface="Calibri"/>
+                        </a:rPr>
+                        <a:t>1</a:t>
+                      </a:r>
+                    </a:p>
+                  </a:txBody>
+                  <a:tcPr marL="0" marR="0" marT="130175" marB="0">
+                    <a:lnL w="12700">
+                      <a:solidFill>
+                        <a:srgbClr val="FFFFFF"/>
+                      </a:solidFill>
+                      <a:prstDash val="solid"/>
+                    </a:lnL>
+                    <a:lnR w="12700">
+                      <a:solidFill>
+                        <a:srgbClr val="FFFFFF"/>
+                      </a:solidFill>
+                      <a:prstDash val="solid"/>
+                    </a:lnR>
+                    <a:lnT w="38100">
+                      <a:solidFill>
+                        <a:srgbClr val="FFFFFF"/>
+                      </a:solidFill>
+                      <a:prstDash val="solid"/>
+                    </a:lnT>
+                    <a:lnB w="12700">
+                      <a:solidFill>
+                        <a:srgbClr val="FFFFFF"/>
+                      </a:solidFill>
+                      <a:prstDash val="solid"/>
+                    </a:lnB>
+                    <a:solidFill>
+                      <a:srgbClr val="D0D7E8"/>
+                    </a:solidFill>
+                  </a:tcPr>
+                </a:tc>
+                <a:tc>
                   <a:txBody>
                     <a:bodyPr/>
                     <a:lstStyle/>
@@ -5318,41 +8551,16 @@
                           <a:spcPct val="100000"/>
                         </a:lnSpc>
                       </a:pPr>
-                      <a:endParaRPr sz="1800">
+                      <a:r>
+                        <a:rPr lang="en-US" sz="2000" dirty="0">
+                          <a:latin typeface="Times New Roman"/>
+                          <a:cs typeface="Times New Roman"/>
+                        </a:rPr>
+                        <a:t>Gather user feedback and information</a:t>
+                      </a:r>
+                      <a:endParaRPr sz="2000" dirty="0">
                         <a:latin typeface="Times New Roman"/>
                         <a:cs typeface="Times New Roman"/>
-                      </a:endParaRPr>
-                    </a:p>
-                    <a:p>
-                      <a:pPr>
-                        <a:lnSpc>
-                          <a:spcPct val="100000"/>
-                        </a:lnSpc>
-                        <a:spcBef>
-                          <a:spcPts val="10"/>
-                        </a:spcBef>
-                      </a:pPr>
-                      <a:endParaRPr sz="1950">
-                        <a:latin typeface="Times New Roman"/>
-                        <a:cs typeface="Times New Roman"/>
-                      </a:endParaRPr>
-                    </a:p>
-                    <a:p>
-                      <a:pPr marL="52069" algn="ctr">
-                        <a:lnSpc>
-                          <a:spcPct val="100000"/>
-                        </a:lnSpc>
-                      </a:pPr>
-                      <a:r>
-                        <a:rPr sz="1800" dirty="0">
-                          <a:latin typeface="Calibri"/>
-                          <a:cs typeface="Calibri"/>
-                        </a:rPr>
-                        <a:t>1</a:t>
-                      </a:r>
-                      <a:endParaRPr sz="1800">
-                        <a:latin typeface="Calibri"/>
-                        <a:cs typeface="Calibri"/>
                       </a:endParaRPr>
                     </a:p>
                   </a:txBody>
@@ -5391,64 +8599,28 @@
                     <a:bodyPr/>
                     <a:lstStyle/>
                     <a:p>
-                      <a:pPr>
+                      <a:pPr marL="789940">
                         <a:lnSpc>
                           <a:spcPct val="100000"/>
                         </a:lnSpc>
+                        <a:spcBef>
+                          <a:spcPts val="1025"/>
+                        </a:spcBef>
                       </a:pPr>
-                      <a:endParaRPr sz="2000">
-                        <a:latin typeface="Times New Roman"/>
-                        <a:cs typeface="Times New Roman"/>
-                      </a:endParaRPr>
-                    </a:p>
-                  </a:txBody>
-                  <a:tcPr marL="0" marR="0" marT="0" marB="0">
-                    <a:lnL w="12700">
-                      <a:solidFill>
-                        <a:srgbClr val="FFFFFF"/>
-                      </a:solidFill>
-                      <a:prstDash val="solid"/>
-                    </a:lnL>
-                    <a:lnR w="12700">
-                      <a:solidFill>
-                        <a:srgbClr val="FFFFFF"/>
-                      </a:solidFill>
-                      <a:prstDash val="solid"/>
-                    </a:lnR>
-                    <a:lnT w="38100">
-                      <a:solidFill>
-                        <a:srgbClr val="FFFFFF"/>
-                      </a:solidFill>
-                      <a:prstDash val="solid"/>
-                    </a:lnT>
-                    <a:lnB w="12700">
-                      <a:solidFill>
-                        <a:srgbClr val="FFFFFF"/>
-                      </a:solidFill>
-                      <a:prstDash val="solid"/>
-                    </a:lnB>
-                    <a:solidFill>
-                      <a:srgbClr val="D0D7E8"/>
-                    </a:solidFill>
-                  </a:tcPr>
-                </a:tc>
-                <a:tc>
-                  <a:txBody>
-                    <a:bodyPr/>
-                    <a:lstStyle/>
-                    <a:p>
-                      <a:pPr>
-                        <a:lnSpc>
-                          <a:spcPct val="100000"/>
-                        </a:lnSpc>
-                      </a:pPr>
-                      <a:endParaRPr sz="2000">
-                        <a:latin typeface="Times New Roman"/>
-                        <a:cs typeface="Times New Roman"/>
-                      </a:endParaRPr>
-                    </a:p>
-                  </a:txBody>
-                  <a:tcPr marL="0" marR="0" marT="0" marB="0">
+                      <a:r>
+                        <a:rPr sz="1800" dirty="0">
+                          <a:latin typeface="Calibri"/>
+                          <a:cs typeface="Calibri"/>
+                        </a:rPr>
+                        <a:t>1</a:t>
+                      </a:r>
+                      <a:endParaRPr sz="1800">
+                        <a:latin typeface="Calibri"/>
+                        <a:cs typeface="Calibri"/>
+                      </a:endParaRPr>
+                    </a:p>
+                  </a:txBody>
+                  <a:tcPr marL="0" marR="0" marT="130175" marB="0">
                     <a:lnL w="12700">
                       <a:solidFill>
                         <a:srgbClr val="FFFFFF"/>
@@ -5485,15 +8657,33 @@
                 </a:extLst>
               </a:tr>
               <a:tr h="348107">
-                <a:tc vMerge="1">
-                  <a:txBody>
-                    <a:bodyPr/>
-                    <a:lstStyle/>
-                    <a:p>
-                      <a:endParaRPr/>
-                    </a:p>
-                  </a:txBody>
-                  <a:tcPr marL="0" marR="0" marT="0" marB="0">
+                <a:tc>
+                  <a:txBody>
+                    <a:bodyPr/>
+                    <a:lstStyle/>
+                    <a:p>
+                      <a:pPr marR="448309" algn="r">
+                        <a:lnSpc>
+                          <a:spcPct val="100000"/>
+                        </a:lnSpc>
+                        <a:spcBef>
+                          <a:spcPts val="1025"/>
+                        </a:spcBef>
+                      </a:pPr>
+                      <a:r>
+                        <a:rPr sz="1800" dirty="0">
+                          <a:latin typeface="Calibri"/>
+                          <a:cs typeface="Calibri"/>
+                        </a:rPr>
+                        <a:t>2</a:t>
+                      </a:r>
+                      <a:endParaRPr sz="1800">
+                        <a:latin typeface="Calibri"/>
+                        <a:cs typeface="Calibri"/>
+                      </a:endParaRPr>
+                    </a:p>
+                  </a:txBody>
+                  <a:tcPr marL="0" marR="0" marT="130175" marB="0">
                     <a:lnL w="12700">
                       <a:solidFill>
                         <a:srgbClr val="FFFFFF"/>
@@ -5533,7 +8723,14 @@
                           <a:spcPct val="100000"/>
                         </a:lnSpc>
                       </a:pPr>
-                      <a:endParaRPr sz="2000">
+                      <a:r>
+                        <a:rPr lang="en-US" sz="2000" dirty="0">
+                          <a:latin typeface="Times New Roman"/>
+                          <a:cs typeface="Times New Roman"/>
+                        </a:rPr>
+                        <a:t>Wireframe designs</a:t>
+                      </a:r>
+                      <a:endParaRPr sz="2000" dirty="0">
                         <a:latin typeface="Times New Roman"/>
                         <a:cs typeface="Times New Roman"/>
                       </a:endParaRPr>
@@ -5574,18 +8771,28 @@
                     <a:bodyPr/>
                     <a:lstStyle/>
                     <a:p>
-                      <a:pPr>
+                      <a:pPr marL="789940">
                         <a:lnSpc>
                           <a:spcPct val="100000"/>
                         </a:lnSpc>
+                        <a:spcBef>
+                          <a:spcPts val="1025"/>
+                        </a:spcBef>
                       </a:pPr>
-                      <a:endParaRPr sz="2000">
-                        <a:latin typeface="Times New Roman"/>
-                        <a:cs typeface="Times New Roman"/>
-                      </a:endParaRPr>
-                    </a:p>
-                  </a:txBody>
-                  <a:tcPr marL="0" marR="0" marT="0" marB="0">
+                      <a:r>
+                        <a:rPr sz="1800" dirty="0">
+                          <a:latin typeface="Calibri"/>
+                          <a:cs typeface="Calibri"/>
+                        </a:rPr>
+                        <a:t>1</a:t>
+                      </a:r>
+                      <a:endParaRPr sz="1800">
+                        <a:latin typeface="Calibri"/>
+                        <a:cs typeface="Calibri"/>
+                      </a:endParaRPr>
+                    </a:p>
+                  </a:txBody>
+                  <a:tcPr marL="0" marR="0" marT="130175" marB="0">
                     <a:lnL w="12700">
                       <a:solidFill>
                         <a:srgbClr val="FFFFFF"/>
@@ -5622,15 +8829,33 @@
                 </a:extLst>
               </a:tr>
               <a:tr h="347979">
-                <a:tc vMerge="1">
-                  <a:txBody>
-                    <a:bodyPr/>
-                    <a:lstStyle/>
-                    <a:p>
-                      <a:endParaRPr/>
-                    </a:p>
-                  </a:txBody>
-                  <a:tcPr marL="0" marR="0" marT="0" marB="0">
+                <a:tc>
+                  <a:txBody>
+                    <a:bodyPr/>
+                    <a:lstStyle/>
+                    <a:p>
+                      <a:pPr marR="448309" algn="r">
+                        <a:lnSpc>
+                          <a:spcPct val="100000"/>
+                        </a:lnSpc>
+                        <a:spcBef>
+                          <a:spcPts val="1030"/>
+                        </a:spcBef>
+                      </a:pPr>
+                      <a:r>
+                        <a:rPr sz="1800" dirty="0">
+                          <a:latin typeface="Calibri"/>
+                          <a:cs typeface="Calibri"/>
+                        </a:rPr>
+                        <a:t>3</a:t>
+                      </a:r>
+                      <a:endParaRPr sz="1800">
+                        <a:latin typeface="Calibri"/>
+                        <a:cs typeface="Calibri"/>
+                      </a:endParaRPr>
+                    </a:p>
+                  </a:txBody>
+                  <a:tcPr marL="0" marR="0" marT="130810" marB="0">
                     <a:lnL w="12700">
                       <a:solidFill>
                         <a:srgbClr val="FFFFFF"/>
@@ -5670,7 +8895,14 @@
                           <a:spcPct val="100000"/>
                         </a:lnSpc>
                       </a:pPr>
-                      <a:endParaRPr sz="2000">
+                      <a:r>
+                        <a:rPr lang="en-US" sz="2000" dirty="0">
+                          <a:latin typeface="Times New Roman"/>
+                          <a:cs typeface="Times New Roman"/>
+                        </a:rPr>
+                        <a:t>Present wireframe design to user</a:t>
+                      </a:r>
+                      <a:endParaRPr sz="2000" dirty="0">
                         <a:latin typeface="Times New Roman"/>
                         <a:cs typeface="Times New Roman"/>
                       </a:endParaRPr>
@@ -5711,18 +8943,28 @@
                     <a:bodyPr/>
                     <a:lstStyle/>
                     <a:p>
-                      <a:pPr>
+                      <a:pPr marL="789940">
                         <a:lnSpc>
                           <a:spcPct val="100000"/>
                         </a:lnSpc>
+                        <a:spcBef>
+                          <a:spcPts val="1030"/>
+                        </a:spcBef>
                       </a:pPr>
-                      <a:endParaRPr sz="2000">
-                        <a:latin typeface="Times New Roman"/>
-                        <a:cs typeface="Times New Roman"/>
-                      </a:endParaRPr>
-                    </a:p>
-                  </a:txBody>
-                  <a:tcPr marL="0" marR="0" marT="0" marB="0">
+                      <a:r>
+                        <a:rPr sz="1800" dirty="0">
+                          <a:latin typeface="Calibri"/>
+                          <a:cs typeface="Calibri"/>
+                        </a:rPr>
+                        <a:t>1</a:t>
+                      </a:r>
+                      <a:endParaRPr sz="1800">
+                        <a:latin typeface="Calibri"/>
+                        <a:cs typeface="Calibri"/>
+                      </a:endParaRPr>
+                    </a:p>
+                  </a:txBody>
+                  <a:tcPr marL="0" marR="0" marT="130810" marB="0">
                     <a:lnL w="12700">
                       <a:solidFill>
                         <a:srgbClr val="FFFFFF"/>
@@ -5759,15 +9001,33 @@
                 </a:extLst>
               </a:tr>
               <a:tr h="348107">
-                <a:tc vMerge="1">
-                  <a:txBody>
-                    <a:bodyPr/>
-                    <a:lstStyle/>
-                    <a:p>
-                      <a:endParaRPr/>
-                    </a:p>
-                  </a:txBody>
-                  <a:tcPr marL="0" marR="0" marT="0" marB="0">
+                <a:tc>
+                  <a:txBody>
+                    <a:bodyPr/>
+                    <a:lstStyle/>
+                    <a:p>
+                      <a:pPr marR="448309" algn="r">
+                        <a:lnSpc>
+                          <a:spcPct val="100000"/>
+                        </a:lnSpc>
+                        <a:spcBef>
+                          <a:spcPts val="1030"/>
+                        </a:spcBef>
+                      </a:pPr>
+                      <a:r>
+                        <a:rPr sz="1800" dirty="0">
+                          <a:latin typeface="Calibri"/>
+                          <a:cs typeface="Calibri"/>
+                        </a:rPr>
+                        <a:t>4</a:t>
+                      </a:r>
+                      <a:endParaRPr sz="1800">
+                        <a:latin typeface="Calibri"/>
+                        <a:cs typeface="Calibri"/>
+                      </a:endParaRPr>
+                    </a:p>
+                  </a:txBody>
+                  <a:tcPr marL="0" marR="0" marT="130810" marB="0">
                     <a:lnL w="12700">
                       <a:solidFill>
                         <a:srgbClr val="FFFFFF"/>
@@ -5807,7 +9067,14 @@
                           <a:spcPct val="100000"/>
                         </a:lnSpc>
                       </a:pPr>
-                      <a:endParaRPr sz="2000">
+                      <a:r>
+                        <a:rPr lang="en-US" sz="2000" dirty="0">
+                          <a:latin typeface="Times New Roman"/>
+                          <a:cs typeface="Times New Roman"/>
+                        </a:rPr>
+                        <a:t>Design Mockups</a:t>
+                      </a:r>
+                      <a:endParaRPr sz="2000" dirty="0">
                         <a:latin typeface="Times New Roman"/>
                         <a:cs typeface="Times New Roman"/>
                       </a:endParaRPr>
@@ -5848,18 +9115,28 @@
                     <a:bodyPr/>
                     <a:lstStyle/>
                     <a:p>
-                      <a:pPr>
+                      <a:pPr marL="763905">
                         <a:lnSpc>
                           <a:spcPct val="100000"/>
                         </a:lnSpc>
+                        <a:spcBef>
+                          <a:spcPts val="1030"/>
+                        </a:spcBef>
                       </a:pPr>
-                      <a:endParaRPr sz="2000">
-                        <a:latin typeface="Times New Roman"/>
-                        <a:cs typeface="Times New Roman"/>
-                      </a:endParaRPr>
-                    </a:p>
-                  </a:txBody>
-                  <a:tcPr marL="0" marR="0" marT="0" marB="0">
+                      <a:r>
+                        <a:rPr sz="1800" dirty="0">
+                          <a:latin typeface="Calibri"/>
+                          <a:cs typeface="Calibri"/>
+                        </a:rPr>
+                        <a:t>2</a:t>
+                      </a:r>
+                      <a:endParaRPr sz="1800">
+                        <a:latin typeface="Calibri"/>
+                        <a:cs typeface="Calibri"/>
+                      </a:endParaRPr>
+                    </a:p>
+                  </a:txBody>
+                  <a:tcPr marL="0" marR="0" marT="130810" marB="0">
                     <a:lnL w="12700">
                       <a:solidFill>
                         <a:srgbClr val="FFFFFF"/>
@@ -5896,7 +9173,63 @@
                 </a:extLst>
               </a:tr>
               <a:tr h="347979">
-                <a:tc rowSpan="4">
+                <a:tc>
+                  <a:txBody>
+                    <a:bodyPr/>
+                    <a:lstStyle/>
+                    <a:p>
+                      <a:pPr marR="448309" algn="r">
+                        <a:lnSpc>
+                          <a:spcPct val="100000"/>
+                        </a:lnSpc>
+                        <a:spcBef>
+                          <a:spcPts val="1030"/>
+                        </a:spcBef>
+                      </a:pPr>
+                      <a:r>
+                        <a:rPr sz="1800" dirty="0">
+                          <a:latin typeface="Calibri"/>
+                          <a:cs typeface="Calibri"/>
+                        </a:rPr>
+                        <a:t>5</a:t>
+                      </a:r>
+                      <a:endParaRPr sz="1800">
+                        <a:latin typeface="Calibri"/>
+                        <a:cs typeface="Calibri"/>
+                      </a:endParaRPr>
+                    </a:p>
+                  </a:txBody>
+                  <a:tcPr marL="0" marR="0" marT="130810" marB="0">
+                    <a:lnL w="12700">
+                      <a:solidFill>
+                        <a:srgbClr val="FFFFFF"/>
+                      </a:solidFill>
+                      <a:prstDash val="solid"/>
+                    </a:lnL>
+                    <a:lnR w="12700">
+                      <a:solidFill>
+                        <a:srgbClr val="FFFFFF"/>
+                      </a:solidFill>
+                      <a:prstDash val="solid"/>
+                    </a:lnR>
+                    <a:lnT w="12700">
+                      <a:solidFill>
+                        <a:srgbClr val="FFFFFF"/>
+                      </a:solidFill>
+                      <a:prstDash val="solid"/>
+                    </a:lnT>
+                    <a:lnB w="12700">
+                      <a:solidFill>
+                        <a:srgbClr val="FFFFFF"/>
+                      </a:solidFill>
+                      <a:prstDash val="solid"/>
+                    </a:lnB>
+                    <a:solidFill>
+                      <a:srgbClr val="D0D7E8"/>
+                    </a:solidFill>
+                  </a:tcPr>
+                </a:tc>
+                <a:tc>
                   <a:txBody>
                     <a:bodyPr/>
                     <a:lstStyle/>
@@ -5906,41 +9239,16 @@
                           <a:spcPct val="100000"/>
                         </a:lnSpc>
                       </a:pPr>
-                      <a:endParaRPr sz="1800">
+                      <a:r>
+                        <a:rPr lang="en-US" sz="2000" dirty="0">
+                          <a:latin typeface="Times New Roman"/>
+                          <a:cs typeface="Times New Roman"/>
+                        </a:rPr>
+                        <a:t>Develop Prototype</a:t>
+                      </a:r>
+                      <a:endParaRPr sz="2000" dirty="0">
                         <a:latin typeface="Times New Roman"/>
                         <a:cs typeface="Times New Roman"/>
-                      </a:endParaRPr>
-                    </a:p>
-                    <a:p>
-                      <a:pPr>
-                        <a:lnSpc>
-                          <a:spcPct val="100000"/>
-                        </a:lnSpc>
-                        <a:spcBef>
-                          <a:spcPts val="10"/>
-                        </a:spcBef>
-                      </a:pPr>
-                      <a:endParaRPr sz="1950">
-                        <a:latin typeface="Times New Roman"/>
-                        <a:cs typeface="Times New Roman"/>
-                      </a:endParaRPr>
-                    </a:p>
-                    <a:p>
-                      <a:pPr marL="635" algn="ctr">
-                        <a:lnSpc>
-                          <a:spcPct val="100000"/>
-                        </a:lnSpc>
-                      </a:pPr>
-                      <a:r>
-                        <a:rPr sz="1800" dirty="0">
-                          <a:latin typeface="Calibri"/>
-                          <a:cs typeface="Calibri"/>
-                        </a:rPr>
-                        <a:t>2</a:t>
-                      </a:r>
-                      <a:endParaRPr sz="1800">
-                        <a:latin typeface="Calibri"/>
-                        <a:cs typeface="Calibri"/>
                       </a:endParaRPr>
                     </a:p>
                   </a:txBody>
@@ -5979,64 +9287,24 @@
                     <a:bodyPr/>
                     <a:lstStyle/>
                     <a:p>
-                      <a:pPr>
+                      <a:pPr marL="789940">
                         <a:lnSpc>
                           <a:spcPct val="100000"/>
                         </a:lnSpc>
+                        <a:spcBef>
+                          <a:spcPts val="1030"/>
+                        </a:spcBef>
                       </a:pPr>
-                      <a:endParaRPr sz="2000">
-                        <a:latin typeface="Times New Roman"/>
-                        <a:cs typeface="Times New Roman"/>
-                      </a:endParaRPr>
-                    </a:p>
-                  </a:txBody>
-                  <a:tcPr marL="0" marR="0" marT="0" marB="0">
-                    <a:lnL w="12700">
-                      <a:solidFill>
-                        <a:srgbClr val="FFFFFF"/>
-                      </a:solidFill>
-                      <a:prstDash val="solid"/>
-                    </a:lnL>
-                    <a:lnR w="12700">
-                      <a:solidFill>
-                        <a:srgbClr val="FFFFFF"/>
-                      </a:solidFill>
-                      <a:prstDash val="solid"/>
-                    </a:lnR>
-                    <a:lnT w="12700">
-                      <a:solidFill>
-                        <a:srgbClr val="FFFFFF"/>
-                      </a:solidFill>
-                      <a:prstDash val="solid"/>
-                    </a:lnT>
-                    <a:lnB w="12700">
-                      <a:solidFill>
-                        <a:srgbClr val="FFFFFF"/>
-                      </a:solidFill>
-                      <a:prstDash val="solid"/>
-                    </a:lnB>
-                    <a:solidFill>
-                      <a:srgbClr val="D0D7E8"/>
-                    </a:solidFill>
-                  </a:tcPr>
-                </a:tc>
-                <a:tc>
-                  <a:txBody>
-                    <a:bodyPr/>
-                    <a:lstStyle/>
-                    <a:p>
-                      <a:pPr>
-                        <a:lnSpc>
-                          <a:spcPct val="100000"/>
-                        </a:lnSpc>
-                      </a:pPr>
-                      <a:endParaRPr sz="2000">
-                        <a:latin typeface="Times New Roman"/>
-                        <a:cs typeface="Times New Roman"/>
-                      </a:endParaRPr>
-                    </a:p>
-                  </a:txBody>
-                  <a:tcPr marL="0" marR="0" marT="0" marB="0">
+                      <a:r>
+                        <a:rPr sz="1800" dirty="0">
+                          <a:latin typeface="Calibri"/>
+                          <a:cs typeface="Calibri"/>
+                        </a:rPr>
+                        <a:t>2</a:t>
+                      </a:r>
+                    </a:p>
+                  </a:txBody>
+                  <a:tcPr marL="0" marR="0" marT="130810" marB="0">
                     <a:lnL w="12700">
                       <a:solidFill>
                         <a:srgbClr val="FFFFFF"/>
@@ -6073,15 +9341,33 @@
                 </a:extLst>
               </a:tr>
               <a:tr h="348106">
-                <a:tc vMerge="1">
-                  <a:txBody>
-                    <a:bodyPr/>
-                    <a:lstStyle/>
-                    <a:p>
-                      <a:endParaRPr/>
-                    </a:p>
-                  </a:txBody>
-                  <a:tcPr marL="0" marR="0" marT="0" marB="0">
+                <a:tc>
+                  <a:txBody>
+                    <a:bodyPr/>
+                    <a:lstStyle/>
+                    <a:p>
+                      <a:pPr marR="448309" algn="r">
+                        <a:lnSpc>
+                          <a:spcPct val="100000"/>
+                        </a:lnSpc>
+                        <a:spcBef>
+                          <a:spcPts val="1030"/>
+                        </a:spcBef>
+                      </a:pPr>
+                      <a:r>
+                        <a:rPr sz="1800" dirty="0">
+                          <a:latin typeface="Calibri"/>
+                          <a:cs typeface="Calibri"/>
+                        </a:rPr>
+                        <a:t>6</a:t>
+                      </a:r>
+                      <a:endParaRPr sz="1800">
+                        <a:latin typeface="Calibri"/>
+                        <a:cs typeface="Calibri"/>
+                      </a:endParaRPr>
+                    </a:p>
+                  </a:txBody>
+                  <a:tcPr marL="0" marR="0" marT="130810" marB="0">
                     <a:lnL w="12700">
                       <a:solidFill>
                         <a:srgbClr val="FFFFFF"/>
@@ -6121,7 +9407,14 @@
                           <a:spcPct val="100000"/>
                         </a:lnSpc>
                       </a:pPr>
-                      <a:endParaRPr sz="2000">
+                      <a:r>
+                        <a:rPr lang="en-US" sz="2000" dirty="0">
+                          <a:latin typeface="Times New Roman"/>
+                          <a:cs typeface="Times New Roman"/>
+                        </a:rPr>
+                        <a:t>Conduct usability tests</a:t>
+                      </a:r>
+                      <a:endParaRPr sz="2000" dirty="0">
                         <a:latin typeface="Times New Roman"/>
                         <a:cs typeface="Times New Roman"/>
                       </a:endParaRPr>
@@ -6162,18 +9455,28 @@
                     <a:bodyPr/>
                     <a:lstStyle/>
                     <a:p>
-                      <a:pPr>
+                      <a:pPr marL="789940">
                         <a:lnSpc>
                           <a:spcPct val="100000"/>
                         </a:lnSpc>
+                        <a:spcBef>
+                          <a:spcPts val="1030"/>
+                        </a:spcBef>
                       </a:pPr>
-                      <a:endParaRPr sz="2000">
-                        <a:latin typeface="Times New Roman"/>
-                        <a:cs typeface="Times New Roman"/>
-                      </a:endParaRPr>
-                    </a:p>
-                  </a:txBody>
-                  <a:tcPr marL="0" marR="0" marT="0" marB="0">
+                      <a:r>
+                        <a:rPr sz="1800" dirty="0">
+                          <a:latin typeface="Calibri"/>
+                          <a:cs typeface="Calibri"/>
+                        </a:rPr>
+                        <a:t>2</a:t>
+                      </a:r>
+                      <a:endParaRPr sz="1800">
+                        <a:latin typeface="Calibri"/>
+                        <a:cs typeface="Calibri"/>
+                      </a:endParaRPr>
+                    </a:p>
+                  </a:txBody>
+                  <a:tcPr marL="0" marR="0" marT="130810" marB="0">
                     <a:lnL w="12700">
                       <a:solidFill>
                         <a:srgbClr val="FFFFFF"/>
@@ -6210,15 +9513,33 @@
                 </a:extLst>
               </a:tr>
               <a:tr h="347980">
-                <a:tc vMerge="1">
-                  <a:txBody>
-                    <a:bodyPr/>
-                    <a:lstStyle/>
-                    <a:p>
-                      <a:endParaRPr/>
-                    </a:p>
-                  </a:txBody>
-                  <a:tcPr marL="0" marR="0" marT="0" marB="0">
+                <a:tc>
+                  <a:txBody>
+                    <a:bodyPr/>
+                    <a:lstStyle/>
+                    <a:p>
+                      <a:pPr marR="448309" algn="r">
+                        <a:lnSpc>
+                          <a:spcPct val="100000"/>
+                        </a:lnSpc>
+                        <a:spcBef>
+                          <a:spcPts val="1030"/>
+                        </a:spcBef>
+                      </a:pPr>
+                      <a:r>
+                        <a:rPr sz="1800" dirty="0">
+                          <a:latin typeface="Calibri"/>
+                          <a:cs typeface="Calibri"/>
+                        </a:rPr>
+                        <a:t>7</a:t>
+                      </a:r>
+                      <a:endParaRPr sz="1800">
+                        <a:latin typeface="Calibri"/>
+                        <a:cs typeface="Calibri"/>
+                      </a:endParaRPr>
+                    </a:p>
+                  </a:txBody>
+                  <a:tcPr marL="0" marR="0" marT="130810" marB="0">
                     <a:lnL w="12700">
                       <a:solidFill>
                         <a:srgbClr val="FFFFFF"/>
@@ -6258,7 +9579,14 @@
                           <a:spcPct val="100000"/>
                         </a:lnSpc>
                       </a:pPr>
-                      <a:endParaRPr sz="2000">
+                      <a:r>
+                        <a:rPr lang="en-US" sz="2000" dirty="0">
+                          <a:latin typeface="Times New Roman"/>
+                          <a:cs typeface="Times New Roman"/>
+                        </a:rPr>
+                        <a:t>Gather feedback and prototype accordingly</a:t>
+                      </a:r>
+                      <a:endParaRPr sz="2000" dirty="0">
                         <a:latin typeface="Times New Roman"/>
                         <a:cs typeface="Times New Roman"/>
                       </a:endParaRPr>
@@ -6299,18 +9627,28 @@
                     <a:bodyPr/>
                     <a:lstStyle/>
                     <a:p>
-                      <a:pPr>
+                      <a:pPr marL="789940">
                         <a:lnSpc>
                           <a:spcPct val="100000"/>
                         </a:lnSpc>
+                        <a:spcBef>
+                          <a:spcPts val="1030"/>
+                        </a:spcBef>
                       </a:pPr>
-                      <a:endParaRPr sz="2000">
-                        <a:latin typeface="Times New Roman"/>
-                        <a:cs typeface="Times New Roman"/>
-                      </a:endParaRPr>
-                    </a:p>
-                  </a:txBody>
-                  <a:tcPr marL="0" marR="0" marT="0" marB="0">
+                      <a:r>
+                        <a:rPr sz="1800" dirty="0">
+                          <a:latin typeface="Calibri"/>
+                          <a:cs typeface="Calibri"/>
+                        </a:rPr>
+                        <a:t>3</a:t>
+                      </a:r>
+                      <a:endParaRPr sz="1800">
+                        <a:latin typeface="Calibri"/>
+                        <a:cs typeface="Calibri"/>
+                      </a:endParaRPr>
+                    </a:p>
+                  </a:txBody>
+                  <a:tcPr marL="0" marR="0" marT="130810" marB="0">
                     <a:lnL w="12700">
                       <a:solidFill>
                         <a:srgbClr val="FFFFFF"/>
@@ -6347,15 +9685,33 @@
                 </a:extLst>
               </a:tr>
               <a:tr h="347980">
-                <a:tc vMerge="1">
-                  <a:txBody>
-                    <a:bodyPr/>
-                    <a:lstStyle/>
-                    <a:p>
-                      <a:endParaRPr/>
-                    </a:p>
-                  </a:txBody>
-                  <a:tcPr marL="0" marR="0" marT="0" marB="0">
+                <a:tc>
+                  <a:txBody>
+                    <a:bodyPr/>
+                    <a:lstStyle/>
+                    <a:p>
+                      <a:pPr marR="447675" algn="r">
+                        <a:lnSpc>
+                          <a:spcPct val="100000"/>
+                        </a:lnSpc>
+                        <a:spcBef>
+                          <a:spcPts val="1030"/>
+                        </a:spcBef>
+                      </a:pPr>
+                      <a:r>
+                        <a:rPr sz="1800" dirty="0">
+                          <a:latin typeface="Calibri"/>
+                          <a:cs typeface="Calibri"/>
+                        </a:rPr>
+                        <a:t>8</a:t>
+                      </a:r>
+                      <a:endParaRPr sz="1800">
+                        <a:latin typeface="Calibri"/>
+                        <a:cs typeface="Calibri"/>
+                      </a:endParaRPr>
+                    </a:p>
+                  </a:txBody>
+                  <a:tcPr marL="0" marR="0" marT="130810" marB="0">
                     <a:lnL w="12700">
                       <a:solidFill>
                         <a:srgbClr val="FFFFFF"/>
@@ -6395,7 +9751,14 @@
                           <a:spcPct val="100000"/>
                         </a:lnSpc>
                       </a:pPr>
-                      <a:endParaRPr sz="2000">
+                      <a:r>
+                        <a:rPr lang="en-US" sz="2000" dirty="0">
+                          <a:latin typeface="Times New Roman"/>
+                          <a:cs typeface="Times New Roman"/>
+                        </a:rPr>
+                        <a:t>Present final prototype for feedback</a:t>
+                      </a:r>
+                      <a:endParaRPr sz="2000" dirty="0">
                         <a:latin typeface="Times New Roman"/>
                         <a:cs typeface="Times New Roman"/>
                       </a:endParaRPr>
@@ -6436,18 +9799,24 @@
                     <a:bodyPr/>
                     <a:lstStyle/>
                     <a:p>
-                      <a:pPr>
+                      <a:pPr marL="789940">
                         <a:lnSpc>
                           <a:spcPct val="100000"/>
                         </a:lnSpc>
+                        <a:spcBef>
+                          <a:spcPts val="1030"/>
+                        </a:spcBef>
                       </a:pPr>
-                      <a:endParaRPr sz="2000">
-                        <a:latin typeface="Times New Roman"/>
-                        <a:cs typeface="Times New Roman"/>
-                      </a:endParaRPr>
-                    </a:p>
-                  </a:txBody>
-                  <a:tcPr marL="0" marR="0" marT="0" marB="0">
+                      <a:r>
+                        <a:rPr sz="1800" dirty="0">
+                          <a:latin typeface="Calibri"/>
+                          <a:cs typeface="Calibri"/>
+                        </a:rPr>
+                        <a:t>3</a:t>
+                      </a:r>
+                    </a:p>
+                  </a:txBody>
+                  <a:tcPr marL="0" marR="0" marT="130810" marB="0">
                     <a:lnL w="12700">
                       <a:solidFill>
                         <a:srgbClr val="FFFFFF"/>
@@ -6484,7 +9853,59 @@
                 </a:extLst>
               </a:tr>
               <a:tr h="348106">
-                <a:tc rowSpan="5">
+                <a:tc>
+                  <a:txBody>
+                    <a:bodyPr/>
+                    <a:lstStyle/>
+                    <a:p>
+                      <a:pPr marR="447675" algn="r">
+                        <a:lnSpc>
+                          <a:spcPct val="100000"/>
+                        </a:lnSpc>
+                        <a:spcBef>
+                          <a:spcPts val="1025"/>
+                        </a:spcBef>
+                      </a:pPr>
+                      <a:r>
+                        <a:rPr sz="1800" dirty="0">
+                          <a:latin typeface="Calibri"/>
+                          <a:cs typeface="Calibri"/>
+                        </a:rPr>
+                        <a:t>1</a:t>
+                      </a:r>
+                    </a:p>
+                  </a:txBody>
+                  <a:tcPr marL="0" marR="0" marT="130175" marB="0">
+                    <a:lnL w="12700">
+                      <a:solidFill>
+                        <a:srgbClr val="FFFFFF"/>
+                      </a:solidFill>
+                      <a:prstDash val="solid"/>
+                    </a:lnL>
+                    <a:lnR w="12700">
+                      <a:solidFill>
+                        <a:srgbClr val="FFFFFF"/>
+                      </a:solidFill>
+                      <a:prstDash val="solid"/>
+                    </a:lnR>
+                    <a:lnT w="12700">
+                      <a:solidFill>
+                        <a:srgbClr val="FFFFFF"/>
+                      </a:solidFill>
+                      <a:prstDash val="solid"/>
+                    </a:lnT>
+                    <a:lnB w="12700">
+                      <a:solidFill>
+                        <a:srgbClr val="FFFFFF"/>
+                      </a:solidFill>
+                      <a:prstDash val="solid"/>
+                    </a:lnB>
+                    <a:solidFill>
+                      <a:srgbClr val="D0D7E8"/>
+                    </a:solidFill>
+                  </a:tcPr>
+                </a:tc>
+                <a:tc>
                   <a:txBody>
                     <a:bodyPr/>
                     <a:lstStyle/>
@@ -6494,41 +9915,16 @@
                           <a:spcPct val="100000"/>
                         </a:lnSpc>
                       </a:pPr>
-                      <a:endParaRPr sz="1800">
+                      <a:r>
+                        <a:rPr lang="en-US" sz="2000" dirty="0">
+                          <a:latin typeface="Times New Roman"/>
+                          <a:cs typeface="Times New Roman"/>
+                        </a:rPr>
+                        <a:t>Gather user feedback and information</a:t>
+                      </a:r>
+                      <a:endParaRPr sz="2000" dirty="0">
                         <a:latin typeface="Times New Roman"/>
                         <a:cs typeface="Times New Roman"/>
-                      </a:endParaRPr>
-                    </a:p>
-                    <a:p>
-                      <a:pPr>
-                        <a:lnSpc>
-                          <a:spcPct val="100000"/>
-                        </a:lnSpc>
-                      </a:pPr>
-                      <a:endParaRPr sz="1800">
-                        <a:latin typeface="Times New Roman"/>
-                        <a:cs typeface="Times New Roman"/>
-                      </a:endParaRPr>
-                    </a:p>
-                    <a:p>
-                      <a:pPr marL="635" algn="ctr">
-                        <a:lnSpc>
-                          <a:spcPct val="100000"/>
-                        </a:lnSpc>
-                        <a:spcBef>
-                          <a:spcPts val="1560"/>
-                        </a:spcBef>
-                      </a:pPr>
-                      <a:r>
-                        <a:rPr sz="1800" dirty="0">
-                          <a:latin typeface="Calibri"/>
-                          <a:cs typeface="Calibri"/>
-                        </a:rPr>
-                        <a:t>3</a:t>
-                      </a:r>
-                      <a:endParaRPr sz="1800">
-                        <a:latin typeface="Calibri"/>
-                        <a:cs typeface="Calibri"/>
                       </a:endParaRPr>
                     </a:p>
                   </a:txBody>
@@ -6567,64 +9963,28 @@
                     <a:bodyPr/>
                     <a:lstStyle/>
                     <a:p>
-                      <a:pPr>
+                      <a:pPr marL="789940">
                         <a:lnSpc>
                           <a:spcPct val="100000"/>
                         </a:lnSpc>
+                        <a:spcBef>
+                          <a:spcPts val="1025"/>
+                        </a:spcBef>
                       </a:pPr>
-                      <a:endParaRPr sz="2000">
-                        <a:latin typeface="Times New Roman"/>
-                        <a:cs typeface="Times New Roman"/>
-                      </a:endParaRPr>
-                    </a:p>
-                  </a:txBody>
-                  <a:tcPr marL="0" marR="0" marT="0" marB="0">
-                    <a:lnL w="12700">
-                      <a:solidFill>
-                        <a:srgbClr val="FFFFFF"/>
-                      </a:solidFill>
-                      <a:prstDash val="solid"/>
-                    </a:lnL>
-                    <a:lnR w="12700">
-                      <a:solidFill>
-                        <a:srgbClr val="FFFFFF"/>
-                      </a:solidFill>
-                      <a:prstDash val="solid"/>
-                    </a:lnR>
-                    <a:lnT w="12700">
-                      <a:solidFill>
-                        <a:srgbClr val="FFFFFF"/>
-                      </a:solidFill>
-                      <a:prstDash val="solid"/>
-                    </a:lnT>
-                    <a:lnB w="12700">
-                      <a:solidFill>
-                        <a:srgbClr val="FFFFFF"/>
-                      </a:solidFill>
-                      <a:prstDash val="solid"/>
-                    </a:lnB>
-                    <a:solidFill>
-                      <a:srgbClr val="D0D7E8"/>
-                    </a:solidFill>
-                  </a:tcPr>
-                </a:tc>
-                <a:tc>
-                  <a:txBody>
-                    <a:bodyPr/>
-                    <a:lstStyle/>
-                    <a:p>
-                      <a:pPr>
-                        <a:lnSpc>
-                          <a:spcPct val="100000"/>
-                        </a:lnSpc>
-                      </a:pPr>
-                      <a:endParaRPr sz="2000">
-                        <a:latin typeface="Times New Roman"/>
-                        <a:cs typeface="Times New Roman"/>
-                      </a:endParaRPr>
-                    </a:p>
-                  </a:txBody>
-                  <a:tcPr marL="0" marR="0" marT="0" marB="0">
+                      <a:r>
+                        <a:rPr sz="1800" dirty="0">
+                          <a:latin typeface="Calibri"/>
+                          <a:cs typeface="Calibri"/>
+                        </a:rPr>
+                        <a:t>1</a:t>
+                      </a:r>
+                      <a:endParaRPr sz="1800">
+                        <a:latin typeface="Calibri"/>
+                        <a:cs typeface="Calibri"/>
+                      </a:endParaRPr>
+                    </a:p>
+                  </a:txBody>
+                  <a:tcPr marL="0" marR="0" marT="130175" marB="0">
                     <a:lnL w="12700">
                       <a:solidFill>
                         <a:srgbClr val="FFFFFF"/>
@@ -6661,15 +10021,33 @@
                 </a:extLst>
               </a:tr>
               <a:tr h="347980">
-                <a:tc vMerge="1">
-                  <a:txBody>
-                    <a:bodyPr/>
-                    <a:lstStyle/>
-                    <a:p>
-                      <a:endParaRPr/>
-                    </a:p>
-                  </a:txBody>
-                  <a:tcPr marL="0" marR="0" marT="0" marB="0">
+                <a:tc>
+                  <a:txBody>
+                    <a:bodyPr/>
+                    <a:lstStyle/>
+                    <a:p>
+                      <a:pPr marR="448309" algn="r">
+                        <a:lnSpc>
+                          <a:spcPct val="100000"/>
+                        </a:lnSpc>
+                        <a:spcBef>
+                          <a:spcPts val="1025"/>
+                        </a:spcBef>
+                      </a:pPr>
+                      <a:r>
+                        <a:rPr sz="1800" dirty="0">
+                          <a:latin typeface="Calibri"/>
+                          <a:cs typeface="Calibri"/>
+                        </a:rPr>
+                        <a:t>2</a:t>
+                      </a:r>
+                      <a:endParaRPr sz="1800">
+                        <a:latin typeface="Calibri"/>
+                        <a:cs typeface="Calibri"/>
+                      </a:endParaRPr>
+                    </a:p>
+                  </a:txBody>
+                  <a:tcPr marL="0" marR="0" marT="130175" marB="0">
                     <a:lnL w="12700">
                       <a:solidFill>
                         <a:srgbClr val="FFFFFF"/>
@@ -6709,7 +10087,14 @@
                           <a:spcPct val="100000"/>
                         </a:lnSpc>
                       </a:pPr>
-                      <a:endParaRPr sz="2000">
+                      <a:r>
+                        <a:rPr lang="en-US" sz="2000" dirty="0">
+                          <a:latin typeface="Times New Roman"/>
+                          <a:cs typeface="Times New Roman"/>
+                        </a:rPr>
+                        <a:t>Wireframe designs</a:t>
+                      </a:r>
+                      <a:endParaRPr sz="2000" dirty="0">
                         <a:latin typeface="Times New Roman"/>
                         <a:cs typeface="Times New Roman"/>
                       </a:endParaRPr>
@@ -6750,18 +10135,28 @@
                     <a:bodyPr/>
                     <a:lstStyle/>
                     <a:p>
-                      <a:pPr>
+                      <a:pPr marL="789940">
                         <a:lnSpc>
                           <a:spcPct val="100000"/>
                         </a:lnSpc>
+                        <a:spcBef>
+                          <a:spcPts val="1025"/>
+                        </a:spcBef>
                       </a:pPr>
-                      <a:endParaRPr sz="2000">
-                        <a:latin typeface="Times New Roman"/>
-                        <a:cs typeface="Times New Roman"/>
-                      </a:endParaRPr>
-                    </a:p>
-                  </a:txBody>
-                  <a:tcPr marL="0" marR="0" marT="0" marB="0">
+                      <a:r>
+                        <a:rPr sz="1800" dirty="0">
+                          <a:latin typeface="Calibri"/>
+                          <a:cs typeface="Calibri"/>
+                        </a:rPr>
+                        <a:t>1</a:t>
+                      </a:r>
+                      <a:endParaRPr sz="1800">
+                        <a:latin typeface="Calibri"/>
+                        <a:cs typeface="Calibri"/>
+                      </a:endParaRPr>
+                    </a:p>
+                  </a:txBody>
+                  <a:tcPr marL="0" marR="0" marT="130175" marB="0">
                     <a:lnL w="12700">
                       <a:solidFill>
                         <a:srgbClr val="FFFFFF"/>
@@ -6798,15 +10193,33 @@
                 </a:extLst>
               </a:tr>
               <a:tr h="348106">
-                <a:tc vMerge="1">
-                  <a:txBody>
-                    <a:bodyPr/>
-                    <a:lstStyle/>
-                    <a:p>
-                      <a:endParaRPr/>
-                    </a:p>
-                  </a:txBody>
-                  <a:tcPr marL="0" marR="0" marT="0" marB="0">
+                <a:tc>
+                  <a:txBody>
+                    <a:bodyPr/>
+                    <a:lstStyle/>
+                    <a:p>
+                      <a:pPr marR="448309" algn="r">
+                        <a:lnSpc>
+                          <a:spcPct val="100000"/>
+                        </a:lnSpc>
+                        <a:spcBef>
+                          <a:spcPts val="1030"/>
+                        </a:spcBef>
+                      </a:pPr>
+                      <a:r>
+                        <a:rPr sz="1800" dirty="0">
+                          <a:latin typeface="Calibri"/>
+                          <a:cs typeface="Calibri"/>
+                        </a:rPr>
+                        <a:t>3</a:t>
+                      </a:r>
+                      <a:endParaRPr sz="1800">
+                        <a:latin typeface="Calibri"/>
+                        <a:cs typeface="Calibri"/>
+                      </a:endParaRPr>
+                    </a:p>
+                  </a:txBody>
+                  <a:tcPr marL="0" marR="0" marT="130810" marB="0">
                     <a:lnL w="12700">
                       <a:solidFill>
                         <a:srgbClr val="FFFFFF"/>
@@ -6846,7 +10259,14 @@
                           <a:spcPct val="100000"/>
                         </a:lnSpc>
                       </a:pPr>
-                      <a:endParaRPr sz="2000">
+                      <a:r>
+                        <a:rPr lang="en-US" sz="2000" dirty="0">
+                          <a:latin typeface="Times New Roman"/>
+                          <a:cs typeface="Times New Roman"/>
+                        </a:rPr>
+                        <a:t>Present wireframe design to user</a:t>
+                      </a:r>
+                      <a:endParaRPr sz="2000" dirty="0">
                         <a:latin typeface="Times New Roman"/>
                         <a:cs typeface="Times New Roman"/>
                       </a:endParaRPr>
@@ -6887,18 +10307,28 @@
                     <a:bodyPr/>
                     <a:lstStyle/>
                     <a:p>
-                      <a:pPr>
+                      <a:pPr marL="789940">
                         <a:lnSpc>
                           <a:spcPct val="100000"/>
                         </a:lnSpc>
+                        <a:spcBef>
+                          <a:spcPts val="1030"/>
+                        </a:spcBef>
                       </a:pPr>
-                      <a:endParaRPr sz="2000">
-                        <a:latin typeface="Times New Roman"/>
-                        <a:cs typeface="Times New Roman"/>
-                      </a:endParaRPr>
-                    </a:p>
-                  </a:txBody>
-                  <a:tcPr marL="0" marR="0" marT="0" marB="0">
+                      <a:r>
+                        <a:rPr sz="1800" dirty="0">
+                          <a:latin typeface="Calibri"/>
+                          <a:cs typeface="Calibri"/>
+                        </a:rPr>
+                        <a:t>1</a:t>
+                      </a:r>
+                      <a:endParaRPr sz="1800">
+                        <a:latin typeface="Calibri"/>
+                        <a:cs typeface="Calibri"/>
+                      </a:endParaRPr>
+                    </a:p>
+                  </a:txBody>
+                  <a:tcPr marL="0" marR="0" marT="130810" marB="0">
                     <a:lnL w="12700">
                       <a:solidFill>
                         <a:srgbClr val="FFFFFF"/>
@@ -6935,15 +10365,33 @@
                 </a:extLst>
               </a:tr>
               <a:tr h="348043">
-                <a:tc vMerge="1">
-                  <a:txBody>
-                    <a:bodyPr/>
-                    <a:lstStyle/>
-                    <a:p>
-                      <a:endParaRPr/>
-                    </a:p>
-                  </a:txBody>
-                  <a:tcPr marL="0" marR="0" marT="0" marB="0">
+                <a:tc>
+                  <a:txBody>
+                    <a:bodyPr/>
+                    <a:lstStyle/>
+                    <a:p>
+                      <a:pPr marR="448309" algn="r">
+                        <a:lnSpc>
+                          <a:spcPct val="100000"/>
+                        </a:lnSpc>
+                        <a:spcBef>
+                          <a:spcPts val="1030"/>
+                        </a:spcBef>
+                      </a:pPr>
+                      <a:r>
+                        <a:rPr sz="1800" dirty="0">
+                          <a:latin typeface="Calibri"/>
+                          <a:cs typeface="Calibri"/>
+                        </a:rPr>
+                        <a:t>4</a:t>
+                      </a:r>
+                      <a:endParaRPr sz="1800">
+                        <a:latin typeface="Calibri"/>
+                        <a:cs typeface="Calibri"/>
+                      </a:endParaRPr>
+                    </a:p>
+                  </a:txBody>
+                  <a:tcPr marL="0" marR="0" marT="130810" marB="0">
                     <a:lnL w="12700">
                       <a:solidFill>
                         <a:srgbClr val="FFFFFF"/>
@@ -6983,7 +10431,14 @@
                           <a:spcPct val="100000"/>
                         </a:lnSpc>
                       </a:pPr>
-                      <a:endParaRPr sz="2000">
+                      <a:r>
+                        <a:rPr lang="en-US" sz="2000" dirty="0">
+                          <a:latin typeface="Times New Roman"/>
+                          <a:cs typeface="Times New Roman"/>
+                        </a:rPr>
+                        <a:t>Design Mockups</a:t>
+                      </a:r>
+                      <a:endParaRPr sz="2000" dirty="0">
                         <a:latin typeface="Times New Roman"/>
                         <a:cs typeface="Times New Roman"/>
                       </a:endParaRPr>
@@ -7024,18 +10479,28 @@
                     <a:bodyPr/>
                     <a:lstStyle/>
                     <a:p>
-                      <a:pPr>
+                      <a:pPr marL="763905">
                         <a:lnSpc>
                           <a:spcPct val="100000"/>
                         </a:lnSpc>
+                        <a:spcBef>
+                          <a:spcPts val="1030"/>
+                        </a:spcBef>
                       </a:pPr>
-                      <a:endParaRPr sz="2000">
-                        <a:latin typeface="Times New Roman"/>
-                        <a:cs typeface="Times New Roman"/>
-                      </a:endParaRPr>
-                    </a:p>
-                  </a:txBody>
-                  <a:tcPr marL="0" marR="0" marT="0" marB="0">
+                      <a:r>
+                        <a:rPr sz="1800" dirty="0">
+                          <a:latin typeface="Calibri"/>
+                          <a:cs typeface="Calibri"/>
+                        </a:rPr>
+                        <a:t>2</a:t>
+                      </a:r>
+                      <a:endParaRPr sz="1800">
+                        <a:latin typeface="Calibri"/>
+                        <a:cs typeface="Calibri"/>
+                      </a:endParaRPr>
+                    </a:p>
+                  </a:txBody>
+                  <a:tcPr marL="0" marR="0" marT="130810" marB="0">
                     <a:lnL w="12700">
                       <a:solidFill>
                         <a:srgbClr val="FFFFFF"/>
@@ -7072,15 +10537,33 @@
                 </a:extLst>
               </a:tr>
               <a:tr h="348043">
-                <a:tc vMerge="1">
-                  <a:txBody>
-                    <a:bodyPr/>
-                    <a:lstStyle/>
-                    <a:p>
-                      <a:endParaRPr/>
-                    </a:p>
-                  </a:txBody>
-                  <a:tcPr marL="0" marR="0" marT="0" marB="0">
+                <a:tc>
+                  <a:txBody>
+                    <a:bodyPr/>
+                    <a:lstStyle/>
+                    <a:p>
+                      <a:pPr marR="448309" algn="r">
+                        <a:lnSpc>
+                          <a:spcPct val="100000"/>
+                        </a:lnSpc>
+                        <a:spcBef>
+                          <a:spcPts val="1030"/>
+                        </a:spcBef>
+                      </a:pPr>
+                      <a:r>
+                        <a:rPr sz="1800" dirty="0">
+                          <a:latin typeface="Calibri"/>
+                          <a:cs typeface="Calibri"/>
+                        </a:rPr>
+                        <a:t>5</a:t>
+                      </a:r>
+                      <a:endParaRPr sz="1800">
+                        <a:latin typeface="Calibri"/>
+                        <a:cs typeface="Calibri"/>
+                      </a:endParaRPr>
+                    </a:p>
+                  </a:txBody>
+                  <a:tcPr marL="0" marR="0" marT="130810" marB="0">
                     <a:lnL w="12700">
                       <a:solidFill>
                         <a:srgbClr val="FFFFFF"/>
@@ -7120,7 +10603,14 @@
                           <a:spcPct val="100000"/>
                         </a:lnSpc>
                       </a:pPr>
-                      <a:endParaRPr sz="2000">
+                      <a:r>
+                        <a:rPr lang="en-US" sz="2000" dirty="0">
+                          <a:latin typeface="Times New Roman"/>
+                          <a:cs typeface="Times New Roman"/>
+                        </a:rPr>
+                        <a:t>Develop Prototype</a:t>
+                      </a:r>
+                      <a:endParaRPr sz="2000" dirty="0">
                         <a:latin typeface="Times New Roman"/>
                         <a:cs typeface="Times New Roman"/>
                       </a:endParaRPr>
@@ -7161,18 +10651,24 @@
                     <a:bodyPr/>
                     <a:lstStyle/>
                     <a:p>
-                      <a:pPr>
+                      <a:pPr marL="789940">
                         <a:lnSpc>
                           <a:spcPct val="100000"/>
                         </a:lnSpc>
+                        <a:spcBef>
+                          <a:spcPts val="1030"/>
+                        </a:spcBef>
                       </a:pPr>
-                      <a:endParaRPr sz="2000">
-                        <a:latin typeface="Times New Roman"/>
-                        <a:cs typeface="Times New Roman"/>
-                      </a:endParaRPr>
-                    </a:p>
-                  </a:txBody>
-                  <a:tcPr marL="0" marR="0" marT="0" marB="0">
+                      <a:r>
+                        <a:rPr sz="1800" dirty="0">
+                          <a:latin typeface="Calibri"/>
+                          <a:cs typeface="Calibri"/>
+                        </a:rPr>
+                        <a:t>2</a:t>
+                      </a:r>
+                    </a:p>
+                  </a:txBody>
+                  <a:tcPr marL="0" marR="0" marT="130810" marB="0">
                     <a:lnL w="12700">
                       <a:solidFill>
                         <a:srgbClr val="FFFFFF"/>
@@ -7351,8 +10847,8 @@
         </p:nvSpPr>
         <p:spPr>
           <a:xfrm>
-            <a:off x="108204" y="1196338"/>
-            <a:ext cx="8856345" cy="5546090"/>
+            <a:off x="60960" y="1216554"/>
+            <a:ext cx="8856345" cy="16659165"/>
           </a:xfrm>
           <a:custGeom>
             <a:avLst/>
@@ -7389,7 +10885,7 @@
           <a:bodyPr wrap="square" lIns="0" tIns="0" rIns="0" bIns="0" rtlCol="0"/>
           <a:lstStyle/>
           <a:p>
-            <a:endParaRPr/>
+            <a:endParaRPr dirty="0"/>
           </a:p>
         </p:txBody>
       </p:sp>
@@ -7454,7 +10950,7 @@
         <p:spPr>
           <a:xfrm>
             <a:off x="186639" y="1128083"/>
-            <a:ext cx="8614410" cy="3999865"/>
+            <a:ext cx="8614410" cy="2700098"/>
           </a:xfrm>
           <a:prstGeom prst="rect">
             <a:avLst/>
@@ -7528,7 +11024,7 @@
               </a:rPr>
               <a:t>Produced</a:t>
             </a:r>
-            <a:endParaRPr sz="2000">
+            <a:endParaRPr sz="2000" dirty="0">
               <a:latin typeface="Calibri"/>
               <a:cs typeface="Calibri"/>
             </a:endParaRPr>
@@ -7549,76 +11045,13 @@
               </a:tabLst>
             </a:pPr>
             <a:r>
-              <a:rPr sz="1800" spc="-5" dirty="0">
+              <a:rPr lang="en-SG" sz="1800" spc="-5" dirty="0">
                 <a:latin typeface="Calibri"/>
                 <a:cs typeface="Calibri"/>
               </a:rPr>
-              <a:t>&lt;Label </a:t>
+              <a:t>avogado_page.html</a:t>
             </a:r>
-            <a:r>
-              <a:rPr sz="1800" dirty="0">
-                <a:latin typeface="Calibri"/>
-                <a:cs typeface="Calibri"/>
-              </a:rPr>
-              <a:t>and </a:t>
-            </a:r>
-            <a:r>
-              <a:rPr sz="1800" spc="-15" dirty="0">
-                <a:latin typeface="Calibri"/>
-                <a:cs typeface="Calibri"/>
-              </a:rPr>
-              <a:t>paste </a:t>
-            </a:r>
-            <a:r>
-              <a:rPr sz="1800" dirty="0">
-                <a:latin typeface="Calibri"/>
-                <a:cs typeface="Calibri"/>
-              </a:rPr>
-              <a:t>the </a:t>
-            </a:r>
-            <a:r>
-              <a:rPr sz="1800" spc="-10" dirty="0">
-                <a:latin typeface="Calibri"/>
-                <a:cs typeface="Calibri"/>
-              </a:rPr>
-              <a:t>screen </a:t>
-            </a:r>
-            <a:r>
-              <a:rPr sz="1800" spc="-5" dirty="0">
-                <a:latin typeface="Calibri"/>
-                <a:cs typeface="Calibri"/>
-              </a:rPr>
-              <a:t>shots of all evidences which show </a:t>
-            </a:r>
-            <a:r>
-              <a:rPr sz="1800" dirty="0">
-                <a:latin typeface="Calibri"/>
-                <a:cs typeface="Calibri"/>
-              </a:rPr>
-              <a:t>the </a:t>
-            </a:r>
-            <a:r>
-              <a:rPr sz="1800" spc="-10" dirty="0">
-                <a:latin typeface="Calibri"/>
-                <a:cs typeface="Calibri"/>
-              </a:rPr>
-              <a:t>project</a:t>
-            </a:r>
-            <a:r>
-              <a:rPr sz="1800" spc="200" dirty="0">
-                <a:latin typeface="Calibri"/>
-                <a:cs typeface="Calibri"/>
-              </a:rPr>
-              <a:t> </a:t>
-            </a:r>
-            <a:r>
-              <a:rPr sz="1800" spc="-10" dirty="0">
-                <a:latin typeface="Calibri"/>
-                <a:cs typeface="Calibri"/>
-              </a:rPr>
-              <a:t>outcome&gt;</a:t>
-            </a:r>
-            <a:endParaRPr sz="1800">
+            <a:endParaRPr sz="1800" dirty="0">
               <a:latin typeface="Calibri"/>
               <a:cs typeface="Calibri"/>
             </a:endParaRPr>
@@ -7636,13 +11069,113 @@
               </a:tabLst>
             </a:pPr>
             <a:r>
-              <a:rPr sz="1800" spc="5" dirty="0">
+              <a:rPr lang="en-SG" sz="1800" spc="5" dirty="0">
                 <a:latin typeface="Calibri"/>
                 <a:cs typeface="Calibri"/>
               </a:rPr>
-              <a:t>……</a:t>
+              <a:t>check_out_page.html</a:t>
             </a:r>
-            <a:endParaRPr sz="1800">
+          </a:p>
+          <a:p>
+            <a:pPr marL="756285" lvl="1" indent="-286385">
+              <a:lnSpc>
+                <a:spcPct val="100000"/>
+              </a:lnSpc>
+              <a:buFont typeface="Wingdings"/>
+              <a:buChar char=""/>
+              <a:tabLst>
+                <a:tab pos="756285" algn="l"/>
+                <a:tab pos="756920" algn="l"/>
+              </a:tabLst>
+            </a:pPr>
+            <a:r>
+              <a:rPr lang="en-SG" sz="1800" dirty="0">
+                <a:latin typeface="Calibri"/>
+                <a:cs typeface="Calibri"/>
+              </a:rPr>
+              <a:t>index.html</a:t>
+            </a:r>
+          </a:p>
+          <a:p>
+            <a:pPr marL="756285" lvl="1" indent="-286385">
+              <a:lnSpc>
+                <a:spcPct val="100000"/>
+              </a:lnSpc>
+              <a:buFont typeface="Wingdings"/>
+              <a:buChar char=""/>
+              <a:tabLst>
+                <a:tab pos="756285" algn="l"/>
+                <a:tab pos="756920" algn="l"/>
+              </a:tabLst>
+            </a:pPr>
+            <a:r>
+              <a:rPr lang="en-SG" spc="5" dirty="0">
+                <a:latin typeface="Calibri"/>
+                <a:cs typeface="Calibri"/>
+              </a:rPr>
+              <a:t>landing_page.html</a:t>
+            </a:r>
+          </a:p>
+          <a:p>
+            <a:pPr marL="756285" lvl="1" indent="-286385">
+              <a:lnSpc>
+                <a:spcPct val="100000"/>
+              </a:lnSpc>
+              <a:buFont typeface="Wingdings"/>
+              <a:buChar char=""/>
+              <a:tabLst>
+                <a:tab pos="756285" algn="l"/>
+                <a:tab pos="756920" algn="l"/>
+              </a:tabLst>
+            </a:pPr>
+            <a:r>
+              <a:rPr lang="da-DK" spc="5" dirty="0">
+                <a:latin typeface="Calibri"/>
+                <a:cs typeface="Calibri"/>
+              </a:rPr>
+              <a:t>landing_page_admin_signed_in.html</a:t>
+            </a:r>
+          </a:p>
+          <a:p>
+            <a:pPr marL="756285" lvl="1" indent="-286385">
+              <a:lnSpc>
+                <a:spcPct val="100000"/>
+              </a:lnSpc>
+              <a:buFont typeface="Wingdings"/>
+              <a:buChar char=""/>
+              <a:tabLst>
+                <a:tab pos="756285" algn="l"/>
+                <a:tab pos="756920" algn="l"/>
+              </a:tabLst>
+            </a:pPr>
+            <a:r>
+              <a:rPr lang="da-DK" spc="5" dirty="0">
+                <a:latin typeface="Calibri"/>
+                <a:cs typeface="Calibri"/>
+              </a:rPr>
+              <a:t>landing_page_signed_in.html</a:t>
+            </a:r>
+          </a:p>
+          <a:p>
+            <a:pPr marL="756285" lvl="1" indent="-286385">
+              <a:lnSpc>
+                <a:spcPct val="100000"/>
+              </a:lnSpc>
+              <a:buFont typeface="Wingdings"/>
+              <a:buChar char=""/>
+              <a:tabLst>
+                <a:tab pos="756285" algn="l"/>
+                <a:tab pos="756920" algn="l"/>
+              </a:tabLst>
+            </a:pPr>
+            <a:r>
+              <a:rPr lang="en-SG" spc="5" dirty="0">
+                <a:latin typeface="Calibri"/>
+                <a:cs typeface="Calibri"/>
+              </a:rPr>
+              <a:t>log_out_confirmation.html</a:t>
+            </a:r>
+            <a:endParaRPr lang="da-DK" spc="5" dirty="0">
               <a:latin typeface="Calibri"/>
               <a:cs typeface="Calibri"/>
             </a:endParaRPr>
@@ -7659,265 +11192,7 @@
                 <a:tab pos="756920" algn="l"/>
               </a:tabLst>
             </a:pPr>
-            <a:r>
-              <a:rPr sz="1800" spc="5" dirty="0">
-                <a:latin typeface="Calibri"/>
-                <a:cs typeface="Calibri"/>
-              </a:rPr>
-              <a:t>……</a:t>
-            </a:r>
-            <a:endParaRPr sz="1800">
-              <a:latin typeface="Calibri"/>
-              <a:cs typeface="Calibri"/>
-            </a:endParaRPr>
-          </a:p>
-          <a:p>
-            <a:pPr marL="756285" lvl="1" indent="-286385">
-              <a:lnSpc>
-                <a:spcPct val="100000"/>
-              </a:lnSpc>
-              <a:spcBef>
-                <a:spcPts val="195"/>
-              </a:spcBef>
-              <a:buFont typeface="Wingdings"/>
-              <a:buChar char=""/>
-              <a:tabLst>
-                <a:tab pos="756285" algn="l"/>
-                <a:tab pos="756920" algn="l"/>
-              </a:tabLst>
-            </a:pPr>
-            <a:r>
-              <a:rPr sz="1800" spc="5" dirty="0">
-                <a:latin typeface="Calibri"/>
-                <a:cs typeface="Calibri"/>
-              </a:rPr>
-              <a:t>……</a:t>
-            </a:r>
-            <a:endParaRPr sz="1800">
-              <a:latin typeface="Calibri"/>
-              <a:cs typeface="Calibri"/>
-            </a:endParaRPr>
-          </a:p>
-          <a:p>
-            <a:pPr marL="756285" lvl="1" indent="-286385">
-              <a:lnSpc>
-                <a:spcPct val="100000"/>
-              </a:lnSpc>
-              <a:spcBef>
-                <a:spcPts val="45"/>
-              </a:spcBef>
-              <a:buFont typeface="Wingdings"/>
-              <a:buChar char=""/>
-              <a:tabLst>
-                <a:tab pos="756285" algn="l"/>
-                <a:tab pos="756920" algn="l"/>
-              </a:tabLst>
-            </a:pPr>
-            <a:r>
-              <a:rPr sz="1800" dirty="0">
-                <a:latin typeface="Calibri"/>
-                <a:cs typeface="Calibri"/>
-              </a:rPr>
-              <a:t>……</a:t>
-            </a:r>
-            <a:endParaRPr sz="1800">
-              <a:latin typeface="Calibri"/>
-              <a:cs typeface="Calibri"/>
-            </a:endParaRPr>
-          </a:p>
-          <a:p>
-            <a:pPr marL="756285" lvl="1" indent="-286385">
-              <a:lnSpc>
-                <a:spcPct val="100000"/>
-              </a:lnSpc>
-              <a:spcBef>
-                <a:spcPts val="5"/>
-              </a:spcBef>
-              <a:buFont typeface="Wingdings"/>
-              <a:buChar char=""/>
-              <a:tabLst>
-                <a:tab pos="756285" algn="l"/>
-                <a:tab pos="756920" algn="l"/>
-              </a:tabLst>
-            </a:pPr>
-            <a:r>
-              <a:rPr sz="1800" spc="5" dirty="0">
-                <a:latin typeface="Calibri"/>
-                <a:cs typeface="Calibri"/>
-              </a:rPr>
-              <a:t>……</a:t>
-            </a:r>
-            <a:endParaRPr sz="1800">
-              <a:latin typeface="Calibri"/>
-              <a:cs typeface="Calibri"/>
-            </a:endParaRPr>
-          </a:p>
-          <a:p>
-            <a:pPr marL="756285" lvl="1" indent="-286385">
-              <a:lnSpc>
-                <a:spcPct val="100000"/>
-              </a:lnSpc>
-              <a:buFont typeface="Wingdings"/>
-              <a:buChar char=""/>
-              <a:tabLst>
-                <a:tab pos="756285" algn="l"/>
-                <a:tab pos="756920" algn="l"/>
-              </a:tabLst>
-            </a:pPr>
-            <a:r>
-              <a:rPr sz="1800" spc="5" dirty="0">
-                <a:latin typeface="Calibri"/>
-                <a:cs typeface="Calibri"/>
-              </a:rPr>
-              <a:t>……</a:t>
-            </a:r>
-            <a:endParaRPr sz="1800">
-              <a:latin typeface="Calibri"/>
-              <a:cs typeface="Calibri"/>
-            </a:endParaRPr>
-          </a:p>
-          <a:p>
-            <a:pPr marL="299085" indent="-286385">
-              <a:lnSpc>
-                <a:spcPct val="100000"/>
-              </a:lnSpc>
-              <a:spcBef>
-                <a:spcPts val="590"/>
-              </a:spcBef>
-              <a:buFont typeface="Wingdings"/>
-              <a:buChar char=""/>
-              <a:tabLst>
-                <a:tab pos="299720" algn="l"/>
-              </a:tabLst>
-            </a:pPr>
-            <a:r>
-              <a:rPr sz="2000" b="1" spc="-5" dirty="0">
-                <a:latin typeface="Calibri"/>
-                <a:cs typeface="Calibri"/>
-              </a:rPr>
-              <a:t>Links </a:t>
-            </a:r>
-            <a:r>
-              <a:rPr sz="2000" b="1" dirty="0">
-                <a:latin typeface="Calibri"/>
-                <a:cs typeface="Calibri"/>
-              </a:rPr>
-              <a:t>of the</a:t>
-            </a:r>
-            <a:r>
-              <a:rPr sz="2000" b="1" spc="-25" dirty="0">
-                <a:latin typeface="Calibri"/>
-                <a:cs typeface="Calibri"/>
-              </a:rPr>
-              <a:t> </a:t>
-            </a:r>
-            <a:r>
-              <a:rPr sz="2000" b="1" spc="-15" dirty="0">
-                <a:latin typeface="Calibri"/>
-                <a:cs typeface="Calibri"/>
-              </a:rPr>
-              <a:t>Pages</a:t>
-            </a:r>
-            <a:endParaRPr sz="2000">
-              <a:latin typeface="Calibri"/>
-              <a:cs typeface="Calibri"/>
-            </a:endParaRPr>
-          </a:p>
-          <a:p>
-            <a:pPr marL="756285" lvl="1" indent="-286385">
-              <a:lnSpc>
-                <a:spcPct val="100000"/>
-              </a:lnSpc>
-              <a:spcBef>
-                <a:spcPts val="610"/>
-              </a:spcBef>
-              <a:buFont typeface="Wingdings"/>
-              <a:buChar char=""/>
-              <a:tabLst>
-                <a:tab pos="756285" algn="l"/>
-                <a:tab pos="756920" algn="l"/>
-              </a:tabLst>
-            </a:pPr>
-            <a:r>
-              <a:rPr sz="1800" dirty="0">
-                <a:latin typeface="Calibri"/>
-                <a:cs typeface="Calibri"/>
-              </a:rPr>
-              <a:t>&lt;&gt;</a:t>
-            </a:r>
-            <a:endParaRPr sz="1800">
-              <a:latin typeface="Calibri"/>
-              <a:cs typeface="Calibri"/>
-            </a:endParaRPr>
-          </a:p>
-          <a:p>
-            <a:pPr marL="756285" lvl="1" indent="-286385">
-              <a:lnSpc>
-                <a:spcPct val="100000"/>
-              </a:lnSpc>
-              <a:buFont typeface="Wingdings"/>
-              <a:buChar char=""/>
-              <a:tabLst>
-                <a:tab pos="756285" algn="l"/>
-                <a:tab pos="756920" algn="l"/>
-              </a:tabLst>
-            </a:pPr>
-            <a:r>
-              <a:rPr sz="1800" dirty="0">
-                <a:latin typeface="Calibri"/>
-                <a:cs typeface="Calibri"/>
-              </a:rPr>
-              <a:t>……</a:t>
-            </a:r>
-            <a:endParaRPr sz="1800">
-              <a:latin typeface="Calibri"/>
-              <a:cs typeface="Calibri"/>
-            </a:endParaRPr>
-          </a:p>
-          <a:p>
-            <a:pPr marL="756285" lvl="1" indent="-286385">
-              <a:lnSpc>
-                <a:spcPct val="100000"/>
-              </a:lnSpc>
-              <a:buFont typeface="Wingdings"/>
-              <a:buChar char=""/>
-              <a:tabLst>
-                <a:tab pos="756285" algn="l"/>
-                <a:tab pos="756920" algn="l"/>
-              </a:tabLst>
-            </a:pPr>
-            <a:r>
-              <a:rPr sz="1800" spc="5" dirty="0">
-                <a:latin typeface="Calibri"/>
-                <a:cs typeface="Calibri"/>
-              </a:rPr>
-              <a:t>……</a:t>
-            </a:r>
-            <a:endParaRPr sz="1800">
-              <a:latin typeface="Calibri"/>
-              <a:cs typeface="Calibri"/>
-            </a:endParaRPr>
-          </a:p>
-          <a:p>
-            <a:pPr marL="756285" lvl="1" indent="-286385">
-              <a:lnSpc>
-                <a:spcPct val="100000"/>
-              </a:lnSpc>
-              <a:buFont typeface="Wingdings"/>
-              <a:buChar char=""/>
-              <a:tabLst>
-                <a:tab pos="756285" algn="l"/>
-                <a:tab pos="756920" algn="l"/>
-              </a:tabLst>
-            </a:pPr>
-            <a:r>
-              <a:rPr sz="1800" spc="5" dirty="0">
-                <a:latin typeface="Calibri"/>
-                <a:cs typeface="Calibri"/>
-              </a:rPr>
-              <a:t>……</a:t>
-            </a:r>
-            <a:endParaRPr sz="1800">
+            <a:endParaRPr lang="en-SG" spc="5" dirty="0">
               <a:latin typeface="Calibri"/>
               <a:cs typeface="Calibri"/>
             </a:endParaRPr>
@@ -9930,470 +13205,6 @@
 </file>
 
 <file path=ppt/slides/slide20.xml><?xml version="1.0" encoding="utf-8"?>
-<p:sld xmlns:a="http://schemas.openxmlformats.org/drawingml/2006/main" xmlns:r="http://schemas.openxmlformats.org/officeDocument/2006/relationships" xmlns:p="http://schemas.openxmlformats.org/presentationml/2006/main">
-  <p:cSld>
-    <p:spTree>
-      <p:nvGrpSpPr>
-        <p:cNvPr id="1" name=""/>
-        <p:cNvGrpSpPr/>
-        <p:nvPr/>
-      </p:nvGrpSpPr>
-      <p:grpSpPr>
-        <a:xfrm>
-          <a:off x="0" y="0"/>
-          <a:ext cx="0" cy="0"/>
-          <a:chOff x="0" y="0"/>
-          <a:chExt cx="0" cy="0"/>
-        </a:xfrm>
-      </p:grpSpPr>
-      <p:sp>
-        <p:nvSpPr>
-          <p:cNvPr id="2" name="object 2"/>
-          <p:cNvSpPr txBox="1">
-            <a:spLocks noGrp="1"/>
-          </p:cNvSpPr>
-          <p:nvPr>
-            <p:ph type="title"/>
-          </p:nvPr>
-        </p:nvSpPr>
-        <p:spPr>
-          <a:xfrm>
-            <a:off x="113792" y="429005"/>
-            <a:ext cx="3840479" cy="452120"/>
-          </a:xfrm>
-          <a:prstGeom prst="rect">
-            <a:avLst/>
-          </a:prstGeom>
-        </p:spPr>
-        <p:txBody>
-          <a:bodyPr vert="horz" wrap="square" lIns="0" tIns="12065" rIns="0" bIns="0" rtlCol="0">
-            <a:spAutoFit/>
-          </a:bodyPr>
-          <a:lstStyle/>
-          <a:p>
-            <a:pPr marL="12700">
-              <a:lnSpc>
-                <a:spcPct val="100000"/>
-              </a:lnSpc>
-              <a:spcBef>
-                <a:spcPts val="95"/>
-              </a:spcBef>
-            </a:pPr>
-            <a:r>
-              <a:rPr spc="-5" dirty="0"/>
-              <a:t>16. Project Results</a:t>
-            </a:r>
-            <a:r>
-              <a:rPr spc="-20" dirty="0"/>
-              <a:t> </a:t>
-            </a:r>
-            <a:r>
-              <a:rPr dirty="0"/>
-              <a:t>(2/2)</a:t>
-            </a:r>
-          </a:p>
-        </p:txBody>
-      </p:sp>
-      <p:sp>
-        <p:nvSpPr>
-          <p:cNvPr id="3" name="object 3"/>
-          <p:cNvSpPr/>
-          <p:nvPr/>
-        </p:nvSpPr>
-        <p:spPr>
-          <a:xfrm>
-            <a:off x="60960" y="1171955"/>
-            <a:ext cx="8945880" cy="5635752"/>
-          </a:xfrm>
-          <a:prstGeom prst="rect">
-            <a:avLst/>
-          </a:prstGeom>
-          <a:blipFill>
-            <a:blip r:embed="rId2" cstate="print"/>
-            <a:stretch>
-              <a:fillRect/>
-            </a:stretch>
-          </a:blipFill>
-        </p:spPr>
-        <p:txBody>
-          <a:bodyPr wrap="square" lIns="0" tIns="0" rIns="0" bIns="0" rtlCol="0"/>
-          <a:lstStyle/>
-          <a:p>
-            <a:endParaRPr/>
-          </a:p>
-        </p:txBody>
-      </p:sp>
-      <p:sp>
-        <p:nvSpPr>
-          <p:cNvPr id="4" name="object 4"/>
-          <p:cNvSpPr/>
-          <p:nvPr/>
-        </p:nvSpPr>
-        <p:spPr>
-          <a:xfrm>
-            <a:off x="15240" y="1147572"/>
-            <a:ext cx="6053328" cy="1770888"/>
-          </a:xfrm>
-          <a:prstGeom prst="rect">
-            <a:avLst/>
-          </a:prstGeom>
-          <a:blipFill>
-            <a:blip r:embed="rId3" cstate="print"/>
-            <a:stretch>
-              <a:fillRect/>
-            </a:stretch>
-          </a:blipFill>
-        </p:spPr>
-        <p:txBody>
-          <a:bodyPr wrap="square" lIns="0" tIns="0" rIns="0" bIns="0" rtlCol="0"/>
-          <a:lstStyle/>
-          <a:p>
-            <a:endParaRPr/>
-          </a:p>
-        </p:txBody>
-      </p:sp>
-      <p:sp>
-        <p:nvSpPr>
-          <p:cNvPr id="5" name="object 5"/>
-          <p:cNvSpPr/>
-          <p:nvPr/>
-        </p:nvSpPr>
-        <p:spPr>
-          <a:xfrm>
-            <a:off x="108204" y="1196338"/>
-            <a:ext cx="8856345" cy="5546090"/>
-          </a:xfrm>
-          <a:custGeom>
-            <a:avLst/>
-            <a:gdLst/>
-            <a:ahLst/>
-            <a:cxnLst/>
-            <a:rect l="l" t="t" r="r" b="b"/>
-            <a:pathLst>
-              <a:path w="8856345" h="5546090">
-                <a:moveTo>
-                  <a:pt x="0" y="5545836"/>
-                </a:moveTo>
-                <a:lnTo>
-                  <a:pt x="8855964" y="5545836"/>
-                </a:lnTo>
-                <a:lnTo>
-                  <a:pt x="8855964" y="0"/>
-                </a:lnTo>
-                <a:lnTo>
-                  <a:pt x="0" y="0"/>
-                </a:lnTo>
-                <a:lnTo>
-                  <a:pt x="0" y="5545836"/>
-                </a:lnTo>
-                <a:close/>
-              </a:path>
-            </a:pathLst>
-          </a:custGeom>
-          <a:solidFill>
-            <a:srgbClr val="F1F1F1"/>
-          </a:solidFill>
-        </p:spPr>
-        <p:txBody>
-          <a:bodyPr wrap="square" lIns="0" tIns="0" rIns="0" bIns="0" rtlCol="0"/>
-          <a:lstStyle/>
-          <a:p>
-            <a:endParaRPr/>
-          </a:p>
-        </p:txBody>
-      </p:sp>
-      <p:sp>
-        <p:nvSpPr>
-          <p:cNvPr id="6" name="object 6"/>
-          <p:cNvSpPr/>
-          <p:nvPr/>
-        </p:nvSpPr>
-        <p:spPr>
-          <a:xfrm>
-            <a:off x="108204" y="1196338"/>
-            <a:ext cx="8856345" cy="5546090"/>
-          </a:xfrm>
-          <a:custGeom>
-            <a:avLst/>
-            <a:gdLst/>
-            <a:ahLst/>
-            <a:cxnLst/>
-            <a:rect l="l" t="t" r="r" b="b"/>
-            <a:pathLst>
-              <a:path w="8856345" h="5546090">
-                <a:moveTo>
-                  <a:pt x="0" y="5545836"/>
-                </a:moveTo>
-                <a:lnTo>
-                  <a:pt x="8855964" y="5545836"/>
-                </a:lnTo>
-                <a:lnTo>
-                  <a:pt x="8855964" y="0"/>
-                </a:lnTo>
-                <a:lnTo>
-                  <a:pt x="0" y="0"/>
-                </a:lnTo>
-                <a:lnTo>
-                  <a:pt x="0" y="5545836"/>
-                </a:lnTo>
-                <a:close/>
-              </a:path>
-            </a:pathLst>
-          </a:custGeom>
-          <a:ln w="9144">
-            <a:solidFill>
-              <a:srgbClr val="000000"/>
-            </a:solidFill>
-          </a:ln>
-        </p:spPr>
-        <p:txBody>
-          <a:bodyPr wrap="square" lIns="0" tIns="0" rIns="0" bIns="0" rtlCol="0"/>
-          <a:lstStyle/>
-          <a:p>
-            <a:endParaRPr/>
-          </a:p>
-        </p:txBody>
-      </p:sp>
-      <p:sp>
-        <p:nvSpPr>
-          <p:cNvPr id="7" name="object 7"/>
-          <p:cNvSpPr txBox="1"/>
-          <p:nvPr/>
-        </p:nvSpPr>
-        <p:spPr>
-          <a:xfrm>
-            <a:off x="186639" y="1128083"/>
-            <a:ext cx="5705475" cy="1591310"/>
-          </a:xfrm>
-          <a:prstGeom prst="rect">
-            <a:avLst/>
-          </a:prstGeom>
-        </p:spPr>
-        <p:txBody>
-          <a:bodyPr vert="horz" wrap="square" lIns="0" tIns="98425" rIns="0" bIns="0" rtlCol="0">
-            <a:spAutoFit/>
-          </a:bodyPr>
-          <a:lstStyle/>
-          <a:p>
-            <a:pPr marL="299085" indent="-286385">
-              <a:lnSpc>
-                <a:spcPct val="100000"/>
-              </a:lnSpc>
-              <a:spcBef>
-                <a:spcPts val="775"/>
-              </a:spcBef>
-              <a:buFont typeface="Wingdings"/>
-              <a:buChar char=""/>
-              <a:tabLst>
-                <a:tab pos="299720" algn="l"/>
-              </a:tabLst>
-            </a:pPr>
-            <a:r>
-              <a:rPr sz="2000" b="1" spc="-5" dirty="0">
-                <a:latin typeface="Calibri"/>
-                <a:cs typeface="Calibri"/>
-              </a:rPr>
-              <a:t>Screen </a:t>
-            </a:r>
-            <a:r>
-              <a:rPr sz="2000" b="1" spc="-10" dirty="0">
-                <a:latin typeface="Calibri"/>
-                <a:cs typeface="Calibri"/>
-              </a:rPr>
-              <a:t>Capture </a:t>
-            </a:r>
-            <a:r>
-              <a:rPr sz="2000" b="1" dirty="0">
-                <a:latin typeface="Calibri"/>
-                <a:cs typeface="Calibri"/>
-              </a:rPr>
-              <a:t>of </a:t>
-            </a:r>
-            <a:r>
-              <a:rPr sz="2000" b="1" spc="-15" dirty="0">
-                <a:latin typeface="Calibri"/>
-                <a:cs typeface="Calibri"/>
-              </a:rPr>
-              <a:t>Pages </a:t>
-            </a:r>
-            <a:r>
-              <a:rPr sz="2000" b="1" dirty="0">
-                <a:latin typeface="Calibri"/>
-                <a:cs typeface="Calibri"/>
-              </a:rPr>
-              <a:t>Using </a:t>
-            </a:r>
-            <a:r>
-              <a:rPr sz="2000" b="1" spc="-10" dirty="0">
-                <a:latin typeface="Calibri"/>
-                <a:cs typeface="Calibri"/>
-              </a:rPr>
-              <a:t>Bootstrap </a:t>
-            </a:r>
-            <a:r>
-              <a:rPr sz="2000" b="1" dirty="0">
-                <a:latin typeface="Calibri"/>
-                <a:cs typeface="Calibri"/>
-              </a:rPr>
-              <a:t>&amp;</a:t>
-            </a:r>
-            <a:r>
-              <a:rPr sz="2000" b="1" spc="-20" dirty="0">
-                <a:latin typeface="Calibri"/>
-                <a:cs typeface="Calibri"/>
-              </a:rPr>
-              <a:t> </a:t>
-            </a:r>
-            <a:r>
-              <a:rPr sz="2000" b="1" dirty="0">
-                <a:latin typeface="Calibri"/>
-                <a:cs typeface="Calibri"/>
-              </a:rPr>
-              <a:t>Angular</a:t>
-            </a:r>
-            <a:endParaRPr sz="2000">
-              <a:latin typeface="Calibri"/>
-              <a:cs typeface="Calibri"/>
-            </a:endParaRPr>
-          </a:p>
-          <a:p>
-            <a:pPr marL="756285" lvl="1" indent="-286385">
-              <a:lnSpc>
-                <a:spcPct val="100000"/>
-              </a:lnSpc>
-              <a:spcBef>
-                <a:spcPts val="610"/>
-              </a:spcBef>
-              <a:buFont typeface="Wingdings"/>
-              <a:buChar char=""/>
-              <a:tabLst>
-                <a:tab pos="756285" algn="l"/>
-                <a:tab pos="756920" algn="l"/>
-              </a:tabLst>
-            </a:pPr>
-            <a:r>
-              <a:rPr sz="1800" spc="-20" dirty="0">
-                <a:latin typeface="Calibri"/>
-                <a:cs typeface="Calibri"/>
-              </a:rPr>
-              <a:t>&lt;Paste </a:t>
-            </a:r>
-            <a:r>
-              <a:rPr sz="1800" dirty="0">
-                <a:latin typeface="Calibri"/>
-                <a:cs typeface="Calibri"/>
-              </a:rPr>
-              <a:t>the </a:t>
-            </a:r>
-            <a:r>
-              <a:rPr sz="1800" spc="-10" dirty="0">
-                <a:latin typeface="Calibri"/>
-                <a:cs typeface="Calibri"/>
-              </a:rPr>
-              <a:t>Screen</a:t>
-            </a:r>
-            <a:r>
-              <a:rPr sz="1800" spc="45" dirty="0">
-                <a:latin typeface="Calibri"/>
-                <a:cs typeface="Calibri"/>
-              </a:rPr>
-              <a:t> </a:t>
-            </a:r>
-            <a:r>
-              <a:rPr sz="1800" spc="-10" dirty="0">
-                <a:latin typeface="Calibri"/>
-                <a:cs typeface="Calibri"/>
-              </a:rPr>
-              <a:t>Captures&gt;</a:t>
-            </a:r>
-            <a:endParaRPr sz="1800">
-              <a:latin typeface="Calibri"/>
-              <a:cs typeface="Calibri"/>
-            </a:endParaRPr>
-          </a:p>
-          <a:p>
-            <a:pPr marL="756285" lvl="1" indent="-286385">
-              <a:lnSpc>
-                <a:spcPct val="100000"/>
-              </a:lnSpc>
-              <a:buFont typeface="Wingdings"/>
-              <a:buChar char=""/>
-              <a:tabLst>
-                <a:tab pos="756285" algn="l"/>
-                <a:tab pos="756920" algn="l"/>
-              </a:tabLst>
-            </a:pPr>
-            <a:r>
-              <a:rPr sz="1800" spc="5" dirty="0">
-                <a:latin typeface="Calibri"/>
-                <a:cs typeface="Calibri"/>
-              </a:rPr>
-              <a:t>……</a:t>
-            </a:r>
-            <a:endParaRPr sz="1800">
-              <a:latin typeface="Calibri"/>
-              <a:cs typeface="Calibri"/>
-            </a:endParaRPr>
-          </a:p>
-          <a:p>
-            <a:pPr marL="756285" lvl="1" indent="-286385">
-              <a:lnSpc>
-                <a:spcPct val="100000"/>
-              </a:lnSpc>
-              <a:buFont typeface="Wingdings"/>
-              <a:buChar char=""/>
-              <a:tabLst>
-                <a:tab pos="756285" algn="l"/>
-                <a:tab pos="756920" algn="l"/>
-              </a:tabLst>
-            </a:pPr>
-            <a:r>
-              <a:rPr sz="1800" spc="5" dirty="0">
-                <a:latin typeface="Calibri"/>
-                <a:cs typeface="Calibri"/>
-              </a:rPr>
-              <a:t>……</a:t>
-            </a:r>
-            <a:endParaRPr sz="1800">
-              <a:latin typeface="Calibri"/>
-              <a:cs typeface="Calibri"/>
-            </a:endParaRPr>
-          </a:p>
-          <a:p>
-            <a:pPr marL="756285" lvl="1" indent="-286385">
-              <a:lnSpc>
-                <a:spcPct val="100000"/>
-              </a:lnSpc>
-              <a:buFont typeface="Wingdings"/>
-              <a:buChar char=""/>
-              <a:tabLst>
-                <a:tab pos="756285" algn="l"/>
-                <a:tab pos="756920" algn="l"/>
-              </a:tabLst>
-            </a:pPr>
-            <a:r>
-              <a:rPr sz="1800" spc="5" dirty="0">
-                <a:latin typeface="Calibri"/>
-                <a:cs typeface="Calibri"/>
-              </a:rPr>
-              <a:t>……</a:t>
-            </a:r>
-            <a:endParaRPr sz="1800">
-              <a:latin typeface="Calibri"/>
-              <a:cs typeface="Calibri"/>
-            </a:endParaRPr>
-          </a:p>
-        </p:txBody>
-      </p:sp>
-    </p:spTree>
-  </p:cSld>
-  <p:clrMapOvr>
-    <a:masterClrMapping/>
-  </p:clrMapOvr>
-</p:sld>
-</file>
-
-<file path=ppt/slides/slide21.xml><?xml version="1.0" encoding="utf-8"?>
 <p:sld xmlns:a="http://schemas.openxmlformats.org/drawingml/2006/main" xmlns:r="http://schemas.openxmlformats.org/officeDocument/2006/relationships" xmlns:p="http://schemas.openxmlformats.org/presentationml/2006/main">
   <p:cSld>
     <p:spTree>
@@ -10619,7 +13430,7 @@
         <p:spPr>
           <a:xfrm>
             <a:off x="186639" y="1128083"/>
-            <a:ext cx="7947025" cy="2719070"/>
+            <a:ext cx="7947025" cy="1115049"/>
           </a:xfrm>
           <a:prstGeom prst="rect">
             <a:avLst/>
@@ -10672,7 +13483,7 @@
               </a:rPr>
               <a:t>Improvements</a:t>
             </a:r>
-            <a:endParaRPr sz="2000">
+            <a:endParaRPr sz="2000" dirty="0">
               <a:latin typeface="Calibri"/>
               <a:cs typeface="Calibri"/>
             </a:endParaRPr>
@@ -10693,131 +13504,12 @@
               </a:tabLst>
             </a:pPr>
             <a:r>
-              <a:rPr sz="1800" spc="-10" dirty="0">
+              <a:rPr lang="en-US" sz="1800" spc="-10" dirty="0">
                 <a:latin typeface="Calibri"/>
                 <a:cs typeface="Calibri"/>
               </a:rPr>
-              <a:t>&lt;List </a:t>
+              <a:t>Create a search bar that works and can be used to search items in the website</a:t>
             </a:r>
-            <a:r>
-              <a:rPr sz="1800" spc="-5" dirty="0">
-                <a:latin typeface="Calibri"/>
-                <a:cs typeface="Calibri"/>
-              </a:rPr>
-              <a:t>areas of </a:t>
-            </a:r>
-            <a:r>
-              <a:rPr sz="1800" spc="-10" dirty="0">
-                <a:latin typeface="Calibri"/>
-                <a:cs typeface="Calibri"/>
-              </a:rPr>
-              <a:t>improvement which you </a:t>
-            </a:r>
-            <a:r>
-              <a:rPr sz="1800" spc="-15" dirty="0">
-                <a:latin typeface="Calibri"/>
-                <a:cs typeface="Calibri"/>
-              </a:rPr>
-              <a:t>have </a:t>
-            </a:r>
-            <a:r>
-              <a:rPr sz="1800" spc="-10" dirty="0">
-                <a:latin typeface="Calibri"/>
-                <a:cs typeface="Calibri"/>
-              </a:rPr>
-              <a:t>identified after completion </a:t>
-            </a:r>
-            <a:r>
-              <a:rPr sz="1800" spc="-5" dirty="0">
-                <a:latin typeface="Calibri"/>
-                <a:cs typeface="Calibri"/>
-              </a:rPr>
-              <a:t>of</a:t>
-            </a:r>
-            <a:r>
-              <a:rPr sz="1800" spc="254" dirty="0">
-                <a:latin typeface="Calibri"/>
-                <a:cs typeface="Calibri"/>
-              </a:rPr>
-              <a:t> </a:t>
-            </a:r>
-            <a:r>
-              <a:rPr sz="1800" dirty="0">
-                <a:latin typeface="Calibri"/>
-                <a:cs typeface="Calibri"/>
-              </a:rPr>
-              <a:t>the</a:t>
-            </a:r>
-            <a:endParaRPr sz="1800">
-              <a:latin typeface="Calibri"/>
-              <a:cs typeface="Calibri"/>
-            </a:endParaRPr>
-          </a:p>
-          <a:p>
-            <a:pPr marL="756285">
-              <a:lnSpc>
-                <a:spcPct val="100000"/>
-              </a:lnSpc>
-            </a:pPr>
-            <a:r>
-              <a:rPr sz="1800" spc="-10" dirty="0">
-                <a:latin typeface="Calibri"/>
-                <a:cs typeface="Calibri"/>
-              </a:rPr>
-              <a:t>project&gt;</a:t>
-            </a:r>
-            <a:endParaRPr sz="1800">
-              <a:latin typeface="Calibri"/>
-              <a:cs typeface="Calibri"/>
-            </a:endParaRPr>
-          </a:p>
-          <a:p>
-            <a:pPr marL="756285" lvl="1" indent="-286385">
-              <a:lnSpc>
-                <a:spcPct val="100000"/>
-              </a:lnSpc>
-              <a:buFont typeface="Wingdings"/>
-              <a:buChar char=""/>
-              <a:tabLst>
-                <a:tab pos="756285" algn="l"/>
-                <a:tab pos="756920" algn="l"/>
-              </a:tabLst>
-            </a:pPr>
-            <a:r>
-              <a:rPr sz="1800" spc="5" dirty="0">
-                <a:latin typeface="Calibri"/>
-                <a:cs typeface="Calibri"/>
-              </a:rPr>
-              <a:t>……</a:t>
-            </a:r>
-            <a:endParaRPr sz="1800">
-              <a:latin typeface="Calibri"/>
-              <a:cs typeface="Calibri"/>
-            </a:endParaRPr>
-          </a:p>
-          <a:p>
-            <a:pPr marL="756285" lvl="1" indent="-286385">
-              <a:lnSpc>
-                <a:spcPct val="100000"/>
-              </a:lnSpc>
-              <a:buFont typeface="Wingdings"/>
-              <a:buChar char=""/>
-              <a:tabLst>
-                <a:tab pos="756285" algn="l"/>
-                <a:tab pos="756920" algn="l"/>
-              </a:tabLst>
-            </a:pPr>
-            <a:r>
-              <a:rPr sz="1800" spc="5" dirty="0">
-                <a:latin typeface="Calibri"/>
-                <a:cs typeface="Calibri"/>
-              </a:rPr>
-              <a:t>……</a:t>
-            </a:r>
-            <a:endParaRPr sz="1800">
-              <a:latin typeface="Calibri"/>
-              <a:cs typeface="Calibri"/>
-            </a:endParaRPr>
           </a:p>
           <a:p>
             <a:pPr marL="756285" lvl="1" indent="-286385">
@@ -10825,7 +13517,7 @@
                 <a:spcPct val="100000"/>
               </a:lnSpc>
               <a:spcBef>
-                <a:spcPts val="195"/>
+                <a:spcPts val="610"/>
               </a:spcBef>
               <a:buFont typeface="Wingdings"/>
               <a:buChar char=""/>
@@ -10835,88 +13527,13 @@
               </a:tabLst>
             </a:pPr>
             <a:r>
-              <a:rPr sz="1800" dirty="0">
+              <a:rPr lang="en-US" spc="-10" dirty="0">
                 <a:latin typeface="Calibri"/>
                 <a:cs typeface="Calibri"/>
               </a:rPr>
-              <a:t>……</a:t>
+              <a:t>Admin have dynamic database</a:t>
             </a:r>
-            <a:endParaRPr sz="1800">
-              <a:latin typeface="Calibri"/>
-              <a:cs typeface="Calibri"/>
-            </a:endParaRPr>
-          </a:p>
-          <a:p>
-            <a:pPr marL="756285" lvl="1" indent="-286385">
-              <a:lnSpc>
-                <a:spcPct val="100000"/>
-              </a:lnSpc>
-              <a:spcBef>
-                <a:spcPts val="50"/>
-              </a:spcBef>
-              <a:buFont typeface="Wingdings"/>
-              <a:buChar char=""/>
-              <a:tabLst>
-                <a:tab pos="756285" algn="l"/>
-                <a:tab pos="756920" algn="l"/>
-              </a:tabLst>
-            </a:pPr>
-            <a:r>
-              <a:rPr sz="1800" spc="5" dirty="0">
-                <a:latin typeface="Calibri"/>
-                <a:cs typeface="Calibri"/>
-              </a:rPr>
-              <a:t>……</a:t>
-            </a:r>
-            <a:endParaRPr sz="1800">
-              <a:latin typeface="Calibri"/>
-              <a:cs typeface="Calibri"/>
-            </a:endParaRPr>
-          </a:p>
-          <a:p>
-            <a:pPr marL="756285" lvl="1" indent="-286385">
-              <a:lnSpc>
-                <a:spcPct val="100000"/>
-              </a:lnSpc>
-              <a:buFont typeface="Wingdings"/>
-              <a:buChar char=""/>
-              <a:tabLst>
-                <a:tab pos="756285" algn="l"/>
-                <a:tab pos="756920" algn="l"/>
-              </a:tabLst>
-            </a:pPr>
-            <a:r>
-              <a:rPr sz="1800" spc="5" dirty="0">
-                <a:latin typeface="Calibri"/>
-                <a:cs typeface="Calibri"/>
-              </a:rPr>
-              <a:t>……</a:t>
-            </a:r>
-            <a:endParaRPr sz="1800">
-              <a:latin typeface="Calibri"/>
-              <a:cs typeface="Calibri"/>
-            </a:endParaRPr>
-          </a:p>
-          <a:p>
-            <a:pPr marL="756285" lvl="1" indent="-286385">
-              <a:lnSpc>
-                <a:spcPct val="100000"/>
-              </a:lnSpc>
-              <a:buFont typeface="Wingdings"/>
-              <a:buChar char=""/>
-              <a:tabLst>
-                <a:tab pos="756285" algn="l"/>
-                <a:tab pos="756920" algn="l"/>
-              </a:tabLst>
-            </a:pPr>
-            <a:r>
-              <a:rPr sz="1800" spc="5" dirty="0">
-                <a:latin typeface="Calibri"/>
-                <a:cs typeface="Calibri"/>
-              </a:rPr>
-              <a:t>……</a:t>
-            </a:r>
-            <a:endParaRPr sz="1800">
+            <a:endParaRPr sz="1800" dirty="0">
               <a:latin typeface="Calibri"/>
               <a:cs typeface="Calibri"/>
             </a:endParaRPr>
@@ -16746,12 +19363,12 @@
                     <a:p>
                       <a:pPr algn="r" fontAlgn="b"/>
                       <a:r>
-                        <a:rPr lang="en-SG" sz="1000" u="none" strike="noStrike">
+                        <a:rPr lang="en-SG" sz="1000" u="none" strike="noStrike" dirty="0">
                           <a:effectLst/>
                         </a:rPr>
                         <a:t>1</a:t>
                       </a:r>
-                      <a:endParaRPr lang="en-SG" sz="1000" b="0" i="0" u="none" strike="noStrike">
+                      <a:endParaRPr lang="en-SG" sz="1000" b="0" i="0" u="none" strike="noStrike" dirty="0">
                         <a:solidFill>
                           <a:srgbClr val="000000"/>
                         </a:solidFill>
@@ -17911,6 +20528,36 @@
           </a:p>
         </p:txBody>
       </p:sp>
+      <p:pic>
+        <p:nvPicPr>
+          <p:cNvPr id="9" name="Picture 8">
+            <a:extLst>
+              <a:ext uri="{FF2B5EF4-FFF2-40B4-BE49-F238E27FC236}">
+                <a16:creationId xmlns:a16="http://schemas.microsoft.com/office/drawing/2014/main" id="{9EE165AC-1C84-5D7F-737D-91A60977EA42}"/>
+              </a:ext>
+            </a:extLst>
+          </p:cNvPr>
+          <p:cNvPicPr>
+            <a:picLocks noChangeAspect="1"/>
+          </p:cNvPicPr>
+          <p:nvPr/>
+        </p:nvPicPr>
+        <p:blipFill>
+          <a:blip r:embed="rId4"/>
+          <a:stretch>
+            <a:fillRect/>
+          </a:stretch>
+        </p:blipFill>
+        <p:spPr>
+          <a:xfrm>
+            <a:off x="419100" y="1568702"/>
+            <a:ext cx="8305800" cy="4302413"/>
+          </a:xfrm>
+          <a:prstGeom prst="rect">
+            <a:avLst/>
+          </a:prstGeom>
+        </p:spPr>
+      </p:pic>
     </p:spTree>
   </p:cSld>
   <p:clrMapOvr>

--- a/AC_WD_M3_UI_Frameworks_ITSF_Project_Presentation_V3.pptx
+++ b/AC_WD_M3_UI_Frameworks_ITSF_Project_Presentation_V3.pptx
@@ -24,7 +24,8 @@
     <p:sldId id="272" r:id="rId18"/>
     <p:sldId id="273" r:id="rId19"/>
     <p:sldId id="274" r:id="rId20"/>
-    <p:sldId id="276" r:id="rId21"/>
+    <p:sldId id="277" r:id="rId21"/>
+    <p:sldId id="276" r:id="rId22"/>
   </p:sldIdLst>
   <p:sldSz cx="9144000" cy="6858000" type="screen4x3"/>
   <p:notesSz cx="9144000" cy="6858000"/>
@@ -281,7 +282,7 @@
           <a:p>
             <a:fld id="{1D8BD707-D9CF-40AE-B4C6-C98DA3205C09}" type="datetimeFigureOut">
               <a:rPr lang="en-US"/>
-              <a:t>1/18/2023</a:t>
+              <a:t>1/20/2023</a:t>
             </a:fld>
             <a:endParaRPr lang="en-US"/>
           </a:p>
@@ -456,7 +457,7 @@
           <a:p>
             <a:fld id="{1D8BD707-D9CF-40AE-B4C6-C98DA3205C09}" type="datetimeFigureOut">
               <a:rPr lang="en-US"/>
-              <a:t>1/18/2023</a:t>
+              <a:t>1/20/2023</a:t>
             </a:fld>
             <a:endParaRPr lang="en-US"/>
           </a:p>
@@ -670,7 +671,7 @@
           <a:p>
             <a:fld id="{1D8BD707-D9CF-40AE-B4C6-C98DA3205C09}" type="datetimeFigureOut">
               <a:rPr lang="en-US"/>
-              <a:t>1/18/2023</a:t>
+              <a:t>1/20/2023</a:t>
             </a:fld>
             <a:endParaRPr lang="en-US"/>
           </a:p>
@@ -818,7 +819,7 @@
           <a:p>
             <a:fld id="{1D8BD707-D9CF-40AE-B4C6-C98DA3205C09}" type="datetimeFigureOut">
               <a:rPr lang="en-US"/>
-              <a:t>1/18/2023</a:t>
+              <a:t>1/20/2023</a:t>
             </a:fld>
             <a:endParaRPr lang="en-US"/>
           </a:p>
@@ -937,7 +938,7 @@
           <a:p>
             <a:fld id="{1D8BD707-D9CF-40AE-B4C6-C98DA3205C09}" type="datetimeFigureOut">
               <a:rPr lang="en-US"/>
-              <a:t>1/18/2023</a:t>
+              <a:t>1/20/2023</a:t>
             </a:fld>
             <a:endParaRPr lang="en-US"/>
           </a:p>
@@ -1218,7 +1219,7 @@
           <a:p>
             <a:fld id="{1D8BD707-D9CF-40AE-B4C6-C98DA3205C09}" type="datetimeFigureOut">
               <a:rPr lang="en-US"/>
-              <a:t>1/18/2023</a:t>
+              <a:t>1/20/2023</a:t>
             </a:fld>
             <a:endParaRPr lang="en-US"/>
           </a:p>
@@ -4691,1519 +4692,1323 @@
       </p:sp>
       <p:graphicFrame>
         <p:nvGraphicFramePr>
-          <p:cNvPr id="3" name="Table 2">
+          <p:cNvPr id="4" name="Table 3">
             <a:extLst>
               <a:ext uri="{FF2B5EF4-FFF2-40B4-BE49-F238E27FC236}">
-                <a16:creationId xmlns:a16="http://schemas.microsoft.com/office/drawing/2014/main" id="{E5EF33D2-DCA9-29F4-3D7E-888689FB68F5}"/>
+                <a16:creationId xmlns:a16="http://schemas.microsoft.com/office/drawing/2014/main" id="{212CC313-D92B-A84A-8DF8-2D2EEBC64649}"/>
               </a:ext>
             </a:extLst>
           </p:cNvPr>
           <p:cNvGraphicFramePr>
             <a:graphicFrameLocks noGrp="1"/>
           </p:cNvGraphicFramePr>
-          <p:nvPr/>
+          <p:nvPr>
+            <p:extLst>
+              <p:ext uri="{D42A27DB-BD31-4B8C-83A1-F6EECF244321}">
+                <p14:modId xmlns:p14="http://schemas.microsoft.com/office/powerpoint/2010/main" val="2343721571"/>
+              </p:ext>
+            </p:extLst>
+          </p:nvPr>
         </p:nvGraphicFramePr>
         <p:xfrm>
-          <a:off x="187325" y="2468563"/>
-          <a:ext cx="8769349" cy="1919730"/>
+          <a:off x="1467612" y="5105400"/>
+          <a:ext cx="5824220" cy="1569720"/>
         </p:xfrm>
         <a:graphic>
           <a:graphicData uri="http://schemas.openxmlformats.org/drawingml/2006/table">
             <a:tbl>
-              <a:tblPr>
+              <a:tblPr firstRow="1" firstCol="1">
                 <a:tableStyleId>{5C22544A-7EE6-4342-B048-85BDC9FD1C3A}</a:tableStyleId>
               </a:tblPr>
               <a:tblGrid>
-                <a:gridCol w="578795">
+                <a:gridCol w="581025">
                   <a:extLst>
                     <a:ext uri="{9D8B030D-6E8A-4147-A177-3AD203B41FA5}">
-                      <a16:colId xmlns:a16="http://schemas.microsoft.com/office/drawing/2014/main" val="2879401929"/>
+                      <a16:colId xmlns:a16="http://schemas.microsoft.com/office/drawing/2014/main" val="1664208000"/>
                     </a:ext>
                   </a:extLst>
                 </a:gridCol>
-                <a:gridCol w="807901">
+                <a:gridCol w="966470">
                   <a:extLst>
                     <a:ext uri="{9D8B030D-6E8A-4147-A177-3AD203B41FA5}">
-                      <a16:colId xmlns:a16="http://schemas.microsoft.com/office/drawing/2014/main" val="3992208151"/>
+                      <a16:colId xmlns:a16="http://schemas.microsoft.com/office/drawing/2014/main" val="1225683916"/>
                     </a:ext>
                   </a:extLst>
                 </a:gridCol>
-                <a:gridCol w="578795">
+                <a:gridCol w="598805">
                   <a:extLst>
                     <a:ext uri="{9D8B030D-6E8A-4147-A177-3AD203B41FA5}">
-                      <a16:colId xmlns:a16="http://schemas.microsoft.com/office/drawing/2014/main" val="4260992084"/>
+                      <a16:colId xmlns:a16="http://schemas.microsoft.com/office/drawing/2014/main" val="1021083864"/>
                     </a:ext>
                   </a:extLst>
                 </a:gridCol>
-                <a:gridCol w="578795">
+                <a:gridCol w="652780">
                   <a:extLst>
                     <a:ext uri="{9D8B030D-6E8A-4147-A177-3AD203B41FA5}">
-                      <a16:colId xmlns:a16="http://schemas.microsoft.com/office/drawing/2014/main" val="2676654768"/>
+                      <a16:colId xmlns:a16="http://schemas.microsoft.com/office/drawing/2014/main" val="3057899788"/>
                     </a:ext>
                   </a:extLst>
                 </a:gridCol>
-                <a:gridCol w="578795">
+                <a:gridCol w="816610">
                   <a:extLst>
                     <a:ext uri="{9D8B030D-6E8A-4147-A177-3AD203B41FA5}">
-                      <a16:colId xmlns:a16="http://schemas.microsoft.com/office/drawing/2014/main" val="2312468615"/>
+                      <a16:colId xmlns:a16="http://schemas.microsoft.com/office/drawing/2014/main" val="3806176979"/>
                     </a:ext>
                   </a:extLst>
                 </a:gridCol>
-                <a:gridCol w="578795">
+                <a:gridCol w="2208530">
                   <a:extLst>
                     <a:ext uri="{9D8B030D-6E8A-4147-A177-3AD203B41FA5}">
-                      <a16:colId xmlns:a16="http://schemas.microsoft.com/office/drawing/2014/main" val="4058379867"/>
-                    </a:ext>
-                  </a:extLst>
-                </a:gridCol>
-                <a:gridCol w="578795">
-                  <a:extLst>
-                    <a:ext uri="{9D8B030D-6E8A-4147-A177-3AD203B41FA5}">
-                      <a16:colId xmlns:a16="http://schemas.microsoft.com/office/drawing/2014/main" val="3794616575"/>
-                    </a:ext>
-                  </a:extLst>
-                </a:gridCol>
-                <a:gridCol w="1965492">
-                  <a:extLst>
-                    <a:ext uri="{9D8B030D-6E8A-4147-A177-3AD203B41FA5}">
-                      <a16:colId xmlns:a16="http://schemas.microsoft.com/office/drawing/2014/main" val="1106248419"/>
-                    </a:ext>
-                  </a:extLst>
-                </a:gridCol>
-                <a:gridCol w="1944391">
-                  <a:extLst>
-                    <a:ext uri="{9D8B030D-6E8A-4147-A177-3AD203B41FA5}">
-                      <a16:colId xmlns:a16="http://schemas.microsoft.com/office/drawing/2014/main" val="3745445382"/>
-                    </a:ext>
-                  </a:extLst>
-                </a:gridCol>
-                <a:gridCol w="578795">
-                  <a:extLst>
-                    <a:ext uri="{9D8B030D-6E8A-4147-A177-3AD203B41FA5}">
-                      <a16:colId xmlns:a16="http://schemas.microsoft.com/office/drawing/2014/main" val="858385855"/>
+                      <a16:colId xmlns:a16="http://schemas.microsoft.com/office/drawing/2014/main" val="215643295"/>
                     </a:ext>
                   </a:extLst>
                 </a:gridCol>
               </a:tblGrid>
-              <a:tr h="327494">
-                <a:tc>
-                  <a:txBody>
-                    <a:bodyPr/>
-                    <a:lstStyle/>
-                    <a:p>
-                      <a:pPr algn="l" fontAlgn="b"/>
-                      <a:r>
-                        <a:rPr lang="en-SG" sz="1000" u="none" strike="noStrike">
-                          <a:effectLst/>
-                        </a:rPr>
-                        <a:t>Users</a:t>
-                      </a:r>
-                      <a:endParaRPr lang="en-SG" sz="1000" b="0" i="0" u="none" strike="noStrike">
-                        <a:solidFill>
-                          <a:srgbClr val="000000"/>
-                        </a:solidFill>
-                        <a:effectLst/>
-                        <a:latin typeface="Calibri" panose="020F0502020204030204" pitchFamily="34" charset="0"/>
-                      </a:endParaRPr>
-                    </a:p>
-                  </a:txBody>
-                  <a:tcPr marL="9047" marR="9047" marT="9047" marB="0" anchor="b"/>
-                </a:tc>
-                <a:tc>
-                  <a:txBody>
-                    <a:bodyPr/>
-                    <a:lstStyle/>
-                    <a:p>
-                      <a:pPr algn="l" fontAlgn="b"/>
-                      <a:r>
-                        <a:rPr lang="en-SG" sz="1000" u="none" strike="noStrike">
-                          <a:effectLst/>
-                        </a:rPr>
-                        <a:t>Question 1</a:t>
-                      </a:r>
-                      <a:endParaRPr lang="en-SG" sz="1000" b="0" i="0" u="none" strike="noStrike">
-                        <a:solidFill>
-                          <a:srgbClr val="000000"/>
-                        </a:solidFill>
-                        <a:effectLst/>
-                        <a:latin typeface="Calibri" panose="020F0502020204030204" pitchFamily="34" charset="0"/>
-                      </a:endParaRPr>
-                    </a:p>
-                  </a:txBody>
-                  <a:tcPr marL="9047" marR="9047" marT="9047" marB="0" anchor="b"/>
-                </a:tc>
-                <a:tc>
-                  <a:txBody>
-                    <a:bodyPr/>
-                    <a:lstStyle/>
-                    <a:p>
-                      <a:pPr algn="l" fontAlgn="b"/>
-                      <a:r>
-                        <a:rPr lang="en-SG" sz="1000" u="none" strike="noStrike">
-                          <a:effectLst/>
-                        </a:rPr>
-                        <a:t>Question 2</a:t>
-                      </a:r>
-                      <a:endParaRPr lang="en-SG" sz="1000" b="0" i="0" u="none" strike="noStrike">
-                        <a:solidFill>
-                          <a:srgbClr val="000000"/>
-                        </a:solidFill>
-                        <a:effectLst/>
-                        <a:latin typeface="Calibri" panose="020F0502020204030204" pitchFamily="34" charset="0"/>
-                      </a:endParaRPr>
-                    </a:p>
-                  </a:txBody>
-                  <a:tcPr marL="9047" marR="9047" marT="9047" marB="0" anchor="b"/>
-                </a:tc>
-                <a:tc>
-                  <a:txBody>
-                    <a:bodyPr/>
-                    <a:lstStyle/>
-                    <a:p>
-                      <a:pPr algn="l" fontAlgn="b"/>
-                      <a:r>
-                        <a:rPr lang="en-SG" sz="1000" u="none" strike="noStrike">
-                          <a:effectLst/>
-                        </a:rPr>
-                        <a:t>Question 3</a:t>
-                      </a:r>
-                      <a:endParaRPr lang="en-SG" sz="1000" b="0" i="0" u="none" strike="noStrike">
-                        <a:solidFill>
-                          <a:srgbClr val="000000"/>
-                        </a:solidFill>
-                        <a:effectLst/>
-                        <a:latin typeface="Calibri" panose="020F0502020204030204" pitchFamily="34" charset="0"/>
-                      </a:endParaRPr>
-                    </a:p>
-                  </a:txBody>
-                  <a:tcPr marL="9047" marR="9047" marT="9047" marB="0" anchor="b"/>
-                </a:tc>
-                <a:tc>
-                  <a:txBody>
-                    <a:bodyPr/>
-                    <a:lstStyle/>
-                    <a:p>
-                      <a:pPr algn="l" fontAlgn="b"/>
-                      <a:r>
-                        <a:rPr lang="en-SG" sz="1000" u="none" strike="noStrike">
-                          <a:effectLst/>
-                        </a:rPr>
-                        <a:t>Question 4</a:t>
-                      </a:r>
-                      <a:endParaRPr lang="en-SG" sz="1000" b="0" i="0" u="none" strike="noStrike">
-                        <a:solidFill>
-                          <a:srgbClr val="000000"/>
-                        </a:solidFill>
-                        <a:effectLst/>
-                        <a:latin typeface="Calibri" panose="020F0502020204030204" pitchFamily="34" charset="0"/>
-                      </a:endParaRPr>
-                    </a:p>
-                  </a:txBody>
-                  <a:tcPr marL="9047" marR="9047" marT="9047" marB="0" anchor="b"/>
-                </a:tc>
-                <a:tc>
-                  <a:txBody>
-                    <a:bodyPr/>
-                    <a:lstStyle/>
-                    <a:p>
-                      <a:pPr algn="l" fontAlgn="b"/>
-                      <a:r>
-                        <a:rPr lang="en-SG" sz="1000" u="none" strike="noStrike">
-                          <a:effectLst/>
-                        </a:rPr>
-                        <a:t>Question 5</a:t>
-                      </a:r>
-                      <a:endParaRPr lang="en-SG" sz="1000" b="0" i="0" u="none" strike="noStrike">
-                        <a:solidFill>
-                          <a:srgbClr val="000000"/>
-                        </a:solidFill>
-                        <a:effectLst/>
-                        <a:latin typeface="Calibri" panose="020F0502020204030204" pitchFamily="34" charset="0"/>
-                      </a:endParaRPr>
-                    </a:p>
-                  </a:txBody>
-                  <a:tcPr marL="9047" marR="9047" marT="9047" marB="0" anchor="b"/>
-                </a:tc>
-                <a:tc>
-                  <a:txBody>
-                    <a:bodyPr/>
-                    <a:lstStyle/>
-                    <a:p>
-                      <a:pPr algn="l" fontAlgn="b"/>
-                      <a:r>
-                        <a:rPr lang="en-SG" sz="1000" u="none" strike="noStrike">
-                          <a:effectLst/>
-                        </a:rPr>
-                        <a:t>Question 6</a:t>
-                      </a:r>
-                      <a:endParaRPr lang="en-SG" sz="1000" b="0" i="0" u="none" strike="noStrike">
-                        <a:solidFill>
-                          <a:srgbClr val="000000"/>
-                        </a:solidFill>
-                        <a:effectLst/>
-                        <a:latin typeface="Calibri" panose="020F0502020204030204" pitchFamily="34" charset="0"/>
-                      </a:endParaRPr>
-                    </a:p>
-                  </a:txBody>
-                  <a:tcPr marL="9047" marR="9047" marT="9047" marB="0" anchor="b"/>
-                </a:tc>
-                <a:tc>
-                  <a:txBody>
-                    <a:bodyPr/>
-                    <a:lstStyle/>
-                    <a:p>
-                      <a:pPr algn="l" fontAlgn="b"/>
-                      <a:r>
-                        <a:rPr lang="en-SG" sz="1000" u="none" strike="noStrike">
-                          <a:effectLst/>
-                        </a:rPr>
-                        <a:t>Question 7</a:t>
-                      </a:r>
-                      <a:endParaRPr lang="en-SG" sz="1000" b="0" i="0" u="none" strike="noStrike">
-                        <a:solidFill>
-                          <a:srgbClr val="000000"/>
-                        </a:solidFill>
-                        <a:effectLst/>
-                        <a:latin typeface="Calibri" panose="020F0502020204030204" pitchFamily="34" charset="0"/>
-                      </a:endParaRPr>
-                    </a:p>
-                  </a:txBody>
-                  <a:tcPr marL="9047" marR="9047" marT="9047" marB="0" anchor="b"/>
-                </a:tc>
-                <a:tc>
-                  <a:txBody>
-                    <a:bodyPr/>
-                    <a:lstStyle/>
-                    <a:p>
-                      <a:pPr algn="l" fontAlgn="b"/>
-                      <a:r>
-                        <a:rPr lang="en-SG" sz="1000" u="none" strike="noStrike">
-                          <a:effectLst/>
-                        </a:rPr>
-                        <a:t>Question 8</a:t>
-                      </a:r>
-                      <a:endParaRPr lang="en-SG" sz="1000" b="0" i="0" u="none" strike="noStrike">
-                        <a:solidFill>
-                          <a:srgbClr val="000000"/>
-                        </a:solidFill>
-                        <a:effectLst/>
-                        <a:latin typeface="Calibri" panose="020F0502020204030204" pitchFamily="34" charset="0"/>
-                      </a:endParaRPr>
-                    </a:p>
-                  </a:txBody>
-                  <a:tcPr marL="9047" marR="9047" marT="9047" marB="0" anchor="b"/>
-                </a:tc>
-                <a:tc>
-                  <a:txBody>
-                    <a:bodyPr/>
-                    <a:lstStyle/>
-                    <a:p>
-                      <a:pPr algn="l" fontAlgn="b"/>
-                      <a:r>
-                        <a:rPr lang="en-SG" sz="1000" u="none" strike="noStrike">
-                          <a:effectLst/>
-                        </a:rPr>
-                        <a:t>Question 9</a:t>
-                      </a:r>
-                      <a:endParaRPr lang="en-SG" sz="1000" b="0" i="0" u="none" strike="noStrike">
-                        <a:solidFill>
-                          <a:srgbClr val="000000"/>
-                        </a:solidFill>
-                        <a:effectLst/>
-                        <a:latin typeface="Calibri" panose="020F0502020204030204" pitchFamily="34" charset="0"/>
-                      </a:endParaRPr>
-                    </a:p>
-                  </a:txBody>
-                  <a:tcPr marL="9047" marR="9047" marT="9047" marB="0" anchor="b"/>
+              <a:tr h="155575">
+                <a:tc>
+                  <a:txBody>
+                    <a:bodyPr/>
+                    <a:lstStyle/>
+                    <a:p>
+                      <a:pPr marL="0" marR="0">
+                        <a:spcBef>
+                          <a:spcPts val="0"/>
+                        </a:spcBef>
+                        <a:spcAft>
+                          <a:spcPts val="0"/>
+                        </a:spcAft>
+                      </a:pPr>
+                      <a:r>
+                        <a:rPr lang="en-SG" sz="1100">
+                          <a:effectLst/>
+                        </a:rPr>
+                        <a:t>S/N </a:t>
+                      </a:r>
+                      <a:endParaRPr lang="en-SG" sz="1100">
+                        <a:effectLst/>
+                        <a:latin typeface="Cambria" panose="02040503050406030204" pitchFamily="18" charset="0"/>
+                        <a:ea typeface="Cambria" panose="02040503050406030204" pitchFamily="18" charset="0"/>
+                        <a:cs typeface="Cambria" panose="02040503050406030204" pitchFamily="18" charset="0"/>
+                      </a:endParaRPr>
+                    </a:p>
+                  </a:txBody>
+                  <a:tcPr marL="68580" marR="68580" marT="0" marB="0"/>
+                </a:tc>
+                <a:tc>
+                  <a:txBody>
+                    <a:bodyPr/>
+                    <a:lstStyle/>
+                    <a:p>
+                      <a:pPr marL="0" marR="0">
+                        <a:spcBef>
+                          <a:spcPts val="0"/>
+                        </a:spcBef>
+                        <a:spcAft>
+                          <a:spcPts val="0"/>
+                        </a:spcAft>
+                      </a:pPr>
+                      <a:r>
+                        <a:rPr lang="en-SG" sz="1100">
+                          <a:effectLst/>
+                        </a:rPr>
+                        <a:t>Participants</a:t>
+                      </a:r>
+                      <a:endParaRPr lang="en-SG" sz="1100">
+                        <a:effectLst/>
+                        <a:latin typeface="Cambria" panose="02040503050406030204" pitchFamily="18" charset="0"/>
+                        <a:ea typeface="Cambria" panose="02040503050406030204" pitchFamily="18" charset="0"/>
+                        <a:cs typeface="Cambria" panose="02040503050406030204" pitchFamily="18" charset="0"/>
+                      </a:endParaRPr>
+                    </a:p>
+                  </a:txBody>
+                  <a:tcPr marL="68580" marR="68580" marT="0" marB="0"/>
+                </a:tc>
+                <a:tc>
+                  <a:txBody>
+                    <a:bodyPr/>
+                    <a:lstStyle/>
+                    <a:p>
+                      <a:pPr marL="0" marR="0">
+                        <a:spcBef>
+                          <a:spcPts val="0"/>
+                        </a:spcBef>
+                        <a:spcAft>
+                          <a:spcPts val="0"/>
+                        </a:spcAft>
+                      </a:pPr>
+                      <a:r>
+                        <a:rPr lang="en-SG" sz="1100">
+                          <a:effectLst/>
+                        </a:rPr>
+                        <a:t>TOT</a:t>
+                      </a:r>
+                      <a:endParaRPr lang="en-SG" sz="1100">
+                        <a:effectLst/>
+                        <a:latin typeface="Cambria" panose="02040503050406030204" pitchFamily="18" charset="0"/>
+                        <a:ea typeface="Cambria" panose="02040503050406030204" pitchFamily="18" charset="0"/>
+                        <a:cs typeface="Cambria" panose="02040503050406030204" pitchFamily="18" charset="0"/>
+                      </a:endParaRPr>
+                    </a:p>
+                  </a:txBody>
+                  <a:tcPr marL="68580" marR="68580" marT="0" marB="0"/>
+                </a:tc>
+                <a:tc>
+                  <a:txBody>
+                    <a:bodyPr/>
+                    <a:lstStyle/>
+                    <a:p>
+                      <a:pPr marL="0" marR="0">
+                        <a:spcBef>
+                          <a:spcPts val="0"/>
+                        </a:spcBef>
+                        <a:spcAft>
+                          <a:spcPts val="0"/>
+                        </a:spcAft>
+                      </a:pPr>
+                      <a:r>
+                        <a:rPr lang="en-SG" sz="1100">
+                          <a:effectLst/>
+                        </a:rPr>
+                        <a:t>UER</a:t>
+                      </a:r>
+                      <a:endParaRPr lang="en-SG" sz="1100">
+                        <a:effectLst/>
+                        <a:latin typeface="Cambria" panose="02040503050406030204" pitchFamily="18" charset="0"/>
+                        <a:ea typeface="Cambria" panose="02040503050406030204" pitchFamily="18" charset="0"/>
+                        <a:cs typeface="Cambria" panose="02040503050406030204" pitchFamily="18" charset="0"/>
+                      </a:endParaRPr>
+                    </a:p>
+                  </a:txBody>
+                  <a:tcPr marL="68580" marR="68580" marT="0" marB="0"/>
+                </a:tc>
+                <a:tc>
+                  <a:txBody>
+                    <a:bodyPr/>
+                    <a:lstStyle/>
+                    <a:p>
+                      <a:pPr marL="0" marR="0">
+                        <a:spcBef>
+                          <a:spcPts val="0"/>
+                        </a:spcBef>
+                        <a:spcAft>
+                          <a:spcPts val="0"/>
+                        </a:spcAft>
+                      </a:pPr>
+                      <a:r>
+                        <a:rPr lang="en-SG" sz="1100">
+                          <a:effectLst/>
+                        </a:rPr>
+                        <a:t>TSR</a:t>
+                      </a:r>
+                      <a:endParaRPr lang="en-SG" sz="1100">
+                        <a:effectLst/>
+                        <a:latin typeface="Cambria" panose="02040503050406030204" pitchFamily="18" charset="0"/>
+                        <a:ea typeface="Cambria" panose="02040503050406030204" pitchFamily="18" charset="0"/>
+                        <a:cs typeface="Cambria" panose="02040503050406030204" pitchFamily="18" charset="0"/>
+                      </a:endParaRPr>
+                    </a:p>
+                  </a:txBody>
+                  <a:tcPr marL="68580" marR="68580" marT="0" marB="0"/>
+                </a:tc>
+                <a:tc>
+                  <a:txBody>
+                    <a:bodyPr/>
+                    <a:lstStyle/>
+                    <a:p>
+                      <a:pPr marL="0" marR="0">
+                        <a:spcBef>
+                          <a:spcPts val="0"/>
+                        </a:spcBef>
+                        <a:spcAft>
+                          <a:spcPts val="0"/>
+                        </a:spcAft>
+                      </a:pPr>
+                      <a:r>
+                        <a:rPr lang="en-SG" sz="1100">
+                          <a:effectLst/>
+                        </a:rPr>
+                        <a:t>Feedback</a:t>
+                      </a:r>
+                      <a:endParaRPr lang="en-SG" sz="1100">
+                        <a:effectLst/>
+                        <a:latin typeface="Cambria" panose="02040503050406030204" pitchFamily="18" charset="0"/>
+                        <a:ea typeface="Cambria" panose="02040503050406030204" pitchFamily="18" charset="0"/>
+                        <a:cs typeface="Cambria" panose="02040503050406030204" pitchFamily="18" charset="0"/>
+                      </a:endParaRPr>
+                    </a:p>
+                  </a:txBody>
+                  <a:tcPr marL="68580" marR="68580" marT="0" marB="0"/>
                 </a:tc>
                 <a:extLst>
                   <a:ext uri="{0D108BD9-81ED-4DB2-BD59-A6C34878D82A}">
-                    <a16:rowId xmlns:a16="http://schemas.microsoft.com/office/drawing/2014/main" val="2640740267"/>
+                    <a16:rowId xmlns:a16="http://schemas.microsoft.com/office/drawing/2014/main" val="151017592"/>
                   </a:ext>
                 </a:extLst>
               </a:tr>
-              <a:tr h="325684">
-                <a:tc>
-                  <a:txBody>
-                    <a:bodyPr/>
-                    <a:lstStyle/>
-                    <a:p>
-                      <a:pPr algn="l" fontAlgn="b"/>
-                      <a:r>
-                        <a:rPr lang="en-SG" sz="1000" u="none" strike="noStrike">
-                          <a:effectLst/>
-                        </a:rPr>
-                        <a:t>Wei Ting</a:t>
-                      </a:r>
-                      <a:endParaRPr lang="en-SG" sz="1000" b="0" i="0" u="none" strike="noStrike">
-                        <a:solidFill>
-                          <a:srgbClr val="000000"/>
-                        </a:solidFill>
-                        <a:effectLst/>
-                        <a:latin typeface="Calibri" panose="020F0502020204030204" pitchFamily="34" charset="0"/>
-                      </a:endParaRPr>
-                    </a:p>
-                  </a:txBody>
-                  <a:tcPr marL="9047" marR="9047" marT="9047" marB="0" anchor="b"/>
-                </a:tc>
-                <a:tc>
-                  <a:txBody>
-                    <a:bodyPr/>
-                    <a:lstStyle/>
-                    <a:p>
-                      <a:pPr algn="l" fontAlgn="b"/>
-                      <a:r>
-                        <a:rPr lang="en-SG" sz="1000" u="none" strike="noStrike">
-                          <a:effectLst/>
-                        </a:rPr>
-                        <a:t>Architect</a:t>
-                      </a:r>
-                      <a:endParaRPr lang="en-SG" sz="1000" b="0" i="0" u="none" strike="noStrike">
-                        <a:solidFill>
-                          <a:srgbClr val="000000"/>
-                        </a:solidFill>
-                        <a:effectLst/>
-                        <a:latin typeface="Calibri" panose="020F0502020204030204" pitchFamily="34" charset="0"/>
-                      </a:endParaRPr>
-                    </a:p>
-                  </a:txBody>
-                  <a:tcPr marL="9047" marR="9047" marT="9047" marB="0" anchor="b"/>
-                </a:tc>
-                <a:tc>
-                  <a:txBody>
-                    <a:bodyPr/>
-                    <a:lstStyle/>
-                    <a:p>
-                      <a:pPr algn="r" fontAlgn="b"/>
-                      <a:r>
-                        <a:rPr lang="en-SG" sz="1000" u="none" strike="noStrike">
-                          <a:effectLst/>
-                        </a:rPr>
-                        <a:t>5</a:t>
-                      </a:r>
-                      <a:endParaRPr lang="en-SG" sz="1000" b="0" i="0" u="none" strike="noStrike">
-                        <a:solidFill>
-                          <a:srgbClr val="000000"/>
-                        </a:solidFill>
-                        <a:effectLst/>
-                        <a:latin typeface="Calibri" panose="020F0502020204030204" pitchFamily="34" charset="0"/>
-                      </a:endParaRPr>
-                    </a:p>
-                  </a:txBody>
-                  <a:tcPr marL="9047" marR="9047" marT="9047" marB="0" anchor="b"/>
-                </a:tc>
-                <a:tc>
-                  <a:txBody>
-                    <a:bodyPr/>
-                    <a:lstStyle/>
-                    <a:p>
-                      <a:pPr algn="r" fontAlgn="b"/>
-                      <a:r>
-                        <a:rPr lang="en-SG" sz="1000" u="none" strike="noStrike">
-                          <a:effectLst/>
-                        </a:rPr>
-                        <a:t>3</a:t>
-                      </a:r>
-                      <a:endParaRPr lang="en-SG" sz="1000" b="0" i="0" u="none" strike="noStrike">
-                        <a:solidFill>
-                          <a:srgbClr val="000000"/>
-                        </a:solidFill>
-                        <a:effectLst/>
-                        <a:latin typeface="Calibri" panose="020F0502020204030204" pitchFamily="34" charset="0"/>
-                      </a:endParaRPr>
-                    </a:p>
-                  </a:txBody>
-                  <a:tcPr marL="9047" marR="9047" marT="9047" marB="0" anchor="b"/>
-                </a:tc>
-                <a:tc>
-                  <a:txBody>
-                    <a:bodyPr/>
-                    <a:lstStyle/>
-                    <a:p>
-                      <a:pPr algn="r" fontAlgn="b"/>
-                      <a:r>
-                        <a:rPr lang="en-SG" sz="1000" u="none" strike="noStrike">
-                          <a:effectLst/>
-                        </a:rPr>
-                        <a:t>2</a:t>
-                      </a:r>
-                      <a:endParaRPr lang="en-SG" sz="1000" b="0" i="0" u="none" strike="noStrike">
-                        <a:solidFill>
-                          <a:srgbClr val="000000"/>
-                        </a:solidFill>
-                        <a:effectLst/>
-                        <a:latin typeface="Calibri" panose="020F0502020204030204" pitchFamily="34" charset="0"/>
-                      </a:endParaRPr>
-                    </a:p>
-                  </a:txBody>
-                  <a:tcPr marL="9047" marR="9047" marT="9047" marB="0" anchor="b"/>
-                </a:tc>
-                <a:tc>
-                  <a:txBody>
-                    <a:bodyPr/>
-                    <a:lstStyle/>
-                    <a:p>
-                      <a:pPr algn="r" fontAlgn="b"/>
-                      <a:r>
-                        <a:rPr lang="en-SG" sz="1000" u="none" strike="noStrike">
-                          <a:effectLst/>
-                        </a:rPr>
-                        <a:t>2:24</a:t>
-                      </a:r>
-                      <a:endParaRPr lang="en-SG" sz="1000" b="0" i="0" u="none" strike="noStrike">
-                        <a:solidFill>
-                          <a:srgbClr val="000000"/>
-                        </a:solidFill>
-                        <a:effectLst/>
-                        <a:latin typeface="Calibri" panose="020F0502020204030204" pitchFamily="34" charset="0"/>
-                      </a:endParaRPr>
-                    </a:p>
-                  </a:txBody>
-                  <a:tcPr marL="9047" marR="9047" marT="9047" marB="0" anchor="b"/>
-                </a:tc>
-                <a:tc>
-                  <a:txBody>
-                    <a:bodyPr/>
-                    <a:lstStyle/>
-                    <a:p>
-                      <a:pPr algn="r" fontAlgn="b"/>
-                      <a:r>
-                        <a:rPr lang="en-SG" sz="1000" u="none" strike="noStrike">
-                          <a:effectLst/>
-                        </a:rPr>
-                        <a:t>3</a:t>
-                      </a:r>
-                      <a:endParaRPr lang="en-SG" sz="1000" b="0" i="0" u="none" strike="noStrike">
-                        <a:solidFill>
-                          <a:srgbClr val="000000"/>
-                        </a:solidFill>
-                        <a:effectLst/>
-                        <a:latin typeface="Calibri" panose="020F0502020204030204" pitchFamily="34" charset="0"/>
-                      </a:endParaRPr>
-                    </a:p>
-                  </a:txBody>
-                  <a:tcPr marL="9047" marR="9047" marT="9047" marB="0" anchor="b"/>
-                </a:tc>
-                <a:tc>
-                  <a:txBody>
-                    <a:bodyPr/>
-                    <a:lstStyle/>
-                    <a:p>
-                      <a:pPr algn="l" fontAlgn="b"/>
-                      <a:r>
-                        <a:rPr lang="en-US" sz="1000" u="none" strike="noStrike">
-                          <a:effectLst/>
-                        </a:rPr>
-                        <a:t>The flower collection is pretty nice</a:t>
-                      </a:r>
-                      <a:endParaRPr lang="en-US" sz="1000" b="0" i="0" u="none" strike="noStrike">
-                        <a:solidFill>
-                          <a:srgbClr val="000000"/>
-                        </a:solidFill>
-                        <a:effectLst/>
-                        <a:latin typeface="Calibri" panose="020F0502020204030204" pitchFamily="34" charset="0"/>
-                      </a:endParaRPr>
-                    </a:p>
-                  </a:txBody>
-                  <a:tcPr marL="9047" marR="9047" marT="9047" marB="0" anchor="b"/>
-                </a:tc>
-                <a:tc>
-                  <a:txBody>
-                    <a:bodyPr/>
-                    <a:lstStyle/>
-                    <a:p>
-                      <a:pPr algn="l" fontAlgn="b"/>
-                      <a:r>
-                        <a:rPr lang="en-US" sz="1000" u="none" strike="noStrike">
-                          <a:effectLst/>
-                        </a:rPr>
-                        <a:t>Finding the profile page took time</a:t>
-                      </a:r>
-                      <a:endParaRPr lang="en-US" sz="1000" b="0" i="0" u="none" strike="noStrike">
-                        <a:solidFill>
-                          <a:srgbClr val="000000"/>
-                        </a:solidFill>
-                        <a:effectLst/>
-                        <a:latin typeface="Calibri" panose="020F0502020204030204" pitchFamily="34" charset="0"/>
-                      </a:endParaRPr>
-                    </a:p>
-                  </a:txBody>
-                  <a:tcPr marL="9047" marR="9047" marT="9047" marB="0" anchor="b"/>
-                </a:tc>
-                <a:tc>
-                  <a:txBody>
-                    <a:bodyPr/>
-                    <a:lstStyle/>
-                    <a:p>
-                      <a:pPr algn="r" fontAlgn="b"/>
-                      <a:r>
-                        <a:rPr lang="en-SG" sz="1000" u="none" strike="noStrike">
-                          <a:effectLst/>
-                        </a:rPr>
-                        <a:t>3</a:t>
-                      </a:r>
-                      <a:endParaRPr lang="en-SG" sz="1000" b="0" i="0" u="none" strike="noStrike">
-                        <a:solidFill>
-                          <a:srgbClr val="000000"/>
-                        </a:solidFill>
-                        <a:effectLst/>
-                        <a:latin typeface="Calibri" panose="020F0502020204030204" pitchFamily="34" charset="0"/>
-                      </a:endParaRPr>
-                    </a:p>
-                  </a:txBody>
-                  <a:tcPr marL="9047" marR="9047" marT="9047" marB="0" anchor="b"/>
+              <a:tr h="155575">
+                <a:tc>
+                  <a:txBody>
+                    <a:bodyPr/>
+                    <a:lstStyle/>
+                    <a:p>
+                      <a:pPr marL="0" marR="0">
+                        <a:spcBef>
+                          <a:spcPts val="0"/>
+                        </a:spcBef>
+                        <a:spcAft>
+                          <a:spcPts val="0"/>
+                        </a:spcAft>
+                      </a:pPr>
+                      <a:r>
+                        <a:rPr lang="en-SG" sz="1100">
+                          <a:effectLst/>
+                        </a:rPr>
+                        <a:t>1</a:t>
+                      </a:r>
+                      <a:endParaRPr lang="en-SG" sz="1100">
+                        <a:effectLst/>
+                        <a:latin typeface="Cambria" panose="02040503050406030204" pitchFamily="18" charset="0"/>
+                        <a:ea typeface="Cambria" panose="02040503050406030204" pitchFamily="18" charset="0"/>
+                        <a:cs typeface="Cambria" panose="02040503050406030204" pitchFamily="18" charset="0"/>
+                      </a:endParaRPr>
+                    </a:p>
+                  </a:txBody>
+                  <a:tcPr marL="68580" marR="68580" marT="0" marB="0"/>
+                </a:tc>
+                <a:tc>
+                  <a:txBody>
+                    <a:bodyPr/>
+                    <a:lstStyle/>
+                    <a:p>
+                      <a:pPr marL="0" marR="0">
+                        <a:spcBef>
+                          <a:spcPts val="0"/>
+                        </a:spcBef>
+                        <a:spcAft>
+                          <a:spcPts val="0"/>
+                        </a:spcAft>
+                      </a:pPr>
+                      <a:r>
+                        <a:rPr lang="en-SG" sz="1100">
+                          <a:effectLst/>
+                        </a:rPr>
+                        <a:t>Peter </a:t>
+                      </a:r>
+                      <a:endParaRPr lang="en-SG" sz="1100">
+                        <a:effectLst/>
+                        <a:latin typeface="Cambria" panose="02040503050406030204" pitchFamily="18" charset="0"/>
+                        <a:ea typeface="Cambria" panose="02040503050406030204" pitchFamily="18" charset="0"/>
+                        <a:cs typeface="Cambria" panose="02040503050406030204" pitchFamily="18" charset="0"/>
+                      </a:endParaRPr>
+                    </a:p>
+                  </a:txBody>
+                  <a:tcPr marL="68580" marR="68580" marT="0" marB="0"/>
+                </a:tc>
+                <a:tc>
+                  <a:txBody>
+                    <a:bodyPr/>
+                    <a:lstStyle/>
+                    <a:p>
+                      <a:pPr marL="0" marR="0">
+                        <a:spcBef>
+                          <a:spcPts val="0"/>
+                        </a:spcBef>
+                        <a:spcAft>
+                          <a:spcPts val="0"/>
+                        </a:spcAft>
+                      </a:pPr>
+                      <a:r>
+                        <a:rPr lang="en-SG" sz="1100">
+                          <a:effectLst/>
+                        </a:rPr>
+                        <a:t>35s</a:t>
+                      </a:r>
+                      <a:endParaRPr lang="en-SG" sz="1100">
+                        <a:effectLst/>
+                        <a:latin typeface="Cambria" panose="02040503050406030204" pitchFamily="18" charset="0"/>
+                        <a:ea typeface="Cambria" panose="02040503050406030204" pitchFamily="18" charset="0"/>
+                        <a:cs typeface="Cambria" panose="02040503050406030204" pitchFamily="18" charset="0"/>
+                      </a:endParaRPr>
+                    </a:p>
+                  </a:txBody>
+                  <a:tcPr marL="68580" marR="68580" marT="0" marB="0"/>
+                </a:tc>
+                <a:tc>
+                  <a:txBody>
+                    <a:bodyPr/>
+                    <a:lstStyle/>
+                    <a:p>
+                      <a:pPr marL="0" marR="0">
+                        <a:spcBef>
+                          <a:spcPts val="0"/>
+                        </a:spcBef>
+                        <a:spcAft>
+                          <a:spcPts val="0"/>
+                        </a:spcAft>
+                      </a:pPr>
+                      <a:r>
+                        <a:rPr lang="en-SG" sz="1100">
+                          <a:effectLst/>
+                        </a:rPr>
+                        <a:t>0</a:t>
+                      </a:r>
+                      <a:endParaRPr lang="en-SG" sz="1100">
+                        <a:effectLst/>
+                        <a:latin typeface="Cambria" panose="02040503050406030204" pitchFamily="18" charset="0"/>
+                        <a:ea typeface="Cambria" panose="02040503050406030204" pitchFamily="18" charset="0"/>
+                        <a:cs typeface="Cambria" panose="02040503050406030204" pitchFamily="18" charset="0"/>
+                      </a:endParaRPr>
+                    </a:p>
+                  </a:txBody>
+                  <a:tcPr marL="68580" marR="68580" marT="0" marB="0"/>
+                </a:tc>
+                <a:tc>
+                  <a:txBody>
+                    <a:bodyPr/>
+                    <a:lstStyle/>
+                    <a:p>
+                      <a:pPr marL="0" marR="0">
+                        <a:spcBef>
+                          <a:spcPts val="0"/>
+                        </a:spcBef>
+                        <a:spcAft>
+                          <a:spcPts val="0"/>
+                        </a:spcAft>
+                      </a:pPr>
+                      <a:r>
+                        <a:rPr lang="en-SG" sz="1100">
+                          <a:effectLst/>
+                        </a:rPr>
+                        <a:t>Success</a:t>
+                      </a:r>
+                      <a:endParaRPr lang="en-SG" sz="1100">
+                        <a:effectLst/>
+                        <a:latin typeface="Cambria" panose="02040503050406030204" pitchFamily="18" charset="0"/>
+                        <a:ea typeface="Cambria" panose="02040503050406030204" pitchFamily="18" charset="0"/>
+                        <a:cs typeface="Cambria" panose="02040503050406030204" pitchFamily="18" charset="0"/>
+                      </a:endParaRPr>
+                    </a:p>
+                  </a:txBody>
+                  <a:tcPr marL="68580" marR="68580" marT="0" marB="0"/>
+                </a:tc>
+                <a:tc>
+                  <a:txBody>
+                    <a:bodyPr/>
+                    <a:lstStyle/>
+                    <a:p>
+                      <a:pPr marL="0" marR="0">
+                        <a:spcBef>
+                          <a:spcPts val="0"/>
+                        </a:spcBef>
+                        <a:spcAft>
+                          <a:spcPts val="0"/>
+                        </a:spcAft>
+                      </a:pPr>
+                      <a:r>
+                        <a:rPr lang="en-SG" sz="1100">
+                          <a:effectLst/>
+                        </a:rPr>
+                        <a:t> </a:t>
+                      </a:r>
+                      <a:endParaRPr lang="en-SG" sz="1100">
+                        <a:effectLst/>
+                        <a:latin typeface="Cambria" panose="02040503050406030204" pitchFamily="18" charset="0"/>
+                        <a:ea typeface="Cambria" panose="02040503050406030204" pitchFamily="18" charset="0"/>
+                        <a:cs typeface="Cambria" panose="02040503050406030204" pitchFamily="18" charset="0"/>
+                      </a:endParaRPr>
+                    </a:p>
+                  </a:txBody>
+                  <a:tcPr marL="68580" marR="68580" marT="0" marB="0"/>
                 </a:tc>
                 <a:extLst>
                   <a:ext uri="{0D108BD9-81ED-4DB2-BD59-A6C34878D82A}">
-                    <a16:rowId xmlns:a16="http://schemas.microsoft.com/office/drawing/2014/main" val="147826265"/>
+                    <a16:rowId xmlns:a16="http://schemas.microsoft.com/office/drawing/2014/main" val="432040373"/>
                   </a:ext>
                 </a:extLst>
               </a:tr>
-              <a:tr h="361872">
-                <a:tc>
-                  <a:txBody>
-                    <a:bodyPr/>
-                    <a:lstStyle/>
-                    <a:p>
-                      <a:pPr algn="l" fontAlgn="b"/>
-                      <a:r>
-                        <a:rPr lang="en-SG" sz="1000" u="none" strike="noStrike">
-                          <a:effectLst/>
-                        </a:rPr>
-                        <a:t>Sze Yuan</a:t>
-                      </a:r>
-                      <a:endParaRPr lang="en-SG" sz="1000" b="0" i="0" u="none" strike="noStrike">
-                        <a:solidFill>
-                          <a:srgbClr val="000000"/>
-                        </a:solidFill>
-                        <a:effectLst/>
-                        <a:latin typeface="Calibri" panose="020F0502020204030204" pitchFamily="34" charset="0"/>
-                      </a:endParaRPr>
-                    </a:p>
-                  </a:txBody>
-                  <a:tcPr marL="9047" marR="9047" marT="9047" marB="0" anchor="b"/>
-                </a:tc>
-                <a:tc>
-                  <a:txBody>
-                    <a:bodyPr/>
-                    <a:lstStyle/>
-                    <a:p>
-                      <a:pPr algn="l" fontAlgn="b"/>
-                      <a:r>
-                        <a:rPr lang="en-SG" sz="1000" u="none" strike="noStrike">
-                          <a:effectLst/>
-                        </a:rPr>
-                        <a:t>Technical Engineer</a:t>
-                      </a:r>
-                      <a:endParaRPr lang="en-SG" sz="1000" b="0" i="0" u="none" strike="noStrike">
-                        <a:solidFill>
-                          <a:srgbClr val="000000"/>
-                        </a:solidFill>
-                        <a:effectLst/>
-                        <a:latin typeface="Calibri" panose="020F0502020204030204" pitchFamily="34" charset="0"/>
-                      </a:endParaRPr>
-                    </a:p>
-                  </a:txBody>
-                  <a:tcPr marL="9047" marR="9047" marT="9047" marB="0" anchor="b"/>
-                </a:tc>
-                <a:tc>
-                  <a:txBody>
-                    <a:bodyPr/>
-                    <a:lstStyle/>
-                    <a:p>
-                      <a:pPr algn="r" fontAlgn="b"/>
-                      <a:r>
-                        <a:rPr lang="en-SG" sz="1000" u="none" strike="noStrike">
-                          <a:effectLst/>
-                        </a:rPr>
-                        <a:t>5</a:t>
-                      </a:r>
-                      <a:endParaRPr lang="en-SG" sz="1000" b="0" i="0" u="none" strike="noStrike">
-                        <a:solidFill>
-                          <a:srgbClr val="000000"/>
-                        </a:solidFill>
-                        <a:effectLst/>
-                        <a:latin typeface="Calibri" panose="020F0502020204030204" pitchFamily="34" charset="0"/>
-                      </a:endParaRPr>
-                    </a:p>
-                  </a:txBody>
-                  <a:tcPr marL="9047" marR="9047" marT="9047" marB="0" anchor="b"/>
-                </a:tc>
-                <a:tc>
-                  <a:txBody>
-                    <a:bodyPr/>
-                    <a:lstStyle/>
-                    <a:p>
-                      <a:pPr algn="r" fontAlgn="b"/>
-                      <a:r>
-                        <a:rPr lang="en-SG" sz="1000" u="none" strike="noStrike">
-                          <a:effectLst/>
-                        </a:rPr>
-                        <a:t>4</a:t>
-                      </a:r>
-                      <a:endParaRPr lang="en-SG" sz="1000" b="0" i="0" u="none" strike="noStrike">
-                        <a:solidFill>
-                          <a:srgbClr val="000000"/>
-                        </a:solidFill>
-                        <a:effectLst/>
-                        <a:latin typeface="Calibri" panose="020F0502020204030204" pitchFamily="34" charset="0"/>
-                      </a:endParaRPr>
-                    </a:p>
-                  </a:txBody>
-                  <a:tcPr marL="9047" marR="9047" marT="9047" marB="0" anchor="b"/>
-                </a:tc>
-                <a:tc>
-                  <a:txBody>
-                    <a:bodyPr/>
-                    <a:lstStyle/>
-                    <a:p>
-                      <a:pPr algn="r" fontAlgn="b"/>
-                      <a:r>
-                        <a:rPr lang="en-SG" sz="1000" u="none" strike="noStrike" dirty="0">
-                          <a:effectLst/>
-                        </a:rPr>
-                        <a:t>1</a:t>
-                      </a:r>
-                      <a:endParaRPr lang="en-SG" sz="1000" b="0" i="0" u="none" strike="noStrike" dirty="0">
-                        <a:solidFill>
-                          <a:srgbClr val="000000"/>
-                        </a:solidFill>
-                        <a:effectLst/>
-                        <a:latin typeface="Calibri" panose="020F0502020204030204" pitchFamily="34" charset="0"/>
-                      </a:endParaRPr>
-                    </a:p>
-                  </a:txBody>
-                  <a:tcPr marL="9047" marR="9047" marT="9047" marB="0" anchor="b"/>
-                </a:tc>
-                <a:tc>
-                  <a:txBody>
-                    <a:bodyPr/>
-                    <a:lstStyle/>
-                    <a:p>
-                      <a:pPr algn="r" fontAlgn="b"/>
-                      <a:r>
-                        <a:rPr lang="en-SG" sz="1000" u="none" strike="noStrike">
-                          <a:effectLst/>
-                        </a:rPr>
-                        <a:t>1:15</a:t>
-                      </a:r>
-                      <a:endParaRPr lang="en-SG" sz="1000" b="0" i="0" u="none" strike="noStrike">
-                        <a:solidFill>
-                          <a:srgbClr val="000000"/>
-                        </a:solidFill>
-                        <a:effectLst/>
-                        <a:latin typeface="Calibri" panose="020F0502020204030204" pitchFamily="34" charset="0"/>
-                      </a:endParaRPr>
-                    </a:p>
-                  </a:txBody>
-                  <a:tcPr marL="9047" marR="9047" marT="9047" marB="0" anchor="b"/>
-                </a:tc>
-                <a:tc>
-                  <a:txBody>
-                    <a:bodyPr/>
-                    <a:lstStyle/>
-                    <a:p>
-                      <a:pPr algn="r" fontAlgn="b"/>
-                      <a:r>
-                        <a:rPr lang="en-SG" sz="1000" u="none" strike="noStrike">
-                          <a:effectLst/>
-                        </a:rPr>
-                        <a:t>3</a:t>
-                      </a:r>
-                      <a:endParaRPr lang="en-SG" sz="1000" b="0" i="0" u="none" strike="noStrike">
-                        <a:solidFill>
-                          <a:srgbClr val="000000"/>
-                        </a:solidFill>
-                        <a:effectLst/>
-                        <a:latin typeface="Calibri" panose="020F0502020204030204" pitchFamily="34" charset="0"/>
-                      </a:endParaRPr>
-                    </a:p>
-                  </a:txBody>
-                  <a:tcPr marL="9047" marR="9047" marT="9047" marB="0" anchor="b"/>
-                </a:tc>
-                <a:tc>
-                  <a:txBody>
-                    <a:bodyPr/>
-                    <a:lstStyle/>
-                    <a:p>
-                      <a:pPr algn="l" fontAlgn="b"/>
-                      <a:r>
-                        <a:rPr lang="en-US" sz="1000" u="none" strike="noStrike">
-                          <a:effectLst/>
-                        </a:rPr>
-                        <a:t>The design is very minimalistic</a:t>
-                      </a:r>
-                      <a:endParaRPr lang="en-US" sz="1000" b="0" i="0" u="none" strike="noStrike">
-                        <a:solidFill>
-                          <a:srgbClr val="000000"/>
-                        </a:solidFill>
-                        <a:effectLst/>
-                        <a:latin typeface="Calibri" panose="020F0502020204030204" pitchFamily="34" charset="0"/>
-                      </a:endParaRPr>
-                    </a:p>
-                  </a:txBody>
-                  <a:tcPr marL="9047" marR="9047" marT="9047" marB="0" anchor="b"/>
-                </a:tc>
-                <a:tc>
-                  <a:txBody>
-                    <a:bodyPr/>
-                    <a:lstStyle/>
-                    <a:p>
-                      <a:pPr algn="l" fontAlgn="b"/>
-                      <a:r>
-                        <a:rPr lang="en-SG" sz="1000" u="none" strike="noStrike">
-                          <a:effectLst/>
-                        </a:rPr>
-                        <a:t>No delivery option</a:t>
-                      </a:r>
-                      <a:endParaRPr lang="en-SG" sz="1000" b="0" i="0" u="none" strike="noStrike">
-                        <a:solidFill>
-                          <a:srgbClr val="000000"/>
-                        </a:solidFill>
-                        <a:effectLst/>
-                        <a:latin typeface="Calibri" panose="020F0502020204030204" pitchFamily="34" charset="0"/>
-                      </a:endParaRPr>
-                    </a:p>
-                  </a:txBody>
-                  <a:tcPr marL="9047" marR="9047" marT="9047" marB="0" anchor="b"/>
-                </a:tc>
-                <a:tc>
-                  <a:txBody>
-                    <a:bodyPr/>
-                    <a:lstStyle/>
-                    <a:p>
-                      <a:pPr algn="r" fontAlgn="b"/>
-                      <a:r>
-                        <a:rPr lang="en-SG" sz="1000" u="none" strike="noStrike">
-                          <a:effectLst/>
-                        </a:rPr>
-                        <a:t>4</a:t>
-                      </a:r>
-                      <a:endParaRPr lang="en-SG" sz="1000" b="0" i="0" u="none" strike="noStrike">
-                        <a:solidFill>
-                          <a:srgbClr val="000000"/>
-                        </a:solidFill>
-                        <a:effectLst/>
-                        <a:latin typeface="Calibri" panose="020F0502020204030204" pitchFamily="34" charset="0"/>
-                      </a:endParaRPr>
-                    </a:p>
-                  </a:txBody>
-                  <a:tcPr marL="9047" marR="9047" marT="9047" marB="0" anchor="b"/>
+              <a:tr h="155575">
+                <a:tc>
+                  <a:txBody>
+                    <a:bodyPr/>
+                    <a:lstStyle/>
+                    <a:p>
+                      <a:pPr marL="0" marR="0">
+                        <a:spcBef>
+                          <a:spcPts val="0"/>
+                        </a:spcBef>
+                        <a:spcAft>
+                          <a:spcPts val="0"/>
+                        </a:spcAft>
+                      </a:pPr>
+                      <a:r>
+                        <a:rPr lang="en-SG" sz="1100">
+                          <a:effectLst/>
+                        </a:rPr>
+                        <a:t>2</a:t>
+                      </a:r>
+                      <a:endParaRPr lang="en-SG" sz="1100">
+                        <a:effectLst/>
+                        <a:latin typeface="Cambria" panose="02040503050406030204" pitchFamily="18" charset="0"/>
+                        <a:ea typeface="Cambria" panose="02040503050406030204" pitchFamily="18" charset="0"/>
+                        <a:cs typeface="Cambria" panose="02040503050406030204" pitchFamily="18" charset="0"/>
+                      </a:endParaRPr>
+                    </a:p>
+                  </a:txBody>
+                  <a:tcPr marL="68580" marR="68580" marT="0" marB="0"/>
+                </a:tc>
+                <a:tc>
+                  <a:txBody>
+                    <a:bodyPr/>
+                    <a:lstStyle/>
+                    <a:p>
+                      <a:pPr marL="0" marR="0">
+                        <a:spcBef>
+                          <a:spcPts val="0"/>
+                        </a:spcBef>
+                        <a:spcAft>
+                          <a:spcPts val="0"/>
+                        </a:spcAft>
+                      </a:pPr>
+                      <a:r>
+                        <a:rPr lang="en-SG" sz="1100">
+                          <a:effectLst/>
+                        </a:rPr>
+                        <a:t>Bonnie </a:t>
+                      </a:r>
+                      <a:endParaRPr lang="en-SG" sz="1100">
+                        <a:effectLst/>
+                        <a:latin typeface="Cambria" panose="02040503050406030204" pitchFamily="18" charset="0"/>
+                        <a:ea typeface="Cambria" panose="02040503050406030204" pitchFamily="18" charset="0"/>
+                        <a:cs typeface="Cambria" panose="02040503050406030204" pitchFamily="18" charset="0"/>
+                      </a:endParaRPr>
+                    </a:p>
+                  </a:txBody>
+                  <a:tcPr marL="68580" marR="68580" marT="0" marB="0"/>
+                </a:tc>
+                <a:tc>
+                  <a:txBody>
+                    <a:bodyPr/>
+                    <a:lstStyle/>
+                    <a:p>
+                      <a:pPr marL="0" marR="0">
+                        <a:spcBef>
+                          <a:spcPts val="0"/>
+                        </a:spcBef>
+                        <a:spcAft>
+                          <a:spcPts val="0"/>
+                        </a:spcAft>
+                      </a:pPr>
+                      <a:r>
+                        <a:rPr lang="en-SG" sz="1100">
+                          <a:effectLst/>
+                        </a:rPr>
+                        <a:t>20</a:t>
+                      </a:r>
+                      <a:endParaRPr lang="en-SG" sz="1100">
+                        <a:effectLst/>
+                        <a:latin typeface="Cambria" panose="02040503050406030204" pitchFamily="18" charset="0"/>
+                        <a:ea typeface="Cambria" panose="02040503050406030204" pitchFamily="18" charset="0"/>
+                        <a:cs typeface="Cambria" panose="02040503050406030204" pitchFamily="18" charset="0"/>
+                      </a:endParaRPr>
+                    </a:p>
+                  </a:txBody>
+                  <a:tcPr marL="68580" marR="68580" marT="0" marB="0"/>
+                </a:tc>
+                <a:tc>
+                  <a:txBody>
+                    <a:bodyPr/>
+                    <a:lstStyle/>
+                    <a:p>
+                      <a:pPr marL="0" marR="0">
+                        <a:spcBef>
+                          <a:spcPts val="0"/>
+                        </a:spcBef>
+                        <a:spcAft>
+                          <a:spcPts val="0"/>
+                        </a:spcAft>
+                      </a:pPr>
+                      <a:r>
+                        <a:rPr lang="en-SG" sz="1100">
+                          <a:effectLst/>
+                        </a:rPr>
+                        <a:t>0</a:t>
+                      </a:r>
+                      <a:endParaRPr lang="en-SG" sz="1100">
+                        <a:effectLst/>
+                        <a:latin typeface="Cambria" panose="02040503050406030204" pitchFamily="18" charset="0"/>
+                        <a:ea typeface="Cambria" panose="02040503050406030204" pitchFamily="18" charset="0"/>
+                        <a:cs typeface="Cambria" panose="02040503050406030204" pitchFamily="18" charset="0"/>
+                      </a:endParaRPr>
+                    </a:p>
+                  </a:txBody>
+                  <a:tcPr marL="68580" marR="68580" marT="0" marB="0"/>
+                </a:tc>
+                <a:tc>
+                  <a:txBody>
+                    <a:bodyPr/>
+                    <a:lstStyle/>
+                    <a:p>
+                      <a:pPr marL="0" marR="0">
+                        <a:spcBef>
+                          <a:spcPts val="0"/>
+                        </a:spcBef>
+                        <a:spcAft>
+                          <a:spcPts val="0"/>
+                        </a:spcAft>
+                      </a:pPr>
+                      <a:r>
+                        <a:rPr lang="en-SG" sz="1200">
+                          <a:effectLst/>
+                        </a:rPr>
+                        <a:t>Success</a:t>
+                      </a:r>
+                      <a:endParaRPr lang="en-SG" sz="1100">
+                        <a:effectLst/>
+                        <a:latin typeface="Cambria" panose="02040503050406030204" pitchFamily="18" charset="0"/>
+                        <a:ea typeface="Cambria" panose="02040503050406030204" pitchFamily="18" charset="0"/>
+                        <a:cs typeface="Cambria" panose="02040503050406030204" pitchFamily="18" charset="0"/>
+                      </a:endParaRPr>
+                    </a:p>
+                  </a:txBody>
+                  <a:tcPr marL="68580" marR="68580" marT="0" marB="0"/>
+                </a:tc>
+                <a:tc>
+                  <a:txBody>
+                    <a:bodyPr/>
+                    <a:lstStyle/>
+                    <a:p>
+                      <a:pPr marL="0" marR="0">
+                        <a:spcBef>
+                          <a:spcPts val="0"/>
+                        </a:spcBef>
+                        <a:spcAft>
+                          <a:spcPts val="0"/>
+                        </a:spcAft>
+                      </a:pPr>
+                      <a:r>
+                        <a:rPr lang="en-SG" sz="1100">
+                          <a:effectLst/>
+                        </a:rPr>
+                        <a:t> </a:t>
+                      </a:r>
+                      <a:endParaRPr lang="en-SG" sz="1100">
+                        <a:effectLst/>
+                        <a:latin typeface="Cambria" panose="02040503050406030204" pitchFamily="18" charset="0"/>
+                        <a:ea typeface="Cambria" panose="02040503050406030204" pitchFamily="18" charset="0"/>
+                        <a:cs typeface="Cambria" panose="02040503050406030204" pitchFamily="18" charset="0"/>
+                      </a:endParaRPr>
+                    </a:p>
+                  </a:txBody>
+                  <a:tcPr marL="68580" marR="68580" marT="0" marB="0"/>
                 </a:tc>
                 <a:extLst>
                   <a:ext uri="{0D108BD9-81ED-4DB2-BD59-A6C34878D82A}">
-                    <a16:rowId xmlns:a16="http://schemas.microsoft.com/office/drawing/2014/main" val="310410713"/>
+                    <a16:rowId xmlns:a16="http://schemas.microsoft.com/office/drawing/2014/main" val="155558977"/>
                   </a:ext>
                 </a:extLst>
               </a:tr>
-              <a:tr h="361872">
-                <a:tc>
-                  <a:txBody>
-                    <a:bodyPr/>
-                    <a:lstStyle/>
-                    <a:p>
-                      <a:pPr algn="l" fontAlgn="b"/>
-                      <a:r>
-                        <a:rPr lang="en-SG" sz="1000" u="none" strike="noStrike">
-                          <a:effectLst/>
-                        </a:rPr>
-                        <a:t>Harith</a:t>
-                      </a:r>
-                      <a:endParaRPr lang="en-SG" sz="1000" b="0" i="0" u="none" strike="noStrike">
-                        <a:solidFill>
-                          <a:srgbClr val="000000"/>
-                        </a:solidFill>
-                        <a:effectLst/>
-                        <a:latin typeface="Calibri" panose="020F0502020204030204" pitchFamily="34" charset="0"/>
-                      </a:endParaRPr>
-                    </a:p>
-                  </a:txBody>
-                  <a:tcPr marL="9047" marR="9047" marT="9047" marB="0" anchor="b"/>
-                </a:tc>
-                <a:tc>
-                  <a:txBody>
-                    <a:bodyPr/>
-                    <a:lstStyle/>
-                    <a:p>
-                      <a:pPr algn="l" fontAlgn="b"/>
-                      <a:r>
-                        <a:rPr lang="en-SG" sz="1000" u="none" strike="noStrike">
-                          <a:effectLst/>
-                        </a:rPr>
-                        <a:t>BIM Modeller</a:t>
-                      </a:r>
-                      <a:endParaRPr lang="en-SG" sz="1000" b="0" i="0" u="none" strike="noStrike">
-                        <a:solidFill>
-                          <a:srgbClr val="000000"/>
-                        </a:solidFill>
-                        <a:effectLst/>
-                        <a:latin typeface="Calibri" panose="020F0502020204030204" pitchFamily="34" charset="0"/>
-                      </a:endParaRPr>
-                    </a:p>
-                  </a:txBody>
-                  <a:tcPr marL="9047" marR="9047" marT="9047" marB="0" anchor="b"/>
-                </a:tc>
-                <a:tc>
-                  <a:txBody>
-                    <a:bodyPr/>
-                    <a:lstStyle/>
-                    <a:p>
-                      <a:pPr algn="r" fontAlgn="b"/>
-                      <a:r>
-                        <a:rPr lang="en-SG" sz="1000" u="none" strike="noStrike">
-                          <a:effectLst/>
-                        </a:rPr>
-                        <a:t>5</a:t>
-                      </a:r>
-                      <a:endParaRPr lang="en-SG" sz="1000" b="0" i="0" u="none" strike="noStrike">
-                        <a:solidFill>
-                          <a:srgbClr val="000000"/>
-                        </a:solidFill>
-                        <a:effectLst/>
-                        <a:latin typeface="Calibri" panose="020F0502020204030204" pitchFamily="34" charset="0"/>
-                      </a:endParaRPr>
-                    </a:p>
-                  </a:txBody>
-                  <a:tcPr marL="9047" marR="9047" marT="9047" marB="0" anchor="b"/>
-                </a:tc>
-                <a:tc>
-                  <a:txBody>
-                    <a:bodyPr/>
-                    <a:lstStyle/>
-                    <a:p>
-                      <a:pPr algn="r" fontAlgn="b"/>
-                      <a:r>
-                        <a:rPr lang="en-SG" sz="1000" u="none" strike="noStrike">
+              <a:tr h="155575">
+                <a:tc>
+                  <a:txBody>
+                    <a:bodyPr/>
+                    <a:lstStyle/>
+                    <a:p>
+                      <a:pPr marL="0" marR="0">
+                        <a:spcBef>
+                          <a:spcPts val="0"/>
+                        </a:spcBef>
+                        <a:spcAft>
+                          <a:spcPts val="0"/>
+                        </a:spcAft>
+                      </a:pPr>
+                      <a:r>
+                        <a:rPr lang="en-SG" sz="1100">
                           <a:effectLst/>
                         </a:rPr>
                         <a:t>3</a:t>
                       </a:r>
-                      <a:endParaRPr lang="en-SG" sz="1000" b="0" i="0" u="none" strike="noStrike">
-                        <a:solidFill>
-                          <a:srgbClr val="000000"/>
-                        </a:solidFill>
-                        <a:effectLst/>
-                        <a:latin typeface="Calibri" panose="020F0502020204030204" pitchFamily="34" charset="0"/>
-                      </a:endParaRPr>
-                    </a:p>
-                  </a:txBody>
-                  <a:tcPr marL="9047" marR="9047" marT="9047" marB="0" anchor="b"/>
-                </a:tc>
-                <a:tc>
-                  <a:txBody>
-                    <a:bodyPr/>
-                    <a:lstStyle/>
-                    <a:p>
-                      <a:pPr algn="r" fontAlgn="b"/>
-                      <a:r>
-                        <a:rPr lang="en-SG" sz="1000" u="none" strike="noStrike">
-                          <a:effectLst/>
-                        </a:rPr>
-                        <a:t>2</a:t>
-                      </a:r>
-                      <a:endParaRPr lang="en-SG" sz="1000" b="0" i="0" u="none" strike="noStrike">
-                        <a:solidFill>
-                          <a:srgbClr val="000000"/>
-                        </a:solidFill>
-                        <a:effectLst/>
-                        <a:latin typeface="Calibri" panose="020F0502020204030204" pitchFamily="34" charset="0"/>
-                      </a:endParaRPr>
-                    </a:p>
-                  </a:txBody>
-                  <a:tcPr marL="9047" marR="9047" marT="9047" marB="0" anchor="b"/>
-                </a:tc>
-                <a:tc>
-                  <a:txBody>
-                    <a:bodyPr/>
-                    <a:lstStyle/>
-                    <a:p>
-                      <a:pPr algn="r" fontAlgn="b"/>
-                      <a:r>
-                        <a:rPr lang="en-SG" sz="1000" u="none" strike="noStrike">
-                          <a:effectLst/>
-                        </a:rPr>
-                        <a:t>1:45</a:t>
-                      </a:r>
-                      <a:endParaRPr lang="en-SG" sz="1000" b="0" i="0" u="none" strike="noStrike">
-                        <a:solidFill>
-                          <a:srgbClr val="000000"/>
-                        </a:solidFill>
-                        <a:effectLst/>
-                        <a:latin typeface="Calibri" panose="020F0502020204030204" pitchFamily="34" charset="0"/>
-                      </a:endParaRPr>
-                    </a:p>
-                  </a:txBody>
-                  <a:tcPr marL="9047" marR="9047" marT="9047" marB="0" anchor="b"/>
-                </a:tc>
-                <a:tc>
-                  <a:txBody>
-                    <a:bodyPr/>
-                    <a:lstStyle/>
-                    <a:p>
-                      <a:pPr algn="r" fontAlgn="b"/>
-                      <a:r>
-                        <a:rPr lang="en-SG" sz="1000" u="none" strike="noStrike">
-                          <a:effectLst/>
-                        </a:rPr>
-                        <a:t>4</a:t>
-                      </a:r>
-                      <a:endParaRPr lang="en-SG" sz="1000" b="0" i="0" u="none" strike="noStrike">
-                        <a:solidFill>
-                          <a:srgbClr val="000000"/>
-                        </a:solidFill>
-                        <a:effectLst/>
-                        <a:latin typeface="Calibri" panose="020F0502020204030204" pitchFamily="34" charset="0"/>
-                      </a:endParaRPr>
-                    </a:p>
-                  </a:txBody>
-                  <a:tcPr marL="9047" marR="9047" marT="9047" marB="0" anchor="b"/>
-                </a:tc>
-                <a:tc>
-                  <a:txBody>
-                    <a:bodyPr/>
-                    <a:lstStyle/>
-                    <a:p>
-                      <a:pPr algn="l" fontAlgn="b"/>
-                      <a:r>
-                        <a:rPr lang="en-US" sz="1000" u="none" strike="noStrike">
-                          <a:effectLst/>
-                        </a:rPr>
-                        <a:t>The website offer ready made bouquet</a:t>
-                      </a:r>
-                      <a:endParaRPr lang="en-US" sz="1000" b="0" i="0" u="none" strike="noStrike">
-                        <a:solidFill>
-                          <a:srgbClr val="000000"/>
-                        </a:solidFill>
-                        <a:effectLst/>
-                        <a:latin typeface="Calibri" panose="020F0502020204030204" pitchFamily="34" charset="0"/>
-                      </a:endParaRPr>
-                    </a:p>
-                  </a:txBody>
-                  <a:tcPr marL="9047" marR="9047" marT="9047" marB="0" anchor="b"/>
-                </a:tc>
-                <a:tc>
-                  <a:txBody>
-                    <a:bodyPr/>
-                    <a:lstStyle/>
-                    <a:p>
-                      <a:pPr algn="l" fontAlgn="b"/>
-                      <a:r>
-                        <a:rPr lang="en-SG" sz="1000" u="none" strike="noStrike">
-                          <a:effectLst/>
-                        </a:rPr>
-                        <a:t>NIL</a:t>
-                      </a:r>
-                      <a:endParaRPr lang="en-SG" sz="1000" b="0" i="0" u="none" strike="noStrike">
-                        <a:solidFill>
-                          <a:srgbClr val="000000"/>
-                        </a:solidFill>
-                        <a:effectLst/>
-                        <a:latin typeface="Calibri" panose="020F0502020204030204" pitchFamily="34" charset="0"/>
-                      </a:endParaRPr>
-                    </a:p>
-                  </a:txBody>
-                  <a:tcPr marL="9047" marR="9047" marT="9047" marB="0" anchor="b"/>
-                </a:tc>
-                <a:tc>
-                  <a:txBody>
-                    <a:bodyPr/>
-                    <a:lstStyle/>
-                    <a:p>
-                      <a:pPr algn="r" fontAlgn="b"/>
-                      <a:r>
-                        <a:rPr lang="en-SG" sz="1000" u="none" strike="noStrike">
-                          <a:effectLst/>
-                        </a:rPr>
-                        <a:t>3</a:t>
-                      </a:r>
-                      <a:endParaRPr lang="en-SG" sz="1000" b="0" i="0" u="none" strike="noStrike">
-                        <a:solidFill>
-                          <a:srgbClr val="000000"/>
-                        </a:solidFill>
-                        <a:effectLst/>
-                        <a:latin typeface="Calibri" panose="020F0502020204030204" pitchFamily="34" charset="0"/>
-                      </a:endParaRPr>
-                    </a:p>
-                  </a:txBody>
-                  <a:tcPr marL="9047" marR="9047" marT="9047" marB="0" anchor="b"/>
+                      <a:endParaRPr lang="en-SG" sz="1100">
+                        <a:effectLst/>
+                        <a:latin typeface="Cambria" panose="02040503050406030204" pitchFamily="18" charset="0"/>
+                        <a:ea typeface="Cambria" panose="02040503050406030204" pitchFamily="18" charset="0"/>
+                        <a:cs typeface="Cambria" panose="02040503050406030204" pitchFamily="18" charset="0"/>
+                      </a:endParaRPr>
+                    </a:p>
+                  </a:txBody>
+                  <a:tcPr marL="68580" marR="68580" marT="0" marB="0"/>
+                </a:tc>
+                <a:tc>
+                  <a:txBody>
+                    <a:bodyPr/>
+                    <a:lstStyle/>
+                    <a:p>
+                      <a:pPr marL="0" marR="0">
+                        <a:spcBef>
+                          <a:spcPts val="0"/>
+                        </a:spcBef>
+                        <a:spcAft>
+                          <a:spcPts val="0"/>
+                        </a:spcAft>
+                      </a:pPr>
+                      <a:r>
+                        <a:rPr lang="en-SG" sz="1100">
+                          <a:effectLst/>
+                        </a:rPr>
+                        <a:t>Aaron </a:t>
+                      </a:r>
+                      <a:endParaRPr lang="en-SG" sz="1100">
+                        <a:effectLst/>
+                        <a:latin typeface="Cambria" panose="02040503050406030204" pitchFamily="18" charset="0"/>
+                        <a:ea typeface="Cambria" panose="02040503050406030204" pitchFamily="18" charset="0"/>
+                        <a:cs typeface="Cambria" panose="02040503050406030204" pitchFamily="18" charset="0"/>
+                      </a:endParaRPr>
+                    </a:p>
+                  </a:txBody>
+                  <a:tcPr marL="68580" marR="68580" marT="0" marB="0"/>
+                </a:tc>
+                <a:tc>
+                  <a:txBody>
+                    <a:bodyPr/>
+                    <a:lstStyle/>
+                    <a:p>
+                      <a:pPr marL="0" marR="0">
+                        <a:spcBef>
+                          <a:spcPts val="0"/>
+                        </a:spcBef>
+                        <a:spcAft>
+                          <a:spcPts val="0"/>
+                        </a:spcAft>
+                      </a:pPr>
+                      <a:r>
+                        <a:rPr lang="en-SG" sz="1100">
+                          <a:effectLst/>
+                        </a:rPr>
+                        <a:t>35</a:t>
+                      </a:r>
+                      <a:endParaRPr lang="en-SG" sz="1100">
+                        <a:effectLst/>
+                        <a:latin typeface="Cambria" panose="02040503050406030204" pitchFamily="18" charset="0"/>
+                        <a:ea typeface="Cambria" panose="02040503050406030204" pitchFamily="18" charset="0"/>
+                        <a:cs typeface="Cambria" panose="02040503050406030204" pitchFamily="18" charset="0"/>
+                      </a:endParaRPr>
+                    </a:p>
+                  </a:txBody>
+                  <a:tcPr marL="68580" marR="68580" marT="0" marB="0"/>
+                </a:tc>
+                <a:tc>
+                  <a:txBody>
+                    <a:bodyPr/>
+                    <a:lstStyle/>
+                    <a:p>
+                      <a:pPr marL="0" marR="0">
+                        <a:spcBef>
+                          <a:spcPts val="0"/>
+                        </a:spcBef>
+                        <a:spcAft>
+                          <a:spcPts val="0"/>
+                        </a:spcAft>
+                      </a:pPr>
+                      <a:r>
+                        <a:rPr lang="en-SG" sz="1100">
+                          <a:effectLst/>
+                        </a:rPr>
+                        <a:t>0</a:t>
+                      </a:r>
+                      <a:endParaRPr lang="en-SG" sz="1100">
+                        <a:effectLst/>
+                        <a:latin typeface="Cambria" panose="02040503050406030204" pitchFamily="18" charset="0"/>
+                        <a:ea typeface="Cambria" panose="02040503050406030204" pitchFamily="18" charset="0"/>
+                        <a:cs typeface="Cambria" panose="02040503050406030204" pitchFamily="18" charset="0"/>
+                      </a:endParaRPr>
+                    </a:p>
+                  </a:txBody>
+                  <a:tcPr marL="68580" marR="68580" marT="0" marB="0"/>
+                </a:tc>
+                <a:tc>
+                  <a:txBody>
+                    <a:bodyPr/>
+                    <a:lstStyle/>
+                    <a:p>
+                      <a:pPr marL="0" marR="0">
+                        <a:spcBef>
+                          <a:spcPts val="0"/>
+                        </a:spcBef>
+                        <a:spcAft>
+                          <a:spcPts val="0"/>
+                        </a:spcAft>
+                      </a:pPr>
+                      <a:r>
+                        <a:rPr lang="en-SG" sz="1200">
+                          <a:effectLst/>
+                        </a:rPr>
+                        <a:t>Success</a:t>
+                      </a:r>
+                      <a:endParaRPr lang="en-SG" sz="1100">
+                        <a:effectLst/>
+                        <a:latin typeface="Cambria" panose="02040503050406030204" pitchFamily="18" charset="0"/>
+                        <a:ea typeface="Cambria" panose="02040503050406030204" pitchFamily="18" charset="0"/>
+                        <a:cs typeface="Cambria" panose="02040503050406030204" pitchFamily="18" charset="0"/>
+                      </a:endParaRPr>
+                    </a:p>
+                  </a:txBody>
+                  <a:tcPr marL="68580" marR="68580" marT="0" marB="0"/>
+                </a:tc>
+                <a:tc>
+                  <a:txBody>
+                    <a:bodyPr/>
+                    <a:lstStyle/>
+                    <a:p>
+                      <a:pPr marL="0" marR="0">
+                        <a:spcBef>
+                          <a:spcPts val="0"/>
+                        </a:spcBef>
+                        <a:spcAft>
+                          <a:spcPts val="0"/>
+                        </a:spcAft>
+                      </a:pPr>
+                      <a:r>
+                        <a:rPr lang="en-SG" sz="1100">
+                          <a:effectLst/>
+                        </a:rPr>
+                        <a:t> </a:t>
+                      </a:r>
+                      <a:endParaRPr lang="en-SG" sz="1100">
+                        <a:effectLst/>
+                        <a:latin typeface="Cambria" panose="02040503050406030204" pitchFamily="18" charset="0"/>
+                        <a:ea typeface="Cambria" panose="02040503050406030204" pitchFamily="18" charset="0"/>
+                        <a:cs typeface="Cambria" panose="02040503050406030204" pitchFamily="18" charset="0"/>
+                      </a:endParaRPr>
+                    </a:p>
+                  </a:txBody>
+                  <a:tcPr marL="68580" marR="68580" marT="0" marB="0"/>
                 </a:tc>
                 <a:extLst>
                   <a:ext uri="{0D108BD9-81ED-4DB2-BD59-A6C34878D82A}">
-                    <a16:rowId xmlns:a16="http://schemas.microsoft.com/office/drawing/2014/main" val="4142506814"/>
+                    <a16:rowId xmlns:a16="http://schemas.microsoft.com/office/drawing/2014/main" val="434408039"/>
                   </a:ext>
                 </a:extLst>
               </a:tr>
-              <a:tr h="361872">
-                <a:tc>
-                  <a:txBody>
-                    <a:bodyPr/>
-                    <a:lstStyle/>
-                    <a:p>
-                      <a:pPr algn="l" fontAlgn="b"/>
-                      <a:r>
-                        <a:rPr lang="en-SG" sz="1000" u="none" strike="noStrike">
-                          <a:effectLst/>
-                        </a:rPr>
-                        <a:t>Li Qing</a:t>
-                      </a:r>
-                      <a:endParaRPr lang="en-SG" sz="1000" b="0" i="0" u="none" strike="noStrike">
-                        <a:solidFill>
-                          <a:srgbClr val="000000"/>
-                        </a:solidFill>
-                        <a:effectLst/>
-                        <a:latin typeface="Calibri" panose="020F0502020204030204" pitchFamily="34" charset="0"/>
-                      </a:endParaRPr>
-                    </a:p>
-                  </a:txBody>
-                  <a:tcPr marL="9047" marR="9047" marT="9047" marB="0" anchor="b"/>
-                </a:tc>
-                <a:tc>
-                  <a:txBody>
-                    <a:bodyPr/>
-                    <a:lstStyle/>
-                    <a:p>
-                      <a:pPr algn="l" fontAlgn="b"/>
-                      <a:r>
-                        <a:rPr lang="en-SG" sz="1000" u="none" strike="noStrike">
-                          <a:effectLst/>
-                        </a:rPr>
-                        <a:t>Civil Engineer</a:t>
-                      </a:r>
-                      <a:endParaRPr lang="en-SG" sz="1000" b="0" i="0" u="none" strike="noStrike">
-                        <a:solidFill>
-                          <a:srgbClr val="000000"/>
-                        </a:solidFill>
-                        <a:effectLst/>
-                        <a:latin typeface="Calibri" panose="020F0502020204030204" pitchFamily="34" charset="0"/>
-                      </a:endParaRPr>
-                    </a:p>
-                  </a:txBody>
-                  <a:tcPr marL="9047" marR="9047" marT="9047" marB="0" anchor="b"/>
-                </a:tc>
-                <a:tc>
-                  <a:txBody>
-                    <a:bodyPr/>
-                    <a:lstStyle/>
-                    <a:p>
-                      <a:pPr algn="r" fontAlgn="b"/>
-                      <a:r>
-                        <a:rPr lang="en-SG" sz="1000" u="none" strike="noStrike">
-                          <a:effectLst/>
-                        </a:rPr>
-                        <a:t>5</a:t>
-                      </a:r>
-                      <a:endParaRPr lang="en-SG" sz="1000" b="0" i="0" u="none" strike="noStrike">
-                        <a:solidFill>
-                          <a:srgbClr val="000000"/>
-                        </a:solidFill>
-                        <a:effectLst/>
-                        <a:latin typeface="Calibri" panose="020F0502020204030204" pitchFamily="34" charset="0"/>
-                      </a:endParaRPr>
-                    </a:p>
-                  </a:txBody>
-                  <a:tcPr marL="9047" marR="9047" marT="9047" marB="0" anchor="b"/>
-                </a:tc>
-                <a:tc>
-                  <a:txBody>
-                    <a:bodyPr/>
-                    <a:lstStyle/>
-                    <a:p>
-                      <a:pPr algn="r" fontAlgn="b"/>
-                      <a:r>
-                        <a:rPr lang="en-SG" sz="1000" u="none" strike="noStrike">
-                          <a:effectLst/>
-                        </a:rPr>
-                        <a:t>5</a:t>
-                      </a:r>
-                      <a:endParaRPr lang="en-SG" sz="1000" b="0" i="0" u="none" strike="noStrike">
-                        <a:solidFill>
-                          <a:srgbClr val="000000"/>
-                        </a:solidFill>
-                        <a:effectLst/>
-                        <a:latin typeface="Calibri" panose="020F0502020204030204" pitchFamily="34" charset="0"/>
-                      </a:endParaRPr>
-                    </a:p>
-                  </a:txBody>
-                  <a:tcPr marL="9047" marR="9047" marT="9047" marB="0" anchor="b"/>
-                </a:tc>
-                <a:tc>
-                  <a:txBody>
-                    <a:bodyPr/>
-                    <a:lstStyle/>
-                    <a:p>
-                      <a:pPr algn="r" fontAlgn="b"/>
-                      <a:r>
-                        <a:rPr lang="en-SG" sz="1000" u="none" strike="noStrike">
-                          <a:effectLst/>
-                        </a:rPr>
-                        <a:t>3</a:t>
-                      </a:r>
-                      <a:endParaRPr lang="en-SG" sz="1000" b="0" i="0" u="none" strike="noStrike">
-                        <a:solidFill>
-                          <a:srgbClr val="000000"/>
-                        </a:solidFill>
-                        <a:effectLst/>
-                        <a:latin typeface="Calibri" panose="020F0502020204030204" pitchFamily="34" charset="0"/>
-                      </a:endParaRPr>
-                    </a:p>
-                  </a:txBody>
-                  <a:tcPr marL="9047" marR="9047" marT="9047" marB="0" anchor="b"/>
-                </a:tc>
-                <a:tc>
-                  <a:txBody>
-                    <a:bodyPr/>
-                    <a:lstStyle/>
-                    <a:p>
-                      <a:pPr algn="r" fontAlgn="b"/>
-                      <a:r>
-                        <a:rPr lang="en-SG" sz="1000" u="none" strike="noStrike">
-                          <a:effectLst/>
-                        </a:rPr>
-                        <a:t>0:59</a:t>
-                      </a:r>
-                      <a:endParaRPr lang="en-SG" sz="1000" b="0" i="0" u="none" strike="noStrike">
-                        <a:solidFill>
-                          <a:srgbClr val="000000"/>
-                        </a:solidFill>
-                        <a:effectLst/>
-                        <a:latin typeface="Calibri" panose="020F0502020204030204" pitchFamily="34" charset="0"/>
-                      </a:endParaRPr>
-                    </a:p>
-                  </a:txBody>
-                  <a:tcPr marL="9047" marR="9047" marT="9047" marB="0" anchor="b"/>
-                </a:tc>
-                <a:tc>
-                  <a:txBody>
-                    <a:bodyPr/>
-                    <a:lstStyle/>
-                    <a:p>
-                      <a:pPr algn="r" fontAlgn="b"/>
-                      <a:r>
-                        <a:rPr lang="en-SG" sz="1000" u="none" strike="noStrike">
+              <a:tr h="155575">
+                <a:tc>
+                  <a:txBody>
+                    <a:bodyPr/>
+                    <a:lstStyle/>
+                    <a:p>
+                      <a:pPr marL="0" marR="0">
+                        <a:spcBef>
+                          <a:spcPts val="0"/>
+                        </a:spcBef>
+                        <a:spcAft>
+                          <a:spcPts val="0"/>
+                        </a:spcAft>
+                      </a:pPr>
+                      <a:r>
+                        <a:rPr lang="en-SG" sz="1100">
                           <a:effectLst/>
                         </a:rPr>
                         <a:t>4</a:t>
                       </a:r>
-                      <a:endParaRPr lang="en-SG" sz="1000" b="0" i="0" u="none" strike="noStrike">
-                        <a:solidFill>
-                          <a:srgbClr val="000000"/>
-                        </a:solidFill>
-                        <a:effectLst/>
-                        <a:latin typeface="Calibri" panose="020F0502020204030204" pitchFamily="34" charset="0"/>
-                      </a:endParaRPr>
-                    </a:p>
-                  </a:txBody>
-                  <a:tcPr marL="9047" marR="9047" marT="9047" marB="0" anchor="b"/>
-                </a:tc>
-                <a:tc>
-                  <a:txBody>
-                    <a:bodyPr/>
-                    <a:lstStyle/>
-                    <a:p>
-                      <a:pPr algn="l" fontAlgn="b"/>
-                      <a:r>
-                        <a:rPr lang="en-US" sz="1000" u="none" strike="noStrike">
-                          <a:effectLst/>
-                        </a:rPr>
-                        <a:t>purchasing is simple and quick</a:t>
-                      </a:r>
-                      <a:endParaRPr lang="en-US" sz="1000" b="0" i="0" u="none" strike="noStrike">
-                        <a:solidFill>
-                          <a:srgbClr val="000000"/>
-                        </a:solidFill>
-                        <a:effectLst/>
-                        <a:latin typeface="Calibri" panose="020F0502020204030204" pitchFamily="34" charset="0"/>
-                      </a:endParaRPr>
-                    </a:p>
-                  </a:txBody>
-                  <a:tcPr marL="9047" marR="9047" marT="9047" marB="0" anchor="b"/>
-                </a:tc>
-                <a:tc>
-                  <a:txBody>
-                    <a:bodyPr/>
-                    <a:lstStyle/>
-                    <a:p>
-                      <a:pPr algn="l" fontAlgn="b"/>
-                      <a:r>
-                        <a:rPr lang="en-US" sz="1000" u="none" strike="noStrike">
-                          <a:effectLst/>
-                        </a:rPr>
-                        <a:t>Prefer to see categories or filters while searching</a:t>
-                      </a:r>
-                      <a:endParaRPr lang="en-US" sz="1000" b="0" i="0" u="none" strike="noStrike">
-                        <a:solidFill>
-                          <a:srgbClr val="000000"/>
-                        </a:solidFill>
-                        <a:effectLst/>
-                        <a:latin typeface="Calibri" panose="020F0502020204030204" pitchFamily="34" charset="0"/>
-                      </a:endParaRPr>
-                    </a:p>
-                  </a:txBody>
-                  <a:tcPr marL="9047" marR="9047" marT="9047" marB="0" anchor="b"/>
-                </a:tc>
-                <a:tc>
-                  <a:txBody>
-                    <a:bodyPr/>
-                    <a:lstStyle/>
-                    <a:p>
-                      <a:pPr algn="r" fontAlgn="b"/>
-                      <a:r>
-                        <a:rPr lang="en-SG" sz="1000" u="none" strike="noStrike">
-                          <a:effectLst/>
-                        </a:rPr>
-                        <a:t>5</a:t>
-                      </a:r>
-                      <a:endParaRPr lang="en-SG" sz="1000" b="0" i="0" u="none" strike="noStrike">
-                        <a:solidFill>
-                          <a:srgbClr val="000000"/>
-                        </a:solidFill>
-                        <a:effectLst/>
-                        <a:latin typeface="Calibri" panose="020F0502020204030204" pitchFamily="34" charset="0"/>
-                      </a:endParaRPr>
-                    </a:p>
-                  </a:txBody>
-                  <a:tcPr marL="9047" marR="9047" marT="9047" marB="0" anchor="b"/>
+                      <a:endParaRPr lang="en-SG" sz="1100">
+                        <a:effectLst/>
+                        <a:latin typeface="Cambria" panose="02040503050406030204" pitchFamily="18" charset="0"/>
+                        <a:ea typeface="Cambria" panose="02040503050406030204" pitchFamily="18" charset="0"/>
+                        <a:cs typeface="Cambria" panose="02040503050406030204" pitchFamily="18" charset="0"/>
+                      </a:endParaRPr>
+                    </a:p>
+                  </a:txBody>
+                  <a:tcPr marL="68580" marR="68580" marT="0" marB="0"/>
+                </a:tc>
+                <a:tc>
+                  <a:txBody>
+                    <a:bodyPr/>
+                    <a:lstStyle/>
+                    <a:p>
+                      <a:pPr marL="0" marR="0">
+                        <a:spcBef>
+                          <a:spcPts val="0"/>
+                        </a:spcBef>
+                        <a:spcAft>
+                          <a:spcPts val="0"/>
+                        </a:spcAft>
+                      </a:pPr>
+                      <a:r>
+                        <a:rPr lang="en-SG" sz="1100">
+                          <a:effectLst/>
+                        </a:rPr>
+                        <a:t>Fanny </a:t>
+                      </a:r>
+                      <a:endParaRPr lang="en-SG" sz="1100">
+                        <a:effectLst/>
+                        <a:latin typeface="Cambria" panose="02040503050406030204" pitchFamily="18" charset="0"/>
+                        <a:ea typeface="Cambria" panose="02040503050406030204" pitchFamily="18" charset="0"/>
+                        <a:cs typeface="Cambria" panose="02040503050406030204" pitchFamily="18" charset="0"/>
+                      </a:endParaRPr>
+                    </a:p>
+                  </a:txBody>
+                  <a:tcPr marL="68580" marR="68580" marT="0" marB="0"/>
+                </a:tc>
+                <a:tc>
+                  <a:txBody>
+                    <a:bodyPr/>
+                    <a:lstStyle/>
+                    <a:p>
+                      <a:pPr marL="0" marR="0">
+                        <a:spcBef>
+                          <a:spcPts val="0"/>
+                        </a:spcBef>
+                        <a:spcAft>
+                          <a:spcPts val="0"/>
+                        </a:spcAft>
+                      </a:pPr>
+                      <a:r>
+                        <a:rPr lang="en-SG" sz="1100">
+                          <a:effectLst/>
+                        </a:rPr>
+                        <a:t>30</a:t>
+                      </a:r>
+                      <a:endParaRPr lang="en-SG" sz="1100">
+                        <a:effectLst/>
+                        <a:latin typeface="Cambria" panose="02040503050406030204" pitchFamily="18" charset="0"/>
+                        <a:ea typeface="Cambria" panose="02040503050406030204" pitchFamily="18" charset="0"/>
+                        <a:cs typeface="Cambria" panose="02040503050406030204" pitchFamily="18" charset="0"/>
+                      </a:endParaRPr>
+                    </a:p>
+                  </a:txBody>
+                  <a:tcPr marL="68580" marR="68580" marT="0" marB="0"/>
+                </a:tc>
+                <a:tc>
+                  <a:txBody>
+                    <a:bodyPr/>
+                    <a:lstStyle/>
+                    <a:p>
+                      <a:pPr marL="0" marR="0">
+                        <a:spcBef>
+                          <a:spcPts val="0"/>
+                        </a:spcBef>
+                        <a:spcAft>
+                          <a:spcPts val="0"/>
+                        </a:spcAft>
+                      </a:pPr>
+                      <a:r>
+                        <a:rPr lang="en-SG" sz="1100">
+                          <a:effectLst/>
+                        </a:rPr>
+                        <a:t>0</a:t>
+                      </a:r>
+                      <a:endParaRPr lang="en-SG" sz="1100">
+                        <a:effectLst/>
+                        <a:latin typeface="Cambria" panose="02040503050406030204" pitchFamily="18" charset="0"/>
+                        <a:ea typeface="Cambria" panose="02040503050406030204" pitchFamily="18" charset="0"/>
+                        <a:cs typeface="Cambria" panose="02040503050406030204" pitchFamily="18" charset="0"/>
+                      </a:endParaRPr>
+                    </a:p>
+                  </a:txBody>
+                  <a:tcPr marL="68580" marR="68580" marT="0" marB="0"/>
+                </a:tc>
+                <a:tc>
+                  <a:txBody>
+                    <a:bodyPr/>
+                    <a:lstStyle/>
+                    <a:p>
+                      <a:pPr marL="0" marR="0">
+                        <a:spcBef>
+                          <a:spcPts val="0"/>
+                        </a:spcBef>
+                        <a:spcAft>
+                          <a:spcPts val="0"/>
+                        </a:spcAft>
+                      </a:pPr>
+                      <a:r>
+                        <a:rPr lang="en-SG" sz="1200">
+                          <a:effectLst/>
+                        </a:rPr>
+                        <a:t>Success</a:t>
+                      </a:r>
+                      <a:endParaRPr lang="en-SG" sz="1100">
+                        <a:effectLst/>
+                        <a:latin typeface="Cambria" panose="02040503050406030204" pitchFamily="18" charset="0"/>
+                        <a:ea typeface="Cambria" panose="02040503050406030204" pitchFamily="18" charset="0"/>
+                        <a:cs typeface="Cambria" panose="02040503050406030204" pitchFamily="18" charset="0"/>
+                      </a:endParaRPr>
+                    </a:p>
+                  </a:txBody>
+                  <a:tcPr marL="68580" marR="68580" marT="0" marB="0"/>
+                </a:tc>
+                <a:tc>
+                  <a:txBody>
+                    <a:bodyPr/>
+                    <a:lstStyle/>
+                    <a:p>
+                      <a:pPr marL="0" marR="0">
+                        <a:spcBef>
+                          <a:spcPts val="0"/>
+                        </a:spcBef>
+                        <a:spcAft>
+                          <a:spcPts val="0"/>
+                        </a:spcAft>
+                      </a:pPr>
+                      <a:r>
+                        <a:rPr lang="en-SG" sz="1100">
+                          <a:effectLst/>
+                        </a:rPr>
+                        <a:t> </a:t>
+                      </a:r>
+                      <a:endParaRPr lang="en-SG" sz="1100">
+                        <a:effectLst/>
+                        <a:latin typeface="Cambria" panose="02040503050406030204" pitchFamily="18" charset="0"/>
+                        <a:ea typeface="Cambria" panose="02040503050406030204" pitchFamily="18" charset="0"/>
+                        <a:cs typeface="Cambria" panose="02040503050406030204" pitchFamily="18" charset="0"/>
+                      </a:endParaRPr>
+                    </a:p>
+                  </a:txBody>
+                  <a:tcPr marL="68580" marR="68580" marT="0" marB="0"/>
                 </a:tc>
                 <a:extLst>
                   <a:ext uri="{0D108BD9-81ED-4DB2-BD59-A6C34878D82A}">
-                    <a16:rowId xmlns:a16="http://schemas.microsoft.com/office/drawing/2014/main" val="3246196546"/>
+                    <a16:rowId xmlns:a16="http://schemas.microsoft.com/office/drawing/2014/main" val="3458162733"/>
                   </a:ext>
                 </a:extLst>
               </a:tr>
-              <a:tr h="180936">
-                <a:tc>
-                  <a:txBody>
-                    <a:bodyPr/>
-                    <a:lstStyle/>
-                    <a:p>
-                      <a:pPr algn="l" fontAlgn="b"/>
-                      <a:r>
-                        <a:rPr lang="en-SG" sz="1000" u="none" strike="noStrike">
-                          <a:effectLst/>
-                        </a:rPr>
-                        <a:t>Samuel</a:t>
-                      </a:r>
-                      <a:endParaRPr lang="en-SG" sz="1000" b="0" i="0" u="none" strike="noStrike">
-                        <a:solidFill>
-                          <a:srgbClr val="000000"/>
-                        </a:solidFill>
-                        <a:effectLst/>
-                        <a:latin typeface="Calibri" panose="020F0502020204030204" pitchFamily="34" charset="0"/>
-                      </a:endParaRPr>
-                    </a:p>
-                  </a:txBody>
-                  <a:tcPr marL="9047" marR="9047" marT="9047" marB="0" anchor="b"/>
-                </a:tc>
-                <a:tc>
-                  <a:txBody>
-                    <a:bodyPr/>
-                    <a:lstStyle/>
-                    <a:p>
-                      <a:pPr algn="l" fontAlgn="b"/>
-                      <a:r>
-                        <a:rPr lang="en-SG" sz="1000" u="none" strike="noStrike">
-                          <a:effectLst/>
-                        </a:rPr>
-                        <a:t>IT Technician</a:t>
-                      </a:r>
-                      <a:endParaRPr lang="en-SG" sz="1000" b="0" i="0" u="none" strike="noStrike">
-                        <a:solidFill>
-                          <a:srgbClr val="000000"/>
-                        </a:solidFill>
-                        <a:effectLst/>
-                        <a:latin typeface="Calibri" panose="020F0502020204030204" pitchFamily="34" charset="0"/>
-                      </a:endParaRPr>
-                    </a:p>
-                  </a:txBody>
-                  <a:tcPr marL="9047" marR="9047" marT="9047" marB="0" anchor="b"/>
-                </a:tc>
-                <a:tc>
-                  <a:txBody>
-                    <a:bodyPr/>
-                    <a:lstStyle/>
-                    <a:p>
-                      <a:pPr algn="r" fontAlgn="b"/>
-                      <a:r>
-                        <a:rPr lang="en-SG" sz="1000" u="none" strike="noStrike">
+              <a:tr h="155575">
+                <a:tc>
+                  <a:txBody>
+                    <a:bodyPr/>
+                    <a:lstStyle/>
+                    <a:p>
+                      <a:pPr marL="0" marR="0">
+                        <a:spcBef>
+                          <a:spcPts val="0"/>
+                        </a:spcBef>
+                        <a:spcAft>
+                          <a:spcPts val="0"/>
+                        </a:spcAft>
+                      </a:pPr>
+                      <a:r>
+                        <a:rPr lang="en-SG" sz="1100">
                           <a:effectLst/>
                         </a:rPr>
                         <a:t>5</a:t>
                       </a:r>
-                      <a:endParaRPr lang="en-SG" sz="1000" b="0" i="0" u="none" strike="noStrike">
-                        <a:solidFill>
-                          <a:srgbClr val="000000"/>
-                        </a:solidFill>
-                        <a:effectLst/>
-                        <a:latin typeface="Calibri" panose="020F0502020204030204" pitchFamily="34" charset="0"/>
-                      </a:endParaRPr>
-                    </a:p>
-                  </a:txBody>
-                  <a:tcPr marL="9047" marR="9047" marT="9047" marB="0" anchor="b"/>
-                </a:tc>
-                <a:tc>
-                  <a:txBody>
-                    <a:bodyPr/>
-                    <a:lstStyle/>
-                    <a:p>
-                      <a:pPr algn="r" fontAlgn="b"/>
-                      <a:r>
-                        <a:rPr lang="en-SG" sz="1000" u="none" strike="noStrike">
-                          <a:effectLst/>
-                        </a:rPr>
-                        <a:t>5</a:t>
-                      </a:r>
-                      <a:endParaRPr lang="en-SG" sz="1000" b="0" i="0" u="none" strike="noStrike">
-                        <a:solidFill>
-                          <a:srgbClr val="000000"/>
-                        </a:solidFill>
-                        <a:effectLst/>
-                        <a:latin typeface="Calibri" panose="020F0502020204030204" pitchFamily="34" charset="0"/>
-                      </a:endParaRPr>
-                    </a:p>
-                  </a:txBody>
-                  <a:tcPr marL="9047" marR="9047" marT="9047" marB="0" anchor="b"/>
-                </a:tc>
-                <a:tc>
-                  <a:txBody>
-                    <a:bodyPr/>
-                    <a:lstStyle/>
-                    <a:p>
-                      <a:pPr algn="r" fontAlgn="b"/>
-                      <a:r>
-                        <a:rPr lang="en-SG" sz="1000" u="none" strike="noStrike">
-                          <a:effectLst/>
-                        </a:rPr>
-                        <a:t>1</a:t>
-                      </a:r>
-                      <a:endParaRPr lang="en-SG" sz="1000" b="0" i="0" u="none" strike="noStrike">
-                        <a:solidFill>
-                          <a:srgbClr val="000000"/>
-                        </a:solidFill>
-                        <a:effectLst/>
-                        <a:latin typeface="Calibri" panose="020F0502020204030204" pitchFamily="34" charset="0"/>
-                      </a:endParaRPr>
-                    </a:p>
-                  </a:txBody>
-                  <a:tcPr marL="9047" marR="9047" marT="9047" marB="0" anchor="b"/>
-                </a:tc>
-                <a:tc>
-                  <a:txBody>
-                    <a:bodyPr/>
-                    <a:lstStyle/>
-                    <a:p>
-                      <a:pPr algn="r" fontAlgn="b"/>
-                      <a:r>
-                        <a:rPr lang="en-SG" sz="1000" u="none" strike="noStrike">
-                          <a:effectLst/>
-                        </a:rPr>
-                        <a:t>1:05</a:t>
-                      </a:r>
-                      <a:endParaRPr lang="en-SG" sz="1000" b="0" i="0" u="none" strike="noStrike">
-                        <a:solidFill>
-                          <a:srgbClr val="000000"/>
-                        </a:solidFill>
-                        <a:effectLst/>
-                        <a:latin typeface="Calibri" panose="020F0502020204030204" pitchFamily="34" charset="0"/>
-                      </a:endParaRPr>
-                    </a:p>
-                  </a:txBody>
-                  <a:tcPr marL="9047" marR="9047" marT="9047" marB="0" anchor="b"/>
-                </a:tc>
-                <a:tc>
-                  <a:txBody>
-                    <a:bodyPr/>
-                    <a:lstStyle/>
-                    <a:p>
-                      <a:pPr algn="r" fontAlgn="b"/>
-                      <a:r>
-                        <a:rPr lang="en-SG" sz="1000" u="none" strike="noStrike">
-                          <a:effectLst/>
-                        </a:rPr>
-                        <a:t>5</a:t>
-                      </a:r>
-                      <a:endParaRPr lang="en-SG" sz="1000" b="0" i="0" u="none" strike="noStrike">
-                        <a:solidFill>
-                          <a:srgbClr val="000000"/>
-                        </a:solidFill>
-                        <a:effectLst/>
-                        <a:latin typeface="Calibri" panose="020F0502020204030204" pitchFamily="34" charset="0"/>
-                      </a:endParaRPr>
-                    </a:p>
-                  </a:txBody>
-                  <a:tcPr marL="9047" marR="9047" marT="9047" marB="0" anchor="b"/>
-                </a:tc>
-                <a:tc>
-                  <a:txBody>
-                    <a:bodyPr/>
-                    <a:lstStyle/>
-                    <a:p>
-                      <a:pPr algn="l" fontAlgn="b"/>
-                      <a:r>
-                        <a:rPr lang="en-SG" sz="1000" u="none" strike="noStrike">
-                          <a:effectLst/>
-                        </a:rPr>
-                        <a:t>Design is very intuitive</a:t>
-                      </a:r>
-                      <a:endParaRPr lang="en-SG" sz="1000" b="0" i="0" u="none" strike="noStrike">
-                        <a:solidFill>
-                          <a:srgbClr val="000000"/>
-                        </a:solidFill>
-                        <a:effectLst/>
-                        <a:latin typeface="Calibri" panose="020F0502020204030204" pitchFamily="34" charset="0"/>
-                      </a:endParaRPr>
-                    </a:p>
-                  </a:txBody>
-                  <a:tcPr marL="9047" marR="9047" marT="9047" marB="0" anchor="b"/>
-                </a:tc>
-                <a:tc>
-                  <a:txBody>
-                    <a:bodyPr/>
-                    <a:lstStyle/>
-                    <a:p>
-                      <a:pPr algn="l" fontAlgn="b"/>
-                      <a:r>
-                        <a:rPr lang="en-SG" sz="1000" u="none" strike="noStrike">
-                          <a:effectLst/>
-                        </a:rPr>
-                        <a:t>nil</a:t>
-                      </a:r>
-                      <a:endParaRPr lang="en-SG" sz="1000" b="0" i="0" u="none" strike="noStrike">
-                        <a:solidFill>
-                          <a:srgbClr val="000000"/>
-                        </a:solidFill>
-                        <a:effectLst/>
-                        <a:latin typeface="Calibri" panose="020F0502020204030204" pitchFamily="34" charset="0"/>
-                      </a:endParaRPr>
-                    </a:p>
-                  </a:txBody>
-                  <a:tcPr marL="9047" marR="9047" marT="9047" marB="0" anchor="b"/>
-                </a:tc>
-                <a:tc>
-                  <a:txBody>
-                    <a:bodyPr/>
-                    <a:lstStyle/>
-                    <a:p>
-                      <a:pPr algn="r" fontAlgn="b"/>
-                      <a:r>
-                        <a:rPr lang="en-SG" sz="1000" u="none" strike="noStrike" dirty="0">
-                          <a:effectLst/>
-                        </a:rPr>
-                        <a:t>4</a:t>
-                      </a:r>
-                      <a:endParaRPr lang="en-SG" sz="1000" b="0" i="0" u="none" strike="noStrike" dirty="0">
-                        <a:solidFill>
-                          <a:srgbClr val="000000"/>
-                        </a:solidFill>
-                        <a:effectLst/>
-                        <a:latin typeface="Calibri" panose="020F0502020204030204" pitchFamily="34" charset="0"/>
-                      </a:endParaRPr>
-                    </a:p>
-                  </a:txBody>
-                  <a:tcPr marL="9047" marR="9047" marT="9047" marB="0" anchor="b"/>
+                      <a:endParaRPr lang="en-SG" sz="1100">
+                        <a:effectLst/>
+                        <a:latin typeface="Cambria" panose="02040503050406030204" pitchFamily="18" charset="0"/>
+                        <a:ea typeface="Cambria" panose="02040503050406030204" pitchFamily="18" charset="0"/>
+                        <a:cs typeface="Cambria" panose="02040503050406030204" pitchFamily="18" charset="0"/>
+                      </a:endParaRPr>
+                    </a:p>
+                  </a:txBody>
+                  <a:tcPr marL="68580" marR="68580" marT="0" marB="0"/>
+                </a:tc>
+                <a:tc>
+                  <a:txBody>
+                    <a:bodyPr/>
+                    <a:lstStyle/>
+                    <a:p>
+                      <a:pPr marL="0" marR="0">
+                        <a:spcBef>
+                          <a:spcPts val="0"/>
+                        </a:spcBef>
+                        <a:spcAft>
+                          <a:spcPts val="0"/>
+                        </a:spcAft>
+                      </a:pPr>
+                      <a:r>
+                        <a:rPr lang="en-SG" sz="1100">
+                          <a:effectLst/>
+                        </a:rPr>
+                        <a:t>Mike</a:t>
+                      </a:r>
+                      <a:endParaRPr lang="en-SG" sz="1100">
+                        <a:effectLst/>
+                        <a:latin typeface="Cambria" panose="02040503050406030204" pitchFamily="18" charset="0"/>
+                        <a:ea typeface="Cambria" panose="02040503050406030204" pitchFamily="18" charset="0"/>
+                        <a:cs typeface="Cambria" panose="02040503050406030204" pitchFamily="18" charset="0"/>
+                      </a:endParaRPr>
+                    </a:p>
+                  </a:txBody>
+                  <a:tcPr marL="68580" marR="68580" marT="0" marB="0"/>
+                </a:tc>
+                <a:tc>
+                  <a:txBody>
+                    <a:bodyPr/>
+                    <a:lstStyle/>
+                    <a:p>
+                      <a:pPr marL="0" marR="0">
+                        <a:spcBef>
+                          <a:spcPts val="0"/>
+                        </a:spcBef>
+                        <a:spcAft>
+                          <a:spcPts val="0"/>
+                        </a:spcAft>
+                      </a:pPr>
+                      <a:r>
+                        <a:rPr lang="en-SG" sz="1100">
+                          <a:effectLst/>
+                        </a:rPr>
+                        <a:t>25</a:t>
+                      </a:r>
+                      <a:endParaRPr lang="en-SG" sz="1100">
+                        <a:effectLst/>
+                        <a:latin typeface="Cambria" panose="02040503050406030204" pitchFamily="18" charset="0"/>
+                        <a:ea typeface="Cambria" panose="02040503050406030204" pitchFamily="18" charset="0"/>
+                        <a:cs typeface="Cambria" panose="02040503050406030204" pitchFamily="18" charset="0"/>
+                      </a:endParaRPr>
+                    </a:p>
+                  </a:txBody>
+                  <a:tcPr marL="68580" marR="68580" marT="0" marB="0"/>
+                </a:tc>
+                <a:tc>
+                  <a:txBody>
+                    <a:bodyPr/>
+                    <a:lstStyle/>
+                    <a:p>
+                      <a:pPr marL="0" marR="0">
+                        <a:spcBef>
+                          <a:spcPts val="0"/>
+                        </a:spcBef>
+                        <a:spcAft>
+                          <a:spcPts val="0"/>
+                        </a:spcAft>
+                      </a:pPr>
+                      <a:r>
+                        <a:rPr lang="en-SG" sz="1100">
+                          <a:effectLst/>
+                        </a:rPr>
+                        <a:t>0</a:t>
+                      </a:r>
+                      <a:endParaRPr lang="en-SG" sz="1100">
+                        <a:effectLst/>
+                        <a:latin typeface="Cambria" panose="02040503050406030204" pitchFamily="18" charset="0"/>
+                        <a:ea typeface="Cambria" panose="02040503050406030204" pitchFamily="18" charset="0"/>
+                        <a:cs typeface="Cambria" panose="02040503050406030204" pitchFamily="18" charset="0"/>
+                      </a:endParaRPr>
+                    </a:p>
+                  </a:txBody>
+                  <a:tcPr marL="68580" marR="68580" marT="0" marB="0"/>
+                </a:tc>
+                <a:tc>
+                  <a:txBody>
+                    <a:bodyPr/>
+                    <a:lstStyle/>
+                    <a:p>
+                      <a:pPr marL="0" marR="0">
+                        <a:spcBef>
+                          <a:spcPts val="0"/>
+                        </a:spcBef>
+                        <a:spcAft>
+                          <a:spcPts val="0"/>
+                        </a:spcAft>
+                      </a:pPr>
+                      <a:r>
+                        <a:rPr lang="en-SG" sz="1200">
+                          <a:effectLst/>
+                        </a:rPr>
+                        <a:t>Success</a:t>
+                      </a:r>
+                      <a:endParaRPr lang="en-SG" sz="1100">
+                        <a:effectLst/>
+                        <a:latin typeface="Cambria" panose="02040503050406030204" pitchFamily="18" charset="0"/>
+                        <a:ea typeface="Cambria" panose="02040503050406030204" pitchFamily="18" charset="0"/>
+                        <a:cs typeface="Cambria" panose="02040503050406030204" pitchFamily="18" charset="0"/>
+                      </a:endParaRPr>
+                    </a:p>
+                  </a:txBody>
+                  <a:tcPr marL="68580" marR="68580" marT="0" marB="0"/>
+                </a:tc>
+                <a:tc>
+                  <a:txBody>
+                    <a:bodyPr/>
+                    <a:lstStyle/>
+                    <a:p>
+                      <a:pPr marL="0" marR="0">
+                        <a:spcBef>
+                          <a:spcPts val="0"/>
+                        </a:spcBef>
+                        <a:spcAft>
+                          <a:spcPts val="0"/>
+                        </a:spcAft>
+                      </a:pPr>
+                      <a:r>
+                        <a:rPr lang="en-SG" sz="1100">
+                          <a:effectLst/>
+                        </a:rPr>
+                        <a:t> </a:t>
+                      </a:r>
+                      <a:endParaRPr lang="en-SG" sz="1100">
+                        <a:effectLst/>
+                        <a:latin typeface="Cambria" panose="02040503050406030204" pitchFamily="18" charset="0"/>
+                        <a:ea typeface="Cambria" panose="02040503050406030204" pitchFamily="18" charset="0"/>
+                        <a:cs typeface="Cambria" panose="02040503050406030204" pitchFamily="18" charset="0"/>
+                      </a:endParaRPr>
+                    </a:p>
+                  </a:txBody>
+                  <a:tcPr marL="68580" marR="68580" marT="0" marB="0"/>
                 </a:tc>
                 <a:extLst>
                   <a:ext uri="{0D108BD9-81ED-4DB2-BD59-A6C34878D82A}">
-                    <a16:rowId xmlns:a16="http://schemas.microsoft.com/office/drawing/2014/main" val="164101332"/>
+                    <a16:rowId xmlns:a16="http://schemas.microsoft.com/office/drawing/2014/main" val="2121094490"/>
+                  </a:ext>
+                </a:extLst>
+              </a:tr>
+              <a:tr h="155575">
+                <a:tc gridSpan="2">
+                  <a:txBody>
+                    <a:bodyPr/>
+                    <a:lstStyle/>
+                    <a:p>
+                      <a:pPr marL="0" marR="0">
+                        <a:spcBef>
+                          <a:spcPts val="0"/>
+                        </a:spcBef>
+                        <a:spcAft>
+                          <a:spcPts val="0"/>
+                        </a:spcAft>
+                      </a:pPr>
+                      <a:r>
+                        <a:rPr lang="en-SG" sz="1100">
+                          <a:effectLst/>
+                        </a:rPr>
+                        <a:t>Total or Average</a:t>
+                      </a:r>
+                      <a:endParaRPr lang="en-SG" sz="1100">
+                        <a:effectLst/>
+                        <a:latin typeface="Cambria" panose="02040503050406030204" pitchFamily="18" charset="0"/>
+                        <a:ea typeface="Cambria" panose="02040503050406030204" pitchFamily="18" charset="0"/>
+                        <a:cs typeface="Cambria" panose="02040503050406030204" pitchFamily="18" charset="0"/>
+                      </a:endParaRPr>
+                    </a:p>
+                  </a:txBody>
+                  <a:tcPr marL="68580" marR="68580" marT="0" marB="0"/>
+                </a:tc>
+                <a:tc hMerge="1">
+                  <a:txBody>
+                    <a:bodyPr/>
+                    <a:lstStyle/>
+                    <a:p>
+                      <a:endParaRPr lang="en-SG"/>
+                    </a:p>
+                  </a:txBody>
+                  <a:tcPr/>
+                </a:tc>
+                <a:tc>
+                  <a:txBody>
+                    <a:bodyPr/>
+                    <a:lstStyle/>
+                    <a:p>
+                      <a:pPr marL="0" marR="0">
+                        <a:spcBef>
+                          <a:spcPts val="0"/>
+                        </a:spcBef>
+                        <a:spcAft>
+                          <a:spcPts val="0"/>
+                        </a:spcAft>
+                      </a:pPr>
+                      <a:r>
+                        <a:rPr lang="en-SG" sz="1100">
+                          <a:effectLst/>
+                        </a:rPr>
+                        <a:t>30s</a:t>
+                      </a:r>
+                      <a:endParaRPr lang="en-SG" sz="1100">
+                        <a:effectLst/>
+                        <a:latin typeface="Cambria" panose="02040503050406030204" pitchFamily="18" charset="0"/>
+                        <a:ea typeface="Cambria" panose="02040503050406030204" pitchFamily="18" charset="0"/>
+                        <a:cs typeface="Cambria" panose="02040503050406030204" pitchFamily="18" charset="0"/>
+                      </a:endParaRPr>
+                    </a:p>
+                  </a:txBody>
+                  <a:tcPr marL="68580" marR="68580" marT="0" marB="0"/>
+                </a:tc>
+                <a:tc>
+                  <a:txBody>
+                    <a:bodyPr/>
+                    <a:lstStyle/>
+                    <a:p>
+                      <a:pPr marL="0" marR="0">
+                        <a:spcBef>
+                          <a:spcPts val="0"/>
+                        </a:spcBef>
+                        <a:spcAft>
+                          <a:spcPts val="0"/>
+                        </a:spcAft>
+                      </a:pPr>
+                      <a:r>
+                        <a:rPr lang="en-SG" sz="1100">
+                          <a:effectLst/>
+                        </a:rPr>
+                        <a:t>100%</a:t>
+                      </a:r>
+                      <a:endParaRPr lang="en-SG" sz="1100">
+                        <a:effectLst/>
+                        <a:latin typeface="Cambria" panose="02040503050406030204" pitchFamily="18" charset="0"/>
+                        <a:ea typeface="Cambria" panose="02040503050406030204" pitchFamily="18" charset="0"/>
+                        <a:cs typeface="Cambria" panose="02040503050406030204" pitchFamily="18" charset="0"/>
+                      </a:endParaRPr>
+                    </a:p>
+                  </a:txBody>
+                  <a:tcPr marL="68580" marR="68580" marT="0" marB="0"/>
+                </a:tc>
+                <a:tc>
+                  <a:txBody>
+                    <a:bodyPr/>
+                    <a:lstStyle/>
+                    <a:p>
+                      <a:pPr marL="0" marR="0">
+                        <a:spcBef>
+                          <a:spcPts val="0"/>
+                        </a:spcBef>
+                        <a:spcAft>
+                          <a:spcPts val="0"/>
+                        </a:spcAft>
+                      </a:pPr>
+                      <a:r>
+                        <a:rPr lang="en-SG" sz="1100">
+                          <a:effectLst/>
+                        </a:rPr>
+                        <a:t>100%</a:t>
+                      </a:r>
+                      <a:endParaRPr lang="en-SG" sz="1100">
+                        <a:effectLst/>
+                        <a:latin typeface="Cambria" panose="02040503050406030204" pitchFamily="18" charset="0"/>
+                        <a:ea typeface="Cambria" panose="02040503050406030204" pitchFamily="18" charset="0"/>
+                        <a:cs typeface="Cambria" panose="02040503050406030204" pitchFamily="18" charset="0"/>
+                      </a:endParaRPr>
+                    </a:p>
+                  </a:txBody>
+                  <a:tcPr marL="68580" marR="68580" marT="0" marB="0"/>
+                </a:tc>
+                <a:tc>
+                  <a:txBody>
+                    <a:bodyPr/>
+                    <a:lstStyle/>
+                    <a:p>
+                      <a:pPr marL="0" marR="0">
+                        <a:spcBef>
+                          <a:spcPts val="0"/>
+                        </a:spcBef>
+                        <a:spcAft>
+                          <a:spcPts val="0"/>
+                        </a:spcAft>
+                      </a:pPr>
+                      <a:r>
+                        <a:rPr lang="en-SG" sz="1100" dirty="0">
+                          <a:effectLst/>
+                        </a:rPr>
+                        <a:t>Information of delivery price and information helps manage expectations</a:t>
+                      </a:r>
+                      <a:endParaRPr lang="en-SG" sz="1100" dirty="0">
+                        <a:effectLst/>
+                        <a:latin typeface="Cambria" panose="02040503050406030204" pitchFamily="18" charset="0"/>
+                        <a:ea typeface="Cambria" panose="02040503050406030204" pitchFamily="18" charset="0"/>
+                        <a:cs typeface="Cambria" panose="02040503050406030204" pitchFamily="18" charset="0"/>
+                      </a:endParaRPr>
+                    </a:p>
+                  </a:txBody>
+                  <a:tcPr marL="68580" marR="68580" marT="0" marB="0"/>
+                </a:tc>
+                <a:extLst>
+                  <a:ext uri="{0D108BD9-81ED-4DB2-BD59-A6C34878D82A}">
+                    <a16:rowId xmlns:a16="http://schemas.microsoft.com/office/drawing/2014/main" val="2627296062"/>
                   </a:ext>
                 </a:extLst>
               </a:tr>
@@ -6211,6 +6016,2985 @@
           </a:graphicData>
         </a:graphic>
       </p:graphicFrame>
+      <p:graphicFrame>
+        <p:nvGraphicFramePr>
+          <p:cNvPr id="5" name="Table 4">
+            <a:extLst>
+              <a:ext uri="{FF2B5EF4-FFF2-40B4-BE49-F238E27FC236}">
+                <a16:creationId xmlns:a16="http://schemas.microsoft.com/office/drawing/2014/main" id="{364E6C7E-066E-0DB8-8F3B-1A6AF2648A74}"/>
+              </a:ext>
+            </a:extLst>
+          </p:cNvPr>
+          <p:cNvGraphicFramePr>
+            <a:graphicFrameLocks noGrp="1"/>
+          </p:cNvGraphicFramePr>
+          <p:nvPr>
+            <p:extLst>
+              <p:ext uri="{D42A27DB-BD31-4B8C-83A1-F6EECF244321}">
+                <p14:modId xmlns:p14="http://schemas.microsoft.com/office/powerpoint/2010/main" val="2432395505"/>
+              </p:ext>
+            </p:extLst>
+          </p:nvPr>
+        </p:nvGraphicFramePr>
+        <p:xfrm>
+          <a:off x="1450679" y="3352800"/>
+          <a:ext cx="5824220" cy="1402080"/>
+        </p:xfrm>
+        <a:graphic>
+          <a:graphicData uri="http://schemas.openxmlformats.org/drawingml/2006/table">
+            <a:tbl>
+              <a:tblPr firstRow="1" firstCol="1">
+                <a:tableStyleId>{5C22544A-7EE6-4342-B048-85BDC9FD1C3A}</a:tableStyleId>
+              </a:tblPr>
+              <a:tblGrid>
+                <a:gridCol w="581025">
+                  <a:extLst>
+                    <a:ext uri="{9D8B030D-6E8A-4147-A177-3AD203B41FA5}">
+                      <a16:colId xmlns:a16="http://schemas.microsoft.com/office/drawing/2014/main" val="2042348103"/>
+                    </a:ext>
+                  </a:extLst>
+                </a:gridCol>
+                <a:gridCol w="966470">
+                  <a:extLst>
+                    <a:ext uri="{9D8B030D-6E8A-4147-A177-3AD203B41FA5}">
+                      <a16:colId xmlns:a16="http://schemas.microsoft.com/office/drawing/2014/main" val="3847498171"/>
+                    </a:ext>
+                  </a:extLst>
+                </a:gridCol>
+                <a:gridCol w="598805">
+                  <a:extLst>
+                    <a:ext uri="{9D8B030D-6E8A-4147-A177-3AD203B41FA5}">
+                      <a16:colId xmlns:a16="http://schemas.microsoft.com/office/drawing/2014/main" val="4122869141"/>
+                    </a:ext>
+                  </a:extLst>
+                </a:gridCol>
+                <a:gridCol w="652780">
+                  <a:extLst>
+                    <a:ext uri="{9D8B030D-6E8A-4147-A177-3AD203B41FA5}">
+                      <a16:colId xmlns:a16="http://schemas.microsoft.com/office/drawing/2014/main" val="1937300002"/>
+                    </a:ext>
+                  </a:extLst>
+                </a:gridCol>
+                <a:gridCol w="816610">
+                  <a:extLst>
+                    <a:ext uri="{9D8B030D-6E8A-4147-A177-3AD203B41FA5}">
+                      <a16:colId xmlns:a16="http://schemas.microsoft.com/office/drawing/2014/main" val="2600151549"/>
+                    </a:ext>
+                  </a:extLst>
+                </a:gridCol>
+                <a:gridCol w="2208530">
+                  <a:extLst>
+                    <a:ext uri="{9D8B030D-6E8A-4147-A177-3AD203B41FA5}">
+                      <a16:colId xmlns:a16="http://schemas.microsoft.com/office/drawing/2014/main" val="888630764"/>
+                    </a:ext>
+                  </a:extLst>
+                </a:gridCol>
+              </a:tblGrid>
+              <a:tr h="155575">
+                <a:tc>
+                  <a:txBody>
+                    <a:bodyPr/>
+                    <a:lstStyle/>
+                    <a:p>
+                      <a:pPr marL="0" marR="0">
+                        <a:spcBef>
+                          <a:spcPts val="0"/>
+                        </a:spcBef>
+                        <a:spcAft>
+                          <a:spcPts val="0"/>
+                        </a:spcAft>
+                      </a:pPr>
+                      <a:r>
+                        <a:rPr lang="en-SG" sz="1100">
+                          <a:effectLst/>
+                        </a:rPr>
+                        <a:t>S/N </a:t>
+                      </a:r>
+                      <a:endParaRPr lang="en-SG" sz="1100">
+                        <a:effectLst/>
+                        <a:latin typeface="Cambria" panose="02040503050406030204" pitchFamily="18" charset="0"/>
+                        <a:ea typeface="Cambria" panose="02040503050406030204" pitchFamily="18" charset="0"/>
+                        <a:cs typeface="Cambria" panose="02040503050406030204" pitchFamily="18" charset="0"/>
+                      </a:endParaRPr>
+                    </a:p>
+                  </a:txBody>
+                  <a:tcPr marL="68580" marR="68580" marT="0" marB="0"/>
+                </a:tc>
+                <a:tc>
+                  <a:txBody>
+                    <a:bodyPr/>
+                    <a:lstStyle/>
+                    <a:p>
+                      <a:pPr marL="0" marR="0">
+                        <a:spcBef>
+                          <a:spcPts val="0"/>
+                        </a:spcBef>
+                        <a:spcAft>
+                          <a:spcPts val="0"/>
+                        </a:spcAft>
+                      </a:pPr>
+                      <a:r>
+                        <a:rPr lang="en-SG" sz="1100">
+                          <a:effectLst/>
+                        </a:rPr>
+                        <a:t>Participants</a:t>
+                      </a:r>
+                      <a:endParaRPr lang="en-SG" sz="1100">
+                        <a:effectLst/>
+                        <a:latin typeface="Cambria" panose="02040503050406030204" pitchFamily="18" charset="0"/>
+                        <a:ea typeface="Cambria" panose="02040503050406030204" pitchFamily="18" charset="0"/>
+                        <a:cs typeface="Cambria" panose="02040503050406030204" pitchFamily="18" charset="0"/>
+                      </a:endParaRPr>
+                    </a:p>
+                  </a:txBody>
+                  <a:tcPr marL="68580" marR="68580" marT="0" marB="0"/>
+                </a:tc>
+                <a:tc>
+                  <a:txBody>
+                    <a:bodyPr/>
+                    <a:lstStyle/>
+                    <a:p>
+                      <a:pPr marL="0" marR="0">
+                        <a:spcBef>
+                          <a:spcPts val="0"/>
+                        </a:spcBef>
+                        <a:spcAft>
+                          <a:spcPts val="0"/>
+                        </a:spcAft>
+                      </a:pPr>
+                      <a:r>
+                        <a:rPr lang="en-SG" sz="1100">
+                          <a:effectLst/>
+                        </a:rPr>
+                        <a:t>TOT</a:t>
+                      </a:r>
+                      <a:endParaRPr lang="en-SG" sz="1100">
+                        <a:effectLst/>
+                        <a:latin typeface="Cambria" panose="02040503050406030204" pitchFamily="18" charset="0"/>
+                        <a:ea typeface="Cambria" panose="02040503050406030204" pitchFamily="18" charset="0"/>
+                        <a:cs typeface="Cambria" panose="02040503050406030204" pitchFamily="18" charset="0"/>
+                      </a:endParaRPr>
+                    </a:p>
+                  </a:txBody>
+                  <a:tcPr marL="68580" marR="68580" marT="0" marB="0"/>
+                </a:tc>
+                <a:tc>
+                  <a:txBody>
+                    <a:bodyPr/>
+                    <a:lstStyle/>
+                    <a:p>
+                      <a:pPr marL="0" marR="0">
+                        <a:spcBef>
+                          <a:spcPts val="0"/>
+                        </a:spcBef>
+                        <a:spcAft>
+                          <a:spcPts val="0"/>
+                        </a:spcAft>
+                      </a:pPr>
+                      <a:r>
+                        <a:rPr lang="en-SG" sz="1100">
+                          <a:effectLst/>
+                        </a:rPr>
+                        <a:t>UER</a:t>
+                      </a:r>
+                      <a:endParaRPr lang="en-SG" sz="1100">
+                        <a:effectLst/>
+                        <a:latin typeface="Cambria" panose="02040503050406030204" pitchFamily="18" charset="0"/>
+                        <a:ea typeface="Cambria" panose="02040503050406030204" pitchFamily="18" charset="0"/>
+                        <a:cs typeface="Cambria" panose="02040503050406030204" pitchFamily="18" charset="0"/>
+                      </a:endParaRPr>
+                    </a:p>
+                  </a:txBody>
+                  <a:tcPr marL="68580" marR="68580" marT="0" marB="0"/>
+                </a:tc>
+                <a:tc>
+                  <a:txBody>
+                    <a:bodyPr/>
+                    <a:lstStyle/>
+                    <a:p>
+                      <a:pPr marL="0" marR="0">
+                        <a:spcBef>
+                          <a:spcPts val="0"/>
+                        </a:spcBef>
+                        <a:spcAft>
+                          <a:spcPts val="0"/>
+                        </a:spcAft>
+                      </a:pPr>
+                      <a:r>
+                        <a:rPr lang="en-SG" sz="1100">
+                          <a:effectLst/>
+                        </a:rPr>
+                        <a:t>TSR</a:t>
+                      </a:r>
+                      <a:endParaRPr lang="en-SG" sz="1100">
+                        <a:effectLst/>
+                        <a:latin typeface="Cambria" panose="02040503050406030204" pitchFamily="18" charset="0"/>
+                        <a:ea typeface="Cambria" panose="02040503050406030204" pitchFamily="18" charset="0"/>
+                        <a:cs typeface="Cambria" panose="02040503050406030204" pitchFamily="18" charset="0"/>
+                      </a:endParaRPr>
+                    </a:p>
+                  </a:txBody>
+                  <a:tcPr marL="68580" marR="68580" marT="0" marB="0"/>
+                </a:tc>
+                <a:tc>
+                  <a:txBody>
+                    <a:bodyPr/>
+                    <a:lstStyle/>
+                    <a:p>
+                      <a:pPr marL="0" marR="0">
+                        <a:spcBef>
+                          <a:spcPts val="0"/>
+                        </a:spcBef>
+                        <a:spcAft>
+                          <a:spcPts val="0"/>
+                        </a:spcAft>
+                      </a:pPr>
+                      <a:r>
+                        <a:rPr lang="en-SG" sz="1100">
+                          <a:effectLst/>
+                        </a:rPr>
+                        <a:t>Feedback</a:t>
+                      </a:r>
+                      <a:endParaRPr lang="en-SG" sz="1100">
+                        <a:effectLst/>
+                        <a:latin typeface="Cambria" panose="02040503050406030204" pitchFamily="18" charset="0"/>
+                        <a:ea typeface="Cambria" panose="02040503050406030204" pitchFamily="18" charset="0"/>
+                        <a:cs typeface="Cambria" panose="02040503050406030204" pitchFamily="18" charset="0"/>
+                      </a:endParaRPr>
+                    </a:p>
+                  </a:txBody>
+                  <a:tcPr marL="68580" marR="68580" marT="0" marB="0"/>
+                </a:tc>
+                <a:extLst>
+                  <a:ext uri="{0D108BD9-81ED-4DB2-BD59-A6C34878D82A}">
+                    <a16:rowId xmlns:a16="http://schemas.microsoft.com/office/drawing/2014/main" val="749712403"/>
+                  </a:ext>
+                </a:extLst>
+              </a:tr>
+              <a:tr h="155575">
+                <a:tc>
+                  <a:txBody>
+                    <a:bodyPr/>
+                    <a:lstStyle/>
+                    <a:p>
+                      <a:pPr marL="0" marR="0">
+                        <a:spcBef>
+                          <a:spcPts val="0"/>
+                        </a:spcBef>
+                        <a:spcAft>
+                          <a:spcPts val="0"/>
+                        </a:spcAft>
+                      </a:pPr>
+                      <a:r>
+                        <a:rPr lang="en-SG" sz="1100">
+                          <a:effectLst/>
+                        </a:rPr>
+                        <a:t>1</a:t>
+                      </a:r>
+                      <a:endParaRPr lang="en-SG" sz="1100">
+                        <a:effectLst/>
+                        <a:latin typeface="Cambria" panose="02040503050406030204" pitchFamily="18" charset="0"/>
+                        <a:ea typeface="Cambria" panose="02040503050406030204" pitchFamily="18" charset="0"/>
+                        <a:cs typeface="Cambria" panose="02040503050406030204" pitchFamily="18" charset="0"/>
+                      </a:endParaRPr>
+                    </a:p>
+                  </a:txBody>
+                  <a:tcPr marL="68580" marR="68580" marT="0" marB="0"/>
+                </a:tc>
+                <a:tc>
+                  <a:txBody>
+                    <a:bodyPr/>
+                    <a:lstStyle/>
+                    <a:p>
+                      <a:pPr marL="0" marR="0">
+                        <a:spcBef>
+                          <a:spcPts val="0"/>
+                        </a:spcBef>
+                        <a:spcAft>
+                          <a:spcPts val="0"/>
+                        </a:spcAft>
+                      </a:pPr>
+                      <a:r>
+                        <a:rPr lang="en-SG" sz="1100">
+                          <a:effectLst/>
+                        </a:rPr>
+                        <a:t>Wei Ting</a:t>
+                      </a:r>
+                      <a:endParaRPr lang="en-SG" sz="1100">
+                        <a:effectLst/>
+                        <a:latin typeface="Cambria" panose="02040503050406030204" pitchFamily="18" charset="0"/>
+                        <a:ea typeface="Cambria" panose="02040503050406030204" pitchFamily="18" charset="0"/>
+                        <a:cs typeface="Cambria" panose="02040503050406030204" pitchFamily="18" charset="0"/>
+                      </a:endParaRPr>
+                    </a:p>
+                  </a:txBody>
+                  <a:tcPr marL="68580" marR="68580" marT="0" marB="0" anchor="b"/>
+                </a:tc>
+                <a:tc>
+                  <a:txBody>
+                    <a:bodyPr/>
+                    <a:lstStyle/>
+                    <a:p>
+                      <a:pPr marL="0" marR="0">
+                        <a:spcBef>
+                          <a:spcPts val="0"/>
+                        </a:spcBef>
+                        <a:spcAft>
+                          <a:spcPts val="0"/>
+                        </a:spcAft>
+                      </a:pPr>
+                      <a:r>
+                        <a:rPr lang="en-SG" sz="1100">
+                          <a:effectLst/>
+                        </a:rPr>
+                        <a:t>35s</a:t>
+                      </a:r>
+                      <a:endParaRPr lang="en-SG" sz="1100">
+                        <a:effectLst/>
+                        <a:latin typeface="Cambria" panose="02040503050406030204" pitchFamily="18" charset="0"/>
+                        <a:ea typeface="Cambria" panose="02040503050406030204" pitchFamily="18" charset="0"/>
+                        <a:cs typeface="Cambria" panose="02040503050406030204" pitchFamily="18" charset="0"/>
+                      </a:endParaRPr>
+                    </a:p>
+                  </a:txBody>
+                  <a:tcPr marL="68580" marR="68580" marT="0" marB="0"/>
+                </a:tc>
+                <a:tc>
+                  <a:txBody>
+                    <a:bodyPr/>
+                    <a:lstStyle/>
+                    <a:p>
+                      <a:pPr marL="0" marR="0">
+                        <a:spcBef>
+                          <a:spcPts val="0"/>
+                        </a:spcBef>
+                        <a:spcAft>
+                          <a:spcPts val="0"/>
+                        </a:spcAft>
+                      </a:pPr>
+                      <a:r>
+                        <a:rPr lang="en-SG" sz="1100">
+                          <a:effectLst/>
+                        </a:rPr>
+                        <a:t>0</a:t>
+                      </a:r>
+                      <a:endParaRPr lang="en-SG" sz="1100">
+                        <a:effectLst/>
+                        <a:latin typeface="Cambria" panose="02040503050406030204" pitchFamily="18" charset="0"/>
+                        <a:ea typeface="Cambria" panose="02040503050406030204" pitchFamily="18" charset="0"/>
+                        <a:cs typeface="Cambria" panose="02040503050406030204" pitchFamily="18" charset="0"/>
+                      </a:endParaRPr>
+                    </a:p>
+                  </a:txBody>
+                  <a:tcPr marL="68580" marR="68580" marT="0" marB="0"/>
+                </a:tc>
+                <a:tc>
+                  <a:txBody>
+                    <a:bodyPr/>
+                    <a:lstStyle/>
+                    <a:p>
+                      <a:pPr marL="0" marR="0">
+                        <a:spcBef>
+                          <a:spcPts val="0"/>
+                        </a:spcBef>
+                        <a:spcAft>
+                          <a:spcPts val="0"/>
+                        </a:spcAft>
+                      </a:pPr>
+                      <a:r>
+                        <a:rPr lang="en-SG" sz="1100">
+                          <a:effectLst/>
+                        </a:rPr>
+                        <a:t>Success</a:t>
+                      </a:r>
+                      <a:endParaRPr lang="en-SG" sz="1100">
+                        <a:effectLst/>
+                        <a:latin typeface="Cambria" panose="02040503050406030204" pitchFamily="18" charset="0"/>
+                        <a:ea typeface="Cambria" panose="02040503050406030204" pitchFamily="18" charset="0"/>
+                        <a:cs typeface="Cambria" panose="02040503050406030204" pitchFamily="18" charset="0"/>
+                      </a:endParaRPr>
+                    </a:p>
+                  </a:txBody>
+                  <a:tcPr marL="68580" marR="68580" marT="0" marB="0"/>
+                </a:tc>
+                <a:tc>
+                  <a:txBody>
+                    <a:bodyPr/>
+                    <a:lstStyle/>
+                    <a:p>
+                      <a:pPr marL="0" marR="0">
+                        <a:spcBef>
+                          <a:spcPts val="0"/>
+                        </a:spcBef>
+                        <a:spcAft>
+                          <a:spcPts val="0"/>
+                        </a:spcAft>
+                      </a:pPr>
+                      <a:r>
+                        <a:rPr lang="en-SG" sz="1100">
+                          <a:effectLst/>
+                        </a:rPr>
+                        <a:t> </a:t>
+                      </a:r>
+                      <a:endParaRPr lang="en-SG" sz="1100">
+                        <a:effectLst/>
+                        <a:latin typeface="Cambria" panose="02040503050406030204" pitchFamily="18" charset="0"/>
+                        <a:ea typeface="Cambria" panose="02040503050406030204" pitchFamily="18" charset="0"/>
+                        <a:cs typeface="Cambria" panose="02040503050406030204" pitchFamily="18" charset="0"/>
+                      </a:endParaRPr>
+                    </a:p>
+                  </a:txBody>
+                  <a:tcPr marL="68580" marR="68580" marT="0" marB="0"/>
+                </a:tc>
+                <a:extLst>
+                  <a:ext uri="{0D108BD9-81ED-4DB2-BD59-A6C34878D82A}">
+                    <a16:rowId xmlns:a16="http://schemas.microsoft.com/office/drawing/2014/main" val="479473419"/>
+                  </a:ext>
+                </a:extLst>
+              </a:tr>
+              <a:tr h="155575">
+                <a:tc>
+                  <a:txBody>
+                    <a:bodyPr/>
+                    <a:lstStyle/>
+                    <a:p>
+                      <a:pPr marL="0" marR="0">
+                        <a:spcBef>
+                          <a:spcPts val="0"/>
+                        </a:spcBef>
+                        <a:spcAft>
+                          <a:spcPts val="0"/>
+                        </a:spcAft>
+                      </a:pPr>
+                      <a:r>
+                        <a:rPr lang="en-SG" sz="1100">
+                          <a:effectLst/>
+                        </a:rPr>
+                        <a:t>2</a:t>
+                      </a:r>
+                      <a:endParaRPr lang="en-SG" sz="1100">
+                        <a:effectLst/>
+                        <a:latin typeface="Cambria" panose="02040503050406030204" pitchFamily="18" charset="0"/>
+                        <a:ea typeface="Cambria" panose="02040503050406030204" pitchFamily="18" charset="0"/>
+                        <a:cs typeface="Cambria" panose="02040503050406030204" pitchFamily="18" charset="0"/>
+                      </a:endParaRPr>
+                    </a:p>
+                  </a:txBody>
+                  <a:tcPr marL="68580" marR="68580" marT="0" marB="0"/>
+                </a:tc>
+                <a:tc>
+                  <a:txBody>
+                    <a:bodyPr/>
+                    <a:lstStyle/>
+                    <a:p>
+                      <a:pPr marL="0" marR="0">
+                        <a:spcBef>
+                          <a:spcPts val="0"/>
+                        </a:spcBef>
+                        <a:spcAft>
+                          <a:spcPts val="0"/>
+                        </a:spcAft>
+                      </a:pPr>
+                      <a:r>
+                        <a:rPr lang="en-SG" sz="1100">
+                          <a:effectLst/>
+                        </a:rPr>
+                        <a:t>Sze Yuan</a:t>
+                      </a:r>
+                      <a:endParaRPr lang="en-SG" sz="1100">
+                        <a:effectLst/>
+                        <a:latin typeface="Cambria" panose="02040503050406030204" pitchFamily="18" charset="0"/>
+                        <a:ea typeface="Cambria" panose="02040503050406030204" pitchFamily="18" charset="0"/>
+                        <a:cs typeface="Cambria" panose="02040503050406030204" pitchFamily="18" charset="0"/>
+                      </a:endParaRPr>
+                    </a:p>
+                  </a:txBody>
+                  <a:tcPr marL="68580" marR="68580" marT="0" marB="0" anchor="b"/>
+                </a:tc>
+                <a:tc>
+                  <a:txBody>
+                    <a:bodyPr/>
+                    <a:lstStyle/>
+                    <a:p>
+                      <a:pPr marL="0" marR="0">
+                        <a:spcBef>
+                          <a:spcPts val="0"/>
+                        </a:spcBef>
+                        <a:spcAft>
+                          <a:spcPts val="0"/>
+                        </a:spcAft>
+                      </a:pPr>
+                      <a:r>
+                        <a:rPr lang="en-SG" sz="1100">
+                          <a:effectLst/>
+                        </a:rPr>
+                        <a:t>20</a:t>
+                      </a:r>
+                      <a:endParaRPr lang="en-SG" sz="1100">
+                        <a:effectLst/>
+                        <a:latin typeface="Cambria" panose="02040503050406030204" pitchFamily="18" charset="0"/>
+                        <a:ea typeface="Cambria" panose="02040503050406030204" pitchFamily="18" charset="0"/>
+                        <a:cs typeface="Cambria" panose="02040503050406030204" pitchFamily="18" charset="0"/>
+                      </a:endParaRPr>
+                    </a:p>
+                  </a:txBody>
+                  <a:tcPr marL="68580" marR="68580" marT="0" marB="0"/>
+                </a:tc>
+                <a:tc>
+                  <a:txBody>
+                    <a:bodyPr/>
+                    <a:lstStyle/>
+                    <a:p>
+                      <a:pPr marL="0" marR="0">
+                        <a:spcBef>
+                          <a:spcPts val="0"/>
+                        </a:spcBef>
+                        <a:spcAft>
+                          <a:spcPts val="0"/>
+                        </a:spcAft>
+                      </a:pPr>
+                      <a:r>
+                        <a:rPr lang="en-SG" sz="1100">
+                          <a:effectLst/>
+                        </a:rPr>
+                        <a:t>0</a:t>
+                      </a:r>
+                      <a:endParaRPr lang="en-SG" sz="1100">
+                        <a:effectLst/>
+                        <a:latin typeface="Cambria" panose="02040503050406030204" pitchFamily="18" charset="0"/>
+                        <a:ea typeface="Cambria" panose="02040503050406030204" pitchFamily="18" charset="0"/>
+                        <a:cs typeface="Cambria" panose="02040503050406030204" pitchFamily="18" charset="0"/>
+                      </a:endParaRPr>
+                    </a:p>
+                  </a:txBody>
+                  <a:tcPr marL="68580" marR="68580" marT="0" marB="0"/>
+                </a:tc>
+                <a:tc>
+                  <a:txBody>
+                    <a:bodyPr/>
+                    <a:lstStyle/>
+                    <a:p>
+                      <a:pPr marL="0" marR="0">
+                        <a:spcBef>
+                          <a:spcPts val="0"/>
+                        </a:spcBef>
+                        <a:spcAft>
+                          <a:spcPts val="0"/>
+                        </a:spcAft>
+                      </a:pPr>
+                      <a:r>
+                        <a:rPr lang="en-SG" sz="1200">
+                          <a:effectLst/>
+                        </a:rPr>
+                        <a:t>Success</a:t>
+                      </a:r>
+                      <a:endParaRPr lang="en-SG" sz="1100">
+                        <a:effectLst/>
+                        <a:latin typeface="Cambria" panose="02040503050406030204" pitchFamily="18" charset="0"/>
+                        <a:ea typeface="Cambria" panose="02040503050406030204" pitchFamily="18" charset="0"/>
+                        <a:cs typeface="Cambria" panose="02040503050406030204" pitchFamily="18" charset="0"/>
+                      </a:endParaRPr>
+                    </a:p>
+                  </a:txBody>
+                  <a:tcPr marL="68580" marR="68580" marT="0" marB="0"/>
+                </a:tc>
+                <a:tc>
+                  <a:txBody>
+                    <a:bodyPr/>
+                    <a:lstStyle/>
+                    <a:p>
+                      <a:pPr marL="0" marR="0">
+                        <a:spcBef>
+                          <a:spcPts val="0"/>
+                        </a:spcBef>
+                        <a:spcAft>
+                          <a:spcPts val="0"/>
+                        </a:spcAft>
+                      </a:pPr>
+                      <a:r>
+                        <a:rPr lang="en-SG" sz="1100">
+                          <a:effectLst/>
+                        </a:rPr>
+                        <a:t> </a:t>
+                      </a:r>
+                      <a:endParaRPr lang="en-SG" sz="1100">
+                        <a:effectLst/>
+                        <a:latin typeface="Cambria" panose="02040503050406030204" pitchFamily="18" charset="0"/>
+                        <a:ea typeface="Cambria" panose="02040503050406030204" pitchFamily="18" charset="0"/>
+                        <a:cs typeface="Cambria" panose="02040503050406030204" pitchFamily="18" charset="0"/>
+                      </a:endParaRPr>
+                    </a:p>
+                  </a:txBody>
+                  <a:tcPr marL="68580" marR="68580" marT="0" marB="0"/>
+                </a:tc>
+                <a:extLst>
+                  <a:ext uri="{0D108BD9-81ED-4DB2-BD59-A6C34878D82A}">
+                    <a16:rowId xmlns:a16="http://schemas.microsoft.com/office/drawing/2014/main" val="1317720279"/>
+                  </a:ext>
+                </a:extLst>
+              </a:tr>
+              <a:tr h="155575">
+                <a:tc>
+                  <a:txBody>
+                    <a:bodyPr/>
+                    <a:lstStyle/>
+                    <a:p>
+                      <a:pPr marL="0" marR="0">
+                        <a:spcBef>
+                          <a:spcPts val="0"/>
+                        </a:spcBef>
+                        <a:spcAft>
+                          <a:spcPts val="0"/>
+                        </a:spcAft>
+                      </a:pPr>
+                      <a:r>
+                        <a:rPr lang="en-SG" sz="1100">
+                          <a:effectLst/>
+                        </a:rPr>
+                        <a:t>3</a:t>
+                      </a:r>
+                      <a:endParaRPr lang="en-SG" sz="1100">
+                        <a:effectLst/>
+                        <a:latin typeface="Cambria" panose="02040503050406030204" pitchFamily="18" charset="0"/>
+                        <a:ea typeface="Cambria" panose="02040503050406030204" pitchFamily="18" charset="0"/>
+                        <a:cs typeface="Cambria" panose="02040503050406030204" pitchFamily="18" charset="0"/>
+                      </a:endParaRPr>
+                    </a:p>
+                  </a:txBody>
+                  <a:tcPr marL="68580" marR="68580" marT="0" marB="0"/>
+                </a:tc>
+                <a:tc>
+                  <a:txBody>
+                    <a:bodyPr/>
+                    <a:lstStyle/>
+                    <a:p>
+                      <a:pPr marL="0" marR="0">
+                        <a:spcBef>
+                          <a:spcPts val="0"/>
+                        </a:spcBef>
+                        <a:spcAft>
+                          <a:spcPts val="0"/>
+                        </a:spcAft>
+                      </a:pPr>
+                      <a:r>
+                        <a:rPr lang="en-SG" sz="1100">
+                          <a:effectLst/>
+                        </a:rPr>
+                        <a:t>Harith</a:t>
+                      </a:r>
+                      <a:endParaRPr lang="en-SG" sz="1100">
+                        <a:effectLst/>
+                        <a:latin typeface="Cambria" panose="02040503050406030204" pitchFamily="18" charset="0"/>
+                        <a:ea typeface="Cambria" panose="02040503050406030204" pitchFamily="18" charset="0"/>
+                        <a:cs typeface="Cambria" panose="02040503050406030204" pitchFamily="18" charset="0"/>
+                      </a:endParaRPr>
+                    </a:p>
+                  </a:txBody>
+                  <a:tcPr marL="68580" marR="68580" marT="0" marB="0" anchor="b"/>
+                </a:tc>
+                <a:tc>
+                  <a:txBody>
+                    <a:bodyPr/>
+                    <a:lstStyle/>
+                    <a:p>
+                      <a:pPr marL="0" marR="0">
+                        <a:spcBef>
+                          <a:spcPts val="0"/>
+                        </a:spcBef>
+                        <a:spcAft>
+                          <a:spcPts val="0"/>
+                        </a:spcAft>
+                      </a:pPr>
+                      <a:r>
+                        <a:rPr lang="en-SG" sz="1100">
+                          <a:effectLst/>
+                        </a:rPr>
+                        <a:t>35</a:t>
+                      </a:r>
+                      <a:endParaRPr lang="en-SG" sz="1100">
+                        <a:effectLst/>
+                        <a:latin typeface="Cambria" panose="02040503050406030204" pitchFamily="18" charset="0"/>
+                        <a:ea typeface="Cambria" panose="02040503050406030204" pitchFamily="18" charset="0"/>
+                        <a:cs typeface="Cambria" panose="02040503050406030204" pitchFamily="18" charset="0"/>
+                      </a:endParaRPr>
+                    </a:p>
+                  </a:txBody>
+                  <a:tcPr marL="68580" marR="68580" marT="0" marB="0"/>
+                </a:tc>
+                <a:tc>
+                  <a:txBody>
+                    <a:bodyPr/>
+                    <a:lstStyle/>
+                    <a:p>
+                      <a:pPr marL="0" marR="0">
+                        <a:spcBef>
+                          <a:spcPts val="0"/>
+                        </a:spcBef>
+                        <a:spcAft>
+                          <a:spcPts val="0"/>
+                        </a:spcAft>
+                      </a:pPr>
+                      <a:r>
+                        <a:rPr lang="en-SG" sz="1100">
+                          <a:effectLst/>
+                        </a:rPr>
+                        <a:t>0</a:t>
+                      </a:r>
+                      <a:endParaRPr lang="en-SG" sz="1100">
+                        <a:effectLst/>
+                        <a:latin typeface="Cambria" panose="02040503050406030204" pitchFamily="18" charset="0"/>
+                        <a:ea typeface="Cambria" panose="02040503050406030204" pitchFamily="18" charset="0"/>
+                        <a:cs typeface="Cambria" panose="02040503050406030204" pitchFamily="18" charset="0"/>
+                      </a:endParaRPr>
+                    </a:p>
+                  </a:txBody>
+                  <a:tcPr marL="68580" marR="68580" marT="0" marB="0"/>
+                </a:tc>
+                <a:tc>
+                  <a:txBody>
+                    <a:bodyPr/>
+                    <a:lstStyle/>
+                    <a:p>
+                      <a:pPr marL="0" marR="0">
+                        <a:spcBef>
+                          <a:spcPts val="0"/>
+                        </a:spcBef>
+                        <a:spcAft>
+                          <a:spcPts val="0"/>
+                        </a:spcAft>
+                      </a:pPr>
+                      <a:r>
+                        <a:rPr lang="en-SG" sz="1200">
+                          <a:effectLst/>
+                        </a:rPr>
+                        <a:t>Success</a:t>
+                      </a:r>
+                      <a:endParaRPr lang="en-SG" sz="1100">
+                        <a:effectLst/>
+                        <a:latin typeface="Cambria" panose="02040503050406030204" pitchFamily="18" charset="0"/>
+                        <a:ea typeface="Cambria" panose="02040503050406030204" pitchFamily="18" charset="0"/>
+                        <a:cs typeface="Cambria" panose="02040503050406030204" pitchFamily="18" charset="0"/>
+                      </a:endParaRPr>
+                    </a:p>
+                  </a:txBody>
+                  <a:tcPr marL="68580" marR="68580" marT="0" marB="0"/>
+                </a:tc>
+                <a:tc>
+                  <a:txBody>
+                    <a:bodyPr/>
+                    <a:lstStyle/>
+                    <a:p>
+                      <a:pPr marL="0" marR="0">
+                        <a:spcBef>
+                          <a:spcPts val="0"/>
+                        </a:spcBef>
+                        <a:spcAft>
+                          <a:spcPts val="0"/>
+                        </a:spcAft>
+                      </a:pPr>
+                      <a:r>
+                        <a:rPr lang="en-SG" sz="1100">
+                          <a:effectLst/>
+                        </a:rPr>
+                        <a:t> </a:t>
+                      </a:r>
+                      <a:endParaRPr lang="en-SG" sz="1100">
+                        <a:effectLst/>
+                        <a:latin typeface="Cambria" panose="02040503050406030204" pitchFamily="18" charset="0"/>
+                        <a:ea typeface="Cambria" panose="02040503050406030204" pitchFamily="18" charset="0"/>
+                        <a:cs typeface="Cambria" panose="02040503050406030204" pitchFamily="18" charset="0"/>
+                      </a:endParaRPr>
+                    </a:p>
+                  </a:txBody>
+                  <a:tcPr marL="68580" marR="68580" marT="0" marB="0"/>
+                </a:tc>
+                <a:extLst>
+                  <a:ext uri="{0D108BD9-81ED-4DB2-BD59-A6C34878D82A}">
+                    <a16:rowId xmlns:a16="http://schemas.microsoft.com/office/drawing/2014/main" val="2517921022"/>
+                  </a:ext>
+                </a:extLst>
+              </a:tr>
+              <a:tr h="155575">
+                <a:tc>
+                  <a:txBody>
+                    <a:bodyPr/>
+                    <a:lstStyle/>
+                    <a:p>
+                      <a:pPr marL="0" marR="0">
+                        <a:spcBef>
+                          <a:spcPts val="0"/>
+                        </a:spcBef>
+                        <a:spcAft>
+                          <a:spcPts val="0"/>
+                        </a:spcAft>
+                      </a:pPr>
+                      <a:r>
+                        <a:rPr lang="en-SG" sz="1100">
+                          <a:effectLst/>
+                        </a:rPr>
+                        <a:t>4</a:t>
+                      </a:r>
+                      <a:endParaRPr lang="en-SG" sz="1100">
+                        <a:effectLst/>
+                        <a:latin typeface="Cambria" panose="02040503050406030204" pitchFamily="18" charset="0"/>
+                        <a:ea typeface="Cambria" panose="02040503050406030204" pitchFamily="18" charset="0"/>
+                        <a:cs typeface="Cambria" panose="02040503050406030204" pitchFamily="18" charset="0"/>
+                      </a:endParaRPr>
+                    </a:p>
+                  </a:txBody>
+                  <a:tcPr marL="68580" marR="68580" marT="0" marB="0"/>
+                </a:tc>
+                <a:tc>
+                  <a:txBody>
+                    <a:bodyPr/>
+                    <a:lstStyle/>
+                    <a:p>
+                      <a:pPr marL="0" marR="0">
+                        <a:spcBef>
+                          <a:spcPts val="0"/>
+                        </a:spcBef>
+                        <a:spcAft>
+                          <a:spcPts val="0"/>
+                        </a:spcAft>
+                      </a:pPr>
+                      <a:r>
+                        <a:rPr lang="en-SG" sz="1100">
+                          <a:effectLst/>
+                        </a:rPr>
+                        <a:t>Li Qing</a:t>
+                      </a:r>
+                      <a:endParaRPr lang="en-SG" sz="1100">
+                        <a:effectLst/>
+                        <a:latin typeface="Cambria" panose="02040503050406030204" pitchFamily="18" charset="0"/>
+                        <a:ea typeface="Cambria" panose="02040503050406030204" pitchFamily="18" charset="0"/>
+                        <a:cs typeface="Cambria" panose="02040503050406030204" pitchFamily="18" charset="0"/>
+                      </a:endParaRPr>
+                    </a:p>
+                  </a:txBody>
+                  <a:tcPr marL="68580" marR="68580" marT="0" marB="0" anchor="b"/>
+                </a:tc>
+                <a:tc>
+                  <a:txBody>
+                    <a:bodyPr/>
+                    <a:lstStyle/>
+                    <a:p>
+                      <a:pPr marL="0" marR="0">
+                        <a:spcBef>
+                          <a:spcPts val="0"/>
+                        </a:spcBef>
+                        <a:spcAft>
+                          <a:spcPts val="0"/>
+                        </a:spcAft>
+                      </a:pPr>
+                      <a:r>
+                        <a:rPr lang="en-SG" sz="1100">
+                          <a:effectLst/>
+                        </a:rPr>
+                        <a:t>30</a:t>
+                      </a:r>
+                      <a:endParaRPr lang="en-SG" sz="1100">
+                        <a:effectLst/>
+                        <a:latin typeface="Cambria" panose="02040503050406030204" pitchFamily="18" charset="0"/>
+                        <a:ea typeface="Cambria" panose="02040503050406030204" pitchFamily="18" charset="0"/>
+                        <a:cs typeface="Cambria" panose="02040503050406030204" pitchFamily="18" charset="0"/>
+                      </a:endParaRPr>
+                    </a:p>
+                  </a:txBody>
+                  <a:tcPr marL="68580" marR="68580" marT="0" marB="0"/>
+                </a:tc>
+                <a:tc>
+                  <a:txBody>
+                    <a:bodyPr/>
+                    <a:lstStyle/>
+                    <a:p>
+                      <a:pPr marL="0" marR="0">
+                        <a:spcBef>
+                          <a:spcPts val="0"/>
+                        </a:spcBef>
+                        <a:spcAft>
+                          <a:spcPts val="0"/>
+                        </a:spcAft>
+                      </a:pPr>
+                      <a:r>
+                        <a:rPr lang="en-SG" sz="1100">
+                          <a:effectLst/>
+                        </a:rPr>
+                        <a:t>0</a:t>
+                      </a:r>
+                      <a:endParaRPr lang="en-SG" sz="1100">
+                        <a:effectLst/>
+                        <a:latin typeface="Cambria" panose="02040503050406030204" pitchFamily="18" charset="0"/>
+                        <a:ea typeface="Cambria" panose="02040503050406030204" pitchFamily="18" charset="0"/>
+                        <a:cs typeface="Cambria" panose="02040503050406030204" pitchFamily="18" charset="0"/>
+                      </a:endParaRPr>
+                    </a:p>
+                  </a:txBody>
+                  <a:tcPr marL="68580" marR="68580" marT="0" marB="0"/>
+                </a:tc>
+                <a:tc>
+                  <a:txBody>
+                    <a:bodyPr/>
+                    <a:lstStyle/>
+                    <a:p>
+                      <a:pPr marL="0" marR="0">
+                        <a:spcBef>
+                          <a:spcPts val="0"/>
+                        </a:spcBef>
+                        <a:spcAft>
+                          <a:spcPts val="0"/>
+                        </a:spcAft>
+                      </a:pPr>
+                      <a:r>
+                        <a:rPr lang="en-SG" sz="1200">
+                          <a:effectLst/>
+                        </a:rPr>
+                        <a:t>Success</a:t>
+                      </a:r>
+                      <a:endParaRPr lang="en-SG" sz="1100">
+                        <a:effectLst/>
+                        <a:latin typeface="Cambria" panose="02040503050406030204" pitchFamily="18" charset="0"/>
+                        <a:ea typeface="Cambria" panose="02040503050406030204" pitchFamily="18" charset="0"/>
+                        <a:cs typeface="Cambria" panose="02040503050406030204" pitchFamily="18" charset="0"/>
+                      </a:endParaRPr>
+                    </a:p>
+                  </a:txBody>
+                  <a:tcPr marL="68580" marR="68580" marT="0" marB="0"/>
+                </a:tc>
+                <a:tc>
+                  <a:txBody>
+                    <a:bodyPr/>
+                    <a:lstStyle/>
+                    <a:p>
+                      <a:pPr marL="0" marR="0">
+                        <a:spcBef>
+                          <a:spcPts val="0"/>
+                        </a:spcBef>
+                        <a:spcAft>
+                          <a:spcPts val="0"/>
+                        </a:spcAft>
+                      </a:pPr>
+                      <a:r>
+                        <a:rPr lang="en-SG" sz="1100">
+                          <a:effectLst/>
+                        </a:rPr>
+                        <a:t> </a:t>
+                      </a:r>
+                      <a:endParaRPr lang="en-SG" sz="1100">
+                        <a:effectLst/>
+                        <a:latin typeface="Cambria" panose="02040503050406030204" pitchFamily="18" charset="0"/>
+                        <a:ea typeface="Cambria" panose="02040503050406030204" pitchFamily="18" charset="0"/>
+                        <a:cs typeface="Cambria" panose="02040503050406030204" pitchFamily="18" charset="0"/>
+                      </a:endParaRPr>
+                    </a:p>
+                  </a:txBody>
+                  <a:tcPr marL="68580" marR="68580" marT="0" marB="0"/>
+                </a:tc>
+                <a:extLst>
+                  <a:ext uri="{0D108BD9-81ED-4DB2-BD59-A6C34878D82A}">
+                    <a16:rowId xmlns:a16="http://schemas.microsoft.com/office/drawing/2014/main" val="267653221"/>
+                  </a:ext>
+                </a:extLst>
+              </a:tr>
+              <a:tr h="155575">
+                <a:tc>
+                  <a:txBody>
+                    <a:bodyPr/>
+                    <a:lstStyle/>
+                    <a:p>
+                      <a:pPr marL="0" marR="0">
+                        <a:spcBef>
+                          <a:spcPts val="0"/>
+                        </a:spcBef>
+                        <a:spcAft>
+                          <a:spcPts val="0"/>
+                        </a:spcAft>
+                      </a:pPr>
+                      <a:r>
+                        <a:rPr lang="en-SG" sz="1100">
+                          <a:effectLst/>
+                        </a:rPr>
+                        <a:t>5</a:t>
+                      </a:r>
+                      <a:endParaRPr lang="en-SG" sz="1100">
+                        <a:effectLst/>
+                        <a:latin typeface="Cambria" panose="02040503050406030204" pitchFamily="18" charset="0"/>
+                        <a:ea typeface="Cambria" panose="02040503050406030204" pitchFamily="18" charset="0"/>
+                        <a:cs typeface="Cambria" panose="02040503050406030204" pitchFamily="18" charset="0"/>
+                      </a:endParaRPr>
+                    </a:p>
+                  </a:txBody>
+                  <a:tcPr marL="68580" marR="68580" marT="0" marB="0"/>
+                </a:tc>
+                <a:tc>
+                  <a:txBody>
+                    <a:bodyPr/>
+                    <a:lstStyle/>
+                    <a:p>
+                      <a:pPr marL="0" marR="0">
+                        <a:spcBef>
+                          <a:spcPts val="0"/>
+                        </a:spcBef>
+                        <a:spcAft>
+                          <a:spcPts val="0"/>
+                        </a:spcAft>
+                      </a:pPr>
+                      <a:r>
+                        <a:rPr lang="en-SG" sz="1100">
+                          <a:effectLst/>
+                        </a:rPr>
+                        <a:t>Samuel</a:t>
+                      </a:r>
+                      <a:endParaRPr lang="en-SG" sz="1100">
+                        <a:effectLst/>
+                        <a:latin typeface="Cambria" panose="02040503050406030204" pitchFamily="18" charset="0"/>
+                        <a:ea typeface="Cambria" panose="02040503050406030204" pitchFamily="18" charset="0"/>
+                        <a:cs typeface="Cambria" panose="02040503050406030204" pitchFamily="18" charset="0"/>
+                      </a:endParaRPr>
+                    </a:p>
+                  </a:txBody>
+                  <a:tcPr marL="68580" marR="68580" marT="0" marB="0" anchor="b"/>
+                </a:tc>
+                <a:tc>
+                  <a:txBody>
+                    <a:bodyPr/>
+                    <a:lstStyle/>
+                    <a:p>
+                      <a:pPr marL="0" marR="0">
+                        <a:spcBef>
+                          <a:spcPts val="0"/>
+                        </a:spcBef>
+                        <a:spcAft>
+                          <a:spcPts val="0"/>
+                        </a:spcAft>
+                      </a:pPr>
+                      <a:r>
+                        <a:rPr lang="en-SG" sz="1100">
+                          <a:effectLst/>
+                        </a:rPr>
+                        <a:t>25</a:t>
+                      </a:r>
+                      <a:endParaRPr lang="en-SG" sz="1100">
+                        <a:effectLst/>
+                        <a:latin typeface="Cambria" panose="02040503050406030204" pitchFamily="18" charset="0"/>
+                        <a:ea typeface="Cambria" panose="02040503050406030204" pitchFamily="18" charset="0"/>
+                        <a:cs typeface="Cambria" panose="02040503050406030204" pitchFamily="18" charset="0"/>
+                      </a:endParaRPr>
+                    </a:p>
+                  </a:txBody>
+                  <a:tcPr marL="68580" marR="68580" marT="0" marB="0"/>
+                </a:tc>
+                <a:tc>
+                  <a:txBody>
+                    <a:bodyPr/>
+                    <a:lstStyle/>
+                    <a:p>
+                      <a:pPr marL="0" marR="0">
+                        <a:spcBef>
+                          <a:spcPts val="0"/>
+                        </a:spcBef>
+                        <a:spcAft>
+                          <a:spcPts val="0"/>
+                        </a:spcAft>
+                      </a:pPr>
+                      <a:r>
+                        <a:rPr lang="en-SG" sz="1100">
+                          <a:effectLst/>
+                        </a:rPr>
+                        <a:t>0</a:t>
+                      </a:r>
+                      <a:endParaRPr lang="en-SG" sz="1100">
+                        <a:effectLst/>
+                        <a:latin typeface="Cambria" panose="02040503050406030204" pitchFamily="18" charset="0"/>
+                        <a:ea typeface="Cambria" panose="02040503050406030204" pitchFamily="18" charset="0"/>
+                        <a:cs typeface="Cambria" panose="02040503050406030204" pitchFamily="18" charset="0"/>
+                      </a:endParaRPr>
+                    </a:p>
+                  </a:txBody>
+                  <a:tcPr marL="68580" marR="68580" marT="0" marB="0"/>
+                </a:tc>
+                <a:tc>
+                  <a:txBody>
+                    <a:bodyPr/>
+                    <a:lstStyle/>
+                    <a:p>
+                      <a:pPr marL="0" marR="0">
+                        <a:spcBef>
+                          <a:spcPts val="0"/>
+                        </a:spcBef>
+                        <a:spcAft>
+                          <a:spcPts val="0"/>
+                        </a:spcAft>
+                      </a:pPr>
+                      <a:r>
+                        <a:rPr lang="en-SG" sz="1200">
+                          <a:effectLst/>
+                        </a:rPr>
+                        <a:t>Success</a:t>
+                      </a:r>
+                      <a:endParaRPr lang="en-SG" sz="1100">
+                        <a:effectLst/>
+                        <a:latin typeface="Cambria" panose="02040503050406030204" pitchFamily="18" charset="0"/>
+                        <a:ea typeface="Cambria" panose="02040503050406030204" pitchFamily="18" charset="0"/>
+                        <a:cs typeface="Cambria" panose="02040503050406030204" pitchFamily="18" charset="0"/>
+                      </a:endParaRPr>
+                    </a:p>
+                  </a:txBody>
+                  <a:tcPr marL="68580" marR="68580" marT="0" marB="0"/>
+                </a:tc>
+                <a:tc>
+                  <a:txBody>
+                    <a:bodyPr/>
+                    <a:lstStyle/>
+                    <a:p>
+                      <a:pPr marL="0" marR="0">
+                        <a:spcBef>
+                          <a:spcPts val="0"/>
+                        </a:spcBef>
+                        <a:spcAft>
+                          <a:spcPts val="0"/>
+                        </a:spcAft>
+                      </a:pPr>
+                      <a:r>
+                        <a:rPr lang="en-SG" sz="1100">
+                          <a:effectLst/>
+                        </a:rPr>
+                        <a:t> </a:t>
+                      </a:r>
+                      <a:endParaRPr lang="en-SG" sz="1100">
+                        <a:effectLst/>
+                        <a:latin typeface="Cambria" panose="02040503050406030204" pitchFamily="18" charset="0"/>
+                        <a:ea typeface="Cambria" panose="02040503050406030204" pitchFamily="18" charset="0"/>
+                        <a:cs typeface="Cambria" panose="02040503050406030204" pitchFamily="18" charset="0"/>
+                      </a:endParaRPr>
+                    </a:p>
+                  </a:txBody>
+                  <a:tcPr marL="68580" marR="68580" marT="0" marB="0"/>
+                </a:tc>
+                <a:extLst>
+                  <a:ext uri="{0D108BD9-81ED-4DB2-BD59-A6C34878D82A}">
+                    <a16:rowId xmlns:a16="http://schemas.microsoft.com/office/drawing/2014/main" val="3049529021"/>
+                  </a:ext>
+                </a:extLst>
+              </a:tr>
+              <a:tr h="155575">
+                <a:tc gridSpan="2">
+                  <a:txBody>
+                    <a:bodyPr/>
+                    <a:lstStyle/>
+                    <a:p>
+                      <a:pPr marL="0" marR="0">
+                        <a:spcBef>
+                          <a:spcPts val="0"/>
+                        </a:spcBef>
+                        <a:spcAft>
+                          <a:spcPts val="0"/>
+                        </a:spcAft>
+                      </a:pPr>
+                      <a:r>
+                        <a:rPr lang="en-SG" sz="1100">
+                          <a:effectLst/>
+                        </a:rPr>
+                        <a:t>Total or Average</a:t>
+                      </a:r>
+                      <a:endParaRPr lang="en-SG" sz="1100">
+                        <a:effectLst/>
+                        <a:latin typeface="Cambria" panose="02040503050406030204" pitchFamily="18" charset="0"/>
+                        <a:ea typeface="Cambria" panose="02040503050406030204" pitchFamily="18" charset="0"/>
+                        <a:cs typeface="Cambria" panose="02040503050406030204" pitchFamily="18" charset="0"/>
+                      </a:endParaRPr>
+                    </a:p>
+                  </a:txBody>
+                  <a:tcPr marL="68580" marR="68580" marT="0" marB="0"/>
+                </a:tc>
+                <a:tc hMerge="1">
+                  <a:txBody>
+                    <a:bodyPr/>
+                    <a:lstStyle/>
+                    <a:p>
+                      <a:endParaRPr lang="en-SG"/>
+                    </a:p>
+                  </a:txBody>
+                  <a:tcPr/>
+                </a:tc>
+                <a:tc>
+                  <a:txBody>
+                    <a:bodyPr/>
+                    <a:lstStyle/>
+                    <a:p>
+                      <a:pPr marL="0" marR="0">
+                        <a:spcBef>
+                          <a:spcPts val="0"/>
+                        </a:spcBef>
+                        <a:spcAft>
+                          <a:spcPts val="0"/>
+                        </a:spcAft>
+                      </a:pPr>
+                      <a:r>
+                        <a:rPr lang="en-SG" sz="1100">
+                          <a:effectLst/>
+                        </a:rPr>
+                        <a:t>30s</a:t>
+                      </a:r>
+                      <a:endParaRPr lang="en-SG" sz="1100">
+                        <a:effectLst/>
+                        <a:latin typeface="Cambria" panose="02040503050406030204" pitchFamily="18" charset="0"/>
+                        <a:ea typeface="Cambria" panose="02040503050406030204" pitchFamily="18" charset="0"/>
+                        <a:cs typeface="Cambria" panose="02040503050406030204" pitchFamily="18" charset="0"/>
+                      </a:endParaRPr>
+                    </a:p>
+                  </a:txBody>
+                  <a:tcPr marL="68580" marR="68580" marT="0" marB="0"/>
+                </a:tc>
+                <a:tc>
+                  <a:txBody>
+                    <a:bodyPr/>
+                    <a:lstStyle/>
+                    <a:p>
+                      <a:pPr marL="0" marR="0">
+                        <a:spcBef>
+                          <a:spcPts val="0"/>
+                        </a:spcBef>
+                        <a:spcAft>
+                          <a:spcPts val="0"/>
+                        </a:spcAft>
+                      </a:pPr>
+                      <a:r>
+                        <a:rPr lang="en-SG" sz="1100">
+                          <a:effectLst/>
+                        </a:rPr>
+                        <a:t>100%</a:t>
+                      </a:r>
+                      <a:endParaRPr lang="en-SG" sz="1100">
+                        <a:effectLst/>
+                        <a:latin typeface="Cambria" panose="02040503050406030204" pitchFamily="18" charset="0"/>
+                        <a:ea typeface="Cambria" panose="02040503050406030204" pitchFamily="18" charset="0"/>
+                        <a:cs typeface="Cambria" panose="02040503050406030204" pitchFamily="18" charset="0"/>
+                      </a:endParaRPr>
+                    </a:p>
+                  </a:txBody>
+                  <a:tcPr marL="68580" marR="68580" marT="0" marB="0"/>
+                </a:tc>
+                <a:tc>
+                  <a:txBody>
+                    <a:bodyPr/>
+                    <a:lstStyle/>
+                    <a:p>
+                      <a:pPr marL="0" marR="0">
+                        <a:spcBef>
+                          <a:spcPts val="0"/>
+                        </a:spcBef>
+                        <a:spcAft>
+                          <a:spcPts val="0"/>
+                        </a:spcAft>
+                      </a:pPr>
+                      <a:r>
+                        <a:rPr lang="en-SG" sz="1100">
+                          <a:effectLst/>
+                        </a:rPr>
+                        <a:t>100%</a:t>
+                      </a:r>
+                      <a:endParaRPr lang="en-SG" sz="1100">
+                        <a:effectLst/>
+                        <a:latin typeface="Cambria" panose="02040503050406030204" pitchFamily="18" charset="0"/>
+                        <a:ea typeface="Cambria" panose="02040503050406030204" pitchFamily="18" charset="0"/>
+                        <a:cs typeface="Cambria" panose="02040503050406030204" pitchFamily="18" charset="0"/>
+                      </a:endParaRPr>
+                    </a:p>
+                  </a:txBody>
+                  <a:tcPr marL="68580" marR="68580" marT="0" marB="0"/>
+                </a:tc>
+                <a:tc>
+                  <a:txBody>
+                    <a:bodyPr/>
+                    <a:lstStyle/>
+                    <a:p>
+                      <a:pPr marL="0" marR="0">
+                        <a:spcBef>
+                          <a:spcPts val="0"/>
+                        </a:spcBef>
+                        <a:spcAft>
+                          <a:spcPts val="0"/>
+                        </a:spcAft>
+                      </a:pPr>
+                      <a:r>
+                        <a:rPr lang="en-SG" sz="1100" dirty="0">
+                          <a:effectLst/>
+                        </a:rPr>
+                        <a:t>Password validations helps user to enter correct data</a:t>
+                      </a:r>
+                      <a:endParaRPr lang="en-SG" sz="1100" dirty="0">
+                        <a:effectLst/>
+                        <a:latin typeface="Cambria" panose="02040503050406030204" pitchFamily="18" charset="0"/>
+                        <a:ea typeface="Cambria" panose="02040503050406030204" pitchFamily="18" charset="0"/>
+                        <a:cs typeface="Cambria" panose="02040503050406030204" pitchFamily="18" charset="0"/>
+                      </a:endParaRPr>
+                    </a:p>
+                  </a:txBody>
+                  <a:tcPr marL="68580" marR="68580" marT="0" marB="0"/>
+                </a:tc>
+                <a:extLst>
+                  <a:ext uri="{0D108BD9-81ED-4DB2-BD59-A6C34878D82A}">
+                    <a16:rowId xmlns:a16="http://schemas.microsoft.com/office/drawing/2014/main" val="2338966542"/>
+                  </a:ext>
+                </a:extLst>
+              </a:tr>
+            </a:tbl>
+          </a:graphicData>
+        </a:graphic>
+      </p:graphicFrame>
+      <p:sp>
+        <p:nvSpPr>
+          <p:cNvPr id="6" name="Rectangle 1">
+            <a:extLst>
+              <a:ext uri="{FF2B5EF4-FFF2-40B4-BE49-F238E27FC236}">
+                <a16:creationId xmlns:a16="http://schemas.microsoft.com/office/drawing/2014/main" id="{8BB9A7DE-BFBB-F1B7-0190-AE0CB8391FE4}"/>
+              </a:ext>
+            </a:extLst>
+          </p:cNvPr>
+          <p:cNvSpPr>
+            <a:spLocks noChangeArrowheads="1"/>
+          </p:cNvSpPr>
+          <p:nvPr/>
+        </p:nvSpPr>
+        <p:spPr bwMode="auto">
+          <a:xfrm>
+            <a:off x="1295400" y="4745995"/>
+            <a:ext cx="990600" cy="261610"/>
+          </a:xfrm>
+          <a:prstGeom prst="rect">
+            <a:avLst/>
+          </a:prstGeom>
+          <a:noFill/>
+          <a:ln>
+            <a:noFill/>
+          </a:ln>
+          <a:effectLst/>
+          <a:extLst>
+            <a:ext uri="{909E8E84-426E-40DD-AFC4-6F175D3DCCD1}">
+              <a14:hiddenFill xmlns:a14="http://schemas.microsoft.com/office/drawing/2010/main">
+                <a:solidFill>
+                  <a:schemeClr val="accent1"/>
+                </a:solidFill>
+              </a14:hiddenFill>
+            </a:ext>
+            <a:ext uri="{91240B29-F687-4F45-9708-019B960494DF}">
+              <a14:hiddenLine xmlns:a14="http://schemas.microsoft.com/office/drawing/2010/main" w="9525">
+                <a:solidFill>
+                  <a:schemeClr val="tx1"/>
+                </a:solidFill>
+                <a:miter lim="800000"/>
+                <a:headEnd/>
+                <a:tailEnd/>
+              </a14:hiddenLine>
+            </a:ext>
+            <a:ext uri="{AF507438-7753-43E0-B8FC-AC1667EBCBE1}">
+              <a14:hiddenEffects xmlns:a14="http://schemas.microsoft.com/office/drawing/2010/main">
+                <a:effectLst>
+                  <a:outerShdw dist="35921" dir="2700000" algn="ctr" rotWithShape="0">
+                    <a:schemeClr val="bg2"/>
+                  </a:outerShdw>
+                </a:effectLst>
+              </a14:hiddenEffects>
+            </a:ext>
+          </a:extLst>
+        </p:spPr>
+        <p:txBody>
+          <a:bodyPr vert="horz" wrap="square" lIns="91440" tIns="45720" rIns="91440" bIns="45720" numCol="1" anchor="ctr" anchorCtr="0" compatLnSpc="1">
+            <a:prstTxWarp prst="textNoShape">
+              <a:avLst/>
+            </a:prstTxWarp>
+            <a:spAutoFit/>
+          </a:bodyPr>
+          <a:lstStyle/>
+          <a:p>
+            <a:pPr marL="0" marR="0" lvl="0" indent="0" algn="l" defTabSz="914400" rtl="0" eaLnBrk="0" fontAlgn="base" latinLnBrk="0" hangingPunct="0">
+              <a:lnSpc>
+                <a:spcPct val="100000"/>
+              </a:lnSpc>
+              <a:spcBef>
+                <a:spcPct val="0"/>
+              </a:spcBef>
+              <a:spcAft>
+                <a:spcPct val="0"/>
+              </a:spcAft>
+              <a:buClrTx/>
+              <a:buSzTx/>
+              <a:buFontTx/>
+              <a:buNone/>
+              <a:tabLst/>
+            </a:pPr>
+            <a:r>
+              <a:rPr kumimoji="0" lang="en-US" altLang="en-US" sz="1100" b="0" i="0" u="none" strike="noStrike" cap="none" normalizeH="0" baseline="0" dirty="0">
+                <a:ln>
+                  <a:noFill/>
+                </a:ln>
+                <a:solidFill>
+                  <a:schemeClr val="tx1"/>
+                </a:solidFill>
+                <a:effectLst/>
+                <a:latin typeface="Arial" panose="020B0604020202020204" pitchFamily="34" charset="0"/>
+                <a:ea typeface="Cambria" panose="02040503050406030204" pitchFamily="18" charset="0"/>
+                <a:cs typeface="Cambria" panose="02040503050406030204" pitchFamily="18" charset="0"/>
+              </a:rPr>
+              <a:t>Check Out</a:t>
+            </a:r>
+            <a:endParaRPr kumimoji="0" lang="en-US" altLang="en-US" sz="1800" b="0" i="0" u="none" strike="noStrike" cap="none" normalizeH="0" baseline="0" dirty="0">
+              <a:ln>
+                <a:noFill/>
+              </a:ln>
+              <a:solidFill>
+                <a:schemeClr val="tx1"/>
+              </a:solidFill>
+              <a:effectLst/>
+              <a:latin typeface="Arial" panose="020B0604020202020204" pitchFamily="34" charset="0"/>
+            </a:endParaRPr>
+          </a:p>
+        </p:txBody>
+      </p:sp>
+      <p:graphicFrame>
+        <p:nvGraphicFramePr>
+          <p:cNvPr id="7" name="Table 6">
+            <a:extLst>
+              <a:ext uri="{FF2B5EF4-FFF2-40B4-BE49-F238E27FC236}">
+                <a16:creationId xmlns:a16="http://schemas.microsoft.com/office/drawing/2014/main" id="{A44FE50C-80F5-47F8-C9A9-98AE148AC597}"/>
+              </a:ext>
+            </a:extLst>
+          </p:cNvPr>
+          <p:cNvGraphicFramePr>
+            <a:graphicFrameLocks noGrp="1"/>
+          </p:cNvGraphicFramePr>
+          <p:nvPr>
+            <p:extLst>
+              <p:ext uri="{D42A27DB-BD31-4B8C-83A1-F6EECF244321}">
+                <p14:modId xmlns:p14="http://schemas.microsoft.com/office/powerpoint/2010/main" val="2081331867"/>
+              </p:ext>
+            </p:extLst>
+          </p:nvPr>
+        </p:nvGraphicFramePr>
+        <p:xfrm>
+          <a:off x="1450679" y="1697995"/>
+          <a:ext cx="5824220" cy="1402080"/>
+        </p:xfrm>
+        <a:graphic>
+          <a:graphicData uri="http://schemas.openxmlformats.org/drawingml/2006/table">
+            <a:tbl>
+              <a:tblPr firstRow="1" firstCol="1">
+                <a:tableStyleId>{5C22544A-7EE6-4342-B048-85BDC9FD1C3A}</a:tableStyleId>
+              </a:tblPr>
+              <a:tblGrid>
+                <a:gridCol w="581025">
+                  <a:extLst>
+                    <a:ext uri="{9D8B030D-6E8A-4147-A177-3AD203B41FA5}">
+                      <a16:colId xmlns:a16="http://schemas.microsoft.com/office/drawing/2014/main" val="1188681678"/>
+                    </a:ext>
+                  </a:extLst>
+                </a:gridCol>
+                <a:gridCol w="966470">
+                  <a:extLst>
+                    <a:ext uri="{9D8B030D-6E8A-4147-A177-3AD203B41FA5}">
+                      <a16:colId xmlns:a16="http://schemas.microsoft.com/office/drawing/2014/main" val="1177422136"/>
+                    </a:ext>
+                  </a:extLst>
+                </a:gridCol>
+                <a:gridCol w="598805">
+                  <a:extLst>
+                    <a:ext uri="{9D8B030D-6E8A-4147-A177-3AD203B41FA5}">
+                      <a16:colId xmlns:a16="http://schemas.microsoft.com/office/drawing/2014/main" val="3284130482"/>
+                    </a:ext>
+                  </a:extLst>
+                </a:gridCol>
+                <a:gridCol w="652780">
+                  <a:extLst>
+                    <a:ext uri="{9D8B030D-6E8A-4147-A177-3AD203B41FA5}">
+                      <a16:colId xmlns:a16="http://schemas.microsoft.com/office/drawing/2014/main" val="2781192766"/>
+                    </a:ext>
+                  </a:extLst>
+                </a:gridCol>
+                <a:gridCol w="816610">
+                  <a:extLst>
+                    <a:ext uri="{9D8B030D-6E8A-4147-A177-3AD203B41FA5}">
+                      <a16:colId xmlns:a16="http://schemas.microsoft.com/office/drawing/2014/main" val="1511632070"/>
+                    </a:ext>
+                  </a:extLst>
+                </a:gridCol>
+                <a:gridCol w="2208530">
+                  <a:extLst>
+                    <a:ext uri="{9D8B030D-6E8A-4147-A177-3AD203B41FA5}">
+                      <a16:colId xmlns:a16="http://schemas.microsoft.com/office/drawing/2014/main" val="1855938370"/>
+                    </a:ext>
+                  </a:extLst>
+                </a:gridCol>
+              </a:tblGrid>
+              <a:tr h="155575">
+                <a:tc>
+                  <a:txBody>
+                    <a:bodyPr/>
+                    <a:lstStyle/>
+                    <a:p>
+                      <a:pPr marL="0" marR="0">
+                        <a:spcBef>
+                          <a:spcPts val="0"/>
+                        </a:spcBef>
+                        <a:spcAft>
+                          <a:spcPts val="0"/>
+                        </a:spcAft>
+                      </a:pPr>
+                      <a:r>
+                        <a:rPr lang="en-SG" sz="1100">
+                          <a:effectLst/>
+                        </a:rPr>
+                        <a:t>S/N </a:t>
+                      </a:r>
+                      <a:endParaRPr lang="en-SG" sz="1100">
+                        <a:effectLst/>
+                        <a:latin typeface="Cambria" panose="02040503050406030204" pitchFamily="18" charset="0"/>
+                        <a:ea typeface="Cambria" panose="02040503050406030204" pitchFamily="18" charset="0"/>
+                        <a:cs typeface="Cambria" panose="02040503050406030204" pitchFamily="18" charset="0"/>
+                      </a:endParaRPr>
+                    </a:p>
+                  </a:txBody>
+                  <a:tcPr marL="68580" marR="68580" marT="0" marB="0"/>
+                </a:tc>
+                <a:tc>
+                  <a:txBody>
+                    <a:bodyPr/>
+                    <a:lstStyle/>
+                    <a:p>
+                      <a:pPr marL="0" marR="0">
+                        <a:spcBef>
+                          <a:spcPts val="0"/>
+                        </a:spcBef>
+                        <a:spcAft>
+                          <a:spcPts val="0"/>
+                        </a:spcAft>
+                      </a:pPr>
+                      <a:r>
+                        <a:rPr lang="en-SG" sz="1100">
+                          <a:effectLst/>
+                        </a:rPr>
+                        <a:t>Participants</a:t>
+                      </a:r>
+                      <a:endParaRPr lang="en-SG" sz="1100">
+                        <a:effectLst/>
+                        <a:latin typeface="Cambria" panose="02040503050406030204" pitchFamily="18" charset="0"/>
+                        <a:ea typeface="Cambria" panose="02040503050406030204" pitchFamily="18" charset="0"/>
+                        <a:cs typeface="Cambria" panose="02040503050406030204" pitchFamily="18" charset="0"/>
+                      </a:endParaRPr>
+                    </a:p>
+                  </a:txBody>
+                  <a:tcPr marL="68580" marR="68580" marT="0" marB="0"/>
+                </a:tc>
+                <a:tc>
+                  <a:txBody>
+                    <a:bodyPr/>
+                    <a:lstStyle/>
+                    <a:p>
+                      <a:pPr marL="0" marR="0">
+                        <a:spcBef>
+                          <a:spcPts val="0"/>
+                        </a:spcBef>
+                        <a:spcAft>
+                          <a:spcPts val="0"/>
+                        </a:spcAft>
+                      </a:pPr>
+                      <a:r>
+                        <a:rPr lang="en-SG" sz="1100">
+                          <a:effectLst/>
+                        </a:rPr>
+                        <a:t>TOT</a:t>
+                      </a:r>
+                      <a:endParaRPr lang="en-SG" sz="1100">
+                        <a:effectLst/>
+                        <a:latin typeface="Cambria" panose="02040503050406030204" pitchFamily="18" charset="0"/>
+                        <a:ea typeface="Cambria" panose="02040503050406030204" pitchFamily="18" charset="0"/>
+                        <a:cs typeface="Cambria" panose="02040503050406030204" pitchFamily="18" charset="0"/>
+                      </a:endParaRPr>
+                    </a:p>
+                  </a:txBody>
+                  <a:tcPr marL="68580" marR="68580" marT="0" marB="0"/>
+                </a:tc>
+                <a:tc>
+                  <a:txBody>
+                    <a:bodyPr/>
+                    <a:lstStyle/>
+                    <a:p>
+                      <a:pPr marL="0" marR="0">
+                        <a:spcBef>
+                          <a:spcPts val="0"/>
+                        </a:spcBef>
+                        <a:spcAft>
+                          <a:spcPts val="0"/>
+                        </a:spcAft>
+                      </a:pPr>
+                      <a:r>
+                        <a:rPr lang="en-SG" sz="1100">
+                          <a:effectLst/>
+                        </a:rPr>
+                        <a:t>UER</a:t>
+                      </a:r>
+                      <a:endParaRPr lang="en-SG" sz="1100">
+                        <a:effectLst/>
+                        <a:latin typeface="Cambria" panose="02040503050406030204" pitchFamily="18" charset="0"/>
+                        <a:ea typeface="Cambria" panose="02040503050406030204" pitchFamily="18" charset="0"/>
+                        <a:cs typeface="Cambria" panose="02040503050406030204" pitchFamily="18" charset="0"/>
+                      </a:endParaRPr>
+                    </a:p>
+                  </a:txBody>
+                  <a:tcPr marL="68580" marR="68580" marT="0" marB="0"/>
+                </a:tc>
+                <a:tc>
+                  <a:txBody>
+                    <a:bodyPr/>
+                    <a:lstStyle/>
+                    <a:p>
+                      <a:pPr marL="0" marR="0">
+                        <a:spcBef>
+                          <a:spcPts val="0"/>
+                        </a:spcBef>
+                        <a:spcAft>
+                          <a:spcPts val="0"/>
+                        </a:spcAft>
+                      </a:pPr>
+                      <a:r>
+                        <a:rPr lang="en-SG" sz="1100">
+                          <a:effectLst/>
+                        </a:rPr>
+                        <a:t>TSR</a:t>
+                      </a:r>
+                      <a:endParaRPr lang="en-SG" sz="1100">
+                        <a:effectLst/>
+                        <a:latin typeface="Cambria" panose="02040503050406030204" pitchFamily="18" charset="0"/>
+                        <a:ea typeface="Cambria" panose="02040503050406030204" pitchFamily="18" charset="0"/>
+                        <a:cs typeface="Cambria" panose="02040503050406030204" pitchFamily="18" charset="0"/>
+                      </a:endParaRPr>
+                    </a:p>
+                  </a:txBody>
+                  <a:tcPr marL="68580" marR="68580" marT="0" marB="0"/>
+                </a:tc>
+                <a:tc>
+                  <a:txBody>
+                    <a:bodyPr/>
+                    <a:lstStyle/>
+                    <a:p>
+                      <a:pPr marL="0" marR="0">
+                        <a:spcBef>
+                          <a:spcPts val="0"/>
+                        </a:spcBef>
+                        <a:spcAft>
+                          <a:spcPts val="0"/>
+                        </a:spcAft>
+                      </a:pPr>
+                      <a:r>
+                        <a:rPr lang="en-SG" sz="1100">
+                          <a:effectLst/>
+                        </a:rPr>
+                        <a:t>Feedback</a:t>
+                      </a:r>
+                      <a:endParaRPr lang="en-SG" sz="1100">
+                        <a:effectLst/>
+                        <a:latin typeface="Cambria" panose="02040503050406030204" pitchFamily="18" charset="0"/>
+                        <a:ea typeface="Cambria" panose="02040503050406030204" pitchFamily="18" charset="0"/>
+                        <a:cs typeface="Cambria" panose="02040503050406030204" pitchFamily="18" charset="0"/>
+                      </a:endParaRPr>
+                    </a:p>
+                  </a:txBody>
+                  <a:tcPr marL="68580" marR="68580" marT="0" marB="0"/>
+                </a:tc>
+                <a:extLst>
+                  <a:ext uri="{0D108BD9-81ED-4DB2-BD59-A6C34878D82A}">
+                    <a16:rowId xmlns:a16="http://schemas.microsoft.com/office/drawing/2014/main" val="2879008251"/>
+                  </a:ext>
+                </a:extLst>
+              </a:tr>
+              <a:tr h="155575">
+                <a:tc>
+                  <a:txBody>
+                    <a:bodyPr/>
+                    <a:lstStyle/>
+                    <a:p>
+                      <a:pPr marL="0" marR="0">
+                        <a:spcBef>
+                          <a:spcPts val="0"/>
+                        </a:spcBef>
+                        <a:spcAft>
+                          <a:spcPts val="0"/>
+                        </a:spcAft>
+                      </a:pPr>
+                      <a:r>
+                        <a:rPr lang="en-SG" sz="1100">
+                          <a:effectLst/>
+                        </a:rPr>
+                        <a:t>1</a:t>
+                      </a:r>
+                      <a:endParaRPr lang="en-SG" sz="1100">
+                        <a:effectLst/>
+                        <a:latin typeface="Cambria" panose="02040503050406030204" pitchFamily="18" charset="0"/>
+                        <a:ea typeface="Cambria" panose="02040503050406030204" pitchFamily="18" charset="0"/>
+                        <a:cs typeface="Cambria" panose="02040503050406030204" pitchFamily="18" charset="0"/>
+                      </a:endParaRPr>
+                    </a:p>
+                  </a:txBody>
+                  <a:tcPr marL="68580" marR="68580" marT="0" marB="0"/>
+                </a:tc>
+                <a:tc>
+                  <a:txBody>
+                    <a:bodyPr/>
+                    <a:lstStyle/>
+                    <a:p>
+                      <a:pPr marL="0" marR="0">
+                        <a:spcBef>
+                          <a:spcPts val="0"/>
+                        </a:spcBef>
+                        <a:spcAft>
+                          <a:spcPts val="0"/>
+                        </a:spcAft>
+                      </a:pPr>
+                      <a:r>
+                        <a:rPr lang="en-SG" sz="1100">
+                          <a:effectLst/>
+                        </a:rPr>
+                        <a:t>Wei Ting</a:t>
+                      </a:r>
+                      <a:endParaRPr lang="en-SG" sz="1100">
+                        <a:effectLst/>
+                        <a:latin typeface="Cambria" panose="02040503050406030204" pitchFamily="18" charset="0"/>
+                        <a:ea typeface="Cambria" panose="02040503050406030204" pitchFamily="18" charset="0"/>
+                        <a:cs typeface="Cambria" panose="02040503050406030204" pitchFamily="18" charset="0"/>
+                      </a:endParaRPr>
+                    </a:p>
+                  </a:txBody>
+                  <a:tcPr marL="68580" marR="68580" marT="0" marB="0" anchor="b"/>
+                </a:tc>
+                <a:tc>
+                  <a:txBody>
+                    <a:bodyPr/>
+                    <a:lstStyle/>
+                    <a:p>
+                      <a:pPr marL="0" marR="0">
+                        <a:spcBef>
+                          <a:spcPts val="0"/>
+                        </a:spcBef>
+                        <a:spcAft>
+                          <a:spcPts val="0"/>
+                        </a:spcAft>
+                      </a:pPr>
+                      <a:r>
+                        <a:rPr lang="en-SG" sz="1100">
+                          <a:effectLst/>
+                        </a:rPr>
+                        <a:t>15s</a:t>
+                      </a:r>
+                      <a:endParaRPr lang="en-SG" sz="1100">
+                        <a:effectLst/>
+                        <a:latin typeface="Cambria" panose="02040503050406030204" pitchFamily="18" charset="0"/>
+                        <a:ea typeface="Cambria" panose="02040503050406030204" pitchFamily="18" charset="0"/>
+                        <a:cs typeface="Cambria" panose="02040503050406030204" pitchFamily="18" charset="0"/>
+                      </a:endParaRPr>
+                    </a:p>
+                  </a:txBody>
+                  <a:tcPr marL="68580" marR="68580" marT="0" marB="0"/>
+                </a:tc>
+                <a:tc>
+                  <a:txBody>
+                    <a:bodyPr/>
+                    <a:lstStyle/>
+                    <a:p>
+                      <a:pPr marL="0" marR="0">
+                        <a:spcBef>
+                          <a:spcPts val="0"/>
+                        </a:spcBef>
+                        <a:spcAft>
+                          <a:spcPts val="0"/>
+                        </a:spcAft>
+                      </a:pPr>
+                      <a:r>
+                        <a:rPr lang="en-SG" sz="1100">
+                          <a:effectLst/>
+                        </a:rPr>
+                        <a:t>0</a:t>
+                      </a:r>
+                      <a:endParaRPr lang="en-SG" sz="1100">
+                        <a:effectLst/>
+                        <a:latin typeface="Cambria" panose="02040503050406030204" pitchFamily="18" charset="0"/>
+                        <a:ea typeface="Cambria" panose="02040503050406030204" pitchFamily="18" charset="0"/>
+                        <a:cs typeface="Cambria" panose="02040503050406030204" pitchFamily="18" charset="0"/>
+                      </a:endParaRPr>
+                    </a:p>
+                  </a:txBody>
+                  <a:tcPr marL="68580" marR="68580" marT="0" marB="0"/>
+                </a:tc>
+                <a:tc>
+                  <a:txBody>
+                    <a:bodyPr/>
+                    <a:lstStyle/>
+                    <a:p>
+                      <a:pPr marL="0" marR="0">
+                        <a:spcBef>
+                          <a:spcPts val="0"/>
+                        </a:spcBef>
+                        <a:spcAft>
+                          <a:spcPts val="0"/>
+                        </a:spcAft>
+                      </a:pPr>
+                      <a:r>
+                        <a:rPr lang="en-SG" sz="1100">
+                          <a:effectLst/>
+                        </a:rPr>
+                        <a:t>Success</a:t>
+                      </a:r>
+                      <a:endParaRPr lang="en-SG" sz="1100">
+                        <a:effectLst/>
+                        <a:latin typeface="Cambria" panose="02040503050406030204" pitchFamily="18" charset="0"/>
+                        <a:ea typeface="Cambria" panose="02040503050406030204" pitchFamily="18" charset="0"/>
+                        <a:cs typeface="Cambria" panose="02040503050406030204" pitchFamily="18" charset="0"/>
+                      </a:endParaRPr>
+                    </a:p>
+                  </a:txBody>
+                  <a:tcPr marL="68580" marR="68580" marT="0" marB="0"/>
+                </a:tc>
+                <a:tc>
+                  <a:txBody>
+                    <a:bodyPr/>
+                    <a:lstStyle/>
+                    <a:p>
+                      <a:pPr marL="0" marR="0">
+                        <a:spcBef>
+                          <a:spcPts val="0"/>
+                        </a:spcBef>
+                        <a:spcAft>
+                          <a:spcPts val="0"/>
+                        </a:spcAft>
+                      </a:pPr>
+                      <a:r>
+                        <a:rPr lang="en-SG" sz="1100">
+                          <a:effectLst/>
+                        </a:rPr>
+                        <a:t> </a:t>
+                      </a:r>
+                      <a:endParaRPr lang="en-SG" sz="1100">
+                        <a:effectLst/>
+                        <a:latin typeface="Cambria" panose="02040503050406030204" pitchFamily="18" charset="0"/>
+                        <a:ea typeface="Cambria" panose="02040503050406030204" pitchFamily="18" charset="0"/>
+                        <a:cs typeface="Cambria" panose="02040503050406030204" pitchFamily="18" charset="0"/>
+                      </a:endParaRPr>
+                    </a:p>
+                  </a:txBody>
+                  <a:tcPr marL="68580" marR="68580" marT="0" marB="0"/>
+                </a:tc>
+                <a:extLst>
+                  <a:ext uri="{0D108BD9-81ED-4DB2-BD59-A6C34878D82A}">
+                    <a16:rowId xmlns:a16="http://schemas.microsoft.com/office/drawing/2014/main" val="4062228456"/>
+                  </a:ext>
+                </a:extLst>
+              </a:tr>
+              <a:tr h="155575">
+                <a:tc>
+                  <a:txBody>
+                    <a:bodyPr/>
+                    <a:lstStyle/>
+                    <a:p>
+                      <a:pPr marL="0" marR="0">
+                        <a:spcBef>
+                          <a:spcPts val="0"/>
+                        </a:spcBef>
+                        <a:spcAft>
+                          <a:spcPts val="0"/>
+                        </a:spcAft>
+                      </a:pPr>
+                      <a:r>
+                        <a:rPr lang="en-SG" sz="1100">
+                          <a:effectLst/>
+                        </a:rPr>
+                        <a:t>2</a:t>
+                      </a:r>
+                      <a:endParaRPr lang="en-SG" sz="1100">
+                        <a:effectLst/>
+                        <a:latin typeface="Cambria" panose="02040503050406030204" pitchFamily="18" charset="0"/>
+                        <a:ea typeface="Cambria" panose="02040503050406030204" pitchFamily="18" charset="0"/>
+                        <a:cs typeface="Cambria" panose="02040503050406030204" pitchFamily="18" charset="0"/>
+                      </a:endParaRPr>
+                    </a:p>
+                  </a:txBody>
+                  <a:tcPr marL="68580" marR="68580" marT="0" marB="0"/>
+                </a:tc>
+                <a:tc>
+                  <a:txBody>
+                    <a:bodyPr/>
+                    <a:lstStyle/>
+                    <a:p>
+                      <a:pPr marL="0" marR="0">
+                        <a:spcBef>
+                          <a:spcPts val="0"/>
+                        </a:spcBef>
+                        <a:spcAft>
+                          <a:spcPts val="0"/>
+                        </a:spcAft>
+                      </a:pPr>
+                      <a:r>
+                        <a:rPr lang="en-SG" sz="1100">
+                          <a:effectLst/>
+                        </a:rPr>
+                        <a:t>Sze Yuan</a:t>
+                      </a:r>
+                      <a:endParaRPr lang="en-SG" sz="1100">
+                        <a:effectLst/>
+                        <a:latin typeface="Cambria" panose="02040503050406030204" pitchFamily="18" charset="0"/>
+                        <a:ea typeface="Cambria" panose="02040503050406030204" pitchFamily="18" charset="0"/>
+                        <a:cs typeface="Cambria" panose="02040503050406030204" pitchFamily="18" charset="0"/>
+                      </a:endParaRPr>
+                    </a:p>
+                  </a:txBody>
+                  <a:tcPr marL="68580" marR="68580" marT="0" marB="0" anchor="b"/>
+                </a:tc>
+                <a:tc>
+                  <a:txBody>
+                    <a:bodyPr/>
+                    <a:lstStyle/>
+                    <a:p>
+                      <a:pPr marL="0" marR="0">
+                        <a:spcBef>
+                          <a:spcPts val="0"/>
+                        </a:spcBef>
+                        <a:spcAft>
+                          <a:spcPts val="0"/>
+                        </a:spcAft>
+                      </a:pPr>
+                      <a:r>
+                        <a:rPr lang="en-SG" sz="1100">
+                          <a:effectLst/>
+                        </a:rPr>
+                        <a:t>10</a:t>
+                      </a:r>
+                      <a:endParaRPr lang="en-SG" sz="1100">
+                        <a:effectLst/>
+                        <a:latin typeface="Cambria" panose="02040503050406030204" pitchFamily="18" charset="0"/>
+                        <a:ea typeface="Cambria" panose="02040503050406030204" pitchFamily="18" charset="0"/>
+                        <a:cs typeface="Cambria" panose="02040503050406030204" pitchFamily="18" charset="0"/>
+                      </a:endParaRPr>
+                    </a:p>
+                  </a:txBody>
+                  <a:tcPr marL="68580" marR="68580" marT="0" marB="0"/>
+                </a:tc>
+                <a:tc>
+                  <a:txBody>
+                    <a:bodyPr/>
+                    <a:lstStyle/>
+                    <a:p>
+                      <a:pPr marL="0" marR="0">
+                        <a:spcBef>
+                          <a:spcPts val="0"/>
+                        </a:spcBef>
+                        <a:spcAft>
+                          <a:spcPts val="0"/>
+                        </a:spcAft>
+                      </a:pPr>
+                      <a:r>
+                        <a:rPr lang="en-SG" sz="1100">
+                          <a:effectLst/>
+                        </a:rPr>
+                        <a:t>0</a:t>
+                      </a:r>
+                      <a:endParaRPr lang="en-SG" sz="1100">
+                        <a:effectLst/>
+                        <a:latin typeface="Cambria" panose="02040503050406030204" pitchFamily="18" charset="0"/>
+                        <a:ea typeface="Cambria" panose="02040503050406030204" pitchFamily="18" charset="0"/>
+                        <a:cs typeface="Cambria" panose="02040503050406030204" pitchFamily="18" charset="0"/>
+                      </a:endParaRPr>
+                    </a:p>
+                  </a:txBody>
+                  <a:tcPr marL="68580" marR="68580" marT="0" marB="0"/>
+                </a:tc>
+                <a:tc>
+                  <a:txBody>
+                    <a:bodyPr/>
+                    <a:lstStyle/>
+                    <a:p>
+                      <a:pPr marL="0" marR="0">
+                        <a:spcBef>
+                          <a:spcPts val="0"/>
+                        </a:spcBef>
+                        <a:spcAft>
+                          <a:spcPts val="0"/>
+                        </a:spcAft>
+                      </a:pPr>
+                      <a:r>
+                        <a:rPr lang="en-SG" sz="1200">
+                          <a:effectLst/>
+                        </a:rPr>
+                        <a:t>Success</a:t>
+                      </a:r>
+                      <a:endParaRPr lang="en-SG" sz="1100">
+                        <a:effectLst/>
+                        <a:latin typeface="Cambria" panose="02040503050406030204" pitchFamily="18" charset="0"/>
+                        <a:ea typeface="Cambria" panose="02040503050406030204" pitchFamily="18" charset="0"/>
+                        <a:cs typeface="Cambria" panose="02040503050406030204" pitchFamily="18" charset="0"/>
+                      </a:endParaRPr>
+                    </a:p>
+                  </a:txBody>
+                  <a:tcPr marL="68580" marR="68580" marT="0" marB="0"/>
+                </a:tc>
+                <a:tc>
+                  <a:txBody>
+                    <a:bodyPr/>
+                    <a:lstStyle/>
+                    <a:p>
+                      <a:pPr marL="0" marR="0">
+                        <a:spcBef>
+                          <a:spcPts val="0"/>
+                        </a:spcBef>
+                        <a:spcAft>
+                          <a:spcPts val="0"/>
+                        </a:spcAft>
+                      </a:pPr>
+                      <a:r>
+                        <a:rPr lang="en-SG" sz="1100">
+                          <a:effectLst/>
+                        </a:rPr>
+                        <a:t> </a:t>
+                      </a:r>
+                      <a:endParaRPr lang="en-SG" sz="1100">
+                        <a:effectLst/>
+                        <a:latin typeface="Cambria" panose="02040503050406030204" pitchFamily="18" charset="0"/>
+                        <a:ea typeface="Cambria" panose="02040503050406030204" pitchFamily="18" charset="0"/>
+                        <a:cs typeface="Cambria" panose="02040503050406030204" pitchFamily="18" charset="0"/>
+                      </a:endParaRPr>
+                    </a:p>
+                  </a:txBody>
+                  <a:tcPr marL="68580" marR="68580" marT="0" marB="0"/>
+                </a:tc>
+                <a:extLst>
+                  <a:ext uri="{0D108BD9-81ED-4DB2-BD59-A6C34878D82A}">
+                    <a16:rowId xmlns:a16="http://schemas.microsoft.com/office/drawing/2014/main" val="2024624586"/>
+                  </a:ext>
+                </a:extLst>
+              </a:tr>
+              <a:tr h="155575">
+                <a:tc>
+                  <a:txBody>
+                    <a:bodyPr/>
+                    <a:lstStyle/>
+                    <a:p>
+                      <a:pPr marL="0" marR="0">
+                        <a:spcBef>
+                          <a:spcPts val="0"/>
+                        </a:spcBef>
+                        <a:spcAft>
+                          <a:spcPts val="0"/>
+                        </a:spcAft>
+                      </a:pPr>
+                      <a:r>
+                        <a:rPr lang="en-SG" sz="1100">
+                          <a:effectLst/>
+                        </a:rPr>
+                        <a:t>3</a:t>
+                      </a:r>
+                      <a:endParaRPr lang="en-SG" sz="1100">
+                        <a:effectLst/>
+                        <a:latin typeface="Cambria" panose="02040503050406030204" pitchFamily="18" charset="0"/>
+                        <a:ea typeface="Cambria" panose="02040503050406030204" pitchFamily="18" charset="0"/>
+                        <a:cs typeface="Cambria" panose="02040503050406030204" pitchFamily="18" charset="0"/>
+                      </a:endParaRPr>
+                    </a:p>
+                  </a:txBody>
+                  <a:tcPr marL="68580" marR="68580" marT="0" marB="0"/>
+                </a:tc>
+                <a:tc>
+                  <a:txBody>
+                    <a:bodyPr/>
+                    <a:lstStyle/>
+                    <a:p>
+                      <a:pPr marL="0" marR="0">
+                        <a:spcBef>
+                          <a:spcPts val="0"/>
+                        </a:spcBef>
+                        <a:spcAft>
+                          <a:spcPts val="0"/>
+                        </a:spcAft>
+                      </a:pPr>
+                      <a:r>
+                        <a:rPr lang="en-SG" sz="1100" dirty="0">
+                          <a:effectLst/>
+                        </a:rPr>
+                        <a:t>Harith</a:t>
+                      </a:r>
+                      <a:endParaRPr lang="en-SG" sz="1100" dirty="0">
+                        <a:effectLst/>
+                        <a:latin typeface="Cambria" panose="02040503050406030204" pitchFamily="18" charset="0"/>
+                        <a:ea typeface="Cambria" panose="02040503050406030204" pitchFamily="18" charset="0"/>
+                        <a:cs typeface="Cambria" panose="02040503050406030204" pitchFamily="18" charset="0"/>
+                      </a:endParaRPr>
+                    </a:p>
+                  </a:txBody>
+                  <a:tcPr marL="68580" marR="68580" marT="0" marB="0" anchor="b"/>
+                </a:tc>
+                <a:tc>
+                  <a:txBody>
+                    <a:bodyPr/>
+                    <a:lstStyle/>
+                    <a:p>
+                      <a:pPr marL="0" marR="0">
+                        <a:spcBef>
+                          <a:spcPts val="0"/>
+                        </a:spcBef>
+                        <a:spcAft>
+                          <a:spcPts val="0"/>
+                        </a:spcAft>
+                      </a:pPr>
+                      <a:r>
+                        <a:rPr lang="en-SG" sz="1100">
+                          <a:effectLst/>
+                        </a:rPr>
+                        <a:t>15</a:t>
+                      </a:r>
+                      <a:endParaRPr lang="en-SG" sz="1100">
+                        <a:effectLst/>
+                        <a:latin typeface="Cambria" panose="02040503050406030204" pitchFamily="18" charset="0"/>
+                        <a:ea typeface="Cambria" panose="02040503050406030204" pitchFamily="18" charset="0"/>
+                        <a:cs typeface="Cambria" panose="02040503050406030204" pitchFamily="18" charset="0"/>
+                      </a:endParaRPr>
+                    </a:p>
+                  </a:txBody>
+                  <a:tcPr marL="68580" marR="68580" marT="0" marB="0"/>
+                </a:tc>
+                <a:tc>
+                  <a:txBody>
+                    <a:bodyPr/>
+                    <a:lstStyle/>
+                    <a:p>
+                      <a:pPr marL="0" marR="0">
+                        <a:spcBef>
+                          <a:spcPts val="0"/>
+                        </a:spcBef>
+                        <a:spcAft>
+                          <a:spcPts val="0"/>
+                        </a:spcAft>
+                      </a:pPr>
+                      <a:r>
+                        <a:rPr lang="en-SG" sz="1100">
+                          <a:effectLst/>
+                        </a:rPr>
+                        <a:t>0</a:t>
+                      </a:r>
+                      <a:endParaRPr lang="en-SG" sz="1100">
+                        <a:effectLst/>
+                        <a:latin typeface="Cambria" panose="02040503050406030204" pitchFamily="18" charset="0"/>
+                        <a:ea typeface="Cambria" panose="02040503050406030204" pitchFamily="18" charset="0"/>
+                        <a:cs typeface="Cambria" panose="02040503050406030204" pitchFamily="18" charset="0"/>
+                      </a:endParaRPr>
+                    </a:p>
+                  </a:txBody>
+                  <a:tcPr marL="68580" marR="68580" marT="0" marB="0"/>
+                </a:tc>
+                <a:tc>
+                  <a:txBody>
+                    <a:bodyPr/>
+                    <a:lstStyle/>
+                    <a:p>
+                      <a:pPr marL="0" marR="0">
+                        <a:spcBef>
+                          <a:spcPts val="0"/>
+                        </a:spcBef>
+                        <a:spcAft>
+                          <a:spcPts val="0"/>
+                        </a:spcAft>
+                      </a:pPr>
+                      <a:r>
+                        <a:rPr lang="en-SG" sz="1200">
+                          <a:effectLst/>
+                        </a:rPr>
+                        <a:t>Success</a:t>
+                      </a:r>
+                      <a:endParaRPr lang="en-SG" sz="1100">
+                        <a:effectLst/>
+                        <a:latin typeface="Cambria" panose="02040503050406030204" pitchFamily="18" charset="0"/>
+                        <a:ea typeface="Cambria" panose="02040503050406030204" pitchFamily="18" charset="0"/>
+                        <a:cs typeface="Cambria" panose="02040503050406030204" pitchFamily="18" charset="0"/>
+                      </a:endParaRPr>
+                    </a:p>
+                  </a:txBody>
+                  <a:tcPr marL="68580" marR="68580" marT="0" marB="0"/>
+                </a:tc>
+                <a:tc>
+                  <a:txBody>
+                    <a:bodyPr/>
+                    <a:lstStyle/>
+                    <a:p>
+                      <a:pPr marL="0" marR="0">
+                        <a:spcBef>
+                          <a:spcPts val="0"/>
+                        </a:spcBef>
+                        <a:spcAft>
+                          <a:spcPts val="0"/>
+                        </a:spcAft>
+                      </a:pPr>
+                      <a:r>
+                        <a:rPr lang="en-SG" sz="1100">
+                          <a:effectLst/>
+                        </a:rPr>
+                        <a:t> </a:t>
+                      </a:r>
+                      <a:endParaRPr lang="en-SG" sz="1100">
+                        <a:effectLst/>
+                        <a:latin typeface="Cambria" panose="02040503050406030204" pitchFamily="18" charset="0"/>
+                        <a:ea typeface="Cambria" panose="02040503050406030204" pitchFamily="18" charset="0"/>
+                        <a:cs typeface="Cambria" panose="02040503050406030204" pitchFamily="18" charset="0"/>
+                      </a:endParaRPr>
+                    </a:p>
+                  </a:txBody>
+                  <a:tcPr marL="68580" marR="68580" marT="0" marB="0"/>
+                </a:tc>
+                <a:extLst>
+                  <a:ext uri="{0D108BD9-81ED-4DB2-BD59-A6C34878D82A}">
+                    <a16:rowId xmlns:a16="http://schemas.microsoft.com/office/drawing/2014/main" val="433123483"/>
+                  </a:ext>
+                </a:extLst>
+              </a:tr>
+              <a:tr h="155575">
+                <a:tc>
+                  <a:txBody>
+                    <a:bodyPr/>
+                    <a:lstStyle/>
+                    <a:p>
+                      <a:pPr marL="0" marR="0">
+                        <a:spcBef>
+                          <a:spcPts val="0"/>
+                        </a:spcBef>
+                        <a:spcAft>
+                          <a:spcPts val="0"/>
+                        </a:spcAft>
+                      </a:pPr>
+                      <a:r>
+                        <a:rPr lang="en-SG" sz="1100">
+                          <a:effectLst/>
+                        </a:rPr>
+                        <a:t>4</a:t>
+                      </a:r>
+                      <a:endParaRPr lang="en-SG" sz="1100">
+                        <a:effectLst/>
+                        <a:latin typeface="Cambria" panose="02040503050406030204" pitchFamily="18" charset="0"/>
+                        <a:ea typeface="Cambria" panose="02040503050406030204" pitchFamily="18" charset="0"/>
+                        <a:cs typeface="Cambria" panose="02040503050406030204" pitchFamily="18" charset="0"/>
+                      </a:endParaRPr>
+                    </a:p>
+                  </a:txBody>
+                  <a:tcPr marL="68580" marR="68580" marT="0" marB="0"/>
+                </a:tc>
+                <a:tc>
+                  <a:txBody>
+                    <a:bodyPr/>
+                    <a:lstStyle/>
+                    <a:p>
+                      <a:pPr marL="0" marR="0">
+                        <a:spcBef>
+                          <a:spcPts val="0"/>
+                        </a:spcBef>
+                        <a:spcAft>
+                          <a:spcPts val="0"/>
+                        </a:spcAft>
+                      </a:pPr>
+                      <a:r>
+                        <a:rPr lang="en-SG" sz="1100">
+                          <a:effectLst/>
+                        </a:rPr>
+                        <a:t>Li Qing</a:t>
+                      </a:r>
+                      <a:endParaRPr lang="en-SG" sz="1100">
+                        <a:effectLst/>
+                        <a:latin typeface="Cambria" panose="02040503050406030204" pitchFamily="18" charset="0"/>
+                        <a:ea typeface="Cambria" panose="02040503050406030204" pitchFamily="18" charset="0"/>
+                        <a:cs typeface="Cambria" panose="02040503050406030204" pitchFamily="18" charset="0"/>
+                      </a:endParaRPr>
+                    </a:p>
+                  </a:txBody>
+                  <a:tcPr marL="68580" marR="68580" marT="0" marB="0" anchor="b"/>
+                </a:tc>
+                <a:tc>
+                  <a:txBody>
+                    <a:bodyPr/>
+                    <a:lstStyle/>
+                    <a:p>
+                      <a:pPr marL="0" marR="0">
+                        <a:spcBef>
+                          <a:spcPts val="0"/>
+                        </a:spcBef>
+                        <a:spcAft>
+                          <a:spcPts val="0"/>
+                        </a:spcAft>
+                      </a:pPr>
+                      <a:r>
+                        <a:rPr lang="en-SG" sz="1100">
+                          <a:effectLst/>
+                        </a:rPr>
+                        <a:t>15</a:t>
+                      </a:r>
+                      <a:endParaRPr lang="en-SG" sz="1100">
+                        <a:effectLst/>
+                        <a:latin typeface="Cambria" panose="02040503050406030204" pitchFamily="18" charset="0"/>
+                        <a:ea typeface="Cambria" panose="02040503050406030204" pitchFamily="18" charset="0"/>
+                        <a:cs typeface="Cambria" panose="02040503050406030204" pitchFamily="18" charset="0"/>
+                      </a:endParaRPr>
+                    </a:p>
+                  </a:txBody>
+                  <a:tcPr marL="68580" marR="68580" marT="0" marB="0"/>
+                </a:tc>
+                <a:tc>
+                  <a:txBody>
+                    <a:bodyPr/>
+                    <a:lstStyle/>
+                    <a:p>
+                      <a:pPr marL="0" marR="0">
+                        <a:spcBef>
+                          <a:spcPts val="0"/>
+                        </a:spcBef>
+                        <a:spcAft>
+                          <a:spcPts val="0"/>
+                        </a:spcAft>
+                      </a:pPr>
+                      <a:r>
+                        <a:rPr lang="en-SG" sz="1100">
+                          <a:effectLst/>
+                        </a:rPr>
+                        <a:t>0</a:t>
+                      </a:r>
+                      <a:endParaRPr lang="en-SG" sz="1100">
+                        <a:effectLst/>
+                        <a:latin typeface="Cambria" panose="02040503050406030204" pitchFamily="18" charset="0"/>
+                        <a:ea typeface="Cambria" panose="02040503050406030204" pitchFamily="18" charset="0"/>
+                        <a:cs typeface="Cambria" panose="02040503050406030204" pitchFamily="18" charset="0"/>
+                      </a:endParaRPr>
+                    </a:p>
+                  </a:txBody>
+                  <a:tcPr marL="68580" marR="68580" marT="0" marB="0"/>
+                </a:tc>
+                <a:tc>
+                  <a:txBody>
+                    <a:bodyPr/>
+                    <a:lstStyle/>
+                    <a:p>
+                      <a:pPr marL="0" marR="0">
+                        <a:spcBef>
+                          <a:spcPts val="0"/>
+                        </a:spcBef>
+                        <a:spcAft>
+                          <a:spcPts val="0"/>
+                        </a:spcAft>
+                      </a:pPr>
+                      <a:r>
+                        <a:rPr lang="en-SG" sz="1200">
+                          <a:effectLst/>
+                        </a:rPr>
+                        <a:t>Success</a:t>
+                      </a:r>
+                      <a:endParaRPr lang="en-SG" sz="1100">
+                        <a:effectLst/>
+                        <a:latin typeface="Cambria" panose="02040503050406030204" pitchFamily="18" charset="0"/>
+                        <a:ea typeface="Cambria" panose="02040503050406030204" pitchFamily="18" charset="0"/>
+                        <a:cs typeface="Cambria" panose="02040503050406030204" pitchFamily="18" charset="0"/>
+                      </a:endParaRPr>
+                    </a:p>
+                  </a:txBody>
+                  <a:tcPr marL="68580" marR="68580" marT="0" marB="0"/>
+                </a:tc>
+                <a:tc>
+                  <a:txBody>
+                    <a:bodyPr/>
+                    <a:lstStyle/>
+                    <a:p>
+                      <a:pPr marL="0" marR="0">
+                        <a:spcBef>
+                          <a:spcPts val="0"/>
+                        </a:spcBef>
+                        <a:spcAft>
+                          <a:spcPts val="0"/>
+                        </a:spcAft>
+                      </a:pPr>
+                      <a:r>
+                        <a:rPr lang="en-SG" sz="1100">
+                          <a:effectLst/>
+                        </a:rPr>
+                        <a:t> </a:t>
+                      </a:r>
+                      <a:endParaRPr lang="en-SG" sz="1100">
+                        <a:effectLst/>
+                        <a:latin typeface="Cambria" panose="02040503050406030204" pitchFamily="18" charset="0"/>
+                        <a:ea typeface="Cambria" panose="02040503050406030204" pitchFamily="18" charset="0"/>
+                        <a:cs typeface="Cambria" panose="02040503050406030204" pitchFamily="18" charset="0"/>
+                      </a:endParaRPr>
+                    </a:p>
+                  </a:txBody>
+                  <a:tcPr marL="68580" marR="68580" marT="0" marB="0"/>
+                </a:tc>
+                <a:extLst>
+                  <a:ext uri="{0D108BD9-81ED-4DB2-BD59-A6C34878D82A}">
+                    <a16:rowId xmlns:a16="http://schemas.microsoft.com/office/drawing/2014/main" val="1727885976"/>
+                  </a:ext>
+                </a:extLst>
+              </a:tr>
+              <a:tr h="155575">
+                <a:tc>
+                  <a:txBody>
+                    <a:bodyPr/>
+                    <a:lstStyle/>
+                    <a:p>
+                      <a:pPr marL="0" marR="0">
+                        <a:spcBef>
+                          <a:spcPts val="0"/>
+                        </a:spcBef>
+                        <a:spcAft>
+                          <a:spcPts val="0"/>
+                        </a:spcAft>
+                      </a:pPr>
+                      <a:r>
+                        <a:rPr lang="en-SG" sz="1100">
+                          <a:effectLst/>
+                        </a:rPr>
+                        <a:t>5</a:t>
+                      </a:r>
+                      <a:endParaRPr lang="en-SG" sz="1100">
+                        <a:effectLst/>
+                        <a:latin typeface="Cambria" panose="02040503050406030204" pitchFamily="18" charset="0"/>
+                        <a:ea typeface="Cambria" panose="02040503050406030204" pitchFamily="18" charset="0"/>
+                        <a:cs typeface="Cambria" panose="02040503050406030204" pitchFamily="18" charset="0"/>
+                      </a:endParaRPr>
+                    </a:p>
+                  </a:txBody>
+                  <a:tcPr marL="68580" marR="68580" marT="0" marB="0"/>
+                </a:tc>
+                <a:tc>
+                  <a:txBody>
+                    <a:bodyPr/>
+                    <a:lstStyle/>
+                    <a:p>
+                      <a:pPr marL="0" marR="0">
+                        <a:spcBef>
+                          <a:spcPts val="0"/>
+                        </a:spcBef>
+                        <a:spcAft>
+                          <a:spcPts val="0"/>
+                        </a:spcAft>
+                      </a:pPr>
+                      <a:r>
+                        <a:rPr lang="en-SG" sz="1100">
+                          <a:effectLst/>
+                        </a:rPr>
+                        <a:t>Samuel</a:t>
+                      </a:r>
+                      <a:endParaRPr lang="en-SG" sz="1100">
+                        <a:effectLst/>
+                        <a:latin typeface="Cambria" panose="02040503050406030204" pitchFamily="18" charset="0"/>
+                        <a:ea typeface="Cambria" panose="02040503050406030204" pitchFamily="18" charset="0"/>
+                        <a:cs typeface="Cambria" panose="02040503050406030204" pitchFamily="18" charset="0"/>
+                      </a:endParaRPr>
+                    </a:p>
+                  </a:txBody>
+                  <a:tcPr marL="68580" marR="68580" marT="0" marB="0" anchor="b"/>
+                </a:tc>
+                <a:tc>
+                  <a:txBody>
+                    <a:bodyPr/>
+                    <a:lstStyle/>
+                    <a:p>
+                      <a:pPr marL="0" marR="0">
+                        <a:spcBef>
+                          <a:spcPts val="0"/>
+                        </a:spcBef>
+                        <a:spcAft>
+                          <a:spcPts val="0"/>
+                        </a:spcAft>
+                      </a:pPr>
+                      <a:r>
+                        <a:rPr lang="en-SG" sz="1100">
+                          <a:effectLst/>
+                        </a:rPr>
+                        <a:t>20</a:t>
+                      </a:r>
+                      <a:endParaRPr lang="en-SG" sz="1100">
+                        <a:effectLst/>
+                        <a:latin typeface="Cambria" panose="02040503050406030204" pitchFamily="18" charset="0"/>
+                        <a:ea typeface="Cambria" panose="02040503050406030204" pitchFamily="18" charset="0"/>
+                        <a:cs typeface="Cambria" panose="02040503050406030204" pitchFamily="18" charset="0"/>
+                      </a:endParaRPr>
+                    </a:p>
+                  </a:txBody>
+                  <a:tcPr marL="68580" marR="68580" marT="0" marB="0"/>
+                </a:tc>
+                <a:tc>
+                  <a:txBody>
+                    <a:bodyPr/>
+                    <a:lstStyle/>
+                    <a:p>
+                      <a:pPr marL="0" marR="0">
+                        <a:spcBef>
+                          <a:spcPts val="0"/>
+                        </a:spcBef>
+                        <a:spcAft>
+                          <a:spcPts val="0"/>
+                        </a:spcAft>
+                      </a:pPr>
+                      <a:r>
+                        <a:rPr lang="en-SG" sz="1100">
+                          <a:effectLst/>
+                        </a:rPr>
+                        <a:t>0</a:t>
+                      </a:r>
+                      <a:endParaRPr lang="en-SG" sz="1100">
+                        <a:effectLst/>
+                        <a:latin typeface="Cambria" panose="02040503050406030204" pitchFamily="18" charset="0"/>
+                        <a:ea typeface="Cambria" panose="02040503050406030204" pitchFamily="18" charset="0"/>
+                        <a:cs typeface="Cambria" panose="02040503050406030204" pitchFamily="18" charset="0"/>
+                      </a:endParaRPr>
+                    </a:p>
+                  </a:txBody>
+                  <a:tcPr marL="68580" marR="68580" marT="0" marB="0"/>
+                </a:tc>
+                <a:tc>
+                  <a:txBody>
+                    <a:bodyPr/>
+                    <a:lstStyle/>
+                    <a:p>
+                      <a:pPr marL="0" marR="0">
+                        <a:spcBef>
+                          <a:spcPts val="0"/>
+                        </a:spcBef>
+                        <a:spcAft>
+                          <a:spcPts val="0"/>
+                        </a:spcAft>
+                      </a:pPr>
+                      <a:r>
+                        <a:rPr lang="en-SG" sz="1200">
+                          <a:effectLst/>
+                        </a:rPr>
+                        <a:t>Success</a:t>
+                      </a:r>
+                      <a:endParaRPr lang="en-SG" sz="1100">
+                        <a:effectLst/>
+                        <a:latin typeface="Cambria" panose="02040503050406030204" pitchFamily="18" charset="0"/>
+                        <a:ea typeface="Cambria" panose="02040503050406030204" pitchFamily="18" charset="0"/>
+                        <a:cs typeface="Cambria" panose="02040503050406030204" pitchFamily="18" charset="0"/>
+                      </a:endParaRPr>
+                    </a:p>
+                  </a:txBody>
+                  <a:tcPr marL="68580" marR="68580" marT="0" marB="0"/>
+                </a:tc>
+                <a:tc>
+                  <a:txBody>
+                    <a:bodyPr/>
+                    <a:lstStyle/>
+                    <a:p>
+                      <a:pPr marL="0" marR="0">
+                        <a:spcBef>
+                          <a:spcPts val="0"/>
+                        </a:spcBef>
+                        <a:spcAft>
+                          <a:spcPts val="0"/>
+                        </a:spcAft>
+                      </a:pPr>
+                      <a:r>
+                        <a:rPr lang="en-SG" sz="1100">
+                          <a:effectLst/>
+                        </a:rPr>
+                        <a:t> </a:t>
+                      </a:r>
+                      <a:endParaRPr lang="en-SG" sz="1100">
+                        <a:effectLst/>
+                        <a:latin typeface="Cambria" panose="02040503050406030204" pitchFamily="18" charset="0"/>
+                        <a:ea typeface="Cambria" panose="02040503050406030204" pitchFamily="18" charset="0"/>
+                        <a:cs typeface="Cambria" panose="02040503050406030204" pitchFamily="18" charset="0"/>
+                      </a:endParaRPr>
+                    </a:p>
+                  </a:txBody>
+                  <a:tcPr marL="68580" marR="68580" marT="0" marB="0"/>
+                </a:tc>
+                <a:extLst>
+                  <a:ext uri="{0D108BD9-81ED-4DB2-BD59-A6C34878D82A}">
+                    <a16:rowId xmlns:a16="http://schemas.microsoft.com/office/drawing/2014/main" val="1044781151"/>
+                  </a:ext>
+                </a:extLst>
+              </a:tr>
+              <a:tr h="155575">
+                <a:tc gridSpan="2">
+                  <a:txBody>
+                    <a:bodyPr/>
+                    <a:lstStyle/>
+                    <a:p>
+                      <a:pPr marL="0" marR="0">
+                        <a:spcBef>
+                          <a:spcPts val="0"/>
+                        </a:spcBef>
+                        <a:spcAft>
+                          <a:spcPts val="0"/>
+                        </a:spcAft>
+                      </a:pPr>
+                      <a:r>
+                        <a:rPr lang="en-SG" sz="1100">
+                          <a:effectLst/>
+                        </a:rPr>
+                        <a:t>Total or Average</a:t>
+                      </a:r>
+                      <a:endParaRPr lang="en-SG" sz="1100">
+                        <a:effectLst/>
+                        <a:latin typeface="Cambria" panose="02040503050406030204" pitchFamily="18" charset="0"/>
+                        <a:ea typeface="Cambria" panose="02040503050406030204" pitchFamily="18" charset="0"/>
+                        <a:cs typeface="Cambria" panose="02040503050406030204" pitchFamily="18" charset="0"/>
+                      </a:endParaRPr>
+                    </a:p>
+                  </a:txBody>
+                  <a:tcPr marL="68580" marR="68580" marT="0" marB="0"/>
+                </a:tc>
+                <a:tc hMerge="1">
+                  <a:txBody>
+                    <a:bodyPr/>
+                    <a:lstStyle/>
+                    <a:p>
+                      <a:endParaRPr lang="en-SG"/>
+                    </a:p>
+                  </a:txBody>
+                  <a:tcPr/>
+                </a:tc>
+                <a:tc>
+                  <a:txBody>
+                    <a:bodyPr/>
+                    <a:lstStyle/>
+                    <a:p>
+                      <a:pPr marL="0" marR="0">
+                        <a:spcBef>
+                          <a:spcPts val="0"/>
+                        </a:spcBef>
+                        <a:spcAft>
+                          <a:spcPts val="0"/>
+                        </a:spcAft>
+                      </a:pPr>
+                      <a:r>
+                        <a:rPr lang="en-SG" sz="1100">
+                          <a:effectLst/>
+                        </a:rPr>
+                        <a:t>15s</a:t>
+                      </a:r>
+                      <a:endParaRPr lang="en-SG" sz="1100">
+                        <a:effectLst/>
+                        <a:latin typeface="Cambria" panose="02040503050406030204" pitchFamily="18" charset="0"/>
+                        <a:ea typeface="Cambria" panose="02040503050406030204" pitchFamily="18" charset="0"/>
+                        <a:cs typeface="Cambria" panose="02040503050406030204" pitchFamily="18" charset="0"/>
+                      </a:endParaRPr>
+                    </a:p>
+                  </a:txBody>
+                  <a:tcPr marL="68580" marR="68580" marT="0" marB="0"/>
+                </a:tc>
+                <a:tc>
+                  <a:txBody>
+                    <a:bodyPr/>
+                    <a:lstStyle/>
+                    <a:p>
+                      <a:pPr marL="0" marR="0">
+                        <a:spcBef>
+                          <a:spcPts val="0"/>
+                        </a:spcBef>
+                        <a:spcAft>
+                          <a:spcPts val="0"/>
+                        </a:spcAft>
+                      </a:pPr>
+                      <a:r>
+                        <a:rPr lang="en-SG" sz="1100">
+                          <a:effectLst/>
+                        </a:rPr>
+                        <a:t>100%</a:t>
+                      </a:r>
+                      <a:endParaRPr lang="en-SG" sz="1100">
+                        <a:effectLst/>
+                        <a:latin typeface="Cambria" panose="02040503050406030204" pitchFamily="18" charset="0"/>
+                        <a:ea typeface="Cambria" panose="02040503050406030204" pitchFamily="18" charset="0"/>
+                        <a:cs typeface="Cambria" panose="02040503050406030204" pitchFamily="18" charset="0"/>
+                      </a:endParaRPr>
+                    </a:p>
+                  </a:txBody>
+                  <a:tcPr marL="68580" marR="68580" marT="0" marB="0"/>
+                </a:tc>
+                <a:tc>
+                  <a:txBody>
+                    <a:bodyPr/>
+                    <a:lstStyle/>
+                    <a:p>
+                      <a:pPr marL="0" marR="0">
+                        <a:spcBef>
+                          <a:spcPts val="0"/>
+                        </a:spcBef>
+                        <a:spcAft>
+                          <a:spcPts val="0"/>
+                        </a:spcAft>
+                      </a:pPr>
+                      <a:r>
+                        <a:rPr lang="en-SG" sz="1100">
+                          <a:effectLst/>
+                        </a:rPr>
+                        <a:t>100%</a:t>
+                      </a:r>
+                      <a:endParaRPr lang="en-SG" sz="1100">
+                        <a:effectLst/>
+                        <a:latin typeface="Cambria" panose="02040503050406030204" pitchFamily="18" charset="0"/>
+                        <a:ea typeface="Cambria" panose="02040503050406030204" pitchFamily="18" charset="0"/>
+                        <a:cs typeface="Cambria" panose="02040503050406030204" pitchFamily="18" charset="0"/>
+                      </a:endParaRPr>
+                    </a:p>
+                  </a:txBody>
+                  <a:tcPr marL="68580" marR="68580" marT="0" marB="0"/>
+                </a:tc>
+                <a:tc>
+                  <a:txBody>
+                    <a:bodyPr/>
+                    <a:lstStyle/>
+                    <a:p>
+                      <a:pPr marL="0" marR="0">
+                        <a:spcBef>
+                          <a:spcPts val="0"/>
+                        </a:spcBef>
+                        <a:spcAft>
+                          <a:spcPts val="0"/>
+                        </a:spcAft>
+                      </a:pPr>
+                      <a:r>
+                        <a:rPr lang="en-SG" sz="1100" dirty="0">
+                          <a:effectLst/>
+                        </a:rPr>
+                        <a:t>Password validations helps user to enter correct data</a:t>
+                      </a:r>
+                      <a:endParaRPr lang="en-SG" sz="1100" dirty="0">
+                        <a:effectLst/>
+                        <a:latin typeface="Cambria" panose="02040503050406030204" pitchFamily="18" charset="0"/>
+                        <a:ea typeface="Cambria" panose="02040503050406030204" pitchFamily="18" charset="0"/>
+                        <a:cs typeface="Cambria" panose="02040503050406030204" pitchFamily="18" charset="0"/>
+                      </a:endParaRPr>
+                    </a:p>
+                  </a:txBody>
+                  <a:tcPr marL="68580" marR="68580" marT="0" marB="0"/>
+                </a:tc>
+                <a:extLst>
+                  <a:ext uri="{0D108BD9-81ED-4DB2-BD59-A6C34878D82A}">
+                    <a16:rowId xmlns:a16="http://schemas.microsoft.com/office/drawing/2014/main" val="2457836840"/>
+                  </a:ext>
+                </a:extLst>
+              </a:tr>
+            </a:tbl>
+          </a:graphicData>
+        </a:graphic>
+      </p:graphicFrame>
+      <p:sp>
+        <p:nvSpPr>
+          <p:cNvPr id="8" name="Rectangle 1">
+            <a:extLst>
+              <a:ext uri="{FF2B5EF4-FFF2-40B4-BE49-F238E27FC236}">
+                <a16:creationId xmlns:a16="http://schemas.microsoft.com/office/drawing/2014/main" id="{CAC2C07E-9F28-CC22-74F8-1A71AC0CAAD9}"/>
+              </a:ext>
+            </a:extLst>
+          </p:cNvPr>
+          <p:cNvSpPr>
+            <a:spLocks noChangeArrowheads="1"/>
+          </p:cNvSpPr>
+          <p:nvPr/>
+        </p:nvSpPr>
+        <p:spPr bwMode="auto">
+          <a:xfrm>
+            <a:off x="1295400" y="3091190"/>
+            <a:ext cx="990600" cy="261610"/>
+          </a:xfrm>
+          <a:prstGeom prst="rect">
+            <a:avLst/>
+          </a:prstGeom>
+          <a:noFill/>
+          <a:ln>
+            <a:noFill/>
+          </a:ln>
+          <a:effectLst/>
+          <a:extLst>
+            <a:ext uri="{909E8E84-426E-40DD-AFC4-6F175D3DCCD1}">
+              <a14:hiddenFill xmlns:a14="http://schemas.microsoft.com/office/drawing/2010/main">
+                <a:solidFill>
+                  <a:schemeClr val="accent1"/>
+                </a:solidFill>
+              </a14:hiddenFill>
+            </a:ext>
+            <a:ext uri="{91240B29-F687-4F45-9708-019B960494DF}">
+              <a14:hiddenLine xmlns:a14="http://schemas.microsoft.com/office/drawing/2010/main" w="9525">
+                <a:solidFill>
+                  <a:schemeClr val="tx1"/>
+                </a:solidFill>
+                <a:miter lim="800000"/>
+                <a:headEnd/>
+                <a:tailEnd/>
+              </a14:hiddenLine>
+            </a:ext>
+            <a:ext uri="{AF507438-7753-43E0-B8FC-AC1667EBCBE1}">
+              <a14:hiddenEffects xmlns:a14="http://schemas.microsoft.com/office/drawing/2010/main">
+                <a:effectLst>
+                  <a:outerShdw dist="35921" dir="2700000" algn="ctr" rotWithShape="0">
+                    <a:schemeClr val="bg2"/>
+                  </a:outerShdw>
+                </a:effectLst>
+              </a14:hiddenEffects>
+            </a:ext>
+          </a:extLst>
+        </p:spPr>
+        <p:txBody>
+          <a:bodyPr vert="horz" wrap="square" lIns="91440" tIns="45720" rIns="91440" bIns="45720" numCol="1" anchor="ctr" anchorCtr="0" compatLnSpc="1">
+            <a:prstTxWarp prst="textNoShape">
+              <a:avLst/>
+            </a:prstTxWarp>
+            <a:spAutoFit/>
+          </a:bodyPr>
+          <a:lstStyle/>
+          <a:p>
+            <a:pPr marL="0" marR="0" lvl="0" indent="0" algn="l" defTabSz="914400" rtl="0" eaLnBrk="0" fontAlgn="base" latinLnBrk="0" hangingPunct="0">
+              <a:lnSpc>
+                <a:spcPct val="100000"/>
+              </a:lnSpc>
+              <a:spcBef>
+                <a:spcPct val="0"/>
+              </a:spcBef>
+              <a:spcAft>
+                <a:spcPct val="0"/>
+              </a:spcAft>
+              <a:buClrTx/>
+              <a:buSzTx/>
+              <a:buFontTx/>
+              <a:buNone/>
+              <a:tabLst/>
+            </a:pPr>
+            <a:r>
+              <a:rPr kumimoji="0" lang="en-US" altLang="en-US" sz="1100" b="0" i="0" u="none" strike="noStrike" cap="none" normalizeH="0" baseline="0" dirty="0">
+                <a:ln>
+                  <a:noFill/>
+                </a:ln>
+                <a:solidFill>
+                  <a:schemeClr val="tx1"/>
+                </a:solidFill>
+                <a:effectLst/>
+                <a:latin typeface="Arial" panose="020B0604020202020204" pitchFamily="34" charset="0"/>
+                <a:ea typeface="Cambria" panose="02040503050406030204" pitchFamily="18" charset="0"/>
+                <a:cs typeface="Cambria" panose="02040503050406030204" pitchFamily="18" charset="0"/>
+              </a:rPr>
+              <a:t>Register</a:t>
+            </a:r>
+            <a:endParaRPr kumimoji="0" lang="en-US" altLang="en-US" sz="1800" b="0" i="0" u="none" strike="noStrike" cap="none" normalizeH="0" baseline="0" dirty="0">
+              <a:ln>
+                <a:noFill/>
+              </a:ln>
+              <a:solidFill>
+                <a:schemeClr val="tx1"/>
+              </a:solidFill>
+              <a:effectLst/>
+              <a:latin typeface="Arial" panose="020B0604020202020204" pitchFamily="34" charset="0"/>
+            </a:endParaRPr>
+          </a:p>
+        </p:txBody>
+      </p:sp>
+      <p:sp>
+        <p:nvSpPr>
+          <p:cNvPr id="9" name="Rectangle 1">
+            <a:extLst>
+              <a:ext uri="{FF2B5EF4-FFF2-40B4-BE49-F238E27FC236}">
+                <a16:creationId xmlns:a16="http://schemas.microsoft.com/office/drawing/2014/main" id="{EFA0019E-F063-8646-1659-FC30E67A7949}"/>
+              </a:ext>
+            </a:extLst>
+          </p:cNvPr>
+          <p:cNvSpPr>
+            <a:spLocks noChangeArrowheads="1"/>
+          </p:cNvSpPr>
+          <p:nvPr/>
+        </p:nvSpPr>
+        <p:spPr bwMode="auto">
+          <a:xfrm>
+            <a:off x="1295400" y="1440828"/>
+            <a:ext cx="990600" cy="261610"/>
+          </a:xfrm>
+          <a:prstGeom prst="rect">
+            <a:avLst/>
+          </a:prstGeom>
+          <a:noFill/>
+          <a:ln>
+            <a:noFill/>
+          </a:ln>
+          <a:effectLst/>
+          <a:extLst>
+            <a:ext uri="{909E8E84-426E-40DD-AFC4-6F175D3DCCD1}">
+              <a14:hiddenFill xmlns:a14="http://schemas.microsoft.com/office/drawing/2010/main">
+                <a:solidFill>
+                  <a:schemeClr val="accent1"/>
+                </a:solidFill>
+              </a14:hiddenFill>
+            </a:ext>
+            <a:ext uri="{91240B29-F687-4F45-9708-019B960494DF}">
+              <a14:hiddenLine xmlns:a14="http://schemas.microsoft.com/office/drawing/2010/main" w="9525">
+                <a:solidFill>
+                  <a:schemeClr val="tx1"/>
+                </a:solidFill>
+                <a:miter lim="800000"/>
+                <a:headEnd/>
+                <a:tailEnd/>
+              </a14:hiddenLine>
+            </a:ext>
+            <a:ext uri="{AF507438-7753-43E0-B8FC-AC1667EBCBE1}">
+              <a14:hiddenEffects xmlns:a14="http://schemas.microsoft.com/office/drawing/2010/main">
+                <a:effectLst>
+                  <a:outerShdw dist="35921" dir="2700000" algn="ctr" rotWithShape="0">
+                    <a:schemeClr val="bg2"/>
+                  </a:outerShdw>
+                </a:effectLst>
+              </a14:hiddenEffects>
+            </a:ext>
+          </a:extLst>
+        </p:spPr>
+        <p:txBody>
+          <a:bodyPr vert="horz" wrap="square" lIns="91440" tIns="45720" rIns="91440" bIns="45720" numCol="1" anchor="ctr" anchorCtr="0" compatLnSpc="1">
+            <a:prstTxWarp prst="textNoShape">
+              <a:avLst/>
+            </a:prstTxWarp>
+            <a:spAutoFit/>
+          </a:bodyPr>
+          <a:lstStyle/>
+          <a:p>
+            <a:pPr marL="0" marR="0" lvl="0" indent="0" algn="l" defTabSz="914400" rtl="0" eaLnBrk="0" fontAlgn="base" latinLnBrk="0" hangingPunct="0">
+              <a:lnSpc>
+                <a:spcPct val="100000"/>
+              </a:lnSpc>
+              <a:spcBef>
+                <a:spcPct val="0"/>
+              </a:spcBef>
+              <a:spcAft>
+                <a:spcPct val="0"/>
+              </a:spcAft>
+              <a:buClrTx/>
+              <a:buSzTx/>
+              <a:buFontTx/>
+              <a:buNone/>
+              <a:tabLst/>
+            </a:pPr>
+            <a:r>
+              <a:rPr kumimoji="0" lang="en-US" altLang="en-US" sz="1100" b="0" i="0" u="none" strike="noStrike" cap="none" normalizeH="0" baseline="0" dirty="0">
+                <a:ln>
+                  <a:noFill/>
+                </a:ln>
+                <a:solidFill>
+                  <a:schemeClr val="tx1"/>
+                </a:solidFill>
+                <a:effectLst/>
+                <a:latin typeface="Arial" panose="020B0604020202020204" pitchFamily="34" charset="0"/>
+                <a:ea typeface="Cambria" panose="02040503050406030204" pitchFamily="18" charset="0"/>
+                <a:cs typeface="Cambria" panose="02040503050406030204" pitchFamily="18" charset="0"/>
+              </a:rPr>
+              <a:t>Log in</a:t>
+            </a:r>
+            <a:endParaRPr kumimoji="0" lang="en-US" altLang="en-US" sz="1800" b="0" i="0" u="none" strike="noStrike" cap="none" normalizeH="0" baseline="0" dirty="0">
+              <a:ln>
+                <a:noFill/>
+              </a:ln>
+              <a:solidFill>
+                <a:schemeClr val="tx1"/>
+              </a:solidFill>
+              <a:effectLst/>
+              <a:latin typeface="Arial" panose="020B0604020202020204" pitchFamily="34" charset="0"/>
+            </a:endParaRPr>
+          </a:p>
+        </p:txBody>
+      </p:sp>
     </p:spTree>
   </p:cSld>
   <p:clrMapOvr>
@@ -8696,11 +11480,14 @@
                       </a:solidFill>
                       <a:prstDash val="solid"/>
                     </a:lnR>
-                    <a:lnT w="38100">
-                      <a:solidFill>
-                        <a:srgbClr val="FFFFFF"/>
-                      </a:solidFill>
-                      <a:prstDash val="solid"/>
+                    <a:lnT w="12700" cap="flat" cmpd="sng" algn="ctr">
+                      <a:solidFill>
+                        <a:srgbClr val="FFFFFF"/>
+                      </a:solidFill>
+                      <a:prstDash val="solid"/>
+                      <a:round/>
+                      <a:headEnd type="none" w="med" len="med"/>
+                      <a:tailEnd type="none" w="med" len="med"/>
                     </a:lnT>
                     <a:lnB w="12700">
                       <a:solidFill>
@@ -8868,11 +11655,14 @@
                       </a:solidFill>
                       <a:prstDash val="solid"/>
                     </a:lnR>
-                    <a:lnT w="38100">
-                      <a:solidFill>
-                        <a:srgbClr val="FFFFFF"/>
-                      </a:solidFill>
-                      <a:prstDash val="solid"/>
+                    <a:lnT w="12700" cap="flat" cmpd="sng" algn="ctr">
+                      <a:solidFill>
+                        <a:srgbClr val="FFFFFF"/>
+                      </a:solidFill>
+                      <a:prstDash val="solid"/>
+                      <a:round/>
+                      <a:headEnd type="none" w="med" len="med"/>
+                      <a:tailEnd type="none" w="med" len="med"/>
                     </a:lnT>
                     <a:lnB w="12700">
                       <a:solidFill>
@@ -9040,11 +11830,14 @@
                       </a:solidFill>
                       <a:prstDash val="solid"/>
                     </a:lnR>
-                    <a:lnT w="38100">
-                      <a:solidFill>
-                        <a:srgbClr val="FFFFFF"/>
-                      </a:solidFill>
-                      <a:prstDash val="solid"/>
+                    <a:lnT w="12700" cap="flat" cmpd="sng" algn="ctr">
+                      <a:solidFill>
+                        <a:srgbClr val="FFFFFF"/>
+                      </a:solidFill>
+                      <a:prstDash val="solid"/>
+                      <a:round/>
+                      <a:headEnd type="none" w="med" len="med"/>
+                      <a:tailEnd type="none" w="med" len="med"/>
                     </a:lnT>
                     <a:lnB w="12700">
                       <a:solidFill>
@@ -13205,6 +15998,397 @@
 </file>
 
 <file path=ppt/slides/slide20.xml><?xml version="1.0" encoding="utf-8"?>
+<p:sld xmlns:a="http://schemas.openxmlformats.org/drawingml/2006/main" xmlns:r="http://schemas.openxmlformats.org/officeDocument/2006/relationships" xmlns:p="http://schemas.openxmlformats.org/presentationml/2006/main">
+  <p:cSld>
+    <p:spTree>
+      <p:nvGrpSpPr>
+        <p:cNvPr id="1" name=""/>
+        <p:cNvGrpSpPr/>
+        <p:nvPr/>
+      </p:nvGrpSpPr>
+      <p:grpSpPr>
+        <a:xfrm>
+          <a:off x="0" y="0"/>
+          <a:ext cx="0" cy="0"/>
+          <a:chOff x="0" y="0"/>
+          <a:chExt cx="0" cy="0"/>
+        </a:xfrm>
+      </p:grpSpPr>
+      <p:sp>
+        <p:nvSpPr>
+          <p:cNvPr id="2" name="object 2"/>
+          <p:cNvSpPr txBox="1">
+            <a:spLocks noGrp="1"/>
+          </p:cNvSpPr>
+          <p:nvPr>
+            <p:ph type="title"/>
+          </p:nvPr>
+        </p:nvSpPr>
+        <p:spPr>
+          <a:xfrm>
+            <a:off x="113792" y="429005"/>
+            <a:ext cx="3840479" cy="452120"/>
+          </a:xfrm>
+          <a:prstGeom prst="rect">
+            <a:avLst/>
+          </a:prstGeom>
+        </p:spPr>
+        <p:txBody>
+          <a:bodyPr vert="horz" wrap="square" lIns="0" tIns="12065" rIns="0" bIns="0" rtlCol="0">
+            <a:spAutoFit/>
+          </a:bodyPr>
+          <a:lstStyle/>
+          <a:p>
+            <a:pPr marL="12700">
+              <a:lnSpc>
+                <a:spcPct val="100000"/>
+              </a:lnSpc>
+              <a:spcBef>
+                <a:spcPts val="95"/>
+              </a:spcBef>
+            </a:pPr>
+            <a:r>
+              <a:rPr spc="-5" dirty="0"/>
+              <a:t>16. Project Results</a:t>
+            </a:r>
+            <a:r>
+              <a:rPr spc="-20" dirty="0"/>
+              <a:t> </a:t>
+            </a:r>
+            <a:r>
+              <a:rPr dirty="0"/>
+              <a:t>(</a:t>
+            </a:r>
+            <a:r>
+              <a:rPr lang="en-US" dirty="0"/>
+              <a:t>2</a:t>
+            </a:r>
+            <a:r>
+              <a:rPr dirty="0"/>
+              <a:t>/2)</a:t>
+            </a:r>
+          </a:p>
+        </p:txBody>
+      </p:sp>
+      <p:sp>
+        <p:nvSpPr>
+          <p:cNvPr id="3" name="object 3"/>
+          <p:cNvSpPr/>
+          <p:nvPr/>
+        </p:nvSpPr>
+        <p:spPr>
+          <a:xfrm>
+            <a:off x="60960" y="1171955"/>
+            <a:ext cx="8945880" cy="5635752"/>
+          </a:xfrm>
+          <a:prstGeom prst="rect">
+            <a:avLst/>
+          </a:prstGeom>
+          <a:blipFill>
+            <a:blip r:embed="rId2" cstate="print"/>
+            <a:stretch>
+              <a:fillRect/>
+            </a:stretch>
+          </a:blipFill>
+        </p:spPr>
+        <p:txBody>
+          <a:bodyPr wrap="square" lIns="0" tIns="0" rIns="0" bIns="0" rtlCol="0"/>
+          <a:lstStyle/>
+          <a:p>
+            <a:endParaRPr/>
+          </a:p>
+        </p:txBody>
+      </p:sp>
+      <p:sp>
+        <p:nvSpPr>
+          <p:cNvPr id="4" name="object 4"/>
+          <p:cNvSpPr/>
+          <p:nvPr/>
+        </p:nvSpPr>
+        <p:spPr>
+          <a:xfrm>
+            <a:off x="15240" y="1147572"/>
+            <a:ext cx="8951976" cy="4178807"/>
+          </a:xfrm>
+          <a:prstGeom prst="rect">
+            <a:avLst/>
+          </a:prstGeom>
+          <a:blipFill>
+            <a:blip r:embed="rId3" cstate="print"/>
+            <a:stretch>
+              <a:fillRect/>
+            </a:stretch>
+          </a:blipFill>
+        </p:spPr>
+        <p:txBody>
+          <a:bodyPr wrap="square" lIns="0" tIns="0" rIns="0" bIns="0" rtlCol="0"/>
+          <a:lstStyle/>
+          <a:p>
+            <a:endParaRPr/>
+          </a:p>
+        </p:txBody>
+      </p:sp>
+      <p:sp>
+        <p:nvSpPr>
+          <p:cNvPr id="5" name="object 5"/>
+          <p:cNvSpPr/>
+          <p:nvPr/>
+        </p:nvSpPr>
+        <p:spPr>
+          <a:xfrm>
+            <a:off x="-152400" y="1163488"/>
+            <a:ext cx="8856345" cy="16659165"/>
+          </a:xfrm>
+          <a:custGeom>
+            <a:avLst/>
+            <a:gdLst/>
+            <a:ahLst/>
+            <a:cxnLst/>
+            <a:rect l="l" t="t" r="r" b="b"/>
+            <a:pathLst>
+              <a:path w="8856345" h="5546090">
+                <a:moveTo>
+                  <a:pt x="0" y="5545836"/>
+                </a:moveTo>
+                <a:lnTo>
+                  <a:pt x="8855964" y="5545836"/>
+                </a:lnTo>
+                <a:lnTo>
+                  <a:pt x="8855964" y="0"/>
+                </a:lnTo>
+                <a:lnTo>
+                  <a:pt x="0" y="0"/>
+                </a:lnTo>
+                <a:lnTo>
+                  <a:pt x="0" y="5545836"/>
+                </a:lnTo>
+                <a:close/>
+              </a:path>
+            </a:pathLst>
+          </a:custGeom>
+          <a:solidFill>
+            <a:srgbClr val="F1F1F1"/>
+          </a:solidFill>
+        </p:spPr>
+        <p:txBody>
+          <a:bodyPr wrap="square" lIns="0" tIns="0" rIns="0" bIns="0" rtlCol="0"/>
+          <a:lstStyle/>
+          <a:p>
+            <a:endParaRPr dirty="0"/>
+          </a:p>
+        </p:txBody>
+      </p:sp>
+      <p:sp>
+        <p:nvSpPr>
+          <p:cNvPr id="6" name="object 6"/>
+          <p:cNvSpPr/>
+          <p:nvPr/>
+        </p:nvSpPr>
+        <p:spPr>
+          <a:xfrm>
+            <a:off x="108204" y="1196338"/>
+            <a:ext cx="8856345" cy="5546090"/>
+          </a:xfrm>
+          <a:custGeom>
+            <a:avLst/>
+            <a:gdLst/>
+            <a:ahLst/>
+            <a:cxnLst/>
+            <a:rect l="l" t="t" r="r" b="b"/>
+            <a:pathLst>
+              <a:path w="8856345" h="5546090">
+                <a:moveTo>
+                  <a:pt x="0" y="5545836"/>
+                </a:moveTo>
+                <a:lnTo>
+                  <a:pt x="8855964" y="5545836"/>
+                </a:lnTo>
+                <a:lnTo>
+                  <a:pt x="8855964" y="0"/>
+                </a:lnTo>
+                <a:lnTo>
+                  <a:pt x="0" y="0"/>
+                </a:lnTo>
+                <a:lnTo>
+                  <a:pt x="0" y="5545836"/>
+                </a:lnTo>
+                <a:close/>
+              </a:path>
+            </a:pathLst>
+          </a:custGeom>
+          <a:ln w="9144">
+            <a:solidFill>
+              <a:srgbClr val="000000"/>
+            </a:solidFill>
+          </a:ln>
+        </p:spPr>
+        <p:txBody>
+          <a:bodyPr wrap="square" lIns="0" tIns="0" rIns="0" bIns="0" rtlCol="0"/>
+          <a:lstStyle/>
+          <a:p>
+            <a:endParaRPr/>
+          </a:p>
+        </p:txBody>
+      </p:sp>
+      <p:sp>
+        <p:nvSpPr>
+          <p:cNvPr id="7" name="object 7"/>
+          <p:cNvSpPr txBox="1"/>
+          <p:nvPr/>
+        </p:nvSpPr>
+        <p:spPr>
+          <a:xfrm>
+            <a:off x="186639" y="1128083"/>
+            <a:ext cx="8614410" cy="684162"/>
+          </a:xfrm>
+          <a:prstGeom prst="rect">
+            <a:avLst/>
+          </a:prstGeom>
+        </p:spPr>
+        <p:txBody>
+          <a:bodyPr vert="horz" wrap="square" lIns="0" tIns="98425" rIns="0" bIns="0" rtlCol="0">
+            <a:spAutoFit/>
+          </a:bodyPr>
+          <a:lstStyle/>
+          <a:p>
+            <a:pPr marL="299085" indent="-286385">
+              <a:lnSpc>
+                <a:spcPct val="100000"/>
+              </a:lnSpc>
+              <a:spcBef>
+                <a:spcPts val="775"/>
+              </a:spcBef>
+              <a:buFont typeface="Wingdings"/>
+              <a:buChar char=""/>
+              <a:tabLst>
+                <a:tab pos="299720" algn="l"/>
+              </a:tabLst>
+            </a:pPr>
+            <a:r>
+              <a:rPr lang="en-US" sz="2000" b="1" spc="-5" dirty="0">
+                <a:latin typeface="Calibri"/>
+                <a:cs typeface="Calibri"/>
+              </a:rPr>
+              <a:t>Angular </a:t>
+            </a:r>
+            <a:r>
+              <a:rPr lang="en-US" sz="2000" b="1" spc="-5" dirty="0" err="1">
+                <a:latin typeface="Calibri"/>
+                <a:cs typeface="Calibri"/>
+              </a:rPr>
+              <a:t>js</a:t>
+            </a:r>
+            <a:r>
+              <a:rPr lang="en-US" sz="2000" b="1" spc="-5" dirty="0">
+                <a:latin typeface="Calibri"/>
+                <a:cs typeface="Calibri"/>
+              </a:rPr>
+              <a:t> and app</a:t>
+            </a:r>
+            <a:endParaRPr sz="2000" dirty="0">
+              <a:latin typeface="Calibri"/>
+              <a:cs typeface="Calibri"/>
+            </a:endParaRPr>
+          </a:p>
+          <a:p>
+            <a:pPr marL="756285" lvl="1" indent="-286385">
+              <a:lnSpc>
+                <a:spcPct val="100000"/>
+              </a:lnSpc>
+              <a:buFont typeface="Wingdings"/>
+              <a:buChar char=""/>
+              <a:tabLst>
+                <a:tab pos="756285" algn="l"/>
+                <a:tab pos="756920" algn="l"/>
+              </a:tabLst>
+            </a:pPr>
+            <a:endParaRPr lang="en-SG" spc="5" dirty="0">
+              <a:latin typeface="Calibri"/>
+              <a:cs typeface="Calibri"/>
+            </a:endParaRPr>
+          </a:p>
+        </p:txBody>
+      </p:sp>
+      <p:pic>
+        <p:nvPicPr>
+          <p:cNvPr id="11" name="Picture 10">
+            <a:extLst>
+              <a:ext uri="{FF2B5EF4-FFF2-40B4-BE49-F238E27FC236}">
+                <a16:creationId xmlns:a16="http://schemas.microsoft.com/office/drawing/2014/main" id="{6498B7C6-0962-7750-66CA-322D27A2F2AF}"/>
+              </a:ext>
+            </a:extLst>
+          </p:cNvPr>
+          <p:cNvPicPr>
+            <a:picLocks noChangeAspect="1"/>
+          </p:cNvPicPr>
+          <p:nvPr/>
+        </p:nvPicPr>
+        <p:blipFill>
+          <a:blip r:embed="rId4"/>
+          <a:stretch>
+            <a:fillRect/>
+          </a:stretch>
+        </p:blipFill>
+        <p:spPr>
+          <a:xfrm>
+            <a:off x="295038" y="2819400"/>
+            <a:ext cx="6920624" cy="3923028"/>
+          </a:xfrm>
+          <a:prstGeom prst="rect">
+            <a:avLst/>
+          </a:prstGeom>
+        </p:spPr>
+      </p:pic>
+      <p:pic>
+        <p:nvPicPr>
+          <p:cNvPr id="9" name="Picture 8">
+            <a:extLst>
+              <a:ext uri="{FF2B5EF4-FFF2-40B4-BE49-F238E27FC236}">
+                <a16:creationId xmlns:a16="http://schemas.microsoft.com/office/drawing/2014/main" id="{315F17BE-8A9C-8131-FE16-88B3F115C8E0}"/>
+              </a:ext>
+            </a:extLst>
+          </p:cNvPr>
+          <p:cNvPicPr>
+            <a:picLocks noChangeAspect="1"/>
+          </p:cNvPicPr>
+          <p:nvPr/>
+        </p:nvPicPr>
+        <p:blipFill>
+          <a:blip r:embed="rId5" cstate="print">
+            <a:extLst>
+              <a:ext uri="{28A0092B-C50C-407E-A947-70E740481C1C}">
+                <a14:useLocalDpi xmlns:a14="http://schemas.microsoft.com/office/drawing/2010/main" val="0"/>
+              </a:ext>
+            </a:extLst>
+          </a:blip>
+          <a:stretch>
+            <a:fillRect/>
+          </a:stretch>
+        </p:blipFill>
+        <p:spPr>
+          <a:xfrm>
+            <a:off x="5277620" y="1202553"/>
+            <a:ext cx="3489562" cy="2700098"/>
+          </a:xfrm>
+          <a:prstGeom prst="rect">
+            <a:avLst/>
+          </a:prstGeom>
+        </p:spPr>
+      </p:pic>
+    </p:spTree>
+    <p:extLst>
+      <p:ext uri="{BB962C8B-B14F-4D97-AF65-F5344CB8AC3E}">
+        <p14:creationId xmlns:p14="http://schemas.microsoft.com/office/powerpoint/2010/main" val="3190839584"/>
+      </p:ext>
+    </p:extLst>
+  </p:cSld>
+  <p:clrMapOvr>
+    <a:masterClrMapping/>
+  </p:clrMapOvr>
+</p:sld>
+</file>
+
+<file path=ppt/slides/slide21.xml><?xml version="1.0" encoding="utf-8"?>
 <p:sld xmlns:a="http://schemas.openxmlformats.org/drawingml/2006/main" xmlns:r="http://schemas.openxmlformats.org/officeDocument/2006/relationships" xmlns:p="http://schemas.openxmlformats.org/presentationml/2006/main">
   <p:cSld>
     <p:spTree>

--- a/AC_WD_M3_UI_Frameworks_ITSF_Project_Presentation_V3.pptx
+++ b/AC_WD_M3_UI_Frameworks_ITSF_Project_Presentation_V3.pptx
@@ -282,7 +282,7 @@
           <a:p>
             <a:fld id="{1D8BD707-D9CF-40AE-B4C6-C98DA3205C09}" type="datetimeFigureOut">
               <a:rPr lang="en-US"/>
-              <a:t>1/20/2023</a:t>
+              <a:t>1/25/2023</a:t>
             </a:fld>
             <a:endParaRPr lang="en-US"/>
           </a:p>
@@ -457,7 +457,7 @@
           <a:p>
             <a:fld id="{1D8BD707-D9CF-40AE-B4C6-C98DA3205C09}" type="datetimeFigureOut">
               <a:rPr lang="en-US"/>
-              <a:t>1/20/2023</a:t>
+              <a:t>1/25/2023</a:t>
             </a:fld>
             <a:endParaRPr lang="en-US"/>
           </a:p>
@@ -671,7 +671,7 @@
           <a:p>
             <a:fld id="{1D8BD707-D9CF-40AE-B4C6-C98DA3205C09}" type="datetimeFigureOut">
               <a:rPr lang="en-US"/>
-              <a:t>1/20/2023</a:t>
+              <a:t>1/25/2023</a:t>
             </a:fld>
             <a:endParaRPr lang="en-US"/>
           </a:p>
@@ -819,7 +819,7 @@
           <a:p>
             <a:fld id="{1D8BD707-D9CF-40AE-B4C6-C98DA3205C09}" type="datetimeFigureOut">
               <a:rPr lang="en-US"/>
-              <a:t>1/20/2023</a:t>
+              <a:t>1/25/2023</a:t>
             </a:fld>
             <a:endParaRPr lang="en-US"/>
           </a:p>
@@ -938,7 +938,7 @@
           <a:p>
             <a:fld id="{1D8BD707-D9CF-40AE-B4C6-C98DA3205C09}" type="datetimeFigureOut">
               <a:rPr lang="en-US"/>
-              <a:t>1/20/2023</a:t>
+              <a:t>1/25/2023</a:t>
             </a:fld>
             <a:endParaRPr lang="en-US"/>
           </a:p>
@@ -1219,7 +1219,7 @@
           <a:p>
             <a:fld id="{1D8BD707-D9CF-40AE-B4C6-C98DA3205C09}" type="datetimeFigureOut">
               <a:rPr lang="en-US"/>
-              <a:t>1/20/2023</a:t>
+              <a:t>1/25/2023</a:t>
             </a:fld>
             <a:endParaRPr lang="en-US"/>
           </a:p>
